--- a/Y3-Sem2/ITゼミ演習II/2024年度_12月報告会_Sk3a04_文家俊.pptx
+++ b/Y3-Sem2/ITゼミ演習II/2024年度_12月報告会_Sk3a04_文家俊.pptx
@@ -4078,7 +4078,7 @@
           <a:p>
             <a:fld id="{A25B1EB1-CDC4-F948-A361-2ADBE5BAC4B6}" type="datetimeFigureOut">
               <a:rPr kumimoji="1" lang="zh-HK" altLang="en-US" smtClean="0"/>
-              <a:t>08/11/24</a:t>
+              <a:t>12/11/24</a:t>
             </a:fld>
             <a:endParaRPr kumimoji="1" lang="zh-HK" altLang="en-US"/>
           </a:p>
@@ -5829,7 +5829,7 @@
           <a:p>
             <a:fld id="{6488FF91-0940-194F-9C77-DAE915FA224C}" type="datetime1">
               <a:rPr lang="zh-HK" altLang="en-US" smtClean="0"/>
-              <a:t>08/11/24</a:t>
+              <a:t>12/11/24</a:t>
             </a:fld>
             <a:endParaRPr lang="en-US" dirty="0"/>
           </a:p>
@@ -6159,7 +6159,7 @@
           <a:p>
             <a:fld id="{FA0DF90C-D644-6640-B8E0-8DE46E7F0644}" type="datetime1">
               <a:rPr lang="zh-HK" altLang="en-US" smtClean="0"/>
-              <a:t>08/11/24</a:t>
+              <a:t>12/11/24</a:t>
             </a:fld>
             <a:endParaRPr lang="en-US" dirty="0"/>
           </a:p>
@@ -6433,7 +6433,7 @@
           <a:p>
             <a:fld id="{A3E15762-F46E-5946-89D2-6B3C47526378}" type="datetime1">
               <a:rPr lang="zh-HK" altLang="en-US" smtClean="0"/>
-              <a:t>08/11/24</a:t>
+              <a:t>12/11/24</a:t>
             </a:fld>
             <a:endParaRPr lang="en-US" dirty="0"/>
           </a:p>
@@ -6997,7 +6997,7 @@
           <a:p>
             <a:fld id="{B1B66AF3-55CB-4E4C-8497-9B186D03A391}" type="datetime1">
               <a:rPr lang="zh-HK" altLang="en-US" smtClean="0"/>
-              <a:t>08/11/24</a:t>
+              <a:t>12/11/24</a:t>
             </a:fld>
             <a:endParaRPr lang="en-US" dirty="0"/>
           </a:p>
@@ -7271,7 +7271,7 @@
           <a:p>
             <a:fld id="{AD6D1AB9-DE2E-F74E-B26B-51B4C34E11D7}" type="datetime1">
               <a:rPr lang="zh-HK" altLang="en-US" smtClean="0"/>
-              <a:t>08/11/24</a:t>
+              <a:t>12/11/24</a:t>
             </a:fld>
             <a:endParaRPr lang="en-US" dirty="0"/>
           </a:p>
@@ -7829,7 +7829,7 @@
           <a:p>
             <a:fld id="{C604EF20-0F4F-5D4B-981E-76360C562C67}" type="datetime1">
               <a:rPr lang="zh-HK" altLang="en-US" smtClean="0"/>
-              <a:t>08/11/24</a:t>
+              <a:t>12/11/24</a:t>
             </a:fld>
             <a:endParaRPr lang="en-US" dirty="0"/>
           </a:p>
@@ -8152,7 +8152,7 @@
           <a:p>
             <a:fld id="{3CBAF90F-A823-E34C-A78F-4AE4CC7F67D9}" type="datetime1">
               <a:rPr lang="zh-HK" altLang="en-US" smtClean="0"/>
-              <a:t>08/11/24</a:t>
+              <a:t>12/11/24</a:t>
             </a:fld>
             <a:endParaRPr lang="en-US" dirty="0"/>
           </a:p>
@@ -8325,7 +8325,7 @@
           <a:p>
             <a:fld id="{360D99CF-A52E-1943-B2AF-2BB78B1FDB5F}" type="datetime1">
               <a:rPr lang="zh-HK" altLang="en-US" smtClean="0"/>
-              <a:t>08/11/24</a:t>
+              <a:t>12/11/24</a:t>
             </a:fld>
             <a:endParaRPr lang="en-US" dirty="0"/>
           </a:p>
@@ -8559,7 +8559,7 @@
           <a:p>
             <a:fld id="{8F0553CA-2D29-764D-AA8F-1197C6038739}" type="datetime1">
               <a:rPr lang="zh-HK" altLang="en-US" smtClean="0"/>
-              <a:t>08/11/24</a:t>
+              <a:t>12/11/24</a:t>
             </a:fld>
             <a:endParaRPr lang="en-US" dirty="0"/>
           </a:p>
@@ -8755,7 +8755,7 @@
           <a:p>
             <a:fld id="{090483E7-7DB3-3E42-9AA5-4E286FE4D513}" type="datetime1">
               <a:rPr lang="zh-HK" altLang="en-US" smtClean="0"/>
-              <a:t>08/11/24</a:t>
+              <a:t>12/11/24</a:t>
             </a:fld>
             <a:endParaRPr lang="en-US" dirty="0"/>
           </a:p>
@@ -9027,7 +9027,7 @@
           <a:p>
             <a:fld id="{88E40C52-B9B1-6D4B-AD30-EA6291ADE45B}" type="datetime1">
               <a:rPr lang="zh-HK" altLang="en-US" smtClean="0"/>
-              <a:t>08/11/24</a:t>
+              <a:t>12/11/24</a:t>
             </a:fld>
             <a:endParaRPr lang="en-US" dirty="0"/>
           </a:p>
@@ -9289,7 +9289,7 @@
           <a:p>
             <a:fld id="{B60E899F-DB52-CE42-A56D-2D8EF91025F2}" type="datetime1">
               <a:rPr lang="zh-HK" altLang="en-US" smtClean="0"/>
-              <a:t>08/11/24</a:t>
+              <a:t>12/11/24</a:t>
             </a:fld>
             <a:endParaRPr lang="en-US" dirty="0"/>
           </a:p>
@@ -9659,7 +9659,7 @@
           <a:p>
             <a:fld id="{5FEC8C46-8D78-CD47-8A77-31D3D7DDC27C}" type="datetime1">
               <a:rPr lang="zh-HK" altLang="en-US" smtClean="0"/>
-              <a:t>08/11/24</a:t>
+              <a:t>12/11/24</a:t>
             </a:fld>
             <a:endParaRPr lang="en-US" dirty="0"/>
           </a:p>
@@ -9803,7 +9803,7 @@
           <a:p>
             <a:fld id="{FE08F07B-E490-A64D-A8FD-15A7600DEDC6}" type="datetime1">
               <a:rPr lang="zh-HK" altLang="en-US" smtClean="0"/>
-              <a:t>08/11/24</a:t>
+              <a:t>12/11/24</a:t>
             </a:fld>
             <a:endParaRPr lang="en-US" dirty="0"/>
           </a:p>
@@ -9924,7 +9924,7 @@
           <a:p>
             <a:fld id="{0E7C8759-FE0A-E346-957B-D93FCC1699B5}" type="datetime1">
               <a:rPr lang="zh-HK" altLang="en-US" smtClean="0"/>
-              <a:t>08/11/24</a:t>
+              <a:t>12/11/24</a:t>
             </a:fld>
             <a:endParaRPr lang="en-US" dirty="0"/>
           </a:p>
@@ -10205,7 +10205,7 @@
           <a:p>
             <a:fld id="{D9D2399D-36B5-7243-824A-D8DDB2F38D52}" type="datetime1">
               <a:rPr lang="zh-HK" altLang="en-US" smtClean="0"/>
-              <a:t>08/11/24</a:t>
+              <a:t>12/11/24</a:t>
             </a:fld>
             <a:endParaRPr lang="en-US" dirty="0"/>
           </a:p>
@@ -10525,7 +10525,7 @@
           <a:p>
             <a:fld id="{A75A1BCC-89DB-FD42-9808-1E6C9FD979D2}" type="datetime1">
               <a:rPr lang="zh-HK" altLang="en-US" smtClean="0"/>
-              <a:t>08/11/24</a:t>
+              <a:t>12/11/24</a:t>
             </a:fld>
             <a:endParaRPr lang="en-US" dirty="0"/>
           </a:p>
@@ -10735,7 +10735,7 @@
           <a:p>
             <a:fld id="{6D0A750E-E3A6-1740-A438-6E87315FF5E3}" type="datetime1">
               <a:rPr lang="zh-HK" altLang="en-US" smtClean="0"/>
-              <a:t>08/11/24</a:t>
+              <a:t>12/11/24</a:t>
             </a:fld>
             <a:endParaRPr lang="en-US" dirty="0"/>
           </a:p>
@@ -12264,14 +12264,14 @@
             <p:ph idx="1"/>
             <p:extLst>
               <p:ext uri="{D42A27DB-BD31-4B8C-83A1-F6EECF244321}">
-                <p14:modId xmlns:p14="http://schemas.microsoft.com/office/powerpoint/2010/main" val="606975462"/>
+                <p14:modId xmlns:p14="http://schemas.microsoft.com/office/powerpoint/2010/main" val="4148619179"/>
               </p:ext>
             </p:extLst>
           </p:nvPr>
         </p:nvGraphicFramePr>
         <p:xfrm>
           <a:off x="965998" y="1456267"/>
-          <a:ext cx="10260000" cy="4209765"/>
+          <a:ext cx="10246958" cy="4209765"/>
         </p:xfrm>
         <a:graphic>
           <a:graphicData uri="http://schemas.openxmlformats.org/drawingml/2006/table">
@@ -12280,7 +12280,7 @@
                 <a:tableStyleId>{5C22544A-7EE6-4342-B048-85BDC9FD1C3A}</a:tableStyleId>
               </a:tblPr>
               <a:tblGrid>
-                <a:gridCol w="2412961">
+                <a:gridCol w="2399919">
                   <a:extLst>
                     <a:ext uri="{9D8B030D-6E8A-4147-A177-3AD203B41FA5}">
                       <a16:colId xmlns:a16="http://schemas.microsoft.com/office/drawing/2014/main" val="3365443076"/>
@@ -12791,7 +12791,7 @@
                           <a:latin typeface="Meiryo UI" panose="020B0604030504040204" pitchFamily="34" charset="-128"/>
                           <a:ea typeface="Meiryo UI" panose="020B0604030504040204" pitchFamily="34" charset="-128"/>
                         </a:rPr>
-                        <a:t>GOST R 34.11-2012</a:t>
+                        <a:t>GOST R</a:t>
                       </a:r>
                       <a:endParaRPr lang="en-US" sz="1600" dirty="0">
                         <a:latin typeface="Meiryo UI" panose="020B0604030504040204" pitchFamily="34" charset="-128"/>
@@ -14488,14 +14488,14 @@
             <p:ph idx="1"/>
             <p:extLst>
               <p:ext uri="{D42A27DB-BD31-4B8C-83A1-F6EECF244321}">
-                <p14:modId xmlns:p14="http://schemas.microsoft.com/office/powerpoint/2010/main" val="2940606444"/>
+                <p14:modId xmlns:p14="http://schemas.microsoft.com/office/powerpoint/2010/main" val="4093689429"/>
               </p:ext>
             </p:extLst>
           </p:nvPr>
         </p:nvGraphicFramePr>
         <p:xfrm>
-          <a:off x="458679" y="1998955"/>
-          <a:ext cx="11428520" cy="2860089"/>
+          <a:off x="1" y="1227106"/>
+          <a:ext cx="12185965" cy="2917055"/>
         </p:xfrm>
         <a:graphic>
           <a:graphicData uri="http://schemas.openxmlformats.org/drawingml/2006/table">
@@ -14504,43 +14504,85 @@
                 <a:tableStyleId>{5C22544A-7EE6-4342-B048-85BDC9FD1C3A}</a:tableStyleId>
               </a:tblPr>
               <a:tblGrid>
-                <a:gridCol w="2285704">
+                <a:gridCol w="1241570">
                   <a:extLst>
                     <a:ext uri="{9D8B030D-6E8A-4147-A177-3AD203B41FA5}">
                       <a16:colId xmlns:a16="http://schemas.microsoft.com/office/drawing/2014/main" val="3802710178"/>
                     </a:ext>
                   </a:extLst>
                 </a:gridCol>
-                <a:gridCol w="2285704">
+                <a:gridCol w="1048623">
                   <a:extLst>
                     <a:ext uri="{9D8B030D-6E8A-4147-A177-3AD203B41FA5}">
                       <a16:colId xmlns:a16="http://schemas.microsoft.com/office/drawing/2014/main" val="197980226"/>
                     </a:ext>
                   </a:extLst>
                 </a:gridCol>
-                <a:gridCol w="2285704">
+                <a:gridCol w="969054">
                   <a:extLst>
                     <a:ext uri="{9D8B030D-6E8A-4147-A177-3AD203B41FA5}">
-                      <a16:colId xmlns:a16="http://schemas.microsoft.com/office/drawing/2014/main" val="1948019006"/>
+                      <a16:colId xmlns:a16="http://schemas.microsoft.com/office/drawing/2014/main" val="4031616634"/>
                     </a:ext>
                   </a:extLst>
                 </a:gridCol>
-                <a:gridCol w="2285704">
+                <a:gridCol w="1140736">
                   <a:extLst>
                     <a:ext uri="{9D8B030D-6E8A-4147-A177-3AD203B41FA5}">
-                      <a16:colId xmlns:a16="http://schemas.microsoft.com/office/drawing/2014/main" val="2377003723"/>
+                      <a16:colId xmlns:a16="http://schemas.microsoft.com/office/drawing/2014/main" val="3502698574"/>
                     </a:ext>
                   </a:extLst>
                 </a:gridCol>
-                <a:gridCol w="2285704">
+                <a:gridCol w="1140737">
                   <a:extLst>
                     <a:ext uri="{9D8B030D-6E8A-4147-A177-3AD203B41FA5}">
-                      <a16:colId xmlns:a16="http://schemas.microsoft.com/office/drawing/2014/main" val="1666018401"/>
+                      <a16:colId xmlns:a16="http://schemas.microsoft.com/office/drawing/2014/main" val="710164641"/>
+                    </a:ext>
+                  </a:extLst>
+                </a:gridCol>
+                <a:gridCol w="927191">
+                  <a:extLst>
+                    <a:ext uri="{9D8B030D-6E8A-4147-A177-3AD203B41FA5}">
+                      <a16:colId xmlns:a16="http://schemas.microsoft.com/office/drawing/2014/main" val="278007834"/>
+                    </a:ext>
+                  </a:extLst>
+                </a:gridCol>
+                <a:gridCol w="981512">
+                  <a:extLst>
+                    <a:ext uri="{9D8B030D-6E8A-4147-A177-3AD203B41FA5}">
+                      <a16:colId xmlns:a16="http://schemas.microsoft.com/office/drawing/2014/main" val="1460269619"/>
+                    </a:ext>
+                  </a:extLst>
+                </a:gridCol>
+                <a:gridCol w="1610686">
+                  <a:extLst>
+                    <a:ext uri="{9D8B030D-6E8A-4147-A177-3AD203B41FA5}">
+                      <a16:colId xmlns:a16="http://schemas.microsoft.com/office/drawing/2014/main" val="2671526995"/>
+                    </a:ext>
+                  </a:extLst>
+                </a:gridCol>
+                <a:gridCol w="981512">
+                  <a:extLst>
+                    <a:ext uri="{9D8B030D-6E8A-4147-A177-3AD203B41FA5}">
+                      <a16:colId xmlns:a16="http://schemas.microsoft.com/office/drawing/2014/main" val="2792151916"/>
+                    </a:ext>
+                  </a:extLst>
+                </a:gridCol>
+                <a:gridCol w="804305">
+                  <a:extLst>
+                    <a:ext uri="{9D8B030D-6E8A-4147-A177-3AD203B41FA5}">
+                      <a16:colId xmlns:a16="http://schemas.microsoft.com/office/drawing/2014/main" val="3328095152"/>
+                    </a:ext>
+                  </a:extLst>
+                </a:gridCol>
+                <a:gridCol w="1340039">
+                  <a:extLst>
+                    <a:ext uri="{9D8B030D-6E8A-4147-A177-3AD203B41FA5}">
+                      <a16:colId xmlns:a16="http://schemas.microsoft.com/office/drawing/2014/main" val="2701643900"/>
                     </a:ext>
                   </a:extLst>
                 </a:gridCol>
               </a:tblGrid>
-              <a:tr h="953363">
+              <a:tr h="590336">
                 <a:tc>
                   <a:txBody>
                     <a:bodyPr/>
@@ -14562,13 +14604,16 @@
                     <a:p>
                       <a:pPr algn="ctr"/>
                       <a:r>
-                        <a:rPr lang="en-US" altLang="zh-HK" sz="2000" b="0" dirty="0">
+                        <a:rPr kumimoji="1" lang="en-US" altLang="zh-HK" sz="1600" dirty="0">
+                          <a:solidFill>
+                            <a:schemeClr val="tx1"/>
+                          </a:solidFill>
                           <a:latin typeface="Meiryo UI" panose="020B0604030504040204" pitchFamily="34" charset="-128"/>
                           <a:ea typeface="Meiryo UI" panose="020B0604030504040204" pitchFamily="34" charset="-128"/>
                         </a:rPr>
-                        <a:t>PPT</a:t>
+                        <a:t>Sha256</a:t>
                       </a:r>
-                      <a:endParaRPr lang="zh-HK" altLang="en-US" sz="2000" b="0" dirty="0">
+                      <a:endParaRPr lang="zh-HK" altLang="en-US" sz="1600" b="0" dirty="0">
                         <a:latin typeface="Meiryo UI" panose="020B0604030504040204" pitchFamily="34" charset="-128"/>
                         <a:ea typeface="Meiryo UI" panose="020B0604030504040204" pitchFamily="34" charset="-128"/>
                       </a:endParaRPr>
@@ -14583,19 +14628,16 @@
                     <a:p>
                       <a:pPr algn="ctr"/>
                       <a:r>
-                        <a:rPr lang="en-US" altLang="zh-HK" sz="2000" b="0" dirty="0">
+                        <a:rPr lang="en-US" altLang="zh-HK" sz="1600" b="1" dirty="0">
                           <a:latin typeface="Meiryo UI" panose="020B0604030504040204" pitchFamily="34" charset="-128"/>
                           <a:ea typeface="Meiryo UI" panose="020B0604030504040204" pitchFamily="34" charset="-128"/>
                         </a:rPr>
-                        <a:t>ER</a:t>
+                        <a:t>Argon2</a:t>
                       </a:r>
-                      <a:r>
-                        <a:rPr lang="zh-HK" altLang="en-US" sz="2000" b="0" dirty="0">
-                          <a:latin typeface="Meiryo UI" panose="020B0604030504040204" pitchFamily="34" charset="-128"/>
-                          <a:ea typeface="Meiryo UI" panose="020B0604030504040204" pitchFamily="34" charset="-128"/>
-                        </a:rPr>
-                        <a:t>図</a:t>
-                      </a:r>
+                      <a:endParaRPr lang="zh-HK" altLang="en-US" sz="1600" b="0" dirty="0">
+                        <a:latin typeface="Meiryo UI" panose="020B0604030504040204" pitchFamily="34" charset="-128"/>
+                        <a:ea typeface="Meiryo UI" panose="020B0604030504040204" pitchFamily="34" charset="-128"/>
+                      </a:endParaRPr>
                     </a:p>
                   </a:txBody>
                   <a:tcPr marL="83737" marR="83737" marT="41868" marB="41868" anchor="ctr"/>
@@ -14607,12 +14649,16 @@
                     <a:p>
                       <a:pPr algn="ctr"/>
                       <a:r>
-                        <a:rPr lang="zh-HK" altLang="en-US" sz="2000" b="0" dirty="0">
+                        <a:rPr lang="en-US" altLang="zh-HK" sz="1600" b="1" dirty="0">
                           <a:latin typeface="Meiryo UI" panose="020B0604030504040204" pitchFamily="34" charset="-128"/>
                           <a:ea typeface="Meiryo UI" panose="020B0604030504040204" pitchFamily="34" charset="-128"/>
                         </a:rPr>
-                        <a:t>履歴書</a:t>
+                        <a:t>Blake2b</a:t>
                       </a:r>
+                      <a:endParaRPr lang="zh-HK" altLang="en-US" sz="1600" b="0" dirty="0">
+                        <a:latin typeface="Meiryo UI" panose="020B0604030504040204" pitchFamily="34" charset="-128"/>
+                        <a:ea typeface="Meiryo UI" panose="020B0604030504040204" pitchFamily="34" charset="-128"/>
+                      </a:endParaRPr>
                     </a:p>
                   </a:txBody>
                   <a:tcPr marL="83737" marR="83737" marT="41868" marB="41868" anchor="ctr"/>
@@ -14624,19 +14670,165 @@
                     <a:p>
                       <a:pPr algn="ctr"/>
                       <a:r>
-                        <a:rPr lang="ja-JP" altLang="en-US" sz="2000" b="0">
+                        <a:rPr lang="en-US" altLang="zh-HK" sz="1600" b="1" dirty="0">
                           <a:latin typeface="Meiryo UI" panose="020B0604030504040204" pitchFamily="34" charset="-128"/>
                           <a:ea typeface="Meiryo UI" panose="020B0604030504040204" pitchFamily="34" charset="-128"/>
                         </a:rPr>
-                        <a:t>スキャン</a:t>
+                        <a:t>Blake2s</a:t>
                       </a:r>
+                      <a:endParaRPr lang="zh-HK" altLang="en-US" sz="1600" b="0" dirty="0">
+                        <a:latin typeface="Meiryo UI" panose="020B0604030504040204" pitchFamily="34" charset="-128"/>
+                        <a:ea typeface="Meiryo UI" panose="020B0604030504040204" pitchFamily="34" charset="-128"/>
+                      </a:endParaRPr>
+                    </a:p>
+                  </a:txBody>
+                  <a:tcPr marL="83737" marR="83737" marT="41868" marB="41868" anchor="ctr"/>
+                </a:tc>
+                <a:tc>
+                  <a:txBody>
+                    <a:bodyPr/>
+                    <a:lstStyle/>
+                    <a:p>
+                      <a:pPr algn="ctr"/>
                       <a:r>
-                        <a:rPr lang="zh-HK" altLang="en-US" sz="2000" b="0" dirty="0">
+                        <a:rPr lang="en-US" altLang="zh-HK" sz="1600" b="1" dirty="0">
                           <a:latin typeface="Meiryo UI" panose="020B0604030504040204" pitchFamily="34" charset="-128"/>
                           <a:ea typeface="Meiryo UI" panose="020B0604030504040204" pitchFamily="34" charset="-128"/>
                         </a:rPr>
-                        <a:t>した写真</a:t>
+                        <a:t>Blake</a:t>
                       </a:r>
+                      <a:r>
+                        <a:rPr lang="en-US" altLang="zh-TW" sz="1600" b="1" dirty="0">
+                          <a:latin typeface="Meiryo UI" panose="020B0604030504040204" pitchFamily="34" charset="-128"/>
+                          <a:ea typeface="Meiryo UI" panose="020B0604030504040204" pitchFamily="34" charset="-128"/>
+                        </a:rPr>
+                        <a:t>3</a:t>
+                      </a:r>
+                      <a:endParaRPr lang="zh-HK" altLang="en-US" sz="1600" b="0" dirty="0">
+                        <a:latin typeface="Meiryo UI" panose="020B0604030504040204" pitchFamily="34" charset="-128"/>
+                        <a:ea typeface="Meiryo UI" panose="020B0604030504040204" pitchFamily="34" charset="-128"/>
+                      </a:endParaRPr>
+                    </a:p>
+                  </a:txBody>
+                  <a:tcPr marL="83737" marR="83737" marT="41868" marB="41868" anchor="ctr"/>
+                </a:tc>
+                <a:tc>
+                  <a:txBody>
+                    <a:bodyPr/>
+                    <a:lstStyle/>
+                    <a:p>
+                      <a:pPr marL="0" marR="0" lvl="0" indent="0" algn="ctr" defTabSz="457200" rtl="0" eaLnBrk="1" fontAlgn="auto" latinLnBrk="0" hangingPunct="1">
+                        <a:lnSpc>
+                          <a:spcPct val="100000"/>
+                        </a:lnSpc>
+                        <a:spcBef>
+                          <a:spcPts val="0"/>
+                        </a:spcBef>
+                        <a:spcAft>
+                          <a:spcPts val="0"/>
+                        </a:spcAft>
+                        <a:buClrTx/>
+                        <a:buSzTx/>
+                        <a:buFontTx/>
+                        <a:buNone/>
+                        <a:tabLst/>
+                        <a:defRPr/>
+                      </a:pPr>
+                      <a:r>
+                        <a:rPr lang="en-US" altLang="zh-HK" sz="1600" b="1" dirty="0">
+                          <a:latin typeface="Meiryo UI" panose="020B0604030504040204" pitchFamily="34" charset="-128"/>
+                          <a:ea typeface="Meiryo UI" panose="020B0604030504040204" pitchFamily="34" charset="-128"/>
+                        </a:rPr>
+                        <a:t>GOST R</a:t>
+                      </a:r>
+                      <a:endParaRPr lang="en-US" altLang="zh-HK" sz="1600" dirty="0">
+                        <a:latin typeface="Meiryo UI" panose="020B0604030504040204" pitchFamily="34" charset="-128"/>
+                        <a:ea typeface="Meiryo UI" panose="020B0604030504040204" pitchFamily="34" charset="-128"/>
+                      </a:endParaRPr>
+                    </a:p>
+                  </a:txBody>
+                  <a:tcPr marL="83737" marR="83737" marT="41868" marB="41868" anchor="ctr"/>
+                </a:tc>
+                <a:tc>
+                  <a:txBody>
+                    <a:bodyPr/>
+                    <a:lstStyle/>
+                    <a:p>
+                      <a:pPr algn="ctr"/>
+                      <a:r>
+                        <a:rPr lang="en-US" altLang="zh-HK" sz="1600" b="1" dirty="0">
+                          <a:latin typeface="Meiryo UI" panose="020B0604030504040204" pitchFamily="34" charset="-128"/>
+                          <a:ea typeface="Meiryo UI" panose="020B0604030504040204" pitchFamily="34" charset="-128"/>
+                        </a:rPr>
+                        <a:t>RIPEMD-160</a:t>
+                      </a:r>
+                      <a:endParaRPr lang="zh-HK" altLang="en-US" sz="1600" b="0" dirty="0">
+                        <a:latin typeface="Meiryo UI" panose="020B0604030504040204" pitchFamily="34" charset="-128"/>
+                        <a:ea typeface="Meiryo UI" panose="020B0604030504040204" pitchFamily="34" charset="-128"/>
+                      </a:endParaRPr>
+                    </a:p>
+                  </a:txBody>
+                  <a:tcPr marL="83737" marR="83737" marT="41868" marB="41868" anchor="ctr"/>
+                </a:tc>
+                <a:tc>
+                  <a:txBody>
+                    <a:bodyPr/>
+                    <a:lstStyle/>
+                    <a:p>
+                      <a:pPr algn="ctr"/>
+                      <a:r>
+                        <a:rPr lang="en-US" altLang="zh-HK" sz="1600" b="1" dirty="0">
+                          <a:latin typeface="Meiryo UI" panose="020B0604030504040204" pitchFamily="34" charset="-128"/>
+                          <a:ea typeface="Meiryo UI" panose="020B0604030504040204" pitchFamily="34" charset="-128"/>
+                        </a:rPr>
+                        <a:t>Keccak</a:t>
+                      </a:r>
+                      <a:endParaRPr lang="zh-HK" altLang="en-US" sz="1600" b="0" dirty="0">
+                        <a:latin typeface="Meiryo UI" panose="020B0604030504040204" pitchFamily="34" charset="-128"/>
+                        <a:ea typeface="Meiryo UI" panose="020B0604030504040204" pitchFamily="34" charset="-128"/>
+                      </a:endParaRPr>
+                    </a:p>
+                  </a:txBody>
+                  <a:tcPr marL="83737" marR="83737" marT="41868" marB="41868" anchor="ctr"/>
+                </a:tc>
+                <a:tc>
+                  <a:txBody>
+                    <a:bodyPr/>
+                    <a:lstStyle/>
+                    <a:p>
+                      <a:pPr algn="ctr"/>
+                      <a:r>
+                        <a:rPr lang="en-US" altLang="zh-HK" sz="1600" b="1" dirty="0">
+                          <a:latin typeface="Meiryo UI" panose="020B0604030504040204" pitchFamily="34" charset="-128"/>
+                          <a:ea typeface="Meiryo UI" panose="020B0604030504040204" pitchFamily="34" charset="-128"/>
+                        </a:rPr>
+                        <a:t>Skein</a:t>
+                      </a:r>
+                      <a:endParaRPr lang="zh-HK" altLang="en-US" sz="1600" b="0" dirty="0">
+                        <a:latin typeface="Meiryo UI" panose="020B0604030504040204" pitchFamily="34" charset="-128"/>
+                        <a:ea typeface="Meiryo UI" panose="020B0604030504040204" pitchFamily="34" charset="-128"/>
+                      </a:endParaRPr>
+                    </a:p>
+                  </a:txBody>
+                  <a:tcPr marL="83737" marR="83737" marT="41868" marB="41868" anchor="ctr"/>
+                </a:tc>
+                <a:tc>
+                  <a:txBody>
+                    <a:bodyPr/>
+                    <a:lstStyle/>
+                    <a:p>
+                      <a:pPr algn="ctr"/>
+                      <a:r>
+                        <a:rPr lang="en-US" altLang="zh-HK" sz="1600" b="1" dirty="0">
+                          <a:latin typeface="Meiryo UI" panose="020B0604030504040204" pitchFamily="34" charset="-128"/>
+                          <a:ea typeface="Meiryo UI" panose="020B0604030504040204" pitchFamily="34" charset="-128"/>
+                        </a:rPr>
+                        <a:t>Whirlpool</a:t>
+                      </a:r>
+                      <a:endParaRPr lang="zh-HK" altLang="en-US" sz="1600" b="0" dirty="0">
+                        <a:latin typeface="Meiryo UI" panose="020B0604030504040204" pitchFamily="34" charset="-128"/>
+                        <a:ea typeface="Meiryo UI" panose="020B0604030504040204" pitchFamily="34" charset="-128"/>
+                      </a:endParaRPr>
                     </a:p>
                   </a:txBody>
                   <a:tcPr marL="83737" marR="83737" marT="41868" marB="41868" anchor="ctr"/>
@@ -14647,7 +14839,7 @@
                   </a:ext>
                 </a:extLst>
               </a:tr>
-              <a:tr h="953363">
+              <a:tr h="531475">
                 <a:tc>
                   <a:txBody>
                     <a:bodyPr/>
@@ -14655,16 +14847,45 @@
                     <a:p>
                       <a:pPr algn="ctr"/>
                       <a:r>
-                        <a:rPr kumimoji="1" lang="en-US" altLang="zh-HK" sz="2000" dirty="0">
+                        <a:rPr lang="en-US" altLang="zh-HK" sz="1600" b="1" dirty="0">
                           <a:solidFill>
                             <a:schemeClr val="tx1"/>
                           </a:solidFill>
                           <a:latin typeface="Meiryo UI" panose="020B0604030504040204" pitchFamily="34" charset="-128"/>
                           <a:ea typeface="Meiryo UI" panose="020B0604030504040204" pitchFamily="34" charset="-128"/>
                         </a:rPr>
-                        <a:t>Sha256</a:t>
+                        <a:t>PPT</a:t>
                       </a:r>
-                      <a:endParaRPr lang="zh-HK" altLang="en-US" sz="2000" dirty="0">
+                    </a:p>
+                    <a:p>
+                      <a:pPr marL="0" marR="0" lvl="0" indent="0" algn="ctr" defTabSz="457200" rtl="0" eaLnBrk="1" fontAlgn="auto" latinLnBrk="0" hangingPunct="1">
+                        <a:lnSpc>
+                          <a:spcPct val="100000"/>
+                        </a:lnSpc>
+                        <a:spcBef>
+                          <a:spcPts val="0"/>
+                        </a:spcBef>
+                        <a:spcAft>
+                          <a:spcPts val="0"/>
+                        </a:spcAft>
+                        <a:buClrTx/>
+                        <a:buSzTx/>
+                        <a:buFontTx/>
+                        <a:buNone/>
+                        <a:tabLst/>
+                        <a:defRPr/>
+                      </a:pPr>
+                      <a:r>
+                        <a:rPr lang="en-US" altLang="zh-HK" sz="1600" b="1" dirty="0">
+                          <a:solidFill>
+                            <a:schemeClr val="tx1"/>
+                          </a:solidFill>
+                          <a:latin typeface="Meiryo UI" panose="020B0604030504040204" pitchFamily="34" charset="-128"/>
+                          <a:ea typeface="Meiryo UI" panose="020B0604030504040204" pitchFamily="34" charset="-128"/>
+                        </a:rPr>
+                        <a:t>114KB</a:t>
+                      </a:r>
+                      <a:endParaRPr lang="zh-HK" altLang="en-US" sz="1600" b="1" dirty="0">
                         <a:solidFill>
                           <a:schemeClr val="tx1"/>
                         </a:solidFill>
@@ -14702,34 +14923,40 @@
                         <a:defRPr/>
                       </a:pPr>
                       <a:r>
-                        <a:rPr lang="en-US" altLang="zh-HK" sz="1600" dirty="0">
+                        <a:rPr lang="en-US" altLang="zh-HK" sz="1400" dirty="0">
+                          <a:latin typeface="Meiryo UI" panose="020B0604030504040204" pitchFamily="34" charset="-128"/>
+                          <a:ea typeface="Meiryo UI" panose="020B0604030504040204" pitchFamily="34" charset="-128"/>
+                        </a:rPr>
+                        <a:t>8</a:t>
+                      </a:r>
+                      <a:r>
+                        <a:rPr lang="zh-HK" altLang="en-US" sz="1400" dirty="0">
+                          <a:latin typeface="Meiryo UI" panose="020B0604030504040204" pitchFamily="34" charset="-128"/>
+                          <a:ea typeface="Meiryo UI" panose="020B0604030504040204" pitchFamily="34" charset="-128"/>
+                        </a:rPr>
+                        <a:t>秒</a:t>
+                      </a:r>
+                      <a:br>
+                        <a:rPr lang="en-US" altLang="zh-HK" sz="1400" dirty="0">
+                          <a:latin typeface="Meiryo UI" panose="020B0604030504040204" pitchFamily="34" charset="-128"/>
+                          <a:ea typeface="Meiryo UI" panose="020B0604030504040204" pitchFamily="34" charset="-128"/>
+                        </a:rPr>
+                      </a:br>
+                      <a:r>
+                        <a:rPr lang="en-US" altLang="zh-HK" sz="1400" dirty="0">
                           <a:latin typeface="Meiryo UI" panose="020B0604030504040204" pitchFamily="34" charset="-128"/>
                           <a:ea typeface="Meiryo UI" panose="020B0604030504040204" pitchFamily="34" charset="-128"/>
                         </a:rPr>
                         <a:t>~3</a:t>
                       </a:r>
                       <a:r>
-                        <a:rPr lang="zh-HK" altLang="en-US" sz="1600" dirty="0">
+                        <a:rPr lang="zh-HK" altLang="en-US" sz="1400" dirty="0">
                           <a:latin typeface="Meiryo UI" panose="020B0604030504040204" pitchFamily="34" charset="-128"/>
                           <a:ea typeface="Meiryo UI" panose="020B0604030504040204" pitchFamily="34" charset="-128"/>
                         </a:rPr>
                         <a:t>分</a:t>
                       </a:r>
-                      <a:endParaRPr lang="en-US" altLang="zh-HK" sz="1600" dirty="0">
-                        <a:latin typeface="Meiryo UI" panose="020B0604030504040204" pitchFamily="34" charset="-128"/>
-                        <a:ea typeface="Meiryo UI" panose="020B0604030504040204" pitchFamily="34" charset="-128"/>
-                      </a:endParaRPr>
-                    </a:p>
-                    <a:p>
-                      <a:pPr algn="ctr"/>
-                      <a:r>
-                        <a:rPr lang="en-US" altLang="zh-HK" sz="1600" dirty="0">
-                          <a:latin typeface="Meiryo UI" panose="020B0604030504040204" pitchFamily="34" charset="-128"/>
-                          <a:ea typeface="Meiryo UI" panose="020B0604030504040204" pitchFamily="34" charset="-128"/>
-                        </a:rPr>
-                        <a:t>114KB</a:t>
-                      </a:r>
-                      <a:endParaRPr lang="zh-HK" altLang="en-US" sz="1600" dirty="0">
+                      <a:endParaRPr lang="en-US" altLang="zh-HK" sz="1400" dirty="0">
                         <a:latin typeface="Meiryo UI" panose="020B0604030504040204" pitchFamily="34" charset="-128"/>
                         <a:ea typeface="Meiryo UI" panose="020B0604030504040204" pitchFamily="34" charset="-128"/>
                       </a:endParaRPr>
@@ -14760,48 +14987,600 @@
                         <a:defRPr/>
                       </a:pPr>
                       <a:r>
-                        <a:rPr lang="en-US" altLang="zh-HK" sz="1600" dirty="0">
+                        <a:rPr lang="en-US" altLang="zh-HK" sz="1400" dirty="0">
+                          <a:latin typeface="Meiryo UI" panose="020B0604030504040204" pitchFamily="34" charset="-128"/>
+                          <a:ea typeface="Meiryo UI" panose="020B0604030504040204" pitchFamily="34" charset="-128"/>
+                        </a:rPr>
+                        <a:t>4</a:t>
+                      </a:r>
+                      <a:r>
+                        <a:rPr lang="zh-HK" altLang="en-US" sz="1400" dirty="0">
+                          <a:latin typeface="Meiryo UI" panose="020B0604030504040204" pitchFamily="34" charset="-128"/>
+                          <a:ea typeface="Meiryo UI" panose="020B0604030504040204" pitchFamily="34" charset="-128"/>
+                        </a:rPr>
+                        <a:t>秒</a:t>
+                      </a:r>
+                      <a:endParaRPr lang="en-US" altLang="zh-HK" sz="1400" dirty="0">
+                        <a:latin typeface="Meiryo UI" panose="020B0604030504040204" pitchFamily="34" charset="-128"/>
+                        <a:ea typeface="Meiryo UI" panose="020B0604030504040204" pitchFamily="34" charset="-128"/>
+                      </a:endParaRPr>
+                    </a:p>
+                  </a:txBody>
+                  <a:tcPr marL="83737" marR="83737" marT="41868" marB="41868" anchor="ctr"/>
+                </a:tc>
+                <a:tc>
+                  <a:txBody>
+                    <a:bodyPr/>
+                    <a:lstStyle/>
+                    <a:p>
+                      <a:pPr algn="ctr"/>
+                      <a:endParaRPr lang="zh-HK" altLang="en-US" sz="1400" dirty="0">
+                        <a:latin typeface="Meiryo UI" panose="020B0604030504040204" pitchFamily="34" charset="-128"/>
+                        <a:ea typeface="Meiryo UI" panose="020B0604030504040204" pitchFamily="34" charset="-128"/>
+                      </a:endParaRPr>
+                    </a:p>
+                  </a:txBody>
+                  <a:tcPr marL="83737" marR="83737" marT="41868" marB="41868" anchor="ctr"/>
+                </a:tc>
+                <a:tc>
+                  <a:txBody>
+                    <a:bodyPr/>
+                    <a:lstStyle/>
+                    <a:p>
+                      <a:pPr algn="ctr"/>
+                      <a:endParaRPr lang="zh-HK" altLang="en-US" sz="1400" dirty="0">
+                        <a:latin typeface="Meiryo UI" panose="020B0604030504040204" pitchFamily="34" charset="-128"/>
+                        <a:ea typeface="Meiryo UI" panose="020B0604030504040204" pitchFamily="34" charset="-128"/>
+                      </a:endParaRPr>
+                    </a:p>
+                  </a:txBody>
+                  <a:tcPr marL="83737" marR="83737" marT="41868" marB="41868" anchor="ctr"/>
+                </a:tc>
+                <a:tc>
+                  <a:txBody>
+                    <a:bodyPr/>
+                    <a:lstStyle/>
+                    <a:p>
+                      <a:pPr algn="ctr"/>
+                      <a:endParaRPr lang="zh-HK" altLang="en-US" sz="1400" dirty="0">
+                        <a:latin typeface="Meiryo UI" panose="020B0604030504040204" pitchFamily="34" charset="-128"/>
+                        <a:ea typeface="Meiryo UI" panose="020B0604030504040204" pitchFamily="34" charset="-128"/>
+                      </a:endParaRPr>
+                    </a:p>
+                  </a:txBody>
+                  <a:tcPr marL="83737" marR="83737" marT="41868" marB="41868" anchor="ctr"/>
+                </a:tc>
+                <a:tc>
+                  <a:txBody>
+                    <a:bodyPr/>
+                    <a:lstStyle/>
+                    <a:p>
+                      <a:pPr algn="ctr"/>
+                      <a:endParaRPr lang="zh-HK" altLang="en-US" sz="1400" dirty="0">
+                        <a:latin typeface="Meiryo UI" panose="020B0604030504040204" pitchFamily="34" charset="-128"/>
+                        <a:ea typeface="Meiryo UI" panose="020B0604030504040204" pitchFamily="34" charset="-128"/>
+                      </a:endParaRPr>
+                    </a:p>
+                  </a:txBody>
+                  <a:tcPr marL="83737" marR="83737" marT="41868" marB="41868" anchor="ctr"/>
+                </a:tc>
+                <a:tc>
+                  <a:txBody>
+                    <a:bodyPr/>
+                    <a:lstStyle/>
+                    <a:p>
+                      <a:pPr algn="ctr"/>
+                      <a:endParaRPr lang="zh-HK" altLang="en-US" sz="1400" dirty="0">
+                        <a:latin typeface="Meiryo UI" panose="020B0604030504040204" pitchFamily="34" charset="-128"/>
+                        <a:ea typeface="Meiryo UI" panose="020B0604030504040204" pitchFamily="34" charset="-128"/>
+                      </a:endParaRPr>
+                    </a:p>
+                  </a:txBody>
+                  <a:tcPr marL="83737" marR="83737" marT="41868" marB="41868" anchor="ctr"/>
+                </a:tc>
+                <a:tc>
+                  <a:txBody>
+                    <a:bodyPr/>
+                    <a:lstStyle/>
+                    <a:p>
+                      <a:pPr algn="ctr"/>
+                      <a:endParaRPr lang="zh-HK" altLang="en-US" sz="1400" dirty="0">
+                        <a:latin typeface="Meiryo UI" panose="020B0604030504040204" pitchFamily="34" charset="-128"/>
+                        <a:ea typeface="Meiryo UI" panose="020B0604030504040204" pitchFamily="34" charset="-128"/>
+                      </a:endParaRPr>
+                    </a:p>
+                  </a:txBody>
+                  <a:tcPr marL="83737" marR="83737" marT="41868" marB="41868" anchor="ctr"/>
+                </a:tc>
+                <a:tc>
+                  <a:txBody>
+                    <a:bodyPr/>
+                    <a:lstStyle/>
+                    <a:p>
+                      <a:pPr algn="ctr"/>
+                      <a:endParaRPr lang="zh-HK" altLang="en-US" sz="1400" dirty="0">
+                        <a:latin typeface="Meiryo UI" panose="020B0604030504040204" pitchFamily="34" charset="-128"/>
+                        <a:ea typeface="Meiryo UI" panose="020B0604030504040204" pitchFamily="34" charset="-128"/>
+                      </a:endParaRPr>
+                    </a:p>
+                  </a:txBody>
+                  <a:tcPr marL="83737" marR="83737" marT="41868" marB="41868" anchor="ctr"/>
+                </a:tc>
+                <a:tc>
+                  <a:txBody>
+                    <a:bodyPr/>
+                    <a:lstStyle/>
+                    <a:p>
+                      <a:pPr algn="ctr"/>
+                      <a:endParaRPr lang="zh-HK" altLang="en-US" sz="1400" dirty="0">
+                        <a:latin typeface="Meiryo UI" panose="020B0604030504040204" pitchFamily="34" charset="-128"/>
+                        <a:ea typeface="Meiryo UI" panose="020B0604030504040204" pitchFamily="34" charset="-128"/>
+                      </a:endParaRPr>
+                    </a:p>
+                  </a:txBody>
+                  <a:tcPr marL="83737" marR="83737" marT="41868" marB="41868" anchor="ctr"/>
+                </a:tc>
+                <a:extLst>
+                  <a:ext uri="{0D108BD9-81ED-4DB2-BD59-A6C34878D82A}">
+                    <a16:rowId xmlns:a16="http://schemas.microsoft.com/office/drawing/2014/main" val="818966460"/>
+                  </a:ext>
+                </a:extLst>
+              </a:tr>
+              <a:tr h="562063">
+                <a:tc>
+                  <a:txBody>
+                    <a:bodyPr/>
+                    <a:lstStyle/>
+                    <a:p>
+                      <a:pPr marL="0" marR="0" lvl="0" indent="0" algn="ctr" defTabSz="457200" rtl="0" eaLnBrk="1" fontAlgn="auto" latinLnBrk="0" hangingPunct="1">
+                        <a:lnSpc>
+                          <a:spcPct val="100000"/>
+                        </a:lnSpc>
+                        <a:spcBef>
+                          <a:spcPts val="0"/>
+                        </a:spcBef>
+                        <a:spcAft>
+                          <a:spcPts val="0"/>
+                        </a:spcAft>
+                        <a:buClrTx/>
+                        <a:buSzTx/>
+                        <a:buFontTx/>
+                        <a:buNone/>
+                        <a:tabLst/>
+                        <a:defRPr/>
+                      </a:pPr>
+                      <a:r>
+                        <a:rPr lang="en-US" altLang="zh-HK" sz="1600" b="1" dirty="0">
+                          <a:solidFill>
+                            <a:schemeClr val="tx1"/>
+                          </a:solidFill>
+                          <a:latin typeface="Meiryo UI" panose="020B0604030504040204" pitchFamily="34" charset="-128"/>
+                          <a:ea typeface="Meiryo UI" panose="020B0604030504040204" pitchFamily="34" charset="-128"/>
+                        </a:rPr>
+                        <a:t>ER</a:t>
+                      </a:r>
+                      <a:r>
+                        <a:rPr lang="zh-HK" altLang="en-US" sz="1600" b="1" dirty="0">
+                          <a:solidFill>
+                            <a:schemeClr val="tx1"/>
+                          </a:solidFill>
+                          <a:latin typeface="Meiryo UI" panose="020B0604030504040204" pitchFamily="34" charset="-128"/>
+                          <a:ea typeface="Meiryo UI" panose="020B0604030504040204" pitchFamily="34" charset="-128"/>
+                        </a:rPr>
+                        <a:t>図</a:t>
+                      </a:r>
+                      <a:endParaRPr lang="en-US" altLang="zh-HK" sz="1600" b="1" dirty="0">
+                        <a:solidFill>
+                          <a:schemeClr val="tx1"/>
+                        </a:solidFill>
+                        <a:latin typeface="Meiryo UI" panose="020B0604030504040204" pitchFamily="34" charset="-128"/>
+                        <a:ea typeface="Meiryo UI" panose="020B0604030504040204" pitchFamily="34" charset="-128"/>
+                      </a:endParaRPr>
+                    </a:p>
+                    <a:p>
+                      <a:pPr marL="0" marR="0" lvl="0" indent="0" algn="ctr" defTabSz="457200" rtl="0" eaLnBrk="1" fontAlgn="auto" latinLnBrk="0" hangingPunct="1">
+                        <a:lnSpc>
+                          <a:spcPct val="100000"/>
+                        </a:lnSpc>
+                        <a:spcBef>
+                          <a:spcPts val="0"/>
+                        </a:spcBef>
+                        <a:spcAft>
+                          <a:spcPts val="0"/>
+                        </a:spcAft>
+                        <a:buClrTx/>
+                        <a:buSzTx/>
+                        <a:buFontTx/>
+                        <a:buNone/>
+                        <a:tabLst/>
+                        <a:defRPr/>
+                      </a:pPr>
+                      <a:r>
+                        <a:rPr lang="en-US" altLang="zh-HK" sz="1600" b="1" dirty="0">
+                          <a:solidFill>
+                            <a:schemeClr val="tx1"/>
+                          </a:solidFill>
+                          <a:latin typeface="Meiryo UI" panose="020B0604030504040204" pitchFamily="34" charset="-128"/>
+                          <a:ea typeface="Meiryo UI" panose="020B0604030504040204" pitchFamily="34" charset="-128"/>
+                        </a:rPr>
+                        <a:t>426 KB</a:t>
+                      </a:r>
+                      <a:endParaRPr lang="zh-HK" altLang="en-US" sz="1600" b="1" dirty="0">
+                        <a:solidFill>
+                          <a:schemeClr val="tx1"/>
+                        </a:solidFill>
+                        <a:latin typeface="Meiryo UI" panose="020B0604030504040204" pitchFamily="34" charset="-128"/>
+                        <a:ea typeface="Meiryo UI" panose="020B0604030504040204" pitchFamily="34" charset="-128"/>
+                      </a:endParaRPr>
+                    </a:p>
+                  </a:txBody>
+                  <a:tcPr marL="83737" marR="83737" marT="41868" marB="41868" anchor="ctr">
+                    <a:solidFill>
+                      <a:srgbClr val="AC3DC1"/>
+                    </a:solidFill>
+                  </a:tcPr>
+                </a:tc>
+                <a:tc>
+                  <a:txBody>
+                    <a:bodyPr/>
+                    <a:lstStyle/>
+                    <a:p>
+                      <a:pPr marL="0" marR="0" lvl="0" indent="0" algn="ctr" defTabSz="457200" rtl="0" eaLnBrk="1" fontAlgn="auto" latinLnBrk="0" hangingPunct="1">
+                        <a:lnSpc>
+                          <a:spcPct val="100000"/>
+                        </a:lnSpc>
+                        <a:spcBef>
+                          <a:spcPts val="0"/>
+                        </a:spcBef>
+                        <a:spcAft>
+                          <a:spcPts val="0"/>
+                        </a:spcAft>
+                        <a:buClrTx/>
+                        <a:buSzTx/>
+                        <a:buFontTx/>
+                        <a:buNone/>
+                        <a:tabLst/>
+                        <a:defRPr/>
+                      </a:pPr>
+                      <a:r>
+                        <a:rPr lang="en-US" altLang="zh-HK" sz="1400" dirty="0">
                           <a:latin typeface="Meiryo UI" panose="020B0604030504040204" pitchFamily="34" charset="-128"/>
                           <a:ea typeface="Meiryo UI" panose="020B0604030504040204" pitchFamily="34" charset="-128"/>
                         </a:rPr>
                         <a:t>3</a:t>
                       </a:r>
                       <a:r>
-                        <a:rPr lang="zh-HK" altLang="en-US" sz="1600" dirty="0">
+                        <a:rPr lang="zh-HK" altLang="en-US" sz="1400" dirty="0">
                           <a:latin typeface="Meiryo UI" panose="020B0604030504040204" pitchFamily="34" charset="-128"/>
                           <a:ea typeface="Meiryo UI" panose="020B0604030504040204" pitchFamily="34" charset="-128"/>
                         </a:rPr>
                         <a:t>分</a:t>
                       </a:r>
                       <a:r>
-                        <a:rPr lang="en-US" altLang="zh-HK" sz="1600" dirty="0">
+                        <a:rPr lang="en-US" altLang="zh-HK" sz="1400" dirty="0">
                           <a:latin typeface="Meiryo UI" panose="020B0604030504040204" pitchFamily="34" charset="-128"/>
                           <a:ea typeface="Meiryo UI" panose="020B0604030504040204" pitchFamily="34" charset="-128"/>
                         </a:rPr>
-                        <a:t>30~5</a:t>
+                        <a:t>30</a:t>
+                      </a:r>
+                      <a:br>
+                        <a:rPr lang="en-US" altLang="zh-HK" sz="1400" dirty="0">
+                          <a:latin typeface="Meiryo UI" panose="020B0604030504040204" pitchFamily="34" charset="-128"/>
+                          <a:ea typeface="Meiryo UI" panose="020B0604030504040204" pitchFamily="34" charset="-128"/>
+                        </a:rPr>
+                      </a:br>
+                      <a:r>
+                        <a:rPr lang="en-US" altLang="zh-HK" sz="1400" dirty="0">
+                          <a:latin typeface="Meiryo UI" panose="020B0604030504040204" pitchFamily="34" charset="-128"/>
+                          <a:ea typeface="Meiryo UI" panose="020B0604030504040204" pitchFamily="34" charset="-128"/>
+                        </a:rPr>
+                        <a:t>~5</a:t>
                       </a:r>
                       <a:r>
-                        <a:rPr lang="zh-HK" altLang="en-US" sz="1600" dirty="0">
+                        <a:rPr lang="zh-HK" altLang="en-US" sz="1400" dirty="0">
                           <a:latin typeface="Meiryo UI" panose="020B0604030504040204" pitchFamily="34" charset="-128"/>
                           <a:ea typeface="Meiryo UI" panose="020B0604030504040204" pitchFamily="34" charset="-128"/>
                         </a:rPr>
                         <a:t>分</a:t>
                       </a:r>
-                      <a:endParaRPr lang="en-US" altLang="zh-HK" sz="1600" dirty="0">
+                      <a:endParaRPr lang="en-US" altLang="zh-HK" sz="1400" dirty="0">
+                        <a:latin typeface="Meiryo UI" panose="020B0604030504040204" pitchFamily="34" charset="-128"/>
+                        <a:ea typeface="Meiryo UI" panose="020B0604030504040204" pitchFamily="34" charset="-128"/>
+                      </a:endParaRPr>
+                    </a:p>
+                  </a:txBody>
+                  <a:tcPr marL="83737" marR="83737" marT="41868" marB="41868" anchor="ctr"/>
+                </a:tc>
+                <a:tc>
+                  <a:txBody>
+                    <a:bodyPr/>
+                    <a:lstStyle/>
+                    <a:p>
+                      <a:pPr algn="ctr"/>
+                      <a:r>
+                        <a:rPr lang="en-US" altLang="zh-TW" sz="1400" dirty="0">
+                          <a:latin typeface="Meiryo UI" panose="020B0604030504040204" pitchFamily="34" charset="-128"/>
+                          <a:ea typeface="Meiryo UI" panose="020B0604030504040204" pitchFamily="34" charset="-128"/>
+                        </a:rPr>
+                        <a:t>10</a:t>
+                      </a:r>
+                      <a:r>
+                        <a:rPr lang="zh-HK" altLang="en-US" sz="1400" dirty="0">
+                          <a:latin typeface="Meiryo UI" panose="020B0604030504040204" pitchFamily="34" charset="-128"/>
+                          <a:ea typeface="Meiryo UI" panose="020B0604030504040204" pitchFamily="34" charset="-128"/>
+                        </a:rPr>
+                        <a:t>秒</a:t>
+                      </a:r>
+                    </a:p>
+                  </a:txBody>
+                  <a:tcPr marL="83737" marR="83737" marT="41868" marB="41868" anchor="ctr"/>
+                </a:tc>
+                <a:tc>
+                  <a:txBody>
+                    <a:bodyPr/>
+                    <a:lstStyle/>
+                    <a:p>
+                      <a:pPr algn="ctr"/>
+                      <a:endParaRPr lang="zh-HK" altLang="en-US" sz="1400" dirty="0">
+                        <a:latin typeface="Meiryo UI" panose="020B0604030504040204" pitchFamily="34" charset="-128"/>
+                        <a:ea typeface="Meiryo UI" panose="020B0604030504040204" pitchFamily="34" charset="-128"/>
+                      </a:endParaRPr>
+                    </a:p>
+                  </a:txBody>
+                  <a:tcPr marL="83737" marR="83737" marT="41868" marB="41868" anchor="ctr"/>
+                </a:tc>
+                <a:tc>
+                  <a:txBody>
+                    <a:bodyPr/>
+                    <a:lstStyle/>
+                    <a:p>
+                      <a:pPr algn="ctr"/>
+                      <a:endParaRPr lang="zh-HK" altLang="en-US" sz="1400" dirty="0">
+                        <a:latin typeface="Meiryo UI" panose="020B0604030504040204" pitchFamily="34" charset="-128"/>
+                        <a:ea typeface="Meiryo UI" panose="020B0604030504040204" pitchFamily="34" charset="-128"/>
+                      </a:endParaRPr>
+                    </a:p>
+                  </a:txBody>
+                  <a:tcPr marL="83737" marR="83737" marT="41868" marB="41868" anchor="ctr"/>
+                </a:tc>
+                <a:tc>
+                  <a:txBody>
+                    <a:bodyPr/>
+                    <a:lstStyle/>
+                    <a:p>
+                      <a:pPr algn="ctr"/>
+                      <a:endParaRPr lang="zh-HK" altLang="en-US" sz="1400" dirty="0">
+                        <a:latin typeface="Meiryo UI" panose="020B0604030504040204" pitchFamily="34" charset="-128"/>
+                        <a:ea typeface="Meiryo UI" panose="020B0604030504040204" pitchFamily="34" charset="-128"/>
+                      </a:endParaRPr>
+                    </a:p>
+                  </a:txBody>
+                  <a:tcPr marL="83737" marR="83737" marT="41868" marB="41868" anchor="ctr"/>
+                </a:tc>
+                <a:tc>
+                  <a:txBody>
+                    <a:bodyPr/>
+                    <a:lstStyle/>
+                    <a:p>
+                      <a:pPr algn="ctr"/>
+                      <a:endParaRPr lang="zh-HK" altLang="en-US" sz="1400" dirty="0">
+                        <a:latin typeface="Meiryo UI" panose="020B0604030504040204" pitchFamily="34" charset="-128"/>
+                        <a:ea typeface="Meiryo UI" panose="020B0604030504040204" pitchFamily="34" charset="-128"/>
+                      </a:endParaRPr>
+                    </a:p>
+                  </a:txBody>
+                  <a:tcPr marL="83737" marR="83737" marT="41868" marB="41868" anchor="ctr"/>
+                </a:tc>
+                <a:tc>
+                  <a:txBody>
+                    <a:bodyPr/>
+                    <a:lstStyle/>
+                    <a:p>
+                      <a:pPr algn="ctr"/>
+                      <a:endParaRPr lang="zh-HK" altLang="en-US" sz="1400" dirty="0">
+                        <a:latin typeface="Meiryo UI" panose="020B0604030504040204" pitchFamily="34" charset="-128"/>
+                        <a:ea typeface="Meiryo UI" panose="020B0604030504040204" pitchFamily="34" charset="-128"/>
+                      </a:endParaRPr>
+                    </a:p>
+                  </a:txBody>
+                  <a:tcPr marL="83737" marR="83737" marT="41868" marB="41868" anchor="ctr"/>
+                </a:tc>
+                <a:tc>
+                  <a:txBody>
+                    <a:bodyPr/>
+                    <a:lstStyle/>
+                    <a:p>
+                      <a:pPr algn="ctr"/>
+                      <a:endParaRPr lang="zh-HK" altLang="en-US" sz="1400" dirty="0">
+                        <a:latin typeface="Meiryo UI" panose="020B0604030504040204" pitchFamily="34" charset="-128"/>
+                        <a:ea typeface="Meiryo UI" panose="020B0604030504040204" pitchFamily="34" charset="-128"/>
+                      </a:endParaRPr>
+                    </a:p>
+                  </a:txBody>
+                  <a:tcPr marL="83737" marR="83737" marT="41868" marB="41868" anchor="ctr"/>
+                </a:tc>
+                <a:tc>
+                  <a:txBody>
+                    <a:bodyPr/>
+                    <a:lstStyle/>
+                    <a:p>
+                      <a:pPr algn="ctr"/>
+                      <a:endParaRPr lang="zh-HK" altLang="en-US" sz="1400" dirty="0">
+                        <a:latin typeface="Meiryo UI" panose="020B0604030504040204" pitchFamily="34" charset="-128"/>
+                        <a:ea typeface="Meiryo UI" panose="020B0604030504040204" pitchFamily="34" charset="-128"/>
+                      </a:endParaRPr>
+                    </a:p>
+                  </a:txBody>
+                  <a:tcPr marL="83737" marR="83737" marT="41868" marB="41868" anchor="ctr"/>
+                </a:tc>
+                <a:tc>
+                  <a:txBody>
+                    <a:bodyPr/>
+                    <a:lstStyle/>
+                    <a:p>
+                      <a:pPr algn="ctr"/>
+                      <a:endParaRPr lang="zh-HK" altLang="en-US" sz="1400" dirty="0">
+                        <a:latin typeface="Meiryo UI" panose="020B0604030504040204" pitchFamily="34" charset="-128"/>
+                        <a:ea typeface="Meiryo UI" panose="020B0604030504040204" pitchFamily="34" charset="-128"/>
+                      </a:endParaRPr>
+                    </a:p>
+                  </a:txBody>
+                  <a:tcPr marL="83737" marR="83737" marT="41868" marB="41868" anchor="ctr"/>
+                </a:tc>
+                <a:extLst>
+                  <a:ext uri="{0D108BD9-81ED-4DB2-BD59-A6C34878D82A}">
+                    <a16:rowId xmlns:a16="http://schemas.microsoft.com/office/drawing/2014/main" val="3334350174"/>
+                  </a:ext>
+                </a:extLst>
+              </a:tr>
+              <a:tr h="487601">
+                <a:tc>
+                  <a:txBody>
+                    <a:bodyPr/>
+                    <a:lstStyle/>
+                    <a:p>
+                      <a:pPr marL="0" marR="0" lvl="0" indent="0" algn="ctr" defTabSz="457200" rtl="0" eaLnBrk="1" fontAlgn="auto" latinLnBrk="0" hangingPunct="1">
+                        <a:lnSpc>
+                          <a:spcPct val="100000"/>
+                        </a:lnSpc>
+                        <a:spcBef>
+                          <a:spcPts val="0"/>
+                        </a:spcBef>
+                        <a:spcAft>
+                          <a:spcPts val="0"/>
+                        </a:spcAft>
+                        <a:buClrTx/>
+                        <a:buSzTx/>
+                        <a:buFontTx/>
+                        <a:buNone/>
+                        <a:tabLst/>
+                        <a:defRPr/>
+                      </a:pPr>
+                      <a:r>
+                        <a:rPr lang="zh-HK" altLang="en-US" sz="1600" b="1" dirty="0">
+                          <a:solidFill>
+                            <a:schemeClr val="tx1"/>
+                          </a:solidFill>
+                          <a:latin typeface="Meiryo UI" panose="020B0604030504040204" pitchFamily="34" charset="-128"/>
+                          <a:ea typeface="Meiryo UI" panose="020B0604030504040204" pitchFamily="34" charset="-128"/>
+                        </a:rPr>
+                        <a:t>履歴書</a:t>
+                      </a:r>
+                      <a:endParaRPr lang="en-US" altLang="zh-HK" sz="1600" b="1" dirty="0">
+                        <a:solidFill>
+                          <a:schemeClr val="tx1"/>
+                        </a:solidFill>
                         <a:latin typeface="Meiryo UI" panose="020B0604030504040204" pitchFamily="34" charset="-128"/>
                         <a:ea typeface="Meiryo UI" panose="020B0604030504040204" pitchFamily="34" charset="-128"/>
                       </a:endParaRPr>
                     </a:p>
                     <a:p>
-                      <a:pPr algn="ctr"/>
+                      <a:pPr marL="0" marR="0" lvl="0" indent="0" algn="ctr" defTabSz="457200" rtl="0" eaLnBrk="1" fontAlgn="auto" latinLnBrk="0" hangingPunct="1">
+                        <a:lnSpc>
+                          <a:spcPct val="100000"/>
+                        </a:lnSpc>
+                        <a:spcBef>
+                          <a:spcPts val="0"/>
+                        </a:spcBef>
+                        <a:spcAft>
+                          <a:spcPts val="0"/>
+                        </a:spcAft>
+                        <a:buClrTx/>
+                        <a:buSzTx/>
+                        <a:buFontTx/>
+                        <a:buNone/>
+                        <a:tabLst/>
+                        <a:defRPr/>
+                      </a:pPr>
                       <a:r>
-                        <a:rPr lang="en-US" altLang="zh-HK" sz="1600" dirty="0">
+                        <a:rPr lang="en-US" altLang="zh-HK" sz="1600" b="1" dirty="0">
+                          <a:solidFill>
+                            <a:schemeClr val="tx1"/>
+                          </a:solidFill>
                           <a:latin typeface="Meiryo UI" panose="020B0604030504040204" pitchFamily="34" charset="-128"/>
                           <a:ea typeface="Meiryo UI" panose="020B0604030504040204" pitchFamily="34" charset="-128"/>
                         </a:rPr>
-                        <a:t>426 KB</a:t>
+                        <a:t>257 KB</a:t>
                       </a:r>
-                      <a:endParaRPr lang="zh-HK" altLang="en-US" sz="1600" dirty="0">
+                      <a:endParaRPr lang="zh-HK" altLang="en-US" sz="1600" b="1" dirty="0">
+                        <a:solidFill>
+                          <a:schemeClr val="tx1"/>
+                        </a:solidFill>
+                        <a:latin typeface="Meiryo UI" panose="020B0604030504040204" pitchFamily="34" charset="-128"/>
+                        <a:ea typeface="Meiryo UI" panose="020B0604030504040204" pitchFamily="34" charset="-128"/>
+                      </a:endParaRPr>
+                    </a:p>
+                  </a:txBody>
+                  <a:tcPr marL="83737" marR="83737" marT="41868" marB="41868" anchor="ctr">
+                    <a:solidFill>
+                      <a:srgbClr val="AC3DC1"/>
+                    </a:solidFill>
+                  </a:tcPr>
+                </a:tc>
+                <a:tc>
+                  <a:txBody>
+                    <a:bodyPr/>
+                    <a:lstStyle/>
+                    <a:p>
+                      <a:pPr marL="0" marR="0" lvl="0" indent="0" algn="ctr" defTabSz="457200" rtl="0" eaLnBrk="1" fontAlgn="auto" latinLnBrk="0" hangingPunct="1">
+                        <a:lnSpc>
+                          <a:spcPct val="100000"/>
+                        </a:lnSpc>
+                        <a:spcBef>
+                          <a:spcPts val="0"/>
+                        </a:spcBef>
+                        <a:spcAft>
+                          <a:spcPts val="0"/>
+                        </a:spcAft>
+                        <a:buClrTx/>
+                        <a:buSzTx/>
+                        <a:buFontTx/>
+                        <a:buNone/>
+                        <a:tabLst/>
+                        <a:defRPr/>
+                      </a:pPr>
+                      <a:r>
+                        <a:rPr lang="en-US" altLang="zh-HK" sz="1400" dirty="0">
+                          <a:latin typeface="Meiryo UI" panose="020B0604030504040204" pitchFamily="34" charset="-128"/>
+                          <a:ea typeface="Meiryo UI" panose="020B0604030504040204" pitchFamily="34" charset="-128"/>
+                        </a:rPr>
+                        <a:t>7</a:t>
+                      </a:r>
+                      <a:r>
+                        <a:rPr lang="zh-HK" altLang="en-US" sz="1400" dirty="0">
+                          <a:latin typeface="Meiryo UI" panose="020B0604030504040204" pitchFamily="34" charset="-128"/>
+                          <a:ea typeface="Meiryo UI" panose="020B0604030504040204" pitchFamily="34" charset="-128"/>
+                        </a:rPr>
+                        <a:t>分</a:t>
+                      </a:r>
+                      <a:r>
+                        <a:rPr lang="en-US" altLang="zh-HK" sz="1400" dirty="0">
+                          <a:latin typeface="Meiryo UI" panose="020B0604030504040204" pitchFamily="34" charset="-128"/>
+                          <a:ea typeface="Meiryo UI" panose="020B0604030504040204" pitchFamily="34" charset="-128"/>
+                        </a:rPr>
+                        <a:t>30</a:t>
+                      </a:r>
+                      <a:br>
+                        <a:rPr lang="en-US" altLang="zh-HK" sz="1400" dirty="0">
+                          <a:latin typeface="Meiryo UI" panose="020B0604030504040204" pitchFamily="34" charset="-128"/>
+                          <a:ea typeface="Meiryo UI" panose="020B0604030504040204" pitchFamily="34" charset="-128"/>
+                        </a:rPr>
+                      </a:br>
+                      <a:r>
+                        <a:rPr lang="en-US" altLang="zh-HK" sz="1400" dirty="0">
+                          <a:latin typeface="Meiryo UI" panose="020B0604030504040204" pitchFamily="34" charset="-128"/>
+                          <a:ea typeface="Meiryo UI" panose="020B0604030504040204" pitchFamily="34" charset="-128"/>
+                        </a:rPr>
+                        <a:t>~8</a:t>
+                      </a:r>
+                      <a:r>
+                        <a:rPr lang="zh-HK" altLang="en-US" sz="1400" dirty="0">
+                          <a:latin typeface="Meiryo UI" panose="020B0604030504040204" pitchFamily="34" charset="-128"/>
+                          <a:ea typeface="Meiryo UI" panose="020B0604030504040204" pitchFamily="34" charset="-128"/>
+                        </a:rPr>
+                        <a:t>分</a:t>
+                      </a:r>
+                      <a:endParaRPr lang="en-US" altLang="zh-HK" sz="1400" dirty="0">
                         <a:latin typeface="Meiryo UI" panose="020B0604030504040204" pitchFamily="34" charset="-128"/>
                         <a:ea typeface="Meiryo UI" panose="020B0604030504040204" pitchFamily="34" charset="-128"/>
                       </a:endParaRPr>
@@ -14832,48 +15611,272 @@
                         <a:defRPr/>
                       </a:pPr>
                       <a:r>
-                        <a:rPr lang="en-US" altLang="zh-HK" sz="1600" dirty="0">
+                        <a:rPr lang="en-US" altLang="zh-TW" sz="1400" dirty="0">
                           <a:latin typeface="Meiryo UI" panose="020B0604030504040204" pitchFamily="34" charset="-128"/>
                           <a:ea typeface="Meiryo UI" panose="020B0604030504040204" pitchFamily="34" charset="-128"/>
                         </a:rPr>
-                        <a:t>7</a:t>
+                        <a:t>3</a:t>
                       </a:r>
                       <a:r>
-                        <a:rPr lang="zh-HK" altLang="en-US" sz="1600" dirty="0">
+                        <a:rPr lang="zh-HK" altLang="en-US" sz="1400" dirty="0">
+                          <a:latin typeface="Meiryo UI" panose="020B0604030504040204" pitchFamily="34" charset="-128"/>
+                          <a:ea typeface="Meiryo UI" panose="020B0604030504040204" pitchFamily="34" charset="-128"/>
+                        </a:rPr>
+                        <a:t>秒</a:t>
+                      </a:r>
+                    </a:p>
+                  </a:txBody>
+                  <a:tcPr marL="83737" marR="83737" marT="41868" marB="41868" anchor="ctr"/>
+                </a:tc>
+                <a:tc>
+                  <a:txBody>
+                    <a:bodyPr/>
+                    <a:lstStyle/>
+                    <a:p>
+                      <a:pPr algn="ctr"/>
+                      <a:endParaRPr lang="zh-HK" altLang="en-US" sz="1400" dirty="0">
+                        <a:latin typeface="Meiryo UI" panose="020B0604030504040204" pitchFamily="34" charset="-128"/>
+                        <a:ea typeface="Meiryo UI" panose="020B0604030504040204" pitchFamily="34" charset="-128"/>
+                      </a:endParaRPr>
+                    </a:p>
+                  </a:txBody>
+                  <a:tcPr marL="83737" marR="83737" marT="41868" marB="41868" anchor="ctr"/>
+                </a:tc>
+                <a:tc>
+                  <a:txBody>
+                    <a:bodyPr/>
+                    <a:lstStyle/>
+                    <a:p>
+                      <a:pPr algn="ctr"/>
+                      <a:endParaRPr lang="zh-HK" altLang="en-US" sz="1400" dirty="0">
+                        <a:latin typeface="Meiryo UI" panose="020B0604030504040204" pitchFamily="34" charset="-128"/>
+                        <a:ea typeface="Meiryo UI" panose="020B0604030504040204" pitchFamily="34" charset="-128"/>
+                      </a:endParaRPr>
+                    </a:p>
+                  </a:txBody>
+                  <a:tcPr marL="83737" marR="83737" marT="41868" marB="41868" anchor="ctr"/>
+                </a:tc>
+                <a:tc>
+                  <a:txBody>
+                    <a:bodyPr/>
+                    <a:lstStyle/>
+                    <a:p>
+                      <a:pPr algn="ctr"/>
+                      <a:endParaRPr lang="zh-HK" altLang="en-US" sz="1400" dirty="0">
+                        <a:latin typeface="Meiryo UI" panose="020B0604030504040204" pitchFamily="34" charset="-128"/>
+                        <a:ea typeface="Meiryo UI" panose="020B0604030504040204" pitchFamily="34" charset="-128"/>
+                      </a:endParaRPr>
+                    </a:p>
+                  </a:txBody>
+                  <a:tcPr marL="83737" marR="83737" marT="41868" marB="41868" anchor="ctr"/>
+                </a:tc>
+                <a:tc>
+                  <a:txBody>
+                    <a:bodyPr/>
+                    <a:lstStyle/>
+                    <a:p>
+                      <a:pPr algn="ctr"/>
+                      <a:endParaRPr lang="zh-HK" altLang="en-US" sz="1400" dirty="0">
+                        <a:latin typeface="Meiryo UI" panose="020B0604030504040204" pitchFamily="34" charset="-128"/>
+                        <a:ea typeface="Meiryo UI" panose="020B0604030504040204" pitchFamily="34" charset="-128"/>
+                      </a:endParaRPr>
+                    </a:p>
+                  </a:txBody>
+                  <a:tcPr marL="83737" marR="83737" marT="41868" marB="41868" anchor="ctr"/>
+                </a:tc>
+                <a:tc>
+                  <a:txBody>
+                    <a:bodyPr/>
+                    <a:lstStyle/>
+                    <a:p>
+                      <a:pPr algn="ctr"/>
+                      <a:endParaRPr lang="zh-HK" altLang="en-US" sz="1400" dirty="0">
+                        <a:latin typeface="Meiryo UI" panose="020B0604030504040204" pitchFamily="34" charset="-128"/>
+                        <a:ea typeface="Meiryo UI" panose="020B0604030504040204" pitchFamily="34" charset="-128"/>
+                      </a:endParaRPr>
+                    </a:p>
+                  </a:txBody>
+                  <a:tcPr marL="83737" marR="83737" marT="41868" marB="41868" anchor="ctr"/>
+                </a:tc>
+                <a:tc>
+                  <a:txBody>
+                    <a:bodyPr/>
+                    <a:lstStyle/>
+                    <a:p>
+                      <a:pPr algn="ctr"/>
+                      <a:endParaRPr lang="zh-HK" altLang="en-US" sz="1400" dirty="0">
+                        <a:latin typeface="Meiryo UI" panose="020B0604030504040204" pitchFamily="34" charset="-128"/>
+                        <a:ea typeface="Meiryo UI" panose="020B0604030504040204" pitchFamily="34" charset="-128"/>
+                      </a:endParaRPr>
+                    </a:p>
+                  </a:txBody>
+                  <a:tcPr marL="83737" marR="83737" marT="41868" marB="41868" anchor="ctr"/>
+                </a:tc>
+                <a:tc>
+                  <a:txBody>
+                    <a:bodyPr/>
+                    <a:lstStyle/>
+                    <a:p>
+                      <a:pPr algn="ctr"/>
+                      <a:endParaRPr lang="zh-HK" altLang="en-US" sz="1400" dirty="0">
+                        <a:latin typeface="Meiryo UI" panose="020B0604030504040204" pitchFamily="34" charset="-128"/>
+                        <a:ea typeface="Meiryo UI" panose="020B0604030504040204" pitchFamily="34" charset="-128"/>
+                      </a:endParaRPr>
+                    </a:p>
+                  </a:txBody>
+                  <a:tcPr marL="83737" marR="83737" marT="41868" marB="41868" anchor="ctr"/>
+                </a:tc>
+                <a:tc>
+                  <a:txBody>
+                    <a:bodyPr/>
+                    <a:lstStyle/>
+                    <a:p>
+                      <a:pPr algn="ctr"/>
+                      <a:endParaRPr lang="zh-HK" altLang="en-US" sz="1400" dirty="0">
+                        <a:latin typeface="Meiryo UI" panose="020B0604030504040204" pitchFamily="34" charset="-128"/>
+                        <a:ea typeface="Meiryo UI" panose="020B0604030504040204" pitchFamily="34" charset="-128"/>
+                      </a:endParaRPr>
+                    </a:p>
+                  </a:txBody>
+                  <a:tcPr marL="83737" marR="83737" marT="41868" marB="41868" anchor="ctr"/>
+                </a:tc>
+                <a:extLst>
+                  <a:ext uri="{0D108BD9-81ED-4DB2-BD59-A6C34878D82A}">
+                    <a16:rowId xmlns:a16="http://schemas.microsoft.com/office/drawing/2014/main" val="1596228796"/>
+                  </a:ext>
+                </a:extLst>
+              </a:tr>
+              <a:tr h="612471">
+                <a:tc>
+                  <a:txBody>
+                    <a:bodyPr/>
+                    <a:lstStyle/>
+                    <a:p>
+                      <a:pPr marL="0" marR="0" lvl="0" indent="0" algn="ctr" defTabSz="457200" rtl="0" eaLnBrk="1" fontAlgn="auto" latinLnBrk="0" hangingPunct="1">
+                        <a:lnSpc>
+                          <a:spcPct val="100000"/>
+                        </a:lnSpc>
+                        <a:spcBef>
+                          <a:spcPts val="0"/>
+                        </a:spcBef>
+                        <a:spcAft>
+                          <a:spcPts val="0"/>
+                        </a:spcAft>
+                        <a:buClrTx/>
+                        <a:buSzTx/>
+                        <a:buFontTx/>
+                        <a:buNone/>
+                        <a:tabLst/>
+                        <a:defRPr/>
+                      </a:pPr>
+                      <a:r>
+                        <a:rPr lang="ja-JP" altLang="en-US" sz="1600" b="1">
+                          <a:solidFill>
+                            <a:schemeClr val="tx1"/>
+                          </a:solidFill>
+                          <a:latin typeface="Meiryo UI" panose="020B0604030504040204" pitchFamily="34" charset="-128"/>
+                          <a:ea typeface="Meiryo UI" panose="020B0604030504040204" pitchFamily="34" charset="-128"/>
+                        </a:rPr>
+                        <a:t>スキャン</a:t>
+                      </a:r>
+                      <a:r>
+                        <a:rPr lang="zh-HK" altLang="en-US" sz="1600" b="1" dirty="0">
+                          <a:solidFill>
+                            <a:schemeClr val="tx1"/>
+                          </a:solidFill>
+                          <a:latin typeface="Meiryo UI" panose="020B0604030504040204" pitchFamily="34" charset="-128"/>
+                          <a:ea typeface="Meiryo UI" panose="020B0604030504040204" pitchFamily="34" charset="-128"/>
+                        </a:rPr>
+                        <a:t>写真</a:t>
+                      </a:r>
+                      <a:endParaRPr lang="en-US" altLang="zh-HK" sz="1600" b="1" dirty="0">
+                        <a:solidFill>
+                          <a:schemeClr val="tx1"/>
+                        </a:solidFill>
+                        <a:latin typeface="Meiryo UI" panose="020B0604030504040204" pitchFamily="34" charset="-128"/>
+                        <a:ea typeface="Meiryo UI" panose="020B0604030504040204" pitchFamily="34" charset="-128"/>
+                      </a:endParaRPr>
+                    </a:p>
+                    <a:p>
+                      <a:pPr marL="0" marR="0" lvl="0" indent="0" algn="ctr" defTabSz="457200" rtl="0" eaLnBrk="1" fontAlgn="auto" latinLnBrk="0" hangingPunct="1">
+                        <a:lnSpc>
+                          <a:spcPct val="100000"/>
+                        </a:lnSpc>
+                        <a:spcBef>
+                          <a:spcPts val="0"/>
+                        </a:spcBef>
+                        <a:spcAft>
+                          <a:spcPts val="0"/>
+                        </a:spcAft>
+                        <a:buClrTx/>
+                        <a:buSzTx/>
+                        <a:buFontTx/>
+                        <a:buNone/>
+                        <a:tabLst/>
+                        <a:defRPr/>
+                      </a:pPr>
+                      <a:r>
+                        <a:rPr lang="en-US" altLang="zh-HK" sz="1600" b="1" dirty="0">
+                          <a:solidFill>
+                            <a:schemeClr val="tx1"/>
+                          </a:solidFill>
+                          <a:latin typeface="Meiryo UI" panose="020B0604030504040204" pitchFamily="34" charset="-128"/>
+                          <a:ea typeface="Meiryo UI" panose="020B0604030504040204" pitchFamily="34" charset="-128"/>
+                        </a:rPr>
+                        <a:t>10.6 MB</a:t>
+                      </a:r>
+                      <a:endParaRPr lang="zh-HK" altLang="en-US" sz="1600" b="1" dirty="0">
+                        <a:solidFill>
+                          <a:schemeClr val="tx1"/>
+                        </a:solidFill>
+                        <a:latin typeface="Meiryo UI" panose="020B0604030504040204" pitchFamily="34" charset="-128"/>
+                        <a:ea typeface="Meiryo UI" panose="020B0604030504040204" pitchFamily="34" charset="-128"/>
+                      </a:endParaRPr>
+                    </a:p>
+                  </a:txBody>
+                  <a:tcPr marL="83737" marR="83737" marT="41868" marB="41868" anchor="ctr">
+                    <a:solidFill>
+                      <a:srgbClr val="AC3DC1"/>
+                    </a:solidFill>
+                  </a:tcPr>
+                </a:tc>
+                <a:tc>
+                  <a:txBody>
+                    <a:bodyPr/>
+                    <a:lstStyle/>
+                    <a:p>
+                      <a:pPr marL="0" marR="0" lvl="0" indent="0" algn="ctr" defTabSz="457200" rtl="0" eaLnBrk="1" fontAlgn="auto" latinLnBrk="0" hangingPunct="1">
+                        <a:lnSpc>
+                          <a:spcPct val="100000"/>
+                        </a:lnSpc>
+                        <a:spcBef>
+                          <a:spcPts val="0"/>
+                        </a:spcBef>
+                        <a:spcAft>
+                          <a:spcPts val="0"/>
+                        </a:spcAft>
+                        <a:buClrTx/>
+                        <a:buSzTx/>
+                        <a:buFontTx/>
+                        <a:buNone/>
+                        <a:tabLst/>
+                        <a:defRPr/>
+                      </a:pPr>
+                      <a:r>
+                        <a:rPr lang="en-US" altLang="zh-HK" sz="1400" dirty="0">
+                          <a:latin typeface="Meiryo UI" panose="020B0604030504040204" pitchFamily="34" charset="-128"/>
+                          <a:ea typeface="Meiryo UI" panose="020B0604030504040204" pitchFamily="34" charset="-128"/>
+                        </a:rPr>
+                        <a:t>87</a:t>
+                      </a:r>
+                      <a:r>
+                        <a:rPr lang="zh-HK" altLang="en-US" sz="1400" dirty="0">
                           <a:latin typeface="Meiryo UI" panose="020B0604030504040204" pitchFamily="34" charset="-128"/>
                           <a:ea typeface="Meiryo UI" panose="020B0604030504040204" pitchFamily="34" charset="-128"/>
                         </a:rPr>
                         <a:t>分</a:t>
                       </a:r>
-                      <a:r>
-                        <a:rPr lang="en-US" altLang="zh-HK" sz="1600" dirty="0">
-                          <a:latin typeface="Meiryo UI" panose="020B0604030504040204" pitchFamily="34" charset="-128"/>
-                          <a:ea typeface="Meiryo UI" panose="020B0604030504040204" pitchFamily="34" charset="-128"/>
-                        </a:rPr>
-                        <a:t>30〜8</a:t>
-                      </a:r>
-                      <a:r>
-                        <a:rPr lang="zh-HK" altLang="en-US" sz="1600" dirty="0">
-                          <a:latin typeface="Meiryo UI" panose="020B0604030504040204" pitchFamily="34" charset="-128"/>
-                          <a:ea typeface="Meiryo UI" panose="020B0604030504040204" pitchFamily="34" charset="-128"/>
-                        </a:rPr>
-                        <a:t>分</a:t>
-                      </a:r>
-                      <a:endParaRPr lang="en-US" altLang="zh-HK" sz="1600" dirty="0">
-                        <a:latin typeface="Meiryo UI" panose="020B0604030504040204" pitchFamily="34" charset="-128"/>
-                        <a:ea typeface="Meiryo UI" panose="020B0604030504040204" pitchFamily="34" charset="-128"/>
-                      </a:endParaRPr>
-                    </a:p>
-                    <a:p>
-                      <a:pPr algn="ctr"/>
-                      <a:r>
-                        <a:rPr lang="en-US" altLang="zh-HK" sz="1600" dirty="0">
-                          <a:latin typeface="Meiryo UI" panose="020B0604030504040204" pitchFamily="34" charset="-128"/>
-                          <a:ea typeface="Meiryo UI" panose="020B0604030504040204" pitchFamily="34" charset="-128"/>
-                        </a:rPr>
-                        <a:t>257 KB</a:t>
-                      </a:r>
-                      <a:endParaRPr lang="zh-HK" altLang="en-US" sz="1600" dirty="0">
+                      <a:endParaRPr lang="en-US" altLang="zh-HK" sz="1400" dirty="0">
                         <a:latin typeface="Meiryo UI" panose="020B0604030504040204" pitchFamily="34" charset="-128"/>
                         <a:ea typeface="Meiryo UI" panose="020B0604030504040204" pitchFamily="34" charset="-128"/>
                       </a:endParaRPr>
@@ -14904,100 +15907,19 @@
                         <a:defRPr/>
                       </a:pPr>
                       <a:r>
-                        <a:rPr lang="en-US" altLang="zh-HK" sz="1600" dirty="0">
+                        <a:rPr lang="en-US" altLang="zh-TW" sz="1400" dirty="0">
                           <a:latin typeface="Meiryo UI" panose="020B0604030504040204" pitchFamily="34" charset="-128"/>
                           <a:ea typeface="Meiryo UI" panose="020B0604030504040204" pitchFamily="34" charset="-128"/>
                         </a:rPr>
-                        <a:t>87</a:t>
+                        <a:t>4</a:t>
                       </a:r>
                       <a:r>
-                        <a:rPr lang="zh-HK" altLang="en-US" sz="1600" dirty="0">
+                        <a:rPr lang="zh-HK" altLang="en-US" sz="1400" dirty="0">
                           <a:latin typeface="Meiryo UI" panose="020B0604030504040204" pitchFamily="34" charset="-128"/>
                           <a:ea typeface="Meiryo UI" panose="020B0604030504040204" pitchFamily="34" charset="-128"/>
                         </a:rPr>
-                        <a:t>分</a:t>
+                        <a:t>秒</a:t>
                       </a:r>
-                      <a:endParaRPr lang="en-US" altLang="zh-HK" sz="1600" dirty="0">
-                        <a:latin typeface="Meiryo UI" panose="020B0604030504040204" pitchFamily="34" charset="-128"/>
-                        <a:ea typeface="Meiryo UI" panose="020B0604030504040204" pitchFamily="34" charset="-128"/>
-                      </a:endParaRPr>
-                    </a:p>
-                    <a:p>
-                      <a:pPr algn="ctr"/>
-                      <a:r>
-                        <a:rPr lang="en-US" altLang="zh-HK" sz="1600" dirty="0">
-                          <a:latin typeface="Meiryo UI" panose="020B0604030504040204" pitchFamily="34" charset="-128"/>
-                          <a:ea typeface="Meiryo UI" panose="020B0604030504040204" pitchFamily="34" charset="-128"/>
-                        </a:rPr>
-                        <a:t>10.6 MB</a:t>
-                      </a:r>
-                      <a:endParaRPr lang="zh-HK" altLang="en-US" sz="1600" dirty="0">
-                        <a:latin typeface="Meiryo UI" panose="020B0604030504040204" pitchFamily="34" charset="-128"/>
-                        <a:ea typeface="Meiryo UI" panose="020B0604030504040204" pitchFamily="34" charset="-128"/>
-                      </a:endParaRPr>
-                    </a:p>
-                  </a:txBody>
-                  <a:tcPr marL="83737" marR="83737" marT="41868" marB="41868" anchor="ctr"/>
-                </a:tc>
-                <a:extLst>
-                  <a:ext uri="{0D108BD9-81ED-4DB2-BD59-A6C34878D82A}">
-                    <a16:rowId xmlns:a16="http://schemas.microsoft.com/office/drawing/2014/main" val="818966460"/>
-                  </a:ext>
-                </a:extLst>
-              </a:tr>
-              <a:tr h="953363">
-                <a:tc>
-                  <a:txBody>
-                    <a:bodyPr/>
-                    <a:lstStyle/>
-                    <a:p>
-                      <a:pPr marL="0" marR="0" lvl="0" indent="0" algn="ctr" defTabSz="457200" rtl="0" eaLnBrk="1" fontAlgn="auto" latinLnBrk="0" hangingPunct="1">
-                        <a:lnSpc>
-                          <a:spcPct val="100000"/>
-                        </a:lnSpc>
-                        <a:spcBef>
-                          <a:spcPts val="0"/>
-                        </a:spcBef>
-                        <a:spcAft>
-                          <a:spcPts val="0"/>
-                        </a:spcAft>
-                        <a:buClrTx/>
-                        <a:buSzTx/>
-                        <a:buFontTx/>
-                        <a:buNone/>
-                        <a:tabLst/>
-                        <a:defRPr/>
-                      </a:pPr>
-                      <a:r>
-                        <a:rPr lang="en-US" altLang="zh-HK" sz="2000" kern="1200" dirty="0">
-                          <a:solidFill>
-                            <a:schemeClr val="tx1"/>
-                          </a:solidFill>
-                          <a:effectLst/>
-                          <a:latin typeface="+mn-lt"/>
-                          <a:ea typeface="+mn-ea"/>
-                          <a:cs typeface="+mn-cs"/>
-                        </a:rPr>
-                        <a:t>Argon2</a:t>
-                      </a:r>
-                    </a:p>
-                  </a:txBody>
-                  <a:tcPr marL="83737" marR="83737" marT="41868" marB="41868" anchor="ctr">
-                    <a:solidFill>
-                      <a:srgbClr val="AC3DC1"/>
-                    </a:solidFill>
-                  </a:tcPr>
-                </a:tc>
-                <a:tc>
-                  <a:txBody>
-                    <a:bodyPr/>
-                    <a:lstStyle/>
-                    <a:p>
-                      <a:pPr algn="ctr"/>
-                      <a:endParaRPr lang="en-US" altLang="zh-HK" sz="2000" dirty="0">
-                        <a:latin typeface="Meiryo UI" panose="020B0604030504040204" pitchFamily="34" charset="-128"/>
-                        <a:ea typeface="Meiryo UI" panose="020B0604030504040204" pitchFamily="34" charset="-128"/>
-                      </a:endParaRPr>
                     </a:p>
                   </a:txBody>
                   <a:tcPr marL="83737" marR="83737" marT="41868" marB="41868" anchor="ctr"/>
@@ -15007,24 +15929,8 @@
                     <a:bodyPr/>
                     <a:lstStyle/>
                     <a:p>
-                      <a:pPr marL="0" marR="0" lvl="0" indent="0" algn="ctr" defTabSz="457200" rtl="0" eaLnBrk="1" fontAlgn="auto" latinLnBrk="0" hangingPunct="1">
-                        <a:lnSpc>
-                          <a:spcPct val="100000"/>
-                        </a:lnSpc>
-                        <a:spcBef>
-                          <a:spcPts val="0"/>
-                        </a:spcBef>
-                        <a:spcAft>
-                          <a:spcPts val="0"/>
-                        </a:spcAft>
-                        <a:buClrTx/>
-                        <a:buSzTx/>
-                        <a:buFontTx/>
-                        <a:buNone/>
-                        <a:tabLst/>
-                        <a:defRPr/>
-                      </a:pPr>
-                      <a:endParaRPr lang="zh-HK" altLang="en-US" sz="2000" dirty="0">
+                      <a:pPr algn="ctr"/>
+                      <a:endParaRPr lang="zh-HK" altLang="en-US" sz="1400" dirty="0">
                         <a:latin typeface="Meiryo UI" panose="020B0604030504040204" pitchFamily="34" charset="-128"/>
                         <a:ea typeface="Meiryo UI" panose="020B0604030504040204" pitchFamily="34" charset="-128"/>
                       </a:endParaRPr>
@@ -15038,7 +15944,7 @@
                     <a:lstStyle/>
                     <a:p>
                       <a:pPr algn="ctr"/>
-                      <a:endParaRPr lang="zh-HK" altLang="en-US" sz="2000" dirty="0">
+                      <a:endParaRPr lang="zh-HK" altLang="en-US" sz="1400" dirty="0">
                         <a:latin typeface="Meiryo UI" panose="020B0604030504040204" pitchFamily="34" charset="-128"/>
                         <a:ea typeface="Meiryo UI" panose="020B0604030504040204" pitchFamily="34" charset="-128"/>
                       </a:endParaRPr>
@@ -15052,7 +15958,77 @@
                     <a:lstStyle/>
                     <a:p>
                       <a:pPr algn="ctr"/>
-                      <a:endParaRPr lang="zh-HK" altLang="en-US" sz="2000" dirty="0">
+                      <a:endParaRPr lang="zh-HK" altLang="en-US" sz="1400" dirty="0">
+                        <a:latin typeface="Meiryo UI" panose="020B0604030504040204" pitchFamily="34" charset="-128"/>
+                        <a:ea typeface="Meiryo UI" panose="020B0604030504040204" pitchFamily="34" charset="-128"/>
+                      </a:endParaRPr>
+                    </a:p>
+                  </a:txBody>
+                  <a:tcPr marL="83737" marR="83737" marT="41868" marB="41868" anchor="ctr"/>
+                </a:tc>
+                <a:tc>
+                  <a:txBody>
+                    <a:bodyPr/>
+                    <a:lstStyle/>
+                    <a:p>
+                      <a:pPr algn="ctr"/>
+                      <a:endParaRPr lang="zh-HK" altLang="en-US" sz="1400" dirty="0">
+                        <a:latin typeface="Meiryo UI" panose="020B0604030504040204" pitchFamily="34" charset="-128"/>
+                        <a:ea typeface="Meiryo UI" panose="020B0604030504040204" pitchFamily="34" charset="-128"/>
+                      </a:endParaRPr>
+                    </a:p>
+                  </a:txBody>
+                  <a:tcPr marL="83737" marR="83737" marT="41868" marB="41868" anchor="ctr"/>
+                </a:tc>
+                <a:tc>
+                  <a:txBody>
+                    <a:bodyPr/>
+                    <a:lstStyle/>
+                    <a:p>
+                      <a:pPr algn="ctr"/>
+                      <a:endParaRPr lang="zh-HK" altLang="en-US" sz="1400" dirty="0">
+                        <a:latin typeface="Meiryo UI" panose="020B0604030504040204" pitchFamily="34" charset="-128"/>
+                        <a:ea typeface="Meiryo UI" panose="020B0604030504040204" pitchFamily="34" charset="-128"/>
+                      </a:endParaRPr>
+                    </a:p>
+                  </a:txBody>
+                  <a:tcPr marL="83737" marR="83737" marT="41868" marB="41868" anchor="ctr"/>
+                </a:tc>
+                <a:tc>
+                  <a:txBody>
+                    <a:bodyPr/>
+                    <a:lstStyle/>
+                    <a:p>
+                      <a:pPr algn="ctr"/>
+                      <a:endParaRPr lang="zh-HK" altLang="en-US" sz="1400" dirty="0">
+                        <a:latin typeface="Meiryo UI" panose="020B0604030504040204" pitchFamily="34" charset="-128"/>
+                        <a:ea typeface="Meiryo UI" panose="020B0604030504040204" pitchFamily="34" charset="-128"/>
+                      </a:endParaRPr>
+                    </a:p>
+                  </a:txBody>
+                  <a:tcPr marL="83737" marR="83737" marT="41868" marB="41868" anchor="ctr"/>
+                </a:tc>
+                <a:tc>
+                  <a:txBody>
+                    <a:bodyPr/>
+                    <a:lstStyle/>
+                    <a:p>
+                      <a:pPr algn="ctr"/>
+                      <a:endParaRPr lang="zh-HK" altLang="en-US" sz="1400" dirty="0">
+                        <a:latin typeface="Meiryo UI" panose="020B0604030504040204" pitchFamily="34" charset="-128"/>
+                        <a:ea typeface="Meiryo UI" panose="020B0604030504040204" pitchFamily="34" charset="-128"/>
+                      </a:endParaRPr>
+                    </a:p>
+                  </a:txBody>
+                  <a:tcPr marL="83737" marR="83737" marT="41868" marB="41868" anchor="ctr"/>
+                </a:tc>
+                <a:tc>
+                  <a:txBody>
+                    <a:bodyPr/>
+                    <a:lstStyle/>
+                    <a:p>
+                      <a:pPr algn="ctr"/>
+                      <a:endParaRPr lang="zh-HK" altLang="en-US" sz="1400" dirty="0">
                         <a:latin typeface="Meiryo UI" panose="020B0604030504040204" pitchFamily="34" charset="-128"/>
                         <a:ea typeface="Meiryo UI" panose="020B0604030504040204" pitchFamily="34" charset="-128"/>
                       </a:endParaRPr>
@@ -15062,7 +16038,7 @@
                 </a:tc>
                 <a:extLst>
                   <a:ext uri="{0D108BD9-81ED-4DB2-BD59-A6C34878D82A}">
-                    <a16:rowId xmlns:a16="http://schemas.microsoft.com/office/drawing/2014/main" val="3334350174"/>
+                    <a16:rowId xmlns:a16="http://schemas.microsoft.com/office/drawing/2014/main" val="674591211"/>
                   </a:ext>
                 </a:extLst>
               </a:tr>
@@ -15070,62 +16046,6 @@
           </a:graphicData>
         </a:graphic>
       </p:graphicFrame>
-      <p:sp>
-        <p:nvSpPr>
-          <p:cNvPr id="7" name="文字方塊 6">
-            <a:extLst>
-              <a:ext uri="{FF2B5EF4-FFF2-40B4-BE49-F238E27FC236}">
-                <a16:creationId xmlns:a16="http://schemas.microsoft.com/office/drawing/2014/main" id="{8BD9EA9E-D4E3-FC30-61B3-FC7D81E2C2E8}"/>
-              </a:ext>
-            </a:extLst>
-          </p:cNvPr>
-          <p:cNvSpPr txBox="1"/>
-          <p:nvPr/>
-        </p:nvSpPr>
-        <p:spPr>
-          <a:xfrm>
-            <a:off x="1451078" y="941205"/>
-            <a:ext cx="6756864" cy="400110"/>
-          </a:xfrm>
-          <a:prstGeom prst="rect">
-            <a:avLst/>
-          </a:prstGeom>
-          <a:noFill/>
-        </p:spPr>
-        <p:txBody>
-          <a:bodyPr wrap="square" rtlCol="0">
-            <a:spAutoFit/>
-          </a:bodyPr>
-          <a:lstStyle/>
-          <a:p>
-            <a:r>
-              <a:rPr kumimoji="1" lang="en-US" altLang="ja-JP" sz="2000" dirty="0">
-                <a:latin typeface="Meiryo UI" panose="020B0604030504040204" pitchFamily="34" charset="-128"/>
-                <a:ea typeface="Meiryo UI" panose="020B0604030504040204" pitchFamily="34" charset="-128"/>
-              </a:rPr>
-              <a:t>Hash =&gt; </a:t>
-            </a:r>
-            <a:r>
-              <a:rPr kumimoji="1" lang="en-US" altLang="ja-JP" sz="2000" dirty="0" err="1">
-                <a:latin typeface="Meiryo UI" panose="020B0604030504040204" pitchFamily="34" charset="-128"/>
-                <a:ea typeface="Meiryo UI" panose="020B0604030504040204" pitchFamily="34" charset="-128"/>
-              </a:rPr>
-              <a:t>Svg</a:t>
-            </a:r>
-            <a:r>
-              <a:rPr kumimoji="1" lang="en-US" altLang="ja-JP" sz="2000" dirty="0">
-                <a:latin typeface="Meiryo UI" panose="020B0604030504040204" pitchFamily="34" charset="-128"/>
-                <a:ea typeface="Meiryo UI" panose="020B0604030504040204" pitchFamily="34" charset="-128"/>
-              </a:rPr>
-              <a:t> =&gt; Base64(String)</a:t>
-            </a:r>
-            <a:endParaRPr kumimoji="1" lang="zh-HK" altLang="en-US" sz="2000" dirty="0">
-              <a:latin typeface="Meiryo UI" panose="020B0604030504040204" pitchFamily="34" charset="-128"/>
-              <a:ea typeface="Meiryo UI" panose="020B0604030504040204" pitchFamily="34" charset="-128"/>
-            </a:endParaRPr>
-          </a:p>
-        </p:txBody>
-      </p:sp>
       <p:sp>
         <p:nvSpPr>
           <p:cNvPr id="9" name="文字方塊 8">
@@ -15140,7 +16060,7 @@
         </p:nvSpPr>
         <p:spPr>
           <a:xfrm>
-            <a:off x="1192310" y="5147353"/>
+            <a:off x="739637" y="5870575"/>
             <a:ext cx="6452828" cy="369332"/>
           </a:xfrm>
           <a:prstGeom prst="rect">
@@ -15169,12 +16089,30 @@
               <a:t>　</a:t>
             </a:r>
             <a:r>
-              <a:rPr kumimoji="1" lang="zh-HK" altLang="en-US" dirty="0">
+              <a:rPr kumimoji="1" lang="en-US" altLang="ja-JP" sz="1800" dirty="0">
                 <a:latin typeface="Meiryo UI" panose="020B0604030504040204" pitchFamily="34" charset="-128"/>
                 <a:ea typeface="Meiryo UI" panose="020B0604030504040204" pitchFamily="34" charset="-128"/>
               </a:rPr>
-              <a:t>新しいファイルでブロックを初めて作る時間</a:t>
-            </a:r>
+              <a:t>Hash =&gt; </a:t>
+            </a:r>
+            <a:r>
+              <a:rPr kumimoji="1" lang="en-US" altLang="ja-JP" sz="1800" dirty="0" err="1">
+                <a:latin typeface="Meiryo UI" panose="020B0604030504040204" pitchFamily="34" charset="-128"/>
+                <a:ea typeface="Meiryo UI" panose="020B0604030504040204" pitchFamily="34" charset="-128"/>
+              </a:rPr>
+              <a:t>Svg</a:t>
+            </a:r>
+            <a:r>
+              <a:rPr kumimoji="1" lang="en-US" altLang="ja-JP" sz="1800" dirty="0">
+                <a:latin typeface="Meiryo UI" panose="020B0604030504040204" pitchFamily="34" charset="-128"/>
+                <a:ea typeface="Meiryo UI" panose="020B0604030504040204" pitchFamily="34" charset="-128"/>
+              </a:rPr>
+              <a:t> =&gt; Base64(String)</a:t>
+            </a:r>
+            <a:endParaRPr kumimoji="1" lang="zh-HK" altLang="en-US" sz="1800" dirty="0">
+              <a:latin typeface="Meiryo UI" panose="020B0604030504040204" pitchFamily="34" charset="-128"/>
+              <a:ea typeface="Meiryo UI" panose="020B0604030504040204" pitchFamily="34" charset="-128"/>
+            </a:endParaRPr>
           </a:p>
         </p:txBody>
       </p:sp>

--- a/Y3-Sem2/ITゼミ演習II/2024年度_12月報告会_Sk3a04_文家俊.pptx
+++ b/Y3-Sem2/ITゼミ演習II/2024年度_12月報告会_Sk3a04_文家俊.pptx
@@ -4078,7 +4078,7 @@
           <a:p>
             <a:fld id="{A25B1EB1-CDC4-F948-A361-2ADBE5BAC4B6}" type="datetimeFigureOut">
               <a:rPr kumimoji="1" lang="zh-HK" altLang="en-US" smtClean="0"/>
-              <a:t>12/11/24</a:t>
+              <a:t>19/11/24</a:t>
             </a:fld>
             <a:endParaRPr kumimoji="1" lang="zh-HK" altLang="en-US"/>
           </a:p>
@@ -5829,7 +5829,7 @@
           <a:p>
             <a:fld id="{6488FF91-0940-194F-9C77-DAE915FA224C}" type="datetime1">
               <a:rPr lang="zh-HK" altLang="en-US" smtClean="0"/>
-              <a:t>12/11/24</a:t>
+              <a:t>19/11/24</a:t>
             </a:fld>
             <a:endParaRPr lang="en-US" dirty="0"/>
           </a:p>
@@ -6159,7 +6159,7 @@
           <a:p>
             <a:fld id="{FA0DF90C-D644-6640-B8E0-8DE46E7F0644}" type="datetime1">
               <a:rPr lang="zh-HK" altLang="en-US" smtClean="0"/>
-              <a:t>12/11/24</a:t>
+              <a:t>19/11/24</a:t>
             </a:fld>
             <a:endParaRPr lang="en-US" dirty="0"/>
           </a:p>
@@ -6433,7 +6433,7 @@
           <a:p>
             <a:fld id="{A3E15762-F46E-5946-89D2-6B3C47526378}" type="datetime1">
               <a:rPr lang="zh-HK" altLang="en-US" smtClean="0"/>
-              <a:t>12/11/24</a:t>
+              <a:t>19/11/24</a:t>
             </a:fld>
             <a:endParaRPr lang="en-US" dirty="0"/>
           </a:p>
@@ -6997,7 +6997,7 @@
           <a:p>
             <a:fld id="{B1B66AF3-55CB-4E4C-8497-9B186D03A391}" type="datetime1">
               <a:rPr lang="zh-HK" altLang="en-US" smtClean="0"/>
-              <a:t>12/11/24</a:t>
+              <a:t>19/11/24</a:t>
             </a:fld>
             <a:endParaRPr lang="en-US" dirty="0"/>
           </a:p>
@@ -7271,7 +7271,7 @@
           <a:p>
             <a:fld id="{AD6D1AB9-DE2E-F74E-B26B-51B4C34E11D7}" type="datetime1">
               <a:rPr lang="zh-HK" altLang="en-US" smtClean="0"/>
-              <a:t>12/11/24</a:t>
+              <a:t>19/11/24</a:t>
             </a:fld>
             <a:endParaRPr lang="en-US" dirty="0"/>
           </a:p>
@@ -7829,7 +7829,7 @@
           <a:p>
             <a:fld id="{C604EF20-0F4F-5D4B-981E-76360C562C67}" type="datetime1">
               <a:rPr lang="zh-HK" altLang="en-US" smtClean="0"/>
-              <a:t>12/11/24</a:t>
+              <a:t>19/11/24</a:t>
             </a:fld>
             <a:endParaRPr lang="en-US" dirty="0"/>
           </a:p>
@@ -8152,7 +8152,7 @@
           <a:p>
             <a:fld id="{3CBAF90F-A823-E34C-A78F-4AE4CC7F67D9}" type="datetime1">
               <a:rPr lang="zh-HK" altLang="en-US" smtClean="0"/>
-              <a:t>12/11/24</a:t>
+              <a:t>19/11/24</a:t>
             </a:fld>
             <a:endParaRPr lang="en-US" dirty="0"/>
           </a:p>
@@ -8325,7 +8325,7 @@
           <a:p>
             <a:fld id="{360D99CF-A52E-1943-B2AF-2BB78B1FDB5F}" type="datetime1">
               <a:rPr lang="zh-HK" altLang="en-US" smtClean="0"/>
-              <a:t>12/11/24</a:t>
+              <a:t>19/11/24</a:t>
             </a:fld>
             <a:endParaRPr lang="en-US" dirty="0"/>
           </a:p>
@@ -8559,7 +8559,7 @@
           <a:p>
             <a:fld id="{8F0553CA-2D29-764D-AA8F-1197C6038739}" type="datetime1">
               <a:rPr lang="zh-HK" altLang="en-US" smtClean="0"/>
-              <a:t>12/11/24</a:t>
+              <a:t>19/11/24</a:t>
             </a:fld>
             <a:endParaRPr lang="en-US" dirty="0"/>
           </a:p>
@@ -8755,7 +8755,7 @@
           <a:p>
             <a:fld id="{090483E7-7DB3-3E42-9AA5-4E286FE4D513}" type="datetime1">
               <a:rPr lang="zh-HK" altLang="en-US" smtClean="0"/>
-              <a:t>12/11/24</a:t>
+              <a:t>19/11/24</a:t>
             </a:fld>
             <a:endParaRPr lang="en-US" dirty="0"/>
           </a:p>
@@ -9027,7 +9027,7 @@
           <a:p>
             <a:fld id="{88E40C52-B9B1-6D4B-AD30-EA6291ADE45B}" type="datetime1">
               <a:rPr lang="zh-HK" altLang="en-US" smtClean="0"/>
-              <a:t>12/11/24</a:t>
+              <a:t>19/11/24</a:t>
             </a:fld>
             <a:endParaRPr lang="en-US" dirty="0"/>
           </a:p>
@@ -9289,7 +9289,7 @@
           <a:p>
             <a:fld id="{B60E899F-DB52-CE42-A56D-2D8EF91025F2}" type="datetime1">
               <a:rPr lang="zh-HK" altLang="en-US" smtClean="0"/>
-              <a:t>12/11/24</a:t>
+              <a:t>19/11/24</a:t>
             </a:fld>
             <a:endParaRPr lang="en-US" dirty="0"/>
           </a:p>
@@ -9659,7 +9659,7 @@
           <a:p>
             <a:fld id="{5FEC8C46-8D78-CD47-8A77-31D3D7DDC27C}" type="datetime1">
               <a:rPr lang="zh-HK" altLang="en-US" smtClean="0"/>
-              <a:t>12/11/24</a:t>
+              <a:t>19/11/24</a:t>
             </a:fld>
             <a:endParaRPr lang="en-US" dirty="0"/>
           </a:p>
@@ -9803,7 +9803,7 @@
           <a:p>
             <a:fld id="{FE08F07B-E490-A64D-A8FD-15A7600DEDC6}" type="datetime1">
               <a:rPr lang="zh-HK" altLang="en-US" smtClean="0"/>
-              <a:t>12/11/24</a:t>
+              <a:t>19/11/24</a:t>
             </a:fld>
             <a:endParaRPr lang="en-US" dirty="0"/>
           </a:p>
@@ -9924,7 +9924,7 @@
           <a:p>
             <a:fld id="{0E7C8759-FE0A-E346-957B-D93FCC1699B5}" type="datetime1">
               <a:rPr lang="zh-HK" altLang="en-US" smtClean="0"/>
-              <a:t>12/11/24</a:t>
+              <a:t>19/11/24</a:t>
             </a:fld>
             <a:endParaRPr lang="en-US" dirty="0"/>
           </a:p>
@@ -10205,7 +10205,7 @@
           <a:p>
             <a:fld id="{D9D2399D-36B5-7243-824A-D8DDB2F38D52}" type="datetime1">
               <a:rPr lang="zh-HK" altLang="en-US" smtClean="0"/>
-              <a:t>12/11/24</a:t>
+              <a:t>19/11/24</a:t>
             </a:fld>
             <a:endParaRPr lang="en-US" dirty="0"/>
           </a:p>
@@ -10525,7 +10525,7 @@
           <a:p>
             <a:fld id="{A75A1BCC-89DB-FD42-9808-1E6C9FD979D2}" type="datetime1">
               <a:rPr lang="zh-HK" altLang="en-US" smtClean="0"/>
-              <a:t>12/11/24</a:t>
+              <a:t>19/11/24</a:t>
             </a:fld>
             <a:endParaRPr lang="en-US" dirty="0"/>
           </a:p>
@@ -10735,7 +10735,7 @@
           <a:p>
             <a:fld id="{6D0A750E-E3A6-1740-A438-6E87315FF5E3}" type="datetime1">
               <a:rPr lang="zh-HK" altLang="en-US" smtClean="0"/>
-              <a:t>12/11/24</a:t>
+              <a:t>19/11/24</a:t>
             </a:fld>
             <a:endParaRPr lang="en-US" dirty="0"/>
           </a:p>
@@ -14488,7 +14488,7 @@
             <p:ph idx="1"/>
             <p:extLst>
               <p:ext uri="{D42A27DB-BD31-4B8C-83A1-F6EECF244321}">
-                <p14:modId xmlns:p14="http://schemas.microsoft.com/office/powerpoint/2010/main" val="4093689429"/>
+                <p14:modId xmlns:p14="http://schemas.microsoft.com/office/powerpoint/2010/main" val="780597009"/>
               </p:ext>
             </p:extLst>
           </p:nvPr>
@@ -14927,27 +14927,14 @@
                           <a:latin typeface="Meiryo UI" panose="020B0604030504040204" pitchFamily="34" charset="-128"/>
                           <a:ea typeface="Meiryo UI" panose="020B0604030504040204" pitchFamily="34" charset="-128"/>
                         </a:rPr>
-                        <a:t>8</a:t>
+                        <a:t>~</a:t>
                       </a:r>
                       <a:r>
-                        <a:rPr lang="zh-HK" altLang="en-US" sz="1400" dirty="0">
+                        <a:rPr lang="en-US" altLang="zh-TW" sz="1400" dirty="0">
                           <a:latin typeface="Meiryo UI" panose="020B0604030504040204" pitchFamily="34" charset="-128"/>
                           <a:ea typeface="Meiryo UI" panose="020B0604030504040204" pitchFamily="34" charset="-128"/>
                         </a:rPr>
-                        <a:t>秒</a:t>
-                      </a:r>
-                      <a:br>
-                        <a:rPr lang="en-US" altLang="zh-HK" sz="1400" dirty="0">
-                          <a:latin typeface="Meiryo UI" panose="020B0604030504040204" pitchFamily="34" charset="-128"/>
-                          <a:ea typeface="Meiryo UI" panose="020B0604030504040204" pitchFamily="34" charset="-128"/>
-                        </a:rPr>
-                      </a:br>
-                      <a:r>
-                        <a:rPr lang="en-US" altLang="zh-HK" sz="1400" dirty="0">
-                          <a:latin typeface="Meiryo UI" panose="020B0604030504040204" pitchFamily="34" charset="-128"/>
-                          <a:ea typeface="Meiryo UI" panose="020B0604030504040204" pitchFamily="34" charset="-128"/>
-                        </a:rPr>
-                        <a:t>~3</a:t>
+                        <a:t>2</a:t>
                       </a:r>
                       <a:r>
                         <a:rPr lang="zh-HK" altLang="en-US" sz="1400" dirty="0">
@@ -15247,41 +15234,21 @@
                           <a:latin typeface="Meiryo UI" panose="020B0604030504040204" pitchFamily="34" charset="-128"/>
                           <a:ea typeface="Meiryo UI" panose="020B0604030504040204" pitchFamily="34" charset="-128"/>
                         </a:rPr>
-                        <a:t>3</a:t>
+                        <a:t>~5</a:t>
+                      </a:r>
+                      <a:r>
+                        <a:rPr lang="en-US" altLang="zh-TW" sz="1400" dirty="0">
+                          <a:latin typeface="Meiryo UI" panose="020B0604030504040204" pitchFamily="34" charset="-128"/>
+                          <a:ea typeface="Meiryo UI" panose="020B0604030504040204" pitchFamily="34" charset="-128"/>
+                        </a:rPr>
+                        <a:t>0</a:t>
                       </a:r>
                       <a:r>
                         <a:rPr lang="zh-HK" altLang="en-US" sz="1400" dirty="0">
                           <a:latin typeface="Meiryo UI" panose="020B0604030504040204" pitchFamily="34" charset="-128"/>
                           <a:ea typeface="Meiryo UI" panose="020B0604030504040204" pitchFamily="34" charset="-128"/>
                         </a:rPr>
-                        <a:t>分</a:t>
-                      </a:r>
-                      <a:r>
-                        <a:rPr lang="en-US" altLang="zh-HK" sz="1400" dirty="0">
-                          <a:latin typeface="Meiryo UI" panose="020B0604030504040204" pitchFamily="34" charset="-128"/>
-                          <a:ea typeface="Meiryo UI" panose="020B0604030504040204" pitchFamily="34" charset="-128"/>
-                        </a:rPr>
-                        <a:t>30</a:t>
-                      </a:r>
-                      <a:br>
-                        <a:rPr lang="en-US" altLang="zh-HK" sz="1400" dirty="0">
-                          <a:latin typeface="Meiryo UI" panose="020B0604030504040204" pitchFamily="34" charset="-128"/>
-                          <a:ea typeface="Meiryo UI" panose="020B0604030504040204" pitchFamily="34" charset="-128"/>
-                        </a:rPr>
-                      </a:br>
-                      <a:r>
-                        <a:rPr lang="en-US" altLang="zh-HK" sz="1400" dirty="0">
-                          <a:latin typeface="Meiryo UI" panose="020B0604030504040204" pitchFamily="34" charset="-128"/>
-                          <a:ea typeface="Meiryo UI" panose="020B0604030504040204" pitchFamily="34" charset="-128"/>
-                        </a:rPr>
-                        <a:t>~5</a:t>
-                      </a:r>
-                      <a:r>
-                        <a:rPr lang="zh-HK" altLang="en-US" sz="1400" dirty="0">
-                          <a:latin typeface="Meiryo UI" panose="020B0604030504040204" pitchFamily="34" charset="-128"/>
-                          <a:ea typeface="Meiryo UI" panose="020B0604030504040204" pitchFamily="34" charset="-128"/>
-                        </a:rPr>
-                        <a:t>分</a:t>
+                        <a:t>秒</a:t>
                       </a:r>
                       <a:endParaRPr lang="en-US" altLang="zh-HK" sz="1400" dirty="0">
                         <a:latin typeface="Meiryo UI" panose="020B0604030504040204" pitchFamily="34" charset="-128"/>
@@ -15540,11 +15507,11 @@
                         <a:defRPr/>
                       </a:pPr>
                       <a:r>
-                        <a:rPr lang="en-US" altLang="zh-HK" sz="1400" dirty="0">
+                        <a:rPr lang="en-US" altLang="zh-TW" sz="1400" dirty="0">
                           <a:latin typeface="Meiryo UI" panose="020B0604030504040204" pitchFamily="34" charset="-128"/>
                           <a:ea typeface="Meiryo UI" panose="020B0604030504040204" pitchFamily="34" charset="-128"/>
                         </a:rPr>
-                        <a:t>7</a:t>
+                        <a:t>~1</a:t>
                       </a:r>
                       <a:r>
                         <a:rPr lang="zh-HK" altLang="en-US" sz="1400" dirty="0">
@@ -15558,27 +15525,21 @@
                           <a:latin typeface="Meiryo UI" panose="020B0604030504040204" pitchFamily="34" charset="-128"/>
                           <a:ea typeface="Meiryo UI" panose="020B0604030504040204" pitchFamily="34" charset="-128"/>
                         </a:rPr>
-                        <a:t>30</a:t>
+                        <a:t>3</a:t>
                       </a:r>
-                      <a:br>
-                        <a:rPr lang="en-US" altLang="zh-HK" sz="1400" dirty="0">
+                      <a:r>
+                        <a:rPr lang="en-US" altLang="zh-TW" sz="1400" dirty="0">
                           <a:latin typeface="Meiryo UI" panose="020B0604030504040204" pitchFamily="34" charset="-128"/>
                           <a:ea typeface="Meiryo UI" panose="020B0604030504040204" pitchFamily="34" charset="-128"/>
                         </a:rPr>
-                      </a:br>
-                      <a:r>
-                        <a:rPr lang="en-US" altLang="zh-HK" sz="1400" dirty="0">
-                          <a:latin typeface="Meiryo UI" panose="020B0604030504040204" pitchFamily="34" charset="-128"/>
-                          <a:ea typeface="Meiryo UI" panose="020B0604030504040204" pitchFamily="34" charset="-128"/>
-                        </a:rPr>
-                        <a:t>~8</a:t>
+                        <a:t>5</a:t>
                       </a:r>
                       <a:r>
                         <a:rPr lang="zh-HK" altLang="en-US" sz="1400" dirty="0">
                           <a:latin typeface="Meiryo UI" panose="020B0604030504040204" pitchFamily="34" charset="-128"/>
                           <a:ea typeface="Meiryo UI" panose="020B0604030504040204" pitchFamily="34" charset="-128"/>
                         </a:rPr>
-                        <a:t>分</a:t>
+                        <a:t>秒</a:t>
                       </a:r>
                       <a:endParaRPr lang="en-US" altLang="zh-HK" sz="1400" dirty="0">
                         <a:latin typeface="Meiryo UI" panose="020B0604030504040204" pitchFamily="34" charset="-128"/>
@@ -15867,7 +15828,7 @@
                           <a:latin typeface="Meiryo UI" panose="020B0604030504040204" pitchFamily="34" charset="-128"/>
                           <a:ea typeface="Meiryo UI" panose="020B0604030504040204" pitchFamily="34" charset="-128"/>
                         </a:rPr>
-                        <a:t>87</a:t>
+                        <a:t>~5</a:t>
                       </a:r>
                       <a:r>
                         <a:rPr lang="zh-HK" altLang="en-US" sz="1400" dirty="0">
@@ -15875,6 +15836,20 @@
                           <a:ea typeface="Meiryo UI" panose="020B0604030504040204" pitchFamily="34" charset="-128"/>
                         </a:rPr>
                         <a:t>分</a:t>
+                      </a:r>
+                      <a:r>
+                        <a:rPr lang="en-US" altLang="zh-HK" sz="1400" dirty="0">
+                          <a:latin typeface="Meiryo UI" panose="020B0604030504040204" pitchFamily="34" charset="-128"/>
+                          <a:ea typeface="Meiryo UI" panose="020B0604030504040204" pitchFamily="34" charset="-128"/>
+                        </a:rPr>
+                        <a:t>30</a:t>
+                      </a:r>
+                      <a:r>
+                        <a:rPr lang="zh-HK" altLang="en-US" sz="1400">
+                          <a:latin typeface="Meiryo UI" panose="020B0604030504040204" pitchFamily="34" charset="-128"/>
+                          <a:ea typeface="Meiryo UI" panose="020B0604030504040204" pitchFamily="34" charset="-128"/>
+                        </a:rPr>
+                        <a:t>秒</a:t>
                       </a:r>
                       <a:endParaRPr lang="en-US" altLang="zh-HK" sz="1400" dirty="0">
                         <a:latin typeface="Meiryo UI" panose="020B0604030504040204" pitchFamily="34" charset="-128"/>

--- a/Y3-Sem2/ITゼミ演習II/2024年度_12月報告会_Sk3a04_文家俊.pptx
+++ b/Y3-Sem2/ITゼミ演習II/2024年度_12月報告会_Sk3a04_文家俊.pptx
@@ -4078,7 +4078,7 @@
           <a:p>
             <a:fld id="{A25B1EB1-CDC4-F948-A361-2ADBE5BAC4B6}" type="datetimeFigureOut">
               <a:rPr kumimoji="1" lang="zh-HK" altLang="en-US" smtClean="0"/>
-              <a:t>19/11/24</a:t>
+              <a:t>26/11/24</a:t>
             </a:fld>
             <a:endParaRPr kumimoji="1" lang="zh-HK" altLang="en-US"/>
           </a:p>
@@ -5829,7 +5829,7 @@
           <a:p>
             <a:fld id="{6488FF91-0940-194F-9C77-DAE915FA224C}" type="datetime1">
               <a:rPr lang="zh-HK" altLang="en-US" smtClean="0"/>
-              <a:t>19/11/24</a:t>
+              <a:t>26/11/24</a:t>
             </a:fld>
             <a:endParaRPr lang="en-US" dirty="0"/>
           </a:p>
@@ -6159,7 +6159,7 @@
           <a:p>
             <a:fld id="{FA0DF90C-D644-6640-B8E0-8DE46E7F0644}" type="datetime1">
               <a:rPr lang="zh-HK" altLang="en-US" smtClean="0"/>
-              <a:t>19/11/24</a:t>
+              <a:t>26/11/24</a:t>
             </a:fld>
             <a:endParaRPr lang="en-US" dirty="0"/>
           </a:p>
@@ -6433,7 +6433,7 @@
           <a:p>
             <a:fld id="{A3E15762-F46E-5946-89D2-6B3C47526378}" type="datetime1">
               <a:rPr lang="zh-HK" altLang="en-US" smtClean="0"/>
-              <a:t>19/11/24</a:t>
+              <a:t>26/11/24</a:t>
             </a:fld>
             <a:endParaRPr lang="en-US" dirty="0"/>
           </a:p>
@@ -6997,7 +6997,7 @@
           <a:p>
             <a:fld id="{B1B66AF3-55CB-4E4C-8497-9B186D03A391}" type="datetime1">
               <a:rPr lang="zh-HK" altLang="en-US" smtClean="0"/>
-              <a:t>19/11/24</a:t>
+              <a:t>26/11/24</a:t>
             </a:fld>
             <a:endParaRPr lang="en-US" dirty="0"/>
           </a:p>
@@ -7271,7 +7271,7 @@
           <a:p>
             <a:fld id="{AD6D1AB9-DE2E-F74E-B26B-51B4C34E11D7}" type="datetime1">
               <a:rPr lang="zh-HK" altLang="en-US" smtClean="0"/>
-              <a:t>19/11/24</a:t>
+              <a:t>26/11/24</a:t>
             </a:fld>
             <a:endParaRPr lang="en-US" dirty="0"/>
           </a:p>
@@ -7829,7 +7829,7 @@
           <a:p>
             <a:fld id="{C604EF20-0F4F-5D4B-981E-76360C562C67}" type="datetime1">
               <a:rPr lang="zh-HK" altLang="en-US" smtClean="0"/>
-              <a:t>19/11/24</a:t>
+              <a:t>26/11/24</a:t>
             </a:fld>
             <a:endParaRPr lang="en-US" dirty="0"/>
           </a:p>
@@ -8152,7 +8152,7 @@
           <a:p>
             <a:fld id="{3CBAF90F-A823-E34C-A78F-4AE4CC7F67D9}" type="datetime1">
               <a:rPr lang="zh-HK" altLang="en-US" smtClean="0"/>
-              <a:t>19/11/24</a:t>
+              <a:t>26/11/24</a:t>
             </a:fld>
             <a:endParaRPr lang="en-US" dirty="0"/>
           </a:p>
@@ -8325,7 +8325,7 @@
           <a:p>
             <a:fld id="{360D99CF-A52E-1943-B2AF-2BB78B1FDB5F}" type="datetime1">
               <a:rPr lang="zh-HK" altLang="en-US" smtClean="0"/>
-              <a:t>19/11/24</a:t>
+              <a:t>26/11/24</a:t>
             </a:fld>
             <a:endParaRPr lang="en-US" dirty="0"/>
           </a:p>
@@ -8559,7 +8559,7 @@
           <a:p>
             <a:fld id="{8F0553CA-2D29-764D-AA8F-1197C6038739}" type="datetime1">
               <a:rPr lang="zh-HK" altLang="en-US" smtClean="0"/>
-              <a:t>19/11/24</a:t>
+              <a:t>26/11/24</a:t>
             </a:fld>
             <a:endParaRPr lang="en-US" dirty="0"/>
           </a:p>
@@ -8755,7 +8755,7 @@
           <a:p>
             <a:fld id="{090483E7-7DB3-3E42-9AA5-4E286FE4D513}" type="datetime1">
               <a:rPr lang="zh-HK" altLang="en-US" smtClean="0"/>
-              <a:t>19/11/24</a:t>
+              <a:t>26/11/24</a:t>
             </a:fld>
             <a:endParaRPr lang="en-US" dirty="0"/>
           </a:p>
@@ -9027,7 +9027,7 @@
           <a:p>
             <a:fld id="{88E40C52-B9B1-6D4B-AD30-EA6291ADE45B}" type="datetime1">
               <a:rPr lang="zh-HK" altLang="en-US" smtClean="0"/>
-              <a:t>19/11/24</a:t>
+              <a:t>26/11/24</a:t>
             </a:fld>
             <a:endParaRPr lang="en-US" dirty="0"/>
           </a:p>
@@ -9289,7 +9289,7 @@
           <a:p>
             <a:fld id="{B60E899F-DB52-CE42-A56D-2D8EF91025F2}" type="datetime1">
               <a:rPr lang="zh-HK" altLang="en-US" smtClean="0"/>
-              <a:t>19/11/24</a:t>
+              <a:t>26/11/24</a:t>
             </a:fld>
             <a:endParaRPr lang="en-US" dirty="0"/>
           </a:p>
@@ -9659,7 +9659,7 @@
           <a:p>
             <a:fld id="{5FEC8C46-8D78-CD47-8A77-31D3D7DDC27C}" type="datetime1">
               <a:rPr lang="zh-HK" altLang="en-US" smtClean="0"/>
-              <a:t>19/11/24</a:t>
+              <a:t>26/11/24</a:t>
             </a:fld>
             <a:endParaRPr lang="en-US" dirty="0"/>
           </a:p>
@@ -9803,7 +9803,7 @@
           <a:p>
             <a:fld id="{FE08F07B-E490-A64D-A8FD-15A7600DEDC6}" type="datetime1">
               <a:rPr lang="zh-HK" altLang="en-US" smtClean="0"/>
-              <a:t>19/11/24</a:t>
+              <a:t>26/11/24</a:t>
             </a:fld>
             <a:endParaRPr lang="en-US" dirty="0"/>
           </a:p>
@@ -9924,7 +9924,7 @@
           <a:p>
             <a:fld id="{0E7C8759-FE0A-E346-957B-D93FCC1699B5}" type="datetime1">
               <a:rPr lang="zh-HK" altLang="en-US" smtClean="0"/>
-              <a:t>19/11/24</a:t>
+              <a:t>26/11/24</a:t>
             </a:fld>
             <a:endParaRPr lang="en-US" dirty="0"/>
           </a:p>
@@ -10205,7 +10205,7 @@
           <a:p>
             <a:fld id="{D9D2399D-36B5-7243-824A-D8DDB2F38D52}" type="datetime1">
               <a:rPr lang="zh-HK" altLang="en-US" smtClean="0"/>
-              <a:t>19/11/24</a:t>
+              <a:t>26/11/24</a:t>
             </a:fld>
             <a:endParaRPr lang="en-US" dirty="0"/>
           </a:p>
@@ -10525,7 +10525,7 @@
           <a:p>
             <a:fld id="{A75A1BCC-89DB-FD42-9808-1E6C9FD979D2}" type="datetime1">
               <a:rPr lang="zh-HK" altLang="en-US" smtClean="0"/>
-              <a:t>19/11/24</a:t>
+              <a:t>26/11/24</a:t>
             </a:fld>
             <a:endParaRPr lang="en-US" dirty="0"/>
           </a:p>
@@ -10735,7 +10735,7 @@
           <a:p>
             <a:fld id="{6D0A750E-E3A6-1740-A438-6E87315FF5E3}" type="datetime1">
               <a:rPr lang="zh-HK" altLang="en-US" smtClean="0"/>
-              <a:t>19/11/24</a:t>
+              <a:t>26/11/24</a:t>
             </a:fld>
             <a:endParaRPr lang="en-US" dirty="0"/>
           </a:p>
@@ -14488,14 +14488,14 @@
             <p:ph idx="1"/>
             <p:extLst>
               <p:ext uri="{D42A27DB-BD31-4B8C-83A1-F6EECF244321}">
-                <p14:modId xmlns:p14="http://schemas.microsoft.com/office/powerpoint/2010/main" val="780597009"/>
+                <p14:modId xmlns:p14="http://schemas.microsoft.com/office/powerpoint/2010/main" val="2473520275"/>
               </p:ext>
             </p:extLst>
           </p:nvPr>
         </p:nvGraphicFramePr>
         <p:xfrm>
-          <a:off x="1" y="1227106"/>
-          <a:ext cx="12185965" cy="2917055"/>
+          <a:off x="212335" y="1927096"/>
+          <a:ext cx="11520956" cy="2846742"/>
         </p:xfrm>
         <a:graphic>
           <a:graphicData uri="http://schemas.openxmlformats.org/drawingml/2006/table">
@@ -14504,77 +14504,63 @@
                 <a:tableStyleId>{5C22544A-7EE6-4342-B048-85BDC9FD1C3A}</a:tableStyleId>
               </a:tblPr>
               <a:tblGrid>
-                <a:gridCol w="1241570">
+                <a:gridCol w="1268952">
                   <a:extLst>
                     <a:ext uri="{9D8B030D-6E8A-4147-A177-3AD203B41FA5}">
                       <a16:colId xmlns:a16="http://schemas.microsoft.com/office/drawing/2014/main" val="3802710178"/>
                     </a:ext>
                   </a:extLst>
                 </a:gridCol>
-                <a:gridCol w="1048623">
+                <a:gridCol w="1322949">
                   <a:extLst>
                     <a:ext uri="{9D8B030D-6E8A-4147-A177-3AD203B41FA5}">
                       <a16:colId xmlns:a16="http://schemas.microsoft.com/office/drawing/2014/main" val="197980226"/>
                     </a:ext>
                   </a:extLst>
                 </a:gridCol>
-                <a:gridCol w="969054">
-                  <a:extLst>
-                    <a:ext uri="{9D8B030D-6E8A-4147-A177-3AD203B41FA5}">
-                      <a16:colId xmlns:a16="http://schemas.microsoft.com/office/drawing/2014/main" val="4031616634"/>
-                    </a:ext>
-                  </a:extLst>
-                </a:gridCol>
-                <a:gridCol w="1140736">
+                <a:gridCol w="1396572">
                   <a:extLst>
                     <a:ext uri="{9D8B030D-6E8A-4147-A177-3AD203B41FA5}">
                       <a16:colId xmlns:a16="http://schemas.microsoft.com/office/drawing/2014/main" val="3502698574"/>
                     </a:ext>
                   </a:extLst>
                 </a:gridCol>
-                <a:gridCol w="1140737">
-                  <a:extLst>
-                    <a:ext uri="{9D8B030D-6E8A-4147-A177-3AD203B41FA5}">
-                      <a16:colId xmlns:a16="http://schemas.microsoft.com/office/drawing/2014/main" val="710164641"/>
-                    </a:ext>
-                  </a:extLst>
-                </a:gridCol>
-                <a:gridCol w="927191">
+                <a:gridCol w="1061136">
                   <a:extLst>
                     <a:ext uri="{9D8B030D-6E8A-4147-A177-3AD203B41FA5}">
                       <a16:colId xmlns:a16="http://schemas.microsoft.com/office/drawing/2014/main" val="278007834"/>
                     </a:ext>
                   </a:extLst>
                 </a:gridCol>
-                <a:gridCol w="981512">
+                <a:gridCol w="1150107">
                   <a:extLst>
                     <a:ext uri="{9D8B030D-6E8A-4147-A177-3AD203B41FA5}">
                       <a16:colId xmlns:a16="http://schemas.microsoft.com/office/drawing/2014/main" val="1460269619"/>
                     </a:ext>
                   </a:extLst>
                 </a:gridCol>
-                <a:gridCol w="1610686">
+                <a:gridCol w="1783585">
                   <a:extLst>
                     <a:ext uri="{9D8B030D-6E8A-4147-A177-3AD203B41FA5}">
                       <a16:colId xmlns:a16="http://schemas.microsoft.com/office/drawing/2014/main" val="2671526995"/>
                     </a:ext>
                   </a:extLst>
                 </a:gridCol>
-                <a:gridCol w="981512">
+                <a:gridCol w="1110816">
                   <a:extLst>
                     <a:ext uri="{9D8B030D-6E8A-4147-A177-3AD203B41FA5}">
                       <a16:colId xmlns:a16="http://schemas.microsoft.com/office/drawing/2014/main" val="2792151916"/>
                     </a:ext>
                   </a:extLst>
                 </a:gridCol>
-                <a:gridCol w="804305">
+                <a:gridCol w="1018200">
                   <a:extLst>
                     <a:ext uri="{9D8B030D-6E8A-4147-A177-3AD203B41FA5}">
                       <a16:colId xmlns:a16="http://schemas.microsoft.com/office/drawing/2014/main" val="3328095152"/>
                     </a:ext>
                   </a:extLst>
                 </a:gridCol>
-                <a:gridCol w="1340039">
+                <a:gridCol w="1408639">
                   <a:extLst>
                     <a:ext uri="{9D8B030D-6E8A-4147-A177-3AD203B41FA5}">
                       <a16:colId xmlns:a16="http://schemas.microsoft.com/office/drawing/2014/main" val="2701643900"/>
@@ -14632,49 +14618,7 @@
                           <a:latin typeface="Meiryo UI" panose="020B0604030504040204" pitchFamily="34" charset="-128"/>
                           <a:ea typeface="Meiryo UI" panose="020B0604030504040204" pitchFamily="34" charset="-128"/>
                         </a:rPr>
-                        <a:t>Argon2</a:t>
-                      </a:r>
-                      <a:endParaRPr lang="zh-HK" altLang="en-US" sz="1600" b="0" dirty="0">
-                        <a:latin typeface="Meiryo UI" panose="020B0604030504040204" pitchFamily="34" charset="-128"/>
-                        <a:ea typeface="Meiryo UI" panose="020B0604030504040204" pitchFamily="34" charset="-128"/>
-                      </a:endParaRPr>
-                    </a:p>
-                  </a:txBody>
-                  <a:tcPr marL="83737" marR="83737" marT="41868" marB="41868" anchor="ctr"/>
-                </a:tc>
-                <a:tc>
-                  <a:txBody>
-                    <a:bodyPr/>
-                    <a:lstStyle/>
-                    <a:p>
-                      <a:pPr algn="ctr"/>
-                      <a:r>
-                        <a:rPr lang="en-US" altLang="zh-HK" sz="1600" b="1" dirty="0">
-                          <a:latin typeface="Meiryo UI" panose="020B0604030504040204" pitchFamily="34" charset="-128"/>
-                          <a:ea typeface="Meiryo UI" panose="020B0604030504040204" pitchFamily="34" charset="-128"/>
-                        </a:rPr>
                         <a:t>Blake2b</a:t>
-                      </a:r>
-                      <a:endParaRPr lang="zh-HK" altLang="en-US" sz="1600" b="0" dirty="0">
-                        <a:latin typeface="Meiryo UI" panose="020B0604030504040204" pitchFamily="34" charset="-128"/>
-                        <a:ea typeface="Meiryo UI" panose="020B0604030504040204" pitchFamily="34" charset="-128"/>
-                      </a:endParaRPr>
-                    </a:p>
-                  </a:txBody>
-                  <a:tcPr marL="83737" marR="83737" marT="41868" marB="41868" anchor="ctr"/>
-                </a:tc>
-                <a:tc>
-                  <a:txBody>
-                    <a:bodyPr/>
-                    <a:lstStyle/>
-                    <a:p>
-                      <a:pPr algn="ctr"/>
-                      <a:r>
-                        <a:rPr lang="en-US" altLang="zh-HK" sz="1600" b="1" dirty="0">
-                          <a:latin typeface="Meiryo UI" panose="020B0604030504040204" pitchFamily="34" charset="-128"/>
-                          <a:ea typeface="Meiryo UI" panose="020B0604030504040204" pitchFamily="34" charset="-128"/>
-                        </a:rPr>
-                        <a:t>Blake2s</a:t>
                       </a:r>
                       <a:endParaRPr lang="zh-HK" altLang="en-US" sz="1600" b="0" dirty="0">
                         <a:latin typeface="Meiryo UI" panose="020B0604030504040204" pitchFamily="34" charset="-128"/>
@@ -14847,7 +14791,7 @@
                     <a:p>
                       <a:pPr algn="ctr"/>
                       <a:r>
-                        <a:rPr lang="en-US" altLang="zh-HK" sz="1600" b="1" dirty="0">
+                        <a:rPr lang="en-US" altLang="zh-HK" sz="1500" b="1" dirty="0">
                           <a:solidFill>
                             <a:schemeClr val="tx1"/>
                           </a:solidFill>
@@ -14876,7 +14820,7 @@
                         <a:defRPr/>
                       </a:pPr>
                       <a:r>
-                        <a:rPr lang="en-US" altLang="zh-HK" sz="1600" b="1" dirty="0">
+                        <a:rPr lang="en-US" altLang="zh-HK" sz="1500" b="1" dirty="0">
                           <a:solidFill>
                             <a:schemeClr val="tx1"/>
                           </a:solidFill>
@@ -14885,7 +14829,7 @@
                         </a:rPr>
                         <a:t>114KB</a:t>
                       </a:r>
-                      <a:endParaRPr lang="zh-HK" altLang="en-US" sz="1600" b="1" dirty="0">
+                      <a:endParaRPr lang="zh-HK" altLang="en-US" sz="1500" b="1" dirty="0">
                         <a:solidFill>
                           <a:schemeClr val="tx1"/>
                         </a:solidFill>
@@ -14927,6 +14871,20 @@
                           <a:latin typeface="Meiryo UI" panose="020B0604030504040204" pitchFamily="34" charset="-128"/>
                           <a:ea typeface="Meiryo UI" panose="020B0604030504040204" pitchFamily="34" charset="-128"/>
                         </a:rPr>
+                        <a:t>30</a:t>
+                      </a:r>
+                      <a:r>
+                        <a:rPr lang="zh-HK" altLang="en-US" sz="1400" dirty="0">
+                          <a:latin typeface="Meiryo UI" panose="020B0604030504040204" pitchFamily="34" charset="-128"/>
+                          <a:ea typeface="Meiryo UI" panose="020B0604030504040204" pitchFamily="34" charset="-128"/>
+                        </a:rPr>
+                        <a:t>秒</a:t>
+                      </a:r>
+                      <a:r>
+                        <a:rPr lang="en-US" altLang="zh-HK" sz="1400" dirty="0">
+                          <a:latin typeface="Meiryo UI" panose="020B0604030504040204" pitchFamily="34" charset="-128"/>
+                          <a:ea typeface="Meiryo UI" panose="020B0604030504040204" pitchFamily="34" charset="-128"/>
+                        </a:rPr>
                         <a:t>~</a:t>
                       </a:r>
                       <a:r>
@@ -14956,29 +14914,27 @@
                     <a:bodyPr/>
                     <a:lstStyle/>
                     <a:p>
-                      <a:pPr marL="0" marR="0" lvl="0" indent="0" algn="ctr" defTabSz="457200" rtl="0" eaLnBrk="1" fontAlgn="auto" latinLnBrk="0" hangingPunct="1">
-                        <a:lnSpc>
-                          <a:spcPct val="100000"/>
-                        </a:lnSpc>
-                        <a:spcBef>
-                          <a:spcPts val="0"/>
-                        </a:spcBef>
-                        <a:spcAft>
-                          <a:spcPts val="0"/>
-                        </a:spcAft>
-                        <a:buClrTx/>
-                        <a:buSzTx/>
-                        <a:buFontTx/>
-                        <a:buNone/>
-                        <a:tabLst/>
-                        <a:defRPr/>
-                      </a:pPr>
+                      <a:pPr algn="ctr"/>
                       <a:r>
                         <a:rPr lang="en-US" altLang="zh-HK" sz="1400" dirty="0">
                           <a:latin typeface="Meiryo UI" panose="020B0604030504040204" pitchFamily="34" charset="-128"/>
                           <a:ea typeface="Meiryo UI" panose="020B0604030504040204" pitchFamily="34" charset="-128"/>
                         </a:rPr>
-                        <a:t>4</a:t>
+                        <a:t>1</a:t>
+                      </a:r>
+                      <a:r>
+                        <a:rPr lang="zh-HK" altLang="en-US" sz="1400" dirty="0">
+                          <a:latin typeface="Meiryo UI" panose="020B0604030504040204" pitchFamily="34" charset="-128"/>
+                          <a:ea typeface="Meiryo UI" panose="020B0604030504040204" pitchFamily="34" charset="-128"/>
+                        </a:rPr>
+                        <a:t>分</a:t>
+                      </a:r>
+                      <a:r>
+                        <a:rPr lang="en-US" altLang="zh-HK" sz="1400" dirty="0">
+                          <a:latin typeface="Meiryo UI" panose="020B0604030504040204" pitchFamily="34" charset="-128"/>
+                          <a:ea typeface="Meiryo UI" panose="020B0604030504040204" pitchFamily="34" charset="-128"/>
+                        </a:rPr>
+                        <a:t>15</a:t>
                       </a:r>
                       <a:r>
                         <a:rPr lang="zh-HK" altLang="en-US" sz="1400" dirty="0">
@@ -14987,38 +14943,20 @@
                         </a:rPr>
                         <a:t>秒</a:t>
                       </a:r>
-                      <a:endParaRPr lang="en-US" altLang="zh-HK" sz="1400" dirty="0">
-                        <a:latin typeface="Meiryo UI" panose="020B0604030504040204" pitchFamily="34" charset="-128"/>
-                        <a:ea typeface="Meiryo UI" panose="020B0604030504040204" pitchFamily="34" charset="-128"/>
-                      </a:endParaRPr>
-                    </a:p>
-                  </a:txBody>
-                  <a:tcPr marL="83737" marR="83737" marT="41868" marB="41868" anchor="ctr"/>
-                </a:tc>
-                <a:tc>
-                  <a:txBody>
-                    <a:bodyPr/>
-                    <a:lstStyle/>
-                    <a:p>
-                      <a:pPr algn="ctr"/>
-                      <a:endParaRPr lang="zh-HK" altLang="en-US" sz="1400" dirty="0">
-                        <a:latin typeface="Meiryo UI" panose="020B0604030504040204" pitchFamily="34" charset="-128"/>
-                        <a:ea typeface="Meiryo UI" panose="020B0604030504040204" pitchFamily="34" charset="-128"/>
-                      </a:endParaRPr>
-                    </a:p>
-                  </a:txBody>
-                  <a:tcPr marL="83737" marR="83737" marT="41868" marB="41868" anchor="ctr"/>
-                </a:tc>
-                <a:tc>
-                  <a:txBody>
-                    <a:bodyPr/>
-                    <a:lstStyle/>
-                    <a:p>
-                      <a:pPr algn="ctr"/>
-                      <a:endParaRPr lang="zh-HK" altLang="en-US" sz="1400" dirty="0">
-                        <a:latin typeface="Meiryo UI" panose="020B0604030504040204" pitchFamily="34" charset="-128"/>
-                        <a:ea typeface="Meiryo UI" panose="020B0604030504040204" pitchFamily="34" charset="-128"/>
-                      </a:endParaRPr>
+                      <a:r>
+                        <a:rPr lang="en-US" altLang="zh-HK" sz="1400" dirty="0">
+                          <a:latin typeface="Meiryo UI" panose="020B0604030504040204" pitchFamily="34" charset="-128"/>
+                          <a:ea typeface="Meiryo UI" panose="020B0604030504040204" pitchFamily="34" charset="-128"/>
+                        </a:rPr>
+                        <a:t>〜4</a:t>
+                      </a:r>
+                      <a:r>
+                        <a:rPr lang="zh-HK" altLang="en-US" sz="1400" dirty="0">
+                          <a:latin typeface="Meiryo UI" panose="020B0604030504040204" pitchFamily="34" charset="-128"/>
+                          <a:ea typeface="Meiryo UI" panose="020B0604030504040204" pitchFamily="34" charset="-128"/>
+                        </a:rPr>
+                        <a:t>分</a:t>
+                      </a:r>
                     </a:p>
                   </a:txBody>
                   <a:tcPr marL="83737" marR="83737" marT="41868" marB="41868" anchor="ctr"/>
@@ -15137,7 +15075,7 @@
                         <a:defRPr/>
                       </a:pPr>
                       <a:r>
-                        <a:rPr lang="en-US" altLang="zh-HK" sz="1600" b="1" dirty="0">
+                        <a:rPr lang="en-US" altLang="zh-HK" sz="1500" b="1" dirty="0">
                           <a:solidFill>
                             <a:schemeClr val="tx1"/>
                           </a:solidFill>
@@ -15147,7 +15085,7 @@
                         <a:t>ER</a:t>
                       </a:r>
                       <a:r>
-                        <a:rPr lang="zh-HK" altLang="en-US" sz="1600" b="1" dirty="0">
+                        <a:rPr lang="zh-HK" altLang="en-US" sz="1500" b="1" dirty="0">
                           <a:solidFill>
                             <a:schemeClr val="tx1"/>
                           </a:solidFill>
@@ -15156,7 +15094,7 @@
                         </a:rPr>
                         <a:t>図</a:t>
                       </a:r>
-                      <a:endParaRPr lang="en-US" altLang="zh-HK" sz="1600" b="1" dirty="0">
+                      <a:endParaRPr lang="en-US" altLang="zh-HK" sz="1500" b="1" dirty="0">
                         <a:solidFill>
                           <a:schemeClr val="tx1"/>
                         </a:solidFill>
@@ -15183,7 +15121,7 @@
                         <a:defRPr/>
                       </a:pPr>
                       <a:r>
-                        <a:rPr lang="en-US" altLang="zh-HK" sz="1600" b="1" dirty="0">
+                        <a:rPr lang="en-US" altLang="zh-HK" sz="1500" b="1" dirty="0">
                           <a:solidFill>
                             <a:schemeClr val="tx1"/>
                           </a:solidFill>
@@ -15192,7 +15130,7 @@
                         </a:rPr>
                         <a:t>426 KB</a:t>
                       </a:r>
-                      <a:endParaRPr lang="zh-HK" altLang="en-US" sz="1600" b="1" dirty="0">
+                      <a:endParaRPr lang="zh-HK" altLang="en-US" sz="1500" b="1" dirty="0">
                         <a:solidFill>
                           <a:schemeClr val="tx1"/>
                         </a:solidFill>
@@ -15265,47 +15203,19 @@
                     <a:p>
                       <a:pPr algn="ctr"/>
                       <a:r>
-                        <a:rPr lang="en-US" altLang="zh-TW" sz="1400" dirty="0">
+                        <a:rPr lang="en-US" altLang="zh-HK" sz="1400" dirty="0">
                           <a:latin typeface="Meiryo UI" panose="020B0604030504040204" pitchFamily="34" charset="-128"/>
                           <a:ea typeface="Meiryo UI" panose="020B0604030504040204" pitchFamily="34" charset="-128"/>
                         </a:rPr>
-                        <a:t>10</a:t>
+                        <a:t>〜4</a:t>
                       </a:r>
                       <a:r>
                         <a:rPr lang="zh-HK" altLang="en-US" sz="1400" dirty="0">
                           <a:latin typeface="Meiryo UI" panose="020B0604030504040204" pitchFamily="34" charset="-128"/>
                           <a:ea typeface="Meiryo UI" panose="020B0604030504040204" pitchFamily="34" charset="-128"/>
                         </a:rPr>
-                        <a:t>秒</a:t>
+                        <a:t>分</a:t>
                       </a:r>
-                    </a:p>
-                  </a:txBody>
-                  <a:tcPr marL="83737" marR="83737" marT="41868" marB="41868" anchor="ctr"/>
-                </a:tc>
-                <a:tc>
-                  <a:txBody>
-                    <a:bodyPr/>
-                    <a:lstStyle/>
-                    <a:p>
-                      <a:pPr algn="ctr"/>
-                      <a:endParaRPr lang="zh-HK" altLang="en-US" sz="1400" dirty="0">
-                        <a:latin typeface="Meiryo UI" panose="020B0604030504040204" pitchFamily="34" charset="-128"/>
-                        <a:ea typeface="Meiryo UI" panose="020B0604030504040204" pitchFamily="34" charset="-128"/>
-                      </a:endParaRPr>
-                    </a:p>
-                  </a:txBody>
-                  <a:tcPr marL="83737" marR="83737" marT="41868" marB="41868" anchor="ctr"/>
-                </a:tc>
-                <a:tc>
-                  <a:txBody>
-                    <a:bodyPr/>
-                    <a:lstStyle/>
-                    <a:p>
-                      <a:pPr algn="ctr"/>
-                      <a:endParaRPr lang="zh-HK" altLang="en-US" sz="1400" dirty="0">
-                        <a:latin typeface="Meiryo UI" panose="020B0604030504040204" pitchFamily="34" charset="-128"/>
-                        <a:ea typeface="Meiryo UI" panose="020B0604030504040204" pitchFamily="34" charset="-128"/>
-                      </a:endParaRPr>
                     </a:p>
                   </a:txBody>
                   <a:tcPr marL="83737" marR="83737" marT="41868" marB="41868" anchor="ctr"/>
@@ -15424,7 +15334,7 @@
                         <a:defRPr/>
                       </a:pPr>
                       <a:r>
-                        <a:rPr lang="zh-HK" altLang="en-US" sz="1600" b="1" dirty="0">
+                        <a:rPr lang="zh-HK" altLang="en-US" sz="1500" b="1" dirty="0">
                           <a:solidFill>
                             <a:schemeClr val="tx1"/>
                           </a:solidFill>
@@ -15433,7 +15343,7 @@
                         </a:rPr>
                         <a:t>履歴書</a:t>
                       </a:r>
-                      <a:endParaRPr lang="en-US" altLang="zh-HK" sz="1600" b="1" dirty="0">
+                      <a:endParaRPr lang="en-US" altLang="zh-HK" sz="1500" b="1" dirty="0">
                         <a:solidFill>
                           <a:schemeClr val="tx1"/>
                         </a:solidFill>
@@ -15460,7 +15370,7 @@
                         <a:defRPr/>
                       </a:pPr>
                       <a:r>
-                        <a:rPr lang="en-US" altLang="zh-HK" sz="1600" b="1" dirty="0">
+                        <a:rPr lang="en-US" altLang="zh-HK" sz="1500" b="1" dirty="0">
                           <a:solidFill>
                             <a:schemeClr val="tx1"/>
                           </a:solidFill>
@@ -15469,7 +15379,7 @@
                         </a:rPr>
                         <a:t>257 KB</a:t>
                       </a:r>
-                      <a:endParaRPr lang="zh-HK" altLang="en-US" sz="1600" b="1" dirty="0">
+                      <a:endParaRPr lang="zh-HK" altLang="en-US" sz="1500" b="1" dirty="0">
                         <a:solidFill>
                           <a:schemeClr val="tx1"/>
                         </a:solidFill>
@@ -15542,60 +15452,6 @@
                         <a:t>秒</a:t>
                       </a:r>
                       <a:endParaRPr lang="en-US" altLang="zh-HK" sz="1400" dirty="0">
-                        <a:latin typeface="Meiryo UI" panose="020B0604030504040204" pitchFamily="34" charset="-128"/>
-                        <a:ea typeface="Meiryo UI" panose="020B0604030504040204" pitchFamily="34" charset="-128"/>
-                      </a:endParaRPr>
-                    </a:p>
-                  </a:txBody>
-                  <a:tcPr marL="83737" marR="83737" marT="41868" marB="41868" anchor="ctr"/>
-                </a:tc>
-                <a:tc>
-                  <a:txBody>
-                    <a:bodyPr/>
-                    <a:lstStyle/>
-                    <a:p>
-                      <a:pPr marL="0" marR="0" lvl="0" indent="0" algn="ctr" defTabSz="457200" rtl="0" eaLnBrk="1" fontAlgn="auto" latinLnBrk="0" hangingPunct="1">
-                        <a:lnSpc>
-                          <a:spcPct val="100000"/>
-                        </a:lnSpc>
-                        <a:spcBef>
-                          <a:spcPts val="0"/>
-                        </a:spcBef>
-                        <a:spcAft>
-                          <a:spcPts val="0"/>
-                        </a:spcAft>
-                        <a:buClrTx/>
-                        <a:buSzTx/>
-                        <a:buFontTx/>
-                        <a:buNone/>
-                        <a:tabLst/>
-                        <a:defRPr/>
-                      </a:pPr>
-                      <a:r>
-                        <a:rPr lang="en-US" altLang="zh-TW" sz="1400" dirty="0">
-                          <a:latin typeface="Meiryo UI" panose="020B0604030504040204" pitchFamily="34" charset="-128"/>
-                          <a:ea typeface="Meiryo UI" panose="020B0604030504040204" pitchFamily="34" charset="-128"/>
-                        </a:rPr>
-                        <a:t>3</a:t>
-                      </a:r>
-                      <a:r>
-                        <a:rPr lang="zh-HK" altLang="en-US" sz="1400" dirty="0">
-                          <a:latin typeface="Meiryo UI" panose="020B0604030504040204" pitchFamily="34" charset="-128"/>
-                          <a:ea typeface="Meiryo UI" panose="020B0604030504040204" pitchFamily="34" charset="-128"/>
-                        </a:rPr>
-                        <a:t>秒</a:t>
-                      </a:r>
-                    </a:p>
-                  </a:txBody>
-                  <a:tcPr marL="83737" marR="83737" marT="41868" marB="41868" anchor="ctr"/>
-                </a:tc>
-                <a:tc>
-                  <a:txBody>
-                    <a:bodyPr/>
-                    <a:lstStyle/>
-                    <a:p>
-                      <a:pPr algn="ctr"/>
-                      <a:endParaRPr lang="zh-HK" altLang="en-US" sz="1400" dirty="0">
                         <a:latin typeface="Meiryo UI" panose="020B0604030504040204" pitchFamily="34" charset="-128"/>
                         <a:ea typeface="Meiryo UI" panose="020B0604030504040204" pitchFamily="34" charset="-128"/>
                       </a:endParaRPr>
@@ -15731,7 +15587,7 @@
                         <a:defRPr/>
                       </a:pPr>
                       <a:r>
-                        <a:rPr lang="ja-JP" altLang="en-US" sz="1600" b="1">
+                        <a:rPr lang="ja-JP" altLang="en-US" sz="1500" b="1">
                           <a:solidFill>
                             <a:schemeClr val="tx1"/>
                           </a:solidFill>
@@ -15741,7 +15597,7 @@
                         <a:t>スキャン</a:t>
                       </a:r>
                       <a:r>
-                        <a:rPr lang="zh-HK" altLang="en-US" sz="1600" b="1" dirty="0">
+                        <a:rPr lang="zh-HK" altLang="en-US" sz="1500" b="1" dirty="0">
                           <a:solidFill>
                             <a:schemeClr val="tx1"/>
                           </a:solidFill>
@@ -15750,7 +15606,7 @@
                         </a:rPr>
                         <a:t>写真</a:t>
                       </a:r>
-                      <a:endParaRPr lang="en-US" altLang="zh-HK" sz="1600" b="1" dirty="0">
+                      <a:endParaRPr lang="en-US" altLang="zh-HK" sz="1500" b="1" dirty="0">
                         <a:solidFill>
                           <a:schemeClr val="tx1"/>
                         </a:solidFill>
@@ -15777,7 +15633,7 @@
                         <a:defRPr/>
                       </a:pPr>
                       <a:r>
-                        <a:rPr lang="en-US" altLang="zh-HK" sz="1600" b="1" dirty="0">
+                        <a:rPr lang="en-US" altLang="zh-HK" sz="1500" b="1" dirty="0">
                           <a:solidFill>
                             <a:schemeClr val="tx1"/>
                           </a:solidFill>
@@ -15786,7 +15642,7 @@
                         </a:rPr>
                         <a:t>10.6 MB</a:t>
                       </a:r>
-                      <a:endParaRPr lang="zh-HK" altLang="en-US" sz="1600" b="1" dirty="0">
+                      <a:endParaRPr lang="zh-HK" altLang="en-US" sz="1500" b="1" dirty="0">
                         <a:solidFill>
                           <a:schemeClr val="tx1"/>
                         </a:solidFill>
@@ -15852,60 +15708,6 @@
                         <a:t>秒</a:t>
                       </a:r>
                       <a:endParaRPr lang="en-US" altLang="zh-HK" sz="1400" dirty="0">
-                        <a:latin typeface="Meiryo UI" panose="020B0604030504040204" pitchFamily="34" charset="-128"/>
-                        <a:ea typeface="Meiryo UI" panose="020B0604030504040204" pitchFamily="34" charset="-128"/>
-                      </a:endParaRPr>
-                    </a:p>
-                  </a:txBody>
-                  <a:tcPr marL="83737" marR="83737" marT="41868" marB="41868" anchor="ctr"/>
-                </a:tc>
-                <a:tc>
-                  <a:txBody>
-                    <a:bodyPr/>
-                    <a:lstStyle/>
-                    <a:p>
-                      <a:pPr marL="0" marR="0" lvl="0" indent="0" algn="ctr" defTabSz="457200" rtl="0" eaLnBrk="1" fontAlgn="auto" latinLnBrk="0" hangingPunct="1">
-                        <a:lnSpc>
-                          <a:spcPct val="100000"/>
-                        </a:lnSpc>
-                        <a:spcBef>
-                          <a:spcPts val="0"/>
-                        </a:spcBef>
-                        <a:spcAft>
-                          <a:spcPts val="0"/>
-                        </a:spcAft>
-                        <a:buClrTx/>
-                        <a:buSzTx/>
-                        <a:buFontTx/>
-                        <a:buNone/>
-                        <a:tabLst/>
-                        <a:defRPr/>
-                      </a:pPr>
-                      <a:r>
-                        <a:rPr lang="en-US" altLang="zh-TW" sz="1400" dirty="0">
-                          <a:latin typeface="Meiryo UI" panose="020B0604030504040204" pitchFamily="34" charset="-128"/>
-                          <a:ea typeface="Meiryo UI" panose="020B0604030504040204" pitchFamily="34" charset="-128"/>
-                        </a:rPr>
-                        <a:t>4</a:t>
-                      </a:r>
-                      <a:r>
-                        <a:rPr lang="zh-HK" altLang="en-US" sz="1400" dirty="0">
-                          <a:latin typeface="Meiryo UI" panose="020B0604030504040204" pitchFamily="34" charset="-128"/>
-                          <a:ea typeface="Meiryo UI" panose="020B0604030504040204" pitchFamily="34" charset="-128"/>
-                        </a:rPr>
-                        <a:t>秒</a:t>
-                      </a:r>
-                    </a:p>
-                  </a:txBody>
-                  <a:tcPr marL="83737" marR="83737" marT="41868" marB="41868" anchor="ctr"/>
-                </a:tc>
-                <a:tc>
-                  <a:txBody>
-                    <a:bodyPr/>
-                    <a:lstStyle/>
-                    <a:p>
-                      <a:pPr algn="ctr"/>
-                      <a:endParaRPr lang="zh-HK" altLang="en-US" sz="1400" dirty="0">
                         <a:latin typeface="Meiryo UI" panose="020B0604030504040204" pitchFamily="34" charset="-128"/>
                         <a:ea typeface="Meiryo UI" panose="020B0604030504040204" pitchFamily="34" charset="-128"/>
                       </a:endParaRPr>

--- a/Y3-Sem2/ITゼミ演習II/2024年度_12月報告会_Sk3a04_文家俊.pptx
+++ b/Y3-Sem2/ITゼミ演習II/2024年度_12月報告会_Sk3a04_文家俊.pptx
@@ -5,7 +5,7 @@
     <p:sldMasterId id="2147483648" r:id="rId1"/>
   </p:sldMasterIdLst>
   <p:notesMasterIdLst>
-    <p:notesMasterId r:id="rId11"/>
+    <p:notesMasterId r:id="rId14"/>
   </p:notesMasterIdLst>
   <p:sldIdLst>
     <p:sldId id="256" r:id="rId2"/>
@@ -13,10 +13,13 @@
     <p:sldId id="258" r:id="rId4"/>
     <p:sldId id="260" r:id="rId5"/>
     <p:sldId id="266" r:id="rId6"/>
-    <p:sldId id="261" r:id="rId7"/>
-    <p:sldId id="265" r:id="rId8"/>
-    <p:sldId id="263" r:id="rId9"/>
+    <p:sldId id="267" r:id="rId7"/>
+    <p:sldId id="269" r:id="rId8"/>
+    <p:sldId id="270" r:id="rId9"/>
     <p:sldId id="264" r:id="rId10"/>
+    <p:sldId id="261" r:id="rId11"/>
+    <p:sldId id="265" r:id="rId12"/>
+    <p:sldId id="263" r:id="rId13"/>
   </p:sldIdLst>
   <p:sldSz cx="12192000" cy="6858000"/>
   <p:notesSz cx="6858000" cy="9144000"/>
@@ -124,6 +127,886 @@
 </file>
 
 <file path=ppt/diagrams/colors1.xml><?xml version="1.0" encoding="utf-8"?>
+<dgm:colorsDef xmlns:dgm="http://schemas.openxmlformats.org/drawingml/2006/diagram" xmlns:a="http://schemas.openxmlformats.org/drawingml/2006/main" uniqueId="urn:microsoft.com/office/officeart/2005/8/colors/accent1_5">
+  <dgm:title val=""/>
+  <dgm:desc val=""/>
+  <dgm:catLst>
+    <dgm:cat type="accent1" pri="11500"/>
+  </dgm:catLst>
+  <dgm:styleLbl name="node0">
+    <dgm:fillClrLst meth="cycle">
+      <a:schemeClr val="accent1">
+        <a:alpha val="80000"/>
+      </a:schemeClr>
+    </dgm:fillClrLst>
+    <dgm:linClrLst meth="repeat">
+      <a:schemeClr val="lt1"/>
+    </dgm:linClrLst>
+    <dgm:effectClrLst/>
+    <dgm:txLinClrLst/>
+    <dgm:txFillClrLst/>
+    <dgm:txEffectClrLst/>
+  </dgm:styleLbl>
+  <dgm:styleLbl name="node1">
+    <dgm:fillClrLst>
+      <a:schemeClr val="accent1">
+        <a:alpha val="90000"/>
+      </a:schemeClr>
+      <a:schemeClr val="accent1">
+        <a:alpha val="50000"/>
+      </a:schemeClr>
+    </dgm:fillClrLst>
+    <dgm:linClrLst meth="repeat">
+      <a:schemeClr val="lt1"/>
+    </dgm:linClrLst>
+    <dgm:effectClrLst/>
+    <dgm:txLinClrLst/>
+    <dgm:txFillClrLst/>
+    <dgm:txEffectClrLst/>
+  </dgm:styleLbl>
+  <dgm:styleLbl name="alignNode1">
+    <dgm:fillClrLst>
+      <a:schemeClr val="accent1">
+        <a:alpha val="90000"/>
+      </a:schemeClr>
+      <a:schemeClr val="accent1">
+        <a:alpha val="50000"/>
+      </a:schemeClr>
+    </dgm:fillClrLst>
+    <dgm:linClrLst>
+      <a:schemeClr val="accent1">
+        <a:alpha val="90000"/>
+      </a:schemeClr>
+      <a:schemeClr val="accent1">
+        <a:alpha val="50000"/>
+      </a:schemeClr>
+    </dgm:linClrLst>
+    <dgm:effectClrLst/>
+    <dgm:txLinClrLst/>
+    <dgm:txFillClrLst/>
+    <dgm:txEffectClrLst/>
+  </dgm:styleLbl>
+  <dgm:styleLbl name="lnNode1">
+    <dgm:fillClrLst>
+      <a:schemeClr val="accent1">
+        <a:shade val="90000"/>
+      </a:schemeClr>
+      <a:schemeClr val="accent1">
+        <a:alpha val="50000"/>
+        <a:tint val="50000"/>
+      </a:schemeClr>
+    </dgm:fillClrLst>
+    <dgm:linClrLst meth="repeat">
+      <a:schemeClr val="lt1"/>
+    </dgm:linClrLst>
+    <dgm:effectClrLst/>
+    <dgm:txLinClrLst/>
+    <dgm:txFillClrLst/>
+    <dgm:txEffectClrLst/>
+  </dgm:styleLbl>
+  <dgm:styleLbl name="vennNode1">
+    <dgm:fillClrLst>
+      <a:schemeClr val="accent1">
+        <a:shade val="80000"/>
+        <a:alpha val="50000"/>
+      </a:schemeClr>
+      <a:schemeClr val="accent1">
+        <a:alpha val="80000"/>
+      </a:schemeClr>
+    </dgm:fillClrLst>
+    <dgm:linClrLst meth="repeat">
+      <a:schemeClr val="lt1"/>
+    </dgm:linClrLst>
+    <dgm:effectClrLst/>
+    <dgm:txLinClrLst/>
+    <dgm:txFillClrLst/>
+    <dgm:txEffectClrLst/>
+  </dgm:styleLbl>
+  <dgm:styleLbl name="node2">
+    <dgm:fillClrLst>
+      <a:schemeClr val="accent1">
+        <a:alpha val="70000"/>
+      </a:schemeClr>
+    </dgm:fillClrLst>
+    <dgm:linClrLst meth="repeat">
+      <a:schemeClr val="lt1"/>
+    </dgm:linClrLst>
+    <dgm:effectClrLst/>
+    <dgm:txLinClrLst/>
+    <dgm:txFillClrLst/>
+    <dgm:txEffectClrLst/>
+  </dgm:styleLbl>
+  <dgm:styleLbl name="node3">
+    <dgm:fillClrLst>
+      <a:schemeClr val="accent1">
+        <a:alpha val="50000"/>
+      </a:schemeClr>
+    </dgm:fillClrLst>
+    <dgm:linClrLst meth="repeat">
+      <a:schemeClr val="lt1"/>
+    </dgm:linClrLst>
+    <dgm:effectClrLst/>
+    <dgm:txLinClrLst/>
+    <dgm:txFillClrLst/>
+    <dgm:txEffectClrLst/>
+  </dgm:styleLbl>
+  <dgm:styleLbl name="node4">
+    <dgm:fillClrLst>
+      <a:schemeClr val="accent1">
+        <a:alpha val="30000"/>
+      </a:schemeClr>
+    </dgm:fillClrLst>
+    <dgm:linClrLst meth="repeat">
+      <a:schemeClr val="lt1"/>
+    </dgm:linClrLst>
+    <dgm:effectClrLst/>
+    <dgm:txLinClrLst/>
+    <dgm:txFillClrLst/>
+    <dgm:txEffectClrLst/>
+  </dgm:styleLbl>
+  <dgm:styleLbl name="fgImgPlace1">
+    <dgm:fillClrLst>
+      <a:schemeClr val="accent1">
+        <a:tint val="50000"/>
+        <a:alpha val="90000"/>
+      </a:schemeClr>
+      <a:schemeClr val="accent1">
+        <a:tint val="20000"/>
+        <a:alpha val="50000"/>
+      </a:schemeClr>
+    </dgm:fillClrLst>
+    <dgm:linClrLst meth="repeat">
+      <a:schemeClr val="lt1"/>
+    </dgm:linClrLst>
+    <dgm:effectClrLst/>
+    <dgm:txLinClrLst/>
+    <dgm:txFillClrLst meth="repeat">
+      <a:schemeClr val="lt1"/>
+    </dgm:txFillClrLst>
+    <dgm:txEffectClrLst/>
+  </dgm:styleLbl>
+  <dgm:styleLbl name="alignImgPlace1">
+    <dgm:fillClrLst>
+      <a:schemeClr val="accent1">
+        <a:tint val="50000"/>
+      </a:schemeClr>
+      <a:schemeClr val="accent1">
+        <a:tint val="20000"/>
+      </a:schemeClr>
+    </dgm:fillClrLst>
+    <dgm:linClrLst meth="repeat">
+      <a:schemeClr val="lt1"/>
+    </dgm:linClrLst>
+    <dgm:effectClrLst/>
+    <dgm:txLinClrLst/>
+    <dgm:txFillClrLst meth="repeat">
+      <a:schemeClr val="lt1"/>
+    </dgm:txFillClrLst>
+    <dgm:txEffectClrLst/>
+  </dgm:styleLbl>
+  <dgm:styleLbl name="bgImgPlace1">
+    <dgm:fillClrLst>
+      <a:schemeClr val="accent1">
+        <a:tint val="50000"/>
+      </a:schemeClr>
+      <a:schemeClr val="accent1">
+        <a:tint val="20000"/>
+      </a:schemeClr>
+    </dgm:fillClrLst>
+    <dgm:linClrLst meth="repeat">
+      <a:schemeClr val="lt1"/>
+    </dgm:linClrLst>
+    <dgm:effectClrLst/>
+    <dgm:txLinClrLst/>
+    <dgm:txFillClrLst meth="repeat">
+      <a:schemeClr val="lt1"/>
+    </dgm:txFillClrLst>
+    <dgm:txEffectClrLst/>
+  </dgm:styleLbl>
+  <dgm:styleLbl name="sibTrans2D1">
+    <dgm:fillClrLst>
+      <a:schemeClr val="accent1">
+        <a:shade val="90000"/>
+      </a:schemeClr>
+      <a:schemeClr val="accent1">
+        <a:tint val="50000"/>
+      </a:schemeClr>
+    </dgm:fillClrLst>
+    <dgm:linClrLst>
+      <a:schemeClr val="accent1">
+        <a:shade val="90000"/>
+      </a:schemeClr>
+      <a:schemeClr val="accent1">
+        <a:tint val="50000"/>
+      </a:schemeClr>
+    </dgm:linClrLst>
+    <dgm:effectClrLst/>
+    <dgm:txLinClrLst/>
+    <dgm:txFillClrLst/>
+    <dgm:txEffectClrLst/>
+  </dgm:styleLbl>
+  <dgm:styleLbl name="fgSibTrans2D1">
+    <dgm:fillClrLst>
+      <a:schemeClr val="accent1">
+        <a:shade val="90000"/>
+      </a:schemeClr>
+      <a:schemeClr val="accent1">
+        <a:tint val="50000"/>
+      </a:schemeClr>
+    </dgm:fillClrLst>
+    <dgm:linClrLst>
+      <a:schemeClr val="accent1">
+        <a:shade val="90000"/>
+      </a:schemeClr>
+      <a:schemeClr val="accent1">
+        <a:tint val="50000"/>
+      </a:schemeClr>
+    </dgm:linClrLst>
+    <dgm:effectClrLst/>
+    <dgm:txLinClrLst/>
+    <dgm:txFillClrLst/>
+    <dgm:txEffectClrLst/>
+  </dgm:styleLbl>
+  <dgm:styleLbl name="bgSibTrans2D1">
+    <dgm:fillClrLst>
+      <a:schemeClr val="accent1">
+        <a:shade val="90000"/>
+      </a:schemeClr>
+      <a:schemeClr val="accent1">
+        <a:tint val="50000"/>
+      </a:schemeClr>
+    </dgm:fillClrLst>
+    <dgm:linClrLst>
+      <a:schemeClr val="accent1">
+        <a:shade val="90000"/>
+      </a:schemeClr>
+      <a:schemeClr val="accent1">
+        <a:tint val="50000"/>
+      </a:schemeClr>
+    </dgm:linClrLst>
+    <dgm:effectClrLst/>
+    <dgm:txLinClrLst/>
+    <dgm:txFillClrLst/>
+    <dgm:txEffectClrLst/>
+  </dgm:styleLbl>
+  <dgm:styleLbl name="sibTrans1D1">
+    <dgm:fillClrLst>
+      <a:schemeClr val="accent1">
+        <a:shade val="90000"/>
+      </a:schemeClr>
+      <a:schemeClr val="accent1">
+        <a:tint val="50000"/>
+      </a:schemeClr>
+    </dgm:fillClrLst>
+    <dgm:linClrLst>
+      <a:schemeClr val="accent1">
+        <a:shade val="90000"/>
+      </a:schemeClr>
+      <a:schemeClr val="accent1">
+        <a:tint val="50000"/>
+      </a:schemeClr>
+    </dgm:linClrLst>
+    <dgm:effectClrLst/>
+    <dgm:txLinClrLst/>
+    <dgm:txFillClrLst meth="repeat">
+      <a:schemeClr val="tx1"/>
+    </dgm:txFillClrLst>
+    <dgm:txEffectClrLst/>
+  </dgm:styleLbl>
+  <dgm:styleLbl name="callout">
+    <dgm:fillClrLst meth="repeat">
+      <a:schemeClr val="accent1"/>
+    </dgm:fillClrLst>
+    <dgm:linClrLst meth="repeat">
+      <a:schemeClr val="accent1"/>
+    </dgm:linClrLst>
+    <dgm:effectClrLst/>
+    <dgm:txLinClrLst/>
+    <dgm:txFillClrLst meth="repeat">
+      <a:schemeClr val="tx1"/>
+    </dgm:txFillClrLst>
+    <dgm:txEffectClrLst/>
+  </dgm:styleLbl>
+  <dgm:styleLbl name="asst0">
+    <dgm:fillClrLst meth="repeat">
+      <a:schemeClr val="accent1">
+        <a:alpha val="90000"/>
+      </a:schemeClr>
+    </dgm:fillClrLst>
+    <dgm:linClrLst meth="repeat">
+      <a:schemeClr val="lt1"/>
+    </dgm:linClrLst>
+    <dgm:effectClrLst/>
+    <dgm:txLinClrLst/>
+    <dgm:txFillClrLst/>
+    <dgm:txEffectClrLst/>
+  </dgm:styleLbl>
+  <dgm:styleLbl name="asst1">
+    <dgm:fillClrLst meth="repeat">
+      <a:schemeClr val="accent1">
+        <a:alpha val="90000"/>
+      </a:schemeClr>
+    </dgm:fillClrLst>
+    <dgm:linClrLst meth="repeat">
+      <a:schemeClr val="lt1"/>
+    </dgm:linClrLst>
+    <dgm:effectClrLst/>
+    <dgm:txLinClrLst/>
+    <dgm:txFillClrLst/>
+    <dgm:txEffectClrLst/>
+  </dgm:styleLbl>
+  <dgm:styleLbl name="asst2">
+    <dgm:fillClrLst>
+      <a:schemeClr val="accent1">
+        <a:alpha val="90000"/>
+      </a:schemeClr>
+    </dgm:fillClrLst>
+    <dgm:linClrLst meth="repeat">
+      <a:schemeClr val="lt1"/>
+    </dgm:linClrLst>
+    <dgm:effectClrLst/>
+    <dgm:txLinClrLst/>
+    <dgm:txFillClrLst/>
+    <dgm:txEffectClrLst/>
+  </dgm:styleLbl>
+  <dgm:styleLbl name="asst3">
+    <dgm:fillClrLst>
+      <a:schemeClr val="accent1">
+        <a:alpha val="70000"/>
+      </a:schemeClr>
+    </dgm:fillClrLst>
+    <dgm:linClrLst meth="repeat">
+      <a:schemeClr val="lt1"/>
+    </dgm:linClrLst>
+    <dgm:effectClrLst/>
+    <dgm:txLinClrLst/>
+    <dgm:txFillClrLst/>
+    <dgm:txEffectClrLst/>
+  </dgm:styleLbl>
+  <dgm:styleLbl name="asst4">
+    <dgm:fillClrLst>
+      <a:schemeClr val="accent1">
+        <a:alpha val="50000"/>
+      </a:schemeClr>
+    </dgm:fillClrLst>
+    <dgm:linClrLst meth="repeat">
+      <a:schemeClr val="lt1"/>
+    </dgm:linClrLst>
+    <dgm:effectClrLst/>
+    <dgm:txLinClrLst/>
+    <dgm:txFillClrLst/>
+    <dgm:txEffectClrLst/>
+  </dgm:styleLbl>
+  <dgm:styleLbl name="parChTrans2D1">
+    <dgm:fillClrLst meth="repeat">
+      <a:schemeClr val="accent1">
+        <a:shade val="80000"/>
+      </a:schemeClr>
+    </dgm:fillClrLst>
+    <dgm:linClrLst meth="repeat">
+      <a:schemeClr val="accent1">
+        <a:shade val="80000"/>
+      </a:schemeClr>
+    </dgm:linClrLst>
+    <dgm:effectClrLst/>
+    <dgm:txLinClrLst/>
+    <dgm:txFillClrLst/>
+    <dgm:txEffectClrLst/>
+  </dgm:styleLbl>
+  <dgm:styleLbl name="parChTrans2D2">
+    <dgm:fillClrLst meth="repeat">
+      <a:schemeClr val="accent1">
+        <a:tint val="90000"/>
+      </a:schemeClr>
+    </dgm:fillClrLst>
+    <dgm:linClrLst meth="repeat">
+      <a:schemeClr val="accent1">
+        <a:tint val="90000"/>
+      </a:schemeClr>
+    </dgm:linClrLst>
+    <dgm:effectClrLst/>
+    <dgm:txLinClrLst/>
+    <dgm:txFillClrLst/>
+    <dgm:txEffectClrLst/>
+  </dgm:styleLbl>
+  <dgm:styleLbl name="parChTrans2D3">
+    <dgm:fillClrLst meth="repeat">
+      <a:schemeClr val="accent1">
+        <a:tint val="70000"/>
+      </a:schemeClr>
+    </dgm:fillClrLst>
+    <dgm:linClrLst meth="repeat">
+      <a:schemeClr val="accent1">
+        <a:tint val="70000"/>
+      </a:schemeClr>
+    </dgm:linClrLst>
+    <dgm:effectClrLst/>
+    <dgm:txLinClrLst/>
+    <dgm:txFillClrLst/>
+    <dgm:txEffectClrLst/>
+  </dgm:styleLbl>
+  <dgm:styleLbl name="parChTrans2D4">
+    <dgm:fillClrLst meth="repeat">
+      <a:schemeClr val="accent1">
+        <a:tint val="50000"/>
+      </a:schemeClr>
+    </dgm:fillClrLst>
+    <dgm:linClrLst meth="repeat">
+      <a:schemeClr val="accent1">
+        <a:tint val="50000"/>
+      </a:schemeClr>
+    </dgm:linClrLst>
+    <dgm:effectClrLst/>
+    <dgm:txLinClrLst/>
+    <dgm:txFillClrLst meth="repeat">
+      <a:schemeClr val="dk1"/>
+    </dgm:txFillClrLst>
+    <dgm:txEffectClrLst/>
+  </dgm:styleLbl>
+  <dgm:styleLbl name="parChTrans1D1">
+    <dgm:fillClrLst meth="repeat">
+      <a:schemeClr val="accent1">
+        <a:shade val="80000"/>
+      </a:schemeClr>
+    </dgm:fillClrLst>
+    <dgm:linClrLst meth="repeat">
+      <a:schemeClr val="accent1">
+        <a:shade val="80000"/>
+      </a:schemeClr>
+    </dgm:linClrLst>
+    <dgm:effectClrLst/>
+    <dgm:txLinClrLst/>
+    <dgm:txFillClrLst meth="repeat">
+      <a:schemeClr val="tx1"/>
+    </dgm:txFillClrLst>
+    <dgm:txEffectClrLst/>
+  </dgm:styleLbl>
+  <dgm:styleLbl name="parChTrans1D2">
+    <dgm:fillClrLst meth="repeat">
+      <a:schemeClr val="accent1">
+        <a:tint val="90000"/>
+      </a:schemeClr>
+    </dgm:fillClrLst>
+    <dgm:linClrLst meth="repeat">
+      <a:schemeClr val="accent1">
+        <a:tint val="90000"/>
+      </a:schemeClr>
+    </dgm:linClrLst>
+    <dgm:effectClrLst/>
+    <dgm:txLinClrLst/>
+    <dgm:txFillClrLst meth="repeat">
+      <a:schemeClr val="tx1"/>
+    </dgm:txFillClrLst>
+    <dgm:txEffectClrLst/>
+  </dgm:styleLbl>
+  <dgm:styleLbl name="parChTrans1D3">
+    <dgm:fillClrLst meth="repeat">
+      <a:schemeClr val="accent1">
+        <a:tint val="70000"/>
+      </a:schemeClr>
+    </dgm:fillClrLst>
+    <dgm:linClrLst meth="repeat">
+      <a:schemeClr val="accent1">
+        <a:tint val="70000"/>
+      </a:schemeClr>
+    </dgm:linClrLst>
+    <dgm:effectClrLst/>
+    <dgm:txLinClrLst/>
+    <dgm:txFillClrLst meth="repeat">
+      <a:schemeClr val="tx1"/>
+    </dgm:txFillClrLst>
+    <dgm:txEffectClrLst/>
+  </dgm:styleLbl>
+  <dgm:styleLbl name="parChTrans1D4">
+    <dgm:fillClrLst meth="repeat">
+      <a:schemeClr val="accent1">
+        <a:tint val="50000"/>
+      </a:schemeClr>
+    </dgm:fillClrLst>
+    <dgm:linClrLst meth="repeat">
+      <a:schemeClr val="accent1">
+        <a:tint val="50000"/>
+      </a:schemeClr>
+    </dgm:linClrLst>
+    <dgm:effectClrLst/>
+    <dgm:txLinClrLst/>
+    <dgm:txFillClrLst meth="repeat">
+      <a:schemeClr val="tx1"/>
+    </dgm:txFillClrLst>
+    <dgm:txEffectClrLst/>
+  </dgm:styleLbl>
+  <dgm:styleLbl name="fgAcc1">
+    <dgm:fillClrLst meth="repeat">
+      <a:schemeClr val="lt1">
+        <a:alpha val="90000"/>
+      </a:schemeClr>
+    </dgm:fillClrLst>
+    <dgm:linClrLst>
+      <a:schemeClr val="accent1">
+        <a:alpha val="90000"/>
+      </a:schemeClr>
+      <a:schemeClr val="accent1">
+        <a:alpha val="50000"/>
+      </a:schemeClr>
+    </dgm:linClrLst>
+    <dgm:effectClrLst/>
+    <dgm:txLinClrLst/>
+    <dgm:txFillClrLst meth="repeat">
+      <a:schemeClr val="dk1"/>
+    </dgm:txFillClrLst>
+    <dgm:txEffectClrLst/>
+  </dgm:styleLbl>
+  <dgm:styleLbl name="conFgAcc1">
+    <dgm:fillClrLst meth="repeat">
+      <a:schemeClr val="lt1">
+        <a:alpha val="90000"/>
+      </a:schemeClr>
+    </dgm:fillClrLst>
+    <dgm:linClrLst>
+      <a:schemeClr val="accent1">
+        <a:alpha val="90000"/>
+      </a:schemeClr>
+      <a:schemeClr val="accent1">
+        <a:alpha val="50000"/>
+      </a:schemeClr>
+    </dgm:linClrLst>
+    <dgm:effectClrLst/>
+    <dgm:txLinClrLst/>
+    <dgm:txFillClrLst meth="repeat">
+      <a:schemeClr val="dk1"/>
+    </dgm:txFillClrLst>
+    <dgm:txEffectClrLst/>
+  </dgm:styleLbl>
+  <dgm:styleLbl name="alignAcc1">
+    <dgm:fillClrLst meth="repeat">
+      <a:schemeClr val="lt1">
+        <a:alpha val="90000"/>
+      </a:schemeClr>
+    </dgm:fillClrLst>
+    <dgm:linClrLst>
+      <a:schemeClr val="accent1">
+        <a:alpha val="90000"/>
+      </a:schemeClr>
+      <a:schemeClr val="accent1">
+        <a:alpha val="50000"/>
+      </a:schemeClr>
+    </dgm:linClrLst>
+    <dgm:effectClrLst/>
+    <dgm:txLinClrLst/>
+    <dgm:txFillClrLst meth="repeat">
+      <a:schemeClr val="dk1"/>
+    </dgm:txFillClrLst>
+    <dgm:txEffectClrLst/>
+  </dgm:styleLbl>
+  <dgm:styleLbl name="trAlignAcc1">
+    <dgm:fillClrLst meth="repeat">
+      <a:schemeClr val="lt1">
+        <a:alpha val="40000"/>
+      </a:schemeClr>
+    </dgm:fillClrLst>
+    <dgm:linClrLst>
+      <a:schemeClr val="accent1">
+        <a:alpha val="90000"/>
+      </a:schemeClr>
+      <a:schemeClr val="accent1">
+        <a:alpha val="50000"/>
+      </a:schemeClr>
+    </dgm:linClrLst>
+    <dgm:effectClrLst/>
+    <dgm:txLinClrLst/>
+    <dgm:txFillClrLst meth="repeat">
+      <a:schemeClr val="dk1"/>
+    </dgm:txFillClrLst>
+    <dgm:txEffectClrLst/>
+  </dgm:styleLbl>
+  <dgm:styleLbl name="bgAcc1">
+    <dgm:fillClrLst meth="repeat">
+      <a:schemeClr val="lt1">
+        <a:alpha val="90000"/>
+      </a:schemeClr>
+    </dgm:fillClrLst>
+    <dgm:linClrLst>
+      <a:schemeClr val="accent1">
+        <a:alpha val="90000"/>
+      </a:schemeClr>
+      <a:schemeClr val="accent1">
+        <a:alpha val="50000"/>
+      </a:schemeClr>
+    </dgm:linClrLst>
+    <dgm:effectClrLst/>
+    <dgm:txLinClrLst/>
+    <dgm:txFillClrLst meth="repeat">
+      <a:schemeClr val="dk1"/>
+    </dgm:txFillClrLst>
+    <dgm:txEffectClrLst/>
+  </dgm:styleLbl>
+  <dgm:styleLbl name="solidFgAcc1">
+    <dgm:fillClrLst meth="repeat">
+      <a:schemeClr val="lt1"/>
+    </dgm:fillClrLst>
+    <dgm:linClrLst>
+      <a:schemeClr val="accent1">
+        <a:alpha val="90000"/>
+      </a:schemeClr>
+      <a:schemeClr val="accent1">
+        <a:alpha val="50000"/>
+      </a:schemeClr>
+    </dgm:linClrLst>
+    <dgm:effectClrLst/>
+    <dgm:txLinClrLst/>
+    <dgm:txFillClrLst meth="repeat">
+      <a:schemeClr val="dk1"/>
+    </dgm:txFillClrLst>
+    <dgm:txEffectClrLst/>
+  </dgm:styleLbl>
+  <dgm:styleLbl name="solidAlignAcc1">
+    <dgm:fillClrLst meth="repeat">
+      <a:schemeClr val="lt1"/>
+    </dgm:fillClrLst>
+    <dgm:linClrLst meth="repeat">
+      <a:schemeClr val="accent1"/>
+    </dgm:linClrLst>
+    <dgm:effectClrLst/>
+    <dgm:txLinClrLst/>
+    <dgm:txFillClrLst meth="repeat">
+      <a:schemeClr val="dk1"/>
+    </dgm:txFillClrLst>
+    <dgm:txEffectClrLst/>
+  </dgm:styleLbl>
+  <dgm:styleLbl name="solidBgAcc1">
+    <dgm:fillClrLst meth="repeat">
+      <a:schemeClr val="lt1"/>
+    </dgm:fillClrLst>
+    <dgm:linClrLst meth="repeat">
+      <a:schemeClr val="accent1"/>
+    </dgm:linClrLst>
+    <dgm:effectClrLst/>
+    <dgm:txLinClrLst/>
+    <dgm:txFillClrLst meth="repeat">
+      <a:schemeClr val="dk1"/>
+    </dgm:txFillClrLst>
+    <dgm:txEffectClrLst/>
+  </dgm:styleLbl>
+  <dgm:styleLbl name="fgAccFollowNode1">
+    <dgm:fillClrLst>
+      <a:schemeClr val="accent1">
+        <a:alpha val="90000"/>
+        <a:tint val="40000"/>
+      </a:schemeClr>
+      <a:schemeClr val="accent1">
+        <a:alpha val="50000"/>
+        <a:tint val="40000"/>
+      </a:schemeClr>
+    </dgm:fillClrLst>
+    <dgm:linClrLst meth="repeat">
+      <a:schemeClr val="accent1">
+        <a:alpha val="90000"/>
+        <a:tint val="40000"/>
+      </a:schemeClr>
+    </dgm:linClrLst>
+    <dgm:effectClrLst/>
+    <dgm:txLinClrLst/>
+    <dgm:txFillClrLst meth="repeat">
+      <a:schemeClr val="dk1"/>
+    </dgm:txFillClrLst>
+    <dgm:txEffectClrLst/>
+  </dgm:styleLbl>
+  <dgm:styleLbl name="alignAccFollowNode1">
+    <dgm:fillClrLst meth="repeat">
+      <a:schemeClr val="accent1">
+        <a:alpha val="90000"/>
+        <a:tint val="40000"/>
+      </a:schemeClr>
+    </dgm:fillClrLst>
+    <dgm:linClrLst meth="repeat">
+      <a:schemeClr val="accent1">
+        <a:alpha val="90000"/>
+        <a:tint val="40000"/>
+      </a:schemeClr>
+    </dgm:linClrLst>
+    <dgm:effectClrLst/>
+    <dgm:txLinClrLst/>
+    <dgm:txFillClrLst meth="repeat">
+      <a:schemeClr val="dk1"/>
+    </dgm:txFillClrLst>
+    <dgm:txEffectClrLst/>
+  </dgm:styleLbl>
+  <dgm:styleLbl name="bgAccFollowNode1">
+    <dgm:fillClrLst meth="repeat">
+      <a:schemeClr val="accent1">
+        <a:alpha val="90000"/>
+        <a:tint val="40000"/>
+      </a:schemeClr>
+    </dgm:fillClrLst>
+    <dgm:linClrLst meth="repeat">
+      <a:schemeClr val="lt1"/>
+    </dgm:linClrLst>
+    <dgm:effectClrLst/>
+    <dgm:txLinClrLst/>
+    <dgm:txFillClrLst meth="repeat">
+      <a:schemeClr val="dk1"/>
+    </dgm:txFillClrLst>
+    <dgm:txEffectClrLst/>
+  </dgm:styleLbl>
+  <dgm:styleLbl name="fgAcc0">
+    <dgm:fillClrLst meth="repeat">
+      <a:schemeClr val="lt1">
+        <a:alpha val="90000"/>
+      </a:schemeClr>
+    </dgm:fillClrLst>
+    <dgm:linClrLst meth="repeat">
+      <a:schemeClr val="accent1">
+        <a:shade val="80000"/>
+      </a:schemeClr>
+    </dgm:linClrLst>
+    <dgm:effectClrLst/>
+    <dgm:txLinClrLst/>
+    <dgm:txFillClrLst meth="repeat">
+      <a:schemeClr val="dk1"/>
+    </dgm:txFillClrLst>
+    <dgm:txEffectClrLst/>
+  </dgm:styleLbl>
+  <dgm:styleLbl name="fgAcc2">
+    <dgm:fillClrLst meth="repeat">
+      <a:schemeClr val="lt1">
+        <a:alpha val="90000"/>
+      </a:schemeClr>
+    </dgm:fillClrLst>
+    <dgm:linClrLst meth="repeat">
+      <a:schemeClr val="accent1">
+        <a:tint val="90000"/>
+      </a:schemeClr>
+    </dgm:linClrLst>
+    <dgm:effectClrLst/>
+    <dgm:txLinClrLst/>
+    <dgm:txFillClrLst meth="repeat">
+      <a:schemeClr val="dk1"/>
+    </dgm:txFillClrLst>
+    <dgm:txEffectClrLst/>
+  </dgm:styleLbl>
+  <dgm:styleLbl name="fgAcc3">
+    <dgm:fillClrLst meth="repeat">
+      <a:schemeClr val="lt1">
+        <a:alpha val="90000"/>
+      </a:schemeClr>
+    </dgm:fillClrLst>
+    <dgm:linClrLst meth="repeat">
+      <a:schemeClr val="accent1">
+        <a:tint val="70000"/>
+      </a:schemeClr>
+    </dgm:linClrLst>
+    <dgm:effectClrLst/>
+    <dgm:txLinClrLst/>
+    <dgm:txFillClrLst meth="repeat">
+      <a:schemeClr val="dk1"/>
+    </dgm:txFillClrLst>
+    <dgm:txEffectClrLst/>
+  </dgm:styleLbl>
+  <dgm:styleLbl name="fgAcc4">
+    <dgm:fillClrLst meth="repeat">
+      <a:schemeClr val="lt1">
+        <a:alpha val="90000"/>
+      </a:schemeClr>
+    </dgm:fillClrLst>
+    <dgm:linClrLst meth="repeat">
+      <a:schemeClr val="accent1">
+        <a:tint val="50000"/>
+      </a:schemeClr>
+    </dgm:linClrLst>
+    <dgm:effectClrLst/>
+    <dgm:txLinClrLst/>
+    <dgm:txFillClrLst meth="repeat">
+      <a:schemeClr val="dk1"/>
+    </dgm:txFillClrLst>
+    <dgm:txEffectClrLst/>
+  </dgm:styleLbl>
+  <dgm:styleLbl name="bgShp">
+    <dgm:fillClrLst meth="repeat">
+      <a:schemeClr val="accent1">
+        <a:tint val="40000"/>
+      </a:schemeClr>
+    </dgm:fillClrLst>
+    <dgm:linClrLst meth="repeat">
+      <a:schemeClr val="dk1"/>
+    </dgm:linClrLst>
+    <dgm:effectClrLst/>
+    <dgm:txLinClrLst/>
+    <dgm:txFillClrLst meth="repeat">
+      <a:schemeClr val="dk1"/>
+    </dgm:txFillClrLst>
+    <dgm:txEffectClrLst/>
+  </dgm:styleLbl>
+  <dgm:styleLbl name="dkBgShp">
+    <dgm:fillClrLst meth="repeat">
+      <a:schemeClr val="accent1">
+        <a:shade val="90000"/>
+      </a:schemeClr>
+    </dgm:fillClrLst>
+    <dgm:linClrLst meth="repeat">
+      <a:schemeClr val="dk1"/>
+    </dgm:linClrLst>
+    <dgm:effectClrLst/>
+    <dgm:txLinClrLst/>
+    <dgm:txFillClrLst meth="repeat">
+      <a:schemeClr val="lt1"/>
+    </dgm:txFillClrLst>
+    <dgm:txEffectClrLst/>
+  </dgm:styleLbl>
+  <dgm:styleLbl name="trBgShp">
+    <dgm:fillClrLst meth="repeat">
+      <a:schemeClr val="accent1">
+        <a:tint val="50000"/>
+        <a:alpha val="40000"/>
+      </a:schemeClr>
+    </dgm:fillClrLst>
+    <dgm:linClrLst meth="repeat">
+      <a:schemeClr val="accent1"/>
+    </dgm:linClrLst>
+    <dgm:effectClrLst/>
+    <dgm:txLinClrLst/>
+    <dgm:txFillClrLst meth="repeat">
+      <a:schemeClr val="lt1"/>
+    </dgm:txFillClrLst>
+    <dgm:txEffectClrLst/>
+  </dgm:styleLbl>
+  <dgm:styleLbl name="fgShp">
+    <dgm:fillClrLst meth="repeat">
+      <a:schemeClr val="accent1">
+        <a:tint val="40000"/>
+      </a:schemeClr>
+    </dgm:fillClrLst>
+    <dgm:linClrLst meth="repeat">
+      <a:schemeClr val="lt1"/>
+    </dgm:linClrLst>
+    <dgm:effectClrLst/>
+    <dgm:txLinClrLst/>
+    <dgm:txFillClrLst meth="repeat">
+      <a:schemeClr val="dk1"/>
+    </dgm:txFillClrLst>
+    <dgm:txEffectClrLst/>
+  </dgm:styleLbl>
+  <dgm:styleLbl name="revTx">
+    <dgm:fillClrLst meth="repeat">
+      <a:schemeClr val="lt1">
+        <a:alpha val="0"/>
+      </a:schemeClr>
+    </dgm:fillClrLst>
+    <dgm:linClrLst meth="repeat">
+      <a:schemeClr val="dk1">
+        <a:alpha val="0"/>
+      </a:schemeClr>
+    </dgm:linClrLst>
+    <dgm:effectClrLst/>
+    <dgm:txLinClrLst/>
+    <dgm:txFillClrLst meth="repeat">
+      <a:schemeClr val="tx1"/>
+    </dgm:txFillClrLst>
+    <dgm:txEffectClrLst/>
+  </dgm:styleLbl>
+</dgm:colorsDef>
+</file>
+
+<file path=ppt/diagrams/colors2.xml><?xml version="1.0" encoding="utf-8"?>
 <dgm:colorsDef xmlns:dgm="http://schemas.openxmlformats.org/drawingml/2006/diagram" xmlns:a="http://schemas.openxmlformats.org/drawingml/2006/main" uniqueId="urn:microsoft.com/office/officeart/2005/8/colors/accent1_5">
   <dgm:title val=""/>
   <dgm:desc val=""/>
@@ -1284,6 +2167,280 @@
 </dgm:dataModel>
 </file>
 
+<file path=ppt/diagrams/data2.xml><?xml version="1.0" encoding="utf-8"?>
+<dgm:dataModel xmlns:dgm="http://schemas.openxmlformats.org/drawingml/2006/diagram" xmlns:a="http://schemas.openxmlformats.org/drawingml/2006/main">
+  <dgm:ptLst>
+    <dgm:pt modelId="{A9229A3D-E090-AA4C-A6BA-89D66306354F}" type="doc">
+      <dgm:prSet loTypeId="urn:microsoft.com/office/officeart/2005/8/layout/vProcess5" loCatId="" qsTypeId="urn:microsoft.com/office/officeart/2005/8/quickstyle/simple1" qsCatId="simple" csTypeId="urn:microsoft.com/office/officeart/2005/8/colors/accent1_5" csCatId="accent1" phldr="1"/>
+      <dgm:spPr/>
+      <dgm:t>
+        <a:bodyPr/>
+        <a:lstStyle/>
+        <a:p>
+          <a:endParaRPr lang="zh-TW" altLang="en-US"/>
+        </a:p>
+      </dgm:t>
+    </dgm:pt>
+    <dgm:pt modelId="{ACD1D631-75F5-1643-A89B-C929A90C0830}">
+      <dgm:prSet phldrT="[文字]" custT="1"/>
+      <dgm:spPr/>
+      <dgm:t>
+        <a:bodyPr/>
+        <a:lstStyle/>
+        <a:p>
+          <a:pPr algn="ctr"/>
+          <a:r>
+            <a:rPr lang="zh-HK" altLang="en-US" sz="2400" dirty="0">
+              <a:latin typeface="Meiryo UI" panose="020B0604030504040204" pitchFamily="34" charset="-128"/>
+              <a:ea typeface="Meiryo UI" panose="020B0604030504040204" pitchFamily="34" charset="-128"/>
+            </a:rPr>
+            <a:t>ブロックの作成時間を計算</a:t>
+          </a:r>
+          <a:endParaRPr lang="zh-TW" altLang="en-US" sz="2400" dirty="0">
+            <a:latin typeface="Meiryo UI" panose="020B0604030504040204" pitchFamily="34" charset="-128"/>
+            <a:ea typeface="Meiryo UI" panose="020B0604030504040204" pitchFamily="34" charset="-128"/>
+          </a:endParaRPr>
+        </a:p>
+      </dgm:t>
+    </dgm:pt>
+    <dgm:pt modelId="{EBECC0D0-CAB0-5747-9878-475E620E0791}" type="parTrans" cxnId="{8B229473-A47B-0041-A430-E1236AAB5E03}">
+      <dgm:prSet/>
+      <dgm:spPr/>
+      <dgm:t>
+        <a:bodyPr/>
+        <a:lstStyle/>
+        <a:p>
+          <a:endParaRPr lang="zh-TW" altLang="en-US"/>
+        </a:p>
+      </dgm:t>
+    </dgm:pt>
+    <dgm:pt modelId="{B6CA2A18-39DE-2246-A28D-26793466C417}" type="sibTrans" cxnId="{8B229473-A47B-0041-A430-E1236AAB5E03}">
+      <dgm:prSet/>
+      <dgm:spPr/>
+      <dgm:t>
+        <a:bodyPr/>
+        <a:lstStyle/>
+        <a:p>
+          <a:endParaRPr lang="zh-TW" altLang="en-US"/>
+        </a:p>
+      </dgm:t>
+    </dgm:pt>
+    <dgm:pt modelId="{BE0BA1F6-1DBD-7348-9E61-C2B9827CA8E4}">
+      <dgm:prSet custT="1"/>
+      <dgm:spPr/>
+      <dgm:t>
+        <a:bodyPr/>
+        <a:lstStyle/>
+        <a:p>
+          <a:pPr algn="ctr"/>
+          <a:r>
+            <a:rPr lang="zh-HK" altLang="en-US" sz="2400" dirty="0">
+              <a:latin typeface="Meiryo UI" panose="020B0604030504040204" pitchFamily="34" charset="-128"/>
+              <a:ea typeface="Meiryo UI" panose="020B0604030504040204" pitchFamily="34" charset="-128"/>
+            </a:rPr>
+            <a:t>ハッシュ関数を設置</a:t>
+          </a:r>
+          <a:endParaRPr lang="zh-TW" altLang="en-US" sz="2400" dirty="0">
+            <a:latin typeface="Meiryo UI" panose="020B0604030504040204" pitchFamily="34" charset="-128"/>
+            <a:ea typeface="Meiryo UI" panose="020B0604030504040204" pitchFamily="34" charset="-128"/>
+          </a:endParaRPr>
+        </a:p>
+      </dgm:t>
+    </dgm:pt>
+    <dgm:pt modelId="{BAED1780-EC3E-264A-8908-ADBC6AE54E15}" type="parTrans" cxnId="{CC1A63E7-9EE8-044F-B437-03B5F1673A4A}">
+      <dgm:prSet/>
+      <dgm:spPr/>
+      <dgm:t>
+        <a:bodyPr/>
+        <a:lstStyle/>
+        <a:p>
+          <a:endParaRPr lang="zh-TW" altLang="en-US"/>
+        </a:p>
+      </dgm:t>
+    </dgm:pt>
+    <dgm:pt modelId="{C188B9F0-E883-F447-B26B-0C7CDBB809E1}" type="sibTrans" cxnId="{CC1A63E7-9EE8-044F-B437-03B5F1673A4A}">
+      <dgm:prSet/>
+      <dgm:spPr/>
+      <dgm:t>
+        <a:bodyPr/>
+        <a:lstStyle/>
+        <a:p>
+          <a:endParaRPr lang="zh-TW" altLang="en-US"/>
+        </a:p>
+      </dgm:t>
+    </dgm:pt>
+    <dgm:pt modelId="{05B7333D-CFB4-4D49-90B8-A098F815E272}">
+      <dgm:prSet phldrT="[文字]" custT="1"/>
+      <dgm:spPr/>
+      <dgm:t>
+        <a:bodyPr/>
+        <a:lstStyle/>
+        <a:p>
+          <a:pPr algn="ctr"/>
+          <a:r>
+            <a:rPr lang="zh-HK" altLang="en-US" sz="2400" dirty="0">
+              <a:latin typeface="Meiryo UI" panose="020B0604030504040204" pitchFamily="34" charset="-128"/>
+              <a:ea typeface="Meiryo UI" panose="020B0604030504040204" pitchFamily="34" charset="-128"/>
+            </a:rPr>
+            <a:t>ハッシュ（</a:t>
+          </a:r>
+          <a:r>
+            <a:rPr lang="en-US" altLang="zh-HK" sz="2400" dirty="0">
+              <a:latin typeface="Meiryo UI" panose="020B0604030504040204" pitchFamily="34" charset="-128"/>
+              <a:ea typeface="Meiryo UI" panose="020B0604030504040204" pitchFamily="34" charset="-128"/>
+            </a:rPr>
+            <a:t> 32byte </a:t>
+          </a:r>
+          <a:r>
+            <a:rPr lang="zh-HK" altLang="en-US" sz="2400" dirty="0">
+              <a:latin typeface="Meiryo UI" panose="020B0604030504040204" pitchFamily="34" charset="-128"/>
+              <a:ea typeface="Meiryo UI" panose="020B0604030504040204" pitchFamily="34" charset="-128"/>
+            </a:rPr>
+            <a:t>）のテスト</a:t>
+          </a:r>
+          <a:endParaRPr lang="zh-TW" altLang="en-US" sz="2400" dirty="0">
+            <a:latin typeface="Meiryo UI" panose="020B0604030504040204" pitchFamily="34" charset="-128"/>
+            <a:ea typeface="Meiryo UI" panose="020B0604030504040204" pitchFamily="34" charset="-128"/>
+          </a:endParaRPr>
+        </a:p>
+      </dgm:t>
+    </dgm:pt>
+    <dgm:pt modelId="{042F6D26-50BD-4744-8985-A06E7E534712}" type="sibTrans" cxnId="{6FFCAD42-244A-5840-9ADA-86AF270EE864}">
+      <dgm:prSet/>
+      <dgm:spPr/>
+      <dgm:t>
+        <a:bodyPr/>
+        <a:lstStyle/>
+        <a:p>
+          <a:endParaRPr lang="zh-TW" altLang="en-US"/>
+        </a:p>
+      </dgm:t>
+    </dgm:pt>
+    <dgm:pt modelId="{D4A6376B-18E8-8D42-B806-5A5BAA189F23}" type="parTrans" cxnId="{6FFCAD42-244A-5840-9ADA-86AF270EE864}">
+      <dgm:prSet/>
+      <dgm:spPr/>
+      <dgm:t>
+        <a:bodyPr/>
+        <a:lstStyle/>
+        <a:p>
+          <a:endParaRPr lang="zh-TW" altLang="en-US"/>
+        </a:p>
+      </dgm:t>
+    </dgm:pt>
+    <dgm:pt modelId="{DAE7AB72-7692-E34B-8E71-CFFBD3DE9881}" type="pres">
+      <dgm:prSet presAssocID="{A9229A3D-E090-AA4C-A6BA-89D66306354F}" presName="outerComposite" presStyleCnt="0">
+        <dgm:presLayoutVars>
+          <dgm:chMax val="5"/>
+          <dgm:dir/>
+          <dgm:resizeHandles val="exact"/>
+        </dgm:presLayoutVars>
+      </dgm:prSet>
+      <dgm:spPr/>
+    </dgm:pt>
+    <dgm:pt modelId="{CEA69B49-3AFC-2E47-B5B7-A5B56DA3FAE3}" type="pres">
+      <dgm:prSet presAssocID="{A9229A3D-E090-AA4C-A6BA-89D66306354F}" presName="dummyMaxCanvas" presStyleCnt="0">
+        <dgm:presLayoutVars/>
+      </dgm:prSet>
+      <dgm:spPr/>
+    </dgm:pt>
+    <dgm:pt modelId="{236C09B4-12DB-D845-BBAA-F5C88BBCB65D}" type="pres">
+      <dgm:prSet presAssocID="{A9229A3D-E090-AA4C-A6BA-89D66306354F}" presName="ThreeNodes_1" presStyleLbl="node1" presStyleIdx="0" presStyleCnt="3" custLinFactNeighborX="-10019" custLinFactNeighborY="-43191">
+        <dgm:presLayoutVars>
+          <dgm:bulletEnabled val="1"/>
+        </dgm:presLayoutVars>
+      </dgm:prSet>
+      <dgm:spPr/>
+    </dgm:pt>
+    <dgm:pt modelId="{CD607992-CE5A-FF4C-8C85-39698BECE336}" type="pres">
+      <dgm:prSet presAssocID="{A9229A3D-E090-AA4C-A6BA-89D66306354F}" presName="ThreeNodes_2" presStyleLbl="node1" presStyleIdx="1" presStyleCnt="3">
+        <dgm:presLayoutVars>
+          <dgm:bulletEnabled val="1"/>
+        </dgm:presLayoutVars>
+      </dgm:prSet>
+      <dgm:spPr/>
+    </dgm:pt>
+    <dgm:pt modelId="{9D6494C2-40E9-1B47-8B9A-BB85D9560F0F}" type="pres">
+      <dgm:prSet presAssocID="{A9229A3D-E090-AA4C-A6BA-89D66306354F}" presName="ThreeNodes_3" presStyleLbl="node1" presStyleIdx="2" presStyleCnt="3">
+        <dgm:presLayoutVars>
+          <dgm:bulletEnabled val="1"/>
+        </dgm:presLayoutVars>
+      </dgm:prSet>
+      <dgm:spPr/>
+    </dgm:pt>
+    <dgm:pt modelId="{7D1AED19-E9A5-C941-BD86-E937A7A31B8F}" type="pres">
+      <dgm:prSet presAssocID="{A9229A3D-E090-AA4C-A6BA-89D66306354F}" presName="ThreeConn_1-2" presStyleLbl="fgAccFollowNode1" presStyleIdx="0" presStyleCnt="2">
+        <dgm:presLayoutVars>
+          <dgm:bulletEnabled val="1"/>
+        </dgm:presLayoutVars>
+      </dgm:prSet>
+      <dgm:spPr/>
+    </dgm:pt>
+    <dgm:pt modelId="{F735CAE4-F68C-9A46-AA22-0D931832B3A9}" type="pres">
+      <dgm:prSet presAssocID="{A9229A3D-E090-AA4C-A6BA-89D66306354F}" presName="ThreeConn_2-3" presStyleLbl="fgAccFollowNode1" presStyleIdx="1" presStyleCnt="2">
+        <dgm:presLayoutVars>
+          <dgm:bulletEnabled val="1"/>
+        </dgm:presLayoutVars>
+      </dgm:prSet>
+      <dgm:spPr/>
+    </dgm:pt>
+    <dgm:pt modelId="{9F78ED61-4598-7C4F-93CE-17B6EDAFF535}" type="pres">
+      <dgm:prSet presAssocID="{A9229A3D-E090-AA4C-A6BA-89D66306354F}" presName="ThreeNodes_1_text" presStyleLbl="node1" presStyleIdx="2" presStyleCnt="3">
+        <dgm:presLayoutVars>
+          <dgm:bulletEnabled val="1"/>
+        </dgm:presLayoutVars>
+      </dgm:prSet>
+      <dgm:spPr/>
+    </dgm:pt>
+    <dgm:pt modelId="{8D60323C-7388-4947-B343-916D8524970D}" type="pres">
+      <dgm:prSet presAssocID="{A9229A3D-E090-AA4C-A6BA-89D66306354F}" presName="ThreeNodes_2_text" presStyleLbl="node1" presStyleIdx="2" presStyleCnt="3">
+        <dgm:presLayoutVars>
+          <dgm:bulletEnabled val="1"/>
+        </dgm:presLayoutVars>
+      </dgm:prSet>
+      <dgm:spPr/>
+    </dgm:pt>
+    <dgm:pt modelId="{1D6B94D4-A3EB-CE40-938F-A5E0760C190D}" type="pres">
+      <dgm:prSet presAssocID="{A9229A3D-E090-AA4C-A6BA-89D66306354F}" presName="ThreeNodes_3_text" presStyleLbl="node1" presStyleIdx="2" presStyleCnt="3">
+        <dgm:presLayoutVars>
+          <dgm:bulletEnabled val="1"/>
+        </dgm:presLayoutVars>
+      </dgm:prSet>
+      <dgm:spPr/>
+    </dgm:pt>
+  </dgm:ptLst>
+  <dgm:cxnLst>
+    <dgm:cxn modelId="{40467A16-6E58-EF46-A2DB-EB3D714F5DDE}" type="presOf" srcId="{05B7333D-CFB4-4D49-90B8-A098F815E272}" destId="{CD607992-CE5A-FF4C-8C85-39698BECE336}" srcOrd="0" destOrd="0" presId="urn:microsoft.com/office/officeart/2005/8/layout/vProcess5"/>
+    <dgm:cxn modelId="{2AB27E1D-FA1F-F549-A17E-573BE4B941F3}" type="presOf" srcId="{BE0BA1F6-1DBD-7348-9E61-C2B9827CA8E4}" destId="{9F78ED61-4598-7C4F-93CE-17B6EDAFF535}" srcOrd="1" destOrd="0" presId="urn:microsoft.com/office/officeart/2005/8/layout/vProcess5"/>
+    <dgm:cxn modelId="{08A26A25-6A2A-BA4A-A71A-6C04E61FBDCC}" type="presOf" srcId="{A9229A3D-E090-AA4C-A6BA-89D66306354F}" destId="{DAE7AB72-7692-E34B-8E71-CFFBD3DE9881}" srcOrd="0" destOrd="0" presId="urn:microsoft.com/office/officeart/2005/8/layout/vProcess5"/>
+    <dgm:cxn modelId="{CAAD433B-FA9F-F54C-996F-91F89CB12B30}" type="presOf" srcId="{BE0BA1F6-1DBD-7348-9E61-C2B9827CA8E4}" destId="{236C09B4-12DB-D845-BBAA-F5C88BBCB65D}" srcOrd="0" destOrd="0" presId="urn:microsoft.com/office/officeart/2005/8/layout/vProcess5"/>
+    <dgm:cxn modelId="{6FFCAD42-244A-5840-9ADA-86AF270EE864}" srcId="{A9229A3D-E090-AA4C-A6BA-89D66306354F}" destId="{05B7333D-CFB4-4D49-90B8-A098F815E272}" srcOrd="1" destOrd="0" parTransId="{D4A6376B-18E8-8D42-B806-5A5BAA189F23}" sibTransId="{042F6D26-50BD-4744-8985-A06E7E534712}"/>
+    <dgm:cxn modelId="{C119B64F-83A7-B441-83FA-14A3ABF7D63B}" type="presOf" srcId="{ACD1D631-75F5-1643-A89B-C929A90C0830}" destId="{1D6B94D4-A3EB-CE40-938F-A5E0760C190D}" srcOrd="1" destOrd="0" presId="urn:microsoft.com/office/officeart/2005/8/layout/vProcess5"/>
+    <dgm:cxn modelId="{E49DF45D-4DDB-8240-BF6A-AD692A41908F}" type="presOf" srcId="{05B7333D-CFB4-4D49-90B8-A098F815E272}" destId="{8D60323C-7388-4947-B343-916D8524970D}" srcOrd="1" destOrd="0" presId="urn:microsoft.com/office/officeart/2005/8/layout/vProcess5"/>
+    <dgm:cxn modelId="{6C499462-F3CC-A34A-B7E7-9378B8034323}" type="presOf" srcId="{042F6D26-50BD-4744-8985-A06E7E534712}" destId="{F735CAE4-F68C-9A46-AA22-0D931832B3A9}" srcOrd="0" destOrd="0" presId="urn:microsoft.com/office/officeart/2005/8/layout/vProcess5"/>
+    <dgm:cxn modelId="{8B229473-A47B-0041-A430-E1236AAB5E03}" srcId="{A9229A3D-E090-AA4C-A6BA-89D66306354F}" destId="{ACD1D631-75F5-1643-A89B-C929A90C0830}" srcOrd="2" destOrd="0" parTransId="{EBECC0D0-CAB0-5747-9878-475E620E0791}" sibTransId="{B6CA2A18-39DE-2246-A28D-26793466C417}"/>
+    <dgm:cxn modelId="{1A92B3C0-F821-3945-9471-3A9155ABB44C}" type="presOf" srcId="{ACD1D631-75F5-1643-A89B-C929A90C0830}" destId="{9D6494C2-40E9-1B47-8B9A-BB85D9560F0F}" srcOrd="0" destOrd="0" presId="urn:microsoft.com/office/officeart/2005/8/layout/vProcess5"/>
+    <dgm:cxn modelId="{CC1A63E7-9EE8-044F-B437-03B5F1673A4A}" srcId="{A9229A3D-E090-AA4C-A6BA-89D66306354F}" destId="{BE0BA1F6-1DBD-7348-9E61-C2B9827CA8E4}" srcOrd="0" destOrd="0" parTransId="{BAED1780-EC3E-264A-8908-ADBC6AE54E15}" sibTransId="{C188B9F0-E883-F447-B26B-0C7CDBB809E1}"/>
+    <dgm:cxn modelId="{17A144F8-A7A5-944C-8AAF-C9C4D161322A}" type="presOf" srcId="{C188B9F0-E883-F447-B26B-0C7CDBB809E1}" destId="{7D1AED19-E9A5-C941-BD86-E937A7A31B8F}" srcOrd="0" destOrd="0" presId="urn:microsoft.com/office/officeart/2005/8/layout/vProcess5"/>
+    <dgm:cxn modelId="{CF560E24-3455-6346-8A36-C814778B8831}" type="presParOf" srcId="{DAE7AB72-7692-E34B-8E71-CFFBD3DE9881}" destId="{CEA69B49-3AFC-2E47-B5B7-A5B56DA3FAE3}" srcOrd="0" destOrd="0" presId="urn:microsoft.com/office/officeart/2005/8/layout/vProcess5"/>
+    <dgm:cxn modelId="{6C5807B3-295D-0044-89FB-1A4CACCE0D2D}" type="presParOf" srcId="{DAE7AB72-7692-E34B-8E71-CFFBD3DE9881}" destId="{236C09B4-12DB-D845-BBAA-F5C88BBCB65D}" srcOrd="1" destOrd="0" presId="urn:microsoft.com/office/officeart/2005/8/layout/vProcess5"/>
+    <dgm:cxn modelId="{1B64969D-2CEE-FD48-AE76-7E401F96A6FA}" type="presParOf" srcId="{DAE7AB72-7692-E34B-8E71-CFFBD3DE9881}" destId="{CD607992-CE5A-FF4C-8C85-39698BECE336}" srcOrd="2" destOrd="0" presId="urn:microsoft.com/office/officeart/2005/8/layout/vProcess5"/>
+    <dgm:cxn modelId="{25791706-A3AC-DA49-9ED9-3A4936233CFD}" type="presParOf" srcId="{DAE7AB72-7692-E34B-8E71-CFFBD3DE9881}" destId="{9D6494C2-40E9-1B47-8B9A-BB85D9560F0F}" srcOrd="3" destOrd="0" presId="urn:microsoft.com/office/officeart/2005/8/layout/vProcess5"/>
+    <dgm:cxn modelId="{C451275D-54AB-AC4D-BEA1-924BA7687EF7}" type="presParOf" srcId="{DAE7AB72-7692-E34B-8E71-CFFBD3DE9881}" destId="{7D1AED19-E9A5-C941-BD86-E937A7A31B8F}" srcOrd="4" destOrd="0" presId="urn:microsoft.com/office/officeart/2005/8/layout/vProcess5"/>
+    <dgm:cxn modelId="{88B6BCB5-7F71-DB40-9012-4762D8FF1E96}" type="presParOf" srcId="{DAE7AB72-7692-E34B-8E71-CFFBD3DE9881}" destId="{F735CAE4-F68C-9A46-AA22-0D931832B3A9}" srcOrd="5" destOrd="0" presId="urn:microsoft.com/office/officeart/2005/8/layout/vProcess5"/>
+    <dgm:cxn modelId="{871F9FC6-1AFC-1340-A689-9DE8664F6B1C}" type="presParOf" srcId="{DAE7AB72-7692-E34B-8E71-CFFBD3DE9881}" destId="{9F78ED61-4598-7C4F-93CE-17B6EDAFF535}" srcOrd="6" destOrd="0" presId="urn:microsoft.com/office/officeart/2005/8/layout/vProcess5"/>
+    <dgm:cxn modelId="{B46B8705-6136-F943-B04E-620F4BEDFD94}" type="presParOf" srcId="{DAE7AB72-7692-E34B-8E71-CFFBD3DE9881}" destId="{8D60323C-7388-4947-B343-916D8524970D}" srcOrd="7" destOrd="0" presId="urn:microsoft.com/office/officeart/2005/8/layout/vProcess5"/>
+    <dgm:cxn modelId="{6BCEADBB-0784-5546-97C0-86056958F5AE}" type="presParOf" srcId="{DAE7AB72-7692-E34B-8E71-CFFBD3DE9881}" destId="{1D6B94D4-A3EB-CE40-938F-A5E0760C190D}" srcOrd="8" destOrd="0" presId="urn:microsoft.com/office/officeart/2005/8/layout/vProcess5"/>
+  </dgm:cxnLst>
+  <dgm:bg/>
+  <dgm:whole/>
+  <dgm:extLst>
+    <a:ext uri="http://schemas.microsoft.com/office/drawing/2008/diagram">
+      <dsp:dataModelExt xmlns:dsp="http://schemas.microsoft.com/office/drawing/2008/diagram" relId="rId7" minVer="http://schemas.openxmlformats.org/drawingml/2006/diagram"/>
+    </a:ext>
+  </dgm:extLst>
+</dgm:dataModel>
+</file>
+
 <file path=ppt/diagrams/drawing1.xml><?xml version="1.0" encoding="utf-8"?>
 <dsp:drawing xmlns:dgm="http://schemas.openxmlformats.org/drawingml/2006/diagram" xmlns:dsp="http://schemas.microsoft.com/office/drawing/2008/diagram" xmlns:a="http://schemas.openxmlformats.org/drawingml/2006/main">
   <dsp:spTree>
@@ -1562,6 +2719,451 @@
               <a:ea typeface="Meiryo UI" panose="020B0604030504040204" pitchFamily="34" charset="-128"/>
             </a:rPr>
             <a:t>ハッシュン関数と監視のツールを調べる</a:t>
+          </a:r>
+          <a:endParaRPr lang="zh-TW" altLang="en-US" sz="2400" kern="1200" dirty="0">
+            <a:latin typeface="Meiryo UI" panose="020B0604030504040204" pitchFamily="34" charset="-128"/>
+            <a:ea typeface="Meiryo UI" panose="020B0604030504040204" pitchFamily="34" charset="-128"/>
+          </a:endParaRPr>
+        </a:p>
+      </dsp:txBody>
+      <dsp:txXfrm>
+        <a:off x="1364090" y="2670852"/>
+        <a:ext cx="6075715" cy="1064240"/>
+      </dsp:txXfrm>
+    </dsp:sp>
+    <dsp:sp modelId="{7D1AED19-E9A5-C941-BD86-E937A7A31B8F}">
+      <dsp:nvSpPr>
+        <dsp:cNvPr id="0" name=""/>
+        <dsp:cNvSpPr/>
+      </dsp:nvSpPr>
+      <dsp:spPr>
+        <a:xfrm>
+          <a:off x="6807425" y="857266"/>
+          <a:ext cx="734799" cy="734799"/>
+        </a:xfrm>
+        <a:prstGeom prst="downArrow">
+          <a:avLst>
+            <a:gd name="adj1" fmla="val 55000"/>
+            <a:gd name="adj2" fmla="val 45000"/>
+          </a:avLst>
+        </a:prstGeom>
+        <a:solidFill>
+          <a:schemeClr val="accent1">
+            <a:alpha val="90000"/>
+            <a:tint val="40000"/>
+            <a:hueOff val="0"/>
+            <a:satOff val="0"/>
+            <a:lumOff val="0"/>
+            <a:alphaOff val="0"/>
+          </a:schemeClr>
+        </a:solidFill>
+        <a:ln w="19050" cap="rnd" cmpd="sng" algn="ctr">
+          <a:solidFill>
+            <a:schemeClr val="accent1">
+              <a:alpha val="90000"/>
+              <a:tint val="40000"/>
+              <a:hueOff val="0"/>
+              <a:satOff val="0"/>
+              <a:lumOff val="0"/>
+              <a:alphaOff val="0"/>
+            </a:schemeClr>
+          </a:solidFill>
+          <a:prstDash val="solid"/>
+        </a:ln>
+        <a:effectLst/>
+      </dsp:spPr>
+      <dsp:style>
+        <a:lnRef idx="2">
+          <a:scrgbClr r="0" g="0" b="0"/>
+        </a:lnRef>
+        <a:fillRef idx="1">
+          <a:scrgbClr r="0" g="0" b="0"/>
+        </a:fillRef>
+        <a:effectRef idx="0">
+          <a:scrgbClr r="0" g="0" b="0"/>
+        </a:effectRef>
+        <a:fontRef idx="minor"/>
+      </dsp:style>
+      <dsp:txBody>
+        <a:bodyPr spcFirstLastPara="0" vert="horz" wrap="square" lIns="41910" tIns="41910" rIns="41910" bIns="41910" numCol="1" spcCol="1270" anchor="ctr" anchorCtr="0">
+          <a:noAutofit/>
+        </a:bodyPr>
+        <a:lstStyle/>
+        <a:p>
+          <a:pPr marL="0" lvl="0" indent="0" algn="ctr" defTabSz="1466850">
+            <a:lnSpc>
+              <a:spcPct val="90000"/>
+            </a:lnSpc>
+            <a:spcBef>
+              <a:spcPct val="0"/>
+            </a:spcBef>
+            <a:spcAft>
+              <a:spcPct val="35000"/>
+            </a:spcAft>
+            <a:buNone/>
+          </a:pPr>
+          <a:endParaRPr lang="zh-TW" altLang="en-US" sz="3300" kern="1200"/>
+        </a:p>
+      </dsp:txBody>
+      <dsp:txXfrm>
+        <a:off x="6972755" y="857266"/>
+        <a:ext cx="404139" cy="552936"/>
+      </dsp:txXfrm>
+    </dsp:sp>
+    <dsp:sp modelId="{F735CAE4-F68C-9A46-AA22-0D931832B3A9}">
+      <dsp:nvSpPr>
+        <dsp:cNvPr id="0" name=""/>
+        <dsp:cNvSpPr/>
+      </dsp:nvSpPr>
+      <dsp:spPr>
+        <a:xfrm>
+          <a:off x="7472915" y="2168600"/>
+          <a:ext cx="734799" cy="734799"/>
+        </a:xfrm>
+        <a:prstGeom prst="downArrow">
+          <a:avLst>
+            <a:gd name="adj1" fmla="val 55000"/>
+            <a:gd name="adj2" fmla="val 45000"/>
+          </a:avLst>
+        </a:prstGeom>
+        <a:solidFill>
+          <a:schemeClr val="accent1">
+            <a:alpha val="90000"/>
+            <a:tint val="40000"/>
+            <a:hueOff val="0"/>
+            <a:satOff val="0"/>
+            <a:lumOff val="0"/>
+            <a:alphaOff val="-40000"/>
+          </a:schemeClr>
+        </a:solidFill>
+        <a:ln w="19050" cap="rnd" cmpd="sng" algn="ctr">
+          <a:solidFill>
+            <a:schemeClr val="accent1">
+              <a:alpha val="90000"/>
+              <a:tint val="40000"/>
+              <a:hueOff val="0"/>
+              <a:satOff val="0"/>
+              <a:lumOff val="0"/>
+              <a:alphaOff val="0"/>
+            </a:schemeClr>
+          </a:solidFill>
+          <a:prstDash val="solid"/>
+        </a:ln>
+        <a:effectLst/>
+      </dsp:spPr>
+      <dsp:style>
+        <a:lnRef idx="2">
+          <a:scrgbClr r="0" g="0" b="0"/>
+        </a:lnRef>
+        <a:fillRef idx="1">
+          <a:scrgbClr r="0" g="0" b="0"/>
+        </a:fillRef>
+        <a:effectRef idx="0">
+          <a:scrgbClr r="0" g="0" b="0"/>
+        </a:effectRef>
+        <a:fontRef idx="minor"/>
+      </dsp:style>
+      <dsp:txBody>
+        <a:bodyPr spcFirstLastPara="0" vert="horz" wrap="square" lIns="41910" tIns="41910" rIns="41910" bIns="41910" numCol="1" spcCol="1270" anchor="ctr" anchorCtr="0">
+          <a:noAutofit/>
+        </a:bodyPr>
+        <a:lstStyle/>
+        <a:p>
+          <a:pPr marL="0" lvl="0" indent="0" algn="ctr" defTabSz="1466850">
+            <a:lnSpc>
+              <a:spcPct val="90000"/>
+            </a:lnSpc>
+            <a:spcBef>
+              <a:spcPct val="0"/>
+            </a:spcBef>
+            <a:spcAft>
+              <a:spcPct val="35000"/>
+            </a:spcAft>
+            <a:buNone/>
+          </a:pPr>
+          <a:endParaRPr lang="zh-TW" altLang="en-US" sz="3300" kern="1200"/>
+        </a:p>
+      </dsp:txBody>
+      <dsp:txXfrm>
+        <a:off x="7638245" y="2168600"/>
+        <a:ext cx="404139" cy="552936"/>
+      </dsp:txXfrm>
+    </dsp:sp>
+  </dsp:spTree>
+</dsp:drawing>
+</file>
+
+<file path=ppt/diagrams/drawing2.xml><?xml version="1.0" encoding="utf-8"?>
+<dsp:drawing xmlns:dgm="http://schemas.openxmlformats.org/drawingml/2006/diagram" xmlns:dsp="http://schemas.microsoft.com/office/drawing/2008/diagram" xmlns:a="http://schemas.openxmlformats.org/drawingml/2006/main">
+  <dsp:spTree>
+    <dsp:nvGrpSpPr>
+      <dsp:cNvPr id="0" name=""/>
+      <dsp:cNvGrpSpPr/>
+    </dsp:nvGrpSpPr>
+    <dsp:grpSpPr/>
+    <dsp:sp modelId="{236C09B4-12DB-D845-BBAA-F5C88BBCB65D}">
+      <dsp:nvSpPr>
+        <dsp:cNvPr id="0" name=""/>
+        <dsp:cNvSpPr/>
+      </dsp:nvSpPr>
+      <dsp:spPr>
+        <a:xfrm>
+          <a:off x="0" y="0"/>
+          <a:ext cx="7542225" cy="1130460"/>
+        </a:xfrm>
+        <a:prstGeom prst="roundRect">
+          <a:avLst>
+            <a:gd name="adj" fmla="val 10000"/>
+          </a:avLst>
+        </a:prstGeom>
+        <a:solidFill>
+          <a:schemeClr val="accent1">
+            <a:alpha val="90000"/>
+            <a:hueOff val="0"/>
+            <a:satOff val="0"/>
+            <a:lumOff val="0"/>
+            <a:alphaOff val="0"/>
+          </a:schemeClr>
+        </a:solidFill>
+        <a:ln w="19050" cap="rnd" cmpd="sng" algn="ctr">
+          <a:solidFill>
+            <a:schemeClr val="lt1">
+              <a:hueOff val="0"/>
+              <a:satOff val="0"/>
+              <a:lumOff val="0"/>
+              <a:alphaOff val="0"/>
+            </a:schemeClr>
+          </a:solidFill>
+          <a:prstDash val="solid"/>
+        </a:ln>
+        <a:effectLst/>
+      </dsp:spPr>
+      <dsp:style>
+        <a:lnRef idx="2">
+          <a:scrgbClr r="0" g="0" b="0"/>
+        </a:lnRef>
+        <a:fillRef idx="1">
+          <a:scrgbClr r="0" g="0" b="0"/>
+        </a:fillRef>
+        <a:effectRef idx="0">
+          <a:scrgbClr r="0" g="0" b="0"/>
+        </a:effectRef>
+        <a:fontRef idx="minor">
+          <a:schemeClr val="lt1"/>
+        </a:fontRef>
+      </dsp:style>
+      <dsp:txBody>
+        <a:bodyPr spcFirstLastPara="0" vert="horz" wrap="square" lIns="91440" tIns="91440" rIns="91440" bIns="91440" numCol="1" spcCol="1270" anchor="ctr" anchorCtr="0">
+          <a:noAutofit/>
+        </a:bodyPr>
+        <a:lstStyle/>
+        <a:p>
+          <a:pPr marL="0" lvl="0" indent="0" algn="ctr" defTabSz="1066800">
+            <a:lnSpc>
+              <a:spcPct val="90000"/>
+            </a:lnSpc>
+            <a:spcBef>
+              <a:spcPct val="0"/>
+            </a:spcBef>
+            <a:spcAft>
+              <a:spcPct val="35000"/>
+            </a:spcAft>
+            <a:buNone/>
+          </a:pPr>
+          <a:r>
+            <a:rPr lang="zh-HK" altLang="en-US" sz="2400" kern="1200" dirty="0">
+              <a:latin typeface="Meiryo UI" panose="020B0604030504040204" pitchFamily="34" charset="-128"/>
+              <a:ea typeface="Meiryo UI" panose="020B0604030504040204" pitchFamily="34" charset="-128"/>
+            </a:rPr>
+            <a:t>ハッシュ関数を設置</a:t>
+          </a:r>
+          <a:endParaRPr lang="zh-TW" altLang="en-US" sz="2400" kern="1200" dirty="0">
+            <a:latin typeface="Meiryo UI" panose="020B0604030504040204" pitchFamily="34" charset="-128"/>
+            <a:ea typeface="Meiryo UI" panose="020B0604030504040204" pitchFamily="34" charset="-128"/>
+          </a:endParaRPr>
+        </a:p>
+      </dsp:txBody>
+      <dsp:txXfrm>
+        <a:off x="33110" y="33110"/>
+        <a:ext cx="6322369" cy="1064240"/>
+      </dsp:txXfrm>
+    </dsp:sp>
+    <dsp:sp modelId="{CD607992-CE5A-FF4C-8C85-39698BECE336}">
+      <dsp:nvSpPr>
+        <dsp:cNvPr id="0" name=""/>
+        <dsp:cNvSpPr/>
+      </dsp:nvSpPr>
+      <dsp:spPr>
+        <a:xfrm>
+          <a:off x="665490" y="1318871"/>
+          <a:ext cx="7542225" cy="1130460"/>
+        </a:xfrm>
+        <a:prstGeom prst="roundRect">
+          <a:avLst>
+            <a:gd name="adj" fmla="val 10000"/>
+          </a:avLst>
+        </a:prstGeom>
+        <a:solidFill>
+          <a:schemeClr val="accent1">
+            <a:alpha val="90000"/>
+            <a:hueOff val="0"/>
+            <a:satOff val="0"/>
+            <a:lumOff val="0"/>
+            <a:alphaOff val="-20000"/>
+          </a:schemeClr>
+        </a:solidFill>
+        <a:ln w="19050" cap="rnd" cmpd="sng" algn="ctr">
+          <a:solidFill>
+            <a:schemeClr val="lt1">
+              <a:hueOff val="0"/>
+              <a:satOff val="0"/>
+              <a:lumOff val="0"/>
+              <a:alphaOff val="0"/>
+            </a:schemeClr>
+          </a:solidFill>
+          <a:prstDash val="solid"/>
+        </a:ln>
+        <a:effectLst/>
+      </dsp:spPr>
+      <dsp:style>
+        <a:lnRef idx="2">
+          <a:scrgbClr r="0" g="0" b="0"/>
+        </a:lnRef>
+        <a:fillRef idx="1">
+          <a:scrgbClr r="0" g="0" b="0"/>
+        </a:fillRef>
+        <a:effectRef idx="0">
+          <a:scrgbClr r="0" g="0" b="0"/>
+        </a:effectRef>
+        <a:fontRef idx="minor">
+          <a:schemeClr val="lt1"/>
+        </a:fontRef>
+      </dsp:style>
+      <dsp:txBody>
+        <a:bodyPr spcFirstLastPara="0" vert="horz" wrap="square" lIns="91440" tIns="91440" rIns="91440" bIns="91440" numCol="1" spcCol="1270" anchor="ctr" anchorCtr="0">
+          <a:noAutofit/>
+        </a:bodyPr>
+        <a:lstStyle/>
+        <a:p>
+          <a:pPr marL="0" lvl="0" indent="0" algn="ctr" defTabSz="1066800">
+            <a:lnSpc>
+              <a:spcPct val="90000"/>
+            </a:lnSpc>
+            <a:spcBef>
+              <a:spcPct val="0"/>
+            </a:spcBef>
+            <a:spcAft>
+              <a:spcPct val="35000"/>
+            </a:spcAft>
+            <a:buNone/>
+          </a:pPr>
+          <a:r>
+            <a:rPr lang="zh-HK" altLang="en-US" sz="2400" kern="1200" dirty="0">
+              <a:latin typeface="Meiryo UI" panose="020B0604030504040204" pitchFamily="34" charset="-128"/>
+              <a:ea typeface="Meiryo UI" panose="020B0604030504040204" pitchFamily="34" charset="-128"/>
+            </a:rPr>
+            <a:t>ハッシュ（</a:t>
+          </a:r>
+          <a:r>
+            <a:rPr lang="en-US" altLang="zh-HK" sz="2400" kern="1200" dirty="0">
+              <a:latin typeface="Meiryo UI" panose="020B0604030504040204" pitchFamily="34" charset="-128"/>
+              <a:ea typeface="Meiryo UI" panose="020B0604030504040204" pitchFamily="34" charset="-128"/>
+            </a:rPr>
+            <a:t> 32byte </a:t>
+          </a:r>
+          <a:r>
+            <a:rPr lang="zh-HK" altLang="en-US" sz="2400" kern="1200" dirty="0">
+              <a:latin typeface="Meiryo UI" panose="020B0604030504040204" pitchFamily="34" charset="-128"/>
+              <a:ea typeface="Meiryo UI" panose="020B0604030504040204" pitchFamily="34" charset="-128"/>
+            </a:rPr>
+            <a:t>）のテスト</a:t>
+          </a:r>
+          <a:endParaRPr lang="zh-TW" altLang="en-US" sz="2400" kern="1200" dirty="0">
+            <a:latin typeface="Meiryo UI" panose="020B0604030504040204" pitchFamily="34" charset="-128"/>
+            <a:ea typeface="Meiryo UI" panose="020B0604030504040204" pitchFamily="34" charset="-128"/>
+          </a:endParaRPr>
+        </a:p>
+      </dsp:txBody>
+      <dsp:txXfrm>
+        <a:off x="698600" y="1351981"/>
+        <a:ext cx="6075715" cy="1064240"/>
+      </dsp:txXfrm>
+    </dsp:sp>
+    <dsp:sp modelId="{9D6494C2-40E9-1B47-8B9A-BB85D9560F0F}">
+      <dsp:nvSpPr>
+        <dsp:cNvPr id="0" name=""/>
+        <dsp:cNvSpPr/>
+      </dsp:nvSpPr>
+      <dsp:spPr>
+        <a:xfrm>
+          <a:off x="1330980" y="2637742"/>
+          <a:ext cx="7542225" cy="1130460"/>
+        </a:xfrm>
+        <a:prstGeom prst="roundRect">
+          <a:avLst>
+            <a:gd name="adj" fmla="val 10000"/>
+          </a:avLst>
+        </a:prstGeom>
+        <a:solidFill>
+          <a:schemeClr val="accent1">
+            <a:alpha val="90000"/>
+            <a:hueOff val="0"/>
+            <a:satOff val="0"/>
+            <a:lumOff val="0"/>
+            <a:alphaOff val="-40000"/>
+          </a:schemeClr>
+        </a:solidFill>
+        <a:ln w="19050" cap="rnd" cmpd="sng" algn="ctr">
+          <a:solidFill>
+            <a:schemeClr val="lt1">
+              <a:hueOff val="0"/>
+              <a:satOff val="0"/>
+              <a:lumOff val="0"/>
+              <a:alphaOff val="0"/>
+            </a:schemeClr>
+          </a:solidFill>
+          <a:prstDash val="solid"/>
+        </a:ln>
+        <a:effectLst/>
+      </dsp:spPr>
+      <dsp:style>
+        <a:lnRef idx="2">
+          <a:scrgbClr r="0" g="0" b="0"/>
+        </a:lnRef>
+        <a:fillRef idx="1">
+          <a:scrgbClr r="0" g="0" b="0"/>
+        </a:fillRef>
+        <a:effectRef idx="0">
+          <a:scrgbClr r="0" g="0" b="0"/>
+        </a:effectRef>
+        <a:fontRef idx="minor">
+          <a:schemeClr val="lt1"/>
+        </a:fontRef>
+      </dsp:style>
+      <dsp:txBody>
+        <a:bodyPr spcFirstLastPara="0" vert="horz" wrap="square" lIns="91440" tIns="91440" rIns="91440" bIns="91440" numCol="1" spcCol="1270" anchor="ctr" anchorCtr="0">
+          <a:noAutofit/>
+        </a:bodyPr>
+        <a:lstStyle/>
+        <a:p>
+          <a:pPr marL="0" lvl="0" indent="0" algn="ctr" defTabSz="1066800">
+            <a:lnSpc>
+              <a:spcPct val="90000"/>
+            </a:lnSpc>
+            <a:spcBef>
+              <a:spcPct val="0"/>
+            </a:spcBef>
+            <a:spcAft>
+              <a:spcPct val="35000"/>
+            </a:spcAft>
+            <a:buNone/>
+          </a:pPr>
+          <a:r>
+            <a:rPr lang="zh-HK" altLang="en-US" sz="2400" kern="1200" dirty="0">
+              <a:latin typeface="Meiryo UI" panose="020B0604030504040204" pitchFamily="34" charset="-128"/>
+              <a:ea typeface="Meiryo UI" panose="020B0604030504040204" pitchFamily="34" charset="-128"/>
+            </a:rPr>
+            <a:t>ブロックの作成時間を計算</a:t>
           </a:r>
           <a:endParaRPr lang="zh-TW" altLang="en-US" sz="2400" kern="1200" dirty="0">
             <a:latin typeface="Meiryo UI" panose="020B0604030504040204" pitchFamily="34" charset="-128"/>
@@ -2962,7 +4564,2267 @@
 </dgm:layoutDef>
 </file>
 
+<file path=ppt/diagrams/layout2.xml><?xml version="1.0" encoding="utf-8"?>
+<dgm:layoutDef xmlns:dgm="http://schemas.openxmlformats.org/drawingml/2006/diagram" xmlns:a="http://schemas.openxmlformats.org/drawingml/2006/main" uniqueId="urn:microsoft.com/office/officeart/2005/8/layout/vProcess5">
+  <dgm:title val=""/>
+  <dgm:desc val=""/>
+  <dgm:catLst>
+    <dgm:cat type="process" pri="14000"/>
+  </dgm:catLst>
+  <dgm:sampData>
+    <dgm:dataModel>
+      <dgm:ptLst>
+        <dgm:pt modelId="0" type="doc"/>
+        <dgm:pt modelId="1">
+          <dgm:prSet phldr="1"/>
+        </dgm:pt>
+        <dgm:pt modelId="2">
+          <dgm:prSet phldr="1"/>
+        </dgm:pt>
+        <dgm:pt modelId="3">
+          <dgm:prSet phldr="1"/>
+        </dgm:pt>
+      </dgm:ptLst>
+      <dgm:cxnLst>
+        <dgm:cxn modelId="5" srcId="0" destId="1" srcOrd="0" destOrd="0"/>
+        <dgm:cxn modelId="6" srcId="0" destId="2" srcOrd="1" destOrd="0"/>
+        <dgm:cxn modelId="7" srcId="0" destId="3" srcOrd="2" destOrd="0"/>
+      </dgm:cxnLst>
+      <dgm:bg/>
+      <dgm:whole/>
+    </dgm:dataModel>
+  </dgm:sampData>
+  <dgm:styleData>
+    <dgm:dataModel>
+      <dgm:ptLst>
+        <dgm:pt modelId="0" type="doc"/>
+        <dgm:pt modelId="1"/>
+        <dgm:pt modelId="2"/>
+      </dgm:ptLst>
+      <dgm:cxnLst>
+        <dgm:cxn modelId="3" srcId="0" destId="1" srcOrd="0" destOrd="0"/>
+        <dgm:cxn modelId="4" srcId="0" destId="2" srcOrd="1" destOrd="0"/>
+      </dgm:cxnLst>
+      <dgm:bg/>
+      <dgm:whole/>
+    </dgm:dataModel>
+  </dgm:styleData>
+  <dgm:clrData>
+    <dgm:dataModel>
+      <dgm:ptLst>
+        <dgm:pt modelId="0" type="doc"/>
+        <dgm:pt modelId="1"/>
+        <dgm:pt modelId="2"/>
+        <dgm:pt modelId="3"/>
+        <dgm:pt modelId="4"/>
+      </dgm:ptLst>
+      <dgm:cxnLst>
+        <dgm:cxn modelId="6" srcId="0" destId="1" srcOrd="0" destOrd="0"/>
+        <dgm:cxn modelId="7" srcId="0" destId="2" srcOrd="1" destOrd="0"/>
+        <dgm:cxn modelId="8" srcId="0" destId="3" srcOrd="2" destOrd="0"/>
+        <dgm:cxn modelId="9" srcId="0" destId="4" srcOrd="3" destOrd="0"/>
+      </dgm:cxnLst>
+      <dgm:bg/>
+      <dgm:whole/>
+    </dgm:dataModel>
+  </dgm:clrData>
+  <dgm:layoutNode name="outerComposite">
+    <dgm:varLst>
+      <dgm:chMax val="5"/>
+      <dgm:dir/>
+      <dgm:resizeHandles val="exact"/>
+    </dgm:varLst>
+    <dgm:alg type="composite"/>
+    <dgm:shape xmlns:r="http://schemas.openxmlformats.org/officeDocument/2006/relationships" r:blip="">
+      <dgm:adjLst/>
+    </dgm:shape>
+    <dgm:presOf/>
+    <dgm:choose name="Name0">
+      <dgm:if name="Name1" func="var" arg="dir" op="equ" val="norm">
+        <dgm:constrLst>
+          <dgm:constr type="primFontSz" for="ch" ptType="node" op="equ" val="65"/>
+          <dgm:constr type="w" for="ch" forName="dummyMaxCanvas" refType="w"/>
+          <dgm:constr type="h" for="ch" forName="dummyMaxCanvas" refType="h"/>
+          <dgm:constr type="w" for="ch" forName="OneNode_1" refType="w"/>
+          <dgm:constr type="h" for="ch" forName="OneNode_1" refType="h" fact="0.5"/>
+          <dgm:constr type="ctrY" for="ch" forName="OneNode_1" refType="h" fact="0.5"/>
+          <dgm:constr type="w" for="ch" forName="TwoNodes_1" refType="w" fact="0.85"/>
+          <dgm:constr type="h" for="ch" forName="TwoNodes_1" refType="h" fact="0.45"/>
+          <dgm:constr type="t" for="ch" forName="TwoNodes_1"/>
+          <dgm:constr type="l" for="ch" forName="TwoNodes_1"/>
+          <dgm:constr type="w" for="ch" forName="TwoNodes_2" refType="w" fact="0.85"/>
+          <dgm:constr type="h" for="ch" forName="TwoNodes_2" refType="h" fact="0.45"/>
+          <dgm:constr type="b" for="ch" forName="TwoNodes_2" refType="h"/>
+          <dgm:constr type="r" for="ch" forName="TwoNodes_2" refType="w"/>
+          <dgm:constr type="w" for="ch" forName="TwoConn_1-2" refType="h" refFor="ch" refForName="TwoNodes_1" fact="0.65"/>
+          <dgm:constr type="h" for="ch" forName="TwoConn_1-2" refType="h" refFor="ch" refForName="TwoNodes_1" fact="0.65"/>
+          <dgm:constr type="ctrY" for="ch" forName="TwoConn_1-2" refType="h" fact="0.5"/>
+          <dgm:constr type="r" for="ch" forName="TwoConn_1-2" refType="r" refFor="ch" refForName="TwoNodes_1"/>
+          <dgm:constr type="r" for="ch" forName="TwoNodes_1_text" refType="l" refFor="ch" refForName="TwoConn_1-2"/>
+          <dgm:constr type="rOff" for="ch" forName="TwoNodes_1_text" refType="w" refFor="ch" refForName="TwoConn_1-2" fact="-0.5"/>
+          <dgm:constr type="t" for="ch" forName="TwoNodes_1_text" refType="t" refFor="ch" refForName="TwoNodes_1"/>
+          <dgm:constr type="b" for="ch" forName="TwoNodes_1_text" refType="b" refFor="ch" refForName="TwoNodes_1"/>
+          <dgm:constr type="l" for="ch" forName="TwoNodes_1_text" refType="l" refFor="ch" refForName="TwoNodes_1"/>
+          <dgm:constr type="r" for="ch" forName="TwoNodes_2_text" refType="l" refFor="ch" refForName="TwoConn_1-2"/>
+          <dgm:constr type="t" for="ch" forName="TwoNodes_2_text" refType="t" refFor="ch" refForName="TwoNodes_2"/>
+          <dgm:constr type="b" for="ch" forName="TwoNodes_2_text" refType="b" refFor="ch" refForName="TwoNodes_2"/>
+          <dgm:constr type="l" for="ch" forName="TwoNodes_2_text" refType="l" refFor="ch" refForName="TwoNodes_2"/>
+          <dgm:constr type="w" for="ch" forName="ThreeNodes_1" refType="w" fact="0.85"/>
+          <dgm:constr type="h" for="ch" forName="ThreeNodes_1" refType="h" fact="0.3"/>
+          <dgm:constr type="t" for="ch" forName="ThreeNodes_1"/>
+          <dgm:constr type="l" for="ch" forName="ThreeNodes_1"/>
+          <dgm:constr type="w" for="ch" forName="ThreeNodes_2" refType="w" fact="0.85"/>
+          <dgm:constr type="h" for="ch" forName="ThreeNodes_2" refType="h" fact="0.3"/>
+          <dgm:constr type="ctrY" for="ch" forName="ThreeNodes_2" refType="h" fact="0.5"/>
+          <dgm:constr type="ctrX" for="ch" forName="ThreeNodes_2" refType="w" fact="0.5"/>
+          <dgm:constr type="w" for="ch" forName="ThreeNodes_3" refType="w" fact="0.85"/>
+          <dgm:constr type="h" for="ch" forName="ThreeNodes_3" refType="h" fact="0.3"/>
+          <dgm:constr type="b" for="ch" forName="ThreeNodes_3" refType="h"/>
+          <dgm:constr type="r" for="ch" forName="ThreeNodes_3" refType="w"/>
+          <dgm:constr type="w" for="ch" forName="ThreeConn_1-2" refType="h" refFor="ch" refForName="ThreeNodes_1" fact="0.65"/>
+          <dgm:constr type="h" for="ch" forName="ThreeConn_1-2" refType="h" refFor="ch" refForName="ThreeNodes_1" fact="0.65"/>
+          <dgm:constr type="ctrY" for="ch" forName="ThreeConn_1-2" refType="h" fact="0.325"/>
+          <dgm:constr type="r" for="ch" forName="ThreeConn_1-2" refType="r" refFor="ch" refForName="ThreeNodes_1"/>
+          <dgm:constr type="w" for="ch" forName="ThreeConn_2-3" refType="h" refFor="ch" refForName="ThreeNodes_2" fact="0.65"/>
+          <dgm:constr type="h" for="ch" forName="ThreeConn_2-3" refType="h" refFor="ch" refForName="ThreeNodes_2" fact="0.65"/>
+          <dgm:constr type="ctrY" for="ch" forName="ThreeConn_2-3" refType="h" fact="0.673"/>
+          <dgm:constr type="r" for="ch" forName="ThreeConn_2-3" refType="r" refFor="ch" refForName="ThreeNodes_2"/>
+          <dgm:constr type="r" for="ch" forName="ThreeNodes_1_text" refType="l" refFor="ch" refForName="ThreeConn_1-2"/>
+          <dgm:constr type="rOff" for="ch" forName="ThreeNodes_1_text" refType="w" refFor="ch" refForName="ThreeConn_1-2" fact="-0.57"/>
+          <dgm:constr type="t" for="ch" forName="ThreeNodes_1_text" refType="t" refFor="ch" refForName="ThreeNodes_1"/>
+          <dgm:constr type="b" for="ch" forName="ThreeNodes_1_text" refType="b" refFor="ch" refForName="ThreeNodes_1"/>
+          <dgm:constr type="l" for="ch" forName="ThreeNodes_1_text" refType="l" refFor="ch" refForName="ThreeNodes_1"/>
+          <dgm:constr type="r" for="ch" forName="ThreeNodes_2_text" refType="l" refFor="ch" refForName="ThreeConn_1-2"/>
+          <dgm:constr type="t" for="ch" forName="ThreeNodes_2_text" refType="t" refFor="ch" refForName="ThreeNodes_2"/>
+          <dgm:constr type="b" for="ch" forName="ThreeNodes_2_text" refType="b" refFor="ch" refForName="ThreeNodes_2"/>
+          <dgm:constr type="l" for="ch" forName="ThreeNodes_2_text" refType="l" refFor="ch" refForName="ThreeNodes_2"/>
+          <dgm:constr type="r" for="ch" forName="ThreeNodes_3_text" refType="l" refFor="ch" refForName="ThreeConn_2-3"/>
+          <dgm:constr type="t" for="ch" forName="ThreeNodes_3_text" refType="t" refFor="ch" refForName="ThreeNodes_3"/>
+          <dgm:constr type="b" for="ch" forName="ThreeNodes_3_text" refType="b" refFor="ch" refForName="ThreeNodes_3"/>
+          <dgm:constr type="l" for="ch" forName="ThreeNodes_3_text" refType="l" refFor="ch" refForName="ThreeNodes_3"/>
+          <dgm:constr type="w" for="ch" forName="FourNodes_1" refType="w" fact="0.8"/>
+          <dgm:constr type="h" for="ch" forName="FourNodes_1" refType="h" fact="0.22"/>
+          <dgm:constr type="t" for="ch" forName="FourNodes_1"/>
+          <dgm:constr type="l" for="ch" forName="FourNodes_1"/>
+          <dgm:constr type="w" for="ch" forName="FourNodes_2" refType="w" fact="0.8"/>
+          <dgm:constr type="h" for="ch" forName="FourNodes_2" refType="h" fact="0.22"/>
+          <dgm:constr type="ctrY" for="ch" forName="FourNodes_2" refType="h" fact="0.37"/>
+          <dgm:constr type="ctrX" for="ch" forName="FourNodes_2" refType="w" fact="0.467"/>
+          <dgm:constr type="w" for="ch" forName="FourNodes_3" refType="w" fact="0.8"/>
+          <dgm:constr type="h" for="ch" forName="FourNodes_3" refType="h" fact="0.22"/>
+          <dgm:constr type="ctrY" for="ch" forName="FourNodes_3" refType="h" fact="0.63"/>
+          <dgm:constr type="ctrX" for="ch" forName="FourNodes_3" refType="w" fact="0.533"/>
+          <dgm:constr type="w" for="ch" forName="FourNodes_4" refType="w" fact="0.8"/>
+          <dgm:constr type="h" for="ch" forName="FourNodes_4" refType="h" fact="0.22"/>
+          <dgm:constr type="b" for="ch" forName="FourNodes_4" refType="h"/>
+          <dgm:constr type="r" for="ch" forName="FourNodes_4" refType="w"/>
+          <dgm:constr type="w" for="ch" forName="FourConn_1-2" refType="h" refFor="ch" refForName="FourNodes_1" fact="0.65"/>
+          <dgm:constr type="h" for="ch" forName="FourConn_1-2" refType="h" refFor="ch" refForName="FourNodes_1" fact="0.65"/>
+          <dgm:constr type="ctrY" for="ch" forName="FourConn_1-2" refType="h" fact="0.24"/>
+          <dgm:constr type="r" for="ch" forName="FourConn_1-2" refType="r" refFor="ch" refForName="FourNodes_1"/>
+          <dgm:constr type="w" for="ch" forName="FourConn_2-3" refType="h" refFor="ch" refForName="FourNodes_2" fact="0.65"/>
+          <dgm:constr type="h" for="ch" forName="FourConn_2-3" refType="h" refFor="ch" refForName="FourNodes_2" fact="0.65"/>
+          <dgm:constr type="ctrY" for="ch" forName="FourConn_2-3" refType="h" fact="0.5"/>
+          <dgm:constr type="r" for="ch" forName="FourConn_2-3" refType="r" refFor="ch" refForName="FourNodes_2"/>
+          <dgm:constr type="w" for="ch" forName="FourConn_3-4" refType="h" refFor="ch" refForName="FourNodes_3" fact="0.65"/>
+          <dgm:constr type="h" for="ch" forName="FourConn_3-4" refType="h" refFor="ch" refForName="FourNodes_3" fact="0.65"/>
+          <dgm:constr type="ctrY" for="ch" forName="FourConn_3-4" refType="h" fact="0.76"/>
+          <dgm:constr type="r" for="ch" forName="FourConn_3-4" refType="r" refFor="ch" refForName="FourNodes_3"/>
+          <dgm:constr type="r" for="ch" forName="FourNodes_1_text" refType="l" refFor="ch" refForName="FourConn_1-2"/>
+          <dgm:constr type="rOff" for="ch" forName="FourNodes_1_text" refType="w" refFor="ch" refForName="FourConn_1-2" fact="-0.7"/>
+          <dgm:constr type="t" for="ch" forName="FourNodes_1_text" refType="t" refFor="ch" refForName="FourNodes_1"/>
+          <dgm:constr type="b" for="ch" forName="FourNodes_1_text" refType="b" refFor="ch" refForName="FourNodes_1"/>
+          <dgm:constr type="l" for="ch" forName="FourNodes_1_text" refType="l" refFor="ch" refForName="FourNodes_1"/>
+          <dgm:constr type="r" for="ch" forName="FourNodes_2_text" refType="l" refFor="ch" refForName="FourConn_1-2"/>
+          <dgm:constr type="t" for="ch" forName="FourNodes_2_text" refType="t" refFor="ch" refForName="FourNodes_2"/>
+          <dgm:constr type="b" for="ch" forName="FourNodes_2_text" refType="b" refFor="ch" refForName="FourNodes_2"/>
+          <dgm:constr type="l" for="ch" forName="FourNodes_2_text" refType="l" refFor="ch" refForName="FourNodes_2"/>
+          <dgm:constr type="r" for="ch" forName="FourNodes_3_text" refType="l" refFor="ch" refForName="FourConn_2-3"/>
+          <dgm:constr type="t" for="ch" forName="FourNodes_3_text" refType="t" refFor="ch" refForName="FourNodes_3"/>
+          <dgm:constr type="b" for="ch" forName="FourNodes_3_text" refType="b" refFor="ch" refForName="FourNodes_3"/>
+          <dgm:constr type="l" for="ch" forName="FourNodes_3_text" refType="l" refFor="ch" refForName="FourNodes_3"/>
+          <dgm:constr type="r" for="ch" forName="FourNodes_4_text" refType="l" refFor="ch" refForName="FourConn_3-4"/>
+          <dgm:constr type="t" for="ch" forName="FourNodes_4_text" refType="t" refFor="ch" refForName="FourNodes_4"/>
+          <dgm:constr type="b" for="ch" forName="FourNodes_4_text" refType="b" refFor="ch" refForName="FourNodes_4"/>
+          <dgm:constr type="l" for="ch" forName="FourNodes_4_text" refType="l" refFor="ch" refForName="FourNodes_4"/>
+          <dgm:constr type="w" for="ch" forName="FiveNodes_1" refType="w" fact="0.77"/>
+          <dgm:constr type="h" for="ch" forName="FiveNodes_1" refType="h" fact="0.18"/>
+          <dgm:constr type="t" for="ch" forName="FiveNodes_1"/>
+          <dgm:constr type="l" for="ch" forName="FiveNodes_1"/>
+          <dgm:constr type="w" for="ch" forName="FiveNodes_2" refType="w" fact="0.77"/>
+          <dgm:constr type="h" for="ch" forName="FiveNodes_2" refType="h" fact="0.18"/>
+          <dgm:constr type="ctrY" for="ch" forName="FiveNodes_2" refType="h" fact="0.295"/>
+          <dgm:constr type="ctrX" for="ch" forName="FiveNodes_2" refType="w" fact="0.4425"/>
+          <dgm:constr type="w" for="ch" forName="FiveNodes_3" refType="w" fact="0.77"/>
+          <dgm:constr type="h" for="ch" forName="FiveNodes_3" refType="h" fact="0.18"/>
+          <dgm:constr type="ctrY" for="ch" forName="FiveNodes_3" refType="h" fact="0.5"/>
+          <dgm:constr type="ctrX" for="ch" forName="FiveNodes_3" refType="w" fact="0.5"/>
+          <dgm:constr type="w" for="ch" forName="FiveNodes_4" refType="w" fact="0.77"/>
+          <dgm:constr type="h" for="ch" forName="FiveNodes_4" refType="h" fact="0.18"/>
+          <dgm:constr type="ctrY" for="ch" forName="FiveNodes_4" refType="h" fact="0.705"/>
+          <dgm:constr type="ctrX" for="ch" forName="FiveNodes_4" refType="w" fact="0.5575"/>
+          <dgm:constr type="w" for="ch" forName="FiveNodes_5" refType="w" fact="0.77"/>
+          <dgm:constr type="h" for="ch" forName="FiveNodes_5" refType="h" fact="0.18"/>
+          <dgm:constr type="b" for="ch" forName="FiveNodes_5" refType="h"/>
+          <dgm:constr type="r" for="ch" forName="FiveNodes_5" refType="w"/>
+          <dgm:constr type="w" for="ch" forName="FiveConn_1-2" refType="h" refFor="ch" refForName="FiveNodes_1" fact="0.65"/>
+          <dgm:constr type="h" for="ch" forName="FiveConn_1-2" refType="h" refFor="ch" refForName="FiveNodes_1" fact="0.65"/>
+          <dgm:constr type="ctrY" for="ch" forName="FiveConn_1-2" refType="h" fact="0.19"/>
+          <dgm:constr type="r" for="ch" forName="FiveConn_1-2" refType="r" refFor="ch" refForName="FiveNodes_1"/>
+          <dgm:constr type="w" for="ch" forName="FiveConn_2-3" refType="h" refFor="ch" refForName="FiveNodes_2" fact="0.65"/>
+          <dgm:constr type="h" for="ch" forName="FiveConn_2-3" refType="h" refFor="ch" refForName="FiveNodes_2" fact="0.65"/>
+          <dgm:constr type="ctrY" for="ch" forName="FiveConn_2-3" refType="h" fact="0.395"/>
+          <dgm:constr type="r" for="ch" forName="FiveConn_2-3" refType="r" refFor="ch" refForName="FiveNodes_2"/>
+          <dgm:constr type="w" for="ch" forName="FiveConn_3-4" refType="h" refFor="ch" refForName="FiveNodes_3" fact="0.65"/>
+          <dgm:constr type="h" for="ch" forName="FiveConn_3-4" refType="h" refFor="ch" refForName="FiveNodes_3" fact="0.65"/>
+          <dgm:constr type="ctrY" for="ch" forName="FiveConn_3-4" refType="h" fact="0.597"/>
+          <dgm:constr type="r" for="ch" forName="FiveConn_3-4" refType="r" refFor="ch" refForName="FiveNodes_3"/>
+          <dgm:constr type="w" for="ch" forName="FiveConn_4-5" refType="h" refFor="ch" refForName="FiveNodes_4" fact="0.65"/>
+          <dgm:constr type="h" for="ch" forName="FiveConn_4-5" refType="h" refFor="ch" refForName="FiveNodes_4" fact="0.65"/>
+          <dgm:constr type="ctrY" for="ch" forName="FiveConn_4-5" refType="h" fact="0.804"/>
+          <dgm:constr type="r" for="ch" forName="FiveConn_4-5" refType="r" refFor="ch" refForName="FiveNodes_4"/>
+          <dgm:constr type="r" for="ch" forName="FiveNodes_1_text" refType="l" refFor="ch" refForName="FiveConn_1-2"/>
+          <dgm:constr type="rOff" for="ch" forName="FiveNodes_1_text" refType="w" refFor="ch" refForName="FiveConn_1-2" fact="-0.75"/>
+          <dgm:constr type="t" for="ch" forName="FiveNodes_1_text" refType="t" refFor="ch" refForName="FiveNodes_1"/>
+          <dgm:constr type="b" for="ch" forName="FiveNodes_1_text" refType="b" refFor="ch" refForName="FiveNodes_1"/>
+          <dgm:constr type="l" for="ch" forName="FiveNodes_1_text" refType="l" refFor="ch" refForName="FiveNodes_1"/>
+          <dgm:constr type="r" for="ch" forName="FiveNodes_2_text" refType="l" refFor="ch" refForName="FiveConn_1-2"/>
+          <dgm:constr type="t" for="ch" forName="FiveNodes_2_text" refType="t" refFor="ch" refForName="FiveNodes_2"/>
+          <dgm:constr type="b" for="ch" forName="FiveNodes_2_text" refType="b" refFor="ch" refForName="FiveNodes_2"/>
+          <dgm:constr type="l" for="ch" forName="FiveNodes_2_text" refType="l" refFor="ch" refForName="FiveNodes_2"/>
+          <dgm:constr type="r" for="ch" forName="FiveNodes_3_text" refType="l" refFor="ch" refForName="FiveConn_2-3"/>
+          <dgm:constr type="t" for="ch" forName="FiveNodes_3_text" refType="t" refFor="ch" refForName="FiveNodes_3"/>
+          <dgm:constr type="b" for="ch" forName="FiveNodes_3_text" refType="b" refFor="ch" refForName="FiveNodes_3"/>
+          <dgm:constr type="l" for="ch" forName="FiveNodes_3_text" refType="l" refFor="ch" refForName="FiveNodes_3"/>
+          <dgm:constr type="r" for="ch" forName="FiveNodes_4_text" refType="l" refFor="ch" refForName="FiveConn_3-4"/>
+          <dgm:constr type="t" for="ch" forName="FiveNodes_4_text" refType="t" refFor="ch" refForName="FiveNodes_4"/>
+          <dgm:constr type="b" for="ch" forName="FiveNodes_4_text" refType="b" refFor="ch" refForName="FiveNodes_4"/>
+          <dgm:constr type="l" for="ch" forName="FiveNodes_4_text" refType="l" refFor="ch" refForName="FiveNodes_4"/>
+          <dgm:constr type="r" for="ch" forName="FiveNodes_5_text" refType="l" refFor="ch" refForName="FiveConn_4-5"/>
+          <dgm:constr type="t" for="ch" forName="FiveNodes_5_text" refType="t" refFor="ch" refForName="FiveNodes_5"/>
+          <dgm:constr type="b" for="ch" forName="FiveNodes_5_text" refType="b" refFor="ch" refForName="FiveNodes_5"/>
+          <dgm:constr type="l" for="ch" forName="FiveNodes_5_text" refType="l" refFor="ch" refForName="FiveNodes_5"/>
+        </dgm:constrLst>
+      </dgm:if>
+      <dgm:else name="Name2">
+        <dgm:constrLst>
+          <dgm:constr type="primFontSz" for="ch" ptType="node" op="equ" val="65"/>
+          <dgm:constr type="w" for="ch" forName="dummyMaxCanvas" refType="w"/>
+          <dgm:constr type="h" for="ch" forName="dummyMaxCanvas" refType="h"/>
+          <dgm:constr type="w" for="ch" forName="OneNode_1" refType="w"/>
+          <dgm:constr type="h" for="ch" forName="OneNode_1" refType="h" fact="0.5"/>
+          <dgm:constr type="ctrY" for="ch" forName="OneNode_1" refType="h" fact="0.5"/>
+          <dgm:constr type="w" for="ch" forName="TwoNodes_1" refType="w" fact="0.85"/>
+          <dgm:constr type="h" for="ch" forName="TwoNodes_1" refType="h" fact="0.45"/>
+          <dgm:constr type="t" for="ch" forName="TwoNodes_1"/>
+          <dgm:constr type="r" for="ch" forName="TwoNodes_1" refType="w"/>
+          <dgm:constr type="w" for="ch" forName="TwoNodes_2" refType="w" fact="0.85"/>
+          <dgm:constr type="h" for="ch" forName="TwoNodes_2" refType="h" fact="0.45"/>
+          <dgm:constr type="b" for="ch" forName="TwoNodes_2" refType="h"/>
+          <dgm:constr type="l" for="ch" forName="TwoNodes_2"/>
+          <dgm:constr type="w" for="ch" forName="TwoConn_1-2" refType="h" refFor="ch" refForName="TwoNodes_1" fact="0.65"/>
+          <dgm:constr type="h" for="ch" forName="TwoConn_1-2" refType="h" refFor="ch" refForName="TwoNodes_1" fact="0.65"/>
+          <dgm:constr type="ctrY" for="ch" forName="TwoConn_1-2" refType="h" fact="0.5"/>
+          <dgm:constr type="l" for="ch" forName="TwoConn_1-2" refType="l" refFor="ch" refForName="TwoNodes_1"/>
+          <dgm:constr type="l" for="ch" forName="TwoNodes_1_text" refType="r" refFor="ch" refForName="TwoConn_1-2"/>
+          <dgm:constr type="lOff" for="ch" forName="TwoNodes_1_text" refType="w" refFor="ch" refForName="TwoConn_1-2" fact="0.5"/>
+          <dgm:constr type="t" for="ch" forName="TwoNodes_1_text" refType="t" refFor="ch" refForName="TwoNodes_1"/>
+          <dgm:constr type="b" for="ch" forName="TwoNodes_1_text" refType="b" refFor="ch" refForName="TwoNodes_1"/>
+          <dgm:constr type="r" for="ch" forName="TwoNodes_1_text" refType="r" refFor="ch" refForName="TwoNodes_1"/>
+          <dgm:constr type="l" for="ch" forName="TwoNodes_2_text" refType="r" refFor="ch" refForName="TwoConn_1-2"/>
+          <dgm:constr type="t" for="ch" forName="TwoNodes_2_text" refType="t" refFor="ch" refForName="TwoNodes_2"/>
+          <dgm:constr type="b" for="ch" forName="TwoNodes_2_text" refType="b" refFor="ch" refForName="TwoNodes_2"/>
+          <dgm:constr type="r" for="ch" forName="TwoNodes_2_text" refType="r" refFor="ch" refForName="TwoNodes_2"/>
+          <dgm:constr type="w" for="ch" forName="ThreeNodes_1" refType="w" fact="0.85"/>
+          <dgm:constr type="h" for="ch" forName="ThreeNodes_1" refType="h" fact="0.3"/>
+          <dgm:constr type="t" for="ch" forName="ThreeNodes_1"/>
+          <dgm:constr type="r" for="ch" forName="ThreeNodes_1" refType="w"/>
+          <dgm:constr type="w" for="ch" forName="ThreeNodes_2" refType="w" fact="0.85"/>
+          <dgm:constr type="h" for="ch" forName="ThreeNodes_2" refType="h" fact="0.3"/>
+          <dgm:constr type="ctrY" for="ch" forName="ThreeNodes_2" refType="h" fact="0.5"/>
+          <dgm:constr type="ctrX" for="ch" forName="ThreeNodes_2" refType="w" fact="0.5"/>
+          <dgm:constr type="w" for="ch" forName="ThreeNodes_3" refType="w" fact="0.85"/>
+          <dgm:constr type="h" for="ch" forName="ThreeNodes_3" refType="h" fact="0.3"/>
+          <dgm:constr type="b" for="ch" forName="ThreeNodes_3" refType="h"/>
+          <dgm:constr type="l" for="ch" forName="ThreeNodes_3"/>
+          <dgm:constr type="w" for="ch" forName="ThreeConn_1-2" refType="h" refFor="ch" refForName="ThreeNodes_1" fact="0.65"/>
+          <dgm:constr type="h" for="ch" forName="ThreeConn_1-2" refType="h" refFor="ch" refForName="ThreeNodes_1" fact="0.65"/>
+          <dgm:constr type="ctrY" for="ch" forName="ThreeConn_1-2" refType="h" fact="0.325"/>
+          <dgm:constr type="l" for="ch" forName="ThreeConn_1-2" refType="l" refFor="ch" refForName="ThreeNodes_1"/>
+          <dgm:constr type="w" for="ch" forName="ThreeConn_2-3" refType="h" refFor="ch" refForName="ThreeNodes_2" fact="0.65"/>
+          <dgm:constr type="h" for="ch" forName="ThreeConn_2-3" refType="h" refFor="ch" refForName="ThreeNodes_2" fact="0.65"/>
+          <dgm:constr type="ctrY" for="ch" forName="ThreeConn_2-3" refType="h" fact="0.673"/>
+          <dgm:constr type="l" for="ch" forName="ThreeConn_2-3" refType="l" refFor="ch" refForName="ThreeNodes_2"/>
+          <dgm:constr type="l" for="ch" forName="ThreeNodes_1_text" refType="r" refFor="ch" refForName="ThreeConn_1-2"/>
+          <dgm:constr type="lOff" for="ch" forName="ThreeNodes_1_text" refType="w" refFor="ch" refForName="ThreeConn_1-2" fact="0.55"/>
+          <dgm:constr type="t" for="ch" forName="ThreeNodes_1_text" refType="t" refFor="ch" refForName="ThreeNodes_1"/>
+          <dgm:constr type="b" for="ch" forName="ThreeNodes_1_text" refType="b" refFor="ch" refForName="ThreeNodes_1"/>
+          <dgm:constr type="r" for="ch" forName="ThreeNodes_1_text" refType="r" refFor="ch" refForName="ThreeNodes_1"/>
+          <dgm:constr type="l" for="ch" forName="ThreeNodes_2_text" refType="r" refFor="ch" refForName="ThreeConn_1-2"/>
+          <dgm:constr type="t" for="ch" forName="ThreeNodes_2_text" refType="t" refFor="ch" refForName="ThreeNodes_2"/>
+          <dgm:constr type="b" for="ch" forName="ThreeNodes_2_text" refType="b" refFor="ch" refForName="ThreeNodes_2"/>
+          <dgm:constr type="r" for="ch" forName="ThreeNodes_2_text" refType="r" refFor="ch" refForName="ThreeNodes_2"/>
+          <dgm:constr type="l" for="ch" forName="ThreeNodes_3_text" refType="r" refFor="ch" refForName="ThreeConn_2-3"/>
+          <dgm:constr type="t" for="ch" forName="ThreeNodes_3_text" refType="t" refFor="ch" refForName="ThreeNodes_3"/>
+          <dgm:constr type="b" for="ch" forName="ThreeNodes_3_text" refType="b" refFor="ch" refForName="ThreeNodes_3"/>
+          <dgm:constr type="r" for="ch" forName="ThreeNodes_3_text" refType="r" refFor="ch" refForName="ThreeNodes_3"/>
+          <dgm:constr type="w" for="ch" forName="FourNodes_1" refType="w" fact="0.8"/>
+          <dgm:constr type="h" for="ch" forName="FourNodes_1" refType="h" fact="0.22"/>
+          <dgm:constr type="t" for="ch" forName="FourNodes_1"/>
+          <dgm:constr type="r" for="ch" forName="FourNodes_1" refType="w"/>
+          <dgm:constr type="w" for="ch" forName="FourNodes_2" refType="w" fact="0.8"/>
+          <dgm:constr type="h" for="ch" forName="FourNodes_2" refType="h" fact="0.22"/>
+          <dgm:constr type="ctrY" for="ch" forName="FourNodes_2" refType="h" fact="0.37"/>
+          <dgm:constr type="ctrX" for="ch" forName="FourNodes_2" refType="w" fact="0.533"/>
+          <dgm:constr type="w" for="ch" forName="FourNodes_3" refType="w" fact="0.8"/>
+          <dgm:constr type="h" for="ch" forName="FourNodes_3" refType="h" fact="0.22"/>
+          <dgm:constr type="ctrY" for="ch" forName="FourNodes_3" refType="h" fact="0.63"/>
+          <dgm:constr type="ctrX" for="ch" forName="FourNodes_3" refType="w" fact="0.467"/>
+          <dgm:constr type="w" for="ch" forName="FourNodes_4" refType="w" fact="0.8"/>
+          <dgm:constr type="h" for="ch" forName="FourNodes_4" refType="h" fact="0.22"/>
+          <dgm:constr type="b" for="ch" forName="FourNodes_4" refType="h"/>
+          <dgm:constr type="l" for="ch" forName="FourNodes_4"/>
+          <dgm:constr type="w" for="ch" forName="FourConn_1-2" refType="h" refFor="ch" refForName="FourNodes_1" fact="0.65"/>
+          <dgm:constr type="h" for="ch" forName="FourConn_1-2" refType="h" refFor="ch" refForName="FourNodes_1" fact="0.65"/>
+          <dgm:constr type="ctrY" for="ch" forName="FourConn_1-2" refType="h" fact="0.24"/>
+          <dgm:constr type="l" for="ch" forName="FourConn_1-2" refType="l" refFor="ch" refForName="FourNodes_1"/>
+          <dgm:constr type="w" for="ch" forName="FourConn_2-3" refType="h" refFor="ch" refForName="FourNodes_2" fact="0.65"/>
+          <dgm:constr type="h" for="ch" forName="FourConn_2-3" refType="h" refFor="ch" refForName="FourNodes_2" fact="0.65"/>
+          <dgm:constr type="ctrY" for="ch" forName="FourConn_2-3" refType="h" fact="0.5"/>
+          <dgm:constr type="l" for="ch" forName="FourConn_2-3" refType="l" refFor="ch" refForName="FourNodes_2"/>
+          <dgm:constr type="w" for="ch" forName="FourConn_3-4" refType="h" refFor="ch" refForName="FourNodes_3" fact="0.65"/>
+          <dgm:constr type="h" for="ch" forName="FourConn_3-4" refType="h" refFor="ch" refForName="FourNodes_3" fact="0.65"/>
+          <dgm:constr type="ctrY" for="ch" forName="FourConn_3-4" refType="h" fact="0.76"/>
+          <dgm:constr type="l" for="ch" forName="FourConn_3-4" refType="l" refFor="ch" refForName="FourNodes_3"/>
+          <dgm:constr type="l" for="ch" forName="FourNodes_1_text" refType="r" refFor="ch" refForName="FourConn_1-2"/>
+          <dgm:constr type="lOff" for="ch" forName="FourNodes_1_text" refType="w" refFor="ch" refForName="FourConn_1-2" fact="0.69"/>
+          <dgm:constr type="t" for="ch" forName="FourNodes_1_text" refType="t" refFor="ch" refForName="FourNodes_1"/>
+          <dgm:constr type="b" for="ch" forName="FourNodes_1_text" refType="b" refFor="ch" refForName="FourNodes_1"/>
+          <dgm:constr type="r" for="ch" forName="FourNodes_1_text" refType="r" refFor="ch" refForName="FourNodes_1"/>
+          <dgm:constr type="l" for="ch" forName="FourNodes_2_text" refType="r" refFor="ch" refForName="FourConn_1-2"/>
+          <dgm:constr type="t" for="ch" forName="FourNodes_2_text" refType="t" refFor="ch" refForName="FourNodes_2"/>
+          <dgm:constr type="b" for="ch" forName="FourNodes_2_text" refType="b" refFor="ch" refForName="FourNodes_2"/>
+          <dgm:constr type="r" for="ch" forName="FourNodes_2_text" refType="r" refFor="ch" refForName="FourNodes_2"/>
+          <dgm:constr type="l" for="ch" forName="FourNodes_3_text" refType="r" refFor="ch" refForName="FourConn_2-3"/>
+          <dgm:constr type="t" for="ch" forName="FourNodes_3_text" refType="t" refFor="ch" refForName="FourNodes_3"/>
+          <dgm:constr type="b" for="ch" forName="FourNodes_3_text" refType="b" refFor="ch" refForName="FourNodes_3"/>
+          <dgm:constr type="r" for="ch" forName="FourNodes_3_text" refType="r" refFor="ch" refForName="FourNodes_3"/>
+          <dgm:constr type="l" for="ch" forName="FourNodes_4_text" refType="r" refFor="ch" refForName="FourConn_3-4"/>
+          <dgm:constr type="t" for="ch" forName="FourNodes_4_text" refType="t" refFor="ch" refForName="FourNodes_4"/>
+          <dgm:constr type="b" for="ch" forName="FourNodes_4_text" refType="b" refFor="ch" refForName="FourNodes_4"/>
+          <dgm:constr type="r" for="ch" forName="FourNodes_4_text" refType="r" refFor="ch" refForName="FourNodes_4"/>
+          <dgm:constr type="w" for="ch" forName="FiveNodes_1" refType="w" fact="0.77"/>
+          <dgm:constr type="h" for="ch" forName="FiveNodes_1" refType="h" fact="0.18"/>
+          <dgm:constr type="t" for="ch" forName="FiveNodes_1"/>
+          <dgm:constr type="r" for="ch" forName="FiveNodes_1" refType="w"/>
+          <dgm:constr type="w" for="ch" forName="FiveNodes_2" refType="w" fact="0.77"/>
+          <dgm:constr type="h" for="ch" forName="FiveNodes_2" refType="h" fact="0.18"/>
+          <dgm:constr type="ctrY" for="ch" forName="FiveNodes_2" refType="h" fact="0.295"/>
+          <dgm:constr type="ctrX" for="ch" forName="FiveNodes_2" refType="w" fact="0.5575"/>
+          <dgm:constr type="w" for="ch" forName="FiveNodes_3" refType="w" fact="0.77"/>
+          <dgm:constr type="h" for="ch" forName="FiveNodes_3" refType="h" fact="0.18"/>
+          <dgm:constr type="ctrY" for="ch" forName="FiveNodes_3" refType="h" fact="0.5"/>
+          <dgm:constr type="ctrX" for="ch" forName="FiveNodes_3" refType="w" fact="0.5"/>
+          <dgm:constr type="w" for="ch" forName="FiveNodes_4" refType="w" fact="0.77"/>
+          <dgm:constr type="h" for="ch" forName="FiveNodes_4" refType="h" fact="0.18"/>
+          <dgm:constr type="ctrY" for="ch" forName="FiveNodes_4" refType="h" fact="0.705"/>
+          <dgm:constr type="ctrX" for="ch" forName="FiveNodes_4" refType="w" fact="0.4425"/>
+          <dgm:constr type="w" for="ch" forName="FiveNodes_5" refType="w" fact="0.77"/>
+          <dgm:constr type="h" for="ch" forName="FiveNodes_5" refType="h" fact="0.18"/>
+          <dgm:constr type="b" for="ch" forName="FiveNodes_5" refType="h"/>
+          <dgm:constr type="l" for="ch" forName="FiveNodes_5"/>
+          <dgm:constr type="w" for="ch" forName="FiveConn_1-2" refType="h" refFor="ch" refForName="FiveNodes_1" fact="0.65"/>
+          <dgm:constr type="h" for="ch" forName="FiveConn_1-2" refType="h" refFor="ch" refForName="FiveNodes_1" fact="0.65"/>
+          <dgm:constr type="ctrY" for="ch" forName="FiveConn_1-2" refType="h" fact="0.19"/>
+          <dgm:constr type="l" for="ch" forName="FiveConn_1-2" refType="l" refFor="ch" refForName="FiveNodes_1"/>
+          <dgm:constr type="w" for="ch" forName="FiveConn_2-3" refType="h" refFor="ch" refForName="FiveNodes_2" fact="0.65"/>
+          <dgm:constr type="h" for="ch" forName="FiveConn_2-3" refType="h" refFor="ch" refForName="FiveNodes_2" fact="0.65"/>
+          <dgm:constr type="ctrY" for="ch" forName="FiveConn_2-3" refType="h" fact="0.395"/>
+          <dgm:constr type="l" for="ch" forName="FiveConn_2-3" refType="l" refFor="ch" refForName="FiveNodes_2"/>
+          <dgm:constr type="w" for="ch" forName="FiveConn_3-4" refType="h" refFor="ch" refForName="FiveNodes_3" fact="0.65"/>
+          <dgm:constr type="h" for="ch" forName="FiveConn_3-4" refType="h" refFor="ch" refForName="FiveNodes_3" fact="0.65"/>
+          <dgm:constr type="ctrY" for="ch" forName="FiveConn_3-4" refType="h" fact="0.597"/>
+          <dgm:constr type="l" for="ch" forName="FiveConn_3-4" refType="l" refFor="ch" refForName="FiveNodes_3"/>
+          <dgm:constr type="w" for="ch" forName="FiveConn_4-5" refType="h" refFor="ch" refForName="FiveNodes_4" fact="0.65"/>
+          <dgm:constr type="h" for="ch" forName="FiveConn_4-5" refType="h" refFor="ch" refForName="FiveNodes_4" fact="0.65"/>
+          <dgm:constr type="ctrY" for="ch" forName="FiveConn_4-5" refType="h" fact="0.804"/>
+          <dgm:constr type="l" for="ch" forName="FiveConn_4-5" refType="l" refFor="ch" refForName="FiveNodes_4"/>
+          <dgm:constr type="l" for="ch" forName="FiveNodes_1_text" refType="r" refFor="ch" refForName="FiveConn_1-2"/>
+          <dgm:constr type="lOff" for="ch" forName="FiveNodes_1_text" refType="w" refFor="ch" refForName="FiveConn_1-2" fact="0.73"/>
+          <dgm:constr type="t" for="ch" forName="FiveNodes_1_text" refType="t" refFor="ch" refForName="FiveNodes_1"/>
+          <dgm:constr type="b" for="ch" forName="FiveNodes_1_text" refType="b" refFor="ch" refForName="FiveNodes_1"/>
+          <dgm:constr type="r" for="ch" forName="FiveNodes_1_text" refType="r" refFor="ch" refForName="FiveNodes_1"/>
+          <dgm:constr type="l" for="ch" forName="FiveNodes_2_text" refType="r" refFor="ch" refForName="FiveConn_1-2"/>
+          <dgm:constr type="t" for="ch" forName="FiveNodes_2_text" refType="t" refFor="ch" refForName="FiveNodes_2"/>
+          <dgm:constr type="b" for="ch" forName="FiveNodes_2_text" refType="b" refFor="ch" refForName="FiveNodes_2"/>
+          <dgm:constr type="r" for="ch" forName="FiveNodes_2_text" refType="r" refFor="ch" refForName="FiveNodes_2"/>
+          <dgm:constr type="l" for="ch" forName="FiveNodes_3_text" refType="r" refFor="ch" refForName="FiveConn_2-3"/>
+          <dgm:constr type="t" for="ch" forName="FiveNodes_3_text" refType="t" refFor="ch" refForName="FiveNodes_3"/>
+          <dgm:constr type="b" for="ch" forName="FiveNodes_3_text" refType="b" refFor="ch" refForName="FiveNodes_3"/>
+          <dgm:constr type="r" for="ch" forName="FiveNodes_3_text" refType="r" refFor="ch" refForName="FiveNodes_3"/>
+          <dgm:constr type="l" for="ch" forName="FiveNodes_4_text" refType="r" refFor="ch" refForName="FiveConn_3-4"/>
+          <dgm:constr type="t" for="ch" forName="FiveNodes_4_text" refType="t" refFor="ch" refForName="FiveNodes_4"/>
+          <dgm:constr type="b" for="ch" forName="FiveNodes_4_text" refType="b" refFor="ch" refForName="FiveNodes_4"/>
+          <dgm:constr type="r" for="ch" forName="FiveNodes_4_text" refType="r" refFor="ch" refForName="FiveNodes_4"/>
+          <dgm:constr type="l" for="ch" forName="FiveNodes_5_text" refType="r" refFor="ch" refForName="FiveConn_4-5"/>
+          <dgm:constr type="t" for="ch" forName="FiveNodes_5_text" refType="t" refFor="ch" refForName="FiveNodes_5"/>
+          <dgm:constr type="b" for="ch" forName="FiveNodes_5_text" refType="b" refFor="ch" refForName="FiveNodes_5"/>
+          <dgm:constr type="r" for="ch" forName="FiveNodes_5_text" refType="r" refFor="ch" refForName="FiveNodes_5"/>
+        </dgm:constrLst>
+      </dgm:else>
+    </dgm:choose>
+    <dgm:ruleLst/>
+    <dgm:layoutNode name="dummyMaxCanvas">
+      <dgm:varLst/>
+      <dgm:alg type="sp"/>
+      <dgm:shape xmlns:r="http://schemas.openxmlformats.org/officeDocument/2006/relationships" r:blip="">
+        <dgm:adjLst/>
+      </dgm:shape>
+      <dgm:presOf/>
+      <dgm:constrLst/>
+      <dgm:ruleLst/>
+    </dgm:layoutNode>
+    <dgm:choose name="Name3">
+      <dgm:if name="Name4" axis="ch" ptType="node" func="cnt" op="equ" val="1">
+        <dgm:layoutNode name="OneNode_1">
+          <dgm:varLst>
+            <dgm:bulletEnabled val="1"/>
+          </dgm:varLst>
+          <dgm:alg type="tx"/>
+          <dgm:shape xmlns:r="http://schemas.openxmlformats.org/officeDocument/2006/relationships" type="roundRect" r:blip="">
+            <dgm:adjLst>
+              <dgm:adj idx="1" val="0.1"/>
+            </dgm:adjLst>
+          </dgm:shape>
+          <dgm:presOf axis="ch desOrSelf" ptType="node node" st="1 1" cnt="1 0"/>
+          <dgm:constrLst>
+            <dgm:constr type="lMarg" refType="primFontSz" fact="0.3"/>
+            <dgm:constr type="rMarg" refType="primFontSz" fact="0.3"/>
+            <dgm:constr type="tMarg" refType="primFontSz" fact="0.3"/>
+            <dgm:constr type="bMarg" refType="primFontSz" fact="0.3"/>
+          </dgm:constrLst>
+          <dgm:ruleLst>
+            <dgm:rule type="primFontSz" val="5" fact="NaN" max="NaN"/>
+          </dgm:ruleLst>
+        </dgm:layoutNode>
+      </dgm:if>
+      <dgm:else name="Name5">
+        <dgm:choose name="Name6">
+          <dgm:if name="Name7" axis="ch" ptType="node" func="cnt" op="equ" val="2">
+            <dgm:layoutNode name="TwoNodes_1">
+              <dgm:varLst>
+                <dgm:bulletEnabled val="1"/>
+              </dgm:varLst>
+              <dgm:alg type="sp"/>
+              <dgm:shape xmlns:r="http://schemas.openxmlformats.org/officeDocument/2006/relationships" type="roundRect" r:blip="">
+                <dgm:adjLst>
+                  <dgm:adj idx="1" val="0.1"/>
+                </dgm:adjLst>
+              </dgm:shape>
+              <dgm:presOf axis="ch desOrSelf" ptType="node node" st="1 1" cnt="1 0"/>
+              <dgm:constrLst/>
+              <dgm:ruleLst/>
+            </dgm:layoutNode>
+            <dgm:layoutNode name="TwoNodes_2">
+              <dgm:varLst>
+                <dgm:bulletEnabled val="1"/>
+              </dgm:varLst>
+              <dgm:alg type="sp"/>
+              <dgm:shape xmlns:r="http://schemas.openxmlformats.org/officeDocument/2006/relationships" type="roundRect" r:blip="">
+                <dgm:adjLst>
+                  <dgm:adj idx="1" val="0.1"/>
+                </dgm:adjLst>
+              </dgm:shape>
+              <dgm:presOf axis="ch desOrSelf" ptType="node node" st="2 1" cnt="1 0"/>
+              <dgm:constrLst/>
+              <dgm:ruleLst/>
+            </dgm:layoutNode>
+            <dgm:layoutNode name="TwoConn_1-2" styleLbl="fgAccFollowNode1">
+              <dgm:varLst>
+                <dgm:bulletEnabled val="1"/>
+              </dgm:varLst>
+              <dgm:alg type="tx"/>
+              <dgm:shape xmlns:r="http://schemas.openxmlformats.org/officeDocument/2006/relationships" type="downArrow" r:blip="">
+                <dgm:adjLst>
+                  <dgm:adj idx="1" val="0.55"/>
+                  <dgm:adj idx="2" val="0.45"/>
+                </dgm:adjLst>
+              </dgm:shape>
+              <dgm:presOf axis="ch" ptType="sibTrans" cnt="1"/>
+              <dgm:constrLst>
+                <dgm:constr type="lMarg" refType="primFontSz" fact="0.1"/>
+                <dgm:constr type="rMarg" refType="primFontSz" fact="0.1"/>
+                <dgm:constr type="tMarg" refType="primFontSz" fact="0.1"/>
+                <dgm:constr type="bMarg" refType="primFontSz" fact="0.1"/>
+              </dgm:constrLst>
+              <dgm:ruleLst>
+                <dgm:rule type="primFontSz" val="5" fact="NaN" max="NaN"/>
+              </dgm:ruleLst>
+            </dgm:layoutNode>
+            <dgm:layoutNode name="TwoNodes_1_text">
+              <dgm:varLst>
+                <dgm:bulletEnabled val="1"/>
+              </dgm:varLst>
+              <dgm:alg type="tx">
+                <dgm:param type="parTxLTRAlign" val="l"/>
+                <dgm:param type="txAnchorVertCh" val="mid"/>
+              </dgm:alg>
+              <dgm:shape xmlns:r="http://schemas.openxmlformats.org/officeDocument/2006/relationships" type="roundRect" r:blip="" hideGeom="1">
+                <dgm:adjLst>
+                  <dgm:adj idx="1" val="0.1"/>
+                </dgm:adjLst>
+              </dgm:shape>
+              <dgm:presOf axis="ch desOrSelf" ptType="node node" st="1 1" cnt="1 0"/>
+              <dgm:constrLst>
+                <dgm:constr type="lMarg" refType="primFontSz" fact="0.3"/>
+                <dgm:constr type="rMarg" refType="primFontSz" fact="0.3"/>
+                <dgm:constr type="tMarg" refType="primFontSz" fact="0.3"/>
+                <dgm:constr type="bMarg" refType="primFontSz" fact="0.3"/>
+              </dgm:constrLst>
+              <dgm:ruleLst>
+                <dgm:rule type="primFontSz" val="5" fact="NaN" max="NaN"/>
+              </dgm:ruleLst>
+            </dgm:layoutNode>
+            <dgm:layoutNode name="TwoNodes_2_text">
+              <dgm:varLst>
+                <dgm:bulletEnabled val="1"/>
+              </dgm:varLst>
+              <dgm:alg type="tx">
+                <dgm:param type="parTxLTRAlign" val="l"/>
+                <dgm:param type="txAnchorVertCh" val="mid"/>
+              </dgm:alg>
+              <dgm:shape xmlns:r="http://schemas.openxmlformats.org/officeDocument/2006/relationships" type="roundRect" r:blip="" hideGeom="1">
+                <dgm:adjLst>
+                  <dgm:adj idx="1" val="0.1"/>
+                </dgm:adjLst>
+              </dgm:shape>
+              <dgm:presOf axis="ch desOrSelf" ptType="node node" st="2 1" cnt="1 0"/>
+              <dgm:constrLst>
+                <dgm:constr type="lMarg" refType="primFontSz" fact="0.3"/>
+                <dgm:constr type="rMarg" refType="primFontSz" fact="0.3"/>
+                <dgm:constr type="tMarg" refType="primFontSz" fact="0.3"/>
+                <dgm:constr type="bMarg" refType="primFontSz" fact="0.3"/>
+              </dgm:constrLst>
+              <dgm:ruleLst>
+                <dgm:rule type="primFontSz" val="5" fact="NaN" max="NaN"/>
+              </dgm:ruleLst>
+            </dgm:layoutNode>
+          </dgm:if>
+          <dgm:else name="Name8">
+            <dgm:choose name="Name9">
+              <dgm:if name="Name10" axis="ch" ptType="node" func="cnt" op="equ" val="3">
+                <dgm:layoutNode name="ThreeNodes_1">
+                  <dgm:varLst>
+                    <dgm:bulletEnabled val="1"/>
+                  </dgm:varLst>
+                  <dgm:alg type="sp"/>
+                  <dgm:shape xmlns:r="http://schemas.openxmlformats.org/officeDocument/2006/relationships" type="roundRect" r:blip="">
+                    <dgm:adjLst>
+                      <dgm:adj idx="1" val="0.1"/>
+                    </dgm:adjLst>
+                  </dgm:shape>
+                  <dgm:presOf axis="ch desOrSelf" ptType="node node" st="1 1" cnt="1 0"/>
+                  <dgm:constrLst/>
+                  <dgm:ruleLst/>
+                </dgm:layoutNode>
+                <dgm:layoutNode name="ThreeNodes_2">
+                  <dgm:varLst>
+                    <dgm:bulletEnabled val="1"/>
+                  </dgm:varLst>
+                  <dgm:alg type="sp"/>
+                  <dgm:shape xmlns:r="http://schemas.openxmlformats.org/officeDocument/2006/relationships" type="roundRect" r:blip="">
+                    <dgm:adjLst>
+                      <dgm:adj idx="1" val="0.1"/>
+                    </dgm:adjLst>
+                  </dgm:shape>
+                  <dgm:presOf axis="ch desOrSelf" ptType="node node" st="2 1" cnt="1 0"/>
+                  <dgm:constrLst/>
+                  <dgm:ruleLst/>
+                </dgm:layoutNode>
+                <dgm:layoutNode name="ThreeNodes_3">
+                  <dgm:varLst>
+                    <dgm:bulletEnabled val="1"/>
+                  </dgm:varLst>
+                  <dgm:alg type="sp"/>
+                  <dgm:shape xmlns:r="http://schemas.openxmlformats.org/officeDocument/2006/relationships" type="roundRect" r:blip="">
+                    <dgm:adjLst>
+                      <dgm:adj idx="1" val="0.1"/>
+                    </dgm:adjLst>
+                  </dgm:shape>
+                  <dgm:presOf axis="ch desOrSelf" ptType="node node" st="3 1" cnt="1 0"/>
+                  <dgm:constrLst/>
+                  <dgm:ruleLst/>
+                </dgm:layoutNode>
+                <dgm:layoutNode name="ThreeConn_1-2" styleLbl="fgAccFollowNode1">
+                  <dgm:varLst>
+                    <dgm:bulletEnabled val="1"/>
+                  </dgm:varLst>
+                  <dgm:alg type="tx"/>
+                  <dgm:shape xmlns:r="http://schemas.openxmlformats.org/officeDocument/2006/relationships" type="downArrow" r:blip="">
+                    <dgm:adjLst>
+                      <dgm:adj idx="1" val="0.55"/>
+                      <dgm:adj idx="2" val="0.45"/>
+                    </dgm:adjLst>
+                  </dgm:shape>
+                  <dgm:presOf axis="ch" ptType="sibTrans" cnt="1"/>
+                  <dgm:constrLst>
+                    <dgm:constr type="lMarg" refType="primFontSz" fact="0.1"/>
+                    <dgm:constr type="rMarg" refType="primFontSz" fact="0.1"/>
+                    <dgm:constr type="tMarg" refType="primFontSz" fact="0.1"/>
+                    <dgm:constr type="bMarg" refType="primFontSz" fact="0.1"/>
+                  </dgm:constrLst>
+                  <dgm:ruleLst>
+                    <dgm:rule type="primFontSz" val="5" fact="NaN" max="NaN"/>
+                  </dgm:ruleLst>
+                </dgm:layoutNode>
+                <dgm:layoutNode name="ThreeConn_2-3" styleLbl="fgAccFollowNode1">
+                  <dgm:varLst>
+                    <dgm:bulletEnabled val="1"/>
+                  </dgm:varLst>
+                  <dgm:alg type="tx"/>
+                  <dgm:shape xmlns:r="http://schemas.openxmlformats.org/officeDocument/2006/relationships" type="downArrow" r:blip="">
+                    <dgm:adjLst>
+                      <dgm:adj idx="1" val="0.55"/>
+                      <dgm:adj idx="2" val="0.45"/>
+                    </dgm:adjLst>
+                  </dgm:shape>
+                  <dgm:presOf axis="ch" ptType="sibTrans" st="2" cnt="1"/>
+                  <dgm:constrLst>
+                    <dgm:constr type="lMarg" refType="primFontSz" fact="0.1"/>
+                    <dgm:constr type="rMarg" refType="primFontSz" fact="0.1"/>
+                    <dgm:constr type="tMarg" refType="primFontSz" fact="0.1"/>
+                    <dgm:constr type="bMarg" refType="primFontSz" fact="0.1"/>
+                  </dgm:constrLst>
+                  <dgm:ruleLst>
+                    <dgm:rule type="primFontSz" val="5" fact="NaN" max="NaN"/>
+                  </dgm:ruleLst>
+                </dgm:layoutNode>
+                <dgm:layoutNode name="ThreeNodes_1_text">
+                  <dgm:varLst>
+                    <dgm:bulletEnabled val="1"/>
+                  </dgm:varLst>
+                  <dgm:alg type="tx">
+                    <dgm:param type="parTxLTRAlign" val="l"/>
+                    <dgm:param type="txAnchorVertCh" val="mid"/>
+                  </dgm:alg>
+                  <dgm:shape xmlns:r="http://schemas.openxmlformats.org/officeDocument/2006/relationships" type="roundRect" r:blip="" hideGeom="1">
+                    <dgm:adjLst>
+                      <dgm:adj idx="1" val="0.1"/>
+                    </dgm:adjLst>
+                  </dgm:shape>
+                  <dgm:presOf axis="ch desOrSelf" ptType="node node" st="1 1" cnt="1 0"/>
+                  <dgm:constrLst>
+                    <dgm:constr type="lMarg" refType="primFontSz" fact="0.3"/>
+                    <dgm:constr type="rMarg" refType="primFontSz" fact="0.3"/>
+                    <dgm:constr type="tMarg" refType="primFontSz" fact="0.3"/>
+                    <dgm:constr type="bMarg" refType="primFontSz" fact="0.3"/>
+                  </dgm:constrLst>
+                  <dgm:ruleLst>
+                    <dgm:rule type="primFontSz" val="5" fact="NaN" max="NaN"/>
+                  </dgm:ruleLst>
+                </dgm:layoutNode>
+                <dgm:layoutNode name="ThreeNodes_2_text">
+                  <dgm:varLst>
+                    <dgm:bulletEnabled val="1"/>
+                  </dgm:varLst>
+                  <dgm:alg type="tx">
+                    <dgm:param type="parTxLTRAlign" val="l"/>
+                    <dgm:param type="txAnchorVertCh" val="mid"/>
+                  </dgm:alg>
+                  <dgm:shape xmlns:r="http://schemas.openxmlformats.org/officeDocument/2006/relationships" type="roundRect" r:blip="" hideGeom="1">
+                    <dgm:adjLst>
+                      <dgm:adj idx="1" val="0.1"/>
+                    </dgm:adjLst>
+                  </dgm:shape>
+                  <dgm:presOf axis="ch desOrSelf" ptType="node node" st="2 1" cnt="1 0"/>
+                  <dgm:constrLst>
+                    <dgm:constr type="lMarg" refType="primFontSz" fact="0.3"/>
+                    <dgm:constr type="rMarg" refType="primFontSz" fact="0.3"/>
+                    <dgm:constr type="tMarg" refType="primFontSz" fact="0.3"/>
+                    <dgm:constr type="bMarg" refType="primFontSz" fact="0.3"/>
+                  </dgm:constrLst>
+                  <dgm:ruleLst>
+                    <dgm:rule type="primFontSz" val="5" fact="NaN" max="NaN"/>
+                  </dgm:ruleLst>
+                </dgm:layoutNode>
+                <dgm:layoutNode name="ThreeNodes_3_text">
+                  <dgm:varLst>
+                    <dgm:bulletEnabled val="1"/>
+                  </dgm:varLst>
+                  <dgm:alg type="tx">
+                    <dgm:param type="parTxLTRAlign" val="l"/>
+                    <dgm:param type="txAnchorVertCh" val="mid"/>
+                  </dgm:alg>
+                  <dgm:shape xmlns:r="http://schemas.openxmlformats.org/officeDocument/2006/relationships" type="roundRect" r:blip="" hideGeom="1">
+                    <dgm:adjLst>
+                      <dgm:adj idx="1" val="0.1"/>
+                    </dgm:adjLst>
+                  </dgm:shape>
+                  <dgm:presOf axis="ch desOrSelf" ptType="node node" st="3 1" cnt="1 0"/>
+                  <dgm:constrLst>
+                    <dgm:constr type="lMarg" refType="primFontSz" fact="0.3"/>
+                    <dgm:constr type="rMarg" refType="primFontSz" fact="0.3"/>
+                    <dgm:constr type="tMarg" refType="primFontSz" fact="0.3"/>
+                    <dgm:constr type="bMarg" refType="primFontSz" fact="0.3"/>
+                  </dgm:constrLst>
+                  <dgm:ruleLst>
+                    <dgm:rule type="primFontSz" val="5" fact="NaN" max="NaN"/>
+                  </dgm:ruleLst>
+                </dgm:layoutNode>
+              </dgm:if>
+              <dgm:else name="Name11">
+                <dgm:choose name="Name12">
+                  <dgm:if name="Name13" axis="ch" ptType="node" func="cnt" op="equ" val="4">
+                    <dgm:layoutNode name="FourNodes_1">
+                      <dgm:varLst>
+                        <dgm:bulletEnabled val="1"/>
+                      </dgm:varLst>
+                      <dgm:alg type="sp"/>
+                      <dgm:shape xmlns:r="http://schemas.openxmlformats.org/officeDocument/2006/relationships" type="roundRect" r:blip="">
+                        <dgm:adjLst>
+                          <dgm:adj idx="1" val="0.1"/>
+                        </dgm:adjLst>
+                      </dgm:shape>
+                      <dgm:presOf axis="ch desOrSelf" ptType="node node" st="1 1" cnt="1 0"/>
+                      <dgm:constrLst/>
+                      <dgm:ruleLst/>
+                    </dgm:layoutNode>
+                    <dgm:layoutNode name="FourNodes_2">
+                      <dgm:varLst>
+                        <dgm:bulletEnabled val="1"/>
+                      </dgm:varLst>
+                      <dgm:alg type="sp"/>
+                      <dgm:shape xmlns:r="http://schemas.openxmlformats.org/officeDocument/2006/relationships" type="roundRect" r:blip="">
+                        <dgm:adjLst>
+                          <dgm:adj idx="1" val="0.1"/>
+                        </dgm:adjLst>
+                      </dgm:shape>
+                      <dgm:presOf axis="ch desOrSelf" ptType="node node" st="2 1" cnt="1 0"/>
+                      <dgm:constrLst/>
+                      <dgm:ruleLst/>
+                    </dgm:layoutNode>
+                    <dgm:layoutNode name="FourNodes_3">
+                      <dgm:varLst>
+                        <dgm:bulletEnabled val="1"/>
+                      </dgm:varLst>
+                      <dgm:alg type="sp"/>
+                      <dgm:shape xmlns:r="http://schemas.openxmlformats.org/officeDocument/2006/relationships" type="roundRect" r:blip="">
+                        <dgm:adjLst>
+                          <dgm:adj idx="1" val="0.1"/>
+                        </dgm:adjLst>
+                      </dgm:shape>
+                      <dgm:presOf axis="ch desOrSelf" ptType="node node" st="3 1" cnt="1 0"/>
+                      <dgm:constrLst/>
+                      <dgm:ruleLst/>
+                    </dgm:layoutNode>
+                    <dgm:layoutNode name="FourNodes_4">
+                      <dgm:varLst>
+                        <dgm:bulletEnabled val="1"/>
+                      </dgm:varLst>
+                      <dgm:alg type="sp"/>
+                      <dgm:shape xmlns:r="http://schemas.openxmlformats.org/officeDocument/2006/relationships" type="roundRect" r:blip="">
+                        <dgm:adjLst>
+                          <dgm:adj idx="1" val="0.1"/>
+                        </dgm:adjLst>
+                      </dgm:shape>
+                      <dgm:presOf axis="ch desOrSelf" ptType="node node" st="4 1" cnt="1 0"/>
+                      <dgm:constrLst/>
+                      <dgm:ruleLst/>
+                    </dgm:layoutNode>
+                    <dgm:layoutNode name="FourConn_1-2" styleLbl="fgAccFollowNode1">
+                      <dgm:varLst>
+                        <dgm:bulletEnabled val="1"/>
+                      </dgm:varLst>
+                      <dgm:alg type="tx"/>
+                      <dgm:shape xmlns:r="http://schemas.openxmlformats.org/officeDocument/2006/relationships" type="downArrow" r:blip="">
+                        <dgm:adjLst>
+                          <dgm:adj idx="1" val="0.55"/>
+                          <dgm:adj idx="2" val="0.45"/>
+                        </dgm:adjLst>
+                      </dgm:shape>
+                      <dgm:presOf axis="ch" ptType="sibTrans" cnt="1"/>
+                      <dgm:constrLst>
+                        <dgm:constr type="lMarg" refType="primFontSz" fact="0.1"/>
+                        <dgm:constr type="rMarg" refType="primFontSz" fact="0.1"/>
+                        <dgm:constr type="tMarg" refType="primFontSz" fact="0.1"/>
+                        <dgm:constr type="bMarg" refType="primFontSz" fact="0.1"/>
+                      </dgm:constrLst>
+                      <dgm:ruleLst>
+                        <dgm:rule type="primFontSz" val="5" fact="NaN" max="NaN"/>
+                      </dgm:ruleLst>
+                    </dgm:layoutNode>
+                    <dgm:layoutNode name="FourConn_2-3" styleLbl="fgAccFollowNode1">
+                      <dgm:varLst>
+                        <dgm:bulletEnabled val="1"/>
+                      </dgm:varLst>
+                      <dgm:alg type="tx"/>
+                      <dgm:shape xmlns:r="http://schemas.openxmlformats.org/officeDocument/2006/relationships" type="downArrow" r:blip="">
+                        <dgm:adjLst>
+                          <dgm:adj idx="1" val="0.55"/>
+                          <dgm:adj idx="2" val="0.45"/>
+                        </dgm:adjLst>
+                      </dgm:shape>
+                      <dgm:presOf axis="ch" ptType="sibTrans" st="2" cnt="1"/>
+                      <dgm:constrLst>
+                        <dgm:constr type="lMarg" refType="primFontSz" fact="0.1"/>
+                        <dgm:constr type="rMarg" refType="primFontSz" fact="0.1"/>
+                        <dgm:constr type="tMarg" refType="primFontSz" fact="0.1"/>
+                        <dgm:constr type="bMarg" refType="primFontSz" fact="0.1"/>
+                      </dgm:constrLst>
+                      <dgm:ruleLst>
+                        <dgm:rule type="primFontSz" val="5" fact="NaN" max="NaN"/>
+                      </dgm:ruleLst>
+                    </dgm:layoutNode>
+                    <dgm:layoutNode name="FourConn_3-4" styleLbl="fgAccFollowNode1">
+                      <dgm:varLst>
+                        <dgm:bulletEnabled val="1"/>
+                      </dgm:varLst>
+                      <dgm:alg type="tx"/>
+                      <dgm:shape xmlns:r="http://schemas.openxmlformats.org/officeDocument/2006/relationships" type="downArrow" r:blip="">
+                        <dgm:adjLst>
+                          <dgm:adj idx="1" val="0.55"/>
+                          <dgm:adj idx="2" val="0.45"/>
+                        </dgm:adjLst>
+                      </dgm:shape>
+                      <dgm:presOf axis="ch" ptType="sibTrans" st="3" cnt="1"/>
+                      <dgm:constrLst>
+                        <dgm:constr type="lMarg" refType="primFontSz" fact="0.1"/>
+                        <dgm:constr type="rMarg" refType="primFontSz" fact="0.1"/>
+                        <dgm:constr type="tMarg" refType="primFontSz" fact="0.1"/>
+                        <dgm:constr type="bMarg" refType="primFontSz" fact="0.1"/>
+                      </dgm:constrLst>
+                      <dgm:ruleLst>
+                        <dgm:rule type="primFontSz" val="5" fact="NaN" max="NaN"/>
+                      </dgm:ruleLst>
+                    </dgm:layoutNode>
+                    <dgm:layoutNode name="FourNodes_1_text">
+                      <dgm:varLst>
+                        <dgm:bulletEnabled val="1"/>
+                      </dgm:varLst>
+                      <dgm:alg type="tx">
+                        <dgm:param type="parTxLTRAlign" val="l"/>
+                        <dgm:param type="txAnchorVertCh" val="mid"/>
+                      </dgm:alg>
+                      <dgm:shape xmlns:r="http://schemas.openxmlformats.org/officeDocument/2006/relationships" type="roundRect" r:blip="" hideGeom="1">
+                        <dgm:adjLst>
+                          <dgm:adj idx="1" val="0.1"/>
+                        </dgm:adjLst>
+                      </dgm:shape>
+                      <dgm:presOf axis="ch desOrSelf" ptType="node node" st="1 1" cnt="1 0"/>
+                      <dgm:constrLst>
+                        <dgm:constr type="lMarg" refType="primFontSz" fact="0.3"/>
+                        <dgm:constr type="rMarg" refType="primFontSz" fact="0.3"/>
+                        <dgm:constr type="tMarg" refType="primFontSz" fact="0.3"/>
+                        <dgm:constr type="bMarg" refType="primFontSz" fact="0.3"/>
+                      </dgm:constrLst>
+                      <dgm:ruleLst>
+                        <dgm:rule type="primFontSz" val="5" fact="NaN" max="NaN"/>
+                      </dgm:ruleLst>
+                    </dgm:layoutNode>
+                    <dgm:layoutNode name="FourNodes_2_text">
+                      <dgm:varLst>
+                        <dgm:bulletEnabled val="1"/>
+                      </dgm:varLst>
+                      <dgm:alg type="tx">
+                        <dgm:param type="parTxLTRAlign" val="l"/>
+                        <dgm:param type="txAnchorVertCh" val="mid"/>
+                      </dgm:alg>
+                      <dgm:shape xmlns:r="http://schemas.openxmlformats.org/officeDocument/2006/relationships" type="roundRect" r:blip="" hideGeom="1">
+                        <dgm:adjLst>
+                          <dgm:adj idx="1" val="0.1"/>
+                        </dgm:adjLst>
+                      </dgm:shape>
+                      <dgm:presOf axis="ch desOrSelf" ptType="node node" st="2 1" cnt="1 0"/>
+                      <dgm:constrLst>
+                        <dgm:constr type="lMarg" refType="primFontSz" fact="0.3"/>
+                        <dgm:constr type="rMarg" refType="primFontSz" fact="0.3"/>
+                        <dgm:constr type="tMarg" refType="primFontSz" fact="0.3"/>
+                        <dgm:constr type="bMarg" refType="primFontSz" fact="0.3"/>
+                      </dgm:constrLst>
+                      <dgm:ruleLst>
+                        <dgm:rule type="primFontSz" val="5" fact="NaN" max="NaN"/>
+                      </dgm:ruleLst>
+                    </dgm:layoutNode>
+                    <dgm:layoutNode name="FourNodes_3_text">
+                      <dgm:varLst>
+                        <dgm:bulletEnabled val="1"/>
+                      </dgm:varLst>
+                      <dgm:alg type="tx">
+                        <dgm:param type="parTxLTRAlign" val="l"/>
+                        <dgm:param type="txAnchorVertCh" val="mid"/>
+                      </dgm:alg>
+                      <dgm:shape xmlns:r="http://schemas.openxmlformats.org/officeDocument/2006/relationships" type="roundRect" r:blip="" hideGeom="1">
+                        <dgm:adjLst>
+                          <dgm:adj idx="1" val="0.1"/>
+                        </dgm:adjLst>
+                      </dgm:shape>
+                      <dgm:presOf axis="ch desOrSelf" ptType="node node" st="3 1" cnt="1 0"/>
+                      <dgm:constrLst>
+                        <dgm:constr type="lMarg" refType="primFontSz" fact="0.3"/>
+                        <dgm:constr type="rMarg" refType="primFontSz" fact="0.3"/>
+                        <dgm:constr type="tMarg" refType="primFontSz" fact="0.3"/>
+                        <dgm:constr type="bMarg" refType="primFontSz" fact="0.3"/>
+                      </dgm:constrLst>
+                      <dgm:ruleLst>
+                        <dgm:rule type="primFontSz" val="5" fact="NaN" max="NaN"/>
+                      </dgm:ruleLst>
+                    </dgm:layoutNode>
+                    <dgm:layoutNode name="FourNodes_4_text">
+                      <dgm:varLst>
+                        <dgm:bulletEnabled val="1"/>
+                      </dgm:varLst>
+                      <dgm:alg type="tx">
+                        <dgm:param type="parTxLTRAlign" val="l"/>
+                        <dgm:param type="txAnchorVertCh" val="mid"/>
+                      </dgm:alg>
+                      <dgm:shape xmlns:r="http://schemas.openxmlformats.org/officeDocument/2006/relationships" type="roundRect" r:blip="" hideGeom="1">
+                        <dgm:adjLst>
+                          <dgm:adj idx="1" val="0.1"/>
+                        </dgm:adjLst>
+                      </dgm:shape>
+                      <dgm:presOf axis="ch desOrSelf" ptType="node node" st="4 1" cnt="1 0"/>
+                      <dgm:constrLst>
+                        <dgm:constr type="lMarg" refType="primFontSz" fact="0.3"/>
+                        <dgm:constr type="rMarg" refType="primFontSz" fact="0.3"/>
+                        <dgm:constr type="tMarg" refType="primFontSz" fact="0.3"/>
+                        <dgm:constr type="bMarg" refType="primFontSz" fact="0.3"/>
+                      </dgm:constrLst>
+                      <dgm:ruleLst>
+                        <dgm:rule type="primFontSz" val="5" fact="NaN" max="NaN"/>
+                      </dgm:ruleLst>
+                    </dgm:layoutNode>
+                  </dgm:if>
+                  <dgm:else name="Name14">
+                    <dgm:choose name="Name15">
+                      <dgm:if name="Name16" axis="ch" ptType="node" func="cnt" op="gte" val="5">
+                        <dgm:layoutNode name="FiveNodes_1">
+                          <dgm:varLst>
+                            <dgm:bulletEnabled val="1"/>
+                          </dgm:varLst>
+                          <dgm:alg type="sp"/>
+                          <dgm:shape xmlns:r="http://schemas.openxmlformats.org/officeDocument/2006/relationships" type="roundRect" r:blip="">
+                            <dgm:adjLst>
+                              <dgm:adj idx="1" val="0.1"/>
+                            </dgm:adjLst>
+                          </dgm:shape>
+                          <dgm:presOf axis="ch desOrSelf" ptType="node node" st="1 1" cnt="1 0"/>
+                          <dgm:constrLst/>
+                          <dgm:ruleLst/>
+                        </dgm:layoutNode>
+                        <dgm:layoutNode name="FiveNodes_2">
+                          <dgm:varLst>
+                            <dgm:bulletEnabled val="1"/>
+                          </dgm:varLst>
+                          <dgm:alg type="sp"/>
+                          <dgm:shape xmlns:r="http://schemas.openxmlformats.org/officeDocument/2006/relationships" type="roundRect" r:blip="">
+                            <dgm:adjLst>
+                              <dgm:adj idx="1" val="0.1"/>
+                            </dgm:adjLst>
+                          </dgm:shape>
+                          <dgm:presOf axis="ch desOrSelf" ptType="node node" st="2 1" cnt="1 0"/>
+                          <dgm:constrLst/>
+                          <dgm:ruleLst/>
+                        </dgm:layoutNode>
+                        <dgm:layoutNode name="FiveNodes_3">
+                          <dgm:varLst>
+                            <dgm:bulletEnabled val="1"/>
+                          </dgm:varLst>
+                          <dgm:alg type="sp"/>
+                          <dgm:shape xmlns:r="http://schemas.openxmlformats.org/officeDocument/2006/relationships" type="roundRect" r:blip="">
+                            <dgm:adjLst>
+                              <dgm:adj idx="1" val="0.1"/>
+                            </dgm:adjLst>
+                          </dgm:shape>
+                          <dgm:presOf axis="ch desOrSelf" ptType="node node" st="3 1" cnt="1 0"/>
+                          <dgm:constrLst/>
+                          <dgm:ruleLst/>
+                        </dgm:layoutNode>
+                        <dgm:layoutNode name="FiveNodes_4">
+                          <dgm:varLst>
+                            <dgm:bulletEnabled val="1"/>
+                          </dgm:varLst>
+                          <dgm:alg type="sp"/>
+                          <dgm:shape xmlns:r="http://schemas.openxmlformats.org/officeDocument/2006/relationships" type="roundRect" r:blip="">
+                            <dgm:adjLst>
+                              <dgm:adj idx="1" val="0.1"/>
+                            </dgm:adjLst>
+                          </dgm:shape>
+                          <dgm:presOf axis="ch desOrSelf" ptType="node node" st="4 1" cnt="1 0"/>
+                          <dgm:constrLst/>
+                          <dgm:ruleLst/>
+                        </dgm:layoutNode>
+                        <dgm:layoutNode name="FiveNodes_5">
+                          <dgm:varLst>
+                            <dgm:bulletEnabled val="1"/>
+                          </dgm:varLst>
+                          <dgm:alg type="sp"/>
+                          <dgm:shape xmlns:r="http://schemas.openxmlformats.org/officeDocument/2006/relationships" type="roundRect" r:blip="">
+                            <dgm:adjLst>
+                              <dgm:adj idx="1" val="0.1"/>
+                            </dgm:adjLst>
+                          </dgm:shape>
+                          <dgm:presOf axis="ch desOrSelf" ptType="node node" st="5 1" cnt="1 0"/>
+                          <dgm:constrLst/>
+                          <dgm:ruleLst/>
+                        </dgm:layoutNode>
+                        <dgm:layoutNode name="FiveConn_1-2" styleLbl="fgAccFollowNode1">
+                          <dgm:varLst>
+                            <dgm:bulletEnabled val="1"/>
+                          </dgm:varLst>
+                          <dgm:alg type="tx"/>
+                          <dgm:shape xmlns:r="http://schemas.openxmlformats.org/officeDocument/2006/relationships" type="downArrow" r:blip="">
+                            <dgm:adjLst>
+                              <dgm:adj idx="1" val="0.55"/>
+                              <dgm:adj idx="2" val="0.45"/>
+                            </dgm:adjLst>
+                          </dgm:shape>
+                          <dgm:presOf axis="ch" ptType="sibTrans" cnt="1"/>
+                          <dgm:constrLst>
+                            <dgm:constr type="lMarg" refType="primFontSz" fact="0.1"/>
+                            <dgm:constr type="rMarg" refType="primFontSz" fact="0.1"/>
+                            <dgm:constr type="tMarg" refType="primFontSz" fact="0.1"/>
+                            <dgm:constr type="bMarg" refType="primFontSz" fact="0.1"/>
+                          </dgm:constrLst>
+                          <dgm:ruleLst>
+                            <dgm:rule type="primFontSz" val="5" fact="NaN" max="NaN"/>
+                          </dgm:ruleLst>
+                        </dgm:layoutNode>
+                        <dgm:layoutNode name="FiveConn_2-3" styleLbl="fgAccFollowNode1">
+                          <dgm:varLst>
+                            <dgm:bulletEnabled val="1"/>
+                          </dgm:varLst>
+                          <dgm:alg type="tx"/>
+                          <dgm:shape xmlns:r="http://schemas.openxmlformats.org/officeDocument/2006/relationships" type="downArrow" r:blip="">
+                            <dgm:adjLst>
+                              <dgm:adj idx="1" val="0.55"/>
+                              <dgm:adj idx="2" val="0.45"/>
+                            </dgm:adjLst>
+                          </dgm:shape>
+                          <dgm:presOf axis="ch" ptType="sibTrans" st="2" cnt="1"/>
+                          <dgm:constrLst>
+                            <dgm:constr type="lMarg" refType="primFontSz" fact="0.1"/>
+                            <dgm:constr type="rMarg" refType="primFontSz" fact="0.1"/>
+                            <dgm:constr type="tMarg" refType="primFontSz" fact="0.1"/>
+                            <dgm:constr type="bMarg" refType="primFontSz" fact="0.1"/>
+                          </dgm:constrLst>
+                          <dgm:ruleLst>
+                            <dgm:rule type="primFontSz" val="5" fact="NaN" max="NaN"/>
+                          </dgm:ruleLst>
+                        </dgm:layoutNode>
+                        <dgm:layoutNode name="FiveConn_3-4" styleLbl="fgAccFollowNode1">
+                          <dgm:varLst>
+                            <dgm:bulletEnabled val="1"/>
+                          </dgm:varLst>
+                          <dgm:alg type="tx"/>
+                          <dgm:shape xmlns:r="http://schemas.openxmlformats.org/officeDocument/2006/relationships" type="downArrow" r:blip="">
+                            <dgm:adjLst>
+                              <dgm:adj idx="1" val="0.55"/>
+                              <dgm:adj idx="2" val="0.45"/>
+                            </dgm:adjLst>
+                          </dgm:shape>
+                          <dgm:presOf axis="ch" ptType="sibTrans" st="3" cnt="1"/>
+                          <dgm:constrLst>
+                            <dgm:constr type="lMarg" refType="primFontSz" fact="0.1"/>
+                            <dgm:constr type="rMarg" refType="primFontSz" fact="0.1"/>
+                            <dgm:constr type="tMarg" refType="primFontSz" fact="0.1"/>
+                            <dgm:constr type="bMarg" refType="primFontSz" fact="0.1"/>
+                          </dgm:constrLst>
+                          <dgm:ruleLst>
+                            <dgm:rule type="primFontSz" val="5" fact="NaN" max="NaN"/>
+                          </dgm:ruleLst>
+                        </dgm:layoutNode>
+                        <dgm:layoutNode name="FiveConn_4-5" styleLbl="fgAccFollowNode1">
+                          <dgm:varLst>
+                            <dgm:bulletEnabled val="1"/>
+                          </dgm:varLst>
+                          <dgm:alg type="tx"/>
+                          <dgm:shape xmlns:r="http://schemas.openxmlformats.org/officeDocument/2006/relationships" type="downArrow" r:blip="">
+                            <dgm:adjLst>
+                              <dgm:adj idx="1" val="0.55"/>
+                              <dgm:adj idx="2" val="0.45"/>
+                            </dgm:adjLst>
+                          </dgm:shape>
+                          <dgm:presOf axis="ch" ptType="sibTrans" st="4" cnt="1"/>
+                          <dgm:constrLst>
+                            <dgm:constr type="lMarg" refType="primFontSz" fact="0.1"/>
+                            <dgm:constr type="rMarg" refType="primFontSz" fact="0.1"/>
+                            <dgm:constr type="tMarg" refType="primFontSz" fact="0.1"/>
+                            <dgm:constr type="bMarg" refType="primFontSz" fact="0.1"/>
+                          </dgm:constrLst>
+                          <dgm:ruleLst>
+                            <dgm:rule type="primFontSz" val="5" fact="NaN" max="NaN"/>
+                          </dgm:ruleLst>
+                        </dgm:layoutNode>
+                        <dgm:layoutNode name="FiveNodes_1_text">
+                          <dgm:varLst>
+                            <dgm:bulletEnabled val="1"/>
+                          </dgm:varLst>
+                          <dgm:alg type="tx">
+                            <dgm:param type="parTxLTRAlign" val="l"/>
+                            <dgm:param type="txAnchorVertCh" val="mid"/>
+                          </dgm:alg>
+                          <dgm:shape xmlns:r="http://schemas.openxmlformats.org/officeDocument/2006/relationships" type="roundRect" r:blip="" hideGeom="1">
+                            <dgm:adjLst>
+                              <dgm:adj idx="1" val="0.1"/>
+                            </dgm:adjLst>
+                          </dgm:shape>
+                          <dgm:presOf axis="ch desOrSelf" ptType="node node" st="1 1" cnt="1 0"/>
+                          <dgm:constrLst>
+                            <dgm:constr type="lMarg" refType="primFontSz" fact="0.3"/>
+                            <dgm:constr type="rMarg" refType="primFontSz" fact="0.3"/>
+                            <dgm:constr type="tMarg" refType="primFontSz" fact="0.3"/>
+                            <dgm:constr type="bMarg" refType="primFontSz" fact="0.3"/>
+                          </dgm:constrLst>
+                          <dgm:ruleLst>
+                            <dgm:rule type="primFontSz" val="5" fact="NaN" max="NaN"/>
+                          </dgm:ruleLst>
+                        </dgm:layoutNode>
+                        <dgm:layoutNode name="FiveNodes_2_text">
+                          <dgm:varLst>
+                            <dgm:bulletEnabled val="1"/>
+                          </dgm:varLst>
+                          <dgm:alg type="tx">
+                            <dgm:param type="parTxLTRAlign" val="l"/>
+                            <dgm:param type="txAnchorVertCh" val="mid"/>
+                          </dgm:alg>
+                          <dgm:shape xmlns:r="http://schemas.openxmlformats.org/officeDocument/2006/relationships" type="roundRect" r:blip="" hideGeom="1">
+                            <dgm:adjLst>
+                              <dgm:adj idx="1" val="0.1"/>
+                            </dgm:adjLst>
+                          </dgm:shape>
+                          <dgm:presOf axis="ch desOrSelf" ptType="node node" st="2 1" cnt="1 0"/>
+                          <dgm:constrLst>
+                            <dgm:constr type="lMarg" refType="primFontSz" fact="0.3"/>
+                            <dgm:constr type="rMarg" refType="primFontSz" fact="0.3"/>
+                            <dgm:constr type="tMarg" refType="primFontSz" fact="0.3"/>
+                            <dgm:constr type="bMarg" refType="primFontSz" fact="0.3"/>
+                          </dgm:constrLst>
+                          <dgm:ruleLst>
+                            <dgm:rule type="primFontSz" val="5" fact="NaN" max="NaN"/>
+                          </dgm:ruleLst>
+                        </dgm:layoutNode>
+                        <dgm:layoutNode name="FiveNodes_3_text">
+                          <dgm:varLst>
+                            <dgm:bulletEnabled val="1"/>
+                          </dgm:varLst>
+                          <dgm:alg type="tx">
+                            <dgm:param type="parTxLTRAlign" val="l"/>
+                            <dgm:param type="txAnchorVertCh" val="mid"/>
+                          </dgm:alg>
+                          <dgm:shape xmlns:r="http://schemas.openxmlformats.org/officeDocument/2006/relationships" type="roundRect" r:blip="" hideGeom="1">
+                            <dgm:adjLst>
+                              <dgm:adj idx="1" val="0.1"/>
+                            </dgm:adjLst>
+                          </dgm:shape>
+                          <dgm:presOf axis="ch desOrSelf" ptType="node node" st="3 1" cnt="1 0"/>
+                          <dgm:constrLst>
+                            <dgm:constr type="lMarg" refType="primFontSz" fact="0.3"/>
+                            <dgm:constr type="rMarg" refType="primFontSz" fact="0.3"/>
+                            <dgm:constr type="tMarg" refType="primFontSz" fact="0.3"/>
+                            <dgm:constr type="bMarg" refType="primFontSz" fact="0.3"/>
+                          </dgm:constrLst>
+                          <dgm:ruleLst>
+                            <dgm:rule type="primFontSz" val="5" fact="NaN" max="NaN"/>
+                          </dgm:ruleLst>
+                        </dgm:layoutNode>
+                        <dgm:layoutNode name="FiveNodes_4_text">
+                          <dgm:varLst>
+                            <dgm:bulletEnabled val="1"/>
+                          </dgm:varLst>
+                          <dgm:alg type="tx">
+                            <dgm:param type="parTxLTRAlign" val="l"/>
+                            <dgm:param type="txAnchorVertCh" val="mid"/>
+                          </dgm:alg>
+                          <dgm:shape xmlns:r="http://schemas.openxmlformats.org/officeDocument/2006/relationships" type="roundRect" r:blip="" hideGeom="1">
+                            <dgm:adjLst>
+                              <dgm:adj idx="1" val="0.1"/>
+                            </dgm:adjLst>
+                          </dgm:shape>
+                          <dgm:presOf axis="ch desOrSelf" ptType="node node" st="4 1" cnt="1 0"/>
+                          <dgm:constrLst>
+                            <dgm:constr type="lMarg" refType="primFontSz" fact="0.3"/>
+                            <dgm:constr type="rMarg" refType="primFontSz" fact="0.3"/>
+                            <dgm:constr type="tMarg" refType="primFontSz" fact="0.3"/>
+                            <dgm:constr type="bMarg" refType="primFontSz" fact="0.3"/>
+                          </dgm:constrLst>
+                          <dgm:ruleLst>
+                            <dgm:rule type="primFontSz" val="5" fact="NaN" max="NaN"/>
+                          </dgm:ruleLst>
+                        </dgm:layoutNode>
+                        <dgm:layoutNode name="FiveNodes_5_text">
+                          <dgm:varLst>
+                            <dgm:bulletEnabled val="1"/>
+                          </dgm:varLst>
+                          <dgm:alg type="tx">
+                            <dgm:param type="parTxLTRAlign" val="l"/>
+                            <dgm:param type="txAnchorVertCh" val="mid"/>
+                          </dgm:alg>
+                          <dgm:shape xmlns:r="http://schemas.openxmlformats.org/officeDocument/2006/relationships" type="roundRect" r:blip="" hideGeom="1">
+                            <dgm:adjLst>
+                              <dgm:adj idx="1" val="0.1"/>
+                            </dgm:adjLst>
+                          </dgm:shape>
+                          <dgm:presOf axis="ch desOrSelf" ptType="node node" st="5 1" cnt="1 0"/>
+                          <dgm:constrLst>
+                            <dgm:constr type="lMarg" refType="primFontSz" fact="0.3"/>
+                            <dgm:constr type="rMarg" refType="primFontSz" fact="0.3"/>
+                            <dgm:constr type="tMarg" refType="primFontSz" fact="0.3"/>
+                            <dgm:constr type="bMarg" refType="primFontSz" fact="0.3"/>
+                          </dgm:constrLst>
+                          <dgm:ruleLst>
+                            <dgm:rule type="primFontSz" val="5" fact="NaN" max="NaN"/>
+                          </dgm:ruleLst>
+                        </dgm:layoutNode>
+                      </dgm:if>
+                      <dgm:else name="Name17"/>
+                    </dgm:choose>
+                  </dgm:else>
+                </dgm:choose>
+              </dgm:else>
+            </dgm:choose>
+          </dgm:else>
+        </dgm:choose>
+      </dgm:else>
+    </dgm:choose>
+  </dgm:layoutNode>
+</dgm:layoutDef>
+</file>
+
 <file path=ppt/diagrams/quickStyle1.xml><?xml version="1.0" encoding="utf-8"?>
+<dgm:styleDef xmlns:dgm="http://schemas.openxmlformats.org/drawingml/2006/diagram" xmlns:a="http://schemas.openxmlformats.org/drawingml/2006/main" uniqueId="urn:microsoft.com/office/officeart/2005/8/quickstyle/simple1">
+  <dgm:title val=""/>
+  <dgm:desc val=""/>
+  <dgm:catLst>
+    <dgm:cat type="simple" pri="10100"/>
+  </dgm:catLst>
+  <dgm:scene3d>
+    <a:camera prst="orthographicFront"/>
+    <a:lightRig rig="threePt" dir="t"/>
+  </dgm:scene3d>
+  <dgm:styleLbl name="node0">
+    <dgm:scene3d>
+      <a:camera prst="orthographicFront"/>
+      <a:lightRig rig="threePt" dir="t"/>
+    </dgm:scene3d>
+    <dgm:sp3d/>
+    <dgm:txPr/>
+    <dgm:style>
+      <a:lnRef idx="2">
+        <a:scrgbClr r="0" g="0" b="0"/>
+      </a:lnRef>
+      <a:fillRef idx="1">
+        <a:scrgbClr r="0" g="0" b="0"/>
+      </a:fillRef>
+      <a:effectRef idx="0">
+        <a:scrgbClr r="0" g="0" b="0"/>
+      </a:effectRef>
+      <a:fontRef idx="minor">
+        <a:schemeClr val="lt1"/>
+      </a:fontRef>
+    </dgm:style>
+  </dgm:styleLbl>
+  <dgm:styleLbl name="lnNode1">
+    <dgm:scene3d>
+      <a:camera prst="orthographicFront"/>
+      <a:lightRig rig="threePt" dir="t"/>
+    </dgm:scene3d>
+    <dgm:sp3d/>
+    <dgm:txPr/>
+    <dgm:style>
+      <a:lnRef idx="2">
+        <a:scrgbClr r="0" g="0" b="0"/>
+      </a:lnRef>
+      <a:fillRef idx="1">
+        <a:scrgbClr r="0" g="0" b="0"/>
+      </a:fillRef>
+      <a:effectRef idx="0">
+        <a:scrgbClr r="0" g="0" b="0"/>
+      </a:effectRef>
+      <a:fontRef idx="minor">
+        <a:schemeClr val="lt1"/>
+      </a:fontRef>
+    </dgm:style>
+  </dgm:styleLbl>
+  <dgm:styleLbl name="vennNode1">
+    <dgm:scene3d>
+      <a:camera prst="orthographicFront"/>
+      <a:lightRig rig="threePt" dir="t"/>
+    </dgm:scene3d>
+    <dgm:sp3d/>
+    <dgm:txPr/>
+    <dgm:style>
+      <a:lnRef idx="2">
+        <a:scrgbClr r="0" g="0" b="0"/>
+      </a:lnRef>
+      <a:fillRef idx="1">
+        <a:scrgbClr r="0" g="0" b="0"/>
+      </a:fillRef>
+      <a:effectRef idx="0">
+        <a:scrgbClr r="0" g="0" b="0"/>
+      </a:effectRef>
+      <a:fontRef idx="minor">
+        <a:schemeClr val="tx1"/>
+      </a:fontRef>
+    </dgm:style>
+  </dgm:styleLbl>
+  <dgm:styleLbl name="alignNode1">
+    <dgm:scene3d>
+      <a:camera prst="orthographicFront"/>
+      <a:lightRig rig="threePt" dir="t"/>
+    </dgm:scene3d>
+    <dgm:sp3d/>
+    <dgm:txPr/>
+    <dgm:style>
+      <a:lnRef idx="2">
+        <a:scrgbClr r="0" g="0" b="0"/>
+      </a:lnRef>
+      <a:fillRef idx="1">
+        <a:scrgbClr r="0" g="0" b="0"/>
+      </a:fillRef>
+      <a:effectRef idx="0">
+        <a:scrgbClr r="0" g="0" b="0"/>
+      </a:effectRef>
+      <a:fontRef idx="minor">
+        <a:schemeClr val="lt1"/>
+      </a:fontRef>
+    </dgm:style>
+  </dgm:styleLbl>
+  <dgm:styleLbl name="node1">
+    <dgm:scene3d>
+      <a:camera prst="orthographicFront"/>
+      <a:lightRig rig="threePt" dir="t"/>
+    </dgm:scene3d>
+    <dgm:sp3d/>
+    <dgm:txPr/>
+    <dgm:style>
+      <a:lnRef idx="2">
+        <a:scrgbClr r="0" g="0" b="0"/>
+      </a:lnRef>
+      <a:fillRef idx="1">
+        <a:scrgbClr r="0" g="0" b="0"/>
+      </a:fillRef>
+      <a:effectRef idx="0">
+        <a:scrgbClr r="0" g="0" b="0"/>
+      </a:effectRef>
+      <a:fontRef idx="minor">
+        <a:schemeClr val="lt1"/>
+      </a:fontRef>
+    </dgm:style>
+  </dgm:styleLbl>
+  <dgm:styleLbl name="node2">
+    <dgm:scene3d>
+      <a:camera prst="orthographicFront"/>
+      <a:lightRig rig="threePt" dir="t"/>
+    </dgm:scene3d>
+    <dgm:sp3d/>
+    <dgm:txPr/>
+    <dgm:style>
+      <a:lnRef idx="2">
+        <a:scrgbClr r="0" g="0" b="0"/>
+      </a:lnRef>
+      <a:fillRef idx="1">
+        <a:scrgbClr r="0" g="0" b="0"/>
+      </a:fillRef>
+      <a:effectRef idx="0">
+        <a:scrgbClr r="0" g="0" b="0"/>
+      </a:effectRef>
+      <a:fontRef idx="minor">
+        <a:schemeClr val="lt1"/>
+      </a:fontRef>
+    </dgm:style>
+  </dgm:styleLbl>
+  <dgm:styleLbl name="node3">
+    <dgm:scene3d>
+      <a:camera prst="orthographicFront"/>
+      <a:lightRig rig="threePt" dir="t"/>
+    </dgm:scene3d>
+    <dgm:sp3d/>
+    <dgm:txPr/>
+    <dgm:style>
+      <a:lnRef idx="2">
+        <a:scrgbClr r="0" g="0" b="0"/>
+      </a:lnRef>
+      <a:fillRef idx="1">
+        <a:scrgbClr r="0" g="0" b="0"/>
+      </a:fillRef>
+      <a:effectRef idx="0">
+        <a:scrgbClr r="0" g="0" b="0"/>
+      </a:effectRef>
+      <a:fontRef idx="minor">
+        <a:schemeClr val="lt1"/>
+      </a:fontRef>
+    </dgm:style>
+  </dgm:styleLbl>
+  <dgm:styleLbl name="node4">
+    <dgm:scene3d>
+      <a:camera prst="orthographicFront"/>
+      <a:lightRig rig="threePt" dir="t"/>
+    </dgm:scene3d>
+    <dgm:sp3d/>
+    <dgm:txPr/>
+    <dgm:style>
+      <a:lnRef idx="2">
+        <a:scrgbClr r="0" g="0" b="0"/>
+      </a:lnRef>
+      <a:fillRef idx="1">
+        <a:scrgbClr r="0" g="0" b="0"/>
+      </a:fillRef>
+      <a:effectRef idx="0">
+        <a:scrgbClr r="0" g="0" b="0"/>
+      </a:effectRef>
+      <a:fontRef idx="minor">
+        <a:schemeClr val="lt1"/>
+      </a:fontRef>
+    </dgm:style>
+  </dgm:styleLbl>
+  <dgm:styleLbl name="fgImgPlace1">
+    <dgm:scene3d>
+      <a:camera prst="orthographicFront"/>
+      <a:lightRig rig="threePt" dir="t"/>
+    </dgm:scene3d>
+    <dgm:sp3d/>
+    <dgm:txPr/>
+    <dgm:style>
+      <a:lnRef idx="2">
+        <a:scrgbClr r="0" g="0" b="0"/>
+      </a:lnRef>
+      <a:fillRef idx="1">
+        <a:scrgbClr r="0" g="0" b="0"/>
+      </a:fillRef>
+      <a:effectRef idx="0">
+        <a:scrgbClr r="0" g="0" b="0"/>
+      </a:effectRef>
+      <a:fontRef idx="minor"/>
+    </dgm:style>
+  </dgm:styleLbl>
+  <dgm:styleLbl name="alignImgPlace1">
+    <dgm:scene3d>
+      <a:camera prst="orthographicFront"/>
+      <a:lightRig rig="threePt" dir="t"/>
+    </dgm:scene3d>
+    <dgm:sp3d/>
+    <dgm:txPr/>
+    <dgm:style>
+      <a:lnRef idx="2">
+        <a:scrgbClr r="0" g="0" b="0"/>
+      </a:lnRef>
+      <a:fillRef idx="1">
+        <a:scrgbClr r="0" g="0" b="0"/>
+      </a:fillRef>
+      <a:effectRef idx="0">
+        <a:scrgbClr r="0" g="0" b="0"/>
+      </a:effectRef>
+      <a:fontRef idx="minor"/>
+    </dgm:style>
+  </dgm:styleLbl>
+  <dgm:styleLbl name="bgImgPlace1">
+    <dgm:scene3d>
+      <a:camera prst="orthographicFront"/>
+      <a:lightRig rig="threePt" dir="t"/>
+    </dgm:scene3d>
+    <dgm:sp3d/>
+    <dgm:txPr/>
+    <dgm:style>
+      <a:lnRef idx="2">
+        <a:scrgbClr r="0" g="0" b="0"/>
+      </a:lnRef>
+      <a:fillRef idx="1">
+        <a:scrgbClr r="0" g="0" b="0"/>
+      </a:fillRef>
+      <a:effectRef idx="0">
+        <a:scrgbClr r="0" g="0" b="0"/>
+      </a:effectRef>
+      <a:fontRef idx="minor"/>
+    </dgm:style>
+  </dgm:styleLbl>
+  <dgm:styleLbl name="sibTrans2D1">
+    <dgm:scene3d>
+      <a:camera prst="orthographicFront"/>
+      <a:lightRig rig="threePt" dir="t"/>
+    </dgm:scene3d>
+    <dgm:sp3d/>
+    <dgm:txPr/>
+    <dgm:style>
+      <a:lnRef idx="0">
+        <a:scrgbClr r="0" g="0" b="0"/>
+      </a:lnRef>
+      <a:fillRef idx="1">
+        <a:scrgbClr r="0" g="0" b="0"/>
+      </a:fillRef>
+      <a:effectRef idx="0">
+        <a:scrgbClr r="0" g="0" b="0"/>
+      </a:effectRef>
+      <a:fontRef idx="minor">
+        <a:schemeClr val="lt1"/>
+      </a:fontRef>
+    </dgm:style>
+  </dgm:styleLbl>
+  <dgm:styleLbl name="fgSibTrans2D1">
+    <dgm:scene3d>
+      <a:camera prst="orthographicFront"/>
+      <a:lightRig rig="threePt" dir="t"/>
+    </dgm:scene3d>
+    <dgm:sp3d/>
+    <dgm:txPr/>
+    <dgm:style>
+      <a:lnRef idx="0">
+        <a:scrgbClr r="0" g="0" b="0"/>
+      </a:lnRef>
+      <a:fillRef idx="1">
+        <a:scrgbClr r="0" g="0" b="0"/>
+      </a:fillRef>
+      <a:effectRef idx="0">
+        <a:scrgbClr r="0" g="0" b="0"/>
+      </a:effectRef>
+      <a:fontRef idx="minor">
+        <a:schemeClr val="lt1"/>
+      </a:fontRef>
+    </dgm:style>
+  </dgm:styleLbl>
+  <dgm:styleLbl name="bgSibTrans2D1">
+    <dgm:scene3d>
+      <a:camera prst="orthographicFront"/>
+      <a:lightRig rig="threePt" dir="t"/>
+    </dgm:scene3d>
+    <dgm:sp3d/>
+    <dgm:txPr/>
+    <dgm:style>
+      <a:lnRef idx="0">
+        <a:scrgbClr r="0" g="0" b="0"/>
+      </a:lnRef>
+      <a:fillRef idx="1">
+        <a:scrgbClr r="0" g="0" b="0"/>
+      </a:fillRef>
+      <a:effectRef idx="0">
+        <a:scrgbClr r="0" g="0" b="0"/>
+      </a:effectRef>
+      <a:fontRef idx="minor">
+        <a:schemeClr val="lt1"/>
+      </a:fontRef>
+    </dgm:style>
+  </dgm:styleLbl>
+  <dgm:styleLbl name="sibTrans1D1">
+    <dgm:scene3d>
+      <a:camera prst="orthographicFront"/>
+      <a:lightRig rig="threePt" dir="t"/>
+    </dgm:scene3d>
+    <dgm:sp3d/>
+    <dgm:txPr/>
+    <dgm:style>
+      <a:lnRef idx="1">
+        <a:scrgbClr r="0" g="0" b="0"/>
+      </a:lnRef>
+      <a:fillRef idx="0">
+        <a:scrgbClr r="0" g="0" b="0"/>
+      </a:fillRef>
+      <a:effectRef idx="0">
+        <a:scrgbClr r="0" g="0" b="0"/>
+      </a:effectRef>
+      <a:fontRef idx="minor"/>
+    </dgm:style>
+  </dgm:styleLbl>
+  <dgm:styleLbl name="callout">
+    <dgm:scene3d>
+      <a:camera prst="orthographicFront"/>
+      <a:lightRig rig="threePt" dir="t"/>
+    </dgm:scene3d>
+    <dgm:sp3d/>
+    <dgm:txPr/>
+    <dgm:style>
+      <a:lnRef idx="2">
+        <a:scrgbClr r="0" g="0" b="0"/>
+      </a:lnRef>
+      <a:fillRef idx="1">
+        <a:scrgbClr r="0" g="0" b="0"/>
+      </a:fillRef>
+      <a:effectRef idx="0">
+        <a:scrgbClr r="0" g="0" b="0"/>
+      </a:effectRef>
+      <a:fontRef idx="minor"/>
+    </dgm:style>
+  </dgm:styleLbl>
+  <dgm:styleLbl name="asst0">
+    <dgm:scene3d>
+      <a:camera prst="orthographicFront"/>
+      <a:lightRig rig="threePt" dir="t"/>
+    </dgm:scene3d>
+    <dgm:sp3d/>
+    <dgm:txPr/>
+    <dgm:style>
+      <a:lnRef idx="2">
+        <a:scrgbClr r="0" g="0" b="0"/>
+      </a:lnRef>
+      <a:fillRef idx="1">
+        <a:scrgbClr r="0" g="0" b="0"/>
+      </a:fillRef>
+      <a:effectRef idx="0">
+        <a:scrgbClr r="0" g="0" b="0"/>
+      </a:effectRef>
+      <a:fontRef idx="minor">
+        <a:schemeClr val="lt1"/>
+      </a:fontRef>
+    </dgm:style>
+  </dgm:styleLbl>
+  <dgm:styleLbl name="asst1">
+    <dgm:scene3d>
+      <a:camera prst="orthographicFront"/>
+      <a:lightRig rig="threePt" dir="t"/>
+    </dgm:scene3d>
+    <dgm:sp3d/>
+    <dgm:txPr/>
+    <dgm:style>
+      <a:lnRef idx="2">
+        <a:scrgbClr r="0" g="0" b="0"/>
+      </a:lnRef>
+      <a:fillRef idx="1">
+        <a:scrgbClr r="0" g="0" b="0"/>
+      </a:fillRef>
+      <a:effectRef idx="0">
+        <a:scrgbClr r="0" g="0" b="0"/>
+      </a:effectRef>
+      <a:fontRef idx="minor">
+        <a:schemeClr val="lt1"/>
+      </a:fontRef>
+    </dgm:style>
+  </dgm:styleLbl>
+  <dgm:styleLbl name="asst2">
+    <dgm:scene3d>
+      <a:camera prst="orthographicFront"/>
+      <a:lightRig rig="threePt" dir="t"/>
+    </dgm:scene3d>
+    <dgm:sp3d/>
+    <dgm:txPr/>
+    <dgm:style>
+      <a:lnRef idx="2">
+        <a:scrgbClr r="0" g="0" b="0"/>
+      </a:lnRef>
+      <a:fillRef idx="1">
+        <a:scrgbClr r="0" g="0" b="0"/>
+      </a:fillRef>
+      <a:effectRef idx="0">
+        <a:scrgbClr r="0" g="0" b="0"/>
+      </a:effectRef>
+      <a:fontRef idx="minor">
+        <a:schemeClr val="lt1"/>
+      </a:fontRef>
+    </dgm:style>
+  </dgm:styleLbl>
+  <dgm:styleLbl name="asst3">
+    <dgm:scene3d>
+      <a:camera prst="orthographicFront"/>
+      <a:lightRig rig="threePt" dir="t"/>
+    </dgm:scene3d>
+    <dgm:sp3d/>
+    <dgm:txPr/>
+    <dgm:style>
+      <a:lnRef idx="2">
+        <a:scrgbClr r="0" g="0" b="0"/>
+      </a:lnRef>
+      <a:fillRef idx="1">
+        <a:scrgbClr r="0" g="0" b="0"/>
+      </a:fillRef>
+      <a:effectRef idx="0">
+        <a:scrgbClr r="0" g="0" b="0"/>
+      </a:effectRef>
+      <a:fontRef idx="minor">
+        <a:schemeClr val="lt1"/>
+      </a:fontRef>
+    </dgm:style>
+  </dgm:styleLbl>
+  <dgm:styleLbl name="asst4">
+    <dgm:scene3d>
+      <a:camera prst="orthographicFront"/>
+      <a:lightRig rig="threePt" dir="t"/>
+    </dgm:scene3d>
+    <dgm:sp3d/>
+    <dgm:txPr/>
+    <dgm:style>
+      <a:lnRef idx="2">
+        <a:scrgbClr r="0" g="0" b="0"/>
+      </a:lnRef>
+      <a:fillRef idx="1">
+        <a:scrgbClr r="0" g="0" b="0"/>
+      </a:fillRef>
+      <a:effectRef idx="0">
+        <a:scrgbClr r="0" g="0" b="0"/>
+      </a:effectRef>
+      <a:fontRef idx="minor">
+        <a:schemeClr val="lt1"/>
+      </a:fontRef>
+    </dgm:style>
+  </dgm:styleLbl>
+  <dgm:styleLbl name="parChTrans2D1">
+    <dgm:scene3d>
+      <a:camera prst="orthographicFront"/>
+      <a:lightRig rig="threePt" dir="t"/>
+    </dgm:scene3d>
+    <dgm:sp3d/>
+    <dgm:txPr/>
+    <dgm:style>
+      <a:lnRef idx="2">
+        <a:scrgbClr r="0" g="0" b="0"/>
+      </a:lnRef>
+      <a:fillRef idx="1">
+        <a:scrgbClr r="0" g="0" b="0"/>
+      </a:fillRef>
+      <a:effectRef idx="0">
+        <a:scrgbClr r="0" g="0" b="0"/>
+      </a:effectRef>
+      <a:fontRef idx="minor">
+        <a:schemeClr val="lt1"/>
+      </a:fontRef>
+    </dgm:style>
+  </dgm:styleLbl>
+  <dgm:styleLbl name="parChTrans2D2">
+    <dgm:scene3d>
+      <a:camera prst="orthographicFront"/>
+      <a:lightRig rig="threePt" dir="t"/>
+    </dgm:scene3d>
+    <dgm:sp3d/>
+    <dgm:txPr/>
+    <dgm:style>
+      <a:lnRef idx="2">
+        <a:scrgbClr r="0" g="0" b="0"/>
+      </a:lnRef>
+      <a:fillRef idx="1">
+        <a:scrgbClr r="0" g="0" b="0"/>
+      </a:fillRef>
+      <a:effectRef idx="0">
+        <a:scrgbClr r="0" g="0" b="0"/>
+      </a:effectRef>
+      <a:fontRef idx="minor">
+        <a:schemeClr val="lt1"/>
+      </a:fontRef>
+    </dgm:style>
+  </dgm:styleLbl>
+  <dgm:styleLbl name="parChTrans2D3">
+    <dgm:scene3d>
+      <a:camera prst="orthographicFront"/>
+      <a:lightRig rig="threePt" dir="t"/>
+    </dgm:scene3d>
+    <dgm:sp3d/>
+    <dgm:txPr/>
+    <dgm:style>
+      <a:lnRef idx="2">
+        <a:scrgbClr r="0" g="0" b="0"/>
+      </a:lnRef>
+      <a:fillRef idx="1">
+        <a:scrgbClr r="0" g="0" b="0"/>
+      </a:fillRef>
+      <a:effectRef idx="0">
+        <a:scrgbClr r="0" g="0" b="0"/>
+      </a:effectRef>
+      <a:fontRef idx="minor">
+        <a:schemeClr val="lt1"/>
+      </a:fontRef>
+    </dgm:style>
+  </dgm:styleLbl>
+  <dgm:styleLbl name="parChTrans2D4">
+    <dgm:scene3d>
+      <a:camera prst="orthographicFront"/>
+      <a:lightRig rig="threePt" dir="t"/>
+    </dgm:scene3d>
+    <dgm:sp3d/>
+    <dgm:txPr/>
+    <dgm:style>
+      <a:lnRef idx="2">
+        <a:scrgbClr r="0" g="0" b="0"/>
+      </a:lnRef>
+      <a:fillRef idx="1">
+        <a:scrgbClr r="0" g="0" b="0"/>
+      </a:fillRef>
+      <a:effectRef idx="0">
+        <a:scrgbClr r="0" g="0" b="0"/>
+      </a:effectRef>
+      <a:fontRef idx="minor">
+        <a:schemeClr val="lt1"/>
+      </a:fontRef>
+    </dgm:style>
+  </dgm:styleLbl>
+  <dgm:styleLbl name="parChTrans1D1">
+    <dgm:scene3d>
+      <a:camera prst="orthographicFront"/>
+      <a:lightRig rig="threePt" dir="t"/>
+    </dgm:scene3d>
+    <dgm:sp3d/>
+    <dgm:txPr/>
+    <dgm:style>
+      <a:lnRef idx="2">
+        <a:scrgbClr r="0" g="0" b="0"/>
+      </a:lnRef>
+      <a:fillRef idx="0">
+        <a:scrgbClr r="0" g="0" b="0"/>
+      </a:fillRef>
+      <a:effectRef idx="0">
+        <a:scrgbClr r="0" g="0" b="0"/>
+      </a:effectRef>
+      <a:fontRef idx="minor"/>
+    </dgm:style>
+  </dgm:styleLbl>
+  <dgm:styleLbl name="parChTrans1D2">
+    <dgm:scene3d>
+      <a:camera prst="orthographicFront"/>
+      <a:lightRig rig="threePt" dir="t"/>
+    </dgm:scene3d>
+    <dgm:sp3d/>
+    <dgm:txPr/>
+    <dgm:style>
+      <a:lnRef idx="2">
+        <a:scrgbClr r="0" g="0" b="0"/>
+      </a:lnRef>
+      <a:fillRef idx="0">
+        <a:scrgbClr r="0" g="0" b="0"/>
+      </a:fillRef>
+      <a:effectRef idx="0">
+        <a:scrgbClr r="0" g="0" b="0"/>
+      </a:effectRef>
+      <a:fontRef idx="minor"/>
+    </dgm:style>
+  </dgm:styleLbl>
+  <dgm:styleLbl name="parChTrans1D3">
+    <dgm:scene3d>
+      <a:camera prst="orthographicFront"/>
+      <a:lightRig rig="threePt" dir="t"/>
+    </dgm:scene3d>
+    <dgm:sp3d/>
+    <dgm:txPr/>
+    <dgm:style>
+      <a:lnRef idx="2">
+        <a:scrgbClr r="0" g="0" b="0"/>
+      </a:lnRef>
+      <a:fillRef idx="0">
+        <a:scrgbClr r="0" g="0" b="0"/>
+      </a:fillRef>
+      <a:effectRef idx="0">
+        <a:scrgbClr r="0" g="0" b="0"/>
+      </a:effectRef>
+      <a:fontRef idx="minor"/>
+    </dgm:style>
+  </dgm:styleLbl>
+  <dgm:styleLbl name="parChTrans1D4">
+    <dgm:scene3d>
+      <a:camera prst="orthographicFront"/>
+      <a:lightRig rig="threePt" dir="t"/>
+    </dgm:scene3d>
+    <dgm:sp3d/>
+    <dgm:txPr/>
+    <dgm:style>
+      <a:lnRef idx="2">
+        <a:scrgbClr r="0" g="0" b="0"/>
+      </a:lnRef>
+      <a:fillRef idx="0">
+        <a:scrgbClr r="0" g="0" b="0"/>
+      </a:fillRef>
+      <a:effectRef idx="0">
+        <a:scrgbClr r="0" g="0" b="0"/>
+      </a:effectRef>
+      <a:fontRef idx="minor"/>
+    </dgm:style>
+  </dgm:styleLbl>
+  <dgm:styleLbl name="fgAcc1">
+    <dgm:scene3d>
+      <a:camera prst="orthographicFront"/>
+      <a:lightRig rig="threePt" dir="t"/>
+    </dgm:scene3d>
+    <dgm:sp3d/>
+    <dgm:txPr/>
+    <dgm:style>
+      <a:lnRef idx="2">
+        <a:scrgbClr r="0" g="0" b="0"/>
+      </a:lnRef>
+      <a:fillRef idx="1">
+        <a:scrgbClr r="0" g="0" b="0"/>
+      </a:fillRef>
+      <a:effectRef idx="0">
+        <a:scrgbClr r="0" g="0" b="0"/>
+      </a:effectRef>
+      <a:fontRef idx="minor"/>
+    </dgm:style>
+  </dgm:styleLbl>
+  <dgm:styleLbl name="conFgAcc1">
+    <dgm:scene3d>
+      <a:camera prst="orthographicFront"/>
+      <a:lightRig rig="threePt" dir="t"/>
+    </dgm:scene3d>
+    <dgm:sp3d/>
+    <dgm:txPr/>
+    <dgm:style>
+      <a:lnRef idx="2">
+        <a:scrgbClr r="0" g="0" b="0"/>
+      </a:lnRef>
+      <a:fillRef idx="1">
+        <a:scrgbClr r="0" g="0" b="0"/>
+      </a:fillRef>
+      <a:effectRef idx="0">
+        <a:scrgbClr r="0" g="0" b="0"/>
+      </a:effectRef>
+      <a:fontRef idx="minor"/>
+    </dgm:style>
+  </dgm:styleLbl>
+  <dgm:styleLbl name="alignAcc1">
+    <dgm:scene3d>
+      <a:camera prst="orthographicFront"/>
+      <a:lightRig rig="threePt" dir="t"/>
+    </dgm:scene3d>
+    <dgm:sp3d/>
+    <dgm:txPr/>
+    <dgm:style>
+      <a:lnRef idx="2">
+        <a:scrgbClr r="0" g="0" b="0"/>
+      </a:lnRef>
+      <a:fillRef idx="1">
+        <a:scrgbClr r="0" g="0" b="0"/>
+      </a:fillRef>
+      <a:effectRef idx="0">
+        <a:scrgbClr r="0" g="0" b="0"/>
+      </a:effectRef>
+      <a:fontRef idx="minor"/>
+    </dgm:style>
+  </dgm:styleLbl>
+  <dgm:styleLbl name="trAlignAcc1">
+    <dgm:scene3d>
+      <a:camera prst="orthographicFront"/>
+      <a:lightRig rig="threePt" dir="t"/>
+    </dgm:scene3d>
+    <dgm:sp3d/>
+    <dgm:txPr/>
+    <dgm:style>
+      <a:lnRef idx="1">
+        <a:scrgbClr r="0" g="0" b="0"/>
+      </a:lnRef>
+      <a:fillRef idx="1">
+        <a:scrgbClr r="0" g="0" b="0"/>
+      </a:fillRef>
+      <a:effectRef idx="0">
+        <a:scrgbClr r="0" g="0" b="0"/>
+      </a:effectRef>
+      <a:fontRef idx="minor"/>
+    </dgm:style>
+  </dgm:styleLbl>
+  <dgm:styleLbl name="bgAcc1">
+    <dgm:scene3d>
+      <a:camera prst="orthographicFront"/>
+      <a:lightRig rig="threePt" dir="t"/>
+    </dgm:scene3d>
+    <dgm:sp3d/>
+    <dgm:txPr/>
+    <dgm:style>
+      <a:lnRef idx="2">
+        <a:scrgbClr r="0" g="0" b="0"/>
+      </a:lnRef>
+      <a:fillRef idx="1">
+        <a:scrgbClr r="0" g="0" b="0"/>
+      </a:fillRef>
+      <a:effectRef idx="0">
+        <a:scrgbClr r="0" g="0" b="0"/>
+      </a:effectRef>
+      <a:fontRef idx="minor"/>
+    </dgm:style>
+  </dgm:styleLbl>
+  <dgm:styleLbl name="solidFgAcc1">
+    <dgm:scene3d>
+      <a:camera prst="orthographicFront"/>
+      <a:lightRig rig="threePt" dir="t"/>
+    </dgm:scene3d>
+    <dgm:sp3d/>
+    <dgm:txPr/>
+    <dgm:style>
+      <a:lnRef idx="2">
+        <a:scrgbClr r="0" g="0" b="0"/>
+      </a:lnRef>
+      <a:fillRef idx="1">
+        <a:scrgbClr r="0" g="0" b="0"/>
+      </a:fillRef>
+      <a:effectRef idx="0">
+        <a:scrgbClr r="0" g="0" b="0"/>
+      </a:effectRef>
+      <a:fontRef idx="minor"/>
+    </dgm:style>
+  </dgm:styleLbl>
+  <dgm:styleLbl name="solidAlignAcc1">
+    <dgm:scene3d>
+      <a:camera prst="orthographicFront"/>
+      <a:lightRig rig="threePt" dir="t"/>
+    </dgm:scene3d>
+    <dgm:sp3d/>
+    <dgm:txPr/>
+    <dgm:style>
+      <a:lnRef idx="2">
+        <a:scrgbClr r="0" g="0" b="0"/>
+      </a:lnRef>
+      <a:fillRef idx="1">
+        <a:scrgbClr r="0" g="0" b="0"/>
+      </a:fillRef>
+      <a:effectRef idx="0">
+        <a:scrgbClr r="0" g="0" b="0"/>
+      </a:effectRef>
+      <a:fontRef idx="minor"/>
+    </dgm:style>
+  </dgm:styleLbl>
+  <dgm:styleLbl name="solidBgAcc1">
+    <dgm:scene3d>
+      <a:camera prst="orthographicFront"/>
+      <a:lightRig rig="threePt" dir="t"/>
+    </dgm:scene3d>
+    <dgm:sp3d/>
+    <dgm:txPr/>
+    <dgm:style>
+      <a:lnRef idx="2">
+        <a:scrgbClr r="0" g="0" b="0"/>
+      </a:lnRef>
+      <a:fillRef idx="1">
+        <a:scrgbClr r="0" g="0" b="0"/>
+      </a:fillRef>
+      <a:effectRef idx="0">
+        <a:scrgbClr r="0" g="0" b="0"/>
+      </a:effectRef>
+      <a:fontRef idx="minor"/>
+    </dgm:style>
+  </dgm:styleLbl>
+  <dgm:styleLbl name="fgAccFollowNode1">
+    <dgm:scene3d>
+      <a:camera prst="orthographicFront"/>
+      <a:lightRig rig="threePt" dir="t"/>
+    </dgm:scene3d>
+    <dgm:sp3d/>
+    <dgm:txPr/>
+    <dgm:style>
+      <a:lnRef idx="2">
+        <a:scrgbClr r="0" g="0" b="0"/>
+      </a:lnRef>
+      <a:fillRef idx="1">
+        <a:scrgbClr r="0" g="0" b="0"/>
+      </a:fillRef>
+      <a:effectRef idx="0">
+        <a:scrgbClr r="0" g="0" b="0"/>
+      </a:effectRef>
+      <a:fontRef idx="minor"/>
+    </dgm:style>
+  </dgm:styleLbl>
+  <dgm:styleLbl name="alignAccFollowNode1">
+    <dgm:scene3d>
+      <a:camera prst="orthographicFront"/>
+      <a:lightRig rig="threePt" dir="t"/>
+    </dgm:scene3d>
+    <dgm:sp3d/>
+    <dgm:txPr/>
+    <dgm:style>
+      <a:lnRef idx="2">
+        <a:scrgbClr r="0" g="0" b="0"/>
+      </a:lnRef>
+      <a:fillRef idx="1">
+        <a:scrgbClr r="0" g="0" b="0"/>
+      </a:fillRef>
+      <a:effectRef idx="0">
+        <a:scrgbClr r="0" g="0" b="0"/>
+      </a:effectRef>
+      <a:fontRef idx="minor"/>
+    </dgm:style>
+  </dgm:styleLbl>
+  <dgm:styleLbl name="bgAccFollowNode1">
+    <dgm:scene3d>
+      <a:camera prst="orthographicFront"/>
+      <a:lightRig rig="threePt" dir="t"/>
+    </dgm:scene3d>
+    <dgm:sp3d/>
+    <dgm:txPr/>
+    <dgm:style>
+      <a:lnRef idx="2">
+        <a:scrgbClr r="0" g="0" b="0"/>
+      </a:lnRef>
+      <a:fillRef idx="1">
+        <a:scrgbClr r="0" g="0" b="0"/>
+      </a:fillRef>
+      <a:effectRef idx="0">
+        <a:scrgbClr r="0" g="0" b="0"/>
+      </a:effectRef>
+      <a:fontRef idx="minor"/>
+    </dgm:style>
+  </dgm:styleLbl>
+  <dgm:styleLbl name="fgAcc0">
+    <dgm:scene3d>
+      <a:camera prst="orthographicFront"/>
+      <a:lightRig rig="threePt" dir="t"/>
+    </dgm:scene3d>
+    <dgm:sp3d/>
+    <dgm:txPr/>
+    <dgm:style>
+      <a:lnRef idx="2">
+        <a:scrgbClr r="0" g="0" b="0"/>
+      </a:lnRef>
+      <a:fillRef idx="1">
+        <a:scrgbClr r="0" g="0" b="0"/>
+      </a:fillRef>
+      <a:effectRef idx="0">
+        <a:scrgbClr r="0" g="0" b="0"/>
+      </a:effectRef>
+      <a:fontRef idx="minor"/>
+    </dgm:style>
+  </dgm:styleLbl>
+  <dgm:styleLbl name="fgAcc2">
+    <dgm:scene3d>
+      <a:camera prst="orthographicFront"/>
+      <a:lightRig rig="threePt" dir="t"/>
+    </dgm:scene3d>
+    <dgm:sp3d/>
+    <dgm:txPr/>
+    <dgm:style>
+      <a:lnRef idx="2">
+        <a:scrgbClr r="0" g="0" b="0"/>
+      </a:lnRef>
+      <a:fillRef idx="1">
+        <a:scrgbClr r="0" g="0" b="0"/>
+      </a:fillRef>
+      <a:effectRef idx="0">
+        <a:scrgbClr r="0" g="0" b="0"/>
+      </a:effectRef>
+      <a:fontRef idx="minor"/>
+    </dgm:style>
+  </dgm:styleLbl>
+  <dgm:styleLbl name="fgAcc3">
+    <dgm:scene3d>
+      <a:camera prst="orthographicFront"/>
+      <a:lightRig rig="threePt" dir="t"/>
+    </dgm:scene3d>
+    <dgm:sp3d/>
+    <dgm:txPr/>
+    <dgm:style>
+      <a:lnRef idx="2">
+        <a:scrgbClr r="0" g="0" b="0"/>
+      </a:lnRef>
+      <a:fillRef idx="1">
+        <a:scrgbClr r="0" g="0" b="0"/>
+      </a:fillRef>
+      <a:effectRef idx="0">
+        <a:scrgbClr r="0" g="0" b="0"/>
+      </a:effectRef>
+      <a:fontRef idx="minor"/>
+    </dgm:style>
+  </dgm:styleLbl>
+  <dgm:styleLbl name="fgAcc4">
+    <dgm:scene3d>
+      <a:camera prst="orthographicFront"/>
+      <a:lightRig rig="threePt" dir="t"/>
+    </dgm:scene3d>
+    <dgm:sp3d/>
+    <dgm:txPr/>
+    <dgm:style>
+      <a:lnRef idx="2">
+        <a:scrgbClr r="0" g="0" b="0"/>
+      </a:lnRef>
+      <a:fillRef idx="1">
+        <a:scrgbClr r="0" g="0" b="0"/>
+      </a:fillRef>
+      <a:effectRef idx="0">
+        <a:scrgbClr r="0" g="0" b="0"/>
+      </a:effectRef>
+      <a:fontRef idx="minor"/>
+    </dgm:style>
+  </dgm:styleLbl>
+  <dgm:styleLbl name="bgShp">
+    <dgm:scene3d>
+      <a:camera prst="orthographicFront"/>
+      <a:lightRig rig="threePt" dir="t"/>
+    </dgm:scene3d>
+    <dgm:sp3d/>
+    <dgm:txPr/>
+    <dgm:style>
+      <a:lnRef idx="0">
+        <a:scrgbClr r="0" g="0" b="0"/>
+      </a:lnRef>
+      <a:fillRef idx="1">
+        <a:scrgbClr r="0" g="0" b="0"/>
+      </a:fillRef>
+      <a:effectRef idx="0">
+        <a:scrgbClr r="0" g="0" b="0"/>
+      </a:effectRef>
+      <a:fontRef idx="minor"/>
+    </dgm:style>
+  </dgm:styleLbl>
+  <dgm:styleLbl name="dkBgShp">
+    <dgm:scene3d>
+      <a:camera prst="orthographicFront"/>
+      <a:lightRig rig="threePt" dir="t"/>
+    </dgm:scene3d>
+    <dgm:sp3d/>
+    <dgm:txPr/>
+    <dgm:style>
+      <a:lnRef idx="0">
+        <a:scrgbClr r="0" g="0" b="0"/>
+      </a:lnRef>
+      <a:fillRef idx="1">
+        <a:scrgbClr r="0" g="0" b="0"/>
+      </a:fillRef>
+      <a:effectRef idx="0">
+        <a:scrgbClr r="0" g="0" b="0"/>
+      </a:effectRef>
+      <a:fontRef idx="minor"/>
+    </dgm:style>
+  </dgm:styleLbl>
+  <dgm:styleLbl name="trBgShp">
+    <dgm:scene3d>
+      <a:camera prst="orthographicFront"/>
+      <a:lightRig rig="threePt" dir="t"/>
+    </dgm:scene3d>
+    <dgm:sp3d/>
+    <dgm:txPr/>
+    <dgm:style>
+      <a:lnRef idx="0">
+        <a:scrgbClr r="0" g="0" b="0"/>
+      </a:lnRef>
+      <a:fillRef idx="1">
+        <a:scrgbClr r="0" g="0" b="0"/>
+      </a:fillRef>
+      <a:effectRef idx="0">
+        <a:scrgbClr r="0" g="0" b="0"/>
+      </a:effectRef>
+      <a:fontRef idx="minor"/>
+    </dgm:style>
+  </dgm:styleLbl>
+  <dgm:styleLbl name="fgShp">
+    <dgm:scene3d>
+      <a:camera prst="orthographicFront"/>
+      <a:lightRig rig="threePt" dir="t"/>
+    </dgm:scene3d>
+    <dgm:sp3d/>
+    <dgm:txPr/>
+    <dgm:style>
+      <a:lnRef idx="2">
+        <a:scrgbClr r="0" g="0" b="0"/>
+      </a:lnRef>
+      <a:fillRef idx="1">
+        <a:scrgbClr r="0" g="0" b="0"/>
+      </a:fillRef>
+      <a:effectRef idx="0">
+        <a:scrgbClr r="0" g="0" b="0"/>
+      </a:effectRef>
+      <a:fontRef idx="minor"/>
+    </dgm:style>
+  </dgm:styleLbl>
+  <dgm:styleLbl name="revTx">
+    <dgm:scene3d>
+      <a:camera prst="orthographicFront"/>
+      <a:lightRig rig="threePt" dir="t"/>
+    </dgm:scene3d>
+    <dgm:sp3d/>
+    <dgm:txPr/>
+    <dgm:style>
+      <a:lnRef idx="0">
+        <a:scrgbClr r="0" g="0" b="0"/>
+      </a:lnRef>
+      <a:fillRef idx="0">
+        <a:scrgbClr r="0" g="0" b="0"/>
+      </a:fillRef>
+      <a:effectRef idx="0">
+        <a:scrgbClr r="0" g="0" b="0"/>
+      </a:effectRef>
+      <a:fontRef idx="minor"/>
+    </dgm:style>
+  </dgm:styleLbl>
+</dgm:styleDef>
+</file>
+
+<file path=ppt/diagrams/quickStyle2.xml><?xml version="1.0" encoding="utf-8"?>
 <dgm:styleDef xmlns:dgm="http://schemas.openxmlformats.org/drawingml/2006/diagram" xmlns:a="http://schemas.openxmlformats.org/drawingml/2006/main" uniqueId="urn:microsoft.com/office/officeart/2005/8/quickstyle/simple1">
   <dgm:title val=""/>
   <dgm:desc val=""/>
@@ -4078,7 +7940,7 @@
           <a:p>
             <a:fld id="{A25B1EB1-CDC4-F948-A361-2ADBE5BAC4B6}" type="datetimeFigureOut">
               <a:rPr kumimoji="1" lang="zh-HK" altLang="en-US" smtClean="0"/>
-              <a:t>26/11/24</a:t>
+              <a:t>03/12/24</a:t>
             </a:fld>
             <a:endParaRPr kumimoji="1" lang="zh-HK" altLang="en-US"/>
           </a:p>
@@ -4428,6 +8290,198 @@
     <p:extLst>
       <p:ext uri="{BB962C8B-B14F-4D97-AF65-F5344CB8AC3E}">
         <p14:creationId xmlns:p14="http://schemas.microsoft.com/office/powerpoint/2010/main" val="2409882995"/>
+      </p:ext>
+    </p:extLst>
+  </p:cSld>
+  <p:clrMapOvr>
+    <a:masterClrMapping/>
+  </p:clrMapOvr>
+</p:notes>
+</file>
+
+<file path=ppt/notesSlides/notesSlide10.xml><?xml version="1.0" encoding="utf-8"?>
+<p:notes xmlns:a="http://schemas.openxmlformats.org/drawingml/2006/main" xmlns:r="http://schemas.openxmlformats.org/officeDocument/2006/relationships" xmlns:p="http://schemas.openxmlformats.org/presentationml/2006/main">
+  <p:cSld>
+    <p:spTree>
+      <p:nvGrpSpPr>
+        <p:cNvPr id="1" name="">
+          <a:extLst>
+            <a:ext uri="{FF2B5EF4-FFF2-40B4-BE49-F238E27FC236}">
+              <a16:creationId xmlns:a16="http://schemas.microsoft.com/office/drawing/2014/main" id="{5877D8E1-902E-834B-AAE1-0D8A7B89AA8C}"/>
+            </a:ext>
+          </a:extLst>
+        </p:cNvPr>
+        <p:cNvGrpSpPr/>
+        <p:nvPr/>
+      </p:nvGrpSpPr>
+      <p:grpSpPr>
+        <a:xfrm>
+          <a:off x="0" y="0"/>
+          <a:ext cx="0" cy="0"/>
+          <a:chOff x="0" y="0"/>
+          <a:chExt cx="0" cy="0"/>
+        </a:xfrm>
+      </p:grpSpPr>
+      <p:sp>
+        <p:nvSpPr>
+          <p:cNvPr id="2" name="投影片影像版面配置區 1">
+            <a:extLst>
+              <a:ext uri="{FF2B5EF4-FFF2-40B4-BE49-F238E27FC236}">
+                <a16:creationId xmlns:a16="http://schemas.microsoft.com/office/drawing/2014/main" id="{DE02A151-06F3-47D4-C42C-A1FAACCB22E0}"/>
+              </a:ext>
+            </a:extLst>
+          </p:cNvPr>
+          <p:cNvSpPr>
+            <a:spLocks noGrp="1" noRot="1" noChangeAspect="1"/>
+          </p:cNvSpPr>
+          <p:nvPr>
+            <p:ph type="sldImg"/>
+          </p:nvPr>
+        </p:nvSpPr>
+        <p:spPr/>
+      </p:sp>
+      <p:sp>
+        <p:nvSpPr>
+          <p:cNvPr id="3" name="備忘稿版面配置區 2">
+            <a:extLst>
+              <a:ext uri="{FF2B5EF4-FFF2-40B4-BE49-F238E27FC236}">
+                <a16:creationId xmlns:a16="http://schemas.microsoft.com/office/drawing/2014/main" id="{B06753FE-7774-66CD-177D-4F1840A7C337}"/>
+              </a:ext>
+            </a:extLst>
+          </p:cNvPr>
+          <p:cNvSpPr>
+            <a:spLocks noGrp="1"/>
+          </p:cNvSpPr>
+          <p:nvPr>
+            <p:ph type="body" idx="1"/>
+          </p:nvPr>
+        </p:nvSpPr>
+        <p:spPr/>
+        <p:txBody>
+          <a:bodyPr/>
+          <a:lstStyle/>
+          <a:p>
+            <a:endParaRPr kumimoji="1" lang="zh-HK" altLang="en-US" dirty="0"/>
+          </a:p>
+        </p:txBody>
+      </p:sp>
+      <p:sp>
+        <p:nvSpPr>
+          <p:cNvPr id="4" name="投影片編號版面配置區 3">
+            <a:extLst>
+              <a:ext uri="{FF2B5EF4-FFF2-40B4-BE49-F238E27FC236}">
+                <a16:creationId xmlns:a16="http://schemas.microsoft.com/office/drawing/2014/main" id="{55CF2DB6-57CF-8B4E-21FF-C420D3F88FA5}"/>
+              </a:ext>
+            </a:extLst>
+          </p:cNvPr>
+          <p:cNvSpPr>
+            <a:spLocks noGrp="1"/>
+          </p:cNvSpPr>
+          <p:nvPr>
+            <p:ph type="sldNum" sz="quarter" idx="5"/>
+          </p:nvPr>
+        </p:nvSpPr>
+        <p:spPr/>
+        <p:txBody>
+          <a:bodyPr/>
+          <a:lstStyle/>
+          <a:p>
+            <a:fld id="{8102099C-06F5-764E-8D8C-32B506B98079}" type="slidenum">
+              <a:rPr kumimoji="1" lang="zh-HK" altLang="en-US" smtClean="0"/>
+              <a:t>11</a:t>
+            </a:fld>
+            <a:endParaRPr kumimoji="1" lang="zh-HK" altLang="en-US"/>
+          </a:p>
+        </p:txBody>
+      </p:sp>
+    </p:spTree>
+    <p:extLst>
+      <p:ext uri="{BB962C8B-B14F-4D97-AF65-F5344CB8AC3E}">
+        <p14:creationId xmlns:p14="http://schemas.microsoft.com/office/powerpoint/2010/main" val="2809384279"/>
+      </p:ext>
+    </p:extLst>
+  </p:cSld>
+  <p:clrMapOvr>
+    <a:masterClrMapping/>
+  </p:clrMapOvr>
+</p:notes>
+</file>
+
+<file path=ppt/notesSlides/notesSlide11.xml><?xml version="1.0" encoding="utf-8"?>
+<p:notes xmlns:a="http://schemas.openxmlformats.org/drawingml/2006/main" xmlns:r="http://schemas.openxmlformats.org/officeDocument/2006/relationships" xmlns:p="http://schemas.openxmlformats.org/presentationml/2006/main">
+  <p:cSld>
+    <p:spTree>
+      <p:nvGrpSpPr>
+        <p:cNvPr id="1" name=""/>
+        <p:cNvGrpSpPr/>
+        <p:nvPr/>
+      </p:nvGrpSpPr>
+      <p:grpSpPr>
+        <a:xfrm>
+          <a:off x="0" y="0"/>
+          <a:ext cx="0" cy="0"/>
+          <a:chOff x="0" y="0"/>
+          <a:chExt cx="0" cy="0"/>
+        </a:xfrm>
+      </p:grpSpPr>
+      <p:sp>
+        <p:nvSpPr>
+          <p:cNvPr id="2" name="投影片影像版面配置區 1"/>
+          <p:cNvSpPr>
+            <a:spLocks noGrp="1" noRot="1" noChangeAspect="1"/>
+          </p:cNvSpPr>
+          <p:nvPr>
+            <p:ph type="sldImg"/>
+          </p:nvPr>
+        </p:nvSpPr>
+        <p:spPr/>
+      </p:sp>
+      <p:sp>
+        <p:nvSpPr>
+          <p:cNvPr id="3" name="備忘稿版面配置區 2"/>
+          <p:cNvSpPr>
+            <a:spLocks noGrp="1"/>
+          </p:cNvSpPr>
+          <p:nvPr>
+            <p:ph type="body" idx="1"/>
+          </p:nvPr>
+        </p:nvSpPr>
+        <p:spPr/>
+        <p:txBody>
+          <a:bodyPr/>
+          <a:lstStyle/>
+          <a:p>
+            <a:endParaRPr kumimoji="1" lang="zh-HK" altLang="en-US" dirty="0"/>
+          </a:p>
+        </p:txBody>
+      </p:sp>
+      <p:sp>
+        <p:nvSpPr>
+          <p:cNvPr id="4" name="投影片編號版面配置區 3"/>
+          <p:cNvSpPr>
+            <a:spLocks noGrp="1"/>
+          </p:cNvSpPr>
+          <p:nvPr>
+            <p:ph type="sldNum" sz="quarter" idx="5"/>
+          </p:nvPr>
+        </p:nvSpPr>
+        <p:spPr/>
+        <p:txBody>
+          <a:bodyPr/>
+          <a:lstStyle/>
+          <a:p>
+            <a:fld id="{8102099C-06F5-764E-8D8C-32B506B98079}" type="slidenum">
+              <a:rPr kumimoji="1" lang="zh-HK" altLang="en-US" smtClean="0"/>
+              <a:t>12</a:t>
+            </a:fld>
+            <a:endParaRPr kumimoji="1" lang="zh-HK" altLang="en-US"/>
+          </a:p>
+        </p:txBody>
+      </p:sp>
+    </p:spTree>
+    <p:extLst>
+      <p:ext uri="{BB962C8B-B14F-4D97-AF65-F5344CB8AC3E}">
+        <p14:creationId xmlns:p14="http://schemas.microsoft.com/office/powerpoint/2010/main" val="379564690"/>
       </p:ext>
     </p:extLst>
   </p:cSld>
@@ -4958,7 +9012,13 @@
   <p:cSld>
     <p:spTree>
       <p:nvGrpSpPr>
-        <p:cNvPr id="1" name=""/>
+        <p:cNvPr id="1" name="">
+          <a:extLst>
+            <a:ext uri="{FF2B5EF4-FFF2-40B4-BE49-F238E27FC236}">
+              <a16:creationId xmlns:a16="http://schemas.microsoft.com/office/drawing/2014/main" id="{1B34E554-039F-EB64-482C-83CCBD62A131}"/>
+            </a:ext>
+          </a:extLst>
+        </p:cNvPr>
         <p:cNvGrpSpPr/>
         <p:nvPr/>
       </p:nvGrpSpPr>
@@ -4972,7 +9032,13 @@
       </p:grpSpPr>
       <p:sp>
         <p:nvSpPr>
-          <p:cNvPr id="2" name="投影片影像版面配置區 1"/>
+          <p:cNvPr id="2" name="投影片影像版面配置區 1">
+            <a:extLst>
+              <a:ext uri="{FF2B5EF4-FFF2-40B4-BE49-F238E27FC236}">
+                <a16:creationId xmlns:a16="http://schemas.microsoft.com/office/drawing/2014/main" id="{080B1AF1-1B55-BF84-885B-D0D02F046C65}"/>
+              </a:ext>
+            </a:extLst>
+          </p:cNvPr>
           <p:cNvSpPr>
             <a:spLocks noGrp="1" noRot="1" noChangeAspect="1"/>
           </p:cNvSpPr>
@@ -4984,7 +9050,13 @@
       </p:sp>
       <p:sp>
         <p:nvSpPr>
-          <p:cNvPr id="3" name="備忘稿版面配置區 2"/>
+          <p:cNvPr id="3" name="備忘稿版面配置區 2">
+            <a:extLst>
+              <a:ext uri="{FF2B5EF4-FFF2-40B4-BE49-F238E27FC236}">
+                <a16:creationId xmlns:a16="http://schemas.microsoft.com/office/drawing/2014/main" id="{D305AC10-1402-161F-9D18-F8BBCE98C817}"/>
+              </a:ext>
+            </a:extLst>
+          </p:cNvPr>
           <p:cNvSpPr>
             <a:spLocks noGrp="1"/>
           </p:cNvSpPr>
@@ -5014,242 +9086,19 @@
               <a:tabLst/>
               <a:defRPr/>
             </a:pPr>
-            <a:r>
-              <a:rPr lang="zh-HK" altLang="en-US" sz="1200" dirty="0">
-                <a:solidFill>
-                  <a:schemeClr val="tx1">
-                    <a:lumMod val="95000"/>
-                  </a:schemeClr>
-                </a:solidFill>
-                <a:effectLst/>
-                <a:latin typeface="Meiryo UI" panose="020B0604030504040204" pitchFamily="34" charset="-128"/>
-                <a:ea typeface="Meiryo UI" panose="020B0604030504040204" pitchFamily="34" charset="-128"/>
-              </a:rPr>
-              <a:t>以下二つツールを使用して調査し続きます。</a:t>
-            </a:r>
-            <a:endParaRPr lang="en-US" altLang="zh-HK" sz="1200" dirty="0">
-              <a:solidFill>
-                <a:schemeClr val="tx1">
-                  <a:lumMod val="95000"/>
-                </a:schemeClr>
-              </a:solidFill>
-              <a:effectLst/>
-              <a:latin typeface="Meiryo UI" panose="020B0604030504040204" pitchFamily="34" charset="-128"/>
-              <a:ea typeface="Meiryo UI" panose="020B0604030504040204" pitchFamily="34" charset="-128"/>
-            </a:endParaRPr>
-          </a:p>
-          <a:p>
-            <a:r>
-              <a:rPr kumimoji="1" lang="zh-HK" altLang="en-US" dirty="0"/>
-              <a:t>一つは</a:t>
-            </a:r>
-            <a:r>
-              <a:rPr kumimoji="1" lang="en-US" altLang="zh-HK" dirty="0"/>
-              <a:t> go max procs </a:t>
-            </a:r>
-            <a:r>
-              <a:rPr kumimoji="1" lang="zh-HK" altLang="en-US" dirty="0"/>
-              <a:t>です。</a:t>
-            </a:r>
-            <a:br>
-              <a:rPr kumimoji="1" lang="en-US" altLang="zh-HK" dirty="0"/>
-            </a:br>
-            <a:r>
-              <a:rPr kumimoji="1" lang="en-US" altLang="zh-HK" dirty="0"/>
-              <a:t>	</a:t>
-            </a:r>
-            <a:r>
-              <a:rPr lang="en-US" altLang="zh-HK" dirty="0"/>
-              <a:t>Go Max Procs ( Po</a:t>
-            </a:r>
-            <a:r>
-              <a:rPr lang="zh-HK" altLang="en-US" dirty="0"/>
-              <a:t>ス</a:t>
-            </a:r>
-            <a:r>
-              <a:rPr lang="en-US" altLang="zh-HK" dirty="0"/>
-              <a:t> ) </a:t>
-            </a:r>
-            <a:r>
-              <a:rPr lang="ja-JP" altLang="en-US"/>
-              <a:t>は、</a:t>
-            </a:r>
-            <a:r>
-              <a:rPr lang="en-US" altLang="zh-HK" dirty="0"/>
-              <a:t>CPU</a:t>
-            </a:r>
-            <a:r>
-              <a:rPr lang="ja-JP" altLang="en-US"/>
-              <a:t>のコア</a:t>
-            </a:r>
-            <a:r>
-              <a:rPr lang="zh-HK" altLang="en-US" dirty="0"/>
-              <a:t>数</a:t>
-            </a:r>
-            <a:r>
-              <a:rPr lang="ja-JP" altLang="en-US"/>
-              <a:t>を</a:t>
-            </a:r>
-            <a:r>
-              <a:rPr lang="zh-HK" altLang="en-US" dirty="0"/>
-              <a:t>設定</a:t>
-            </a:r>
-            <a:r>
-              <a:rPr lang="ja-JP" altLang="en-US"/>
-              <a:t>できるツールです。</a:t>
-            </a:r>
-            <a:r>
-              <a:rPr lang="zh-HK" altLang="en-US" dirty="0"/>
-              <a:t>負荷</a:t>
-            </a:r>
-            <a:r>
-              <a:rPr lang="ja-JP" altLang="en-US"/>
-              <a:t>の</a:t>
-            </a:r>
-            <a:r>
-              <a:rPr lang="zh-HK" altLang="en-US" dirty="0"/>
-              <a:t>高</a:t>
-            </a:r>
-            <a:r>
-              <a:rPr lang="ja-JP" altLang="en-US"/>
-              <a:t>いタスクを</a:t>
-            </a:r>
-            <a:r>
-              <a:rPr lang="zh-HK" altLang="en-US" dirty="0"/>
-              <a:t>効率的</a:t>
-            </a:r>
-            <a:r>
-              <a:rPr lang="ja-JP" altLang="en-US"/>
-              <a:t>に</a:t>
-            </a:r>
-            <a:r>
-              <a:rPr lang="zh-HK" altLang="en-US" dirty="0"/>
-              <a:t>完了</a:t>
-            </a:r>
-            <a:r>
-              <a:rPr lang="ja-JP" altLang="en-US"/>
-              <a:t>するためには、</a:t>
-            </a:r>
-            <a:r>
-              <a:rPr lang="zh-HK" altLang="en-US" dirty="0"/>
-              <a:t>実行時</a:t>
-            </a:r>
-            <a:r>
-              <a:rPr lang="ja-JP" altLang="en-US"/>
-              <a:t>のリソース</a:t>
-            </a:r>
-            <a:r>
-              <a:rPr lang="zh-HK" altLang="en-US" dirty="0"/>
-              <a:t>最適化</a:t>
-            </a:r>
-            <a:r>
-              <a:rPr lang="ja-JP" altLang="en-US"/>
-              <a:t>が</a:t>
-            </a:r>
-            <a:r>
-              <a:rPr lang="zh-HK" altLang="en-US" dirty="0"/>
-              <a:t>重要</a:t>
-            </a:r>
-            <a:r>
-              <a:rPr lang="ja-JP" altLang="en-US"/>
-              <a:t>です。</a:t>
-            </a:r>
-            <a:br>
-              <a:rPr lang="en-US" altLang="ja-JP" dirty="0"/>
-            </a:br>
-            <a:br>
-              <a:rPr kumimoji="1" lang="en-US" altLang="zh-HK" dirty="0"/>
-            </a:br>
-            <a:r>
-              <a:rPr kumimoji="1" lang="zh-HK" altLang="en-US" dirty="0"/>
-              <a:t>もう一つは</a:t>
-            </a:r>
-            <a:r>
-              <a:rPr kumimoji="1" lang="en-US" altLang="zh-HK" dirty="0" err="1"/>
-              <a:t>Pprof</a:t>
-            </a:r>
-            <a:r>
-              <a:rPr kumimoji="1" lang="zh-HK" altLang="en-US" dirty="0"/>
-              <a:t>（</a:t>
-            </a:r>
-            <a:r>
-              <a:rPr kumimoji="1" lang="en-US" altLang="zh-HK" dirty="0"/>
-              <a:t>P</a:t>
-            </a:r>
-            <a:r>
-              <a:rPr kumimoji="1" lang="ja-JP" altLang="en-US"/>
-              <a:t>  </a:t>
-            </a:r>
-            <a:r>
-              <a:rPr kumimoji="1" lang="en-US" altLang="ja-JP" dirty="0"/>
-              <a:t>pop f</a:t>
-            </a:r>
-            <a:r>
-              <a:rPr kumimoji="1" lang="zh-HK" altLang="en-US" dirty="0"/>
-              <a:t>）です。</a:t>
-            </a:r>
-            <a:endParaRPr kumimoji="1" lang="en-US" altLang="zh-HK" dirty="0"/>
-          </a:p>
-          <a:p>
-            <a:r>
-              <a:rPr kumimoji="1" lang="en-US" altLang="zh-HK" dirty="0"/>
-              <a:t>	</a:t>
-            </a:r>
-            <a:r>
-              <a:rPr kumimoji="1" lang="zh-HK" altLang="en-US" dirty="0"/>
-              <a:t>（</a:t>
-            </a:r>
-            <a:r>
-              <a:rPr kumimoji="1" lang="en-US" altLang="zh-HK" dirty="0"/>
-              <a:t>P pop</a:t>
-            </a:r>
-            <a:r>
-              <a:rPr kumimoji="1" lang="zh-HK" altLang="en-US" dirty="0"/>
-              <a:t>）は</a:t>
-            </a:r>
-            <a:r>
-              <a:rPr lang="ja-JP" altLang="en-US"/>
-              <a:t>コード</a:t>
-            </a:r>
-            <a:r>
-              <a:rPr lang="zh-HK" altLang="en-US" dirty="0"/>
-              <a:t>実行時</a:t>
-            </a:r>
-            <a:r>
-              <a:rPr lang="ja-JP" altLang="en-US"/>
-              <a:t>のリソース</a:t>
-            </a:r>
-            <a:r>
-              <a:rPr lang="zh-HK" altLang="en-US" dirty="0"/>
-              <a:t>使用状況</a:t>
-            </a:r>
-            <a:r>
-              <a:rPr lang="ja-JP" altLang="en-US"/>
-              <a:t>を</a:t>
-            </a:r>
-            <a:r>
-              <a:rPr lang="zh-HK" altLang="en-US" dirty="0"/>
-              <a:t>監視</a:t>
-            </a:r>
-            <a:r>
-              <a:rPr lang="ja-JP" altLang="en-US"/>
-              <a:t>し、</a:t>
-            </a:r>
-            <a:r>
-              <a:rPr lang="zh-HK" altLang="en-US" dirty="0"/>
-              <a:t>分析</a:t>
-            </a:r>
-            <a:r>
-              <a:rPr lang="ja-JP" altLang="en-US"/>
-              <a:t>するためのツールです。</a:t>
-            </a:r>
-            <a:endParaRPr kumimoji="1" lang="en-US" altLang="zh-HK" dirty="0"/>
+            <a:endParaRPr lang="zh-TW" altLang="en-US" dirty="0"/>
           </a:p>
         </p:txBody>
       </p:sp>
       <p:sp>
         <p:nvSpPr>
-          <p:cNvPr id="4" name="投影片編號版面配置區 3"/>
+          <p:cNvPr id="4" name="投影片編號版面配置區 3">
+            <a:extLst>
+              <a:ext uri="{FF2B5EF4-FFF2-40B4-BE49-F238E27FC236}">
+                <a16:creationId xmlns:a16="http://schemas.microsoft.com/office/drawing/2014/main" id="{48D84803-3903-F559-4A2B-7BF45559F948}"/>
+              </a:ext>
+            </a:extLst>
+          </p:cNvPr>
           <p:cNvSpPr>
             <a:spLocks noGrp="1"/>
           </p:cNvSpPr>
@@ -5273,7 +9122,7 @@
     </p:spTree>
     <p:extLst>
       <p:ext uri="{BB962C8B-B14F-4D97-AF65-F5344CB8AC3E}">
-        <p14:creationId xmlns:p14="http://schemas.microsoft.com/office/powerpoint/2010/main" val="685389607"/>
+        <p14:creationId xmlns:p14="http://schemas.microsoft.com/office/powerpoint/2010/main" val="176077842"/>
       </p:ext>
     </p:extLst>
   </p:cSld>
@@ -5291,7 +9140,7 @@
         <p:cNvPr id="1" name="">
           <a:extLst>
             <a:ext uri="{FF2B5EF4-FFF2-40B4-BE49-F238E27FC236}">
-              <a16:creationId xmlns:a16="http://schemas.microsoft.com/office/drawing/2014/main" id="{5877D8E1-902E-834B-AAE1-0D8A7B89AA8C}"/>
+              <a16:creationId xmlns:a16="http://schemas.microsoft.com/office/drawing/2014/main" id="{82A1BEE9-E4E4-FBE6-F62A-0ADDD9438F53}"/>
             </a:ext>
           </a:extLst>
         </p:cNvPr>
@@ -5311,7 +9160,7 @@
           <p:cNvPr id="2" name="投影片影像版面配置區 1">
             <a:extLst>
               <a:ext uri="{FF2B5EF4-FFF2-40B4-BE49-F238E27FC236}">
-                <a16:creationId xmlns:a16="http://schemas.microsoft.com/office/drawing/2014/main" id="{DE02A151-06F3-47D4-C42C-A1FAACCB22E0}"/>
+                <a16:creationId xmlns:a16="http://schemas.microsoft.com/office/drawing/2014/main" id="{487CA14F-6D27-9E58-BC22-B75AD8A42544}"/>
               </a:ext>
             </a:extLst>
           </p:cNvPr>
@@ -5329,7 +9178,7 @@
           <p:cNvPr id="3" name="備忘稿版面配置區 2">
             <a:extLst>
               <a:ext uri="{FF2B5EF4-FFF2-40B4-BE49-F238E27FC236}">
-                <a16:creationId xmlns:a16="http://schemas.microsoft.com/office/drawing/2014/main" id="{B06753FE-7774-66CD-177D-4F1840A7C337}"/>
+                <a16:creationId xmlns:a16="http://schemas.microsoft.com/office/drawing/2014/main" id="{98D4F50A-5BB9-A852-8741-917ACCF83687}"/>
               </a:ext>
             </a:extLst>
           </p:cNvPr>
@@ -5345,7 +9194,331 @@
           <a:bodyPr/>
           <a:lstStyle/>
           <a:p>
-            <a:endParaRPr kumimoji="1" lang="zh-HK" altLang="en-US" dirty="0"/>
+            <a:pPr marL="0" marR="0" lvl="0" indent="0" algn="l" defTabSz="914400" rtl="0" eaLnBrk="1" fontAlgn="auto" latinLnBrk="0" hangingPunct="1">
+              <a:lnSpc>
+                <a:spcPct val="100000"/>
+              </a:lnSpc>
+              <a:spcBef>
+                <a:spcPts val="0"/>
+              </a:spcBef>
+              <a:spcAft>
+                <a:spcPts val="0"/>
+              </a:spcAft>
+              <a:buClrTx/>
+              <a:buSzTx/>
+              <a:buFontTx/>
+              <a:buNone/>
+              <a:tabLst/>
+              <a:defRPr/>
+            </a:pPr>
+            <a:r>
+              <a:rPr lang="en-US" altLang="zh-HK" dirty="0">
+                <a:effectLst/>
+                <a:latin typeface="Meiryo UI" panose="020B0604030504040204" pitchFamily="34" charset="-128"/>
+                <a:ea typeface="Meiryo UI" panose="020B0604030504040204" pitchFamily="34" charset="-128"/>
+              </a:rPr>
+              <a:t>Argon2</a:t>
+            </a:r>
+            <a:r>
+              <a:rPr lang="zh-HK" altLang="en-US" dirty="0">
+                <a:effectLst/>
+                <a:latin typeface="Meiryo UI" panose="020B0604030504040204" pitchFamily="34" charset="-128"/>
+                <a:ea typeface="Meiryo UI" panose="020B0604030504040204" pitchFamily="34" charset="-128"/>
+              </a:rPr>
+              <a:t>、</a:t>
+            </a:r>
+            <a:r>
+              <a:rPr lang="en-US" altLang="zh-HK" dirty="0">
+                <a:effectLst/>
+                <a:latin typeface="Meiryo UI" panose="020B0604030504040204" pitchFamily="34" charset="-128"/>
+                <a:ea typeface="Meiryo UI" panose="020B0604030504040204" pitchFamily="34" charset="-128"/>
+              </a:rPr>
+              <a:t>Blake2s</a:t>
+            </a:r>
+            <a:r>
+              <a:rPr lang="zh-HK" altLang="en-US" dirty="0">
+                <a:effectLst/>
+                <a:latin typeface="Meiryo UI" panose="020B0604030504040204" pitchFamily="34" charset="-128"/>
+                <a:ea typeface="Meiryo UI" panose="020B0604030504040204" pitchFamily="34" charset="-128"/>
+              </a:rPr>
+              <a:t>、</a:t>
+            </a:r>
+            <a:r>
+              <a:rPr lang="en-US" altLang="zh-HK" dirty="0">
+                <a:effectLst/>
+                <a:latin typeface="Meiryo UI" panose="020B0604030504040204" pitchFamily="34" charset="-128"/>
+                <a:ea typeface="Meiryo UI" panose="020B0604030504040204" pitchFamily="34" charset="-128"/>
+              </a:rPr>
+              <a:t>RIPEMD-160</a:t>
+            </a:r>
+            <a:r>
+              <a:rPr lang="zh-HK" altLang="en-US" dirty="0">
+                <a:effectLst/>
+                <a:latin typeface="Meiryo UI" panose="020B0604030504040204" pitchFamily="34" charset="-128"/>
+                <a:ea typeface="Meiryo UI" panose="020B0604030504040204" pitchFamily="34" charset="-128"/>
+              </a:rPr>
+              <a:t>、</a:t>
+            </a:r>
+            <a:r>
+              <a:rPr lang="en-US" altLang="zh-HK" dirty="0">
+                <a:effectLst/>
+                <a:latin typeface="Meiryo UI" panose="020B0604030504040204" pitchFamily="34" charset="-128"/>
+                <a:ea typeface="Meiryo UI" panose="020B0604030504040204" pitchFamily="34" charset="-128"/>
+              </a:rPr>
+              <a:t>Whirlpool </a:t>
+            </a:r>
+            <a:r>
+              <a:rPr lang="ja-JP" altLang="en-US">
+                <a:effectLst/>
+                <a:latin typeface="Meiryo UI" panose="020B0604030504040204" pitchFamily="34" charset="-128"/>
+                <a:ea typeface="Meiryo UI" panose="020B0604030504040204" pitchFamily="34" charset="-128"/>
+              </a:rPr>
+              <a:t>などの</a:t>
+            </a:r>
+            <a:r>
+              <a:rPr lang="zh-HK" altLang="en-US" dirty="0">
+                <a:effectLst/>
+                <a:latin typeface="Meiryo UI" panose="020B0604030504040204" pitchFamily="34" charset="-128"/>
+                <a:ea typeface="Meiryo UI" panose="020B0604030504040204" pitchFamily="34" charset="-128"/>
+              </a:rPr>
+              <a:t>暗号学的</a:t>
+            </a:r>
+            <a:r>
+              <a:rPr lang="ja-JP" altLang="en-US">
+                <a:effectLst/>
+                <a:latin typeface="Meiryo UI" panose="020B0604030504040204" pitchFamily="34" charset="-128"/>
+                <a:ea typeface="Meiryo UI" panose="020B0604030504040204" pitchFamily="34" charset="-128"/>
+              </a:rPr>
+              <a:t>ハッシュ</a:t>
+            </a:r>
+            <a:r>
+              <a:rPr lang="zh-HK" altLang="en-US" dirty="0">
+                <a:effectLst/>
+                <a:latin typeface="Meiryo UI" panose="020B0604030504040204" pitchFamily="34" charset="-128"/>
+                <a:ea typeface="Meiryo UI" panose="020B0604030504040204" pitchFamily="34" charset="-128"/>
+              </a:rPr>
+              <a:t>関数</a:t>
+            </a:r>
+            <a:r>
+              <a:rPr lang="ja-JP" altLang="en-US">
+                <a:effectLst/>
+                <a:latin typeface="Meiryo UI" panose="020B0604030504040204" pitchFamily="34" charset="-128"/>
+                <a:ea typeface="Meiryo UI" panose="020B0604030504040204" pitchFamily="34" charset="-128"/>
+              </a:rPr>
+              <a:t>はセキュリティに</a:t>
+            </a:r>
+            <a:r>
+              <a:rPr lang="zh-HK" altLang="en-US" dirty="0">
+                <a:effectLst/>
+                <a:latin typeface="Meiryo UI" panose="020B0604030504040204" pitchFamily="34" charset="-128"/>
+                <a:ea typeface="Meiryo UI" panose="020B0604030504040204" pitchFamily="34" charset="-128"/>
+              </a:rPr>
+              <a:t>重点</a:t>
+            </a:r>
+            <a:r>
+              <a:rPr lang="ja-JP" altLang="en-US">
+                <a:effectLst/>
+                <a:latin typeface="Meiryo UI" panose="020B0604030504040204" pitchFamily="34" charset="-128"/>
+                <a:ea typeface="Meiryo UI" panose="020B0604030504040204" pitchFamily="34" charset="-128"/>
+              </a:rPr>
+              <a:t>を</a:t>
+            </a:r>
+            <a:r>
+              <a:rPr lang="zh-HK" altLang="en-US" dirty="0">
+                <a:effectLst/>
+                <a:latin typeface="Meiryo UI" panose="020B0604030504040204" pitchFamily="34" charset="-128"/>
+                <a:ea typeface="Meiryo UI" panose="020B0604030504040204" pitchFamily="34" charset="-128"/>
+              </a:rPr>
+              <a:t>置</a:t>
+            </a:r>
+            <a:r>
+              <a:rPr lang="ja-JP" altLang="en-US">
+                <a:effectLst/>
+                <a:latin typeface="Meiryo UI" panose="020B0604030504040204" pitchFamily="34" charset="-128"/>
+                <a:ea typeface="Meiryo UI" panose="020B0604030504040204" pitchFamily="34" charset="-128"/>
+              </a:rPr>
+              <a:t>いて</a:t>
+            </a:r>
+            <a:r>
+              <a:rPr lang="zh-HK" altLang="en-US" dirty="0">
+                <a:effectLst/>
+                <a:latin typeface="Meiryo UI" panose="020B0604030504040204" pitchFamily="34" charset="-128"/>
+                <a:ea typeface="Meiryo UI" panose="020B0604030504040204" pitchFamily="34" charset="-128"/>
+              </a:rPr>
+              <a:t>設計</a:t>
+            </a:r>
+            <a:r>
+              <a:rPr lang="ja-JP" altLang="en-US">
+                <a:effectLst/>
+                <a:latin typeface="Meiryo UI" panose="020B0604030504040204" pitchFamily="34" charset="-128"/>
+                <a:ea typeface="Meiryo UI" panose="020B0604030504040204" pitchFamily="34" charset="-128"/>
+              </a:rPr>
+              <a:t>されていますが、</a:t>
+            </a:r>
+            <a:r>
+              <a:rPr lang="zh-HK" altLang="en-US" dirty="0">
+                <a:effectLst/>
+                <a:latin typeface="Meiryo UI" panose="020B0604030504040204" pitchFamily="34" charset="-128"/>
+                <a:ea typeface="Meiryo UI" panose="020B0604030504040204" pitchFamily="34" charset="-128"/>
+              </a:rPr>
+              <a:t>速度</a:t>
+            </a:r>
+            <a:r>
+              <a:rPr lang="ja-JP" altLang="en-US">
+                <a:effectLst/>
+                <a:latin typeface="Meiryo UI" panose="020B0604030504040204" pitchFamily="34" charset="-128"/>
+                <a:ea typeface="Meiryo UI" panose="020B0604030504040204" pitchFamily="34" charset="-128"/>
+              </a:rPr>
+              <a:t>や</a:t>
+            </a:r>
+            <a:r>
+              <a:rPr lang="zh-HK" altLang="en-US" dirty="0">
+                <a:effectLst/>
+                <a:latin typeface="Meiryo UI" panose="020B0604030504040204" pitchFamily="34" charset="-128"/>
+                <a:ea typeface="Meiryo UI" panose="020B0604030504040204" pitchFamily="34" charset="-128"/>
+              </a:rPr>
+              <a:t>効率性</a:t>
+            </a:r>
+            <a:r>
+              <a:rPr lang="ja-JP" altLang="en-US">
+                <a:effectLst/>
+                <a:latin typeface="Meiryo UI" panose="020B0604030504040204" pitchFamily="34" charset="-128"/>
+                <a:ea typeface="Meiryo UI" panose="020B0604030504040204" pitchFamily="34" charset="-128"/>
+              </a:rPr>
+              <a:t>が</a:t>
+            </a:r>
+            <a:r>
+              <a:rPr lang="zh-HK" altLang="en-US" dirty="0">
+                <a:effectLst/>
+                <a:latin typeface="Meiryo UI" panose="020B0604030504040204" pitchFamily="34" charset="-128"/>
+                <a:ea typeface="Meiryo UI" panose="020B0604030504040204" pitchFamily="34" charset="-128"/>
+              </a:rPr>
+              <a:t>低</a:t>
+            </a:r>
+            <a:r>
+              <a:rPr lang="ja-JP" altLang="en-US">
+                <a:effectLst/>
+                <a:latin typeface="Meiryo UI" panose="020B0604030504040204" pitchFamily="34" charset="-128"/>
+                <a:ea typeface="Meiryo UI" panose="020B0604030504040204" pitchFamily="34" charset="-128"/>
+              </a:rPr>
+              <a:t>いため、より</a:t>
+            </a:r>
+            <a:r>
+              <a:rPr lang="zh-HK" altLang="en-US" dirty="0">
+                <a:effectLst/>
+                <a:latin typeface="Meiryo UI" panose="020B0604030504040204" pitchFamily="34" charset="-128"/>
+                <a:ea typeface="Meiryo UI" panose="020B0604030504040204" pitchFamily="34" charset="-128"/>
+              </a:rPr>
+              <a:t>高速</a:t>
+            </a:r>
+            <a:r>
+              <a:rPr lang="ja-JP" altLang="en-US">
+                <a:effectLst/>
+                <a:latin typeface="Meiryo UI" panose="020B0604030504040204" pitchFamily="34" charset="-128"/>
+                <a:ea typeface="Meiryo UI" panose="020B0604030504040204" pitchFamily="34" charset="-128"/>
+              </a:rPr>
+              <a:t>で</a:t>
+            </a:r>
+            <a:r>
+              <a:rPr lang="zh-HK" altLang="en-US" dirty="0">
+                <a:effectLst/>
+                <a:latin typeface="Meiryo UI" panose="020B0604030504040204" pitchFamily="34" charset="-128"/>
+                <a:ea typeface="Meiryo UI" panose="020B0604030504040204" pitchFamily="34" charset="-128"/>
+              </a:rPr>
+              <a:t>効率的</a:t>
+            </a:r>
+            <a:r>
+              <a:rPr lang="ja-JP" altLang="en-US">
+                <a:effectLst/>
+                <a:latin typeface="Meiryo UI" panose="020B0604030504040204" pitchFamily="34" charset="-128"/>
+                <a:ea typeface="Meiryo UI" panose="020B0604030504040204" pitchFamily="34" charset="-128"/>
+              </a:rPr>
+              <a:t>な</a:t>
+            </a:r>
+            <a:r>
+              <a:rPr lang="zh-HK" altLang="en-US" dirty="0">
+                <a:effectLst/>
+                <a:latin typeface="Meiryo UI" panose="020B0604030504040204" pitchFamily="34" charset="-128"/>
+                <a:ea typeface="Meiryo UI" panose="020B0604030504040204" pitchFamily="34" charset="-128"/>
+              </a:rPr>
+              <a:t>次</a:t>
+            </a:r>
+            <a:r>
+              <a:rPr lang="ja-JP" altLang="en-US">
+                <a:effectLst/>
+                <a:latin typeface="Meiryo UI" panose="020B0604030504040204" pitchFamily="34" charset="-128"/>
+                <a:ea typeface="Meiryo UI" panose="020B0604030504040204" pitchFamily="34" charset="-128"/>
+              </a:rPr>
+              <a:t>のハッシュ</a:t>
+            </a:r>
+            <a:r>
+              <a:rPr lang="zh-HK" altLang="en-US" dirty="0">
+                <a:effectLst/>
+                <a:latin typeface="Meiryo UI" panose="020B0604030504040204" pitchFamily="34" charset="-128"/>
+                <a:ea typeface="Meiryo UI" panose="020B0604030504040204" pitchFamily="34" charset="-128"/>
+              </a:rPr>
+              <a:t>関数</a:t>
+            </a:r>
+            <a:r>
+              <a:rPr lang="ja-JP" altLang="en-US">
+                <a:effectLst/>
+                <a:latin typeface="Meiryo UI" panose="020B0604030504040204" pitchFamily="34" charset="-128"/>
+                <a:ea typeface="Meiryo UI" panose="020B0604030504040204" pitchFamily="34" charset="-128"/>
+              </a:rPr>
+              <a:t>に</a:t>
+            </a:r>
+            <a:r>
+              <a:rPr lang="zh-HK" altLang="en-US" dirty="0">
+                <a:effectLst/>
+                <a:latin typeface="Meiryo UI" panose="020B0604030504040204" pitchFamily="34" charset="-128"/>
+                <a:ea typeface="Meiryo UI" panose="020B0604030504040204" pitchFamily="34" charset="-128"/>
+              </a:rPr>
+              <a:t>切</a:t>
+            </a:r>
+            <a:r>
+              <a:rPr lang="ja-JP" altLang="en-US">
+                <a:effectLst/>
+                <a:latin typeface="Meiryo UI" panose="020B0604030504040204" pitchFamily="34" charset="-128"/>
+                <a:ea typeface="Meiryo UI" panose="020B0604030504040204" pitchFamily="34" charset="-128"/>
+              </a:rPr>
+              <a:t>り</a:t>
+            </a:r>
+            <a:r>
+              <a:rPr lang="zh-HK" altLang="en-US" dirty="0">
+                <a:effectLst/>
+                <a:latin typeface="Meiryo UI" panose="020B0604030504040204" pitchFamily="34" charset="-128"/>
+                <a:ea typeface="Meiryo UI" panose="020B0604030504040204" pitchFamily="34" charset="-128"/>
+              </a:rPr>
+              <a:t>替</a:t>
+            </a:r>
+            <a:r>
+              <a:rPr lang="ja-JP" altLang="en-US">
+                <a:effectLst/>
+                <a:latin typeface="Meiryo UI" panose="020B0604030504040204" pitchFamily="34" charset="-128"/>
+                <a:ea typeface="Meiryo UI" panose="020B0604030504040204" pitchFamily="34" charset="-128"/>
+              </a:rPr>
+              <a:t>えます：</a:t>
+            </a:r>
+          </a:p>
+          <a:p>
+            <a:pPr marL="0" marR="0" lvl="0" indent="0" algn="l" defTabSz="914400" rtl="0" eaLnBrk="1" fontAlgn="auto" latinLnBrk="0" hangingPunct="1">
+              <a:lnSpc>
+                <a:spcPct val="100000"/>
+              </a:lnSpc>
+              <a:spcBef>
+                <a:spcPts val="0"/>
+              </a:spcBef>
+              <a:spcAft>
+                <a:spcPts val="0"/>
+              </a:spcAft>
+              <a:buClrTx/>
+              <a:buSzTx/>
+              <a:buFontTx/>
+              <a:buNone/>
+              <a:tabLst/>
+              <a:defRPr/>
+            </a:pPr>
+            <a:endParaRPr lang="zh-TW" altLang="en-US" dirty="0"/>
           </a:p>
         </p:txBody>
       </p:sp>
@@ -5354,7 +9527,7 @@
           <p:cNvPr id="4" name="投影片編號版面配置區 3">
             <a:extLst>
               <a:ext uri="{FF2B5EF4-FFF2-40B4-BE49-F238E27FC236}">
-                <a16:creationId xmlns:a16="http://schemas.microsoft.com/office/drawing/2014/main" id="{55CF2DB6-57CF-8B4E-21FF-C420D3F88FA5}"/>
+                <a16:creationId xmlns:a16="http://schemas.microsoft.com/office/drawing/2014/main" id="{ADA6E327-FA4A-AF81-0372-676E645E9F61}"/>
               </a:ext>
             </a:extLst>
           </p:cNvPr>
@@ -5381,7 +9554,7 @@
     </p:spTree>
     <p:extLst>
       <p:ext uri="{BB962C8B-B14F-4D97-AF65-F5344CB8AC3E}">
-        <p14:creationId xmlns:p14="http://schemas.microsoft.com/office/powerpoint/2010/main" val="2809384279"/>
+        <p14:creationId xmlns:p14="http://schemas.microsoft.com/office/powerpoint/2010/main" val="2148759199"/>
       </p:ext>
     </p:extLst>
   </p:cSld>
@@ -5396,7 +9569,13 @@
   <p:cSld>
     <p:spTree>
       <p:nvGrpSpPr>
-        <p:cNvPr id="1" name=""/>
+        <p:cNvPr id="1" name="">
+          <a:extLst>
+            <a:ext uri="{FF2B5EF4-FFF2-40B4-BE49-F238E27FC236}">
+              <a16:creationId xmlns:a16="http://schemas.microsoft.com/office/drawing/2014/main" id="{A08D51B8-0FAA-2470-CF6B-8EB5CA1693FC}"/>
+            </a:ext>
+          </a:extLst>
+        </p:cNvPr>
         <p:cNvGrpSpPr/>
         <p:nvPr/>
       </p:nvGrpSpPr>
@@ -5410,7 +9589,13 @@
       </p:grpSpPr>
       <p:sp>
         <p:nvSpPr>
-          <p:cNvPr id="2" name="投影片影像版面配置區 1"/>
+          <p:cNvPr id="2" name="投影片影像版面配置區 1">
+            <a:extLst>
+              <a:ext uri="{FF2B5EF4-FFF2-40B4-BE49-F238E27FC236}">
+                <a16:creationId xmlns:a16="http://schemas.microsoft.com/office/drawing/2014/main" id="{24381E50-5663-2CD8-3BB1-DE305B4DEFAA}"/>
+              </a:ext>
+            </a:extLst>
+          </p:cNvPr>
           <p:cNvSpPr>
             <a:spLocks noGrp="1" noRot="1" noChangeAspect="1"/>
           </p:cNvSpPr>
@@ -5422,7 +9607,13 @@
       </p:sp>
       <p:sp>
         <p:nvSpPr>
-          <p:cNvPr id="3" name="備忘稿版面配置區 2"/>
+          <p:cNvPr id="3" name="備忘稿版面配置區 2">
+            <a:extLst>
+              <a:ext uri="{FF2B5EF4-FFF2-40B4-BE49-F238E27FC236}">
+                <a16:creationId xmlns:a16="http://schemas.microsoft.com/office/drawing/2014/main" id="{31878DC6-D46B-6766-5FE7-7B706569D1E9}"/>
+              </a:ext>
+            </a:extLst>
+          </p:cNvPr>
           <p:cNvSpPr>
             <a:spLocks noGrp="1"/>
           </p:cNvSpPr>
@@ -5435,13 +9626,343 @@
           <a:bodyPr/>
           <a:lstStyle/>
           <a:p>
-            <a:endParaRPr kumimoji="1" lang="zh-HK" altLang="en-US" dirty="0"/>
+            <a:pPr marL="0" marR="0" lvl="0" indent="0" algn="l" defTabSz="914400" rtl="0" eaLnBrk="1" fontAlgn="auto" latinLnBrk="0" hangingPunct="1">
+              <a:lnSpc>
+                <a:spcPct val="100000"/>
+              </a:lnSpc>
+              <a:spcBef>
+                <a:spcPts val="0"/>
+              </a:spcBef>
+              <a:spcAft>
+                <a:spcPts val="0"/>
+              </a:spcAft>
+              <a:buClrTx/>
+              <a:buSzTx/>
+              <a:buFontTx/>
+              <a:buNone/>
+              <a:tabLst/>
+              <a:defRPr/>
+            </a:pPr>
+            <a:r>
+              <a:rPr lang="en-US" altLang="zh-HK" dirty="0">
+                <a:effectLst/>
+                <a:latin typeface="Meiryo UI" panose="020B0604030504040204" pitchFamily="34" charset="-128"/>
+                <a:ea typeface="Meiryo UI" panose="020B0604030504040204" pitchFamily="34" charset="-128"/>
+              </a:rPr>
+              <a:t>Argon2</a:t>
+            </a:r>
+            <a:r>
+              <a:rPr lang="zh-HK" altLang="en-US" dirty="0">
+                <a:effectLst/>
+                <a:latin typeface="Meiryo UI" panose="020B0604030504040204" pitchFamily="34" charset="-128"/>
+                <a:ea typeface="Meiryo UI" panose="020B0604030504040204" pitchFamily="34" charset="-128"/>
+              </a:rPr>
+              <a:t>、</a:t>
+            </a:r>
+            <a:r>
+              <a:rPr lang="en-US" altLang="zh-HK" dirty="0">
+                <a:effectLst/>
+                <a:latin typeface="Meiryo UI" panose="020B0604030504040204" pitchFamily="34" charset="-128"/>
+                <a:ea typeface="Meiryo UI" panose="020B0604030504040204" pitchFamily="34" charset="-128"/>
+              </a:rPr>
+              <a:t>Blake2s</a:t>
+            </a:r>
+            <a:r>
+              <a:rPr lang="zh-HK" altLang="en-US" dirty="0">
+                <a:effectLst/>
+                <a:latin typeface="Meiryo UI" panose="020B0604030504040204" pitchFamily="34" charset="-128"/>
+                <a:ea typeface="Meiryo UI" panose="020B0604030504040204" pitchFamily="34" charset="-128"/>
+              </a:rPr>
+              <a:t>、</a:t>
+            </a:r>
+            <a:r>
+              <a:rPr lang="en-US" altLang="zh-HK" dirty="0">
+                <a:effectLst/>
+                <a:latin typeface="Meiryo UI" panose="020B0604030504040204" pitchFamily="34" charset="-128"/>
+                <a:ea typeface="Meiryo UI" panose="020B0604030504040204" pitchFamily="34" charset="-128"/>
+              </a:rPr>
+              <a:t>RIPEMD-160</a:t>
+            </a:r>
+            <a:r>
+              <a:rPr lang="zh-HK" altLang="en-US" dirty="0">
+                <a:effectLst/>
+                <a:latin typeface="Meiryo UI" panose="020B0604030504040204" pitchFamily="34" charset="-128"/>
+                <a:ea typeface="Meiryo UI" panose="020B0604030504040204" pitchFamily="34" charset="-128"/>
+              </a:rPr>
+              <a:t>、</a:t>
+            </a:r>
+            <a:r>
+              <a:rPr lang="en-US" altLang="zh-HK" dirty="0">
+                <a:effectLst/>
+                <a:latin typeface="Meiryo UI" panose="020B0604030504040204" pitchFamily="34" charset="-128"/>
+                <a:ea typeface="Meiryo UI" panose="020B0604030504040204" pitchFamily="34" charset="-128"/>
+              </a:rPr>
+              <a:t>Whirlpool </a:t>
+            </a:r>
+            <a:r>
+              <a:rPr lang="ja-JP" altLang="en-US">
+                <a:effectLst/>
+                <a:latin typeface="Meiryo UI" panose="020B0604030504040204" pitchFamily="34" charset="-128"/>
+                <a:ea typeface="Meiryo UI" panose="020B0604030504040204" pitchFamily="34" charset="-128"/>
+              </a:rPr>
+              <a:t>などの</a:t>
+            </a:r>
+            <a:r>
+              <a:rPr lang="zh-HK" altLang="en-US" dirty="0">
+                <a:effectLst/>
+                <a:latin typeface="Meiryo UI" panose="020B0604030504040204" pitchFamily="34" charset="-128"/>
+                <a:ea typeface="Meiryo UI" panose="020B0604030504040204" pitchFamily="34" charset="-128"/>
+              </a:rPr>
+              <a:t>暗号学的</a:t>
+            </a:r>
+            <a:r>
+              <a:rPr lang="ja-JP" altLang="en-US">
+                <a:effectLst/>
+                <a:latin typeface="Meiryo UI" panose="020B0604030504040204" pitchFamily="34" charset="-128"/>
+                <a:ea typeface="Meiryo UI" panose="020B0604030504040204" pitchFamily="34" charset="-128"/>
+              </a:rPr>
+              <a:t>ハッシュ</a:t>
+            </a:r>
+            <a:r>
+              <a:rPr lang="zh-HK" altLang="en-US" dirty="0">
+                <a:effectLst/>
+                <a:latin typeface="Meiryo UI" panose="020B0604030504040204" pitchFamily="34" charset="-128"/>
+                <a:ea typeface="Meiryo UI" panose="020B0604030504040204" pitchFamily="34" charset="-128"/>
+              </a:rPr>
+              <a:t>関数</a:t>
+            </a:r>
+            <a:r>
+              <a:rPr lang="ja-JP" altLang="en-US">
+                <a:effectLst/>
+                <a:latin typeface="Meiryo UI" panose="020B0604030504040204" pitchFamily="34" charset="-128"/>
+                <a:ea typeface="Meiryo UI" panose="020B0604030504040204" pitchFamily="34" charset="-128"/>
+              </a:rPr>
+              <a:t>はセキュリティに</a:t>
+            </a:r>
+            <a:r>
+              <a:rPr lang="zh-HK" altLang="en-US" dirty="0">
+                <a:effectLst/>
+                <a:latin typeface="Meiryo UI" panose="020B0604030504040204" pitchFamily="34" charset="-128"/>
+                <a:ea typeface="Meiryo UI" panose="020B0604030504040204" pitchFamily="34" charset="-128"/>
+              </a:rPr>
+              <a:t>重点</a:t>
+            </a:r>
+            <a:r>
+              <a:rPr lang="ja-JP" altLang="en-US">
+                <a:effectLst/>
+                <a:latin typeface="Meiryo UI" panose="020B0604030504040204" pitchFamily="34" charset="-128"/>
+                <a:ea typeface="Meiryo UI" panose="020B0604030504040204" pitchFamily="34" charset="-128"/>
+              </a:rPr>
+              <a:t>を</a:t>
+            </a:r>
+            <a:r>
+              <a:rPr lang="zh-HK" altLang="en-US" dirty="0">
+                <a:effectLst/>
+                <a:latin typeface="Meiryo UI" panose="020B0604030504040204" pitchFamily="34" charset="-128"/>
+                <a:ea typeface="Meiryo UI" panose="020B0604030504040204" pitchFamily="34" charset="-128"/>
+              </a:rPr>
+              <a:t>置</a:t>
+            </a:r>
+            <a:r>
+              <a:rPr lang="ja-JP" altLang="en-US">
+                <a:effectLst/>
+                <a:latin typeface="Meiryo UI" panose="020B0604030504040204" pitchFamily="34" charset="-128"/>
+                <a:ea typeface="Meiryo UI" panose="020B0604030504040204" pitchFamily="34" charset="-128"/>
+              </a:rPr>
+              <a:t>いて</a:t>
+            </a:r>
+            <a:r>
+              <a:rPr lang="zh-HK" altLang="en-US" dirty="0">
+                <a:effectLst/>
+                <a:latin typeface="Meiryo UI" panose="020B0604030504040204" pitchFamily="34" charset="-128"/>
+                <a:ea typeface="Meiryo UI" panose="020B0604030504040204" pitchFamily="34" charset="-128"/>
+              </a:rPr>
+              <a:t>設計</a:t>
+            </a:r>
+            <a:r>
+              <a:rPr lang="ja-JP" altLang="en-US">
+                <a:effectLst/>
+                <a:latin typeface="Meiryo UI" panose="020B0604030504040204" pitchFamily="34" charset="-128"/>
+                <a:ea typeface="Meiryo UI" panose="020B0604030504040204" pitchFamily="34" charset="-128"/>
+              </a:rPr>
+              <a:t>されていますが、</a:t>
+            </a:r>
+            <a:r>
+              <a:rPr lang="zh-HK" altLang="en-US" dirty="0">
+                <a:effectLst/>
+                <a:latin typeface="Meiryo UI" panose="020B0604030504040204" pitchFamily="34" charset="-128"/>
+                <a:ea typeface="Meiryo UI" panose="020B0604030504040204" pitchFamily="34" charset="-128"/>
+              </a:rPr>
+              <a:t>速度</a:t>
+            </a:r>
+            <a:r>
+              <a:rPr lang="ja-JP" altLang="en-US">
+                <a:effectLst/>
+                <a:latin typeface="Meiryo UI" panose="020B0604030504040204" pitchFamily="34" charset="-128"/>
+                <a:ea typeface="Meiryo UI" panose="020B0604030504040204" pitchFamily="34" charset="-128"/>
+              </a:rPr>
+              <a:t>や</a:t>
+            </a:r>
+            <a:r>
+              <a:rPr lang="zh-HK" altLang="en-US" dirty="0">
+                <a:effectLst/>
+                <a:latin typeface="Meiryo UI" panose="020B0604030504040204" pitchFamily="34" charset="-128"/>
+                <a:ea typeface="Meiryo UI" panose="020B0604030504040204" pitchFamily="34" charset="-128"/>
+              </a:rPr>
+              <a:t>効率性</a:t>
+            </a:r>
+            <a:r>
+              <a:rPr lang="ja-JP" altLang="en-US">
+                <a:effectLst/>
+                <a:latin typeface="Meiryo UI" panose="020B0604030504040204" pitchFamily="34" charset="-128"/>
+                <a:ea typeface="Meiryo UI" panose="020B0604030504040204" pitchFamily="34" charset="-128"/>
+              </a:rPr>
+              <a:t>が</a:t>
+            </a:r>
+            <a:r>
+              <a:rPr lang="zh-HK" altLang="en-US" dirty="0">
+                <a:effectLst/>
+                <a:latin typeface="Meiryo UI" panose="020B0604030504040204" pitchFamily="34" charset="-128"/>
+                <a:ea typeface="Meiryo UI" panose="020B0604030504040204" pitchFamily="34" charset="-128"/>
+              </a:rPr>
+              <a:t>低</a:t>
+            </a:r>
+            <a:r>
+              <a:rPr lang="ja-JP" altLang="en-US">
+                <a:effectLst/>
+                <a:latin typeface="Meiryo UI" panose="020B0604030504040204" pitchFamily="34" charset="-128"/>
+                <a:ea typeface="Meiryo UI" panose="020B0604030504040204" pitchFamily="34" charset="-128"/>
+              </a:rPr>
+              <a:t>いため、より</a:t>
+            </a:r>
+            <a:r>
+              <a:rPr lang="zh-HK" altLang="en-US" dirty="0">
+                <a:effectLst/>
+                <a:latin typeface="Meiryo UI" panose="020B0604030504040204" pitchFamily="34" charset="-128"/>
+                <a:ea typeface="Meiryo UI" panose="020B0604030504040204" pitchFamily="34" charset="-128"/>
+              </a:rPr>
+              <a:t>高速</a:t>
+            </a:r>
+            <a:r>
+              <a:rPr lang="ja-JP" altLang="en-US">
+                <a:effectLst/>
+                <a:latin typeface="Meiryo UI" panose="020B0604030504040204" pitchFamily="34" charset="-128"/>
+                <a:ea typeface="Meiryo UI" panose="020B0604030504040204" pitchFamily="34" charset="-128"/>
+              </a:rPr>
+              <a:t>で</a:t>
+            </a:r>
+            <a:r>
+              <a:rPr lang="zh-HK" altLang="en-US" dirty="0">
+                <a:effectLst/>
+                <a:latin typeface="Meiryo UI" panose="020B0604030504040204" pitchFamily="34" charset="-128"/>
+                <a:ea typeface="Meiryo UI" panose="020B0604030504040204" pitchFamily="34" charset="-128"/>
+              </a:rPr>
+              <a:t>効率的</a:t>
+            </a:r>
+            <a:r>
+              <a:rPr lang="ja-JP" altLang="en-US">
+                <a:effectLst/>
+                <a:latin typeface="Meiryo UI" panose="020B0604030504040204" pitchFamily="34" charset="-128"/>
+                <a:ea typeface="Meiryo UI" panose="020B0604030504040204" pitchFamily="34" charset="-128"/>
+              </a:rPr>
+              <a:t>な</a:t>
+            </a:r>
+            <a:r>
+              <a:rPr lang="zh-HK" altLang="en-US" dirty="0">
+                <a:effectLst/>
+                <a:latin typeface="Meiryo UI" panose="020B0604030504040204" pitchFamily="34" charset="-128"/>
+                <a:ea typeface="Meiryo UI" panose="020B0604030504040204" pitchFamily="34" charset="-128"/>
+              </a:rPr>
+              <a:t>次</a:t>
+            </a:r>
+            <a:r>
+              <a:rPr lang="ja-JP" altLang="en-US">
+                <a:effectLst/>
+                <a:latin typeface="Meiryo UI" panose="020B0604030504040204" pitchFamily="34" charset="-128"/>
+                <a:ea typeface="Meiryo UI" panose="020B0604030504040204" pitchFamily="34" charset="-128"/>
+              </a:rPr>
+              <a:t>のハッシュ</a:t>
+            </a:r>
+            <a:r>
+              <a:rPr lang="zh-HK" altLang="en-US" dirty="0">
+                <a:effectLst/>
+                <a:latin typeface="Meiryo UI" panose="020B0604030504040204" pitchFamily="34" charset="-128"/>
+                <a:ea typeface="Meiryo UI" panose="020B0604030504040204" pitchFamily="34" charset="-128"/>
+              </a:rPr>
+              <a:t>関数</a:t>
+            </a:r>
+            <a:r>
+              <a:rPr lang="ja-JP" altLang="en-US">
+                <a:effectLst/>
+                <a:latin typeface="Meiryo UI" panose="020B0604030504040204" pitchFamily="34" charset="-128"/>
+                <a:ea typeface="Meiryo UI" panose="020B0604030504040204" pitchFamily="34" charset="-128"/>
+              </a:rPr>
+              <a:t>に</a:t>
+            </a:r>
+            <a:r>
+              <a:rPr lang="zh-HK" altLang="en-US" dirty="0">
+                <a:effectLst/>
+                <a:latin typeface="Meiryo UI" panose="020B0604030504040204" pitchFamily="34" charset="-128"/>
+                <a:ea typeface="Meiryo UI" panose="020B0604030504040204" pitchFamily="34" charset="-128"/>
+              </a:rPr>
+              <a:t>切</a:t>
+            </a:r>
+            <a:r>
+              <a:rPr lang="ja-JP" altLang="en-US">
+                <a:effectLst/>
+                <a:latin typeface="Meiryo UI" panose="020B0604030504040204" pitchFamily="34" charset="-128"/>
+                <a:ea typeface="Meiryo UI" panose="020B0604030504040204" pitchFamily="34" charset="-128"/>
+              </a:rPr>
+              <a:t>り</a:t>
+            </a:r>
+            <a:r>
+              <a:rPr lang="zh-HK" altLang="en-US" dirty="0">
+                <a:effectLst/>
+                <a:latin typeface="Meiryo UI" panose="020B0604030504040204" pitchFamily="34" charset="-128"/>
+                <a:ea typeface="Meiryo UI" panose="020B0604030504040204" pitchFamily="34" charset="-128"/>
+              </a:rPr>
+              <a:t>替</a:t>
+            </a:r>
+            <a:r>
+              <a:rPr lang="ja-JP" altLang="en-US">
+                <a:effectLst/>
+                <a:latin typeface="Meiryo UI" panose="020B0604030504040204" pitchFamily="34" charset="-128"/>
+                <a:ea typeface="Meiryo UI" panose="020B0604030504040204" pitchFamily="34" charset="-128"/>
+              </a:rPr>
+              <a:t>えます：</a:t>
+            </a:r>
+          </a:p>
+          <a:p>
+            <a:pPr marL="0" marR="0" lvl="0" indent="0" algn="l" defTabSz="914400" rtl="0" eaLnBrk="1" fontAlgn="auto" latinLnBrk="0" hangingPunct="1">
+              <a:lnSpc>
+                <a:spcPct val="100000"/>
+              </a:lnSpc>
+              <a:spcBef>
+                <a:spcPts val="0"/>
+              </a:spcBef>
+              <a:spcAft>
+                <a:spcPts val="0"/>
+              </a:spcAft>
+              <a:buClrTx/>
+              <a:buSzTx/>
+              <a:buFontTx/>
+              <a:buNone/>
+              <a:tabLst/>
+              <a:defRPr/>
+            </a:pPr>
+            <a:endParaRPr lang="zh-TW" altLang="en-US" dirty="0"/>
           </a:p>
         </p:txBody>
       </p:sp>
       <p:sp>
         <p:nvSpPr>
-          <p:cNvPr id="4" name="投影片編號版面配置區 3"/>
+          <p:cNvPr id="4" name="投影片編號版面配置區 3">
+            <a:extLst>
+              <a:ext uri="{FF2B5EF4-FFF2-40B4-BE49-F238E27FC236}">
+                <a16:creationId xmlns:a16="http://schemas.microsoft.com/office/drawing/2014/main" id="{1352DBC3-3A3E-7940-A84E-ABA34E6BED90}"/>
+              </a:ext>
+            </a:extLst>
+          </p:cNvPr>
           <p:cNvSpPr>
             <a:spLocks noGrp="1"/>
           </p:cNvSpPr>
@@ -5465,7 +9986,7 @@
     </p:spTree>
     <p:extLst>
       <p:ext uri="{BB962C8B-B14F-4D97-AF65-F5344CB8AC3E}">
-        <p14:creationId xmlns:p14="http://schemas.microsoft.com/office/powerpoint/2010/main" val="379564690"/>
+        <p14:creationId xmlns:p14="http://schemas.microsoft.com/office/powerpoint/2010/main" val="1801380329"/>
       </p:ext>
     </p:extLst>
   </p:cSld>
@@ -5600,6 +10121,336 @@
 </p:notes>
 </file>
 
+<file path=ppt/notesSlides/notesSlide9.xml><?xml version="1.0" encoding="utf-8"?>
+<p:notes xmlns:a="http://schemas.openxmlformats.org/drawingml/2006/main" xmlns:r="http://schemas.openxmlformats.org/officeDocument/2006/relationships" xmlns:p="http://schemas.openxmlformats.org/presentationml/2006/main">
+  <p:cSld>
+    <p:spTree>
+      <p:nvGrpSpPr>
+        <p:cNvPr id="1" name=""/>
+        <p:cNvGrpSpPr/>
+        <p:nvPr/>
+      </p:nvGrpSpPr>
+      <p:grpSpPr>
+        <a:xfrm>
+          <a:off x="0" y="0"/>
+          <a:ext cx="0" cy="0"/>
+          <a:chOff x="0" y="0"/>
+          <a:chExt cx="0" cy="0"/>
+        </a:xfrm>
+      </p:grpSpPr>
+      <p:sp>
+        <p:nvSpPr>
+          <p:cNvPr id="2" name="投影片影像版面配置區 1"/>
+          <p:cNvSpPr>
+            <a:spLocks noGrp="1" noRot="1" noChangeAspect="1"/>
+          </p:cNvSpPr>
+          <p:nvPr>
+            <p:ph type="sldImg"/>
+          </p:nvPr>
+        </p:nvSpPr>
+        <p:spPr/>
+      </p:sp>
+      <p:sp>
+        <p:nvSpPr>
+          <p:cNvPr id="3" name="備忘稿版面配置區 2"/>
+          <p:cNvSpPr>
+            <a:spLocks noGrp="1"/>
+          </p:cNvSpPr>
+          <p:nvPr>
+            <p:ph type="body" idx="1"/>
+          </p:nvPr>
+        </p:nvSpPr>
+        <p:spPr/>
+        <p:txBody>
+          <a:bodyPr/>
+          <a:lstStyle/>
+          <a:p>
+            <a:pPr marL="0" marR="0" lvl="0" indent="0" algn="l" defTabSz="914400" rtl="0" eaLnBrk="1" fontAlgn="auto" latinLnBrk="0" hangingPunct="1">
+              <a:lnSpc>
+                <a:spcPct val="100000"/>
+              </a:lnSpc>
+              <a:spcBef>
+                <a:spcPts val="0"/>
+              </a:spcBef>
+              <a:spcAft>
+                <a:spcPts val="0"/>
+              </a:spcAft>
+              <a:buClrTx/>
+              <a:buSzTx/>
+              <a:buFontTx/>
+              <a:buNone/>
+              <a:tabLst/>
+              <a:defRPr/>
+            </a:pPr>
+            <a:r>
+              <a:rPr lang="zh-HK" altLang="en-US" sz="1200" dirty="0">
+                <a:solidFill>
+                  <a:schemeClr val="tx1">
+                    <a:lumMod val="95000"/>
+                  </a:schemeClr>
+                </a:solidFill>
+                <a:effectLst/>
+                <a:latin typeface="Meiryo UI" panose="020B0604030504040204" pitchFamily="34" charset="-128"/>
+                <a:ea typeface="Meiryo UI" panose="020B0604030504040204" pitchFamily="34" charset="-128"/>
+              </a:rPr>
+              <a:t>以下二つツールを使用して調査し続きます。</a:t>
+            </a:r>
+            <a:endParaRPr lang="en-US" altLang="zh-HK" sz="1200" dirty="0">
+              <a:solidFill>
+                <a:schemeClr val="tx1">
+                  <a:lumMod val="95000"/>
+                </a:schemeClr>
+              </a:solidFill>
+              <a:effectLst/>
+              <a:latin typeface="Meiryo UI" panose="020B0604030504040204" pitchFamily="34" charset="-128"/>
+              <a:ea typeface="Meiryo UI" panose="020B0604030504040204" pitchFamily="34" charset="-128"/>
+            </a:endParaRPr>
+          </a:p>
+          <a:p>
+            <a:r>
+              <a:rPr kumimoji="1" lang="zh-HK" altLang="en-US" dirty="0"/>
+              <a:t>一つは</a:t>
+            </a:r>
+            <a:r>
+              <a:rPr kumimoji="1" lang="en-US" altLang="zh-HK" dirty="0"/>
+              <a:t> go max procs </a:t>
+            </a:r>
+            <a:r>
+              <a:rPr kumimoji="1" lang="zh-HK" altLang="en-US" dirty="0"/>
+              <a:t>です。</a:t>
+            </a:r>
+            <a:br>
+              <a:rPr kumimoji="1" lang="en-US" altLang="zh-HK" dirty="0"/>
+            </a:br>
+            <a:r>
+              <a:rPr kumimoji="1" lang="en-US" altLang="zh-HK" dirty="0"/>
+              <a:t>	</a:t>
+            </a:r>
+            <a:r>
+              <a:rPr lang="en-US" altLang="zh-HK" dirty="0"/>
+              <a:t>Go Max Procs ( Po</a:t>
+            </a:r>
+            <a:r>
+              <a:rPr lang="zh-HK" altLang="en-US" dirty="0"/>
+              <a:t>ス</a:t>
+            </a:r>
+            <a:r>
+              <a:rPr lang="en-US" altLang="zh-HK" dirty="0"/>
+              <a:t> ) </a:t>
+            </a:r>
+            <a:r>
+              <a:rPr lang="ja-JP" altLang="en-US"/>
+              <a:t>は、</a:t>
+            </a:r>
+            <a:r>
+              <a:rPr lang="en-US" altLang="zh-HK" dirty="0"/>
+              <a:t>CPU</a:t>
+            </a:r>
+            <a:r>
+              <a:rPr lang="ja-JP" altLang="en-US"/>
+              <a:t>のコア</a:t>
+            </a:r>
+            <a:r>
+              <a:rPr lang="zh-HK" altLang="en-US" dirty="0"/>
+              <a:t>数</a:t>
+            </a:r>
+            <a:r>
+              <a:rPr lang="ja-JP" altLang="en-US"/>
+              <a:t>を</a:t>
+            </a:r>
+            <a:r>
+              <a:rPr lang="zh-HK" altLang="en-US" dirty="0"/>
+              <a:t>設定</a:t>
+            </a:r>
+            <a:r>
+              <a:rPr lang="ja-JP" altLang="en-US"/>
+              <a:t>できるツールです。</a:t>
+            </a:r>
+            <a:r>
+              <a:rPr lang="zh-HK" altLang="en-US" dirty="0"/>
+              <a:t>負荷</a:t>
+            </a:r>
+            <a:r>
+              <a:rPr lang="ja-JP" altLang="en-US"/>
+              <a:t>の</a:t>
+            </a:r>
+            <a:r>
+              <a:rPr lang="zh-HK" altLang="en-US" dirty="0"/>
+              <a:t>高</a:t>
+            </a:r>
+            <a:r>
+              <a:rPr lang="ja-JP" altLang="en-US"/>
+              <a:t>いタスクを</a:t>
+            </a:r>
+            <a:r>
+              <a:rPr lang="zh-HK" altLang="en-US" dirty="0"/>
+              <a:t>効率的</a:t>
+            </a:r>
+            <a:r>
+              <a:rPr lang="ja-JP" altLang="en-US"/>
+              <a:t>に</a:t>
+            </a:r>
+            <a:r>
+              <a:rPr lang="zh-HK" altLang="en-US" dirty="0"/>
+              <a:t>完了</a:t>
+            </a:r>
+            <a:r>
+              <a:rPr lang="ja-JP" altLang="en-US"/>
+              <a:t>するためには、</a:t>
+            </a:r>
+            <a:r>
+              <a:rPr lang="zh-HK" altLang="en-US" dirty="0"/>
+              <a:t>実行時</a:t>
+            </a:r>
+            <a:r>
+              <a:rPr lang="ja-JP" altLang="en-US"/>
+              <a:t>のリソース</a:t>
+            </a:r>
+            <a:r>
+              <a:rPr lang="zh-HK" altLang="en-US" dirty="0"/>
+              <a:t>最適化</a:t>
+            </a:r>
+            <a:r>
+              <a:rPr lang="ja-JP" altLang="en-US"/>
+              <a:t>が</a:t>
+            </a:r>
+            <a:r>
+              <a:rPr lang="zh-HK" altLang="en-US" dirty="0"/>
+              <a:t>重要</a:t>
+            </a:r>
+            <a:r>
+              <a:rPr lang="ja-JP" altLang="en-US"/>
+              <a:t>です。</a:t>
+            </a:r>
+            <a:br>
+              <a:rPr lang="en-US" altLang="ja-JP" dirty="0"/>
+            </a:br>
+            <a:br>
+              <a:rPr kumimoji="1" lang="en-US" altLang="zh-HK" dirty="0"/>
+            </a:br>
+            <a:r>
+              <a:rPr kumimoji="1" lang="zh-HK" altLang="en-US" dirty="0"/>
+              <a:t>もう一つは</a:t>
+            </a:r>
+            <a:r>
+              <a:rPr kumimoji="1" lang="en-US" altLang="zh-HK" dirty="0" err="1"/>
+              <a:t>Pprof</a:t>
+            </a:r>
+            <a:r>
+              <a:rPr kumimoji="1" lang="zh-HK" altLang="en-US" dirty="0"/>
+              <a:t>（</a:t>
+            </a:r>
+            <a:r>
+              <a:rPr kumimoji="1" lang="en-US" altLang="zh-HK" dirty="0"/>
+              <a:t>P</a:t>
+            </a:r>
+            <a:r>
+              <a:rPr kumimoji="1" lang="ja-JP" altLang="en-US"/>
+              <a:t>  </a:t>
+            </a:r>
+            <a:r>
+              <a:rPr kumimoji="1" lang="en-US" altLang="ja-JP" dirty="0"/>
+              <a:t>pop f</a:t>
+            </a:r>
+            <a:r>
+              <a:rPr kumimoji="1" lang="zh-HK" altLang="en-US" dirty="0"/>
+              <a:t>）です。</a:t>
+            </a:r>
+            <a:endParaRPr kumimoji="1" lang="en-US" altLang="zh-HK" dirty="0"/>
+          </a:p>
+          <a:p>
+            <a:r>
+              <a:rPr kumimoji="1" lang="en-US" altLang="zh-HK" dirty="0"/>
+              <a:t>	</a:t>
+            </a:r>
+            <a:r>
+              <a:rPr kumimoji="1" lang="zh-HK" altLang="en-US" dirty="0"/>
+              <a:t>（</a:t>
+            </a:r>
+            <a:r>
+              <a:rPr kumimoji="1" lang="en-US" altLang="zh-HK" dirty="0"/>
+              <a:t>P pop</a:t>
+            </a:r>
+            <a:r>
+              <a:rPr kumimoji="1" lang="zh-HK" altLang="en-US" dirty="0"/>
+              <a:t>）は</a:t>
+            </a:r>
+            <a:r>
+              <a:rPr lang="ja-JP" altLang="en-US"/>
+              <a:t>コード</a:t>
+            </a:r>
+            <a:r>
+              <a:rPr lang="zh-HK" altLang="en-US" dirty="0"/>
+              <a:t>実行時</a:t>
+            </a:r>
+            <a:r>
+              <a:rPr lang="ja-JP" altLang="en-US"/>
+              <a:t>のリソース</a:t>
+            </a:r>
+            <a:r>
+              <a:rPr lang="zh-HK" altLang="en-US" dirty="0"/>
+              <a:t>使用状況</a:t>
+            </a:r>
+            <a:r>
+              <a:rPr lang="ja-JP" altLang="en-US"/>
+              <a:t>を</a:t>
+            </a:r>
+            <a:r>
+              <a:rPr lang="zh-HK" altLang="en-US" dirty="0"/>
+              <a:t>監視</a:t>
+            </a:r>
+            <a:r>
+              <a:rPr lang="ja-JP" altLang="en-US"/>
+              <a:t>し、</a:t>
+            </a:r>
+            <a:r>
+              <a:rPr lang="zh-HK" altLang="en-US" dirty="0"/>
+              <a:t>分析</a:t>
+            </a:r>
+            <a:r>
+              <a:rPr lang="ja-JP" altLang="en-US"/>
+              <a:t>するためのツールです。</a:t>
+            </a:r>
+            <a:endParaRPr kumimoji="1" lang="en-US" altLang="zh-HK" dirty="0"/>
+          </a:p>
+        </p:txBody>
+      </p:sp>
+      <p:sp>
+        <p:nvSpPr>
+          <p:cNvPr id="4" name="投影片編號版面配置區 3"/>
+          <p:cNvSpPr>
+            <a:spLocks noGrp="1"/>
+          </p:cNvSpPr>
+          <p:nvPr>
+            <p:ph type="sldNum" sz="quarter" idx="5"/>
+          </p:nvPr>
+        </p:nvSpPr>
+        <p:spPr/>
+        <p:txBody>
+          <a:bodyPr/>
+          <a:lstStyle/>
+          <a:p>
+            <a:fld id="{8102099C-06F5-764E-8D8C-32B506B98079}" type="slidenum">
+              <a:rPr kumimoji="1" lang="zh-HK" altLang="en-US" smtClean="0"/>
+              <a:t>10</a:t>
+            </a:fld>
+            <a:endParaRPr kumimoji="1" lang="zh-HK" altLang="en-US"/>
+          </a:p>
+        </p:txBody>
+      </p:sp>
+    </p:spTree>
+    <p:extLst>
+      <p:ext uri="{BB962C8B-B14F-4D97-AF65-F5344CB8AC3E}">
+        <p14:creationId xmlns:p14="http://schemas.microsoft.com/office/powerpoint/2010/main" val="685389607"/>
+      </p:ext>
+    </p:extLst>
+  </p:cSld>
+  <p:clrMapOvr>
+    <a:masterClrMapping/>
+  </p:clrMapOvr>
+</p:notes>
+</file>
+
 <file path=ppt/slideLayouts/slideLayout1.xml><?xml version="1.0" encoding="utf-8"?>
 <p:sldLayout xmlns:a="http://schemas.openxmlformats.org/drawingml/2006/main" xmlns:r="http://schemas.openxmlformats.org/officeDocument/2006/relationships" xmlns:p="http://schemas.openxmlformats.org/presentationml/2006/main" type="title" preserve="1">
   <p:cSld name="標題投影片">
@@ -5829,7 +10680,7 @@
           <a:p>
             <a:fld id="{6488FF91-0940-194F-9C77-DAE915FA224C}" type="datetime1">
               <a:rPr lang="zh-HK" altLang="en-US" smtClean="0"/>
-              <a:t>26/11/24</a:t>
+              <a:t>03/12/24</a:t>
             </a:fld>
             <a:endParaRPr lang="en-US" dirty="0"/>
           </a:p>
@@ -6159,7 +11010,7 @@
           <a:p>
             <a:fld id="{FA0DF90C-D644-6640-B8E0-8DE46E7F0644}" type="datetime1">
               <a:rPr lang="zh-HK" altLang="en-US" smtClean="0"/>
-              <a:t>26/11/24</a:t>
+              <a:t>03/12/24</a:t>
             </a:fld>
             <a:endParaRPr lang="en-US" dirty="0"/>
           </a:p>
@@ -6433,7 +11284,7 @@
           <a:p>
             <a:fld id="{A3E15762-F46E-5946-89D2-6B3C47526378}" type="datetime1">
               <a:rPr lang="zh-HK" altLang="en-US" smtClean="0"/>
-              <a:t>26/11/24</a:t>
+              <a:t>03/12/24</a:t>
             </a:fld>
             <a:endParaRPr lang="en-US" dirty="0"/>
           </a:p>
@@ -6997,7 +11848,7 @@
           <a:p>
             <a:fld id="{B1B66AF3-55CB-4E4C-8497-9B186D03A391}" type="datetime1">
               <a:rPr lang="zh-HK" altLang="en-US" smtClean="0"/>
-              <a:t>26/11/24</a:t>
+              <a:t>03/12/24</a:t>
             </a:fld>
             <a:endParaRPr lang="en-US" dirty="0"/>
           </a:p>
@@ -7271,7 +12122,7 @@
           <a:p>
             <a:fld id="{AD6D1AB9-DE2E-F74E-B26B-51B4C34E11D7}" type="datetime1">
               <a:rPr lang="zh-HK" altLang="en-US" smtClean="0"/>
-              <a:t>26/11/24</a:t>
+              <a:t>03/12/24</a:t>
             </a:fld>
             <a:endParaRPr lang="en-US" dirty="0"/>
           </a:p>
@@ -7829,7 +12680,7 @@
           <a:p>
             <a:fld id="{C604EF20-0F4F-5D4B-981E-76360C562C67}" type="datetime1">
               <a:rPr lang="zh-HK" altLang="en-US" smtClean="0"/>
-              <a:t>26/11/24</a:t>
+              <a:t>03/12/24</a:t>
             </a:fld>
             <a:endParaRPr lang="en-US" dirty="0"/>
           </a:p>
@@ -8152,7 +13003,7 @@
           <a:p>
             <a:fld id="{3CBAF90F-A823-E34C-A78F-4AE4CC7F67D9}" type="datetime1">
               <a:rPr lang="zh-HK" altLang="en-US" smtClean="0"/>
-              <a:t>26/11/24</a:t>
+              <a:t>03/12/24</a:t>
             </a:fld>
             <a:endParaRPr lang="en-US" dirty="0"/>
           </a:p>
@@ -8325,7 +13176,7 @@
           <a:p>
             <a:fld id="{360D99CF-A52E-1943-B2AF-2BB78B1FDB5F}" type="datetime1">
               <a:rPr lang="zh-HK" altLang="en-US" smtClean="0"/>
-              <a:t>26/11/24</a:t>
+              <a:t>03/12/24</a:t>
             </a:fld>
             <a:endParaRPr lang="en-US" dirty="0"/>
           </a:p>
@@ -8559,7 +13410,7 @@
           <a:p>
             <a:fld id="{8F0553CA-2D29-764D-AA8F-1197C6038739}" type="datetime1">
               <a:rPr lang="zh-HK" altLang="en-US" smtClean="0"/>
-              <a:t>26/11/24</a:t>
+              <a:t>03/12/24</a:t>
             </a:fld>
             <a:endParaRPr lang="en-US" dirty="0"/>
           </a:p>
@@ -8755,7 +13606,7 @@
           <a:p>
             <a:fld id="{090483E7-7DB3-3E42-9AA5-4E286FE4D513}" type="datetime1">
               <a:rPr lang="zh-HK" altLang="en-US" smtClean="0"/>
-              <a:t>26/11/24</a:t>
+              <a:t>03/12/24</a:t>
             </a:fld>
             <a:endParaRPr lang="en-US" dirty="0"/>
           </a:p>
@@ -9027,7 +13878,7 @@
           <a:p>
             <a:fld id="{88E40C52-B9B1-6D4B-AD30-EA6291ADE45B}" type="datetime1">
               <a:rPr lang="zh-HK" altLang="en-US" smtClean="0"/>
-              <a:t>26/11/24</a:t>
+              <a:t>03/12/24</a:t>
             </a:fld>
             <a:endParaRPr lang="en-US" dirty="0"/>
           </a:p>
@@ -9289,7 +14140,7 @@
           <a:p>
             <a:fld id="{B60E899F-DB52-CE42-A56D-2D8EF91025F2}" type="datetime1">
               <a:rPr lang="zh-HK" altLang="en-US" smtClean="0"/>
-              <a:t>26/11/24</a:t>
+              <a:t>03/12/24</a:t>
             </a:fld>
             <a:endParaRPr lang="en-US" dirty="0"/>
           </a:p>
@@ -9659,7 +14510,7 @@
           <a:p>
             <a:fld id="{5FEC8C46-8D78-CD47-8A77-31D3D7DDC27C}" type="datetime1">
               <a:rPr lang="zh-HK" altLang="en-US" smtClean="0"/>
-              <a:t>26/11/24</a:t>
+              <a:t>03/12/24</a:t>
             </a:fld>
             <a:endParaRPr lang="en-US" dirty="0"/>
           </a:p>
@@ -9803,7 +14654,7 @@
           <a:p>
             <a:fld id="{FE08F07B-E490-A64D-A8FD-15A7600DEDC6}" type="datetime1">
               <a:rPr lang="zh-HK" altLang="en-US" smtClean="0"/>
-              <a:t>26/11/24</a:t>
+              <a:t>03/12/24</a:t>
             </a:fld>
             <a:endParaRPr lang="en-US" dirty="0"/>
           </a:p>
@@ -9924,7 +14775,7 @@
           <a:p>
             <a:fld id="{0E7C8759-FE0A-E346-957B-D93FCC1699B5}" type="datetime1">
               <a:rPr lang="zh-HK" altLang="en-US" smtClean="0"/>
-              <a:t>26/11/24</a:t>
+              <a:t>03/12/24</a:t>
             </a:fld>
             <a:endParaRPr lang="en-US" dirty="0"/>
           </a:p>
@@ -10205,7 +15056,7 @@
           <a:p>
             <a:fld id="{D9D2399D-36B5-7243-824A-D8DDB2F38D52}" type="datetime1">
               <a:rPr lang="zh-HK" altLang="en-US" smtClean="0"/>
-              <a:t>26/11/24</a:t>
+              <a:t>03/12/24</a:t>
             </a:fld>
             <a:endParaRPr lang="en-US" dirty="0"/>
           </a:p>
@@ -10525,7 +15376,7 @@
           <a:p>
             <a:fld id="{A75A1BCC-89DB-FD42-9808-1E6C9FD979D2}" type="datetime1">
               <a:rPr lang="zh-HK" altLang="en-US" smtClean="0"/>
-              <a:t>26/11/24</a:t>
+              <a:t>03/12/24</a:t>
             </a:fld>
             <a:endParaRPr lang="en-US" dirty="0"/>
           </a:p>
@@ -10735,7 +15586,7 @@
           <a:p>
             <a:fld id="{6D0A750E-E3A6-1740-A438-6E87315FF5E3}" type="datetime1">
               <a:rPr lang="zh-HK" altLang="en-US" smtClean="0"/>
-              <a:t>26/11/24</a:t>
+              <a:t>03/12/24</a:t>
             </a:fld>
             <a:endParaRPr lang="en-US" dirty="0"/>
           </a:p>
@@ -11385,8 +16236,1001 @@
 </p:sld>
 </file>
 
+<file path=ppt/slides/slide10.xml><?xml version="1.0" encoding="utf-8"?>
+<p:sld xmlns:a="http://schemas.openxmlformats.org/drawingml/2006/main" xmlns:r="http://schemas.openxmlformats.org/officeDocument/2006/relationships" xmlns:p="http://schemas.openxmlformats.org/presentationml/2006/main" show="0">
+  <p:cSld>
+    <p:spTree>
+      <p:nvGrpSpPr>
+        <p:cNvPr id="1" name=""/>
+        <p:cNvGrpSpPr/>
+        <p:nvPr/>
+      </p:nvGrpSpPr>
+      <p:grpSpPr>
+        <a:xfrm>
+          <a:off x="0" y="0"/>
+          <a:ext cx="0" cy="0"/>
+          <a:chOff x="0" y="0"/>
+          <a:chExt cx="0" cy="0"/>
+        </a:xfrm>
+      </p:grpSpPr>
+      <p:sp>
+        <p:nvSpPr>
+          <p:cNvPr id="2" name="標題 1">
+            <a:extLst>
+              <a:ext uri="{FF2B5EF4-FFF2-40B4-BE49-F238E27FC236}">
+                <a16:creationId xmlns:a16="http://schemas.microsoft.com/office/drawing/2014/main" id="{5119BE88-FD0B-131B-75F2-DB3D052E7252}"/>
+              </a:ext>
+            </a:extLst>
+          </p:cNvPr>
+          <p:cNvSpPr>
+            <a:spLocks noGrp="1"/>
+          </p:cNvSpPr>
+          <p:nvPr>
+            <p:ph type="title"/>
+          </p:nvPr>
+        </p:nvSpPr>
+        <p:spPr>
+          <a:xfrm>
+            <a:off x="1030286" y="0"/>
+            <a:ext cx="10131425" cy="1456267"/>
+          </a:xfrm>
+        </p:spPr>
+        <p:txBody>
+          <a:bodyPr/>
+          <a:lstStyle/>
+          <a:p>
+            <a:r>
+              <a:rPr lang="en-US" altLang="zh-HK" dirty="0">
+                <a:latin typeface="Meiryo UI" panose="020B0604030504040204" pitchFamily="34" charset="-128"/>
+                <a:ea typeface="Meiryo UI" panose="020B0604030504040204" pitchFamily="34" charset="-128"/>
+              </a:rPr>
+              <a:t>11</a:t>
+            </a:r>
+            <a:r>
+              <a:rPr lang="zh-HK" altLang="en-US" dirty="0">
+                <a:latin typeface="Meiryo UI" panose="020B0604030504040204" pitchFamily="34" charset="-128"/>
+                <a:ea typeface="Meiryo UI" panose="020B0604030504040204" pitchFamily="34" charset="-128"/>
+              </a:rPr>
+              <a:t>月</a:t>
+            </a:r>
+            <a:r>
+              <a:rPr lang="zh-TW" altLang="en-US" dirty="0">
+                <a:latin typeface="Meiryo UI" panose="020B0604030504040204" pitchFamily="34" charset="-128"/>
+                <a:ea typeface="Meiryo UI" panose="020B0604030504040204" pitchFamily="34" charset="-128"/>
+              </a:rPr>
+              <a:t> </a:t>
+            </a:r>
+            <a:r>
+              <a:rPr lang="en-US" altLang="zh-HK" dirty="0">
+                <a:latin typeface="Meiryo UI" panose="020B0604030504040204" pitchFamily="34" charset="-128"/>
+                <a:ea typeface="Meiryo UI" panose="020B0604030504040204" pitchFamily="34" charset="-128"/>
+              </a:rPr>
+              <a:t>-</a:t>
+            </a:r>
+            <a:r>
+              <a:rPr lang="zh-TW" altLang="en-US" dirty="0">
+                <a:latin typeface="Meiryo UI" panose="020B0604030504040204" pitchFamily="34" charset="-128"/>
+                <a:ea typeface="Meiryo UI" panose="020B0604030504040204" pitchFamily="34" charset="-128"/>
+              </a:rPr>
+              <a:t> </a:t>
+            </a:r>
+            <a:r>
+              <a:rPr lang="zh-HK" altLang="en-US" dirty="0">
+                <a:latin typeface="Meiryo UI" panose="020B0604030504040204" pitchFamily="34" charset="-128"/>
+                <a:ea typeface="Meiryo UI" panose="020B0604030504040204" pitchFamily="34" charset="-128"/>
+              </a:rPr>
+              <a:t>研究内容</a:t>
+            </a:r>
+            <a:endParaRPr kumimoji="1" lang="zh-HK" altLang="en-US" dirty="0">
+              <a:latin typeface="Meiryo UI" panose="020B0604030504040204" pitchFamily="34" charset="-128"/>
+              <a:ea typeface="Meiryo UI" panose="020B0604030504040204" pitchFamily="34" charset="-128"/>
+            </a:endParaRPr>
+          </a:p>
+        </p:txBody>
+      </p:sp>
+      <p:sp>
+        <p:nvSpPr>
+          <p:cNvPr id="3" name="內容版面配置區 2">
+            <a:extLst>
+              <a:ext uri="{FF2B5EF4-FFF2-40B4-BE49-F238E27FC236}">
+                <a16:creationId xmlns:a16="http://schemas.microsoft.com/office/drawing/2014/main" id="{5FF3DE65-3E07-AE0F-83F1-1DB3CA622EA3}"/>
+              </a:ext>
+            </a:extLst>
+          </p:cNvPr>
+          <p:cNvSpPr>
+            <a:spLocks noGrp="1"/>
+          </p:cNvSpPr>
+          <p:nvPr>
+            <p:ph idx="1"/>
+          </p:nvPr>
+        </p:nvSpPr>
+        <p:spPr>
+          <a:xfrm>
+            <a:off x="1030286" y="1300812"/>
+            <a:ext cx="10131425" cy="4256376"/>
+          </a:xfrm>
+        </p:spPr>
+        <p:txBody>
+          <a:bodyPr>
+            <a:normAutofit/>
+          </a:bodyPr>
+          <a:lstStyle/>
+          <a:p>
+            <a:pPr>
+              <a:lnSpc>
+                <a:spcPct val="110000"/>
+              </a:lnSpc>
+            </a:pPr>
+            <a:r>
+              <a:rPr lang="en-US" altLang="zh-HK" sz="2400" b="1" dirty="0">
+                <a:solidFill>
+                  <a:schemeClr val="tx1">
+                    <a:lumMod val="95000"/>
+                  </a:schemeClr>
+                </a:solidFill>
+                <a:effectLst/>
+                <a:latin typeface="Meiryo UI" panose="020B0604030504040204" pitchFamily="34" charset="-128"/>
+                <a:ea typeface="Meiryo UI" panose="020B0604030504040204" pitchFamily="34" charset="-128"/>
+              </a:rPr>
+              <a:t>GOMAXPROCS</a:t>
+            </a:r>
+            <a:r>
+              <a:rPr lang="zh-TW" altLang="en-US" sz="2400" b="1" dirty="0">
+                <a:solidFill>
+                  <a:schemeClr val="tx1">
+                    <a:lumMod val="95000"/>
+                  </a:schemeClr>
+                </a:solidFill>
+                <a:effectLst/>
+                <a:latin typeface="Meiryo UI" panose="020B0604030504040204" pitchFamily="34" charset="-128"/>
+                <a:ea typeface="Meiryo UI" panose="020B0604030504040204" pitchFamily="34" charset="-128"/>
+              </a:rPr>
+              <a:t> </a:t>
+            </a:r>
+            <a:endParaRPr lang="en-US" altLang="zh-TW" sz="2400" b="1" dirty="0">
+              <a:solidFill>
+                <a:schemeClr val="tx1">
+                  <a:lumMod val="95000"/>
+                </a:schemeClr>
+              </a:solidFill>
+              <a:effectLst/>
+              <a:latin typeface="Meiryo UI" panose="020B0604030504040204" pitchFamily="34" charset="-128"/>
+              <a:ea typeface="Meiryo UI" panose="020B0604030504040204" pitchFamily="34" charset="-128"/>
+            </a:endParaRPr>
+          </a:p>
+          <a:p>
+            <a:pPr marL="0" indent="0">
+              <a:lnSpc>
+                <a:spcPct val="110000"/>
+              </a:lnSpc>
+              <a:buNone/>
+            </a:pPr>
+            <a:r>
+              <a:rPr lang="en-US" altLang="zh-HK" sz="2400" b="1" dirty="0">
+                <a:solidFill>
+                  <a:schemeClr val="tx1">
+                    <a:lumMod val="95000"/>
+                  </a:schemeClr>
+                </a:solidFill>
+                <a:latin typeface="Meiryo UI" panose="020B0604030504040204" pitchFamily="34" charset="-128"/>
+                <a:ea typeface="Meiryo UI" panose="020B0604030504040204" pitchFamily="34" charset="-128"/>
+              </a:rPr>
+              <a:t>	</a:t>
+            </a:r>
+            <a:r>
+              <a:rPr lang="en-US" altLang="zh-HK" sz="2400" dirty="0">
+                <a:latin typeface="Meiryo UI" panose="020B0604030504040204" pitchFamily="34" charset="-128"/>
+                <a:ea typeface="Meiryo UI" panose="020B0604030504040204" pitchFamily="34" charset="-128"/>
+              </a:rPr>
+              <a:t>Go</a:t>
+            </a:r>
+            <a:r>
+              <a:rPr lang="zh-HK" altLang="en-US" sz="2400" dirty="0">
+                <a:latin typeface="Meiryo UI" panose="020B0604030504040204" pitchFamily="34" charset="-128"/>
+                <a:ea typeface="Meiryo UI" panose="020B0604030504040204" pitchFamily="34" charset="-128"/>
+              </a:rPr>
+              <a:t>言語</a:t>
+            </a:r>
+            <a:r>
+              <a:rPr lang="ja-JP" altLang="en-US" sz="2400">
+                <a:latin typeface="Meiryo UI" panose="020B0604030504040204" pitchFamily="34" charset="-128"/>
+                <a:ea typeface="Meiryo UI" panose="020B0604030504040204" pitchFamily="34" charset="-128"/>
+              </a:rPr>
+              <a:t>の</a:t>
+            </a:r>
+            <a:r>
+              <a:rPr lang="zh-HK" altLang="en-US" sz="2400" dirty="0">
+                <a:latin typeface="Meiryo UI" panose="020B0604030504040204" pitchFamily="34" charset="-128"/>
+                <a:ea typeface="Meiryo UI" panose="020B0604030504040204" pitchFamily="34" charset="-128"/>
+              </a:rPr>
+              <a:t>並行処理</a:t>
+            </a:r>
+            <a:r>
+              <a:rPr lang="ja-JP" altLang="en-US" sz="2400">
+                <a:latin typeface="Meiryo UI" panose="020B0604030504040204" pitchFamily="34" charset="-128"/>
+                <a:ea typeface="Meiryo UI" panose="020B0604030504040204" pitchFamily="34" charset="-128"/>
+              </a:rPr>
+              <a:t>の</a:t>
+            </a:r>
+            <a:r>
+              <a:rPr lang="zh-HK" altLang="en-US" sz="2400" dirty="0">
+                <a:latin typeface="Meiryo UI" panose="020B0604030504040204" pitchFamily="34" charset="-128"/>
+                <a:ea typeface="Meiryo UI" panose="020B0604030504040204" pitchFamily="34" charset="-128"/>
+              </a:rPr>
+              <a:t>効率</a:t>
+            </a:r>
+            <a:r>
+              <a:rPr lang="ja-JP" altLang="en-US" sz="2400">
+                <a:latin typeface="Meiryo UI" panose="020B0604030504040204" pitchFamily="34" charset="-128"/>
+                <a:ea typeface="Meiryo UI" panose="020B0604030504040204" pitchFamily="34" charset="-128"/>
+              </a:rPr>
+              <a:t>を</a:t>
+            </a:r>
+            <a:r>
+              <a:rPr lang="zh-HK" altLang="en-US" sz="2400" dirty="0">
+                <a:latin typeface="Meiryo UI" panose="020B0604030504040204" pitchFamily="34" charset="-128"/>
+                <a:ea typeface="Meiryo UI" panose="020B0604030504040204" pitchFamily="34" charset="-128"/>
+              </a:rPr>
+              <a:t>調整</a:t>
+            </a:r>
+            <a:r>
+              <a:rPr lang="ja-JP" altLang="en-US" sz="2400">
+                <a:latin typeface="Meiryo UI" panose="020B0604030504040204" pitchFamily="34" charset="-128"/>
+                <a:ea typeface="Meiryo UI" panose="020B0604030504040204" pitchFamily="34" charset="-128"/>
+              </a:rPr>
+              <a:t>するため、</a:t>
+            </a:r>
+            <a:r>
+              <a:rPr lang="zh-HK" altLang="en-US" sz="2400" dirty="0">
+                <a:latin typeface="Meiryo UI" panose="020B0604030504040204" pitchFamily="34" charset="-128"/>
+                <a:ea typeface="Meiryo UI" panose="020B0604030504040204" pitchFamily="34" charset="-128"/>
+              </a:rPr>
+              <a:t>環境変数</a:t>
+            </a:r>
+            <a:r>
+              <a:rPr lang="ja-JP" altLang="en-US" sz="2400">
+                <a:latin typeface="Meiryo UI" panose="020B0604030504040204" pitchFamily="34" charset="-128"/>
+                <a:ea typeface="Meiryo UI" panose="020B0604030504040204" pitchFamily="34" charset="-128"/>
+              </a:rPr>
+              <a:t>や</a:t>
+            </a:r>
+            <a:r>
+              <a:rPr lang="zh-HK" altLang="en-US" sz="2400" dirty="0">
+                <a:latin typeface="Meiryo UI" panose="020B0604030504040204" pitchFamily="34" charset="-128"/>
+                <a:ea typeface="Meiryo UI" panose="020B0604030504040204" pitchFamily="34" charset="-128"/>
+              </a:rPr>
+              <a:t>関数</a:t>
+            </a:r>
+            <a:r>
+              <a:rPr lang="ja-JP" altLang="en-US" sz="2400">
+                <a:latin typeface="Meiryo UI" panose="020B0604030504040204" pitchFamily="34" charset="-128"/>
+                <a:ea typeface="Meiryo UI" panose="020B0604030504040204" pitchFamily="34" charset="-128"/>
+              </a:rPr>
+              <a:t>を</a:t>
+            </a:r>
+            <a:r>
+              <a:rPr lang="zh-HK" altLang="en-US" sz="2400" dirty="0">
+                <a:latin typeface="Meiryo UI" panose="020B0604030504040204" pitchFamily="34" charset="-128"/>
+                <a:ea typeface="Meiryo UI" panose="020B0604030504040204" pitchFamily="34" charset="-128"/>
+              </a:rPr>
+              <a:t>活用</a:t>
+            </a:r>
+            <a:r>
+              <a:rPr lang="ja-JP" altLang="en-US" sz="2400">
+                <a:latin typeface="Meiryo UI" panose="020B0604030504040204" pitchFamily="34" charset="-128"/>
+                <a:ea typeface="Meiryo UI" panose="020B0604030504040204" pitchFamily="34" charset="-128"/>
+              </a:rPr>
+              <a:t>し、</a:t>
+            </a:r>
+            <a:r>
+              <a:rPr lang="zh-HK" altLang="en-US" sz="2400" dirty="0">
+                <a:latin typeface="Meiryo UI" panose="020B0604030504040204" pitchFamily="34" charset="-128"/>
+                <a:ea typeface="Meiryo UI" panose="020B0604030504040204" pitchFamily="34" charset="-128"/>
+              </a:rPr>
+              <a:t>実行</a:t>
+            </a:r>
+            <a:r>
+              <a:rPr lang="en-US" altLang="zh-HK" sz="2400" dirty="0">
+                <a:latin typeface="Meiryo UI" panose="020B0604030504040204" pitchFamily="34" charset="-128"/>
+                <a:ea typeface="Meiryo UI" panose="020B0604030504040204" pitchFamily="34" charset="-128"/>
+              </a:rPr>
+              <a:t>	</a:t>
+            </a:r>
+            <a:r>
+              <a:rPr lang="zh-HK" altLang="en-US" sz="2400" dirty="0">
+                <a:latin typeface="Meiryo UI" panose="020B0604030504040204" pitchFamily="34" charset="-128"/>
+                <a:ea typeface="Meiryo UI" panose="020B0604030504040204" pitchFamily="34" charset="-128"/>
+              </a:rPr>
+              <a:t>時</a:t>
+            </a:r>
+            <a:r>
+              <a:rPr lang="ja-JP" altLang="en-US" sz="2400">
+                <a:latin typeface="Meiryo UI" panose="020B0604030504040204" pitchFamily="34" charset="-128"/>
+                <a:ea typeface="Meiryo UI" panose="020B0604030504040204" pitchFamily="34" charset="-128"/>
+              </a:rPr>
+              <a:t>に</a:t>
+            </a:r>
+            <a:r>
+              <a:rPr lang="zh-HK" altLang="en-US" sz="2400" dirty="0">
+                <a:latin typeface="Meiryo UI" panose="020B0604030504040204" pitchFamily="34" charset="-128"/>
+                <a:ea typeface="Meiryo UI" panose="020B0604030504040204" pitchFamily="34" charset="-128"/>
+              </a:rPr>
+              <a:t>使用</a:t>
+            </a:r>
+            <a:r>
+              <a:rPr lang="ja-JP" altLang="en-US" sz="2400">
+                <a:latin typeface="Meiryo UI" panose="020B0604030504040204" pitchFamily="34" charset="-128"/>
+                <a:ea typeface="Meiryo UI" panose="020B0604030504040204" pitchFamily="34" charset="-128"/>
+              </a:rPr>
+              <a:t>する</a:t>
+            </a:r>
+            <a:r>
+              <a:rPr lang="en-US" altLang="zh-HK" sz="2400" dirty="0">
+                <a:latin typeface="Meiryo UI" panose="020B0604030504040204" pitchFamily="34" charset="-128"/>
+                <a:ea typeface="Meiryo UI" panose="020B0604030504040204" pitchFamily="34" charset="-128"/>
+              </a:rPr>
+              <a:t>CPU</a:t>
+            </a:r>
+            <a:r>
+              <a:rPr lang="ja-JP" altLang="en-US" sz="2400">
+                <a:latin typeface="Meiryo UI" panose="020B0604030504040204" pitchFamily="34" charset="-128"/>
+                <a:ea typeface="Meiryo UI" panose="020B0604030504040204" pitchFamily="34" charset="-128"/>
+              </a:rPr>
+              <a:t>コア</a:t>
+            </a:r>
+            <a:r>
+              <a:rPr lang="zh-HK" altLang="en-US" sz="2400" dirty="0">
+                <a:latin typeface="Meiryo UI" panose="020B0604030504040204" pitchFamily="34" charset="-128"/>
+                <a:ea typeface="Meiryo UI" panose="020B0604030504040204" pitchFamily="34" charset="-128"/>
+              </a:rPr>
+              <a:t>数</a:t>
+            </a:r>
+            <a:r>
+              <a:rPr lang="ja-JP" altLang="en-US" sz="2400">
+                <a:latin typeface="Meiryo UI" panose="020B0604030504040204" pitchFamily="34" charset="-128"/>
+                <a:ea typeface="Meiryo UI" panose="020B0604030504040204" pitchFamily="34" charset="-128"/>
+              </a:rPr>
+              <a:t>を</a:t>
+            </a:r>
+            <a:r>
+              <a:rPr lang="zh-HK" altLang="en-US" sz="2400" dirty="0">
+                <a:latin typeface="Meiryo UI" panose="020B0604030504040204" pitchFamily="34" charset="-128"/>
+                <a:ea typeface="Meiryo UI" panose="020B0604030504040204" pitchFamily="34" charset="-128"/>
+              </a:rPr>
+              <a:t>設定</a:t>
+            </a:r>
+            <a:r>
+              <a:rPr lang="ja-JP" altLang="en-US" sz="2400">
+                <a:latin typeface="Meiryo UI" panose="020B0604030504040204" pitchFamily="34" charset="-128"/>
+                <a:ea typeface="Meiryo UI" panose="020B0604030504040204" pitchFamily="34" charset="-128"/>
+              </a:rPr>
+              <a:t>し、</a:t>
+            </a:r>
+            <a:r>
+              <a:rPr lang="zh-HK" altLang="en-US" sz="2400" dirty="0">
+                <a:latin typeface="Meiryo UI" panose="020B0604030504040204" pitchFamily="34" charset="-128"/>
+                <a:ea typeface="Meiryo UI" panose="020B0604030504040204" pitchFamily="34" charset="-128"/>
+              </a:rPr>
+              <a:t>資源</a:t>
+            </a:r>
+            <a:r>
+              <a:rPr lang="ja-JP" altLang="en-US" sz="2400">
+                <a:latin typeface="Meiryo UI" panose="020B0604030504040204" pitchFamily="34" charset="-128"/>
+                <a:ea typeface="Meiryo UI" panose="020B0604030504040204" pitchFamily="34" charset="-128"/>
+              </a:rPr>
+              <a:t>の</a:t>
+            </a:r>
+            <a:r>
+              <a:rPr lang="zh-HK" altLang="en-US" sz="2400" dirty="0">
+                <a:latin typeface="Meiryo UI" panose="020B0604030504040204" pitchFamily="34" charset="-128"/>
+                <a:ea typeface="Meiryo UI" panose="020B0604030504040204" pitchFamily="34" charset="-128"/>
+              </a:rPr>
+              <a:t>最適化</a:t>
+            </a:r>
+            <a:r>
+              <a:rPr lang="ja-JP" altLang="en-US" sz="2400">
+                <a:latin typeface="Meiryo UI" panose="020B0604030504040204" pitchFamily="34" charset="-128"/>
+                <a:ea typeface="Meiryo UI" panose="020B0604030504040204" pitchFamily="34" charset="-128"/>
+              </a:rPr>
+              <a:t>を</a:t>
+            </a:r>
+            <a:r>
+              <a:rPr lang="zh-HK" altLang="en-US" sz="2400" dirty="0">
+                <a:latin typeface="Meiryo UI" panose="020B0604030504040204" pitchFamily="34" charset="-128"/>
+                <a:ea typeface="Meiryo UI" panose="020B0604030504040204" pitchFamily="34" charset="-128"/>
+              </a:rPr>
+              <a:t>図</a:t>
+            </a:r>
+            <a:r>
+              <a:rPr lang="ja-JP" altLang="en-US" sz="2400">
+                <a:latin typeface="Meiryo UI" panose="020B0604030504040204" pitchFamily="34" charset="-128"/>
+                <a:ea typeface="Meiryo UI" panose="020B0604030504040204" pitchFamily="34" charset="-128"/>
+              </a:rPr>
+              <a:t>ります </a:t>
+            </a:r>
+            <a:endParaRPr lang="en-US" altLang="ja-JP" sz="2400" dirty="0">
+              <a:latin typeface="Meiryo UI" panose="020B0604030504040204" pitchFamily="34" charset="-128"/>
+              <a:ea typeface="Meiryo UI" panose="020B0604030504040204" pitchFamily="34" charset="-128"/>
+            </a:endParaRPr>
+          </a:p>
+          <a:p>
+            <a:pPr marL="457200" lvl="1" indent="0">
+              <a:lnSpc>
+                <a:spcPct val="110000"/>
+              </a:lnSpc>
+              <a:buNone/>
+            </a:pPr>
+            <a:endParaRPr lang="en-US" altLang="ja-JP" sz="2400" dirty="0">
+              <a:latin typeface="Meiryo UI" panose="020B0604030504040204" pitchFamily="34" charset="-128"/>
+              <a:ea typeface="Meiryo UI" panose="020B0604030504040204" pitchFamily="34" charset="-128"/>
+            </a:endParaRPr>
+          </a:p>
+          <a:p>
+            <a:pPr>
+              <a:lnSpc>
+                <a:spcPct val="110000"/>
+              </a:lnSpc>
+            </a:pPr>
+            <a:r>
+              <a:rPr lang="en-US" altLang="zh-HK" sz="2400" b="1" dirty="0" err="1">
+                <a:solidFill>
+                  <a:schemeClr val="tx1">
+                    <a:lumMod val="95000"/>
+                  </a:schemeClr>
+                </a:solidFill>
+                <a:effectLst/>
+                <a:latin typeface="Meiryo UI" panose="020B0604030504040204" pitchFamily="34" charset="-128"/>
+                <a:ea typeface="Meiryo UI" panose="020B0604030504040204" pitchFamily="34" charset="-128"/>
+              </a:rPr>
+              <a:t>Pprof</a:t>
+            </a:r>
+            <a:endParaRPr lang="en-US" altLang="zh-HK" sz="2400" b="1" dirty="0">
+              <a:solidFill>
+                <a:schemeClr val="tx1">
+                  <a:lumMod val="95000"/>
+                </a:schemeClr>
+              </a:solidFill>
+              <a:latin typeface="Meiryo UI" panose="020B0604030504040204" pitchFamily="34" charset="-128"/>
+              <a:ea typeface="Meiryo UI" panose="020B0604030504040204" pitchFamily="34" charset="-128"/>
+            </a:endParaRPr>
+          </a:p>
+          <a:p>
+            <a:pPr marL="457200" lvl="1" indent="0">
+              <a:lnSpc>
+                <a:spcPct val="110000"/>
+              </a:lnSpc>
+              <a:buNone/>
+            </a:pPr>
+            <a:r>
+              <a:rPr lang="en-US" altLang="zh-HK" sz="2400" dirty="0">
+                <a:latin typeface="Meiryo UI" panose="020B0604030504040204" pitchFamily="34" charset="-128"/>
+                <a:ea typeface="Meiryo UI" panose="020B0604030504040204" pitchFamily="34" charset="-128"/>
+              </a:rPr>
+              <a:t>CPU</a:t>
+            </a:r>
+            <a:r>
+              <a:rPr lang="zh-HK" altLang="en-US" sz="2400" dirty="0">
+                <a:latin typeface="Meiryo UI" panose="020B0604030504040204" pitchFamily="34" charset="-128"/>
+                <a:ea typeface="Meiryo UI" panose="020B0604030504040204" pitchFamily="34" charset="-128"/>
+              </a:rPr>
+              <a:t>、</a:t>
+            </a:r>
+            <a:r>
+              <a:rPr lang="ja-JP" altLang="en-US" sz="2400">
+                <a:latin typeface="Meiryo UI" panose="020B0604030504040204" pitchFamily="34" charset="-128"/>
+                <a:ea typeface="Meiryo UI" panose="020B0604030504040204" pitchFamily="34" charset="-128"/>
+              </a:rPr>
+              <a:t>メモリ、</a:t>
+            </a:r>
+            <a:r>
+              <a:rPr lang="en-US" altLang="zh-HK" sz="2400" dirty="0">
+                <a:latin typeface="Meiryo UI" panose="020B0604030504040204" pitchFamily="34" charset="-128"/>
+                <a:ea typeface="Meiryo UI" panose="020B0604030504040204" pitchFamily="34" charset="-128"/>
+              </a:rPr>
+              <a:t>goroutine</a:t>
+            </a:r>
+            <a:r>
+              <a:rPr lang="ja-JP" altLang="en-US" sz="2400">
+                <a:latin typeface="Meiryo UI" panose="020B0604030504040204" pitchFamily="34" charset="-128"/>
+                <a:ea typeface="Meiryo UI" panose="020B0604030504040204" pitchFamily="34" charset="-128"/>
+              </a:rPr>
+              <a:t>などのリソースを</a:t>
+            </a:r>
+            <a:r>
+              <a:rPr lang="zh-HK" altLang="en-US" sz="2400" dirty="0">
+                <a:latin typeface="Meiryo UI" panose="020B0604030504040204" pitchFamily="34" charset="-128"/>
+                <a:ea typeface="Meiryo UI" panose="020B0604030504040204" pitchFamily="34" charset="-128"/>
+              </a:rPr>
+              <a:t>分析</a:t>
+            </a:r>
+            <a:r>
+              <a:rPr lang="ja-JP" altLang="en-US" sz="2400">
+                <a:latin typeface="Meiryo UI" panose="020B0604030504040204" pitchFamily="34" charset="-128"/>
+                <a:ea typeface="Meiryo UI" panose="020B0604030504040204" pitchFamily="34" charset="-128"/>
+              </a:rPr>
+              <a:t>し、ボトルネックを</a:t>
+            </a:r>
+            <a:r>
+              <a:rPr lang="zh-HK" altLang="en-US" sz="2400" dirty="0">
+                <a:latin typeface="Meiryo UI" panose="020B0604030504040204" pitchFamily="34" charset="-128"/>
+                <a:ea typeface="Meiryo UI" panose="020B0604030504040204" pitchFamily="34" charset="-128"/>
+              </a:rPr>
+              <a:t>特定</a:t>
+            </a:r>
+            <a:r>
+              <a:rPr lang="ja-JP" altLang="en-US" sz="2400">
+                <a:latin typeface="Meiryo UI" panose="020B0604030504040204" pitchFamily="34" charset="-128"/>
+                <a:ea typeface="Meiryo UI" panose="020B0604030504040204" pitchFamily="34" charset="-128"/>
+              </a:rPr>
+              <a:t>して</a:t>
+            </a:r>
+            <a:r>
+              <a:rPr lang="zh-HK" altLang="en-US" sz="2400" dirty="0">
+                <a:latin typeface="Meiryo UI" panose="020B0604030504040204" pitchFamily="34" charset="-128"/>
+                <a:ea typeface="Meiryo UI" panose="020B0604030504040204" pitchFamily="34" charset="-128"/>
+              </a:rPr>
+              <a:t>視覚化</a:t>
+            </a:r>
+            <a:r>
+              <a:rPr lang="ja-JP" altLang="en-US" sz="2400">
+                <a:latin typeface="Meiryo UI" panose="020B0604030504040204" pitchFamily="34" charset="-128"/>
+                <a:ea typeface="Meiryo UI" panose="020B0604030504040204" pitchFamily="34" charset="-128"/>
+              </a:rPr>
+              <a:t>することで、プログラムの</a:t>
+            </a:r>
+            <a:r>
+              <a:rPr lang="zh-HK" altLang="en-US" sz="2400" dirty="0">
+                <a:latin typeface="Meiryo UI" panose="020B0604030504040204" pitchFamily="34" charset="-128"/>
+                <a:ea typeface="Meiryo UI" panose="020B0604030504040204" pitchFamily="34" charset="-128"/>
+              </a:rPr>
+              <a:t>性能</a:t>
+            </a:r>
+            <a:r>
+              <a:rPr lang="ja-JP" altLang="en-US" sz="2400">
+                <a:latin typeface="Meiryo UI" panose="020B0604030504040204" pitchFamily="34" charset="-128"/>
+                <a:ea typeface="Meiryo UI" panose="020B0604030504040204" pitchFamily="34" charset="-128"/>
+              </a:rPr>
+              <a:t>を</a:t>
+            </a:r>
+            <a:r>
+              <a:rPr lang="zh-HK" altLang="en-US" sz="2400" dirty="0">
+                <a:latin typeface="Meiryo UI" panose="020B0604030504040204" pitchFamily="34" charset="-128"/>
+                <a:ea typeface="Meiryo UI" panose="020B0604030504040204" pitchFamily="34" charset="-128"/>
+              </a:rPr>
+              <a:t>向上</a:t>
+            </a:r>
+            <a:r>
+              <a:rPr lang="ja-JP" altLang="en-US" sz="2400">
+                <a:latin typeface="Meiryo UI" panose="020B0604030504040204" pitchFamily="34" charset="-128"/>
+                <a:ea typeface="Meiryo UI" panose="020B0604030504040204" pitchFamily="34" charset="-128"/>
+              </a:rPr>
+              <a:t>させます</a:t>
+            </a:r>
+            <a:endParaRPr lang="ja-JP" altLang="en-US" sz="2400">
+              <a:solidFill>
+                <a:schemeClr val="tx1">
+                  <a:lumMod val="95000"/>
+                </a:schemeClr>
+              </a:solidFill>
+              <a:effectLst/>
+              <a:latin typeface="Meiryo UI" panose="020B0604030504040204" pitchFamily="34" charset="-128"/>
+              <a:ea typeface="Meiryo UI" panose="020B0604030504040204" pitchFamily="34" charset="-128"/>
+            </a:endParaRPr>
+          </a:p>
+        </p:txBody>
+      </p:sp>
+      <p:sp>
+        <p:nvSpPr>
+          <p:cNvPr id="4" name="投影片編號版面配置區 3">
+            <a:extLst>
+              <a:ext uri="{FF2B5EF4-FFF2-40B4-BE49-F238E27FC236}">
+                <a16:creationId xmlns:a16="http://schemas.microsoft.com/office/drawing/2014/main" id="{95D11E82-3436-AC05-85E9-467AF1D1E575}"/>
+              </a:ext>
+            </a:extLst>
+          </p:cNvPr>
+          <p:cNvSpPr>
+            <a:spLocks noGrp="1"/>
+          </p:cNvSpPr>
+          <p:nvPr>
+            <p:ph type="sldNum" sz="quarter" idx="12"/>
+          </p:nvPr>
+        </p:nvSpPr>
+        <p:spPr/>
+        <p:txBody>
+          <a:bodyPr/>
+          <a:lstStyle/>
+          <a:p>
+            <a:fld id="{D57F1E4F-1CFF-5643-939E-217C01CDF565}" type="slidenum">
+              <a:rPr lang="en-US" sz="3000" smtClean="0"/>
+              <a:pPr/>
+              <a:t>10</a:t>
+            </a:fld>
+            <a:endParaRPr lang="en-US" sz="3000" dirty="0"/>
+          </a:p>
+        </p:txBody>
+      </p:sp>
+    </p:spTree>
+    <p:extLst>
+      <p:ext uri="{BB962C8B-B14F-4D97-AF65-F5344CB8AC3E}">
+        <p14:creationId xmlns:p14="http://schemas.microsoft.com/office/powerpoint/2010/main" val="4167462772"/>
+      </p:ext>
+    </p:extLst>
+  </p:cSld>
+  <p:clrMapOvr>
+    <a:masterClrMapping/>
+  </p:clrMapOvr>
+</p:sld>
+</file>
+
+<file path=ppt/slides/slide11.xml><?xml version="1.0" encoding="utf-8"?>
+<p:sld xmlns:a="http://schemas.openxmlformats.org/drawingml/2006/main" xmlns:r="http://schemas.openxmlformats.org/officeDocument/2006/relationships" xmlns:p="http://schemas.openxmlformats.org/presentationml/2006/main">
+  <p:cSld>
+    <p:spTree>
+      <p:nvGrpSpPr>
+        <p:cNvPr id="1" name="">
+          <a:extLst>
+            <a:ext uri="{FF2B5EF4-FFF2-40B4-BE49-F238E27FC236}">
+              <a16:creationId xmlns:a16="http://schemas.microsoft.com/office/drawing/2014/main" id="{1256EA7B-B9B8-0425-4848-3C9E3F339DE0}"/>
+            </a:ext>
+          </a:extLst>
+        </p:cNvPr>
+        <p:cNvGrpSpPr/>
+        <p:nvPr/>
+      </p:nvGrpSpPr>
+      <p:grpSpPr>
+        <a:xfrm>
+          <a:off x="0" y="0"/>
+          <a:ext cx="0" cy="0"/>
+          <a:chOff x="0" y="0"/>
+          <a:chExt cx="0" cy="0"/>
+        </a:xfrm>
+      </p:grpSpPr>
+      <p:sp>
+        <p:nvSpPr>
+          <p:cNvPr id="2" name="標題 1">
+            <a:extLst>
+              <a:ext uri="{FF2B5EF4-FFF2-40B4-BE49-F238E27FC236}">
+                <a16:creationId xmlns:a16="http://schemas.microsoft.com/office/drawing/2014/main" id="{7F626979-17EE-2206-D34F-55273C662611}"/>
+              </a:ext>
+            </a:extLst>
+          </p:cNvPr>
+          <p:cNvSpPr>
+            <a:spLocks noGrp="1"/>
+          </p:cNvSpPr>
+          <p:nvPr>
+            <p:ph type="title"/>
+          </p:nvPr>
+        </p:nvSpPr>
+        <p:spPr>
+          <a:xfrm>
+            <a:off x="1030286" y="0"/>
+            <a:ext cx="10131425" cy="1456267"/>
+          </a:xfrm>
+        </p:spPr>
+        <p:txBody>
+          <a:bodyPr/>
+          <a:lstStyle/>
+          <a:p>
+            <a:r>
+              <a:rPr lang="zh-HK" altLang="en-US" dirty="0">
+                <a:latin typeface="Meiryo UI" panose="020B0604030504040204" pitchFamily="34" charset="-128"/>
+                <a:ea typeface="Meiryo UI" panose="020B0604030504040204" pitchFamily="34" charset="-128"/>
+              </a:rPr>
+              <a:t>今後</a:t>
+            </a:r>
+            <a:r>
+              <a:rPr lang="ja-JP" altLang="en-US">
+                <a:latin typeface="Meiryo UI" panose="020B0604030504040204" pitchFamily="34" charset="-128"/>
+                <a:ea typeface="Meiryo UI" panose="020B0604030504040204" pitchFamily="34" charset="-128"/>
+              </a:rPr>
+              <a:t>の</a:t>
+            </a:r>
+            <a:r>
+              <a:rPr lang="zh-HK" altLang="en-US" dirty="0">
+                <a:latin typeface="Meiryo UI" panose="020B0604030504040204" pitchFamily="34" charset="-128"/>
+                <a:ea typeface="Meiryo UI" panose="020B0604030504040204" pitchFamily="34" charset="-128"/>
+              </a:rPr>
+              <a:t>予定</a:t>
+            </a:r>
+            <a:r>
+              <a:rPr lang="ja-JP" altLang="en-US">
+                <a:latin typeface="Meiryo UI" panose="020B0604030504040204" pitchFamily="34" charset="-128"/>
+                <a:ea typeface="Meiryo UI" panose="020B0604030504040204" pitchFamily="34" charset="-128"/>
+              </a:rPr>
+              <a:t>と</a:t>
+            </a:r>
+            <a:r>
+              <a:rPr lang="zh-HK" altLang="en-US" dirty="0">
+                <a:latin typeface="Meiryo UI" panose="020B0604030504040204" pitchFamily="34" charset="-128"/>
+                <a:ea typeface="Meiryo UI" panose="020B0604030504040204" pitchFamily="34" charset="-128"/>
+              </a:rPr>
+              <a:t>課題</a:t>
+            </a:r>
+            <a:endParaRPr kumimoji="1" lang="zh-HK" altLang="en-US" dirty="0">
+              <a:latin typeface="Meiryo UI" panose="020B0604030504040204" pitchFamily="34" charset="-128"/>
+              <a:ea typeface="Meiryo UI" panose="020B0604030504040204" pitchFamily="34" charset="-128"/>
+            </a:endParaRPr>
+          </a:p>
+        </p:txBody>
+      </p:sp>
+      <p:sp>
+        <p:nvSpPr>
+          <p:cNvPr id="3" name="內容版面配置區 2">
+            <a:extLst>
+              <a:ext uri="{FF2B5EF4-FFF2-40B4-BE49-F238E27FC236}">
+                <a16:creationId xmlns:a16="http://schemas.microsoft.com/office/drawing/2014/main" id="{1AC596B8-319E-7A6F-5626-E09674AA40F0}"/>
+              </a:ext>
+            </a:extLst>
+          </p:cNvPr>
+          <p:cNvSpPr>
+            <a:spLocks noGrp="1"/>
+          </p:cNvSpPr>
+          <p:nvPr>
+            <p:ph idx="1"/>
+          </p:nvPr>
+        </p:nvSpPr>
+        <p:spPr>
+          <a:xfrm>
+            <a:off x="1030286" y="1456267"/>
+            <a:ext cx="10131425" cy="4414308"/>
+          </a:xfrm>
+        </p:spPr>
+        <p:txBody>
+          <a:bodyPr>
+            <a:normAutofit/>
+          </a:bodyPr>
+          <a:lstStyle/>
+          <a:p>
+            <a:pPr marL="0" indent="0">
+              <a:buNone/>
+            </a:pPr>
+            <a:r>
+              <a:rPr lang="zh-HK" altLang="en-US" sz="2800" dirty="0">
+                <a:latin typeface="Meiryo UI" panose="020B0604030504040204" pitchFamily="34" charset="-128"/>
+                <a:ea typeface="Meiryo UI" panose="020B0604030504040204" pitchFamily="34" charset="-128"/>
+              </a:rPr>
+              <a:t>様々な</a:t>
+            </a:r>
+            <a:r>
+              <a:rPr lang="ja-JP" altLang="en-US" sz="2800">
+                <a:latin typeface="Meiryo UI" panose="020B0604030504040204" pitchFamily="34" charset="-128"/>
+                <a:ea typeface="Meiryo UI" panose="020B0604030504040204" pitchFamily="34" charset="-128"/>
+              </a:rPr>
+              <a:t>ファイルでブロックを</a:t>
+            </a:r>
+            <a:r>
+              <a:rPr lang="zh-HK" altLang="en-US" sz="2800" dirty="0">
+                <a:latin typeface="Meiryo UI" panose="020B0604030504040204" pitchFamily="34" charset="-128"/>
+                <a:ea typeface="Meiryo UI" panose="020B0604030504040204" pitchFamily="34" charset="-128"/>
+              </a:rPr>
+              <a:t>生成</a:t>
+            </a:r>
+            <a:r>
+              <a:rPr lang="ja-JP" altLang="en-US" sz="2800">
+                <a:latin typeface="Meiryo UI" panose="020B0604030504040204" pitchFamily="34" charset="-128"/>
+                <a:ea typeface="Meiryo UI" panose="020B0604030504040204" pitchFamily="34" charset="-128"/>
+              </a:rPr>
+              <a:t>し、</a:t>
+            </a:r>
+            <a:r>
+              <a:rPr lang="zh-HK" altLang="en-US" sz="2800" dirty="0">
+                <a:latin typeface="Meiryo UI" panose="020B0604030504040204" pitchFamily="34" charset="-128"/>
+                <a:ea typeface="Meiryo UI" panose="020B0604030504040204" pitchFamily="34" charset="-128"/>
+              </a:rPr>
+              <a:t>効率</a:t>
+            </a:r>
+            <a:r>
+              <a:rPr lang="ja-JP" altLang="en-US" sz="2800">
+                <a:latin typeface="Meiryo UI" panose="020B0604030504040204" pitchFamily="34" charset="-128"/>
+                <a:ea typeface="Meiryo UI" panose="020B0604030504040204" pitchFamily="34" charset="-128"/>
+              </a:rPr>
+              <a:t>を</a:t>
+            </a:r>
+            <a:r>
+              <a:rPr lang="zh-HK" altLang="en-US" sz="2800" dirty="0">
+                <a:latin typeface="Meiryo UI" panose="020B0604030504040204" pitchFamily="34" charset="-128"/>
+                <a:ea typeface="Meiryo UI" panose="020B0604030504040204" pitchFamily="34" charset="-128"/>
+              </a:rPr>
+              <a:t>向上</a:t>
+            </a:r>
+            <a:r>
+              <a:rPr lang="ja-JP" altLang="en-US" sz="2800">
+                <a:latin typeface="Meiryo UI" panose="020B0604030504040204" pitchFamily="34" charset="-128"/>
+                <a:ea typeface="Meiryo UI" panose="020B0604030504040204" pitchFamily="34" charset="-128"/>
+              </a:rPr>
+              <a:t>させるために、</a:t>
+            </a:r>
+            <a:br>
+              <a:rPr lang="en-US" altLang="ja-JP" sz="2800" dirty="0">
+                <a:latin typeface="Meiryo UI" panose="020B0604030504040204" pitchFamily="34" charset="-128"/>
+                <a:ea typeface="Meiryo UI" panose="020B0604030504040204" pitchFamily="34" charset="-128"/>
+              </a:rPr>
+            </a:br>
+            <a:r>
+              <a:rPr lang="en-US" altLang="zh-HK" sz="2800" dirty="0">
+                <a:latin typeface="Meiryo UI" panose="020B0604030504040204" pitchFamily="34" charset="-128"/>
+                <a:ea typeface="Meiryo UI" panose="020B0604030504040204" pitchFamily="34" charset="-128"/>
+              </a:rPr>
+              <a:t>PC</a:t>
+            </a:r>
+            <a:r>
+              <a:rPr lang="ja-JP" altLang="en-US" sz="2800">
+                <a:latin typeface="Meiryo UI" panose="020B0604030504040204" pitchFamily="34" charset="-128"/>
+                <a:ea typeface="Meiryo UI" panose="020B0604030504040204" pitchFamily="34" charset="-128"/>
+              </a:rPr>
+              <a:t>のパフォーマンスを</a:t>
+            </a:r>
+            <a:r>
+              <a:rPr lang="zh-HK" altLang="en-US" sz="2800" dirty="0">
+                <a:latin typeface="Meiryo UI" panose="020B0604030504040204" pitchFamily="34" charset="-128"/>
+                <a:ea typeface="Meiryo UI" panose="020B0604030504040204" pitchFamily="34" charset="-128"/>
+              </a:rPr>
+              <a:t>監視</a:t>
+            </a:r>
+            <a:r>
+              <a:rPr lang="ja-JP" altLang="en-US" sz="2800">
+                <a:latin typeface="Meiryo UI" panose="020B0604030504040204" pitchFamily="34" charset="-128"/>
+                <a:ea typeface="Meiryo UI" panose="020B0604030504040204" pitchFamily="34" charset="-128"/>
+              </a:rPr>
+              <a:t>する</a:t>
+            </a:r>
+            <a:endParaRPr lang="ja-JP" altLang="en-US" sz="2800">
+              <a:solidFill>
+                <a:schemeClr val="tx1">
+                  <a:lumMod val="95000"/>
+                </a:schemeClr>
+              </a:solidFill>
+              <a:effectLst/>
+              <a:latin typeface="Meiryo UI" panose="020B0604030504040204" pitchFamily="34" charset="-128"/>
+              <a:ea typeface="Meiryo UI" panose="020B0604030504040204" pitchFamily="34" charset="-128"/>
+            </a:endParaRPr>
+          </a:p>
+        </p:txBody>
+      </p:sp>
+      <p:sp>
+        <p:nvSpPr>
+          <p:cNvPr id="4" name="投影片編號版面配置區 3">
+            <a:extLst>
+              <a:ext uri="{FF2B5EF4-FFF2-40B4-BE49-F238E27FC236}">
+                <a16:creationId xmlns:a16="http://schemas.microsoft.com/office/drawing/2014/main" id="{5CCC6B30-5E39-A005-D024-ABDDE9A41C2B}"/>
+              </a:ext>
+            </a:extLst>
+          </p:cNvPr>
+          <p:cNvSpPr>
+            <a:spLocks noGrp="1"/>
+          </p:cNvSpPr>
+          <p:nvPr>
+            <p:ph type="sldNum" sz="quarter" idx="12"/>
+          </p:nvPr>
+        </p:nvSpPr>
+        <p:spPr/>
+        <p:txBody>
+          <a:bodyPr/>
+          <a:lstStyle/>
+          <a:p>
+            <a:fld id="{D57F1E4F-1CFF-5643-939E-217C01CDF565}" type="slidenum">
+              <a:rPr lang="en-US" sz="3000" smtClean="0"/>
+              <a:pPr/>
+              <a:t>11</a:t>
+            </a:fld>
+            <a:endParaRPr lang="en-US" sz="3000" dirty="0"/>
+          </a:p>
+        </p:txBody>
+      </p:sp>
+    </p:spTree>
+    <p:extLst>
+      <p:ext uri="{BB962C8B-B14F-4D97-AF65-F5344CB8AC3E}">
+        <p14:creationId xmlns:p14="http://schemas.microsoft.com/office/powerpoint/2010/main" val="615401448"/>
+      </p:ext>
+    </p:extLst>
+  </p:cSld>
+  <p:clrMapOvr>
+    <a:masterClrMapping/>
+  </p:clrMapOvr>
+</p:sld>
+</file>
+
+<file path=ppt/slides/slide12.xml><?xml version="1.0" encoding="utf-8"?>
+<p:sld xmlns:a="http://schemas.openxmlformats.org/drawingml/2006/main" xmlns:r="http://schemas.openxmlformats.org/officeDocument/2006/relationships" xmlns:p="http://schemas.openxmlformats.org/presentationml/2006/main">
+  <p:cSld>
+    <p:spTree>
+      <p:nvGrpSpPr>
+        <p:cNvPr id="1" name=""/>
+        <p:cNvGrpSpPr/>
+        <p:nvPr/>
+      </p:nvGrpSpPr>
+      <p:grpSpPr>
+        <a:xfrm>
+          <a:off x="0" y="0"/>
+          <a:ext cx="0" cy="0"/>
+          <a:chOff x="0" y="0"/>
+          <a:chExt cx="0" cy="0"/>
+        </a:xfrm>
+      </p:grpSpPr>
+      <p:sp>
+        <p:nvSpPr>
+          <p:cNvPr id="2" name="標題 1">
+            <a:extLst>
+              <a:ext uri="{FF2B5EF4-FFF2-40B4-BE49-F238E27FC236}">
+                <a16:creationId xmlns:a16="http://schemas.microsoft.com/office/drawing/2014/main" id="{B230DE05-40CE-4C36-0AA9-175FD1CE9B42}"/>
+              </a:ext>
+            </a:extLst>
+          </p:cNvPr>
+          <p:cNvSpPr>
+            <a:spLocks noGrp="1"/>
+          </p:cNvSpPr>
+          <p:nvPr>
+            <p:ph type="title"/>
+          </p:nvPr>
+        </p:nvSpPr>
+        <p:spPr>
+          <a:xfrm>
+            <a:off x="1030287" y="2700866"/>
+            <a:ext cx="10131425" cy="1456267"/>
+          </a:xfrm>
+        </p:spPr>
+        <p:txBody>
+          <a:bodyPr>
+            <a:normAutofit/>
+          </a:bodyPr>
+          <a:lstStyle/>
+          <a:p>
+            <a:pPr algn="ctr"/>
+            <a:r>
+              <a:rPr kumimoji="1" lang="zh-HK" altLang="en-US" sz="5000" dirty="0">
+                <a:latin typeface="Meiryo UI" panose="020B0604030504040204" pitchFamily="34" charset="-128"/>
+                <a:ea typeface="Meiryo UI" panose="020B0604030504040204" pitchFamily="34" charset="-128"/>
+              </a:rPr>
+              <a:t>ご清聴ありがとうございます</a:t>
+            </a:r>
+          </a:p>
+        </p:txBody>
+      </p:sp>
+      <p:sp>
+        <p:nvSpPr>
+          <p:cNvPr id="4" name="投影片編號版面配置區 3">
+            <a:extLst>
+              <a:ext uri="{FF2B5EF4-FFF2-40B4-BE49-F238E27FC236}">
+                <a16:creationId xmlns:a16="http://schemas.microsoft.com/office/drawing/2014/main" id="{2EFF600A-A594-C871-C86A-878DC63662F9}"/>
+              </a:ext>
+            </a:extLst>
+          </p:cNvPr>
+          <p:cNvSpPr>
+            <a:spLocks noGrp="1"/>
+          </p:cNvSpPr>
+          <p:nvPr>
+            <p:ph type="sldNum" sz="quarter" idx="12"/>
+          </p:nvPr>
+        </p:nvSpPr>
+        <p:spPr/>
+        <p:txBody>
+          <a:bodyPr/>
+          <a:lstStyle/>
+          <a:p>
+            <a:fld id="{D57F1E4F-1CFF-5643-939E-217C01CDF565}" type="slidenum">
+              <a:rPr lang="en-US" sz="3000" smtClean="0"/>
+              <a:pPr/>
+              <a:t>12</a:t>
+            </a:fld>
+            <a:endParaRPr lang="en-US" sz="3000" dirty="0"/>
+          </a:p>
+        </p:txBody>
+      </p:sp>
+    </p:spTree>
+    <p:extLst>
+      <p:ext uri="{BB962C8B-B14F-4D97-AF65-F5344CB8AC3E}">
+        <p14:creationId xmlns:p14="http://schemas.microsoft.com/office/powerpoint/2010/main" val="4167555086"/>
+      </p:ext>
+    </p:extLst>
+  </p:cSld>
+  <p:clrMapOvr>
+    <a:masterClrMapping/>
+  </p:clrMapOvr>
+</p:sld>
+</file>
+
 <file path=ppt/slides/slide2.xml><?xml version="1.0" encoding="utf-8"?>
-<p:sld xmlns:a="http://schemas.openxmlformats.org/drawingml/2006/main" xmlns:r="http://schemas.openxmlformats.org/officeDocument/2006/relationships" xmlns:p="http://schemas.openxmlformats.org/presentationml/2006/main">
+<p:sld xmlns:a="http://schemas.openxmlformats.org/drawingml/2006/main" xmlns:r="http://schemas.openxmlformats.org/officeDocument/2006/relationships" xmlns:p="http://schemas.openxmlformats.org/presentationml/2006/main" show="0">
   <p:cSld>
     <p:spTree>
       <p:nvGrpSpPr>
@@ -11697,7 +17541,7 @@
 </file>
 
 <file path=ppt/slides/slide3.xml><?xml version="1.0" encoding="utf-8"?>
-<p:sld xmlns:a="http://schemas.openxmlformats.org/drawingml/2006/main" xmlns:r="http://schemas.openxmlformats.org/officeDocument/2006/relationships" xmlns:p="http://schemas.openxmlformats.org/presentationml/2006/main">
+<p:sld xmlns:a="http://schemas.openxmlformats.org/drawingml/2006/main" xmlns:r="http://schemas.openxmlformats.org/officeDocument/2006/relationships" xmlns:p="http://schemas.openxmlformats.org/presentationml/2006/main" show="0">
   <p:cSld>
     <p:spTree>
       <p:nvGrpSpPr>
@@ -11936,7 +17780,7 @@
 </file>
 
 <file path=ppt/slides/slide4.xml><?xml version="1.0" encoding="utf-8"?>
-<p:sld xmlns:a="http://schemas.openxmlformats.org/drawingml/2006/main" xmlns:r="http://schemas.openxmlformats.org/officeDocument/2006/relationships" xmlns:p="http://schemas.openxmlformats.org/presentationml/2006/main">
+<p:sld xmlns:a="http://schemas.openxmlformats.org/drawingml/2006/main" xmlns:r="http://schemas.openxmlformats.org/officeDocument/2006/relationships" xmlns:p="http://schemas.openxmlformats.org/presentationml/2006/main" show="0">
   <p:cSld>
     <p:spTree>
       <p:nvGrpSpPr>
@@ -12151,7 +17995,7 @@
 </file>
 
 <file path=ppt/slides/slide5.xml><?xml version="1.0" encoding="utf-8"?>
-<p:sld xmlns:a="http://schemas.openxmlformats.org/drawingml/2006/main" xmlns:r="http://schemas.openxmlformats.org/officeDocument/2006/relationships" xmlns:p="http://schemas.openxmlformats.org/presentationml/2006/main">
+<p:sld xmlns:a="http://schemas.openxmlformats.org/drawingml/2006/main" xmlns:r="http://schemas.openxmlformats.org/officeDocument/2006/relationships" xmlns:p="http://schemas.openxmlformats.org/presentationml/2006/main" show="0">
   <p:cSld>
     <p:spTree>
       <p:nvGrpSpPr>
@@ -13391,7 +19235,13 @@
   <p:cSld>
     <p:spTree>
       <p:nvGrpSpPr>
-        <p:cNvPr id="1" name=""/>
+        <p:cNvPr id="1" name="">
+          <a:extLst>
+            <a:ext uri="{FF2B5EF4-FFF2-40B4-BE49-F238E27FC236}">
+              <a16:creationId xmlns:a16="http://schemas.microsoft.com/office/drawing/2014/main" id="{971D067B-9D73-F246-F469-B992E6E7809E}"/>
+            </a:ext>
+          </a:extLst>
+        </p:cNvPr>
         <p:cNvGrpSpPr/>
         <p:nvPr/>
       </p:nvGrpSpPr>
@@ -13408,7 +19258,7 @@
           <p:cNvPr id="2" name="標題 1">
             <a:extLst>
               <a:ext uri="{FF2B5EF4-FFF2-40B4-BE49-F238E27FC236}">
-                <a16:creationId xmlns:a16="http://schemas.microsoft.com/office/drawing/2014/main" id="{5119BE88-FD0B-131B-75F2-DB3D052E7252}"/>
+                <a16:creationId xmlns:a16="http://schemas.microsoft.com/office/drawing/2014/main" id="{405B79A9-23F5-052E-0569-243E200E4722}"/>
               </a:ext>
             </a:extLst>
           </p:cNvPr>
@@ -13434,7 +19284,7 @@
                 <a:latin typeface="Meiryo UI" panose="020B0604030504040204" pitchFamily="34" charset="-128"/>
                 <a:ea typeface="Meiryo UI" panose="020B0604030504040204" pitchFamily="34" charset="-128"/>
               </a:rPr>
-              <a:t>11</a:t>
+              <a:t>12</a:t>
             </a:r>
             <a:r>
               <a:rPr lang="zh-HK" altLang="en-US" dirty="0">
@@ -13478,503 +19328,43 @@
           </a:p>
         </p:txBody>
       </p:sp>
-      <p:sp>
-        <p:nvSpPr>
-          <p:cNvPr id="3" name="內容版面配置區 2">
+      <p:graphicFrame>
+        <p:nvGraphicFramePr>
+          <p:cNvPr id="6" name="內容版面配置區 5">
             <a:extLst>
               <a:ext uri="{FF2B5EF4-FFF2-40B4-BE49-F238E27FC236}">
-                <a16:creationId xmlns:a16="http://schemas.microsoft.com/office/drawing/2014/main" id="{5FF3DE65-3E07-AE0F-83F1-1DB3CA622EA3}"/>
+                <a16:creationId xmlns:a16="http://schemas.microsoft.com/office/drawing/2014/main" id="{48A57BF7-4A72-D0A0-6C4D-6F2B6F13FEF4}"/>
               </a:ext>
             </a:extLst>
           </p:cNvPr>
-          <p:cNvSpPr>
-            <a:spLocks noGrp="1"/>
-          </p:cNvSpPr>
+          <p:cNvGraphicFramePr>
+            <a:graphicFrameLocks noGrp="1"/>
+          </p:cNvGraphicFramePr>
           <p:nvPr>
             <p:ph idx="1"/>
+            <p:extLst>
+              <p:ext uri="{D42A27DB-BD31-4B8C-83A1-F6EECF244321}">
+                <p14:modId xmlns:p14="http://schemas.microsoft.com/office/powerpoint/2010/main" val="3558064308"/>
+              </p:ext>
+            </p:extLst>
           </p:nvPr>
-        </p:nvSpPr>
-        <p:spPr>
-          <a:xfrm>
-            <a:off x="1030286" y="1300812"/>
-            <a:ext cx="10131425" cy="4256376"/>
-          </a:xfrm>
-        </p:spPr>
-        <p:txBody>
-          <a:bodyPr>
-            <a:normAutofit/>
-          </a:bodyPr>
-          <a:lstStyle/>
-          <a:p>
-            <a:pPr>
-              <a:lnSpc>
-                <a:spcPct val="110000"/>
-              </a:lnSpc>
-            </a:pPr>
-            <a:r>
-              <a:rPr lang="en-US" altLang="zh-HK" sz="2400" b="1" dirty="0">
-                <a:solidFill>
-                  <a:schemeClr val="tx1">
-                    <a:lumMod val="95000"/>
-                  </a:schemeClr>
-                </a:solidFill>
-                <a:effectLst/>
-                <a:latin typeface="Meiryo UI" panose="020B0604030504040204" pitchFamily="34" charset="-128"/>
-                <a:ea typeface="Meiryo UI" panose="020B0604030504040204" pitchFamily="34" charset="-128"/>
-              </a:rPr>
-              <a:t>GOMAXPROCS</a:t>
-            </a:r>
-            <a:r>
-              <a:rPr lang="zh-TW" altLang="en-US" sz="2400" b="1" dirty="0">
-                <a:solidFill>
-                  <a:schemeClr val="tx1">
-                    <a:lumMod val="95000"/>
-                  </a:schemeClr>
-                </a:solidFill>
-                <a:effectLst/>
-                <a:latin typeface="Meiryo UI" panose="020B0604030504040204" pitchFamily="34" charset="-128"/>
-                <a:ea typeface="Meiryo UI" panose="020B0604030504040204" pitchFamily="34" charset="-128"/>
-              </a:rPr>
-              <a:t> </a:t>
-            </a:r>
-            <a:endParaRPr lang="en-US" altLang="zh-TW" sz="2400" b="1" dirty="0">
-              <a:solidFill>
-                <a:schemeClr val="tx1">
-                  <a:lumMod val="95000"/>
-                </a:schemeClr>
-              </a:solidFill>
-              <a:effectLst/>
-              <a:latin typeface="Meiryo UI" panose="020B0604030504040204" pitchFamily="34" charset="-128"/>
-              <a:ea typeface="Meiryo UI" panose="020B0604030504040204" pitchFamily="34" charset="-128"/>
-            </a:endParaRPr>
-          </a:p>
-          <a:p>
-            <a:pPr marL="0" indent="0">
-              <a:lnSpc>
-                <a:spcPct val="110000"/>
-              </a:lnSpc>
-              <a:buNone/>
-            </a:pPr>
-            <a:r>
-              <a:rPr lang="en-US" altLang="zh-HK" sz="2400" b="1" dirty="0">
-                <a:solidFill>
-                  <a:schemeClr val="tx1">
-                    <a:lumMod val="95000"/>
-                  </a:schemeClr>
-                </a:solidFill>
-                <a:latin typeface="Meiryo UI" panose="020B0604030504040204" pitchFamily="34" charset="-128"/>
-                <a:ea typeface="Meiryo UI" panose="020B0604030504040204" pitchFamily="34" charset="-128"/>
-              </a:rPr>
-              <a:t>	</a:t>
-            </a:r>
-            <a:r>
-              <a:rPr lang="en-US" altLang="zh-HK" sz="2400" dirty="0">
-                <a:latin typeface="Meiryo UI" panose="020B0604030504040204" pitchFamily="34" charset="-128"/>
-                <a:ea typeface="Meiryo UI" panose="020B0604030504040204" pitchFamily="34" charset="-128"/>
-              </a:rPr>
-              <a:t>Go</a:t>
-            </a:r>
-            <a:r>
-              <a:rPr lang="zh-HK" altLang="en-US" sz="2400" dirty="0">
-                <a:latin typeface="Meiryo UI" panose="020B0604030504040204" pitchFamily="34" charset="-128"/>
-                <a:ea typeface="Meiryo UI" panose="020B0604030504040204" pitchFamily="34" charset="-128"/>
-              </a:rPr>
-              <a:t>言語</a:t>
-            </a:r>
-            <a:r>
-              <a:rPr lang="ja-JP" altLang="en-US" sz="2400">
-                <a:latin typeface="Meiryo UI" panose="020B0604030504040204" pitchFamily="34" charset="-128"/>
-                <a:ea typeface="Meiryo UI" panose="020B0604030504040204" pitchFamily="34" charset="-128"/>
-              </a:rPr>
-              <a:t>の</a:t>
-            </a:r>
-            <a:r>
-              <a:rPr lang="zh-HK" altLang="en-US" sz="2400" dirty="0">
-                <a:latin typeface="Meiryo UI" panose="020B0604030504040204" pitchFamily="34" charset="-128"/>
-                <a:ea typeface="Meiryo UI" panose="020B0604030504040204" pitchFamily="34" charset="-128"/>
-              </a:rPr>
-              <a:t>並行処理</a:t>
-            </a:r>
-            <a:r>
-              <a:rPr lang="ja-JP" altLang="en-US" sz="2400">
-                <a:latin typeface="Meiryo UI" panose="020B0604030504040204" pitchFamily="34" charset="-128"/>
-                <a:ea typeface="Meiryo UI" panose="020B0604030504040204" pitchFamily="34" charset="-128"/>
-              </a:rPr>
-              <a:t>の</a:t>
-            </a:r>
-            <a:r>
-              <a:rPr lang="zh-HK" altLang="en-US" sz="2400" dirty="0">
-                <a:latin typeface="Meiryo UI" panose="020B0604030504040204" pitchFamily="34" charset="-128"/>
-                <a:ea typeface="Meiryo UI" panose="020B0604030504040204" pitchFamily="34" charset="-128"/>
-              </a:rPr>
-              <a:t>効率</a:t>
-            </a:r>
-            <a:r>
-              <a:rPr lang="ja-JP" altLang="en-US" sz="2400">
-                <a:latin typeface="Meiryo UI" panose="020B0604030504040204" pitchFamily="34" charset="-128"/>
-                <a:ea typeface="Meiryo UI" panose="020B0604030504040204" pitchFamily="34" charset="-128"/>
-              </a:rPr>
-              <a:t>を</a:t>
-            </a:r>
-            <a:r>
-              <a:rPr lang="zh-HK" altLang="en-US" sz="2400" dirty="0">
-                <a:latin typeface="Meiryo UI" panose="020B0604030504040204" pitchFamily="34" charset="-128"/>
-                <a:ea typeface="Meiryo UI" panose="020B0604030504040204" pitchFamily="34" charset="-128"/>
-              </a:rPr>
-              <a:t>調整</a:t>
-            </a:r>
-            <a:r>
-              <a:rPr lang="ja-JP" altLang="en-US" sz="2400">
-                <a:latin typeface="Meiryo UI" panose="020B0604030504040204" pitchFamily="34" charset="-128"/>
-                <a:ea typeface="Meiryo UI" panose="020B0604030504040204" pitchFamily="34" charset="-128"/>
-              </a:rPr>
-              <a:t>するため、</a:t>
-            </a:r>
-            <a:r>
-              <a:rPr lang="zh-HK" altLang="en-US" sz="2400" dirty="0">
-                <a:latin typeface="Meiryo UI" panose="020B0604030504040204" pitchFamily="34" charset="-128"/>
-                <a:ea typeface="Meiryo UI" panose="020B0604030504040204" pitchFamily="34" charset="-128"/>
-              </a:rPr>
-              <a:t>環境変数</a:t>
-            </a:r>
-            <a:r>
-              <a:rPr lang="ja-JP" altLang="en-US" sz="2400">
-                <a:latin typeface="Meiryo UI" panose="020B0604030504040204" pitchFamily="34" charset="-128"/>
-                <a:ea typeface="Meiryo UI" panose="020B0604030504040204" pitchFamily="34" charset="-128"/>
-              </a:rPr>
-              <a:t>や</a:t>
-            </a:r>
-            <a:r>
-              <a:rPr lang="zh-HK" altLang="en-US" sz="2400" dirty="0">
-                <a:latin typeface="Meiryo UI" panose="020B0604030504040204" pitchFamily="34" charset="-128"/>
-                <a:ea typeface="Meiryo UI" panose="020B0604030504040204" pitchFamily="34" charset="-128"/>
-              </a:rPr>
-              <a:t>関数</a:t>
-            </a:r>
-            <a:r>
-              <a:rPr lang="ja-JP" altLang="en-US" sz="2400">
-                <a:latin typeface="Meiryo UI" panose="020B0604030504040204" pitchFamily="34" charset="-128"/>
-                <a:ea typeface="Meiryo UI" panose="020B0604030504040204" pitchFamily="34" charset="-128"/>
-              </a:rPr>
-              <a:t>を</a:t>
-            </a:r>
-            <a:r>
-              <a:rPr lang="zh-HK" altLang="en-US" sz="2400" dirty="0">
-                <a:latin typeface="Meiryo UI" panose="020B0604030504040204" pitchFamily="34" charset="-128"/>
-                <a:ea typeface="Meiryo UI" panose="020B0604030504040204" pitchFamily="34" charset="-128"/>
-              </a:rPr>
-              <a:t>活用</a:t>
-            </a:r>
-            <a:r>
-              <a:rPr lang="ja-JP" altLang="en-US" sz="2400">
-                <a:latin typeface="Meiryo UI" panose="020B0604030504040204" pitchFamily="34" charset="-128"/>
-                <a:ea typeface="Meiryo UI" panose="020B0604030504040204" pitchFamily="34" charset="-128"/>
-              </a:rPr>
-              <a:t>し、</a:t>
-            </a:r>
-            <a:r>
-              <a:rPr lang="zh-HK" altLang="en-US" sz="2400" dirty="0">
-                <a:latin typeface="Meiryo UI" panose="020B0604030504040204" pitchFamily="34" charset="-128"/>
-                <a:ea typeface="Meiryo UI" panose="020B0604030504040204" pitchFamily="34" charset="-128"/>
-              </a:rPr>
-              <a:t>実行</a:t>
-            </a:r>
-            <a:r>
-              <a:rPr lang="en-US" altLang="zh-HK" sz="2400" dirty="0">
-                <a:latin typeface="Meiryo UI" panose="020B0604030504040204" pitchFamily="34" charset="-128"/>
-                <a:ea typeface="Meiryo UI" panose="020B0604030504040204" pitchFamily="34" charset="-128"/>
-              </a:rPr>
-              <a:t>	</a:t>
-            </a:r>
-            <a:r>
-              <a:rPr lang="zh-HK" altLang="en-US" sz="2400" dirty="0">
-                <a:latin typeface="Meiryo UI" panose="020B0604030504040204" pitchFamily="34" charset="-128"/>
-                <a:ea typeface="Meiryo UI" panose="020B0604030504040204" pitchFamily="34" charset="-128"/>
-              </a:rPr>
-              <a:t>時</a:t>
-            </a:r>
-            <a:r>
-              <a:rPr lang="ja-JP" altLang="en-US" sz="2400">
-                <a:latin typeface="Meiryo UI" panose="020B0604030504040204" pitchFamily="34" charset="-128"/>
-                <a:ea typeface="Meiryo UI" panose="020B0604030504040204" pitchFamily="34" charset="-128"/>
-              </a:rPr>
-              <a:t>に</a:t>
-            </a:r>
-            <a:r>
-              <a:rPr lang="zh-HK" altLang="en-US" sz="2400" dirty="0">
-                <a:latin typeface="Meiryo UI" panose="020B0604030504040204" pitchFamily="34" charset="-128"/>
-                <a:ea typeface="Meiryo UI" panose="020B0604030504040204" pitchFamily="34" charset="-128"/>
-              </a:rPr>
-              <a:t>使用</a:t>
-            </a:r>
-            <a:r>
-              <a:rPr lang="ja-JP" altLang="en-US" sz="2400">
-                <a:latin typeface="Meiryo UI" panose="020B0604030504040204" pitchFamily="34" charset="-128"/>
-                <a:ea typeface="Meiryo UI" panose="020B0604030504040204" pitchFamily="34" charset="-128"/>
-              </a:rPr>
-              <a:t>する</a:t>
-            </a:r>
-            <a:r>
-              <a:rPr lang="en-US" altLang="zh-HK" sz="2400" dirty="0">
-                <a:latin typeface="Meiryo UI" panose="020B0604030504040204" pitchFamily="34" charset="-128"/>
-                <a:ea typeface="Meiryo UI" panose="020B0604030504040204" pitchFamily="34" charset="-128"/>
-              </a:rPr>
-              <a:t>CPU</a:t>
-            </a:r>
-            <a:r>
-              <a:rPr lang="ja-JP" altLang="en-US" sz="2400">
-                <a:latin typeface="Meiryo UI" panose="020B0604030504040204" pitchFamily="34" charset="-128"/>
-                <a:ea typeface="Meiryo UI" panose="020B0604030504040204" pitchFamily="34" charset="-128"/>
-              </a:rPr>
-              <a:t>コア</a:t>
-            </a:r>
-            <a:r>
-              <a:rPr lang="zh-HK" altLang="en-US" sz="2400" dirty="0">
-                <a:latin typeface="Meiryo UI" panose="020B0604030504040204" pitchFamily="34" charset="-128"/>
-                <a:ea typeface="Meiryo UI" panose="020B0604030504040204" pitchFamily="34" charset="-128"/>
-              </a:rPr>
-              <a:t>数</a:t>
-            </a:r>
-            <a:r>
-              <a:rPr lang="ja-JP" altLang="en-US" sz="2400">
-                <a:latin typeface="Meiryo UI" panose="020B0604030504040204" pitchFamily="34" charset="-128"/>
-                <a:ea typeface="Meiryo UI" panose="020B0604030504040204" pitchFamily="34" charset="-128"/>
-              </a:rPr>
-              <a:t>を</a:t>
-            </a:r>
-            <a:r>
-              <a:rPr lang="zh-HK" altLang="en-US" sz="2400" dirty="0">
-                <a:latin typeface="Meiryo UI" panose="020B0604030504040204" pitchFamily="34" charset="-128"/>
-                <a:ea typeface="Meiryo UI" panose="020B0604030504040204" pitchFamily="34" charset="-128"/>
-              </a:rPr>
-              <a:t>設定</a:t>
-            </a:r>
-            <a:r>
-              <a:rPr lang="ja-JP" altLang="en-US" sz="2400">
-                <a:latin typeface="Meiryo UI" panose="020B0604030504040204" pitchFamily="34" charset="-128"/>
-                <a:ea typeface="Meiryo UI" panose="020B0604030504040204" pitchFamily="34" charset="-128"/>
-              </a:rPr>
-              <a:t>し、</a:t>
-            </a:r>
-            <a:r>
-              <a:rPr lang="zh-HK" altLang="en-US" sz="2400" dirty="0">
-                <a:latin typeface="Meiryo UI" panose="020B0604030504040204" pitchFamily="34" charset="-128"/>
-                <a:ea typeface="Meiryo UI" panose="020B0604030504040204" pitchFamily="34" charset="-128"/>
-              </a:rPr>
-              <a:t>資源</a:t>
-            </a:r>
-            <a:r>
-              <a:rPr lang="ja-JP" altLang="en-US" sz="2400">
-                <a:latin typeface="Meiryo UI" panose="020B0604030504040204" pitchFamily="34" charset="-128"/>
-                <a:ea typeface="Meiryo UI" panose="020B0604030504040204" pitchFamily="34" charset="-128"/>
-              </a:rPr>
-              <a:t>の</a:t>
-            </a:r>
-            <a:r>
-              <a:rPr lang="zh-HK" altLang="en-US" sz="2400" dirty="0">
-                <a:latin typeface="Meiryo UI" panose="020B0604030504040204" pitchFamily="34" charset="-128"/>
-                <a:ea typeface="Meiryo UI" panose="020B0604030504040204" pitchFamily="34" charset="-128"/>
-              </a:rPr>
-              <a:t>最適化</a:t>
-            </a:r>
-            <a:r>
-              <a:rPr lang="ja-JP" altLang="en-US" sz="2400">
-                <a:latin typeface="Meiryo UI" panose="020B0604030504040204" pitchFamily="34" charset="-128"/>
-                <a:ea typeface="Meiryo UI" panose="020B0604030504040204" pitchFamily="34" charset="-128"/>
-              </a:rPr>
-              <a:t>を</a:t>
-            </a:r>
-            <a:r>
-              <a:rPr lang="zh-HK" altLang="en-US" sz="2400" dirty="0">
-                <a:latin typeface="Meiryo UI" panose="020B0604030504040204" pitchFamily="34" charset="-128"/>
-                <a:ea typeface="Meiryo UI" panose="020B0604030504040204" pitchFamily="34" charset="-128"/>
-              </a:rPr>
-              <a:t>図</a:t>
-            </a:r>
-            <a:r>
-              <a:rPr lang="ja-JP" altLang="en-US" sz="2400">
-                <a:latin typeface="Meiryo UI" panose="020B0604030504040204" pitchFamily="34" charset="-128"/>
-                <a:ea typeface="Meiryo UI" panose="020B0604030504040204" pitchFamily="34" charset="-128"/>
-              </a:rPr>
-              <a:t>ります </a:t>
-            </a:r>
-            <a:endParaRPr lang="en-US" altLang="ja-JP" sz="2400" dirty="0">
-              <a:latin typeface="Meiryo UI" panose="020B0604030504040204" pitchFamily="34" charset="-128"/>
-              <a:ea typeface="Meiryo UI" panose="020B0604030504040204" pitchFamily="34" charset="-128"/>
-            </a:endParaRPr>
-          </a:p>
-          <a:p>
-            <a:pPr marL="457200" lvl="1" indent="0">
-              <a:lnSpc>
-                <a:spcPct val="110000"/>
-              </a:lnSpc>
-              <a:buNone/>
-            </a:pPr>
-            <a:endParaRPr lang="en-US" altLang="ja-JP" sz="2400" dirty="0">
-              <a:latin typeface="Meiryo UI" panose="020B0604030504040204" pitchFamily="34" charset="-128"/>
-              <a:ea typeface="Meiryo UI" panose="020B0604030504040204" pitchFamily="34" charset="-128"/>
-            </a:endParaRPr>
-          </a:p>
-          <a:p>
-            <a:pPr>
-              <a:lnSpc>
-                <a:spcPct val="110000"/>
-              </a:lnSpc>
-            </a:pPr>
-            <a:r>
-              <a:rPr lang="en-US" altLang="zh-HK" sz="2400" b="1" dirty="0" err="1">
-                <a:solidFill>
-                  <a:schemeClr val="tx1">
-                    <a:lumMod val="95000"/>
-                  </a:schemeClr>
-                </a:solidFill>
-                <a:effectLst/>
-                <a:latin typeface="Meiryo UI" panose="020B0604030504040204" pitchFamily="34" charset="-128"/>
-                <a:ea typeface="Meiryo UI" panose="020B0604030504040204" pitchFamily="34" charset="-128"/>
-              </a:rPr>
-              <a:t>Pprof</a:t>
-            </a:r>
-            <a:endParaRPr lang="en-US" altLang="zh-HK" sz="2400" b="1" dirty="0">
-              <a:solidFill>
-                <a:schemeClr val="tx1">
-                  <a:lumMod val="95000"/>
-                </a:schemeClr>
-              </a:solidFill>
-              <a:latin typeface="Meiryo UI" panose="020B0604030504040204" pitchFamily="34" charset="-128"/>
-              <a:ea typeface="Meiryo UI" panose="020B0604030504040204" pitchFamily="34" charset="-128"/>
-            </a:endParaRPr>
-          </a:p>
-          <a:p>
-            <a:pPr marL="457200" lvl="1" indent="0">
-              <a:lnSpc>
-                <a:spcPct val="110000"/>
-              </a:lnSpc>
-              <a:buNone/>
-            </a:pPr>
-            <a:r>
-              <a:rPr lang="en-US" altLang="zh-HK" sz="2400" dirty="0">
-                <a:latin typeface="Meiryo UI" panose="020B0604030504040204" pitchFamily="34" charset="-128"/>
-                <a:ea typeface="Meiryo UI" panose="020B0604030504040204" pitchFamily="34" charset="-128"/>
-              </a:rPr>
-              <a:t>CPU</a:t>
-            </a:r>
-            <a:r>
-              <a:rPr lang="zh-HK" altLang="en-US" sz="2400" dirty="0">
-                <a:latin typeface="Meiryo UI" panose="020B0604030504040204" pitchFamily="34" charset="-128"/>
-                <a:ea typeface="Meiryo UI" panose="020B0604030504040204" pitchFamily="34" charset="-128"/>
-              </a:rPr>
-              <a:t>、</a:t>
-            </a:r>
-            <a:r>
-              <a:rPr lang="ja-JP" altLang="en-US" sz="2400">
-                <a:latin typeface="Meiryo UI" panose="020B0604030504040204" pitchFamily="34" charset="-128"/>
-                <a:ea typeface="Meiryo UI" panose="020B0604030504040204" pitchFamily="34" charset="-128"/>
-              </a:rPr>
-              <a:t>メモリ、</a:t>
-            </a:r>
-            <a:r>
-              <a:rPr lang="en-US" altLang="zh-HK" sz="2400" dirty="0">
-                <a:latin typeface="Meiryo UI" panose="020B0604030504040204" pitchFamily="34" charset="-128"/>
-                <a:ea typeface="Meiryo UI" panose="020B0604030504040204" pitchFamily="34" charset="-128"/>
-              </a:rPr>
-              <a:t>goroutine</a:t>
-            </a:r>
-            <a:r>
-              <a:rPr lang="ja-JP" altLang="en-US" sz="2400">
-                <a:latin typeface="Meiryo UI" panose="020B0604030504040204" pitchFamily="34" charset="-128"/>
-                <a:ea typeface="Meiryo UI" panose="020B0604030504040204" pitchFamily="34" charset="-128"/>
-              </a:rPr>
-              <a:t>などのリソースを</a:t>
-            </a:r>
-            <a:r>
-              <a:rPr lang="zh-HK" altLang="en-US" sz="2400" dirty="0">
-                <a:latin typeface="Meiryo UI" panose="020B0604030504040204" pitchFamily="34" charset="-128"/>
-                <a:ea typeface="Meiryo UI" panose="020B0604030504040204" pitchFamily="34" charset="-128"/>
-              </a:rPr>
-              <a:t>分析</a:t>
-            </a:r>
-            <a:r>
-              <a:rPr lang="ja-JP" altLang="en-US" sz="2400">
-                <a:latin typeface="Meiryo UI" panose="020B0604030504040204" pitchFamily="34" charset="-128"/>
-                <a:ea typeface="Meiryo UI" panose="020B0604030504040204" pitchFamily="34" charset="-128"/>
-              </a:rPr>
-              <a:t>し、ボトルネックを</a:t>
-            </a:r>
-            <a:r>
-              <a:rPr lang="zh-HK" altLang="en-US" sz="2400" dirty="0">
-                <a:latin typeface="Meiryo UI" panose="020B0604030504040204" pitchFamily="34" charset="-128"/>
-                <a:ea typeface="Meiryo UI" panose="020B0604030504040204" pitchFamily="34" charset="-128"/>
-              </a:rPr>
-              <a:t>特定</a:t>
-            </a:r>
-            <a:r>
-              <a:rPr lang="ja-JP" altLang="en-US" sz="2400">
-                <a:latin typeface="Meiryo UI" panose="020B0604030504040204" pitchFamily="34" charset="-128"/>
-                <a:ea typeface="Meiryo UI" panose="020B0604030504040204" pitchFamily="34" charset="-128"/>
-              </a:rPr>
-              <a:t>して</a:t>
-            </a:r>
-            <a:r>
-              <a:rPr lang="zh-HK" altLang="en-US" sz="2400" dirty="0">
-                <a:latin typeface="Meiryo UI" panose="020B0604030504040204" pitchFamily="34" charset="-128"/>
-                <a:ea typeface="Meiryo UI" panose="020B0604030504040204" pitchFamily="34" charset="-128"/>
-              </a:rPr>
-              <a:t>視覚化</a:t>
-            </a:r>
-            <a:r>
-              <a:rPr lang="ja-JP" altLang="en-US" sz="2400">
-                <a:latin typeface="Meiryo UI" panose="020B0604030504040204" pitchFamily="34" charset="-128"/>
-                <a:ea typeface="Meiryo UI" panose="020B0604030504040204" pitchFamily="34" charset="-128"/>
-              </a:rPr>
-              <a:t>することで、プログラムの</a:t>
-            </a:r>
-            <a:r>
-              <a:rPr lang="zh-HK" altLang="en-US" sz="2400" dirty="0">
-                <a:latin typeface="Meiryo UI" panose="020B0604030504040204" pitchFamily="34" charset="-128"/>
-                <a:ea typeface="Meiryo UI" panose="020B0604030504040204" pitchFamily="34" charset="-128"/>
-              </a:rPr>
-              <a:t>性能</a:t>
-            </a:r>
-            <a:r>
-              <a:rPr lang="ja-JP" altLang="en-US" sz="2400">
-                <a:latin typeface="Meiryo UI" panose="020B0604030504040204" pitchFamily="34" charset="-128"/>
-                <a:ea typeface="Meiryo UI" panose="020B0604030504040204" pitchFamily="34" charset="-128"/>
-              </a:rPr>
-              <a:t>を</a:t>
-            </a:r>
-            <a:r>
-              <a:rPr lang="zh-HK" altLang="en-US" sz="2400" dirty="0">
-                <a:latin typeface="Meiryo UI" panose="020B0604030504040204" pitchFamily="34" charset="-128"/>
-                <a:ea typeface="Meiryo UI" panose="020B0604030504040204" pitchFamily="34" charset="-128"/>
-              </a:rPr>
-              <a:t>向上</a:t>
-            </a:r>
-            <a:r>
-              <a:rPr lang="ja-JP" altLang="en-US" sz="2400">
-                <a:latin typeface="Meiryo UI" panose="020B0604030504040204" pitchFamily="34" charset="-128"/>
-                <a:ea typeface="Meiryo UI" panose="020B0604030504040204" pitchFamily="34" charset="-128"/>
-              </a:rPr>
-              <a:t>させます</a:t>
-            </a:r>
-            <a:endParaRPr lang="ja-JP" altLang="en-US" sz="2400">
-              <a:solidFill>
-                <a:schemeClr val="tx1">
-                  <a:lumMod val="95000"/>
-                </a:schemeClr>
-              </a:solidFill>
-              <a:effectLst/>
-              <a:latin typeface="Meiryo UI" panose="020B0604030504040204" pitchFamily="34" charset="-128"/>
-              <a:ea typeface="Meiryo UI" panose="020B0604030504040204" pitchFamily="34" charset="-128"/>
-            </a:endParaRPr>
-          </a:p>
-        </p:txBody>
-      </p:sp>
+        </p:nvGraphicFramePr>
+        <p:xfrm>
+          <a:off x="1659395" y="1456267"/>
+          <a:ext cx="8873206" cy="3768203"/>
+        </p:xfrm>
+        <a:graphic>
+          <a:graphicData uri="http://schemas.openxmlformats.org/drawingml/2006/diagram">
+            <dgm:relIds xmlns:dgm="http://schemas.openxmlformats.org/drawingml/2006/diagram" xmlns:r="http://schemas.openxmlformats.org/officeDocument/2006/relationships" r:dm="rId3" r:lo="rId4" r:qs="rId5" r:cs="rId6"/>
+          </a:graphicData>
+        </a:graphic>
+      </p:graphicFrame>
       <p:sp>
         <p:nvSpPr>
           <p:cNvPr id="4" name="投影片編號版面配置區 3">
             <a:extLst>
               <a:ext uri="{FF2B5EF4-FFF2-40B4-BE49-F238E27FC236}">
-                <a16:creationId xmlns:a16="http://schemas.microsoft.com/office/drawing/2014/main" id="{95D11E82-3436-AC05-85E9-467AF1D1E575}"/>
+                <a16:creationId xmlns:a16="http://schemas.microsoft.com/office/drawing/2014/main" id="{66013812-549F-A8EB-8403-F40346A23169}"/>
               </a:ext>
             </a:extLst>
           </p:cNvPr>
@@ -13999,10 +19389,59 @@
           </a:p>
         </p:txBody>
       </p:sp>
+      <p:sp>
+        <p:nvSpPr>
+          <p:cNvPr id="7" name="文字方塊 6">
+            <a:extLst>
+              <a:ext uri="{FF2B5EF4-FFF2-40B4-BE49-F238E27FC236}">
+                <a16:creationId xmlns:a16="http://schemas.microsoft.com/office/drawing/2014/main" id="{F32316F4-6AD2-4342-7DB5-4D78AB39C221}"/>
+              </a:ext>
+            </a:extLst>
+          </p:cNvPr>
+          <p:cNvSpPr txBox="1"/>
+          <p:nvPr/>
+        </p:nvSpPr>
+        <p:spPr>
+          <a:xfrm>
+            <a:off x="1374773" y="5870575"/>
+            <a:ext cx="2304598" cy="369332"/>
+          </a:xfrm>
+          <a:prstGeom prst="rect">
+            <a:avLst/>
+          </a:prstGeom>
+          <a:noFill/>
+        </p:spPr>
+        <p:txBody>
+          <a:bodyPr wrap="square" rtlCol="0">
+            <a:spAutoFit/>
+          </a:bodyPr>
+          <a:lstStyle/>
+          <a:p>
+            <a:r>
+              <a:rPr kumimoji="1" lang="zh-HK" altLang="en-US" dirty="0">
+                <a:latin typeface="Meiryo UI" panose="020B0604030504040204" pitchFamily="34" charset="-128"/>
+                <a:ea typeface="Meiryo UI" panose="020B0604030504040204" pitchFamily="34" charset="-128"/>
+              </a:rPr>
+              <a:t>＠＝</a:t>
+            </a:r>
+            <a:r>
+              <a:rPr kumimoji="1" lang="zh-HK" altLang="en-US" sz="1800" dirty="0">
+                <a:latin typeface="Meiryo UI" panose="020B0604030504040204" pitchFamily="34" charset="-128"/>
+                <a:ea typeface="Meiryo UI" panose="020B0604030504040204" pitchFamily="34" charset="-128"/>
+              </a:rPr>
+              <a:t>参考文献の番号</a:t>
+            </a:r>
+            <a:endParaRPr kumimoji="1" lang="en-US" altLang="zh-HK" sz="1800" dirty="0">
+              <a:latin typeface="Meiryo UI" panose="020B0604030504040204" pitchFamily="34" charset="-128"/>
+              <a:ea typeface="Meiryo UI" panose="020B0604030504040204" pitchFamily="34" charset="-128"/>
+            </a:endParaRPr>
+          </a:p>
+        </p:txBody>
+      </p:sp>
     </p:spTree>
     <p:extLst>
       <p:ext uri="{BB962C8B-B14F-4D97-AF65-F5344CB8AC3E}">
-        <p14:creationId xmlns:p14="http://schemas.microsoft.com/office/powerpoint/2010/main" val="4167462772"/>
+        <p14:creationId xmlns:p14="http://schemas.microsoft.com/office/powerpoint/2010/main" val="3756013137"/>
       </p:ext>
     </p:extLst>
   </p:cSld>
@@ -14020,7 +19459,7 @@
         <p:cNvPr id="1" name="">
           <a:extLst>
             <a:ext uri="{FF2B5EF4-FFF2-40B4-BE49-F238E27FC236}">
-              <a16:creationId xmlns:a16="http://schemas.microsoft.com/office/drawing/2014/main" id="{1256EA7B-B9B8-0425-4848-3C9E3F339DE0}"/>
+              <a16:creationId xmlns:a16="http://schemas.microsoft.com/office/drawing/2014/main" id="{044E25DF-4AAC-FC44-12C4-AF12E444788D}"/>
             </a:ext>
           </a:extLst>
         </p:cNvPr>
@@ -14040,7 +19479,7 @@
           <p:cNvPr id="2" name="標題 1">
             <a:extLst>
               <a:ext uri="{FF2B5EF4-FFF2-40B4-BE49-F238E27FC236}">
-                <a16:creationId xmlns:a16="http://schemas.microsoft.com/office/drawing/2014/main" id="{7F626979-17EE-2206-D34F-55273C662611}"/>
+                <a16:creationId xmlns:a16="http://schemas.microsoft.com/office/drawing/2014/main" id="{7058BCA6-09F1-BDD7-3944-A55C8D7B356A}"/>
               </a:ext>
             </a:extLst>
           </p:cNvPr>
@@ -14062,175 +19501,48 @@
           <a:lstStyle/>
           <a:p>
             <a:r>
+              <a:rPr lang="en-US" altLang="zh-HK" dirty="0">
+                <a:latin typeface="Meiryo UI" panose="020B0604030504040204" pitchFamily="34" charset="-128"/>
+                <a:ea typeface="Meiryo UI" panose="020B0604030504040204" pitchFamily="34" charset="-128"/>
+              </a:rPr>
+              <a:t>12</a:t>
+            </a:r>
+            <a:r>
               <a:rPr lang="zh-HK" altLang="en-US" dirty="0">
                 <a:latin typeface="Meiryo UI" panose="020B0604030504040204" pitchFamily="34" charset="-128"/>
                 <a:ea typeface="Meiryo UI" panose="020B0604030504040204" pitchFamily="34" charset="-128"/>
               </a:rPr>
-              <a:t>今後</a:t>
-            </a:r>
-            <a:r>
-              <a:rPr lang="ja-JP" altLang="en-US">
-                <a:latin typeface="Meiryo UI" panose="020B0604030504040204" pitchFamily="34" charset="-128"/>
-                <a:ea typeface="Meiryo UI" panose="020B0604030504040204" pitchFamily="34" charset="-128"/>
-              </a:rPr>
-              <a:t>の</a:t>
+              <a:t>月</a:t>
+            </a:r>
+            <a:r>
+              <a:rPr lang="zh-TW" altLang="en-US" dirty="0">
+                <a:latin typeface="Meiryo UI" panose="020B0604030504040204" pitchFamily="34" charset="-128"/>
+                <a:ea typeface="Meiryo UI" panose="020B0604030504040204" pitchFamily="34" charset="-128"/>
+              </a:rPr>
+              <a:t> </a:t>
+            </a:r>
+            <a:r>
+              <a:rPr lang="en-US" altLang="zh-HK" dirty="0">
+                <a:latin typeface="Meiryo UI" panose="020B0604030504040204" pitchFamily="34" charset="-128"/>
+                <a:ea typeface="Meiryo UI" panose="020B0604030504040204" pitchFamily="34" charset="-128"/>
+              </a:rPr>
+              <a:t>-</a:t>
+            </a:r>
+            <a:r>
+              <a:rPr lang="zh-TW" altLang="en-US" dirty="0">
+                <a:latin typeface="Meiryo UI" panose="020B0604030504040204" pitchFamily="34" charset="-128"/>
+                <a:ea typeface="Meiryo UI" panose="020B0604030504040204" pitchFamily="34" charset="-128"/>
+              </a:rPr>
+              <a:t> </a:t>
             </a:r>
             <a:r>
               <a:rPr lang="zh-HK" altLang="en-US" dirty="0">
                 <a:latin typeface="Meiryo UI" panose="020B0604030504040204" pitchFamily="34" charset="-128"/>
                 <a:ea typeface="Meiryo UI" panose="020B0604030504040204" pitchFamily="34" charset="-128"/>
               </a:rPr>
-              <a:t>予定</a:t>
-            </a:r>
-            <a:r>
-              <a:rPr lang="ja-JP" altLang="en-US">
-                <a:latin typeface="Meiryo UI" panose="020B0604030504040204" pitchFamily="34" charset="-128"/>
-                <a:ea typeface="Meiryo UI" panose="020B0604030504040204" pitchFamily="34" charset="-128"/>
-              </a:rPr>
-              <a:t>と</a:t>
-            </a:r>
-            <a:r>
-              <a:rPr lang="zh-HK" altLang="en-US" dirty="0">
-                <a:latin typeface="Meiryo UI" panose="020B0604030504040204" pitchFamily="34" charset="-128"/>
-                <a:ea typeface="Meiryo UI" panose="020B0604030504040204" pitchFamily="34" charset="-128"/>
-              </a:rPr>
-              <a:t>課題</a:t>
+              <a:t>研究内容</a:t>
             </a:r>
             <a:endParaRPr kumimoji="1" lang="zh-HK" altLang="en-US" dirty="0">
-              <a:latin typeface="Meiryo UI" panose="020B0604030504040204" pitchFamily="34" charset="-128"/>
-              <a:ea typeface="Meiryo UI" panose="020B0604030504040204" pitchFamily="34" charset="-128"/>
-            </a:endParaRPr>
-          </a:p>
-        </p:txBody>
-      </p:sp>
-      <p:sp>
-        <p:nvSpPr>
-          <p:cNvPr id="3" name="內容版面配置區 2">
-            <a:extLst>
-              <a:ext uri="{FF2B5EF4-FFF2-40B4-BE49-F238E27FC236}">
-                <a16:creationId xmlns:a16="http://schemas.microsoft.com/office/drawing/2014/main" id="{1AC596B8-319E-7A6F-5626-E09674AA40F0}"/>
-              </a:ext>
-            </a:extLst>
-          </p:cNvPr>
-          <p:cNvSpPr>
-            <a:spLocks noGrp="1"/>
-          </p:cNvSpPr>
-          <p:nvPr>
-            <p:ph idx="1"/>
-          </p:nvPr>
-        </p:nvSpPr>
-        <p:spPr>
-          <a:xfrm>
-            <a:off x="1030286" y="1456267"/>
-            <a:ext cx="10131425" cy="4414308"/>
-          </a:xfrm>
-        </p:spPr>
-        <p:txBody>
-          <a:bodyPr>
-            <a:normAutofit/>
-          </a:bodyPr>
-          <a:lstStyle/>
-          <a:p>
-            <a:pPr marL="0" indent="0">
-              <a:buNone/>
-            </a:pPr>
-            <a:r>
-              <a:rPr lang="zh-HK" altLang="en-US" sz="2800" dirty="0">
-                <a:latin typeface="Meiryo UI" panose="020B0604030504040204" pitchFamily="34" charset="-128"/>
-                <a:ea typeface="Meiryo UI" panose="020B0604030504040204" pitchFamily="34" charset="-128"/>
-              </a:rPr>
-              <a:t>様々な</a:t>
-            </a:r>
-            <a:r>
-              <a:rPr lang="ja-JP" altLang="en-US" sz="2800">
-                <a:latin typeface="Meiryo UI" panose="020B0604030504040204" pitchFamily="34" charset="-128"/>
-                <a:ea typeface="Meiryo UI" panose="020B0604030504040204" pitchFamily="34" charset="-128"/>
-              </a:rPr>
-              <a:t>ファイルでブロックを</a:t>
-            </a:r>
-            <a:r>
-              <a:rPr lang="zh-HK" altLang="en-US" sz="2800" dirty="0">
-                <a:latin typeface="Meiryo UI" panose="020B0604030504040204" pitchFamily="34" charset="-128"/>
-                <a:ea typeface="Meiryo UI" panose="020B0604030504040204" pitchFamily="34" charset="-128"/>
-              </a:rPr>
-              <a:t>生成</a:t>
-            </a:r>
-            <a:r>
-              <a:rPr lang="ja-JP" altLang="en-US" sz="2800">
-                <a:latin typeface="Meiryo UI" panose="020B0604030504040204" pitchFamily="34" charset="-128"/>
-                <a:ea typeface="Meiryo UI" panose="020B0604030504040204" pitchFamily="34" charset="-128"/>
-              </a:rPr>
-              <a:t>し、</a:t>
-            </a:r>
-            <a:r>
-              <a:rPr lang="zh-HK" altLang="en-US" sz="2800" dirty="0">
-                <a:latin typeface="Meiryo UI" panose="020B0604030504040204" pitchFamily="34" charset="-128"/>
-                <a:ea typeface="Meiryo UI" panose="020B0604030504040204" pitchFamily="34" charset="-128"/>
-              </a:rPr>
-              <a:t>効率</a:t>
-            </a:r>
-            <a:r>
-              <a:rPr lang="ja-JP" altLang="en-US" sz="2800">
-                <a:latin typeface="Meiryo UI" panose="020B0604030504040204" pitchFamily="34" charset="-128"/>
-                <a:ea typeface="Meiryo UI" panose="020B0604030504040204" pitchFamily="34" charset="-128"/>
-              </a:rPr>
-              <a:t>を</a:t>
-            </a:r>
-            <a:r>
-              <a:rPr lang="zh-HK" altLang="en-US" sz="2800" dirty="0">
-                <a:latin typeface="Meiryo UI" panose="020B0604030504040204" pitchFamily="34" charset="-128"/>
-                <a:ea typeface="Meiryo UI" panose="020B0604030504040204" pitchFamily="34" charset="-128"/>
-              </a:rPr>
-              <a:t>向上</a:t>
-            </a:r>
-            <a:r>
-              <a:rPr lang="ja-JP" altLang="en-US" sz="2800">
-                <a:latin typeface="Meiryo UI" panose="020B0604030504040204" pitchFamily="34" charset="-128"/>
-                <a:ea typeface="Meiryo UI" panose="020B0604030504040204" pitchFamily="34" charset="-128"/>
-              </a:rPr>
-              <a:t>させるために、</a:t>
-            </a:r>
-            <a:br>
-              <a:rPr lang="en-US" altLang="ja-JP" sz="2800" dirty="0">
-                <a:latin typeface="Meiryo UI" panose="020B0604030504040204" pitchFamily="34" charset="-128"/>
-                <a:ea typeface="Meiryo UI" panose="020B0604030504040204" pitchFamily="34" charset="-128"/>
-              </a:rPr>
-            </a:br>
-            <a:r>
-              <a:rPr lang="en-US" altLang="zh-HK" sz="2800" dirty="0">
-                <a:latin typeface="Meiryo UI" panose="020B0604030504040204" pitchFamily="34" charset="-128"/>
-                <a:ea typeface="Meiryo UI" panose="020B0604030504040204" pitchFamily="34" charset="-128"/>
-              </a:rPr>
-              <a:t>PC</a:t>
-            </a:r>
-            <a:r>
-              <a:rPr lang="ja-JP" altLang="en-US" sz="2800">
-                <a:latin typeface="Meiryo UI" panose="020B0604030504040204" pitchFamily="34" charset="-128"/>
-                <a:ea typeface="Meiryo UI" panose="020B0604030504040204" pitchFamily="34" charset="-128"/>
-              </a:rPr>
-              <a:t>のパフォーマンスを</a:t>
-            </a:r>
-            <a:r>
-              <a:rPr lang="zh-HK" altLang="en-US" sz="2800" dirty="0">
-                <a:latin typeface="Meiryo UI" panose="020B0604030504040204" pitchFamily="34" charset="-128"/>
-                <a:ea typeface="Meiryo UI" panose="020B0604030504040204" pitchFamily="34" charset="-128"/>
-              </a:rPr>
-              <a:t>監視</a:t>
-            </a:r>
-            <a:r>
-              <a:rPr lang="ja-JP" altLang="en-US" sz="2800">
-                <a:latin typeface="Meiryo UI" panose="020B0604030504040204" pitchFamily="34" charset="-128"/>
-                <a:ea typeface="Meiryo UI" panose="020B0604030504040204" pitchFamily="34" charset="-128"/>
-              </a:rPr>
-              <a:t>する</a:t>
-            </a:r>
-            <a:endParaRPr lang="ja-JP" altLang="en-US" sz="2800">
-              <a:solidFill>
-                <a:schemeClr val="tx1">
-                  <a:lumMod val="95000"/>
-                </a:schemeClr>
-              </a:solidFill>
-              <a:effectLst/>
               <a:latin typeface="Meiryo UI" panose="020B0604030504040204" pitchFamily="34" charset="-128"/>
               <a:ea typeface="Meiryo UI" panose="020B0604030504040204" pitchFamily="34" charset="-128"/>
             </a:endParaRPr>
@@ -14242,7 +19554,7 @@
           <p:cNvPr id="4" name="投影片編號版面配置區 3">
             <a:extLst>
               <a:ext uri="{FF2B5EF4-FFF2-40B4-BE49-F238E27FC236}">
-                <a16:creationId xmlns:a16="http://schemas.microsoft.com/office/drawing/2014/main" id="{5CCC6B30-5E39-A005-D024-ABDDE9A41C2B}"/>
+                <a16:creationId xmlns:a16="http://schemas.microsoft.com/office/drawing/2014/main" id="{3466F0CC-C389-593D-7AE0-6512620EBC2A}"/>
               </a:ext>
             </a:extLst>
           </p:cNvPr>
@@ -14267,10 +19579,396 @@
           </a:p>
         </p:txBody>
       </p:sp>
+      <p:sp>
+        <p:nvSpPr>
+          <p:cNvPr id="5" name="內容版面配置區 4">
+            <a:extLst>
+              <a:ext uri="{FF2B5EF4-FFF2-40B4-BE49-F238E27FC236}">
+                <a16:creationId xmlns:a16="http://schemas.microsoft.com/office/drawing/2014/main" id="{00F7A07F-2A6C-EB68-0F72-B6DBF0BAF0E8}"/>
+              </a:ext>
+            </a:extLst>
+          </p:cNvPr>
+          <p:cNvSpPr>
+            <a:spLocks noGrp="1"/>
+          </p:cNvSpPr>
+          <p:nvPr>
+            <p:ph idx="1"/>
+          </p:nvPr>
+        </p:nvSpPr>
+        <p:spPr>
+          <a:xfrm>
+            <a:off x="1030286" y="1165046"/>
+            <a:ext cx="10131425" cy="4404481"/>
+          </a:xfrm>
+        </p:spPr>
+        <p:txBody>
+          <a:bodyPr>
+            <a:normAutofit/>
+          </a:bodyPr>
+          <a:lstStyle/>
+          <a:p>
+            <a:r>
+              <a:rPr lang="en-US" altLang="zh-HK" sz="2000" dirty="0">
+                <a:effectLst/>
+                <a:latin typeface="Meiryo UI" panose="020B0604030504040204" pitchFamily="34" charset="-128"/>
+                <a:ea typeface="Meiryo UI" panose="020B0604030504040204" pitchFamily="34" charset="-128"/>
+              </a:rPr>
+              <a:t>Argon2</a:t>
+            </a:r>
+            <a:r>
+              <a:rPr lang="zh-HK" altLang="en-US" sz="2000" dirty="0">
+                <a:effectLst/>
+                <a:latin typeface="Meiryo UI" panose="020B0604030504040204" pitchFamily="34" charset="-128"/>
+                <a:ea typeface="Meiryo UI" panose="020B0604030504040204" pitchFamily="34" charset="-128"/>
+              </a:rPr>
+              <a:t>、</a:t>
+            </a:r>
+            <a:r>
+              <a:rPr lang="en-US" altLang="zh-HK" sz="2000" dirty="0">
+                <a:effectLst/>
+                <a:latin typeface="Meiryo UI" panose="020B0604030504040204" pitchFamily="34" charset="-128"/>
+                <a:ea typeface="Meiryo UI" panose="020B0604030504040204" pitchFamily="34" charset="-128"/>
+              </a:rPr>
+              <a:t>Blake2s</a:t>
+            </a:r>
+            <a:r>
+              <a:rPr lang="zh-HK" altLang="en-US" sz="2000" dirty="0">
+                <a:effectLst/>
+                <a:latin typeface="Meiryo UI" panose="020B0604030504040204" pitchFamily="34" charset="-128"/>
+                <a:ea typeface="Meiryo UI" panose="020B0604030504040204" pitchFamily="34" charset="-128"/>
+              </a:rPr>
+              <a:t>、</a:t>
+            </a:r>
+            <a:r>
+              <a:rPr lang="en-US" altLang="zh-HK" sz="2000" dirty="0">
+                <a:effectLst/>
+                <a:latin typeface="Meiryo UI" panose="020B0604030504040204" pitchFamily="34" charset="-128"/>
+                <a:ea typeface="Meiryo UI" panose="020B0604030504040204" pitchFamily="34" charset="-128"/>
+              </a:rPr>
+              <a:t>RIPEMD-160</a:t>
+            </a:r>
+            <a:r>
+              <a:rPr lang="zh-HK" altLang="en-US" sz="2000" dirty="0">
+                <a:effectLst/>
+                <a:latin typeface="Meiryo UI" panose="020B0604030504040204" pitchFamily="34" charset="-128"/>
+                <a:ea typeface="Meiryo UI" panose="020B0604030504040204" pitchFamily="34" charset="-128"/>
+              </a:rPr>
+              <a:t>、</a:t>
+            </a:r>
+            <a:r>
+              <a:rPr lang="en-US" altLang="zh-HK" sz="2000" dirty="0">
+                <a:effectLst/>
+                <a:latin typeface="Meiryo UI" panose="020B0604030504040204" pitchFamily="34" charset="-128"/>
+                <a:ea typeface="Meiryo UI" panose="020B0604030504040204" pitchFamily="34" charset="-128"/>
+              </a:rPr>
+              <a:t>Whirlpool</a:t>
+            </a:r>
+            <a:r>
+              <a:rPr lang="ja-JP" altLang="en-US" sz="2000">
+                <a:effectLst/>
+                <a:latin typeface="Meiryo UI" panose="020B0604030504040204" pitchFamily="34" charset="-128"/>
+                <a:ea typeface="Meiryo UI" panose="020B0604030504040204" pitchFamily="34" charset="-128"/>
+              </a:rPr>
+              <a:t> はセキュリティ</a:t>
+            </a:r>
+            <a:r>
+              <a:rPr lang="zh-HK" altLang="en-US" sz="2000" dirty="0">
+                <a:effectLst/>
+                <a:latin typeface="Meiryo UI" panose="020B0604030504040204" pitchFamily="34" charset="-128"/>
+                <a:ea typeface="Meiryo UI" panose="020B0604030504040204" pitchFamily="34" charset="-128"/>
+              </a:rPr>
+              <a:t>重視</a:t>
+            </a:r>
+            <a:r>
+              <a:rPr lang="ja-JP" altLang="en-US" sz="2000">
+                <a:effectLst/>
+                <a:latin typeface="Meiryo UI" panose="020B0604030504040204" pitchFamily="34" charset="-128"/>
+                <a:ea typeface="Meiryo UI" panose="020B0604030504040204" pitchFamily="34" charset="-128"/>
+              </a:rPr>
+              <a:t>で</a:t>
+            </a:r>
+            <a:r>
+              <a:rPr lang="zh-HK" altLang="en-US" sz="2000" dirty="0">
+                <a:effectLst/>
+                <a:latin typeface="Meiryo UI" panose="020B0604030504040204" pitchFamily="34" charset="-128"/>
+                <a:ea typeface="Meiryo UI" panose="020B0604030504040204" pitchFamily="34" charset="-128"/>
+              </a:rPr>
+              <a:t>設計</a:t>
+            </a:r>
+            <a:r>
+              <a:rPr lang="ja-JP" altLang="en-US" sz="2000">
+                <a:effectLst/>
+                <a:latin typeface="Meiryo UI" panose="020B0604030504040204" pitchFamily="34" charset="-128"/>
+                <a:ea typeface="Meiryo UI" panose="020B0604030504040204" pitchFamily="34" charset="-128"/>
+              </a:rPr>
+              <a:t>されていますが、</a:t>
+            </a:r>
+            <a:br>
+              <a:rPr lang="en-US" altLang="ja-JP" sz="2000" dirty="0">
+                <a:effectLst/>
+                <a:latin typeface="Meiryo UI" panose="020B0604030504040204" pitchFamily="34" charset="-128"/>
+                <a:ea typeface="Meiryo UI" panose="020B0604030504040204" pitchFamily="34" charset="-128"/>
+              </a:rPr>
+            </a:br>
+            <a:r>
+              <a:rPr lang="zh-HK" altLang="en-US" sz="2000" dirty="0">
+                <a:effectLst/>
+                <a:latin typeface="Meiryo UI" panose="020B0604030504040204" pitchFamily="34" charset="-128"/>
+                <a:ea typeface="Meiryo UI" panose="020B0604030504040204" pitchFamily="34" charset="-128"/>
+              </a:rPr>
+              <a:t>速度</a:t>
+            </a:r>
+            <a:r>
+              <a:rPr lang="ja-JP" altLang="en-US" sz="2000">
+                <a:effectLst/>
+                <a:latin typeface="Meiryo UI" panose="020B0604030504040204" pitchFamily="34" charset="-128"/>
+                <a:ea typeface="Meiryo UI" panose="020B0604030504040204" pitchFamily="34" charset="-128"/>
+              </a:rPr>
+              <a:t>と</a:t>
+            </a:r>
+            <a:r>
+              <a:rPr lang="zh-HK" altLang="en-US" sz="2000" dirty="0">
+                <a:effectLst/>
+                <a:latin typeface="Meiryo UI" panose="020B0604030504040204" pitchFamily="34" charset="-128"/>
+                <a:ea typeface="Meiryo UI" panose="020B0604030504040204" pitchFamily="34" charset="-128"/>
+              </a:rPr>
+              <a:t>効率性</a:t>
+            </a:r>
+            <a:r>
+              <a:rPr lang="ja-JP" altLang="en-US" sz="2000">
+                <a:effectLst/>
+                <a:latin typeface="Meiryo UI" panose="020B0604030504040204" pitchFamily="34" charset="-128"/>
+                <a:ea typeface="Meiryo UI" panose="020B0604030504040204" pitchFamily="34" charset="-128"/>
+              </a:rPr>
+              <a:t>が</a:t>
+            </a:r>
+            <a:r>
+              <a:rPr lang="zh-HK" altLang="en-US" sz="2000" dirty="0">
+                <a:effectLst/>
+                <a:latin typeface="Meiryo UI" panose="020B0604030504040204" pitchFamily="34" charset="-128"/>
+                <a:ea typeface="Meiryo UI" panose="020B0604030504040204" pitchFamily="34" charset="-128"/>
+              </a:rPr>
+              <a:t>低</a:t>
+            </a:r>
+            <a:r>
+              <a:rPr lang="ja-JP" altLang="en-US" sz="2000">
+                <a:effectLst/>
+                <a:latin typeface="Meiryo UI" panose="020B0604030504040204" pitchFamily="34" charset="-128"/>
+                <a:ea typeface="Meiryo UI" panose="020B0604030504040204" pitchFamily="34" charset="-128"/>
+              </a:rPr>
+              <a:t>いため、より</a:t>
+            </a:r>
+            <a:r>
+              <a:rPr lang="zh-HK" altLang="en-US" sz="2000" dirty="0">
+                <a:effectLst/>
+                <a:latin typeface="Meiryo UI" panose="020B0604030504040204" pitchFamily="34" charset="-128"/>
+                <a:ea typeface="Meiryo UI" panose="020B0604030504040204" pitchFamily="34" charset="-128"/>
+              </a:rPr>
+              <a:t>高速</a:t>
+            </a:r>
+            <a:r>
+              <a:rPr lang="ja-JP" altLang="en-US" sz="2000">
+                <a:effectLst/>
+                <a:latin typeface="Meiryo UI" panose="020B0604030504040204" pitchFamily="34" charset="-128"/>
+                <a:ea typeface="Meiryo UI" panose="020B0604030504040204" pitchFamily="34" charset="-128"/>
+              </a:rPr>
+              <a:t>で</a:t>
+            </a:r>
+            <a:r>
+              <a:rPr lang="zh-HK" altLang="en-US" sz="2000" dirty="0">
+                <a:effectLst/>
+                <a:latin typeface="Meiryo UI" panose="020B0604030504040204" pitchFamily="34" charset="-128"/>
+                <a:ea typeface="Meiryo UI" panose="020B0604030504040204" pitchFamily="34" charset="-128"/>
+              </a:rPr>
+              <a:t>効率的</a:t>
+            </a:r>
+            <a:r>
+              <a:rPr lang="ja-JP" altLang="en-US" sz="2000">
+                <a:effectLst/>
+                <a:latin typeface="Meiryo UI" panose="020B0604030504040204" pitchFamily="34" charset="-128"/>
+                <a:ea typeface="Meiryo UI" panose="020B0604030504040204" pitchFamily="34" charset="-128"/>
+              </a:rPr>
+              <a:t>な</a:t>
+            </a:r>
+            <a:r>
+              <a:rPr lang="zh-HK" altLang="en-US" sz="2000" dirty="0">
+                <a:effectLst/>
+                <a:latin typeface="Meiryo UI" panose="020B0604030504040204" pitchFamily="34" charset="-128"/>
+                <a:ea typeface="Meiryo UI" panose="020B0604030504040204" pitchFamily="34" charset="-128"/>
+              </a:rPr>
+              <a:t>次</a:t>
+            </a:r>
+            <a:r>
+              <a:rPr lang="ja-JP" altLang="en-US" sz="2000">
+                <a:effectLst/>
+                <a:latin typeface="Meiryo UI" panose="020B0604030504040204" pitchFamily="34" charset="-128"/>
+                <a:ea typeface="Meiryo UI" panose="020B0604030504040204" pitchFamily="34" charset="-128"/>
+              </a:rPr>
+              <a:t>のハッシュ</a:t>
+            </a:r>
+            <a:r>
+              <a:rPr lang="zh-HK" altLang="en-US" sz="2000" dirty="0">
+                <a:effectLst/>
+                <a:latin typeface="Meiryo UI" panose="020B0604030504040204" pitchFamily="34" charset="-128"/>
+                <a:ea typeface="Meiryo UI" panose="020B0604030504040204" pitchFamily="34" charset="-128"/>
+              </a:rPr>
+              <a:t>関数</a:t>
+            </a:r>
+            <a:r>
+              <a:rPr lang="ja-JP" altLang="en-US" sz="2000">
+                <a:effectLst/>
+                <a:latin typeface="Meiryo UI" panose="020B0604030504040204" pitchFamily="34" charset="-128"/>
+                <a:ea typeface="Meiryo UI" panose="020B0604030504040204" pitchFamily="34" charset="-128"/>
+              </a:rPr>
+              <a:t>に</a:t>
+            </a:r>
+            <a:r>
+              <a:rPr lang="zh-HK" altLang="en-US" sz="2000" dirty="0">
+                <a:effectLst/>
+                <a:latin typeface="Meiryo UI" panose="020B0604030504040204" pitchFamily="34" charset="-128"/>
+                <a:ea typeface="Meiryo UI" panose="020B0604030504040204" pitchFamily="34" charset="-128"/>
+              </a:rPr>
+              <a:t>切</a:t>
+            </a:r>
+            <a:r>
+              <a:rPr lang="ja-JP" altLang="en-US" sz="2000">
+                <a:effectLst/>
+                <a:latin typeface="Meiryo UI" panose="020B0604030504040204" pitchFamily="34" charset="-128"/>
+                <a:ea typeface="Meiryo UI" panose="020B0604030504040204" pitchFamily="34" charset="-128"/>
+              </a:rPr>
+              <a:t>り</a:t>
+            </a:r>
+            <a:r>
+              <a:rPr lang="zh-HK" altLang="en-US" sz="2000" dirty="0">
+                <a:effectLst/>
+                <a:latin typeface="Meiryo UI" panose="020B0604030504040204" pitchFamily="34" charset="-128"/>
+                <a:ea typeface="Meiryo UI" panose="020B0604030504040204" pitchFamily="34" charset="-128"/>
+              </a:rPr>
+              <a:t>替</a:t>
+            </a:r>
+            <a:r>
+              <a:rPr lang="ja-JP" altLang="en-US" sz="2000">
+                <a:effectLst/>
+                <a:latin typeface="Meiryo UI" panose="020B0604030504040204" pitchFamily="34" charset="-128"/>
+                <a:ea typeface="Meiryo UI" panose="020B0604030504040204" pitchFamily="34" charset="-128"/>
+              </a:rPr>
+              <a:t>えます：</a:t>
+            </a:r>
+          </a:p>
+          <a:p>
+            <a:pPr marL="0" indent="0">
+              <a:spcBef>
+                <a:spcPts val="900"/>
+              </a:spcBef>
+              <a:buNone/>
+            </a:pPr>
+            <a:r>
+              <a:rPr lang="en-US" altLang="zh-HK" sz="2000" b="1" dirty="0">
+                <a:effectLst/>
+                <a:latin typeface="Meiryo UI" panose="020B0604030504040204" pitchFamily="34" charset="-128"/>
+                <a:ea typeface="Meiryo UI" panose="020B0604030504040204" pitchFamily="34" charset="-128"/>
+              </a:rPr>
+              <a:t>	MurmurHash3</a:t>
+            </a:r>
+            <a:endParaRPr lang="en-US" altLang="zh-HK" sz="2000" dirty="0">
+              <a:effectLst/>
+              <a:latin typeface="Meiryo UI" panose="020B0604030504040204" pitchFamily="34" charset="-128"/>
+              <a:ea typeface="Meiryo UI" panose="020B0604030504040204" pitchFamily="34" charset="-128"/>
+            </a:endParaRPr>
+          </a:p>
+          <a:p>
+            <a:pPr marL="0" indent="0">
+              <a:spcBef>
+                <a:spcPts val="900"/>
+              </a:spcBef>
+              <a:buNone/>
+            </a:pPr>
+            <a:r>
+              <a:rPr lang="en-US" altLang="zh-HK" sz="2000" b="1" dirty="0">
+                <a:effectLst/>
+                <a:latin typeface="Meiryo UI" panose="020B0604030504040204" pitchFamily="34" charset="-128"/>
+                <a:ea typeface="Meiryo UI" panose="020B0604030504040204" pitchFamily="34" charset="-128"/>
+              </a:rPr>
+              <a:t>	</a:t>
+            </a:r>
+            <a:r>
+              <a:rPr lang="en-US" altLang="zh-HK" sz="2000" b="1" dirty="0" err="1">
+                <a:effectLst/>
+                <a:latin typeface="Meiryo UI" panose="020B0604030504040204" pitchFamily="34" charset="-128"/>
+                <a:ea typeface="Meiryo UI" panose="020B0604030504040204" pitchFamily="34" charset="-128"/>
+              </a:rPr>
+              <a:t>FarmHash</a:t>
+            </a:r>
+            <a:endParaRPr lang="en-US" altLang="zh-HK" sz="2000" dirty="0">
+              <a:effectLst/>
+              <a:latin typeface="Meiryo UI" panose="020B0604030504040204" pitchFamily="34" charset="-128"/>
+              <a:ea typeface="Meiryo UI" panose="020B0604030504040204" pitchFamily="34" charset="-128"/>
+            </a:endParaRPr>
+          </a:p>
+          <a:p>
+            <a:pPr marL="0" indent="0">
+              <a:spcBef>
+                <a:spcPts val="900"/>
+              </a:spcBef>
+              <a:buNone/>
+            </a:pPr>
+            <a:r>
+              <a:rPr lang="en-US" altLang="zh-HK" sz="2000" b="1" dirty="0">
+                <a:effectLst/>
+                <a:latin typeface="Meiryo UI" panose="020B0604030504040204" pitchFamily="34" charset="-128"/>
+                <a:ea typeface="Meiryo UI" panose="020B0604030504040204" pitchFamily="34" charset="-128"/>
+              </a:rPr>
+              <a:t>	</a:t>
+            </a:r>
+            <a:r>
+              <a:rPr lang="en-US" altLang="zh-HK" sz="2000" b="1" dirty="0" err="1">
+                <a:effectLst/>
+                <a:latin typeface="Meiryo UI" panose="020B0604030504040204" pitchFamily="34" charset="-128"/>
+                <a:ea typeface="Meiryo UI" panose="020B0604030504040204" pitchFamily="34" charset="-128"/>
+              </a:rPr>
+              <a:t>xxHash</a:t>
+            </a:r>
+            <a:endParaRPr lang="en-US" altLang="zh-HK" sz="2000" dirty="0">
+              <a:effectLst/>
+              <a:latin typeface="Meiryo UI" panose="020B0604030504040204" pitchFamily="34" charset="-128"/>
+              <a:ea typeface="Meiryo UI" panose="020B0604030504040204" pitchFamily="34" charset="-128"/>
+            </a:endParaRPr>
+          </a:p>
+          <a:p>
+            <a:pPr marL="0" indent="0">
+              <a:spcBef>
+                <a:spcPts val="900"/>
+              </a:spcBef>
+              <a:buNone/>
+            </a:pPr>
+            <a:r>
+              <a:rPr lang="en-US" altLang="zh-HK" sz="2000" b="1" dirty="0">
+                <a:effectLst/>
+                <a:latin typeface="Meiryo UI" panose="020B0604030504040204" pitchFamily="34" charset="-128"/>
+                <a:ea typeface="Meiryo UI" panose="020B0604030504040204" pitchFamily="34" charset="-128"/>
+              </a:rPr>
+              <a:t>	</a:t>
+            </a:r>
+            <a:r>
+              <a:rPr lang="en-US" altLang="zh-HK" sz="2000" b="1" dirty="0" err="1">
+                <a:effectLst/>
+                <a:latin typeface="Meiryo UI" panose="020B0604030504040204" pitchFamily="34" charset="-128"/>
+                <a:ea typeface="Meiryo UI" panose="020B0604030504040204" pitchFamily="34" charset="-128"/>
+              </a:rPr>
+              <a:t>HighwayHash</a:t>
+            </a:r>
+            <a:endParaRPr lang="en-US" altLang="zh-HK" sz="2000" dirty="0">
+              <a:effectLst/>
+              <a:latin typeface="Meiryo UI" panose="020B0604030504040204" pitchFamily="34" charset="-128"/>
+              <a:ea typeface="Meiryo UI" panose="020B0604030504040204" pitchFamily="34" charset="-128"/>
+            </a:endParaRPr>
+          </a:p>
+        </p:txBody>
+      </p:sp>
     </p:spTree>
     <p:extLst>
       <p:ext uri="{BB962C8B-B14F-4D97-AF65-F5344CB8AC3E}">
-        <p14:creationId xmlns:p14="http://schemas.microsoft.com/office/powerpoint/2010/main" val="615401448"/>
+        <p14:creationId xmlns:p14="http://schemas.microsoft.com/office/powerpoint/2010/main" val="525249330"/>
       </p:ext>
     </p:extLst>
   </p:cSld>
@@ -14285,7 +19983,13 @@
   <p:cSld>
     <p:spTree>
       <p:nvGrpSpPr>
-        <p:cNvPr id="1" name=""/>
+        <p:cNvPr id="1" name="">
+          <a:extLst>
+            <a:ext uri="{FF2B5EF4-FFF2-40B4-BE49-F238E27FC236}">
+              <a16:creationId xmlns:a16="http://schemas.microsoft.com/office/drawing/2014/main" id="{2430481B-9EEE-6C60-747C-EDFDB83F77E4}"/>
+            </a:ext>
+          </a:extLst>
+        </p:cNvPr>
         <p:cNvGrpSpPr/>
         <p:nvPr/>
       </p:nvGrpSpPr>
@@ -14302,7 +20006,7 @@
           <p:cNvPr id="2" name="標題 1">
             <a:extLst>
               <a:ext uri="{FF2B5EF4-FFF2-40B4-BE49-F238E27FC236}">
-                <a16:creationId xmlns:a16="http://schemas.microsoft.com/office/drawing/2014/main" id="{B230DE05-40CE-4C36-0AA9-175FD1CE9B42}"/>
+                <a16:creationId xmlns:a16="http://schemas.microsoft.com/office/drawing/2014/main" id="{FAAC2870-5CD1-460C-9361-97AB97C4B478}"/>
               </a:ext>
             </a:extLst>
           </p:cNvPr>
@@ -14315,24 +20019,60 @@
         </p:nvSpPr>
         <p:spPr>
           <a:xfrm>
-            <a:off x="1030287" y="2700866"/>
+            <a:off x="1030286" y="0"/>
             <a:ext cx="10131425" cy="1456267"/>
           </a:xfrm>
         </p:spPr>
         <p:txBody>
-          <a:bodyPr>
-            <a:normAutofit/>
-          </a:bodyPr>
+          <a:bodyPr/>
           <a:lstStyle/>
           <a:p>
-            <a:pPr algn="ctr"/>
-            <a:r>
-              <a:rPr kumimoji="1" lang="zh-HK" altLang="en-US" sz="5000" dirty="0">
-                <a:latin typeface="Meiryo UI" panose="020B0604030504040204" pitchFamily="34" charset="-128"/>
-                <a:ea typeface="Meiryo UI" panose="020B0604030504040204" pitchFamily="34" charset="-128"/>
-              </a:rPr>
-              <a:t>ご清聴ありがとうございます</a:t>
-            </a:r>
+            <a:r>
+              <a:rPr lang="en-US" altLang="zh-HK" dirty="0">
+                <a:latin typeface="Meiryo UI" panose="020B0604030504040204" pitchFamily="34" charset="-128"/>
+                <a:ea typeface="Meiryo UI" panose="020B0604030504040204" pitchFamily="34" charset="-128"/>
+              </a:rPr>
+              <a:t>12</a:t>
+            </a:r>
+            <a:r>
+              <a:rPr lang="zh-HK" altLang="en-US" dirty="0">
+                <a:latin typeface="Meiryo UI" panose="020B0604030504040204" pitchFamily="34" charset="-128"/>
+                <a:ea typeface="Meiryo UI" panose="020B0604030504040204" pitchFamily="34" charset="-128"/>
+              </a:rPr>
+              <a:t>月</a:t>
+            </a:r>
+            <a:r>
+              <a:rPr lang="zh-TW" altLang="en-US" dirty="0">
+                <a:latin typeface="Meiryo UI" panose="020B0604030504040204" pitchFamily="34" charset="-128"/>
+                <a:ea typeface="Meiryo UI" panose="020B0604030504040204" pitchFamily="34" charset="-128"/>
+              </a:rPr>
+              <a:t> </a:t>
+            </a:r>
+            <a:r>
+              <a:rPr lang="en-US" altLang="zh-HK" dirty="0">
+                <a:latin typeface="Meiryo UI" panose="020B0604030504040204" pitchFamily="34" charset="-128"/>
+                <a:ea typeface="Meiryo UI" panose="020B0604030504040204" pitchFamily="34" charset="-128"/>
+              </a:rPr>
+              <a:t>-</a:t>
+            </a:r>
+            <a:r>
+              <a:rPr lang="zh-TW" altLang="en-US" dirty="0">
+                <a:latin typeface="Meiryo UI" panose="020B0604030504040204" pitchFamily="34" charset="-128"/>
+                <a:ea typeface="Meiryo UI" panose="020B0604030504040204" pitchFamily="34" charset="-128"/>
+              </a:rPr>
+              <a:t> </a:t>
+            </a:r>
+            <a:r>
+              <a:rPr lang="zh-HK" altLang="en-US" dirty="0">
+                <a:latin typeface="Meiryo UI" panose="020B0604030504040204" pitchFamily="34" charset="-128"/>
+                <a:ea typeface="Meiryo UI" panose="020B0604030504040204" pitchFamily="34" charset="-128"/>
+              </a:rPr>
+              <a:t>研究内容</a:t>
+            </a:r>
+            <a:endParaRPr kumimoji="1" lang="zh-HK" altLang="en-US" dirty="0">
+              <a:latin typeface="Meiryo UI" panose="020B0604030504040204" pitchFamily="34" charset="-128"/>
+              <a:ea typeface="Meiryo UI" panose="020B0604030504040204" pitchFamily="34" charset="-128"/>
+            </a:endParaRPr>
           </a:p>
         </p:txBody>
       </p:sp>
@@ -14341,7 +20081,7 @@
           <p:cNvPr id="4" name="投影片編號版面配置區 3">
             <a:extLst>
               <a:ext uri="{FF2B5EF4-FFF2-40B4-BE49-F238E27FC236}">
-                <a16:creationId xmlns:a16="http://schemas.microsoft.com/office/drawing/2014/main" id="{2EFF600A-A594-C871-C86A-878DC63662F9}"/>
+                <a16:creationId xmlns:a16="http://schemas.microsoft.com/office/drawing/2014/main" id="{72183949-C48E-FAE9-CE06-2191FBC4991E}"/>
               </a:ext>
             </a:extLst>
           </p:cNvPr>
@@ -14366,10 +20106,683 @@
           </a:p>
         </p:txBody>
       </p:sp>
+      <p:sp>
+        <p:nvSpPr>
+          <p:cNvPr id="5" name="內容版面配置區 4">
+            <a:extLst>
+              <a:ext uri="{FF2B5EF4-FFF2-40B4-BE49-F238E27FC236}">
+                <a16:creationId xmlns:a16="http://schemas.microsoft.com/office/drawing/2014/main" id="{D75C52FF-2660-299E-F78C-5AA7A0E74071}"/>
+              </a:ext>
+            </a:extLst>
+          </p:cNvPr>
+          <p:cNvSpPr>
+            <a:spLocks noGrp="1"/>
+          </p:cNvSpPr>
+          <p:nvPr>
+            <p:ph idx="1"/>
+          </p:nvPr>
+        </p:nvSpPr>
+        <p:spPr>
+          <a:xfrm>
+            <a:off x="1030286" y="1456267"/>
+            <a:ext cx="10131425" cy="1662237"/>
+          </a:xfrm>
+        </p:spPr>
+        <p:txBody>
+          <a:bodyPr>
+            <a:normAutofit lnSpcReduction="10000"/>
+          </a:bodyPr>
+          <a:lstStyle/>
+          <a:p>
+            <a:pPr marL="0" indent="0">
+              <a:buNone/>
+            </a:pPr>
+            <a:r>
+              <a:rPr lang="en-US" altLang="zh-HK" sz="2400" b="1" dirty="0">
+                <a:solidFill>
+                  <a:schemeClr val="tx1">
+                    <a:lumMod val="95000"/>
+                  </a:schemeClr>
+                </a:solidFill>
+                <a:effectLst/>
+                <a:latin typeface="Meiryo UI" panose="020B0604030504040204" pitchFamily="34" charset="-128"/>
+                <a:ea typeface="Meiryo UI" panose="020B0604030504040204" pitchFamily="34" charset="-128"/>
+              </a:rPr>
+              <a:t>GOMAXPROCS </a:t>
+            </a:r>
+            <a:r>
+              <a:rPr lang="zh-HK" altLang="en-US" sz="2400" dirty="0">
+                <a:solidFill>
+                  <a:schemeClr val="tx1">
+                    <a:lumMod val="95000"/>
+                  </a:schemeClr>
+                </a:solidFill>
+                <a:latin typeface="Meiryo UI" panose="020B0604030504040204" pitchFamily="34" charset="-128"/>
+                <a:ea typeface="Meiryo UI" panose="020B0604030504040204" pitchFamily="34" charset="-128"/>
+              </a:rPr>
+              <a:t>で</a:t>
+            </a:r>
+            <a:r>
+              <a:rPr lang="en-US" altLang="zh-HK" sz="2400" dirty="0">
+                <a:solidFill>
+                  <a:schemeClr val="tx1">
+                    <a:lumMod val="95000"/>
+                  </a:schemeClr>
+                </a:solidFill>
+                <a:latin typeface="Meiryo UI" panose="020B0604030504040204" pitchFamily="34" charset="-128"/>
+                <a:ea typeface="Meiryo UI" panose="020B0604030504040204" pitchFamily="34" charset="-128"/>
+              </a:rPr>
+              <a:t>CPU</a:t>
+            </a:r>
+            <a:r>
+              <a:rPr lang="zh-HK" altLang="en-US" sz="2400" dirty="0">
+                <a:solidFill>
+                  <a:schemeClr val="tx1">
+                    <a:lumMod val="95000"/>
+                  </a:schemeClr>
+                </a:solidFill>
+                <a:latin typeface="Meiryo UI" panose="020B0604030504040204" pitchFamily="34" charset="-128"/>
+                <a:ea typeface="Meiryo UI" panose="020B0604030504040204" pitchFamily="34" charset="-128"/>
+              </a:rPr>
+              <a:t>の使用率を分けて、</a:t>
+            </a:r>
+            <a:r>
+              <a:rPr lang="ja-JP" altLang="en-US" sz="2400">
+                <a:solidFill>
+                  <a:schemeClr val="tx1">
+                    <a:lumMod val="95000"/>
+                  </a:schemeClr>
+                </a:solidFill>
+                <a:latin typeface="Meiryo UI" panose="020B0604030504040204" pitchFamily="34" charset="-128"/>
+                <a:ea typeface="Meiryo UI" panose="020B0604030504040204" pitchFamily="34" charset="-128"/>
+              </a:rPr>
+              <a:t>　</a:t>
+            </a:r>
+            <a:br>
+              <a:rPr lang="en-US" altLang="ja-JP" sz="2400" dirty="0">
+                <a:solidFill>
+                  <a:schemeClr val="tx1">
+                    <a:lumMod val="95000"/>
+                  </a:schemeClr>
+                </a:solidFill>
+                <a:latin typeface="Meiryo UI" panose="020B0604030504040204" pitchFamily="34" charset="-128"/>
+                <a:ea typeface="Meiryo UI" panose="020B0604030504040204" pitchFamily="34" charset="-128"/>
+              </a:rPr>
+            </a:br>
+            <a:r>
+              <a:rPr lang="en-US" altLang="zh-HK" sz="2400" dirty="0">
+                <a:solidFill>
+                  <a:schemeClr val="tx1">
+                    <a:lumMod val="95000"/>
+                  </a:schemeClr>
+                </a:solidFill>
+                <a:latin typeface="Meiryo UI" panose="020B0604030504040204" pitchFamily="34" charset="-128"/>
+                <a:ea typeface="Meiryo UI" panose="020B0604030504040204" pitchFamily="34" charset="-128"/>
+              </a:rPr>
+              <a:t>1MB</a:t>
+            </a:r>
+            <a:r>
+              <a:rPr lang="ja-JP" altLang="en-US" sz="2400">
+                <a:solidFill>
+                  <a:schemeClr val="tx1">
+                    <a:lumMod val="95000"/>
+                  </a:schemeClr>
+                </a:solidFill>
+                <a:latin typeface="Meiryo UI" panose="020B0604030504040204" pitchFamily="34" charset="-128"/>
+                <a:ea typeface="Meiryo UI" panose="020B0604030504040204" pitchFamily="34" charset="-128"/>
+              </a:rPr>
+              <a:t> </a:t>
+            </a:r>
+            <a:r>
+              <a:rPr lang="zh-HK" altLang="en-US" sz="2400" dirty="0">
+                <a:solidFill>
+                  <a:schemeClr val="tx1">
+                    <a:lumMod val="95000"/>
+                  </a:schemeClr>
+                </a:solidFill>
+                <a:latin typeface="Meiryo UI" panose="020B0604030504040204" pitchFamily="34" charset="-128"/>
+                <a:ea typeface="Meiryo UI" panose="020B0604030504040204" pitchFamily="34" charset="-128"/>
+              </a:rPr>
+              <a:t>以下のデータは１コア、</a:t>
+            </a:r>
+            <a:r>
+              <a:rPr lang="en-US" altLang="zh-HK" sz="2400" dirty="0">
+                <a:solidFill>
+                  <a:schemeClr val="tx1">
+                    <a:lumMod val="95000"/>
+                  </a:schemeClr>
+                </a:solidFill>
+                <a:latin typeface="Meiryo UI" panose="020B0604030504040204" pitchFamily="34" charset="-128"/>
+                <a:ea typeface="Meiryo UI" panose="020B0604030504040204" pitchFamily="34" charset="-128"/>
+              </a:rPr>
+              <a:t>1mb</a:t>
+            </a:r>
+            <a:r>
+              <a:rPr lang="zh-HK" altLang="en-US" sz="2400" dirty="0">
+                <a:solidFill>
+                  <a:schemeClr val="tx1">
+                    <a:lumMod val="95000"/>
+                  </a:schemeClr>
+                </a:solidFill>
+                <a:latin typeface="Meiryo UI" panose="020B0604030504040204" pitchFamily="34" charset="-128"/>
+                <a:ea typeface="Meiryo UI" panose="020B0604030504040204" pitchFamily="34" charset="-128"/>
+              </a:rPr>
+              <a:t>以上のデータは４コア</a:t>
+            </a:r>
+            <a:r>
+              <a:rPr lang="en-US" altLang="zh-HK" sz="2400" dirty="0">
+                <a:solidFill>
+                  <a:schemeClr val="tx1">
+                    <a:lumMod val="95000"/>
+                  </a:schemeClr>
+                </a:solidFill>
+                <a:latin typeface="Meiryo UI" panose="020B0604030504040204" pitchFamily="34" charset="-128"/>
+                <a:ea typeface="Meiryo UI" panose="020B0604030504040204" pitchFamily="34" charset="-128"/>
+              </a:rPr>
+              <a:t>CPU</a:t>
+            </a:r>
+            <a:r>
+              <a:rPr lang="zh-HK" altLang="en-US" sz="2400" dirty="0">
+                <a:solidFill>
+                  <a:schemeClr val="tx1">
+                    <a:lumMod val="95000"/>
+                  </a:schemeClr>
+                </a:solidFill>
+                <a:latin typeface="Meiryo UI" panose="020B0604030504040204" pitchFamily="34" charset="-128"/>
+                <a:ea typeface="Meiryo UI" panose="020B0604030504040204" pitchFamily="34" charset="-128"/>
+              </a:rPr>
+              <a:t>で計算します。</a:t>
+            </a:r>
+            <a:endParaRPr lang="en-US" altLang="zh-HK" sz="2400" dirty="0">
+              <a:solidFill>
+                <a:schemeClr val="tx1">
+                  <a:lumMod val="95000"/>
+                </a:schemeClr>
+              </a:solidFill>
+              <a:latin typeface="Meiryo UI" panose="020B0604030504040204" pitchFamily="34" charset="-128"/>
+              <a:ea typeface="Meiryo UI" panose="020B0604030504040204" pitchFamily="34" charset="-128"/>
+            </a:endParaRPr>
+          </a:p>
+          <a:p>
+            <a:pPr marL="0" indent="0">
+              <a:buNone/>
+            </a:pPr>
+            <a:endParaRPr lang="en-US" altLang="zh-HK" sz="2400" dirty="0">
+              <a:solidFill>
+                <a:schemeClr val="tx1">
+                  <a:lumMod val="95000"/>
+                </a:schemeClr>
+              </a:solidFill>
+              <a:latin typeface="Meiryo UI" panose="020B0604030504040204" pitchFamily="34" charset="-128"/>
+              <a:ea typeface="Meiryo UI" panose="020B0604030504040204" pitchFamily="34" charset="-128"/>
+            </a:endParaRPr>
+          </a:p>
+          <a:p>
+            <a:pPr marL="0" indent="0">
+              <a:buNone/>
+            </a:pPr>
+            <a:r>
+              <a:rPr lang="ja-JP" altLang="en-US" b="1">
+                <a:effectLst/>
+                <a:latin typeface="Meiryo UI" panose="020B0604030504040204" pitchFamily="34" charset="-128"/>
+                <a:ea typeface="Meiryo UI" panose="020B0604030504040204" pitchFamily="34" charset="-128"/>
+              </a:rPr>
+              <a:t>アクティビティモニタ</a:t>
+            </a:r>
+            <a:r>
+              <a:rPr lang="en-US" altLang="ja-JP" b="1" dirty="0">
+                <a:effectLst/>
+                <a:latin typeface="Meiryo UI" panose="020B0604030504040204" pitchFamily="34" charset="-128"/>
+                <a:ea typeface="Meiryo UI" panose="020B0604030504040204" pitchFamily="34" charset="-128"/>
+              </a:rPr>
+              <a:t> </a:t>
+            </a:r>
+            <a:r>
+              <a:rPr lang="ja-JP" altLang="en-US" b="1">
+                <a:effectLst/>
+                <a:latin typeface="Meiryo UI" panose="020B0604030504040204" pitchFamily="34" charset="-128"/>
+                <a:ea typeface="Meiryo UI" panose="020B0604030504040204" pitchFamily="34" charset="-128"/>
+              </a:rPr>
+              <a:t>の</a:t>
+            </a:r>
+            <a:r>
+              <a:rPr lang="en-US" altLang="ja-JP" b="1" dirty="0">
+                <a:effectLst/>
+                <a:latin typeface="Meiryo UI" panose="020B0604030504040204" pitchFamily="34" charset="-128"/>
+                <a:ea typeface="Meiryo UI" panose="020B0604030504040204" pitchFamily="34" charset="-128"/>
+              </a:rPr>
+              <a:t> </a:t>
+            </a:r>
+            <a:r>
+              <a:rPr lang="ja-JP" altLang="en-US" b="1" i="0">
+                <a:solidFill>
+                  <a:srgbClr val="FFFFFF"/>
+                </a:solidFill>
+                <a:effectLst/>
+                <a:latin typeface="Meiryo UI" panose="020B0604030504040204" pitchFamily="34" charset="-128"/>
+                <a:ea typeface="Meiryo UI" panose="020B0604030504040204" pitchFamily="34" charset="-128"/>
+              </a:rPr>
+              <a:t>スクリーンショット</a:t>
+            </a:r>
+            <a:endParaRPr lang="ja-JP" altLang="en-US" b="1">
+              <a:solidFill>
+                <a:srgbClr val="0E0E0E"/>
+              </a:solidFill>
+              <a:effectLst/>
+              <a:latin typeface="Meiryo UI" panose="020B0604030504040204" pitchFamily="34" charset="-128"/>
+              <a:ea typeface="Meiryo UI" panose="020B0604030504040204" pitchFamily="34" charset="-128"/>
+            </a:endParaRPr>
+          </a:p>
+        </p:txBody>
+      </p:sp>
+      <p:grpSp>
+        <p:nvGrpSpPr>
+          <p:cNvPr id="20" name="群組 19">
+            <a:extLst>
+              <a:ext uri="{FF2B5EF4-FFF2-40B4-BE49-F238E27FC236}">
+                <a16:creationId xmlns:a16="http://schemas.microsoft.com/office/drawing/2014/main" id="{FD0B10EC-F883-F7E4-03EF-38C5F1309782}"/>
+              </a:ext>
+            </a:extLst>
+          </p:cNvPr>
+          <p:cNvGrpSpPr/>
+          <p:nvPr/>
+        </p:nvGrpSpPr>
+        <p:grpSpPr>
+          <a:xfrm>
+            <a:off x="1030286" y="3121696"/>
+            <a:ext cx="10261315" cy="680243"/>
+            <a:chOff x="677917" y="3160802"/>
+            <a:chExt cx="10836166" cy="718351"/>
+          </a:xfrm>
+        </p:grpSpPr>
+        <p:pic>
+          <p:nvPicPr>
+            <p:cNvPr id="10" name="圖片 9">
+              <a:extLst>
+                <a:ext uri="{FF2B5EF4-FFF2-40B4-BE49-F238E27FC236}">
+                  <a16:creationId xmlns:a16="http://schemas.microsoft.com/office/drawing/2014/main" id="{84264A8A-2B05-922C-BD15-4388D8B4344E}"/>
+                </a:ext>
+              </a:extLst>
+            </p:cNvPr>
+            <p:cNvPicPr>
+              <a:picLocks noChangeAspect="1"/>
+            </p:cNvPicPr>
+            <p:nvPr/>
+          </p:nvPicPr>
+          <p:blipFill>
+            <a:blip r:embed="rId3"/>
+            <a:stretch>
+              <a:fillRect/>
+            </a:stretch>
+          </p:blipFill>
+          <p:spPr>
+            <a:xfrm>
+              <a:off x="677917" y="3160802"/>
+              <a:ext cx="10836166" cy="718351"/>
+            </a:xfrm>
+            <a:prstGeom prst="rect">
+              <a:avLst/>
+            </a:prstGeom>
+          </p:spPr>
+        </p:pic>
+        <p:sp>
+          <p:nvSpPr>
+            <p:cNvPr id="11" name="矩形 10">
+              <a:extLst>
+                <a:ext uri="{FF2B5EF4-FFF2-40B4-BE49-F238E27FC236}">
+                  <a16:creationId xmlns:a16="http://schemas.microsoft.com/office/drawing/2014/main" id="{AD954EBC-4365-639B-8C1D-A73E013E5645}"/>
+                </a:ext>
+              </a:extLst>
+            </p:cNvPr>
+            <p:cNvSpPr/>
+            <p:nvPr/>
+          </p:nvSpPr>
+          <p:spPr>
+            <a:xfrm>
+              <a:off x="744661" y="3214089"/>
+              <a:ext cx="1456470" cy="214911"/>
+            </a:xfrm>
+            <a:prstGeom prst="rect">
+              <a:avLst/>
+            </a:prstGeom>
+            <a:solidFill>
+              <a:srgbClr val="1E1E21"/>
+            </a:solidFill>
+            <a:ln>
+              <a:noFill/>
+            </a:ln>
+          </p:spPr>
+          <p:style>
+            <a:lnRef idx="2">
+              <a:schemeClr val="accent1">
+                <a:shade val="15000"/>
+              </a:schemeClr>
+            </a:lnRef>
+            <a:fillRef idx="1">
+              <a:schemeClr val="accent1"/>
+            </a:fillRef>
+            <a:effectRef idx="0">
+              <a:schemeClr val="accent1"/>
+            </a:effectRef>
+            <a:fontRef idx="minor">
+              <a:schemeClr val="lt1"/>
+            </a:fontRef>
+          </p:style>
+          <p:txBody>
+            <a:bodyPr rtlCol="0" anchor="ctr"/>
+            <a:lstStyle/>
+            <a:p>
+              <a:pPr algn="ctr"/>
+              <a:r>
+                <a:rPr lang="ja-JP" altLang="en-US" sz="1100" b="1">
+                  <a:solidFill>
+                    <a:schemeClr val="tx1"/>
+                  </a:solidFill>
+                  <a:effectLst/>
+                  <a:latin typeface="Meiryo UI" panose="020B0604030504040204" pitchFamily="34" charset="-128"/>
+                  <a:ea typeface="Meiryo UI" panose="020B0604030504040204" pitchFamily="34" charset="-128"/>
+                </a:rPr>
+                <a:t>プロセス</a:t>
+              </a:r>
+              <a:r>
+                <a:rPr lang="zh-HK" altLang="en-US" sz="1100" b="1" dirty="0">
+                  <a:solidFill>
+                    <a:schemeClr val="tx1"/>
+                  </a:solidFill>
+                  <a:effectLst/>
+                  <a:latin typeface="Meiryo UI" panose="020B0604030504040204" pitchFamily="34" charset="-128"/>
+                  <a:ea typeface="Meiryo UI" panose="020B0604030504040204" pitchFamily="34" charset="-128"/>
+                </a:rPr>
+                <a:t>名</a:t>
+              </a:r>
+              <a:endParaRPr lang="zh-HK" altLang="en-US" sz="1100" dirty="0">
+                <a:solidFill>
+                  <a:schemeClr val="tx1"/>
+                </a:solidFill>
+                <a:effectLst/>
+                <a:latin typeface="Meiryo UI" panose="020B0604030504040204" pitchFamily="34" charset="-128"/>
+                <a:ea typeface="Meiryo UI" panose="020B0604030504040204" pitchFamily="34" charset="-128"/>
+              </a:endParaRPr>
+            </a:p>
+          </p:txBody>
+        </p:sp>
+        <p:sp>
+          <p:nvSpPr>
+            <p:cNvPr id="14" name="矩形 13">
+              <a:extLst>
+                <a:ext uri="{FF2B5EF4-FFF2-40B4-BE49-F238E27FC236}">
+                  <a16:creationId xmlns:a16="http://schemas.microsoft.com/office/drawing/2014/main" id="{C2F6BE41-4D59-734E-6E41-EC8AC23A4D75}"/>
+                </a:ext>
+              </a:extLst>
+            </p:cNvPr>
+            <p:cNvSpPr/>
+            <p:nvPr/>
+          </p:nvSpPr>
+          <p:spPr>
+            <a:xfrm>
+              <a:off x="4932467" y="3214089"/>
+              <a:ext cx="876984" cy="214911"/>
+            </a:xfrm>
+            <a:prstGeom prst="rect">
+              <a:avLst/>
+            </a:prstGeom>
+            <a:solidFill>
+              <a:srgbClr val="1E1E21"/>
+            </a:solidFill>
+            <a:ln>
+              <a:noFill/>
+            </a:ln>
+          </p:spPr>
+          <p:style>
+            <a:lnRef idx="2">
+              <a:schemeClr val="accent1">
+                <a:shade val="15000"/>
+              </a:schemeClr>
+            </a:lnRef>
+            <a:fillRef idx="1">
+              <a:schemeClr val="accent1"/>
+            </a:fillRef>
+            <a:effectRef idx="0">
+              <a:schemeClr val="accent1"/>
+            </a:effectRef>
+            <a:fontRef idx="minor">
+              <a:schemeClr val="lt1"/>
+            </a:fontRef>
+          </p:style>
+          <p:txBody>
+            <a:bodyPr rtlCol="0" anchor="ctr"/>
+            <a:lstStyle/>
+            <a:p>
+              <a:pPr algn="ctr"/>
+              <a:r>
+                <a:rPr lang="ja-JP" altLang="en-US" sz="1100" b="1">
+                  <a:solidFill>
+                    <a:schemeClr val="tx1"/>
+                  </a:solidFill>
+                  <a:effectLst/>
+                  <a:latin typeface="Meiryo UI" panose="020B0604030504040204" pitchFamily="34" charset="-128"/>
+                  <a:ea typeface="Meiryo UI" panose="020B0604030504040204" pitchFamily="34" charset="-128"/>
+                </a:rPr>
+                <a:t>スレッド</a:t>
+              </a:r>
+              <a:endParaRPr lang="ja-JP" altLang="en-US" sz="1100">
+                <a:solidFill>
+                  <a:schemeClr val="tx1"/>
+                </a:solidFill>
+                <a:effectLst/>
+                <a:latin typeface="Meiryo UI" panose="020B0604030504040204" pitchFamily="34" charset="-128"/>
+                <a:ea typeface="Meiryo UI" panose="020B0604030504040204" pitchFamily="34" charset="-128"/>
+              </a:endParaRPr>
+            </a:p>
+          </p:txBody>
+        </p:sp>
+      </p:grpSp>
+      <p:grpSp>
+        <p:nvGrpSpPr>
+          <p:cNvPr id="19" name="群組 18">
+            <a:extLst>
+              <a:ext uri="{FF2B5EF4-FFF2-40B4-BE49-F238E27FC236}">
+                <a16:creationId xmlns:a16="http://schemas.microsoft.com/office/drawing/2014/main" id="{7A0661B3-6271-A49B-F4CC-3A0AB6F76565}"/>
+              </a:ext>
+            </a:extLst>
+          </p:cNvPr>
+          <p:cNvGrpSpPr/>
+          <p:nvPr/>
+        </p:nvGrpSpPr>
+        <p:grpSpPr>
+          <a:xfrm>
+            <a:off x="1030286" y="4234649"/>
+            <a:ext cx="10261315" cy="644157"/>
+            <a:chOff x="677917" y="4752245"/>
+            <a:chExt cx="10836166" cy="680243"/>
+          </a:xfrm>
+        </p:grpSpPr>
+        <p:pic>
+          <p:nvPicPr>
+            <p:cNvPr id="16" name="圖片 15">
+              <a:extLst>
+                <a:ext uri="{FF2B5EF4-FFF2-40B4-BE49-F238E27FC236}">
+                  <a16:creationId xmlns:a16="http://schemas.microsoft.com/office/drawing/2014/main" id="{9D5265CA-E258-2D94-CEAA-FF829E1B4EF7}"/>
+                </a:ext>
+              </a:extLst>
+            </p:cNvPr>
+            <p:cNvPicPr>
+              <a:picLocks noChangeAspect="1"/>
+            </p:cNvPicPr>
+            <p:nvPr/>
+          </p:nvPicPr>
+          <p:blipFill>
+            <a:blip r:embed="rId4"/>
+            <a:stretch>
+              <a:fillRect/>
+            </a:stretch>
+          </p:blipFill>
+          <p:spPr>
+            <a:xfrm>
+              <a:off x="677917" y="4752245"/>
+              <a:ext cx="10836166" cy="680243"/>
+            </a:xfrm>
+            <a:prstGeom prst="rect">
+              <a:avLst/>
+            </a:prstGeom>
+          </p:spPr>
+        </p:pic>
+        <p:sp>
+          <p:nvSpPr>
+            <p:cNvPr id="17" name="矩形 16">
+              <a:extLst>
+                <a:ext uri="{FF2B5EF4-FFF2-40B4-BE49-F238E27FC236}">
+                  <a16:creationId xmlns:a16="http://schemas.microsoft.com/office/drawing/2014/main" id="{7487D975-7CC0-F50C-6438-E6128FDE2245}"/>
+                </a:ext>
+              </a:extLst>
+            </p:cNvPr>
+            <p:cNvSpPr/>
+            <p:nvPr/>
+          </p:nvSpPr>
+          <p:spPr>
+            <a:xfrm>
+              <a:off x="794443" y="4825923"/>
+              <a:ext cx="1456470" cy="214911"/>
+            </a:xfrm>
+            <a:prstGeom prst="rect">
+              <a:avLst/>
+            </a:prstGeom>
+            <a:solidFill>
+              <a:srgbClr val="1E1E21"/>
+            </a:solidFill>
+            <a:ln>
+              <a:noFill/>
+            </a:ln>
+          </p:spPr>
+          <p:style>
+            <a:lnRef idx="2">
+              <a:schemeClr val="accent1">
+                <a:shade val="15000"/>
+              </a:schemeClr>
+            </a:lnRef>
+            <a:fillRef idx="1">
+              <a:schemeClr val="accent1"/>
+            </a:fillRef>
+            <a:effectRef idx="0">
+              <a:schemeClr val="accent1"/>
+            </a:effectRef>
+            <a:fontRef idx="minor">
+              <a:schemeClr val="lt1"/>
+            </a:fontRef>
+          </p:style>
+          <p:txBody>
+            <a:bodyPr rtlCol="0" anchor="ctr"/>
+            <a:lstStyle/>
+            <a:p>
+              <a:pPr algn="ctr"/>
+              <a:r>
+                <a:rPr lang="ja-JP" altLang="en-US" sz="1100" b="1">
+                  <a:solidFill>
+                    <a:schemeClr val="tx1"/>
+                  </a:solidFill>
+                  <a:effectLst/>
+                  <a:latin typeface="Meiryo UI" panose="020B0604030504040204" pitchFamily="34" charset="-128"/>
+                  <a:ea typeface="Meiryo UI" panose="020B0604030504040204" pitchFamily="34" charset="-128"/>
+                </a:rPr>
+                <a:t>プロセス</a:t>
+              </a:r>
+              <a:r>
+                <a:rPr lang="zh-HK" altLang="en-US" sz="1100" b="1" dirty="0">
+                  <a:solidFill>
+                    <a:schemeClr val="tx1"/>
+                  </a:solidFill>
+                  <a:effectLst/>
+                  <a:latin typeface="Meiryo UI" panose="020B0604030504040204" pitchFamily="34" charset="-128"/>
+                  <a:ea typeface="Meiryo UI" panose="020B0604030504040204" pitchFamily="34" charset="-128"/>
+                </a:rPr>
+                <a:t>名</a:t>
+              </a:r>
+              <a:endParaRPr lang="zh-HK" altLang="en-US" sz="1100" dirty="0">
+                <a:solidFill>
+                  <a:schemeClr val="tx1"/>
+                </a:solidFill>
+                <a:effectLst/>
+                <a:latin typeface="Meiryo UI" panose="020B0604030504040204" pitchFamily="34" charset="-128"/>
+                <a:ea typeface="Meiryo UI" panose="020B0604030504040204" pitchFamily="34" charset="-128"/>
+              </a:endParaRPr>
+            </a:p>
+          </p:txBody>
+        </p:sp>
+        <p:sp>
+          <p:nvSpPr>
+            <p:cNvPr id="18" name="矩形 17">
+              <a:extLst>
+                <a:ext uri="{FF2B5EF4-FFF2-40B4-BE49-F238E27FC236}">
+                  <a16:creationId xmlns:a16="http://schemas.microsoft.com/office/drawing/2014/main" id="{0795973B-D179-69D5-A367-729E6344D180}"/>
+                </a:ext>
+              </a:extLst>
+            </p:cNvPr>
+            <p:cNvSpPr/>
+            <p:nvPr/>
+          </p:nvSpPr>
+          <p:spPr>
+            <a:xfrm>
+              <a:off x="5072542" y="4861214"/>
+              <a:ext cx="876984" cy="214911"/>
+            </a:xfrm>
+            <a:prstGeom prst="rect">
+              <a:avLst/>
+            </a:prstGeom>
+            <a:solidFill>
+              <a:srgbClr val="1E1E21"/>
+            </a:solidFill>
+            <a:ln>
+              <a:noFill/>
+            </a:ln>
+          </p:spPr>
+          <p:style>
+            <a:lnRef idx="2">
+              <a:schemeClr val="accent1">
+                <a:shade val="15000"/>
+              </a:schemeClr>
+            </a:lnRef>
+            <a:fillRef idx="1">
+              <a:schemeClr val="accent1"/>
+            </a:fillRef>
+            <a:effectRef idx="0">
+              <a:schemeClr val="accent1"/>
+            </a:effectRef>
+            <a:fontRef idx="minor">
+              <a:schemeClr val="lt1"/>
+            </a:fontRef>
+          </p:style>
+          <p:txBody>
+            <a:bodyPr rtlCol="0" anchor="ctr"/>
+            <a:lstStyle/>
+            <a:p>
+              <a:pPr algn="ctr"/>
+              <a:r>
+                <a:rPr lang="ja-JP" altLang="en-US" sz="1100" b="1">
+                  <a:solidFill>
+                    <a:schemeClr val="tx1"/>
+                  </a:solidFill>
+                  <a:effectLst/>
+                  <a:latin typeface="Meiryo UI" panose="020B0604030504040204" pitchFamily="34" charset="-128"/>
+                  <a:ea typeface="Meiryo UI" panose="020B0604030504040204" pitchFamily="34" charset="-128"/>
+                </a:rPr>
+                <a:t>スレッド</a:t>
+              </a:r>
+              <a:endParaRPr lang="ja-JP" altLang="en-US" sz="1100">
+                <a:solidFill>
+                  <a:schemeClr val="tx1"/>
+                </a:solidFill>
+                <a:effectLst/>
+                <a:latin typeface="Meiryo UI" panose="020B0604030504040204" pitchFamily="34" charset="-128"/>
+                <a:ea typeface="Meiryo UI" panose="020B0604030504040204" pitchFamily="34" charset="-128"/>
+              </a:endParaRPr>
+            </a:p>
+          </p:txBody>
+        </p:sp>
+      </p:grpSp>
     </p:spTree>
     <p:extLst>
       <p:ext uri="{BB962C8B-B14F-4D97-AF65-F5344CB8AC3E}">
-        <p14:creationId xmlns:p14="http://schemas.microsoft.com/office/powerpoint/2010/main" val="4167555086"/>
+        <p14:creationId xmlns:p14="http://schemas.microsoft.com/office/powerpoint/2010/main" val="1351182728"/>
       </p:ext>
     </p:extLst>
   </p:cSld>
@@ -14488,7 +20901,7 @@
             <p:ph idx="1"/>
             <p:extLst>
               <p:ext uri="{D42A27DB-BD31-4B8C-83A1-F6EECF244321}">
-                <p14:modId xmlns:p14="http://schemas.microsoft.com/office/powerpoint/2010/main" val="2473520275"/>
+                <p14:modId xmlns:p14="http://schemas.microsoft.com/office/powerpoint/2010/main" val="2350267883"/>
               </p:ext>
             </p:extLst>
           </p:nvPr>
@@ -14504,66 +20917,80 @@
                 <a:tableStyleId>{5C22544A-7EE6-4342-B048-85BDC9FD1C3A}</a:tableStyleId>
               </a:tblPr>
               <a:tblGrid>
-                <a:gridCol w="1268952">
+                <a:gridCol w="1192259">
                   <a:extLst>
                     <a:ext uri="{9D8B030D-6E8A-4147-A177-3AD203B41FA5}">
                       <a16:colId xmlns:a16="http://schemas.microsoft.com/office/drawing/2014/main" val="3802710178"/>
                     </a:ext>
                   </a:extLst>
                 </a:gridCol>
-                <a:gridCol w="1322949">
+                <a:gridCol w="989814">
                   <a:extLst>
                     <a:ext uri="{9D8B030D-6E8A-4147-A177-3AD203B41FA5}">
                       <a16:colId xmlns:a16="http://schemas.microsoft.com/office/drawing/2014/main" val="197980226"/>
                     </a:ext>
                   </a:extLst>
                 </a:gridCol>
-                <a:gridCol w="1396572">
+                <a:gridCol w="989815">
                   <a:extLst>
                     <a:ext uri="{9D8B030D-6E8A-4147-A177-3AD203B41FA5}">
                       <a16:colId xmlns:a16="http://schemas.microsoft.com/office/drawing/2014/main" val="3502698574"/>
                     </a:ext>
                   </a:extLst>
                 </a:gridCol>
-                <a:gridCol w="1061136">
+                <a:gridCol w="961534">
                   <a:extLst>
                     <a:ext uri="{9D8B030D-6E8A-4147-A177-3AD203B41FA5}">
                       <a16:colId xmlns:a16="http://schemas.microsoft.com/office/drawing/2014/main" val="278007834"/>
                     </a:ext>
                   </a:extLst>
                 </a:gridCol>
-                <a:gridCol w="1150107">
+                <a:gridCol w="829558">
                   <a:extLst>
                     <a:ext uri="{9D8B030D-6E8A-4147-A177-3AD203B41FA5}">
                       <a16:colId xmlns:a16="http://schemas.microsoft.com/office/drawing/2014/main" val="1460269619"/>
                     </a:ext>
                   </a:extLst>
                 </a:gridCol>
-                <a:gridCol w="1783585">
+                <a:gridCol w="1435035">
                   <a:extLst>
                     <a:ext uri="{9D8B030D-6E8A-4147-A177-3AD203B41FA5}">
                       <a16:colId xmlns:a16="http://schemas.microsoft.com/office/drawing/2014/main" val="2671526995"/>
                     </a:ext>
                   </a:extLst>
                 </a:gridCol>
-                <a:gridCol w="1110816">
+                <a:gridCol w="909227">
                   <a:extLst>
                     <a:ext uri="{9D8B030D-6E8A-4147-A177-3AD203B41FA5}">
                       <a16:colId xmlns:a16="http://schemas.microsoft.com/office/drawing/2014/main" val="2792151916"/>
                     </a:ext>
                   </a:extLst>
                 </a:gridCol>
-                <a:gridCol w="1018200">
+                <a:gridCol w="818137">
                   <a:extLst>
                     <a:ext uri="{9D8B030D-6E8A-4147-A177-3AD203B41FA5}">
                       <a16:colId xmlns:a16="http://schemas.microsoft.com/office/drawing/2014/main" val="3328095152"/>
                     </a:ext>
                   </a:extLst>
                 </a:gridCol>
-                <a:gridCol w="1408639">
+                <a:gridCol w="1090065">
                   <a:extLst>
                     <a:ext uri="{9D8B030D-6E8A-4147-A177-3AD203B41FA5}">
                       <a16:colId xmlns:a16="http://schemas.microsoft.com/office/drawing/2014/main" val="2701643900"/>
+                    </a:ext>
+                  </a:extLst>
+                </a:gridCol>
+                <a:gridCol w="945931">
+                  <a:extLst>
+                    <a:ext uri="{9D8B030D-6E8A-4147-A177-3AD203B41FA5}">
+                      <a16:colId xmlns:a16="http://schemas.microsoft.com/office/drawing/2014/main" val="3396234251"/>
+                    </a:ext>
+                  </a:extLst>
+                </a:gridCol>
+                <a:gridCol w="1359581">
+                  <a:extLst>
+                    <a:ext uri="{9D8B030D-6E8A-4147-A177-3AD203B41FA5}">
+                      <a16:colId xmlns:a16="http://schemas.microsoft.com/office/drawing/2014/main" val="1847039352"/>
                     </a:ext>
                   </a:extLst>
                 </a:gridCol>
@@ -14576,7 +21003,7 @@
                     <a:p>
                       <a:pPr algn="ctr"/>
                       <a:endParaRPr lang="zh-HK" altLang="en-US" sz="1600" b="0" dirty="0">
-                        <a:latin typeface="Meiryo UI" panose="020B0604030504040204" pitchFamily="34" charset="-128"/>
+                        <a:latin typeface="+mn-lt"/>
                         <a:ea typeface="Meiryo UI" panose="020B0604030504040204" pitchFamily="34" charset="-128"/>
                       </a:endParaRPr>
                     </a:p>
@@ -14594,13 +21021,13 @@
                           <a:solidFill>
                             <a:schemeClr val="tx1"/>
                           </a:solidFill>
-                          <a:latin typeface="Meiryo UI" panose="020B0604030504040204" pitchFamily="34" charset="-128"/>
+                          <a:latin typeface="+mn-lt"/>
                           <a:ea typeface="Meiryo UI" panose="020B0604030504040204" pitchFamily="34" charset="-128"/>
                         </a:rPr>
                         <a:t>Sha256</a:t>
                       </a:r>
                       <a:endParaRPr lang="zh-HK" altLang="en-US" sz="1600" b="0" dirty="0">
-                        <a:latin typeface="Meiryo UI" panose="020B0604030504040204" pitchFamily="34" charset="-128"/>
+                        <a:latin typeface="+mn-lt"/>
                         <a:ea typeface="Meiryo UI" panose="020B0604030504040204" pitchFamily="34" charset="-128"/>
                       </a:endParaRPr>
                     </a:p>
@@ -14615,13 +21042,13 @@
                       <a:pPr algn="ctr"/>
                       <a:r>
                         <a:rPr lang="en-US" altLang="zh-HK" sz="1600" b="1" dirty="0">
-                          <a:latin typeface="Meiryo UI" panose="020B0604030504040204" pitchFamily="34" charset="-128"/>
+                          <a:latin typeface="+mn-lt"/>
                           <a:ea typeface="Meiryo UI" panose="020B0604030504040204" pitchFamily="34" charset="-128"/>
                         </a:rPr>
                         <a:t>Blake2b</a:t>
                       </a:r>
                       <a:endParaRPr lang="zh-HK" altLang="en-US" sz="1600" b="0" dirty="0">
-                        <a:latin typeface="Meiryo UI" panose="020B0604030504040204" pitchFamily="34" charset="-128"/>
+                        <a:latin typeface="+mn-lt"/>
                         <a:ea typeface="Meiryo UI" panose="020B0604030504040204" pitchFamily="34" charset="-128"/>
                       </a:endParaRPr>
                     </a:p>
@@ -14636,20 +21063,20 @@
                       <a:pPr algn="ctr"/>
                       <a:r>
                         <a:rPr lang="en-US" altLang="zh-HK" sz="1600" b="1" dirty="0">
-                          <a:latin typeface="Meiryo UI" panose="020B0604030504040204" pitchFamily="34" charset="-128"/>
+                          <a:latin typeface="+mn-lt"/>
                           <a:ea typeface="Meiryo UI" panose="020B0604030504040204" pitchFamily="34" charset="-128"/>
                         </a:rPr>
                         <a:t>Blake</a:t>
                       </a:r>
                       <a:r>
                         <a:rPr lang="en-US" altLang="zh-TW" sz="1600" b="1" dirty="0">
-                          <a:latin typeface="Meiryo UI" panose="020B0604030504040204" pitchFamily="34" charset="-128"/>
+                          <a:latin typeface="+mn-lt"/>
                           <a:ea typeface="Meiryo UI" panose="020B0604030504040204" pitchFamily="34" charset="-128"/>
                         </a:rPr>
                         <a:t>3</a:t>
                       </a:r>
                       <a:endParaRPr lang="zh-HK" altLang="en-US" sz="1600" b="0" dirty="0">
-                        <a:latin typeface="Meiryo UI" panose="020B0604030504040204" pitchFamily="34" charset="-128"/>
+                        <a:latin typeface="+mn-lt"/>
                         <a:ea typeface="Meiryo UI" panose="020B0604030504040204" pitchFamily="34" charset="-128"/>
                       </a:endParaRPr>
                     </a:p>
@@ -14680,13 +21107,39 @@
                       </a:pPr>
                       <a:r>
                         <a:rPr lang="en-US" altLang="zh-HK" sz="1600" b="1" dirty="0">
-                          <a:latin typeface="Meiryo UI" panose="020B0604030504040204" pitchFamily="34" charset="-128"/>
+                          <a:latin typeface="+mn-lt"/>
                           <a:ea typeface="Meiryo UI" panose="020B0604030504040204" pitchFamily="34" charset="-128"/>
                         </a:rPr>
                         <a:t>GOST R</a:t>
                       </a:r>
                       <a:endParaRPr lang="en-US" altLang="zh-HK" sz="1600" dirty="0">
-                        <a:latin typeface="Meiryo UI" panose="020B0604030504040204" pitchFamily="34" charset="-128"/>
+                        <a:latin typeface="+mn-lt"/>
+                        <a:ea typeface="Meiryo UI" panose="020B0604030504040204" pitchFamily="34" charset="-128"/>
+                      </a:endParaRPr>
+                    </a:p>
+                  </a:txBody>
+                  <a:tcPr marL="83737" marR="83737" marT="41868" marB="41868" anchor="ctr"/>
+                </a:tc>
+                <a:tc>
+                  <a:txBody>
+                    <a:bodyPr/>
+                    <a:lstStyle/>
+                    <a:p>
+                      <a:pPr algn="ctr"/>
+                      <a:r>
+                        <a:rPr lang="en-US" altLang="zh-HK" sz="1600" b="1" i="0" kern="1200" dirty="0">
+                          <a:solidFill>
+                            <a:schemeClr val="lt1"/>
+                          </a:solidFill>
+                          <a:effectLst/>
+                          <a:latin typeface="+mn-lt"/>
+                          <a:ea typeface="+mn-ea"/>
+                          <a:cs typeface="+mn-cs"/>
+                        </a:rPr>
+                        <a:t>MurmurHash3</a:t>
+                      </a:r>
+                      <a:endParaRPr lang="zh-HK" altLang="en-US" sz="1600" b="1" dirty="0">
+                        <a:latin typeface="+mn-lt"/>
                         <a:ea typeface="Meiryo UI" panose="020B0604030504040204" pitchFamily="34" charset="-128"/>
                       </a:endParaRPr>
                     </a:p>
@@ -14701,13 +21154,13 @@
                       <a:pPr algn="ctr"/>
                       <a:r>
                         <a:rPr lang="en-US" altLang="zh-HK" sz="1600" b="1" dirty="0">
-                          <a:latin typeface="Meiryo UI" panose="020B0604030504040204" pitchFamily="34" charset="-128"/>
+                          <a:latin typeface="+mn-lt"/>
                           <a:ea typeface="Meiryo UI" panose="020B0604030504040204" pitchFamily="34" charset="-128"/>
                         </a:rPr>
-                        <a:t>RIPEMD-160</a:t>
+                        <a:t>Keccak</a:t>
                       </a:r>
                       <a:endParaRPr lang="zh-HK" altLang="en-US" sz="1600" b="0" dirty="0">
-                        <a:latin typeface="Meiryo UI" panose="020B0604030504040204" pitchFamily="34" charset="-128"/>
+                        <a:latin typeface="+mn-lt"/>
                         <a:ea typeface="Meiryo UI" panose="020B0604030504040204" pitchFamily="34" charset="-128"/>
                       </a:endParaRPr>
                     </a:p>
@@ -14722,13 +21175,13 @@
                       <a:pPr algn="ctr"/>
                       <a:r>
                         <a:rPr lang="en-US" altLang="zh-HK" sz="1600" b="1" dirty="0">
-                          <a:latin typeface="Meiryo UI" panose="020B0604030504040204" pitchFamily="34" charset="-128"/>
+                          <a:latin typeface="+mn-lt"/>
                           <a:ea typeface="Meiryo UI" panose="020B0604030504040204" pitchFamily="34" charset="-128"/>
                         </a:rPr>
-                        <a:t>Keccak</a:t>
+                        <a:t>Skein</a:t>
                       </a:r>
                       <a:endParaRPr lang="zh-HK" altLang="en-US" sz="1600" b="0" dirty="0">
-                        <a:latin typeface="Meiryo UI" panose="020B0604030504040204" pitchFamily="34" charset="-128"/>
+                        <a:latin typeface="+mn-lt"/>
                         <a:ea typeface="Meiryo UI" panose="020B0604030504040204" pitchFamily="34" charset="-128"/>
                       </a:endParaRPr>
                     </a:p>
@@ -14740,16 +21193,37 @@
                     <a:bodyPr/>
                     <a:lstStyle/>
                     <a:p>
-                      <a:pPr algn="ctr"/>
+                      <a:pPr marL="0" marR="0" lvl="0" indent="0" algn="ctr" defTabSz="457200" rtl="0" eaLnBrk="1" fontAlgn="auto" latinLnBrk="0" hangingPunct="1">
+                        <a:lnSpc>
+                          <a:spcPct val="100000"/>
+                        </a:lnSpc>
+                        <a:spcBef>
+                          <a:spcPts val="0"/>
+                        </a:spcBef>
+                        <a:spcAft>
+                          <a:spcPts val="0"/>
+                        </a:spcAft>
+                        <a:buClrTx/>
+                        <a:buSzTx/>
+                        <a:buFontTx/>
+                        <a:buNone/>
+                        <a:tabLst/>
+                        <a:defRPr/>
+                      </a:pPr>
                       <a:r>
-                        <a:rPr lang="en-US" altLang="zh-HK" sz="1600" b="1" dirty="0">
-                          <a:latin typeface="Meiryo UI" panose="020B0604030504040204" pitchFamily="34" charset="-128"/>
-                          <a:ea typeface="Meiryo UI" panose="020B0604030504040204" pitchFamily="34" charset="-128"/>
+                        <a:rPr lang="en-US" altLang="zh-HK" sz="1600" b="1" i="0" kern="1200" dirty="0" err="1">
+                          <a:solidFill>
+                            <a:schemeClr val="lt1"/>
+                          </a:solidFill>
+                          <a:effectLst/>
+                          <a:latin typeface="+mn-lt"/>
+                          <a:ea typeface="+mn-ea"/>
+                          <a:cs typeface="+mn-cs"/>
                         </a:rPr>
-                        <a:t>Skein</a:t>
+                        <a:t>FarmHash</a:t>
                       </a:r>
-                      <a:endParaRPr lang="zh-HK" altLang="en-US" sz="1600" b="0" dirty="0">
-                        <a:latin typeface="Meiryo UI" panose="020B0604030504040204" pitchFamily="34" charset="-128"/>
+                      <a:endParaRPr lang="zh-HK" altLang="en-US" sz="1600" b="1" dirty="0">
+                        <a:latin typeface="+mn-lt"/>
                         <a:ea typeface="Meiryo UI" panose="020B0604030504040204" pitchFamily="34" charset="-128"/>
                       </a:endParaRPr>
                     </a:p>
@@ -14761,16 +21235,79 @@
                     <a:bodyPr/>
                     <a:lstStyle/>
                     <a:p>
-                      <a:pPr algn="ctr"/>
+                      <a:pPr marL="0" marR="0" lvl="0" indent="0" algn="ctr" defTabSz="457200" rtl="0" eaLnBrk="1" fontAlgn="auto" latinLnBrk="0" hangingPunct="1">
+                        <a:lnSpc>
+                          <a:spcPct val="100000"/>
+                        </a:lnSpc>
+                        <a:spcBef>
+                          <a:spcPts val="0"/>
+                        </a:spcBef>
+                        <a:spcAft>
+                          <a:spcPts val="0"/>
+                        </a:spcAft>
+                        <a:buClrTx/>
+                        <a:buSzTx/>
+                        <a:buFontTx/>
+                        <a:buNone/>
+                        <a:tabLst/>
+                        <a:defRPr/>
+                      </a:pPr>
                       <a:r>
-                        <a:rPr lang="en-US" altLang="zh-HK" sz="1600" b="1" dirty="0">
-                          <a:latin typeface="Meiryo UI" panose="020B0604030504040204" pitchFamily="34" charset="-128"/>
-                          <a:ea typeface="Meiryo UI" panose="020B0604030504040204" pitchFamily="34" charset="-128"/>
+                        <a:rPr lang="en-US" altLang="zh-HK" sz="1600" b="1" i="0" kern="1200" dirty="0" err="1">
+                          <a:solidFill>
+                            <a:schemeClr val="lt1"/>
+                          </a:solidFill>
+                          <a:effectLst/>
+                          <a:latin typeface="+mn-lt"/>
+                          <a:ea typeface="+mn-ea"/>
+                          <a:cs typeface="+mn-cs"/>
                         </a:rPr>
-                        <a:t>Whirlpool</a:t>
+                        <a:t>xxHash</a:t>
                       </a:r>
-                      <a:endParaRPr lang="zh-HK" altLang="en-US" sz="1600" b="0" dirty="0">
-                        <a:latin typeface="Meiryo UI" panose="020B0604030504040204" pitchFamily="34" charset="-128"/>
+                      <a:endParaRPr lang="zh-HK" altLang="en-US" sz="1600" b="1" dirty="0">
+                        <a:latin typeface="+mn-lt"/>
+                        <a:ea typeface="Meiryo UI" panose="020B0604030504040204" pitchFamily="34" charset="-128"/>
+                      </a:endParaRPr>
+                    </a:p>
+                  </a:txBody>
+                  <a:tcPr marL="83737" marR="83737" marT="41868" marB="41868" anchor="ctr"/>
+                </a:tc>
+                <a:tc>
+                  <a:txBody>
+                    <a:bodyPr/>
+                    <a:lstStyle/>
+                    <a:p>
+                      <a:pPr marL="0" marR="0" lvl="0" indent="0" algn="ctr" defTabSz="457200" rtl="0" eaLnBrk="1" fontAlgn="auto" latinLnBrk="0" hangingPunct="1">
+                        <a:lnSpc>
+                          <a:spcPct val="100000"/>
+                        </a:lnSpc>
+                        <a:spcBef>
+                          <a:spcPts val="0"/>
+                        </a:spcBef>
+                        <a:spcAft>
+                          <a:spcPts val="0"/>
+                        </a:spcAft>
+                        <a:buClrTx/>
+                        <a:buSzTx/>
+                        <a:buFontTx/>
+                        <a:buNone/>
+                        <a:tabLst/>
+                        <a:defRPr/>
+                      </a:pPr>
+                      <a:r>
+                        <a:rPr lang="en-US" altLang="zh-HK" sz="1600" b="1" i="0" kern="1200" dirty="0" err="1">
+                          <a:solidFill>
+                            <a:schemeClr val="lt1"/>
+                          </a:solidFill>
+                          <a:effectLst/>
+                          <a:latin typeface="+mn-lt"/>
+                          <a:ea typeface="+mn-ea"/>
+                          <a:cs typeface="+mn-cs"/>
+                        </a:rPr>
+                        <a:t>HighwayHash</a:t>
+                      </a:r>
+                      <a:endParaRPr lang="zh-HK" altLang="en-US" sz="1600" b="1" dirty="0">
+                        <a:latin typeface="+mn-lt"/>
                         <a:ea typeface="Meiryo UI" panose="020B0604030504040204" pitchFamily="34" charset="-128"/>
                       </a:endParaRPr>
                     </a:p>
@@ -14795,7 +21332,7 @@
                           <a:solidFill>
                             <a:schemeClr val="tx1"/>
                           </a:solidFill>
-                          <a:latin typeface="Meiryo UI" panose="020B0604030504040204" pitchFamily="34" charset="-128"/>
+                          <a:latin typeface="+mn-lt"/>
                           <a:ea typeface="Meiryo UI" panose="020B0604030504040204" pitchFamily="34" charset="-128"/>
                         </a:rPr>
                         <a:t>PPT</a:t>
@@ -14824,7 +21361,7 @@
                           <a:solidFill>
                             <a:schemeClr val="tx1"/>
                           </a:solidFill>
-                          <a:latin typeface="Meiryo UI" panose="020B0604030504040204" pitchFamily="34" charset="-128"/>
+                          <a:latin typeface="+mn-lt"/>
                           <a:ea typeface="Meiryo UI" panose="020B0604030504040204" pitchFamily="34" charset="-128"/>
                         </a:rPr>
                         <a:t>114KB</a:t>
@@ -14833,7 +21370,7 @@
                         <a:solidFill>
                           <a:schemeClr val="tx1"/>
                         </a:solidFill>
-                        <a:latin typeface="Meiryo UI" panose="020B0604030504040204" pitchFamily="34" charset="-128"/>
+                        <a:latin typeface="+mn-lt"/>
                         <a:ea typeface="Meiryo UI" panose="020B0604030504040204" pitchFamily="34" charset="-128"/>
                       </a:endParaRPr>
                     </a:p>
@@ -14867,41 +21404,74 @@
                         <a:defRPr/>
                       </a:pPr>
                       <a:r>
-                        <a:rPr lang="en-US" altLang="zh-HK" sz="1400" dirty="0">
+                        <a:rPr lang="en-US" altLang="zh-HK" sz="1400" b="0" i="0" dirty="0">
                           <a:latin typeface="Meiryo UI" panose="020B0604030504040204" pitchFamily="34" charset="-128"/>
                           <a:ea typeface="Meiryo UI" panose="020B0604030504040204" pitchFamily="34" charset="-128"/>
                         </a:rPr>
-                        <a:t>30</a:t>
+                        <a:t>7s</a:t>
                       </a:r>
-                      <a:r>
-                        <a:rPr lang="zh-HK" altLang="en-US" sz="1400" dirty="0">
+                      <a:br>
+                        <a:rPr lang="en-US" altLang="zh-HK" sz="1400" b="0" i="0" dirty="0">
                           <a:latin typeface="Meiryo UI" panose="020B0604030504040204" pitchFamily="34" charset="-128"/>
                           <a:ea typeface="Meiryo UI" panose="020B0604030504040204" pitchFamily="34" charset="-128"/>
                         </a:rPr>
-                        <a:t>秒</a:t>
-                      </a:r>
+                      </a:br>
                       <a:r>
-                        <a:rPr lang="en-US" altLang="zh-HK" sz="1400" dirty="0">
+                        <a:rPr lang="en-US" altLang="zh-HK" sz="1400" b="0" i="0" dirty="0">
                           <a:latin typeface="Meiryo UI" panose="020B0604030504040204" pitchFamily="34" charset="-128"/>
                           <a:ea typeface="Meiryo UI" panose="020B0604030504040204" pitchFamily="34" charset="-128"/>
                         </a:rPr>
                         <a:t>~</a:t>
                       </a:r>
                       <a:r>
-                        <a:rPr lang="en-US" altLang="zh-TW" sz="1400" dirty="0">
+                        <a:rPr lang="en-US" altLang="zh-TW" sz="1400" b="0" i="0" dirty="0">
                           <a:latin typeface="Meiryo UI" panose="020B0604030504040204" pitchFamily="34" charset="-128"/>
                           <a:ea typeface="Meiryo UI" panose="020B0604030504040204" pitchFamily="34" charset="-128"/>
                         </a:rPr>
-                        <a:t>2</a:t>
+                        <a:t>2m</a:t>
                       </a:r>
+                      <a:endParaRPr lang="en-US" altLang="zh-HK" sz="1400" b="0" i="0" dirty="0">
+                        <a:latin typeface="Meiryo UI" panose="020B0604030504040204" pitchFamily="34" charset="-128"/>
+                        <a:ea typeface="Meiryo UI" panose="020B0604030504040204" pitchFamily="34" charset="-128"/>
+                      </a:endParaRPr>
+                    </a:p>
+                  </a:txBody>
+                  <a:tcPr marL="83737" marR="83737" marT="41868" marB="41868" anchor="ctr"/>
+                </a:tc>
+                <a:tc>
+                  <a:txBody>
+                    <a:bodyPr/>
+                    <a:lstStyle/>
+                    <a:p>
+                      <a:pPr algn="ctr"/>
                       <a:r>
-                        <a:rPr lang="zh-HK" altLang="en-US" sz="1400" dirty="0">
+                        <a:rPr lang="en-US" altLang="zh-HK" sz="1400" b="0" i="0" dirty="0">
                           <a:latin typeface="Meiryo UI" panose="020B0604030504040204" pitchFamily="34" charset="-128"/>
                           <a:ea typeface="Meiryo UI" panose="020B0604030504040204" pitchFamily="34" charset="-128"/>
                         </a:rPr>
-                        <a:t>分</a:t>
+                        <a:t>30s</a:t>
                       </a:r>
-                      <a:endParaRPr lang="en-US" altLang="zh-HK" sz="1400" dirty="0">
+                      <a:br>
+                        <a:rPr lang="en-US" altLang="zh-HK" sz="1400" b="0" i="0" dirty="0">
+                          <a:latin typeface="Meiryo UI" panose="020B0604030504040204" pitchFamily="34" charset="-128"/>
+                          <a:ea typeface="Meiryo UI" panose="020B0604030504040204" pitchFamily="34" charset="-128"/>
+                        </a:rPr>
+                      </a:br>
+                      <a:r>
+                        <a:rPr lang="en-US" altLang="zh-TW" sz="1400" b="0" i="0" dirty="0">
+                          <a:latin typeface="Meiryo UI" panose="020B0604030504040204" pitchFamily="34" charset="-128"/>
+                          <a:ea typeface="Meiryo UI" panose="020B0604030504040204" pitchFamily="34" charset="-128"/>
+                        </a:rPr>
+                        <a:t>~</a:t>
+                      </a:r>
+                      <a:r>
+                        <a:rPr lang="en-US" altLang="zh-HK" sz="1400" b="0" i="0" dirty="0">
+                          <a:latin typeface="Meiryo UI" panose="020B0604030504040204" pitchFamily="34" charset="-128"/>
+                          <a:ea typeface="Meiryo UI" panose="020B0604030504040204" pitchFamily="34" charset="-128"/>
+                        </a:rPr>
+                        <a:t>4m</a:t>
+                      </a:r>
+                      <a:endParaRPr lang="zh-HK" altLang="en-US" sz="1400" b="0" i="0" dirty="0">
                         <a:latin typeface="Meiryo UI" panose="020B0604030504040204" pitchFamily="34" charset="-128"/>
                         <a:ea typeface="Meiryo UI" panose="020B0604030504040204" pitchFamily="34" charset="-128"/>
                       </a:endParaRPr>
@@ -14920,43 +21490,25 @@
                           <a:latin typeface="Meiryo UI" panose="020B0604030504040204" pitchFamily="34" charset="-128"/>
                           <a:ea typeface="Meiryo UI" panose="020B0604030504040204" pitchFamily="34" charset="-128"/>
                         </a:rPr>
-                        <a:t>1</a:t>
+                        <a:t>1m40</a:t>
                       </a:r>
-                      <a:r>
-                        <a:rPr lang="zh-HK" altLang="en-US" sz="1400" dirty="0">
+                      <a:br>
+                        <a:rPr lang="en-US" altLang="zh-HK" sz="1400" dirty="0">
                           <a:latin typeface="Meiryo UI" panose="020B0604030504040204" pitchFamily="34" charset="-128"/>
                           <a:ea typeface="Meiryo UI" panose="020B0604030504040204" pitchFamily="34" charset="-128"/>
                         </a:rPr>
-                        <a:t>分</a:t>
-                      </a:r>
+                      </a:br>
                       <a:r>
                         <a:rPr lang="en-US" altLang="zh-HK" sz="1400" dirty="0">
                           <a:latin typeface="Meiryo UI" panose="020B0604030504040204" pitchFamily="34" charset="-128"/>
                           <a:ea typeface="Meiryo UI" panose="020B0604030504040204" pitchFamily="34" charset="-128"/>
                         </a:rPr>
-                        <a:t>15</a:t>
+                        <a:t>~3m40</a:t>
                       </a:r>
-                      <a:r>
-                        <a:rPr lang="zh-HK" altLang="en-US" sz="1400" dirty="0">
-                          <a:latin typeface="Meiryo UI" panose="020B0604030504040204" pitchFamily="34" charset="-128"/>
-                          <a:ea typeface="Meiryo UI" panose="020B0604030504040204" pitchFamily="34" charset="-128"/>
-                        </a:rPr>
-                        <a:t>秒</a:t>
-                      </a:r>
-                      <a:r>
-                        <a:rPr lang="en-US" altLang="zh-HK" sz="1400" dirty="0">
-                          <a:latin typeface="Meiryo UI" panose="020B0604030504040204" pitchFamily="34" charset="-128"/>
-                          <a:ea typeface="Meiryo UI" panose="020B0604030504040204" pitchFamily="34" charset="-128"/>
-                        </a:rPr>
-                        <a:t>〜4</a:t>
-                      </a:r>
-                      <a:r>
-                        <a:rPr lang="zh-HK" altLang="en-US" sz="1400" dirty="0">
-                          <a:latin typeface="Meiryo UI" panose="020B0604030504040204" pitchFamily="34" charset="-128"/>
-                          <a:ea typeface="Meiryo UI" panose="020B0604030504040204" pitchFamily="34" charset="-128"/>
-                        </a:rPr>
-                        <a:t>分</a:t>
-                      </a:r>
+                      <a:endParaRPr lang="zh-HK" altLang="en-US" sz="1400" dirty="0">
+                        <a:latin typeface="Meiryo UI" panose="020B0604030504040204" pitchFamily="34" charset="-128"/>
+                        <a:ea typeface="Meiryo UI" panose="020B0604030504040204" pitchFamily="34" charset="-128"/>
+                      </a:endParaRPr>
                     </a:p>
                   </a:txBody>
                   <a:tcPr marL="83737" marR="83737" marT="41868" marB="41868" anchor="ctr"/>
@@ -14981,6 +21533,48 @@
                     <a:lstStyle/>
                     <a:p>
                       <a:pPr algn="ctr"/>
+                      <a:r>
+                        <a:rPr lang="en-US" altLang="zh-HK" sz="1400" dirty="0">
+                          <a:latin typeface="Meiryo UI" panose="020B0604030504040204" pitchFamily="34" charset="-128"/>
+                          <a:ea typeface="Meiryo UI" panose="020B0604030504040204" pitchFamily="34" charset="-128"/>
+                        </a:rPr>
+                        <a:t>1</a:t>
+                      </a:r>
+                      <a:r>
+                        <a:rPr lang="en-US" altLang="zh-TW" sz="1400" dirty="0">
+                          <a:latin typeface="Meiryo UI" panose="020B0604030504040204" pitchFamily="34" charset="-128"/>
+                          <a:ea typeface="Meiryo UI" panose="020B0604030504040204" pitchFamily="34" charset="-128"/>
+                        </a:rPr>
+                        <a:t>0s</a:t>
+                      </a:r>
+                      <a:r>
+                        <a:rPr lang="en-US" altLang="zh-HK" sz="1400" dirty="0">
+                          <a:latin typeface="Meiryo UI" panose="020B0604030504040204" pitchFamily="34" charset="-128"/>
+                          <a:ea typeface="Meiryo UI" panose="020B0604030504040204" pitchFamily="34" charset="-128"/>
+                        </a:rPr>
+                        <a:t>~</a:t>
+                      </a:r>
+                      <a:endParaRPr lang="zh-HK" altLang="en-US" sz="1400" dirty="0">
+                        <a:latin typeface="Meiryo UI" panose="020B0604030504040204" pitchFamily="34" charset="-128"/>
+                        <a:ea typeface="Meiryo UI" panose="020B0604030504040204" pitchFamily="34" charset="-128"/>
+                      </a:endParaRPr>
+                    </a:p>
+                  </a:txBody>
+                  <a:tcPr marL="83737" marR="83737" marT="41868" marB="41868" anchor="ctr"/>
+                </a:tc>
+                <a:tc>
+                  <a:txBody>
+                    <a:bodyPr/>
+                    <a:lstStyle/>
+                    <a:p>
+                      <a:pPr algn="ctr"/>
+                      <a:r>
+                        <a:rPr lang="en-US" altLang="zh-HK" sz="1400" dirty="0">
+                          <a:latin typeface="Meiryo UI" panose="020B0604030504040204" pitchFamily="34" charset="-128"/>
+                          <a:ea typeface="Meiryo UI" panose="020B0604030504040204" pitchFamily="34" charset="-128"/>
+                        </a:rPr>
+                        <a:t>~24s</a:t>
+                      </a:r>
                       <a:endParaRPr lang="zh-HK" altLang="en-US" sz="1400" dirty="0">
                         <a:latin typeface="Meiryo UI" panose="020B0604030504040204" pitchFamily="34" charset="-128"/>
                         <a:ea typeface="Meiryo UI" panose="020B0604030504040204" pitchFamily="34" charset="-128"/>
@@ -15079,7 +21673,7 @@
                           <a:solidFill>
                             <a:schemeClr val="tx1"/>
                           </a:solidFill>
-                          <a:latin typeface="Meiryo UI" panose="020B0604030504040204" pitchFamily="34" charset="-128"/>
+                          <a:latin typeface="+mn-lt"/>
                           <a:ea typeface="Meiryo UI" panose="020B0604030504040204" pitchFamily="34" charset="-128"/>
                         </a:rPr>
                         <a:t>ER</a:t>
@@ -15089,7 +21683,7 @@
                           <a:solidFill>
                             <a:schemeClr val="tx1"/>
                           </a:solidFill>
-                          <a:latin typeface="Meiryo UI" panose="020B0604030504040204" pitchFamily="34" charset="-128"/>
+                          <a:latin typeface="+mn-lt"/>
                           <a:ea typeface="Meiryo UI" panose="020B0604030504040204" pitchFamily="34" charset="-128"/>
                         </a:rPr>
                         <a:t>図</a:t>
@@ -15098,7 +21692,7 @@
                         <a:solidFill>
                           <a:schemeClr val="tx1"/>
                         </a:solidFill>
-                        <a:latin typeface="Meiryo UI" panose="020B0604030504040204" pitchFamily="34" charset="-128"/>
+                        <a:latin typeface="+mn-lt"/>
                         <a:ea typeface="Meiryo UI" panose="020B0604030504040204" pitchFamily="34" charset="-128"/>
                       </a:endParaRPr>
                     </a:p>
@@ -15125,7 +21719,7 @@
                           <a:solidFill>
                             <a:schemeClr val="tx1"/>
                           </a:solidFill>
-                          <a:latin typeface="Meiryo UI" panose="020B0604030504040204" pitchFamily="34" charset="-128"/>
+                          <a:latin typeface="+mn-lt"/>
                           <a:ea typeface="Meiryo UI" panose="020B0604030504040204" pitchFamily="34" charset="-128"/>
                         </a:rPr>
                         <a:t>426 KB</a:t>
@@ -15134,7 +21728,7 @@
                         <a:solidFill>
                           <a:schemeClr val="tx1"/>
                         </a:solidFill>
-                        <a:latin typeface="Meiryo UI" panose="020B0604030504040204" pitchFamily="34" charset="-128"/>
+                        <a:latin typeface="+mn-lt"/>
                         <a:ea typeface="Meiryo UI" panose="020B0604030504040204" pitchFamily="34" charset="-128"/>
                       </a:endParaRPr>
                     </a:p>
@@ -15168,27 +21762,81 @@
                         <a:defRPr/>
                       </a:pPr>
                       <a:r>
-                        <a:rPr lang="en-US" altLang="zh-HK" sz="1400" dirty="0">
+                        <a:rPr lang="en-US" altLang="zh-HK" sz="1400" b="0" i="0" dirty="0">
+                          <a:latin typeface="Meiryo UI" panose="020B0604030504040204" pitchFamily="34" charset="-128"/>
+                          <a:ea typeface="Meiryo UI" panose="020B0604030504040204" pitchFamily="34" charset="-128"/>
+                        </a:rPr>
+                        <a:t>40s</a:t>
+                      </a:r>
+                      <a:br>
+                        <a:rPr lang="en-US" altLang="zh-HK" sz="1400" b="0" i="0" dirty="0">
+                          <a:latin typeface="Meiryo UI" panose="020B0604030504040204" pitchFamily="34" charset="-128"/>
+                          <a:ea typeface="Meiryo UI" panose="020B0604030504040204" pitchFamily="34" charset="-128"/>
+                        </a:rPr>
+                      </a:br>
+                      <a:r>
+                        <a:rPr lang="en-US" altLang="zh-HK" sz="1400" b="0" i="0" dirty="0">
                           <a:latin typeface="Meiryo UI" panose="020B0604030504040204" pitchFamily="34" charset="-128"/>
                           <a:ea typeface="Meiryo UI" panose="020B0604030504040204" pitchFamily="34" charset="-128"/>
                         </a:rPr>
                         <a:t>~5</a:t>
                       </a:r>
                       <a:r>
-                        <a:rPr lang="en-US" altLang="zh-TW" sz="1400" dirty="0">
+                        <a:rPr lang="en-US" altLang="zh-TW" sz="1400" b="0" i="0" dirty="0">
                           <a:latin typeface="Meiryo UI" panose="020B0604030504040204" pitchFamily="34" charset="-128"/>
                           <a:ea typeface="Meiryo UI" panose="020B0604030504040204" pitchFamily="34" charset="-128"/>
                         </a:rPr>
-                        <a:t>0</a:t>
+                        <a:t>0s</a:t>
                       </a:r>
+                      <a:endParaRPr lang="en-US" altLang="zh-HK" sz="1400" b="0" i="0" dirty="0">
+                        <a:latin typeface="Meiryo UI" panose="020B0604030504040204" pitchFamily="34" charset="-128"/>
+                        <a:ea typeface="Meiryo UI" panose="020B0604030504040204" pitchFamily="34" charset="-128"/>
+                      </a:endParaRPr>
+                    </a:p>
+                  </a:txBody>
+                  <a:tcPr marL="83737" marR="83737" marT="41868" marB="41868" anchor="ctr"/>
+                </a:tc>
+                <a:tc>
+                  <a:txBody>
+                    <a:bodyPr/>
+                    <a:lstStyle/>
+                    <a:p>
+                      <a:pPr algn="ctr"/>
                       <a:r>
-                        <a:rPr lang="zh-HK" altLang="en-US" sz="1400" dirty="0">
+                        <a:rPr lang="en-US" altLang="zh-HK" sz="1400" b="0" i="0" dirty="0">
                           <a:latin typeface="Meiryo UI" panose="020B0604030504040204" pitchFamily="34" charset="-128"/>
                           <a:ea typeface="Meiryo UI" panose="020B0604030504040204" pitchFamily="34" charset="-128"/>
                         </a:rPr>
-                        <a:t>秒</a:t>
+                        <a:t>1m2</a:t>
                       </a:r>
-                      <a:endParaRPr lang="en-US" altLang="zh-HK" sz="1400" dirty="0">
+                      <a:r>
+                        <a:rPr lang="en-US" altLang="zh-TW" sz="1400" b="0" i="0" dirty="0">
+                          <a:latin typeface="Meiryo UI" panose="020B0604030504040204" pitchFamily="34" charset="-128"/>
+                          <a:ea typeface="Meiryo UI" panose="020B0604030504040204" pitchFamily="34" charset="-128"/>
+                        </a:rPr>
+                        <a:t>5</a:t>
+                      </a:r>
+                      <a:br>
+                        <a:rPr lang="en-US" altLang="zh-TW" sz="1400" b="0" i="0" dirty="0">
+                          <a:latin typeface="Meiryo UI" panose="020B0604030504040204" pitchFamily="34" charset="-128"/>
+                          <a:ea typeface="Meiryo UI" panose="020B0604030504040204" pitchFamily="34" charset="-128"/>
+                        </a:rPr>
+                      </a:br>
+                      <a:r>
+                        <a:rPr lang="en-US" altLang="zh-TW" sz="1400" b="0" i="0" dirty="0">
+                          <a:latin typeface="Meiryo UI" panose="020B0604030504040204" pitchFamily="34" charset="-128"/>
+                          <a:ea typeface="Meiryo UI" panose="020B0604030504040204" pitchFamily="34" charset="-128"/>
+                        </a:rPr>
+                        <a:t>~</a:t>
+                      </a:r>
+                      <a:r>
+                        <a:rPr lang="en-US" altLang="zh-HK" sz="1400" b="0" i="0" dirty="0">
+                          <a:latin typeface="Meiryo UI" panose="020B0604030504040204" pitchFamily="34" charset="-128"/>
+                          <a:ea typeface="Meiryo UI" panose="020B0604030504040204" pitchFamily="34" charset="-128"/>
+                        </a:rPr>
+                        <a:t>4m</a:t>
+                      </a:r>
+                      <a:endParaRPr lang="zh-HK" altLang="en-US" sz="1400" b="0" i="0" dirty="0">
                         <a:latin typeface="Meiryo UI" panose="020B0604030504040204" pitchFamily="34" charset="-128"/>
                         <a:ea typeface="Meiryo UI" panose="020B0604030504040204" pitchFamily="34" charset="-128"/>
                       </a:endParaRPr>
@@ -15207,15 +21855,12 @@
                           <a:latin typeface="Meiryo UI" panose="020B0604030504040204" pitchFamily="34" charset="-128"/>
                           <a:ea typeface="Meiryo UI" panose="020B0604030504040204" pitchFamily="34" charset="-128"/>
                         </a:rPr>
-                        <a:t>〜4</a:t>
+                        <a:t>~1m45</a:t>
                       </a:r>
-                      <a:r>
-                        <a:rPr lang="zh-HK" altLang="en-US" sz="1400" dirty="0">
-                          <a:latin typeface="Meiryo UI" panose="020B0604030504040204" pitchFamily="34" charset="-128"/>
-                          <a:ea typeface="Meiryo UI" panose="020B0604030504040204" pitchFamily="34" charset="-128"/>
-                        </a:rPr>
-                        <a:t>分</a:t>
-                      </a:r>
+                      <a:endParaRPr lang="zh-HK" altLang="en-US" sz="1400" dirty="0">
+                        <a:latin typeface="Meiryo UI" panose="020B0604030504040204" pitchFamily="34" charset="-128"/>
+                        <a:ea typeface="Meiryo UI" panose="020B0604030504040204" pitchFamily="34" charset="-128"/>
+                      </a:endParaRPr>
                     </a:p>
                   </a:txBody>
                   <a:tcPr marL="83737" marR="83737" marT="41868" marB="41868" anchor="ctr"/>
@@ -15240,6 +21885,30 @@
                     <a:lstStyle/>
                     <a:p>
                       <a:pPr algn="ctr"/>
+                      <a:r>
+                        <a:rPr lang="en-US" altLang="zh-HK" sz="1400" dirty="0">
+                          <a:latin typeface="Meiryo UI" panose="020B0604030504040204" pitchFamily="34" charset="-128"/>
+                          <a:ea typeface="Meiryo UI" panose="020B0604030504040204" pitchFamily="34" charset="-128"/>
+                        </a:rPr>
+                        <a:t>~2m</a:t>
+                      </a:r>
+                    </a:p>
+                  </a:txBody>
+                  <a:tcPr marL="83737" marR="83737" marT="41868" marB="41868" anchor="ctr"/>
+                </a:tc>
+                <a:tc>
+                  <a:txBody>
+                    <a:bodyPr/>
+                    <a:lstStyle/>
+                    <a:p>
+                      <a:pPr algn="ctr"/>
+                      <a:r>
+                        <a:rPr lang="en-US" altLang="zh-HK" sz="1400" dirty="0">
+                          <a:latin typeface="Meiryo UI" panose="020B0604030504040204" pitchFamily="34" charset="-128"/>
+                          <a:ea typeface="Meiryo UI" panose="020B0604030504040204" pitchFamily="34" charset="-128"/>
+                        </a:rPr>
+                        <a:t>~1m45</a:t>
+                      </a:r>
                       <a:endParaRPr lang="zh-HK" altLang="en-US" sz="1400" dirty="0">
                         <a:latin typeface="Meiryo UI" panose="020B0604030504040204" pitchFamily="34" charset="-128"/>
                         <a:ea typeface="Meiryo UI" panose="020B0604030504040204" pitchFamily="34" charset="-128"/>
@@ -15338,7 +22007,7 @@
                           <a:solidFill>
                             <a:schemeClr val="tx1"/>
                           </a:solidFill>
-                          <a:latin typeface="Meiryo UI" panose="020B0604030504040204" pitchFamily="34" charset="-128"/>
+                          <a:latin typeface="+mn-lt"/>
                           <a:ea typeface="Meiryo UI" panose="020B0604030504040204" pitchFamily="34" charset="-128"/>
                         </a:rPr>
                         <a:t>履歴書</a:t>
@@ -15347,7 +22016,7 @@
                         <a:solidFill>
                           <a:schemeClr val="tx1"/>
                         </a:solidFill>
-                        <a:latin typeface="Meiryo UI" panose="020B0604030504040204" pitchFamily="34" charset="-128"/>
+                        <a:latin typeface="+mn-lt"/>
                         <a:ea typeface="Meiryo UI" panose="020B0604030504040204" pitchFamily="34" charset="-128"/>
                       </a:endParaRPr>
                     </a:p>
@@ -15374,7 +22043,7 @@
                           <a:solidFill>
                             <a:schemeClr val="tx1"/>
                           </a:solidFill>
-                          <a:latin typeface="Meiryo UI" panose="020B0604030504040204" pitchFamily="34" charset="-128"/>
+                          <a:latin typeface="+mn-lt"/>
                           <a:ea typeface="Meiryo UI" panose="020B0604030504040204" pitchFamily="34" charset="-128"/>
                         </a:rPr>
                         <a:t>257 KB</a:t>
@@ -15383,7 +22052,7 @@
                         <a:solidFill>
                           <a:schemeClr val="tx1"/>
                         </a:solidFill>
-                        <a:latin typeface="Meiryo UI" panose="020B0604030504040204" pitchFamily="34" charset="-128"/>
+                        <a:latin typeface="+mn-lt"/>
                         <a:ea typeface="Meiryo UI" panose="020B0604030504040204" pitchFamily="34" charset="-128"/>
                       </a:endParaRPr>
                     </a:p>
@@ -15417,41 +22086,26 @@
                         <a:defRPr/>
                       </a:pPr>
                       <a:r>
-                        <a:rPr lang="en-US" altLang="zh-TW" sz="1400" dirty="0">
+                        <a:rPr lang="en-US" altLang="zh-TW" sz="1400" b="0" i="0" dirty="0">
                           <a:latin typeface="Meiryo UI" panose="020B0604030504040204" pitchFamily="34" charset="-128"/>
                           <a:ea typeface="Meiryo UI" panose="020B0604030504040204" pitchFamily="34" charset="-128"/>
                         </a:rPr>
-                        <a:t>~1</a:t>
+                        <a:t>18s</a:t>
                       </a:r>
-                      <a:r>
-                        <a:rPr lang="zh-HK" altLang="en-US" sz="1400" dirty="0">
+                      <a:br>
+                        <a:rPr lang="en-US" altLang="zh-TW" sz="1400" b="0" i="0" dirty="0">
                           <a:latin typeface="Meiryo UI" panose="020B0604030504040204" pitchFamily="34" charset="-128"/>
                           <a:ea typeface="Meiryo UI" panose="020B0604030504040204" pitchFamily="34" charset="-128"/>
                         </a:rPr>
-                        <a:t>分</a:t>
-                      </a:r>
+                      </a:br>
                       <a:r>
-                        <a:rPr lang="en-US" altLang="zh-HK" sz="1400" dirty="0">
+                        <a:rPr lang="en-US" altLang="zh-TW" sz="1400" b="0" i="0" dirty="0">
                           <a:latin typeface="Meiryo UI" panose="020B0604030504040204" pitchFamily="34" charset="-128"/>
                           <a:ea typeface="Meiryo UI" panose="020B0604030504040204" pitchFamily="34" charset="-128"/>
                         </a:rPr>
-                        <a:t>3</a:t>
+                        <a:t>~1m30</a:t>
                       </a:r>
-                      <a:r>
-                        <a:rPr lang="en-US" altLang="zh-TW" sz="1400" dirty="0">
-                          <a:latin typeface="Meiryo UI" panose="020B0604030504040204" pitchFamily="34" charset="-128"/>
-                          <a:ea typeface="Meiryo UI" panose="020B0604030504040204" pitchFamily="34" charset="-128"/>
-                        </a:rPr>
-                        <a:t>5</a:t>
-                      </a:r>
-                      <a:r>
-                        <a:rPr lang="zh-HK" altLang="en-US" sz="1400" dirty="0">
-                          <a:latin typeface="Meiryo UI" panose="020B0604030504040204" pitchFamily="34" charset="-128"/>
-                          <a:ea typeface="Meiryo UI" panose="020B0604030504040204" pitchFamily="34" charset="-128"/>
-                        </a:rPr>
-                        <a:t>秒</a:t>
-                      </a:r>
-                      <a:endParaRPr lang="en-US" altLang="zh-HK" sz="1400" dirty="0">
+                      <a:endParaRPr lang="en-US" altLang="zh-HK" sz="1400" b="0" i="0" dirty="0">
                         <a:latin typeface="Meiryo UI" panose="020B0604030504040204" pitchFamily="34" charset="-128"/>
                         <a:ea typeface="Meiryo UI" panose="020B0604030504040204" pitchFamily="34" charset="-128"/>
                       </a:endParaRPr>
@@ -15465,6 +22119,34 @@
                     <a:lstStyle/>
                     <a:p>
                       <a:pPr algn="ctr"/>
+                      <a:r>
+                        <a:rPr lang="en-US" altLang="zh-HK" sz="1400" b="0" i="0" dirty="0">
+                          <a:latin typeface="Meiryo UI" panose="020B0604030504040204" pitchFamily="34" charset="-128"/>
+                          <a:ea typeface="Meiryo UI" panose="020B0604030504040204" pitchFamily="34" charset="-128"/>
+                        </a:rPr>
+                        <a:t>~2m40</a:t>
+                      </a:r>
+                      <a:endParaRPr lang="zh-HK" altLang="en-US" sz="1400" b="0" i="0" dirty="0">
+                        <a:latin typeface="Meiryo UI" panose="020B0604030504040204" pitchFamily="34" charset="-128"/>
+                        <a:ea typeface="Meiryo UI" panose="020B0604030504040204" pitchFamily="34" charset="-128"/>
+                      </a:endParaRPr>
+                    </a:p>
+                  </a:txBody>
+                  <a:tcPr marL="83737" marR="83737" marT="41868" marB="41868" anchor="ctr"/>
+                </a:tc>
+                <a:tc>
+                  <a:txBody>
+                    <a:bodyPr/>
+                    <a:lstStyle/>
+                    <a:p>
+                      <a:pPr algn="ctr"/>
+                      <a:r>
+                        <a:rPr lang="en-US" altLang="zh-HK" sz="1400" dirty="0">
+                          <a:latin typeface="Meiryo UI" panose="020B0604030504040204" pitchFamily="34" charset="-128"/>
+                          <a:ea typeface="Meiryo UI" panose="020B0604030504040204" pitchFamily="34" charset="-128"/>
+                        </a:rPr>
+                        <a:t>~2m55</a:t>
+                      </a:r>
                       <a:endParaRPr lang="zh-HK" altLang="en-US" sz="1400" dirty="0">
                         <a:latin typeface="Meiryo UI" panose="020B0604030504040204" pitchFamily="34" charset="-128"/>
                         <a:ea typeface="Meiryo UI" panose="020B0604030504040204" pitchFamily="34" charset="-128"/>
@@ -15493,6 +22175,34 @@
                     <a:lstStyle/>
                     <a:p>
                       <a:pPr algn="ctr"/>
+                      <a:r>
+                        <a:rPr lang="en-US" altLang="zh-HK" sz="1400" dirty="0">
+                          <a:latin typeface="Meiryo UI" panose="020B0604030504040204" pitchFamily="34" charset="-128"/>
+                          <a:ea typeface="Meiryo UI" panose="020B0604030504040204" pitchFamily="34" charset="-128"/>
+                        </a:rPr>
+                        <a:t>~5m30</a:t>
+                      </a:r>
+                      <a:endParaRPr lang="zh-HK" altLang="en-US" sz="1400" dirty="0">
+                        <a:latin typeface="Meiryo UI" panose="020B0604030504040204" pitchFamily="34" charset="-128"/>
+                        <a:ea typeface="Meiryo UI" panose="020B0604030504040204" pitchFamily="34" charset="-128"/>
+                      </a:endParaRPr>
+                    </a:p>
+                  </a:txBody>
+                  <a:tcPr marL="83737" marR="83737" marT="41868" marB="41868" anchor="ctr"/>
+                </a:tc>
+                <a:tc>
+                  <a:txBody>
+                    <a:bodyPr/>
+                    <a:lstStyle/>
+                    <a:p>
+                      <a:pPr algn="ctr"/>
+                      <a:r>
+                        <a:rPr lang="en-US" altLang="zh-HK" sz="1400" dirty="0">
+                          <a:latin typeface="Meiryo UI" panose="020B0604030504040204" pitchFamily="34" charset="-128"/>
+                          <a:ea typeface="Meiryo UI" panose="020B0604030504040204" pitchFamily="34" charset="-128"/>
+                        </a:rPr>
+                        <a:t>~3m55</a:t>
+                      </a:r>
                       <a:endParaRPr lang="zh-HK" altLang="en-US" sz="1400" dirty="0">
                         <a:latin typeface="Meiryo UI" panose="020B0604030504040204" pitchFamily="34" charset="-128"/>
                         <a:ea typeface="Meiryo UI" panose="020B0604030504040204" pitchFamily="34" charset="-128"/>
@@ -15591,7 +22301,7 @@
                           <a:solidFill>
                             <a:schemeClr val="tx1"/>
                           </a:solidFill>
-                          <a:latin typeface="Meiryo UI" panose="020B0604030504040204" pitchFamily="34" charset="-128"/>
+                          <a:latin typeface="+mn-lt"/>
                           <a:ea typeface="Meiryo UI" panose="020B0604030504040204" pitchFamily="34" charset="-128"/>
                         </a:rPr>
                         <a:t>スキャン</a:t>
@@ -15601,7 +22311,7 @@
                           <a:solidFill>
                             <a:schemeClr val="tx1"/>
                           </a:solidFill>
-                          <a:latin typeface="Meiryo UI" panose="020B0604030504040204" pitchFamily="34" charset="-128"/>
+                          <a:latin typeface="+mn-lt"/>
                           <a:ea typeface="Meiryo UI" panose="020B0604030504040204" pitchFamily="34" charset="-128"/>
                         </a:rPr>
                         <a:t>写真</a:t>
@@ -15610,7 +22320,7 @@
                         <a:solidFill>
                           <a:schemeClr val="tx1"/>
                         </a:solidFill>
-                        <a:latin typeface="Meiryo UI" panose="020B0604030504040204" pitchFamily="34" charset="-128"/>
+                        <a:latin typeface="+mn-lt"/>
                         <a:ea typeface="Meiryo UI" panose="020B0604030504040204" pitchFamily="34" charset="-128"/>
                       </a:endParaRPr>
                     </a:p>
@@ -15637,7 +22347,7 @@
                           <a:solidFill>
                             <a:schemeClr val="tx1"/>
                           </a:solidFill>
-                          <a:latin typeface="Meiryo UI" panose="020B0604030504040204" pitchFamily="34" charset="-128"/>
+                          <a:latin typeface="+mn-lt"/>
                           <a:ea typeface="Meiryo UI" panose="020B0604030504040204" pitchFamily="34" charset="-128"/>
                         </a:rPr>
                         <a:t>10.6 MB</a:t>
@@ -15646,7 +22356,7 @@
                         <a:solidFill>
                           <a:schemeClr val="tx1"/>
                         </a:solidFill>
-                        <a:latin typeface="Meiryo UI" panose="020B0604030504040204" pitchFamily="34" charset="-128"/>
+                        <a:latin typeface="+mn-lt"/>
                         <a:ea typeface="Meiryo UI" panose="020B0604030504040204" pitchFamily="34" charset="-128"/>
                       </a:endParaRPr>
                     </a:p>
@@ -15680,34 +22390,64 @@
                         <a:defRPr/>
                       </a:pPr>
                       <a:r>
-                        <a:rPr lang="en-US" altLang="zh-HK" sz="1400" dirty="0">
+                        <a:rPr lang="en-US" altLang="zh-TW" sz="1400" b="0" i="0" dirty="0">
                           <a:latin typeface="Meiryo UI" panose="020B0604030504040204" pitchFamily="34" charset="-128"/>
                           <a:ea typeface="Meiryo UI" panose="020B0604030504040204" pitchFamily="34" charset="-128"/>
                         </a:rPr>
-                        <a:t>~5</a:t>
+                        <a:t>3m</a:t>
                       </a:r>
-                      <a:r>
-                        <a:rPr lang="zh-HK" altLang="en-US" sz="1400" dirty="0">
+                      <a:br>
+                        <a:rPr lang="en-US" altLang="zh-TW" sz="1400" b="0" i="0" dirty="0">
                           <a:latin typeface="Meiryo UI" panose="020B0604030504040204" pitchFamily="34" charset="-128"/>
                           <a:ea typeface="Meiryo UI" panose="020B0604030504040204" pitchFamily="34" charset="-128"/>
                         </a:rPr>
-                        <a:t>分</a:t>
+                      </a:br>
+                      <a:r>
+                        <a:rPr lang="en-US" altLang="zh-HK" sz="1400" b="0" i="0" dirty="0">
+                          <a:latin typeface="Meiryo UI" panose="020B0604030504040204" pitchFamily="34" charset="-128"/>
+                          <a:ea typeface="Meiryo UI" panose="020B0604030504040204" pitchFamily="34" charset="-128"/>
+                        </a:rPr>
+                        <a:t>~5m30</a:t>
                       </a:r>
+                    </a:p>
+                  </a:txBody>
+                  <a:tcPr marL="83737" marR="83737" marT="41868" marB="41868" anchor="ctr"/>
+                </a:tc>
+                <a:tc>
+                  <a:txBody>
+                    <a:bodyPr/>
+                    <a:lstStyle/>
+                    <a:p>
+                      <a:pPr algn="ctr"/>
+                      <a:r>
+                        <a:rPr lang="en-US" altLang="zh-HK" sz="1400" b="0" i="0" dirty="0">
+                          <a:latin typeface="Meiryo UI" panose="020B0604030504040204" pitchFamily="34" charset="-128"/>
+                          <a:ea typeface="Meiryo UI" panose="020B0604030504040204" pitchFamily="34" charset="-128"/>
+                        </a:rPr>
+                        <a:t>~1h6m30</a:t>
+                      </a:r>
+                      <a:endParaRPr lang="zh-HK" altLang="en-US" sz="1400" b="0" i="0" dirty="0">
+                        <a:latin typeface="Meiryo UI" panose="020B0604030504040204" pitchFamily="34" charset="-128"/>
+                        <a:ea typeface="Meiryo UI" panose="020B0604030504040204" pitchFamily="34" charset="-128"/>
+                      </a:endParaRPr>
+                    </a:p>
+                  </a:txBody>
+                  <a:tcPr marL="83737" marR="83737" marT="41868" marB="41868" anchor="ctr"/>
+                </a:tc>
+                <a:tc>
+                  <a:txBody>
+                    <a:bodyPr/>
+                    <a:lstStyle/>
+                    <a:p>
+                      <a:pPr algn="ctr"/>
                       <a:r>
                         <a:rPr lang="en-US" altLang="zh-HK" sz="1400" dirty="0">
                           <a:latin typeface="Meiryo UI" panose="020B0604030504040204" pitchFamily="34" charset="-128"/>
                           <a:ea typeface="Meiryo UI" panose="020B0604030504040204" pitchFamily="34" charset="-128"/>
                         </a:rPr>
-                        <a:t>30</a:t>
+                        <a:t>~19m</a:t>
                       </a:r>
-                      <a:r>
-                        <a:rPr lang="zh-HK" altLang="en-US" sz="1400">
-                          <a:latin typeface="Meiryo UI" panose="020B0604030504040204" pitchFamily="34" charset="-128"/>
-                          <a:ea typeface="Meiryo UI" panose="020B0604030504040204" pitchFamily="34" charset="-128"/>
-                        </a:rPr>
-                        <a:t>秒</a:t>
-                      </a:r>
-                      <a:endParaRPr lang="en-US" altLang="zh-HK" sz="1400" dirty="0">
+                      <a:endParaRPr lang="zh-HK" altLang="en-US" sz="1400" dirty="0">
                         <a:latin typeface="Meiryo UI" panose="020B0604030504040204" pitchFamily="34" charset="-128"/>
                         <a:ea typeface="Meiryo UI" panose="020B0604030504040204" pitchFamily="34" charset="-128"/>
                       </a:endParaRPr>
@@ -15735,6 +22475,20 @@
                     <a:lstStyle/>
                     <a:p>
                       <a:pPr algn="ctr"/>
+                      <a:r>
+                        <a:rPr lang="en-US" altLang="zh-HK" sz="1400" dirty="0">
+                          <a:latin typeface="Meiryo UI" panose="020B0604030504040204" pitchFamily="34" charset="-128"/>
+                          <a:ea typeface="Meiryo UI" panose="020B0604030504040204" pitchFamily="34" charset="-128"/>
+                        </a:rPr>
+                        <a:t>~11m2</a:t>
+                      </a:r>
+                      <a:r>
+                        <a:rPr lang="en-US" altLang="zh-TW" sz="1400" dirty="0">
+                          <a:latin typeface="Meiryo UI" panose="020B0604030504040204" pitchFamily="34" charset="-128"/>
+                          <a:ea typeface="Meiryo UI" panose="020B0604030504040204" pitchFamily="34" charset="-128"/>
+                        </a:rPr>
+                        <a:t>0</a:t>
+                      </a:r>
                       <a:endParaRPr lang="zh-HK" altLang="en-US" sz="1400" dirty="0">
                         <a:latin typeface="Meiryo UI" panose="020B0604030504040204" pitchFamily="34" charset="-128"/>
                         <a:ea typeface="Meiryo UI" panose="020B0604030504040204" pitchFamily="34" charset="-128"/>
@@ -15866,25 +22620,18 @@
               <a:t>　</a:t>
             </a:r>
             <a:r>
+              <a:rPr kumimoji="1" lang="en-US" altLang="ja-JP" dirty="0">
+                <a:latin typeface="Meiryo UI" panose="020B0604030504040204" pitchFamily="34" charset="-128"/>
+                <a:ea typeface="Meiryo UI" panose="020B0604030504040204" pitchFamily="34" charset="-128"/>
+              </a:rPr>
+              <a:t>Pdf =&gt; Byte =&gt; </a:t>
+            </a:r>
+            <a:r>
               <a:rPr kumimoji="1" lang="en-US" altLang="ja-JP" sz="1800" dirty="0">
                 <a:latin typeface="Meiryo UI" panose="020B0604030504040204" pitchFamily="34" charset="-128"/>
                 <a:ea typeface="Meiryo UI" panose="020B0604030504040204" pitchFamily="34" charset="-128"/>
               </a:rPr>
-              <a:t>Hash =&gt; </a:t>
-            </a:r>
-            <a:r>
-              <a:rPr kumimoji="1" lang="en-US" altLang="ja-JP" sz="1800" dirty="0" err="1">
-                <a:latin typeface="Meiryo UI" panose="020B0604030504040204" pitchFamily="34" charset="-128"/>
-                <a:ea typeface="Meiryo UI" panose="020B0604030504040204" pitchFamily="34" charset="-128"/>
-              </a:rPr>
-              <a:t>Svg</a:t>
-            </a:r>
-            <a:r>
-              <a:rPr kumimoji="1" lang="en-US" altLang="ja-JP" sz="1800" dirty="0">
-                <a:latin typeface="Meiryo UI" panose="020B0604030504040204" pitchFamily="34" charset="-128"/>
-                <a:ea typeface="Meiryo UI" panose="020B0604030504040204" pitchFamily="34" charset="-128"/>
-              </a:rPr>
-              <a:t> =&gt; Base64(String)</a:t>
+              <a:t>Hash</a:t>
             </a:r>
             <a:endParaRPr kumimoji="1" lang="zh-HK" altLang="en-US" sz="1800" dirty="0">
               <a:latin typeface="Meiryo UI" panose="020B0604030504040204" pitchFamily="34" charset="-128"/>

--- a/Y3-Sem2/ITゼミ演習II/2024年度_12月報告会_Sk3a04_文家俊.pptx
+++ b/Y3-Sem2/ITゼミ演習II/2024年度_12月報告会_Sk3a04_文家俊.pptx
@@ -11,10 +11,10 @@
     <p:sldId id="256" r:id="rId2"/>
     <p:sldId id="267" r:id="rId3"/>
     <p:sldId id="269" r:id="rId4"/>
-    <p:sldId id="270" r:id="rId5"/>
-    <p:sldId id="272" r:id="rId6"/>
+    <p:sldId id="272" r:id="rId5"/>
+    <p:sldId id="270" r:id="rId6"/>
     <p:sldId id="264" r:id="rId7"/>
-    <p:sldId id="271" r:id="rId8"/>
+    <p:sldId id="274" r:id="rId8"/>
     <p:sldId id="265" r:id="rId9"/>
     <p:sldId id="263" r:id="rId10"/>
     <p:sldId id="257" r:id="rId11"/>
@@ -1911,18 +1911,46 @@
         <a:p>
           <a:pPr algn="ctr"/>
           <a:r>
+            <a:rPr lang="zh-TW" altLang="en-US" sz="2400" dirty="0">
+              <a:latin typeface="Meiryo UI" panose="020B0604030504040204" pitchFamily="34" charset="-128"/>
+              <a:ea typeface="Meiryo UI" panose="020B0604030504040204" pitchFamily="34" charset="-128"/>
+            </a:rPr>
+            <a:t>            </a:t>
+          </a:r>
+          <a:r>
             <a:rPr lang="en-US" altLang="zh-HK" sz="2400" dirty="0" err="1">
               <a:latin typeface="Meiryo UI" panose="020B0604030504040204" pitchFamily="34" charset="-128"/>
               <a:ea typeface="Meiryo UI" panose="020B0604030504040204" pitchFamily="34" charset="-128"/>
             </a:rPr>
-            <a:t>Gomaxprocess</a:t>
+            <a:t>Gomaxprocs</a:t>
           </a:r>
           <a:r>
             <a:rPr lang="zh-HK" altLang="en-US" sz="2400" dirty="0">
               <a:latin typeface="Meiryo UI" panose="020B0604030504040204" pitchFamily="34" charset="-128"/>
               <a:ea typeface="Meiryo UI" panose="020B0604030504040204" pitchFamily="34" charset="-128"/>
             </a:rPr>
-            <a:t>（並行処理）設置</a:t>
+            <a:t>、</a:t>
+          </a:r>
+          <a:r>
+            <a:rPr lang="en-US" sz="2400" b="0" dirty="0">
+              <a:latin typeface="Meiryo UI" panose="020B0604030504040204" pitchFamily="34" charset="-128"/>
+              <a:ea typeface="Meiryo UI" panose="020B0604030504040204" pitchFamily="34" charset="-128"/>
+            </a:rPr>
+            <a:t>Goroutine</a:t>
+          </a:r>
+          <a:r>
+            <a:rPr lang="zh-TW" altLang="en-US" sz="2400" b="1" dirty="0">
+              <a:latin typeface="Meiryo UI" panose="020B0604030504040204" pitchFamily="34" charset="-128"/>
+              <a:ea typeface="Meiryo UI" panose="020B0604030504040204" pitchFamily="34" charset="-128"/>
+            </a:rPr>
+            <a:t> </a:t>
+          </a:r>
+          <a:r>
+            <a:rPr lang="zh-HK" altLang="en-US" sz="2400" dirty="0">
+              <a:latin typeface="Meiryo UI" panose="020B0604030504040204" pitchFamily="34" charset="-128"/>
+              <a:ea typeface="Meiryo UI" panose="020B0604030504040204" pitchFamily="34" charset="-128"/>
+            </a:rPr>
+            <a:t>設置</a:t>
           </a:r>
           <a:endParaRPr lang="zh-TW" altLang="en-US" sz="2400" dirty="0">
             <a:latin typeface="Meiryo UI" panose="020B0604030504040204" pitchFamily="34" charset="-128"/>
@@ -2137,27 +2165,27 @@
     </dgm:pt>
   </dgm:ptLst>
   <dgm:cxnLst>
-    <dgm:cxn modelId="{40467A16-6E58-EF46-A2DB-EB3D714F5DDE}" type="presOf" srcId="{05B7333D-CFB4-4D49-90B8-A098F815E272}" destId="{CD607992-CE5A-FF4C-8C85-39698BECE336}" srcOrd="0" destOrd="0" presId="urn:microsoft.com/office/officeart/2005/8/layout/vProcess5"/>
-    <dgm:cxn modelId="{2AB27E1D-FA1F-F549-A17E-573BE4B941F3}" type="presOf" srcId="{BE0BA1F6-1DBD-7348-9E61-C2B9827CA8E4}" destId="{9F78ED61-4598-7C4F-93CE-17B6EDAFF535}" srcOrd="1" destOrd="0" presId="urn:microsoft.com/office/officeart/2005/8/layout/vProcess5"/>
     <dgm:cxn modelId="{08A26A25-6A2A-BA4A-A71A-6C04E61FBDCC}" type="presOf" srcId="{A9229A3D-E090-AA4C-A6BA-89D66306354F}" destId="{DAE7AB72-7692-E34B-8E71-CFFBD3DE9881}" srcOrd="0" destOrd="0" presId="urn:microsoft.com/office/officeart/2005/8/layout/vProcess5"/>
-    <dgm:cxn modelId="{CAAD433B-FA9F-F54C-996F-91F89CB12B30}" type="presOf" srcId="{BE0BA1F6-1DBD-7348-9E61-C2B9827CA8E4}" destId="{236C09B4-12DB-D845-BBAA-F5C88BBCB65D}" srcOrd="0" destOrd="0" presId="urn:microsoft.com/office/officeart/2005/8/layout/vProcess5"/>
-    <dgm:cxn modelId="{6FFCAD42-244A-5840-9ADA-86AF270EE864}" srcId="{A9229A3D-E090-AA4C-A6BA-89D66306354F}" destId="{05B7333D-CFB4-4D49-90B8-A098F815E272}" srcOrd="1" destOrd="0" parTransId="{D4A6376B-18E8-8D42-B806-5A5BAA189F23}" sibTransId="{042F6D26-50BD-4744-8985-A06E7E534712}"/>
-    <dgm:cxn modelId="{C119B64F-83A7-B441-83FA-14A3ABF7D63B}" type="presOf" srcId="{ACD1D631-75F5-1643-A89B-C929A90C0830}" destId="{1D6B94D4-A3EB-CE40-938F-A5E0760C190D}" srcOrd="1" destOrd="0" presId="urn:microsoft.com/office/officeart/2005/8/layout/vProcess5"/>
-    <dgm:cxn modelId="{E49DF45D-4DDB-8240-BF6A-AD692A41908F}" type="presOf" srcId="{05B7333D-CFB4-4D49-90B8-A098F815E272}" destId="{8D60323C-7388-4947-B343-916D8524970D}" srcOrd="1" destOrd="0" presId="urn:microsoft.com/office/officeart/2005/8/layout/vProcess5"/>
-    <dgm:cxn modelId="{6C499462-F3CC-A34A-B7E7-9378B8034323}" type="presOf" srcId="{042F6D26-50BD-4744-8985-A06E7E534712}" destId="{F735CAE4-F68C-9A46-AA22-0D931832B3A9}" srcOrd="0" destOrd="0" presId="urn:microsoft.com/office/officeart/2005/8/layout/vProcess5"/>
-    <dgm:cxn modelId="{8B229473-A47B-0041-A430-E1236AAB5E03}" srcId="{A9229A3D-E090-AA4C-A6BA-89D66306354F}" destId="{ACD1D631-75F5-1643-A89B-C929A90C0830}" srcOrd="2" destOrd="0" parTransId="{EBECC0D0-CAB0-5747-9878-475E620E0791}" sibTransId="{B6CA2A18-39DE-2246-A28D-26793466C417}"/>
-    <dgm:cxn modelId="{1A92B3C0-F821-3945-9471-3A9155ABB44C}" type="presOf" srcId="{ACD1D631-75F5-1643-A89B-C929A90C0830}" destId="{9D6494C2-40E9-1B47-8B9A-BB85D9560F0F}" srcOrd="0" destOrd="0" presId="urn:microsoft.com/office/officeart/2005/8/layout/vProcess5"/>
+    <dgm:cxn modelId="{6FFCAD42-244A-5840-9ADA-86AF270EE864}" srcId="{A9229A3D-E090-AA4C-A6BA-89D66306354F}" destId="{05B7333D-CFB4-4D49-90B8-A098F815E272}" srcOrd="2" destOrd="0" parTransId="{D4A6376B-18E8-8D42-B806-5A5BAA189F23}" sibTransId="{042F6D26-50BD-4744-8985-A06E7E534712}"/>
+    <dgm:cxn modelId="{6D159045-0BC2-FE40-B1CA-69CF9C5BB7CC}" type="presOf" srcId="{B6CA2A18-39DE-2246-A28D-26793466C417}" destId="{F735CAE4-F68C-9A46-AA22-0D931832B3A9}" srcOrd="0" destOrd="0" presId="urn:microsoft.com/office/officeart/2005/8/layout/vProcess5"/>
+    <dgm:cxn modelId="{EC4EC746-177E-BC44-B731-23743CCB2CD9}" type="presOf" srcId="{BE0BA1F6-1DBD-7348-9E61-C2B9827CA8E4}" destId="{236C09B4-12DB-D845-BBAA-F5C88BBCB65D}" srcOrd="0" destOrd="0" presId="urn:microsoft.com/office/officeart/2005/8/layout/vProcess5"/>
+    <dgm:cxn modelId="{1FFCCD61-A7F8-9944-8DF4-4A6D568FF683}" type="presOf" srcId="{05B7333D-CFB4-4D49-90B8-A098F815E272}" destId="{1D6B94D4-A3EB-CE40-938F-A5E0760C190D}" srcOrd="1" destOrd="0" presId="urn:microsoft.com/office/officeart/2005/8/layout/vProcess5"/>
+    <dgm:cxn modelId="{8B229473-A47B-0041-A430-E1236AAB5E03}" srcId="{A9229A3D-E090-AA4C-A6BA-89D66306354F}" destId="{ACD1D631-75F5-1643-A89B-C929A90C0830}" srcOrd="1" destOrd="0" parTransId="{EBECC0D0-CAB0-5747-9878-475E620E0791}" sibTransId="{B6CA2A18-39DE-2246-A28D-26793466C417}"/>
+    <dgm:cxn modelId="{20CB497C-E32A-7A48-B20C-DDEB7446A0C8}" type="presOf" srcId="{05B7333D-CFB4-4D49-90B8-A098F815E272}" destId="{9D6494C2-40E9-1B47-8B9A-BB85D9560F0F}" srcOrd="0" destOrd="0" presId="urn:microsoft.com/office/officeart/2005/8/layout/vProcess5"/>
+    <dgm:cxn modelId="{BC2CF38C-A8B3-3840-915D-6949A81CEF6F}" type="presOf" srcId="{ACD1D631-75F5-1643-A89B-C929A90C0830}" destId="{8D60323C-7388-4947-B343-916D8524970D}" srcOrd="1" destOrd="0" presId="urn:microsoft.com/office/officeart/2005/8/layout/vProcess5"/>
+    <dgm:cxn modelId="{3DE034AE-E507-C841-A38B-DA17168D6A67}" type="presOf" srcId="{C188B9F0-E883-F447-B26B-0C7CDBB809E1}" destId="{7D1AED19-E9A5-C941-BD86-E937A7A31B8F}" srcOrd="0" destOrd="0" presId="urn:microsoft.com/office/officeart/2005/8/layout/vProcess5"/>
+    <dgm:cxn modelId="{4CC2ACC6-6C60-E447-B681-18B90A1F25A2}" type="presOf" srcId="{BE0BA1F6-1DBD-7348-9E61-C2B9827CA8E4}" destId="{9F78ED61-4598-7C4F-93CE-17B6EDAFF535}" srcOrd="1" destOrd="0" presId="urn:microsoft.com/office/officeart/2005/8/layout/vProcess5"/>
+    <dgm:cxn modelId="{120179D8-C89A-2A4E-9F01-C93CA2B7B96A}" type="presOf" srcId="{ACD1D631-75F5-1643-A89B-C929A90C0830}" destId="{CD607992-CE5A-FF4C-8C85-39698BECE336}" srcOrd="0" destOrd="0" presId="urn:microsoft.com/office/officeart/2005/8/layout/vProcess5"/>
     <dgm:cxn modelId="{CC1A63E7-9EE8-044F-B437-03B5F1673A4A}" srcId="{A9229A3D-E090-AA4C-A6BA-89D66306354F}" destId="{BE0BA1F6-1DBD-7348-9E61-C2B9827CA8E4}" srcOrd="0" destOrd="0" parTransId="{BAED1780-EC3E-264A-8908-ADBC6AE54E15}" sibTransId="{C188B9F0-E883-F447-B26B-0C7CDBB809E1}"/>
-    <dgm:cxn modelId="{17A144F8-A7A5-944C-8AAF-C9C4D161322A}" type="presOf" srcId="{C188B9F0-E883-F447-B26B-0C7CDBB809E1}" destId="{7D1AED19-E9A5-C941-BD86-E937A7A31B8F}" srcOrd="0" destOrd="0" presId="urn:microsoft.com/office/officeart/2005/8/layout/vProcess5"/>
-    <dgm:cxn modelId="{CF560E24-3455-6346-8A36-C814778B8831}" type="presParOf" srcId="{DAE7AB72-7692-E34B-8E71-CFFBD3DE9881}" destId="{CEA69B49-3AFC-2E47-B5B7-A5B56DA3FAE3}" srcOrd="0" destOrd="0" presId="urn:microsoft.com/office/officeart/2005/8/layout/vProcess5"/>
-    <dgm:cxn modelId="{6C5807B3-295D-0044-89FB-1A4CACCE0D2D}" type="presParOf" srcId="{DAE7AB72-7692-E34B-8E71-CFFBD3DE9881}" destId="{236C09B4-12DB-D845-BBAA-F5C88BBCB65D}" srcOrd="1" destOrd="0" presId="urn:microsoft.com/office/officeart/2005/8/layout/vProcess5"/>
-    <dgm:cxn modelId="{1B64969D-2CEE-FD48-AE76-7E401F96A6FA}" type="presParOf" srcId="{DAE7AB72-7692-E34B-8E71-CFFBD3DE9881}" destId="{CD607992-CE5A-FF4C-8C85-39698BECE336}" srcOrd="2" destOrd="0" presId="urn:microsoft.com/office/officeart/2005/8/layout/vProcess5"/>
-    <dgm:cxn modelId="{25791706-A3AC-DA49-9ED9-3A4936233CFD}" type="presParOf" srcId="{DAE7AB72-7692-E34B-8E71-CFFBD3DE9881}" destId="{9D6494C2-40E9-1B47-8B9A-BB85D9560F0F}" srcOrd="3" destOrd="0" presId="urn:microsoft.com/office/officeart/2005/8/layout/vProcess5"/>
-    <dgm:cxn modelId="{C451275D-54AB-AC4D-BEA1-924BA7687EF7}" type="presParOf" srcId="{DAE7AB72-7692-E34B-8E71-CFFBD3DE9881}" destId="{7D1AED19-E9A5-C941-BD86-E937A7A31B8F}" srcOrd="4" destOrd="0" presId="urn:microsoft.com/office/officeart/2005/8/layout/vProcess5"/>
-    <dgm:cxn modelId="{88B6BCB5-7F71-DB40-9012-4762D8FF1E96}" type="presParOf" srcId="{DAE7AB72-7692-E34B-8E71-CFFBD3DE9881}" destId="{F735CAE4-F68C-9A46-AA22-0D931832B3A9}" srcOrd="5" destOrd="0" presId="urn:microsoft.com/office/officeart/2005/8/layout/vProcess5"/>
-    <dgm:cxn modelId="{871F9FC6-1AFC-1340-A689-9DE8664F6B1C}" type="presParOf" srcId="{DAE7AB72-7692-E34B-8E71-CFFBD3DE9881}" destId="{9F78ED61-4598-7C4F-93CE-17B6EDAFF535}" srcOrd="6" destOrd="0" presId="urn:microsoft.com/office/officeart/2005/8/layout/vProcess5"/>
-    <dgm:cxn modelId="{B46B8705-6136-F943-B04E-620F4BEDFD94}" type="presParOf" srcId="{DAE7AB72-7692-E34B-8E71-CFFBD3DE9881}" destId="{8D60323C-7388-4947-B343-916D8524970D}" srcOrd="7" destOrd="0" presId="urn:microsoft.com/office/officeart/2005/8/layout/vProcess5"/>
-    <dgm:cxn modelId="{6BCEADBB-0784-5546-97C0-86056958F5AE}" type="presParOf" srcId="{DAE7AB72-7692-E34B-8E71-CFFBD3DE9881}" destId="{1D6B94D4-A3EB-CE40-938F-A5E0760C190D}" srcOrd="8" destOrd="0" presId="urn:microsoft.com/office/officeart/2005/8/layout/vProcess5"/>
+    <dgm:cxn modelId="{B5C36C0F-C166-EE4A-A047-9CD4AFE823F2}" type="presParOf" srcId="{DAE7AB72-7692-E34B-8E71-CFFBD3DE9881}" destId="{CEA69B49-3AFC-2E47-B5B7-A5B56DA3FAE3}" srcOrd="0" destOrd="0" presId="urn:microsoft.com/office/officeart/2005/8/layout/vProcess5"/>
+    <dgm:cxn modelId="{CFA4C167-DA40-4140-8A7C-80AAEF67D990}" type="presParOf" srcId="{DAE7AB72-7692-E34B-8E71-CFFBD3DE9881}" destId="{236C09B4-12DB-D845-BBAA-F5C88BBCB65D}" srcOrd="1" destOrd="0" presId="urn:microsoft.com/office/officeart/2005/8/layout/vProcess5"/>
+    <dgm:cxn modelId="{E7CE4E54-71A3-D249-8F9F-52578E3FBB4E}" type="presParOf" srcId="{DAE7AB72-7692-E34B-8E71-CFFBD3DE9881}" destId="{CD607992-CE5A-FF4C-8C85-39698BECE336}" srcOrd="2" destOrd="0" presId="urn:microsoft.com/office/officeart/2005/8/layout/vProcess5"/>
+    <dgm:cxn modelId="{44921D64-EBCE-3D45-B40B-386EB65306F4}" type="presParOf" srcId="{DAE7AB72-7692-E34B-8E71-CFFBD3DE9881}" destId="{9D6494C2-40E9-1B47-8B9A-BB85D9560F0F}" srcOrd="3" destOrd="0" presId="urn:microsoft.com/office/officeart/2005/8/layout/vProcess5"/>
+    <dgm:cxn modelId="{6CDC872A-6432-0F49-B65F-23F5BDBB7A72}" type="presParOf" srcId="{DAE7AB72-7692-E34B-8E71-CFFBD3DE9881}" destId="{7D1AED19-E9A5-C941-BD86-E937A7A31B8F}" srcOrd="4" destOrd="0" presId="urn:microsoft.com/office/officeart/2005/8/layout/vProcess5"/>
+    <dgm:cxn modelId="{CB43889E-2B3B-974A-8A0F-C653624EFB9A}" type="presParOf" srcId="{DAE7AB72-7692-E34B-8E71-CFFBD3DE9881}" destId="{F735CAE4-F68C-9A46-AA22-0D931832B3A9}" srcOrd="5" destOrd="0" presId="urn:microsoft.com/office/officeart/2005/8/layout/vProcess5"/>
+    <dgm:cxn modelId="{D83B1015-7499-5245-8F32-DB163188191F}" type="presParOf" srcId="{DAE7AB72-7692-E34B-8E71-CFFBD3DE9881}" destId="{9F78ED61-4598-7C4F-93CE-17B6EDAFF535}" srcOrd="6" destOrd="0" presId="urn:microsoft.com/office/officeart/2005/8/layout/vProcess5"/>
+    <dgm:cxn modelId="{EC7BE686-20A5-7B41-85D4-CFA8B4715ABD}" type="presParOf" srcId="{DAE7AB72-7692-E34B-8E71-CFFBD3DE9881}" destId="{8D60323C-7388-4947-B343-916D8524970D}" srcOrd="7" destOrd="0" presId="urn:microsoft.com/office/officeart/2005/8/layout/vProcess5"/>
+    <dgm:cxn modelId="{B6D2EFB8-286A-4E43-9DCD-4877E50C7D81}" type="presParOf" srcId="{DAE7AB72-7692-E34B-8E71-CFFBD3DE9881}" destId="{1D6B94D4-A3EB-CE40-938F-A5E0760C190D}" srcOrd="8" destOrd="0" presId="urn:microsoft.com/office/officeart/2005/8/layout/vProcess5"/>
   </dgm:cxnLst>
   <dgm:bg/>
   <dgm:whole/>
@@ -2622,18 +2650,46 @@
             <a:buNone/>
           </a:pPr>
           <a:r>
-            <a:rPr lang="ja-JP" altLang="en-US" sz="2400" kern="1200">
+            <a:rPr lang="zh-TW" altLang="en-US" sz="2400" kern="1200" dirty="0">
               <a:latin typeface="Meiryo UI" panose="020B0604030504040204" pitchFamily="34" charset="-128"/>
               <a:ea typeface="Meiryo UI" panose="020B0604030504040204" pitchFamily="34" charset="-128"/>
             </a:rPr>
-            <a:t>　　　　　　　</a:t>
+            <a:t>            </a:t>
+          </a:r>
+          <a:r>
+            <a:rPr lang="en-US" altLang="zh-HK" sz="2400" kern="1200" dirty="0" err="1">
+              <a:latin typeface="Meiryo UI" panose="020B0604030504040204" pitchFamily="34" charset="-128"/>
+              <a:ea typeface="Meiryo UI" panose="020B0604030504040204" pitchFamily="34" charset="-128"/>
+            </a:rPr>
+            <a:t>Gomaxprocs</a:t>
           </a:r>
           <a:r>
             <a:rPr lang="zh-HK" altLang="en-US" sz="2400" kern="1200" dirty="0">
               <a:latin typeface="Meiryo UI" panose="020B0604030504040204" pitchFamily="34" charset="-128"/>
               <a:ea typeface="Meiryo UI" panose="020B0604030504040204" pitchFamily="34" charset="-128"/>
             </a:rPr>
-            <a:t>ブロックの作成時間を計算</a:t>
+            <a:t>、</a:t>
+          </a:r>
+          <a:r>
+            <a:rPr lang="en-US" sz="2400" b="0" kern="1200" dirty="0">
+              <a:latin typeface="Meiryo UI" panose="020B0604030504040204" pitchFamily="34" charset="-128"/>
+              <a:ea typeface="Meiryo UI" panose="020B0604030504040204" pitchFamily="34" charset="-128"/>
+            </a:rPr>
+            <a:t>Goroutine</a:t>
+          </a:r>
+          <a:r>
+            <a:rPr lang="zh-TW" altLang="en-US" sz="2400" b="1" kern="1200" dirty="0">
+              <a:latin typeface="Meiryo UI" panose="020B0604030504040204" pitchFamily="34" charset="-128"/>
+              <a:ea typeface="Meiryo UI" panose="020B0604030504040204" pitchFamily="34" charset="-128"/>
+            </a:rPr>
+            <a:t> </a:t>
+          </a:r>
+          <a:r>
+            <a:rPr lang="zh-HK" altLang="en-US" sz="2400" kern="1200" dirty="0">
+              <a:latin typeface="Meiryo UI" panose="020B0604030504040204" pitchFamily="34" charset="-128"/>
+              <a:ea typeface="Meiryo UI" panose="020B0604030504040204" pitchFamily="34" charset="-128"/>
+            </a:rPr>
+            <a:t>設置</a:t>
           </a:r>
           <a:endParaRPr lang="zh-TW" altLang="en-US" sz="2400" kern="1200" dirty="0">
             <a:latin typeface="Meiryo UI" panose="020B0604030504040204" pitchFamily="34" charset="-128"/>
@@ -2716,18 +2772,18 @@
             <a:buNone/>
           </a:pPr>
           <a:r>
-            <a:rPr lang="en-US" altLang="zh-HK" sz="2400" kern="1200" dirty="0" err="1">
+            <a:rPr lang="ja-JP" altLang="en-US" sz="2400" kern="1200">
               <a:latin typeface="Meiryo UI" panose="020B0604030504040204" pitchFamily="34" charset="-128"/>
               <a:ea typeface="Meiryo UI" panose="020B0604030504040204" pitchFamily="34" charset="-128"/>
             </a:rPr>
-            <a:t>Gomaxprocess</a:t>
+            <a:t>　　　　　　　</a:t>
           </a:r>
           <a:r>
             <a:rPr lang="zh-HK" altLang="en-US" sz="2400" kern="1200" dirty="0">
               <a:latin typeface="Meiryo UI" panose="020B0604030504040204" pitchFamily="34" charset="-128"/>
               <a:ea typeface="Meiryo UI" panose="020B0604030504040204" pitchFamily="34" charset="-128"/>
             </a:rPr>
-            <a:t>（並行処理）設置</a:t>
+            <a:t>ブロックの作成時間を計算</a:t>
           </a:r>
           <a:endParaRPr lang="zh-TW" altLang="en-US" sz="2400" kern="1200" dirty="0">
             <a:latin typeface="Meiryo UI" panose="020B0604030504040204" pitchFamily="34" charset="-128"/>
@@ -7956,7 +8012,7 @@
           <a:p>
             <a:fld id="{A25B1EB1-CDC4-F948-A361-2ADBE5BAC4B6}" type="datetimeFigureOut">
               <a:rPr kumimoji="1" lang="zh-HK" altLang="en-US" smtClean="0"/>
-              <a:t>10/12/24</a:t>
+              <a:t>13/12/24</a:t>
             </a:fld>
             <a:endParaRPr kumimoji="1" lang="zh-HK" altLang="en-US"/>
           </a:p>
@@ -8303,7 +8359,212 @@
               <a:tabLst/>
               <a:defRPr/>
             </a:pPr>
-            <a:endParaRPr lang="zh-TW" altLang="en-US" dirty="0"/>
+            <a:r>
+              <a:rPr lang="zh-HK" altLang="en-US" dirty="0">
+                <a:solidFill>
+                  <a:srgbClr val="0E0E0E"/>
+                </a:solidFill>
+                <a:effectLst/>
+                <a:latin typeface=".AppleSystemUIFont"/>
+              </a:rPr>
+              <a:t>今月</a:t>
+            </a:r>
+            <a:r>
+              <a:rPr lang="ja-JP" altLang="en-US">
+                <a:solidFill>
+                  <a:srgbClr val="0E0E0E"/>
+                </a:solidFill>
+                <a:effectLst/>
+                <a:latin typeface=".AppleSystemUIFont"/>
+              </a:rPr>
+              <a:t>は、色々なハッシュ</a:t>
+            </a:r>
+            <a:r>
+              <a:rPr lang="zh-HK" altLang="en-US" dirty="0">
+                <a:solidFill>
+                  <a:srgbClr val="0E0E0E"/>
+                </a:solidFill>
+                <a:effectLst/>
+                <a:latin typeface=".AppleSystemUIFont"/>
+              </a:rPr>
+              <a:t>関数</a:t>
+            </a:r>
+            <a:r>
+              <a:rPr lang="ja-JP" altLang="en-US">
+                <a:solidFill>
+                  <a:srgbClr val="0E0E0E"/>
+                </a:solidFill>
+                <a:effectLst/>
+                <a:latin typeface=".AppleSystemUIFont"/>
+              </a:rPr>
+              <a:t>を</a:t>
+            </a:r>
+            <a:r>
+              <a:rPr lang="zh-HK" altLang="en-US" dirty="0">
+                <a:solidFill>
+                  <a:srgbClr val="0E0E0E"/>
+                </a:solidFill>
+                <a:effectLst/>
+                <a:latin typeface=".AppleSystemUIFont"/>
+              </a:rPr>
+              <a:t>使</a:t>
+            </a:r>
+            <a:r>
+              <a:rPr lang="ja-JP" altLang="en-US">
+                <a:solidFill>
+                  <a:srgbClr val="0E0E0E"/>
+                </a:solidFill>
+                <a:effectLst/>
+                <a:latin typeface=".AppleSystemUIFont"/>
+              </a:rPr>
+              <a:t>って、複数コアと</a:t>
+            </a:r>
+            <a:r>
+              <a:rPr lang="zh-HK" altLang="en-US" dirty="0">
+                <a:solidFill>
+                  <a:srgbClr val="0E0E0E"/>
+                </a:solidFill>
+                <a:effectLst/>
+                <a:latin typeface=".AppleSystemUIFont"/>
+              </a:rPr>
+              <a:t>並行処理</a:t>
+            </a:r>
+            <a:r>
+              <a:rPr lang="ja-JP" altLang="en-US">
+                <a:solidFill>
+                  <a:srgbClr val="0E0E0E"/>
+                </a:solidFill>
+                <a:effectLst/>
+                <a:latin typeface=".AppleSystemUIFont"/>
+              </a:rPr>
+              <a:t>のコードを</a:t>
+            </a:r>
+            <a:r>
+              <a:rPr lang="zh-HK" altLang="en-US" dirty="0">
+                <a:solidFill>
+                  <a:srgbClr val="0E0E0E"/>
+                </a:solidFill>
+                <a:effectLst/>
+                <a:latin typeface=".AppleSystemUIFont"/>
+              </a:rPr>
+              <a:t>設置</a:t>
+            </a:r>
+            <a:r>
+              <a:rPr lang="ja-JP" altLang="en-US">
+                <a:solidFill>
+                  <a:srgbClr val="0E0E0E"/>
+                </a:solidFill>
+                <a:effectLst/>
+                <a:latin typeface=".AppleSystemUIFont"/>
+              </a:rPr>
+              <a:t>してテストしました。</a:t>
+            </a:r>
+            <a:br>
+              <a:rPr lang="en-US" altLang="ja-JP" dirty="0">
+                <a:solidFill>
+                  <a:srgbClr val="0E0E0E"/>
+                </a:solidFill>
+                <a:effectLst/>
+                <a:latin typeface=".AppleSystemUIFont"/>
+              </a:rPr>
+            </a:br>
+            <a:br>
+              <a:rPr lang="en-US" altLang="ja-JP" dirty="0">
+                <a:solidFill>
+                  <a:srgbClr val="0E0E0E"/>
+                </a:solidFill>
+                <a:effectLst/>
+                <a:latin typeface=".AppleSystemUIFont"/>
+              </a:rPr>
+            </a:br>
+            <a:r>
+              <a:rPr lang="en-US" b="1" dirty="0">
+                <a:solidFill>
+                  <a:srgbClr val="0E0E0E"/>
+                </a:solidFill>
+                <a:effectLst/>
+                <a:latin typeface=".AppleSystemUIFont"/>
+              </a:rPr>
+              <a:t>Goroutine（</a:t>
+            </a:r>
+            <a:r>
+              <a:rPr lang="ja-JP" altLang="en-US" b="1">
+                <a:solidFill>
+                  <a:srgbClr val="0E0E0E"/>
+                </a:solidFill>
+                <a:effectLst/>
+                <a:latin typeface=".AppleSystemUIFont"/>
+              </a:rPr>
+              <a:t>ゴルーチン）</a:t>
+            </a:r>
+            <a:r>
+              <a:rPr lang="ja-JP" altLang="en-US">
+                <a:solidFill>
+                  <a:srgbClr val="0E0E0E"/>
+                </a:solidFill>
+                <a:effectLst/>
+                <a:latin typeface=".AppleSystemUIFont"/>
+              </a:rPr>
+              <a:t> </a:t>
+            </a:r>
+          </a:p>
+          <a:p>
+            <a:pPr marL="0" marR="0" lvl="0" indent="0" algn="l" defTabSz="914400" rtl="0" eaLnBrk="1" fontAlgn="auto" latinLnBrk="0" hangingPunct="1">
+              <a:lnSpc>
+                <a:spcPct val="100000"/>
+              </a:lnSpc>
+              <a:spcBef>
+                <a:spcPts val="0"/>
+              </a:spcBef>
+              <a:spcAft>
+                <a:spcPts val="0"/>
+              </a:spcAft>
+              <a:buClrTx/>
+              <a:buSzTx/>
+              <a:buFontTx/>
+              <a:buNone/>
+              <a:tabLst/>
+              <a:defRPr/>
+            </a:pPr>
+            <a:r>
+              <a:rPr lang="en-US" b="1" dirty="0">
+                <a:solidFill>
+                  <a:srgbClr val="0E0E0E"/>
+                </a:solidFill>
+                <a:effectLst/>
+                <a:latin typeface=".AppleSystemUIFont"/>
+              </a:rPr>
+              <a:t>GOMAXPROCS（</a:t>
+            </a:r>
+            <a:r>
+              <a:rPr lang="ja-JP" altLang="en-US" b="1">
+                <a:solidFill>
+                  <a:srgbClr val="0E0E0E"/>
+                </a:solidFill>
+                <a:effectLst/>
+                <a:latin typeface=".AppleSystemUIFont"/>
+              </a:rPr>
+              <a:t>ゴーマックスプロックス）</a:t>
+            </a:r>
+            <a:r>
+              <a:rPr lang="ja-JP" altLang="en-US">
+                <a:solidFill>
+                  <a:srgbClr val="0E0E0E"/>
+                </a:solidFill>
+                <a:effectLst/>
+                <a:latin typeface=".AppleSystemUIFont"/>
+              </a:rPr>
+              <a:t> </a:t>
+            </a:r>
+          </a:p>
+          <a:p>
+            <a:endParaRPr lang="ja-JP" altLang="en-US">
+              <a:solidFill>
+                <a:srgbClr val="0E0E0E"/>
+              </a:solidFill>
+              <a:effectLst/>
+              <a:latin typeface=".AppleSystemUIFont"/>
+            </a:endParaRPr>
           </a:p>
         </p:txBody>
       </p:sp>
@@ -9257,216 +9518,266 @@
           <a:bodyPr/>
           <a:lstStyle/>
           <a:p>
-            <a:pPr marL="0" marR="0" lvl="0" indent="0" algn="l" defTabSz="914400" rtl="0" eaLnBrk="1" fontAlgn="auto" latinLnBrk="0" hangingPunct="1">
-              <a:lnSpc>
-                <a:spcPct val="100000"/>
-              </a:lnSpc>
-              <a:spcBef>
-                <a:spcPts val="0"/>
-              </a:spcBef>
-              <a:spcAft>
-                <a:spcPts val="0"/>
-              </a:spcAft>
-              <a:buClrTx/>
-              <a:buSzTx/>
-              <a:buFontTx/>
-              <a:buNone/>
-              <a:tabLst/>
-              <a:defRPr/>
-            </a:pPr>
-            <a:r>
-              <a:rPr lang="zh-HK" altLang="en-US" sz="1200" dirty="0">
+            <a:r>
+              <a:rPr lang="zh-HK" altLang="en-US" dirty="0">
+                <a:solidFill>
+                  <a:srgbClr val="0E0E0E"/>
+                </a:solidFill>
                 <a:effectLst/>
-                <a:latin typeface="Meiryo UI" panose="020B0604030504040204" pitchFamily="34" charset="-128"/>
-                <a:ea typeface="Meiryo UI" panose="020B0604030504040204" pitchFamily="34" charset="-128"/>
-              </a:rPr>
-              <a:t>前回選択した五つハッシュは</a:t>
-            </a:r>
-            <a:r>
-              <a:rPr lang="ja-JP" altLang="en-US" sz="1200">
+                <a:latin typeface=".AppleSystemUIFont"/>
+              </a:rPr>
+              <a:t>前回選</a:t>
+            </a:r>
+            <a:r>
+              <a:rPr lang="ja-JP" altLang="en-US">
+                <a:solidFill>
+                  <a:srgbClr val="0E0E0E"/>
+                </a:solidFill>
                 <a:effectLst/>
-                <a:latin typeface="Meiryo UI" panose="020B0604030504040204" pitchFamily="34" charset="-128"/>
-                <a:ea typeface="Meiryo UI" panose="020B0604030504040204" pitchFamily="34" charset="-128"/>
-              </a:rPr>
-              <a:t>セキュリティ</a:t>
-            </a:r>
-            <a:r>
-              <a:rPr lang="zh-HK" altLang="en-US" sz="1200" dirty="0">
+                <a:latin typeface=".AppleSystemUIFont"/>
+              </a:rPr>
+              <a:t>んだ四つのハッシュ</a:t>
+            </a:r>
+            <a:r>
+              <a:rPr lang="zh-HK" altLang="en-US" dirty="0">
+                <a:solidFill>
+                  <a:srgbClr val="0E0E0E"/>
+                </a:solidFill>
                 <a:effectLst/>
-                <a:latin typeface="Meiryo UI" panose="020B0604030504040204" pitchFamily="34" charset="-128"/>
-                <a:ea typeface="Meiryo UI" panose="020B0604030504040204" pitchFamily="34" charset="-128"/>
+                <a:latin typeface=".AppleSystemUIFont"/>
+              </a:rPr>
+              <a:t>関数</a:t>
+            </a:r>
+            <a:r>
+              <a:rPr lang="ja-JP" altLang="en-US">
+                <a:solidFill>
+                  <a:srgbClr val="0E0E0E"/>
+                </a:solidFill>
+                <a:effectLst/>
+                <a:latin typeface=".AppleSystemUIFont"/>
+              </a:rPr>
+              <a:t>は、セキュリティを</a:t>
+            </a:r>
+            <a:r>
+              <a:rPr lang="zh-HK" altLang="en-US" dirty="0">
+                <a:solidFill>
+                  <a:srgbClr val="0E0E0E"/>
+                </a:solidFill>
+                <a:effectLst/>
+                <a:latin typeface=".AppleSystemUIFont"/>
               </a:rPr>
               <a:t>重視</a:t>
             </a:r>
             <a:r>
-              <a:rPr lang="ja-JP" altLang="en-US" sz="1200">
+              <a:rPr lang="ja-JP" altLang="en-US">
+                <a:solidFill>
+                  <a:srgbClr val="0E0E0E"/>
+                </a:solidFill>
                 <a:effectLst/>
-                <a:latin typeface="Meiryo UI" panose="020B0604030504040204" pitchFamily="34" charset="-128"/>
-                <a:ea typeface="Meiryo UI" panose="020B0604030504040204" pitchFamily="34" charset="-128"/>
-              </a:rPr>
-              <a:t>で</a:t>
-            </a:r>
-            <a:r>
-              <a:rPr lang="zh-HK" altLang="en-US" sz="1200" dirty="0">
+                <a:latin typeface=".AppleSystemUIFont"/>
+              </a:rPr>
+              <a:t>して</a:t>
+            </a:r>
+            <a:r>
+              <a:rPr lang="zh-HK" altLang="en-US" dirty="0">
+                <a:solidFill>
+                  <a:srgbClr val="0E0E0E"/>
+                </a:solidFill>
                 <a:effectLst/>
-                <a:latin typeface="Meiryo UI" panose="020B0604030504040204" pitchFamily="34" charset="-128"/>
-                <a:ea typeface="Meiryo UI" panose="020B0604030504040204" pitchFamily="34" charset="-128"/>
-              </a:rPr>
-              <a:t>設計</a:t>
-            </a:r>
-            <a:r>
-              <a:rPr lang="ja-JP" altLang="en-US" sz="1200">
+                <a:latin typeface=".AppleSystemUIFont"/>
+              </a:rPr>
+              <a:t>作</a:t>
+            </a:r>
+            <a:r>
+              <a:rPr lang="ja-JP" altLang="en-US">
+                <a:solidFill>
+                  <a:srgbClr val="0E0E0E"/>
+                </a:solidFill>
                 <a:effectLst/>
-                <a:latin typeface="Meiryo UI" panose="020B0604030504040204" pitchFamily="34" charset="-128"/>
-                <a:ea typeface="Meiryo UI" panose="020B0604030504040204" pitchFamily="34" charset="-128"/>
-              </a:rPr>
-              <a:t>されていますが、</a:t>
-            </a:r>
-            <a:r>
-              <a:rPr lang="zh-HK" altLang="en-US" sz="1200" dirty="0">
+                <a:latin typeface=".AppleSystemUIFont"/>
+              </a:rPr>
+              <a:t>られています。ただ、</a:t>
+            </a:r>
+            <a:r>
+              <a:rPr lang="zh-HK" altLang="en-US" dirty="0">
+                <a:solidFill>
+                  <a:srgbClr val="0E0E0E"/>
+                </a:solidFill>
                 <a:effectLst/>
-                <a:latin typeface="Meiryo UI" panose="020B0604030504040204" pitchFamily="34" charset="-128"/>
-                <a:ea typeface="Meiryo UI" panose="020B0604030504040204" pitchFamily="34" charset="-128"/>
-              </a:rPr>
-              <a:t>計算速度</a:t>
-            </a:r>
-            <a:r>
-              <a:rPr lang="ja-JP" altLang="en-US" sz="1200">
+                <a:latin typeface=".AppleSystemUIFont"/>
+              </a:rPr>
+              <a:t>計算</a:t>
+            </a:r>
+            <a:r>
+              <a:rPr lang="ja-JP" altLang="en-US">
+                <a:solidFill>
+                  <a:srgbClr val="0E0E0E"/>
+                </a:solidFill>
                 <a:effectLst/>
-                <a:latin typeface="Meiryo UI" panose="020B0604030504040204" pitchFamily="34" charset="-128"/>
-                <a:ea typeface="Meiryo UI" panose="020B0604030504040204" pitchFamily="34" charset="-128"/>
-              </a:rPr>
-              <a:t>は</a:t>
-            </a:r>
-            <a:r>
-              <a:rPr lang="zh-HK" altLang="en-US" sz="1200" dirty="0">
+                <a:latin typeface=".AppleSystemUIFont"/>
+              </a:rPr>
+              <a:t>が</a:t>
+            </a:r>
+            <a:r>
+              <a:rPr lang="zh-HK" altLang="en-US" dirty="0">
+                <a:solidFill>
+                  <a:srgbClr val="0E0E0E"/>
+                </a:solidFill>
                 <a:effectLst/>
-                <a:latin typeface="Meiryo UI" panose="020B0604030504040204" pitchFamily="34" charset="-128"/>
-                <a:ea typeface="Meiryo UI" panose="020B0604030504040204" pitchFamily="34" charset="-128"/>
+                <a:latin typeface=".AppleSystemUIFont"/>
               </a:rPr>
               <a:t>遅</a:t>
             </a:r>
             <a:r>
-              <a:rPr lang="ja-JP" altLang="en-US" sz="1200">
+              <a:rPr lang="ja-JP" altLang="en-US">
+                <a:solidFill>
+                  <a:srgbClr val="0E0E0E"/>
+                </a:solidFill>
                 <a:effectLst/>
-                <a:latin typeface="Meiryo UI" panose="020B0604030504040204" pitchFamily="34" charset="-128"/>
-                <a:ea typeface="Meiryo UI" panose="020B0604030504040204" pitchFamily="34" charset="-128"/>
-              </a:rPr>
-              <a:t>い</a:t>
-            </a:r>
-            <a:r>
-              <a:rPr lang="zh-HK" altLang="en-US" sz="1200" dirty="0">
+                <a:latin typeface=".AppleSystemUIFont"/>
+              </a:rPr>
+              <a:t>いので、</a:t>
+            </a:r>
+            <a:r>
+              <a:rPr lang="zh-HK" altLang="en-US" dirty="0">
+                <a:solidFill>
+                  <a:srgbClr val="0E0E0E"/>
+                </a:solidFill>
                 <a:effectLst/>
-                <a:latin typeface="Meiryo UI" panose="020B0604030504040204" pitchFamily="34" charset="-128"/>
-                <a:ea typeface="Meiryo UI" panose="020B0604030504040204" pitchFamily="34" charset="-128"/>
-              </a:rPr>
-              <a:t>傾向</a:t>
-            </a:r>
-            <a:r>
-              <a:rPr lang="ja-JP" altLang="en-US" sz="1200">
+                <a:latin typeface=".AppleSystemUIFont"/>
+              </a:rPr>
+              <a:t>今回</a:t>
+            </a:r>
+            <a:r>
+              <a:rPr lang="ja-JP" altLang="en-US">
+                <a:solidFill>
+                  <a:srgbClr val="0E0E0E"/>
+                </a:solidFill>
                 <a:effectLst/>
-                <a:latin typeface="Meiryo UI" panose="020B0604030504040204" pitchFamily="34" charset="-128"/>
-                <a:ea typeface="Meiryo UI" panose="020B0604030504040204" pitchFamily="34" charset="-128"/>
-              </a:rPr>
-              <a:t>があるため、より</a:t>
-            </a:r>
-            <a:r>
-              <a:rPr lang="zh-HK" altLang="en-US" sz="1200" dirty="0">
+                <a:latin typeface=".AppleSystemUIFont"/>
+              </a:rPr>
+              <a:t>はもっと</a:t>
+            </a:r>
+            <a:r>
+              <a:rPr lang="zh-HK" altLang="en-US" dirty="0">
+                <a:solidFill>
+                  <a:srgbClr val="0E0E0E"/>
+                </a:solidFill>
                 <a:effectLst/>
-                <a:latin typeface="Meiryo UI" panose="020B0604030504040204" pitchFamily="34" charset="-128"/>
-                <a:ea typeface="Meiryo UI" panose="020B0604030504040204" pitchFamily="34" charset="-128"/>
-              </a:rPr>
-              <a:t>高速</a:t>
-            </a:r>
-            <a:r>
-              <a:rPr lang="ja-JP" altLang="en-US" sz="1200">
+                <a:latin typeface=".AppleSystemUIFont"/>
+              </a:rPr>
+              <a:t>速</a:t>
+            </a:r>
+            <a:r>
+              <a:rPr lang="ja-JP" altLang="en-US">
+                <a:solidFill>
+                  <a:srgbClr val="0E0E0E"/>
+                </a:solidFill>
                 <a:effectLst/>
-                <a:latin typeface="Meiryo UI" panose="020B0604030504040204" pitchFamily="34" charset="-128"/>
-                <a:ea typeface="Meiryo UI" panose="020B0604030504040204" pitchFamily="34" charset="-128"/>
-              </a:rPr>
-              <a:t>で</a:t>
-            </a:r>
-            <a:r>
-              <a:rPr lang="zh-HK" altLang="en-US" sz="1200" dirty="0">
+                <a:latin typeface=".AppleSystemUIFont"/>
+              </a:rPr>
+              <a:t>くて</a:t>
+            </a:r>
+            <a:r>
+              <a:rPr lang="zh-HK" altLang="en-US" dirty="0">
+                <a:solidFill>
+                  <a:srgbClr val="0E0E0E"/>
+                </a:solidFill>
                 <a:effectLst/>
-                <a:latin typeface="Meiryo UI" panose="020B0604030504040204" pitchFamily="34" charset="-128"/>
-                <a:ea typeface="Meiryo UI" panose="020B0604030504040204" pitchFamily="34" charset="-128"/>
-              </a:rPr>
-              <a:t>効率的</a:t>
-            </a:r>
-            <a:r>
-              <a:rPr lang="ja-JP" altLang="en-US" sz="1200">
+                <a:latin typeface=".AppleSystemUIFont"/>
+              </a:rPr>
+              <a:t>効率</a:t>
+            </a:r>
+            <a:r>
+              <a:rPr lang="ja-JP" altLang="en-US">
+                <a:solidFill>
+                  <a:srgbClr val="0E0E0E"/>
+                </a:solidFill>
                 <a:effectLst/>
-                <a:latin typeface="Meiryo UI" panose="020B0604030504040204" pitchFamily="34" charset="-128"/>
-                <a:ea typeface="Meiryo UI" panose="020B0604030504040204" pitchFamily="34" charset="-128"/>
-              </a:rPr>
-              <a:t>な</a:t>
-            </a:r>
-            <a:r>
-              <a:rPr lang="zh-HK" altLang="en-US" sz="1200" dirty="0">
+                <a:latin typeface=".AppleSystemUIFont"/>
+              </a:rPr>
+              <a:t>の</a:t>
+            </a:r>
+            <a:r>
+              <a:rPr lang="zh-HK" altLang="en-US" dirty="0">
+                <a:solidFill>
+                  <a:srgbClr val="0E0E0E"/>
+                </a:solidFill>
                 <a:effectLst/>
-                <a:latin typeface="Meiryo UI" panose="020B0604030504040204" pitchFamily="34" charset="-128"/>
-                <a:ea typeface="Meiryo UI" panose="020B0604030504040204" pitchFamily="34" charset="-128"/>
-              </a:rPr>
-              <a:t>次</a:t>
-            </a:r>
-            <a:r>
-              <a:rPr lang="ja-JP" altLang="en-US" sz="1200">
+                <a:latin typeface=".AppleSystemUIFont"/>
+              </a:rPr>
+              <a:t>良</a:t>
+            </a:r>
+            <a:r>
+              <a:rPr lang="ja-JP" altLang="en-US">
+                <a:solidFill>
+                  <a:srgbClr val="0E0E0E"/>
+                </a:solidFill>
                 <a:effectLst/>
-                <a:latin typeface="Meiryo UI" panose="020B0604030504040204" pitchFamily="34" charset="-128"/>
-                <a:ea typeface="Meiryo UI" panose="020B0604030504040204" pitchFamily="34" charset="-128"/>
-              </a:rPr>
-              <a:t>のハッシュ</a:t>
-            </a:r>
-            <a:r>
-              <a:rPr lang="zh-HK" altLang="en-US" sz="1200" dirty="0">
+                <a:latin typeface=".AppleSystemUIFont"/>
+              </a:rPr>
+              <a:t>いハッシュ</a:t>
+            </a:r>
+            <a:r>
+              <a:rPr lang="zh-HK" altLang="en-US" dirty="0">
+                <a:solidFill>
+                  <a:srgbClr val="0E0E0E"/>
+                </a:solidFill>
                 <a:effectLst/>
-                <a:latin typeface="Meiryo UI" panose="020B0604030504040204" pitchFamily="34" charset="-128"/>
-                <a:ea typeface="Meiryo UI" panose="020B0604030504040204" pitchFamily="34" charset="-128"/>
+                <a:latin typeface=".AppleSystemUIFont"/>
               </a:rPr>
               <a:t>関数</a:t>
             </a:r>
             <a:r>
-              <a:rPr lang="ja-JP" altLang="en-US" sz="1200">
+              <a:rPr lang="ja-JP" altLang="en-US">
+                <a:solidFill>
+                  <a:srgbClr val="0E0E0E"/>
+                </a:solidFill>
                 <a:effectLst/>
-                <a:latin typeface="Meiryo UI" panose="020B0604030504040204" pitchFamily="34" charset="-128"/>
-                <a:ea typeface="Meiryo UI" panose="020B0604030504040204" pitchFamily="34" charset="-128"/>
+                <a:latin typeface=".AppleSystemUIFont"/>
               </a:rPr>
               <a:t>に</a:t>
             </a:r>
             <a:r>
-              <a:rPr lang="zh-HK" altLang="en-US" sz="1200" dirty="0">
+              <a:rPr lang="zh-HK" altLang="en-US" dirty="0">
+                <a:solidFill>
+                  <a:srgbClr val="0E0E0E"/>
+                </a:solidFill>
                 <a:effectLst/>
-                <a:latin typeface="Meiryo UI" panose="020B0604030504040204" pitchFamily="34" charset="-128"/>
-                <a:ea typeface="Meiryo UI" panose="020B0604030504040204" pitchFamily="34" charset="-128"/>
+                <a:latin typeface=".AppleSystemUIFont"/>
               </a:rPr>
               <a:t>切</a:t>
             </a:r>
             <a:r>
-              <a:rPr lang="ja-JP" altLang="en-US" sz="1200">
+              <a:rPr lang="ja-JP" altLang="en-US">
+                <a:solidFill>
+                  <a:srgbClr val="0E0E0E"/>
+                </a:solidFill>
                 <a:effectLst/>
-                <a:latin typeface="Meiryo UI" panose="020B0604030504040204" pitchFamily="34" charset="-128"/>
-                <a:ea typeface="Meiryo UI" panose="020B0604030504040204" pitchFamily="34" charset="-128"/>
+                <a:latin typeface=".AppleSystemUIFont"/>
               </a:rPr>
               <a:t>り</a:t>
             </a:r>
             <a:r>
-              <a:rPr lang="zh-HK" altLang="en-US" sz="1200" dirty="0">
+              <a:rPr lang="zh-HK" altLang="en-US" dirty="0">
+                <a:solidFill>
+                  <a:srgbClr val="0E0E0E"/>
+                </a:solidFill>
                 <a:effectLst/>
-                <a:latin typeface="Meiryo UI" panose="020B0604030504040204" pitchFamily="34" charset="-128"/>
-                <a:ea typeface="Meiryo UI" panose="020B0604030504040204" pitchFamily="34" charset="-128"/>
+                <a:latin typeface=".AppleSystemUIFont"/>
               </a:rPr>
               <a:t>替</a:t>
             </a:r>
             <a:r>
-              <a:rPr lang="ja-JP" altLang="en-US" sz="1200">
+              <a:rPr lang="ja-JP" altLang="en-US">
+                <a:solidFill>
+                  <a:srgbClr val="0E0E0E"/>
+                </a:solidFill>
                 <a:effectLst/>
-                <a:latin typeface="Meiryo UI" panose="020B0604030504040204" pitchFamily="34" charset="-128"/>
-                <a:ea typeface="Meiryo UI" panose="020B0604030504040204" pitchFamily="34" charset="-128"/>
-              </a:rPr>
-              <a:t>えます</a:t>
-            </a:r>
-            <a:endParaRPr lang="zh-TW" altLang="en-US" dirty="0"/>
+                <a:latin typeface=".AppleSystemUIFont"/>
+              </a:rPr>
+              <a:t>えました。</a:t>
+            </a:r>
           </a:p>
         </p:txBody>
       </p:sp>
@@ -9513,220 +9824,6 @@
 </file>
 
 <file path=ppt/notesSlides/notesSlide3.xml><?xml version="1.0" encoding="utf-8"?>
-<p:notes xmlns:a="http://schemas.openxmlformats.org/drawingml/2006/main" xmlns:r="http://schemas.openxmlformats.org/officeDocument/2006/relationships" xmlns:p="http://schemas.openxmlformats.org/presentationml/2006/main">
-  <p:cSld>
-    <p:spTree>
-      <p:nvGrpSpPr>
-        <p:cNvPr id="1" name="">
-          <a:extLst>
-            <a:ext uri="{FF2B5EF4-FFF2-40B4-BE49-F238E27FC236}">
-              <a16:creationId xmlns:a16="http://schemas.microsoft.com/office/drawing/2014/main" id="{A08D51B8-0FAA-2470-CF6B-8EB5CA1693FC}"/>
-            </a:ext>
-          </a:extLst>
-        </p:cNvPr>
-        <p:cNvGrpSpPr/>
-        <p:nvPr/>
-      </p:nvGrpSpPr>
-      <p:grpSpPr>
-        <a:xfrm>
-          <a:off x="0" y="0"/>
-          <a:ext cx="0" cy="0"/>
-          <a:chOff x="0" y="0"/>
-          <a:chExt cx="0" cy="0"/>
-        </a:xfrm>
-      </p:grpSpPr>
-      <p:sp>
-        <p:nvSpPr>
-          <p:cNvPr id="2" name="投影片影像版面配置區 1">
-            <a:extLst>
-              <a:ext uri="{FF2B5EF4-FFF2-40B4-BE49-F238E27FC236}">
-                <a16:creationId xmlns:a16="http://schemas.microsoft.com/office/drawing/2014/main" id="{24381E50-5663-2CD8-3BB1-DE305B4DEFAA}"/>
-              </a:ext>
-            </a:extLst>
-          </p:cNvPr>
-          <p:cNvSpPr>
-            <a:spLocks noGrp="1" noRot="1" noChangeAspect="1"/>
-          </p:cNvSpPr>
-          <p:nvPr>
-            <p:ph type="sldImg"/>
-          </p:nvPr>
-        </p:nvSpPr>
-        <p:spPr/>
-      </p:sp>
-      <p:sp>
-        <p:nvSpPr>
-          <p:cNvPr id="3" name="備忘稿版面配置區 2">
-            <a:extLst>
-              <a:ext uri="{FF2B5EF4-FFF2-40B4-BE49-F238E27FC236}">
-                <a16:creationId xmlns:a16="http://schemas.microsoft.com/office/drawing/2014/main" id="{31878DC6-D46B-6766-5FE7-7B706569D1E9}"/>
-              </a:ext>
-            </a:extLst>
-          </p:cNvPr>
-          <p:cNvSpPr>
-            <a:spLocks noGrp="1"/>
-          </p:cNvSpPr>
-          <p:nvPr>
-            <p:ph type="body" idx="1"/>
-          </p:nvPr>
-        </p:nvSpPr>
-        <p:spPr/>
-        <p:txBody>
-          <a:bodyPr/>
-          <a:lstStyle/>
-          <a:p>
-            <a:pPr marL="0" marR="0" lvl="0" indent="0" algn="l" defTabSz="914400" rtl="0" eaLnBrk="1" fontAlgn="auto" latinLnBrk="0" hangingPunct="1">
-              <a:lnSpc>
-                <a:spcPct val="100000"/>
-              </a:lnSpc>
-              <a:spcBef>
-                <a:spcPts val="0"/>
-              </a:spcBef>
-              <a:spcAft>
-                <a:spcPts val="0"/>
-              </a:spcAft>
-              <a:buClrTx/>
-              <a:buSzTx/>
-              <a:buFontTx/>
-              <a:buNone/>
-              <a:tabLst/>
-              <a:defRPr/>
-            </a:pPr>
-            <a:r>
-              <a:rPr lang="en-US" altLang="zh-HK" sz="1200" b="1" dirty="0" err="1">
-                <a:solidFill>
-                  <a:schemeClr val="tx1">
-                    <a:lumMod val="95000"/>
-                  </a:schemeClr>
-                </a:solidFill>
-                <a:effectLst/>
-                <a:latin typeface="Meiryo UI" panose="020B0604030504040204" pitchFamily="34" charset="-128"/>
-                <a:ea typeface="Meiryo UI" panose="020B0604030504040204" pitchFamily="34" charset="-128"/>
-              </a:rPr>
-              <a:t>Vscode</a:t>
-            </a:r>
-            <a:r>
-              <a:rPr lang="zh-HK" altLang="en-US" sz="1200" b="1" dirty="0">
-                <a:solidFill>
-                  <a:schemeClr val="tx1">
-                    <a:lumMod val="95000"/>
-                  </a:schemeClr>
-                </a:solidFill>
-                <a:effectLst/>
-                <a:latin typeface="Meiryo UI" panose="020B0604030504040204" pitchFamily="34" charset="-128"/>
-                <a:ea typeface="Meiryo UI" panose="020B0604030504040204" pitchFamily="34" charset="-128"/>
-              </a:rPr>
-              <a:t>で実行する場合はデフォルトのコア数は１コアです。</a:t>
-            </a:r>
-            <a:r>
-              <a:rPr lang="en-US" altLang="zh-HK" sz="1200" b="1" dirty="0">
-                <a:solidFill>
-                  <a:schemeClr val="tx1">
-                    <a:lumMod val="95000"/>
-                  </a:schemeClr>
-                </a:solidFill>
-                <a:effectLst/>
-                <a:latin typeface="Meiryo UI" panose="020B0604030504040204" pitchFamily="34" charset="-128"/>
-                <a:ea typeface="Meiryo UI" panose="020B0604030504040204" pitchFamily="34" charset="-128"/>
-              </a:rPr>
-              <a:t> </a:t>
-            </a:r>
-            <a:br>
-              <a:rPr lang="en-US" altLang="zh-HK" sz="1200" b="1" dirty="0">
-                <a:solidFill>
-                  <a:schemeClr val="tx1">
-                    <a:lumMod val="95000"/>
-                  </a:schemeClr>
-                </a:solidFill>
-                <a:effectLst/>
-                <a:latin typeface="Meiryo UI" panose="020B0604030504040204" pitchFamily="34" charset="-128"/>
-                <a:ea typeface="Meiryo UI" panose="020B0604030504040204" pitchFamily="34" charset="-128"/>
-              </a:rPr>
-            </a:br>
-            <a:r>
-              <a:rPr lang="en-US" altLang="zh-HK" sz="1200" b="1" dirty="0">
-                <a:solidFill>
-                  <a:schemeClr val="tx1">
-                    <a:lumMod val="95000"/>
-                  </a:schemeClr>
-                </a:solidFill>
-                <a:effectLst/>
-                <a:latin typeface="Meiryo UI" panose="020B0604030504040204" pitchFamily="34" charset="-128"/>
-                <a:ea typeface="Meiryo UI" panose="020B0604030504040204" pitchFamily="34" charset="-128"/>
-              </a:rPr>
-              <a:t>GOMAXPROCS</a:t>
-            </a:r>
-            <a:r>
-              <a:rPr lang="zh-HK" altLang="en-US" sz="1200" b="1" dirty="0">
-                <a:solidFill>
-                  <a:schemeClr val="tx1">
-                    <a:lumMod val="95000"/>
-                  </a:schemeClr>
-                </a:solidFill>
-                <a:effectLst/>
-                <a:latin typeface="Meiryo UI" panose="020B0604030504040204" pitchFamily="34" charset="-128"/>
-                <a:ea typeface="Meiryo UI" panose="020B0604030504040204" pitchFamily="34" charset="-128"/>
-              </a:rPr>
-              <a:t>で４コアを設置してテストしました。</a:t>
-            </a:r>
-            <a:br>
-              <a:rPr lang="en-US" altLang="zh-HK" sz="1200" b="1" dirty="0">
-                <a:solidFill>
-                  <a:schemeClr val="tx1">
-                    <a:lumMod val="95000"/>
-                  </a:schemeClr>
-                </a:solidFill>
-                <a:effectLst/>
-                <a:latin typeface="Meiryo UI" panose="020B0604030504040204" pitchFamily="34" charset="-128"/>
-                <a:ea typeface="Meiryo UI" panose="020B0604030504040204" pitchFamily="34" charset="-128"/>
-              </a:rPr>
-            </a:br>
-            <a:endParaRPr lang="zh-TW" altLang="en-US" dirty="0"/>
-          </a:p>
-        </p:txBody>
-      </p:sp>
-      <p:sp>
-        <p:nvSpPr>
-          <p:cNvPr id="4" name="投影片編號版面配置區 3">
-            <a:extLst>
-              <a:ext uri="{FF2B5EF4-FFF2-40B4-BE49-F238E27FC236}">
-                <a16:creationId xmlns:a16="http://schemas.microsoft.com/office/drawing/2014/main" id="{1352DBC3-3A3E-7940-A84E-ABA34E6BED90}"/>
-              </a:ext>
-            </a:extLst>
-          </p:cNvPr>
-          <p:cNvSpPr>
-            <a:spLocks noGrp="1"/>
-          </p:cNvSpPr>
-          <p:nvPr>
-            <p:ph type="sldNum" sz="quarter" idx="5"/>
-          </p:nvPr>
-        </p:nvSpPr>
-        <p:spPr/>
-        <p:txBody>
-          <a:bodyPr/>
-          <a:lstStyle/>
-          <a:p>
-            <a:fld id="{8102099C-06F5-764E-8D8C-32B506B98079}" type="slidenum">
-              <a:rPr kumimoji="1" lang="zh-HK" altLang="en-US" smtClean="0"/>
-              <a:t>4</a:t>
-            </a:fld>
-            <a:endParaRPr kumimoji="1" lang="zh-HK" altLang="en-US"/>
-          </a:p>
-        </p:txBody>
-      </p:sp>
-    </p:spTree>
-    <p:extLst>
-      <p:ext uri="{BB962C8B-B14F-4D97-AF65-F5344CB8AC3E}">
-        <p14:creationId xmlns:p14="http://schemas.microsoft.com/office/powerpoint/2010/main" val="1801380329"/>
-      </p:ext>
-    </p:extLst>
-  </p:cSld>
-  <p:clrMapOvr>
-    <a:masterClrMapping/>
-  </p:clrMapOvr>
-</p:notes>
-</file>
-
-<file path=ppt/notesSlides/notesSlide4.xml><?xml version="1.0" encoding="utf-8"?>
 <p:notes xmlns:a="http://schemas.openxmlformats.org/drawingml/2006/main" xmlns:r="http://schemas.openxmlformats.org/officeDocument/2006/relationships" xmlns:p="http://schemas.openxmlformats.org/presentationml/2006/main">
   <p:cSld>
     <p:spTree>
@@ -9806,27 +9903,260 @@
               <a:defRPr/>
             </a:pPr>
             <a:r>
-              <a:rPr lang="zh-HK" altLang="en-US" sz="1200" dirty="0">
-                <a:latin typeface="Meiryo UI" panose="020B0604030504040204" pitchFamily="34" charset="-128"/>
-                <a:ea typeface="Meiryo UI" panose="020B0604030504040204" pitchFamily="34" charset="-128"/>
-              </a:rPr>
-              <a:t>ハッシュの基準は</a:t>
-            </a:r>
-            <a:r>
-              <a:rPr lang="en-US" altLang="zh-HK" sz="1200" dirty="0">
-                <a:latin typeface="Meiryo UI" panose="020B0604030504040204" pitchFamily="34" charset="-128"/>
-                <a:ea typeface="Meiryo UI" panose="020B0604030504040204" pitchFamily="34" charset="-128"/>
-              </a:rPr>
-              <a:t>256bit</a:t>
-            </a:r>
-            <a:r>
-              <a:rPr lang="zh-HK" altLang="en-US" sz="1200" dirty="0">
-                <a:latin typeface="Meiryo UI" panose="020B0604030504040204" pitchFamily="34" charset="-128"/>
-                <a:ea typeface="Meiryo UI" panose="020B0604030504040204" pitchFamily="34" charset="-128"/>
+              <a:rPr lang="ja-JP" altLang="en-US">
+                <a:solidFill>
+                  <a:srgbClr val="0E0E0E"/>
+                </a:solidFill>
+                <a:effectLst/>
+                <a:latin typeface=".AppleSystemUIFont"/>
+              </a:rPr>
+              <a:t>テストの時に、ハッシュ</a:t>
+            </a:r>
+            <a:r>
+              <a:rPr lang="zh-HK" altLang="en-US" dirty="0">
+                <a:solidFill>
+                  <a:srgbClr val="0E0E0E"/>
+                </a:solidFill>
+                <a:effectLst/>
+                <a:latin typeface=".AppleSystemUIFont"/>
+              </a:rPr>
+              <a:t>基準</a:t>
+            </a:r>
+            <a:r>
+              <a:rPr lang="ja-JP" altLang="en-US">
+                <a:solidFill>
+                  <a:srgbClr val="0E0E0E"/>
+                </a:solidFill>
+                <a:effectLst/>
+                <a:latin typeface=".AppleSystemUIFont"/>
+              </a:rPr>
+              <a:t>は</a:t>
+            </a:r>
+            <a:r>
+              <a:rPr lang="en-US" altLang="ja-JP" dirty="0">
+                <a:solidFill>
+                  <a:srgbClr val="0E0E0E"/>
+                </a:solidFill>
+                <a:effectLst/>
+                <a:latin typeface=".AppleSystemUIFont"/>
+              </a:rPr>
+              <a:t>256</a:t>
+            </a:r>
+            <a:r>
+              <a:rPr lang="en-US" dirty="0">
+                <a:solidFill>
+                  <a:srgbClr val="0E0E0E"/>
+                </a:solidFill>
+                <a:effectLst/>
+                <a:latin typeface=".AppleSystemUIFont"/>
+              </a:rPr>
+              <a:t>bit</a:t>
+            </a:r>
+            <a:r>
+              <a:rPr lang="ja-JP" altLang="en-US">
+                <a:solidFill>
+                  <a:srgbClr val="0E0E0E"/>
+                </a:solidFill>
+                <a:effectLst/>
+                <a:latin typeface=".AppleSystemUIFont"/>
               </a:rPr>
               <a:t>です。</a:t>
             </a:r>
-            <a:endParaRPr lang="zh-TW" altLang="en-US" dirty="0"/>
+            <a:br>
+              <a:rPr lang="en-US" altLang="ja-JP" dirty="0">
+                <a:solidFill>
+                  <a:srgbClr val="0E0E0E"/>
+                </a:solidFill>
+                <a:effectLst/>
+                <a:latin typeface=".AppleSystemUIFont"/>
+              </a:rPr>
+            </a:br>
+            <a:r>
+              <a:rPr lang="ja-JP" altLang="en-US">
+                <a:solidFill>
+                  <a:srgbClr val="0E0E0E"/>
+                </a:solidFill>
+                <a:effectLst/>
+                <a:latin typeface=".AppleSystemUIFont"/>
+              </a:rPr>
+              <a:t>ただし、ファームハッシュ、マーマースリーハッシュ、エックスエックスハッシュは</a:t>
+            </a:r>
+            <a:r>
+              <a:rPr lang="en-US" altLang="ja-JP" dirty="0">
+                <a:solidFill>
+                  <a:srgbClr val="0E0E0E"/>
+                </a:solidFill>
+                <a:effectLst/>
+                <a:latin typeface=".AppleSystemUIFont"/>
+              </a:rPr>
+              <a:t>256</a:t>
+            </a:r>
+            <a:r>
+              <a:rPr lang="en-US" dirty="0">
+                <a:solidFill>
+                  <a:srgbClr val="0E0E0E"/>
+                </a:solidFill>
+                <a:effectLst/>
+                <a:latin typeface=".AppleSystemUIFont"/>
+              </a:rPr>
+              <a:t>bit</a:t>
+            </a:r>
+            <a:r>
+              <a:rPr lang="ja-JP" altLang="en-US">
+                <a:solidFill>
+                  <a:srgbClr val="0E0E0E"/>
+                </a:solidFill>
+                <a:effectLst/>
+                <a:latin typeface=".AppleSystemUIFont"/>
+              </a:rPr>
+              <a:t>に</a:t>
+            </a:r>
+            <a:r>
+              <a:rPr lang="zh-HK" altLang="en-US" dirty="0">
+                <a:solidFill>
+                  <a:srgbClr val="0E0E0E"/>
+                </a:solidFill>
+                <a:effectLst/>
+                <a:latin typeface=".AppleSystemUIFont"/>
+              </a:rPr>
+              <a:t>対応</a:t>
+            </a:r>
+            <a:r>
+              <a:rPr lang="ja-JP" altLang="en-US">
+                <a:solidFill>
+                  <a:srgbClr val="0E0E0E"/>
+                </a:solidFill>
+                <a:effectLst/>
+                <a:latin typeface=".AppleSystemUIFont"/>
+              </a:rPr>
+              <a:t>していないので</a:t>
+            </a:r>
+            <a:br>
+              <a:rPr lang="en-US" altLang="ja-JP" dirty="0">
+                <a:solidFill>
+                  <a:srgbClr val="0E0E0E"/>
+                </a:solidFill>
+                <a:effectLst/>
+                <a:latin typeface=".AppleSystemUIFont"/>
+              </a:rPr>
+            </a:br>
+            <a:r>
+              <a:rPr lang="ja-JP" altLang="en-US">
+                <a:solidFill>
+                  <a:srgbClr val="0E0E0E"/>
+                </a:solidFill>
+                <a:effectLst/>
+                <a:latin typeface=".AppleSystemUIFont"/>
+              </a:rPr>
+              <a:t>ハッシュ値を計算して、</a:t>
+            </a:r>
+            <a:r>
+              <a:rPr lang="zh-HK" altLang="en-US" dirty="0">
+                <a:solidFill>
+                  <a:srgbClr val="0E0E0E"/>
+                </a:solidFill>
+                <a:effectLst/>
+                <a:latin typeface=".AppleSystemUIFont"/>
+              </a:rPr>
+              <a:t>手動</a:t>
+            </a:r>
+            <a:r>
+              <a:rPr lang="ja-JP" altLang="en-US">
+                <a:solidFill>
+                  <a:srgbClr val="0E0E0E"/>
+                </a:solidFill>
+                <a:effectLst/>
+                <a:latin typeface=".AppleSystemUIFont"/>
+              </a:rPr>
+              <a:t>でハッシュを</a:t>
+            </a:r>
+            <a:r>
+              <a:rPr lang="zh-HK" altLang="en-US" dirty="0">
+                <a:solidFill>
+                  <a:srgbClr val="0E0E0E"/>
+                </a:solidFill>
+                <a:effectLst/>
+                <a:latin typeface=".AppleSystemUIFont"/>
+              </a:rPr>
+              <a:t>組</a:t>
+            </a:r>
+            <a:r>
+              <a:rPr lang="ja-JP" altLang="en-US">
+                <a:solidFill>
+                  <a:srgbClr val="0E0E0E"/>
+                </a:solidFill>
+                <a:effectLst/>
+                <a:latin typeface=".AppleSystemUIFont"/>
+              </a:rPr>
+              <a:t>み</a:t>
+            </a:r>
+            <a:r>
+              <a:rPr lang="zh-HK" altLang="en-US" dirty="0">
+                <a:solidFill>
+                  <a:srgbClr val="0E0E0E"/>
+                </a:solidFill>
+                <a:effectLst/>
+                <a:latin typeface=".AppleSystemUIFont"/>
+              </a:rPr>
+              <a:t>合</a:t>
+            </a:r>
+            <a:r>
+              <a:rPr lang="ja-JP" altLang="en-US">
+                <a:solidFill>
+                  <a:srgbClr val="0E0E0E"/>
+                </a:solidFill>
+                <a:effectLst/>
+                <a:latin typeface=".AppleSystemUIFont"/>
+              </a:rPr>
+              <a:t>わせて </a:t>
+            </a:r>
+            <a:r>
+              <a:rPr lang="en-US" altLang="ja-JP" dirty="0">
+                <a:solidFill>
+                  <a:srgbClr val="0E0E0E"/>
+                </a:solidFill>
+                <a:effectLst/>
+                <a:latin typeface=".AppleSystemUIFont"/>
+              </a:rPr>
+              <a:t>256 </a:t>
+            </a:r>
+            <a:r>
+              <a:rPr lang="ja-JP" altLang="en-US">
+                <a:solidFill>
+                  <a:srgbClr val="0E0E0E"/>
+                </a:solidFill>
+                <a:effectLst/>
+                <a:latin typeface=".AppleSystemUIFont"/>
+              </a:rPr>
+              <a:t>ビットのハッシュ</a:t>
+            </a:r>
+            <a:r>
+              <a:rPr lang="zh-HK" altLang="en-US" dirty="0">
+                <a:solidFill>
+                  <a:srgbClr val="0E0E0E"/>
+                </a:solidFill>
+                <a:effectLst/>
+                <a:latin typeface=".AppleSystemUIFont"/>
+              </a:rPr>
+              <a:t>値</a:t>
+            </a:r>
+            <a:r>
+              <a:rPr lang="ja-JP" altLang="en-US">
+                <a:solidFill>
+                  <a:srgbClr val="0E0E0E"/>
+                </a:solidFill>
+                <a:effectLst/>
+                <a:latin typeface=".AppleSystemUIFont"/>
+              </a:rPr>
+              <a:t>を作ります。</a:t>
+            </a:r>
+            <a:endParaRPr lang="zh-HK" altLang="en-US" dirty="0">
+              <a:solidFill>
+                <a:srgbClr val="0E0E0E"/>
+              </a:solidFill>
+              <a:effectLst/>
+              <a:latin typeface=".AppleSystemUIFont"/>
+            </a:endParaRPr>
           </a:p>
         </p:txBody>
       </p:sp>
@@ -9853,6 +10183,233 @@
           <a:p>
             <a:fld id="{8102099C-06F5-764E-8D8C-32B506B98079}" type="slidenum">
               <a:rPr kumimoji="1" lang="zh-HK" altLang="en-US" smtClean="0"/>
+              <a:t>4</a:t>
+            </a:fld>
+            <a:endParaRPr kumimoji="1" lang="zh-HK" altLang="en-US"/>
+          </a:p>
+        </p:txBody>
+      </p:sp>
+    </p:spTree>
+    <p:extLst>
+      <p:ext uri="{BB962C8B-B14F-4D97-AF65-F5344CB8AC3E}">
+        <p14:creationId xmlns:p14="http://schemas.microsoft.com/office/powerpoint/2010/main" val="127845793"/>
+      </p:ext>
+    </p:extLst>
+  </p:cSld>
+  <p:clrMapOvr>
+    <a:masterClrMapping/>
+  </p:clrMapOvr>
+</p:notes>
+</file>
+
+<file path=ppt/notesSlides/notesSlide4.xml><?xml version="1.0" encoding="utf-8"?>
+<p:notes xmlns:a="http://schemas.openxmlformats.org/drawingml/2006/main" xmlns:r="http://schemas.openxmlformats.org/officeDocument/2006/relationships" xmlns:p="http://schemas.openxmlformats.org/presentationml/2006/main">
+  <p:cSld>
+    <p:spTree>
+      <p:nvGrpSpPr>
+        <p:cNvPr id="1" name="">
+          <a:extLst>
+            <a:ext uri="{FF2B5EF4-FFF2-40B4-BE49-F238E27FC236}">
+              <a16:creationId xmlns:a16="http://schemas.microsoft.com/office/drawing/2014/main" id="{A08D51B8-0FAA-2470-CF6B-8EB5CA1693FC}"/>
+            </a:ext>
+          </a:extLst>
+        </p:cNvPr>
+        <p:cNvGrpSpPr/>
+        <p:nvPr/>
+      </p:nvGrpSpPr>
+      <p:grpSpPr>
+        <a:xfrm>
+          <a:off x="0" y="0"/>
+          <a:ext cx="0" cy="0"/>
+          <a:chOff x="0" y="0"/>
+          <a:chExt cx="0" cy="0"/>
+        </a:xfrm>
+      </p:grpSpPr>
+      <p:sp>
+        <p:nvSpPr>
+          <p:cNvPr id="2" name="投影片影像版面配置區 1">
+            <a:extLst>
+              <a:ext uri="{FF2B5EF4-FFF2-40B4-BE49-F238E27FC236}">
+                <a16:creationId xmlns:a16="http://schemas.microsoft.com/office/drawing/2014/main" id="{24381E50-5663-2CD8-3BB1-DE305B4DEFAA}"/>
+              </a:ext>
+            </a:extLst>
+          </p:cNvPr>
+          <p:cNvSpPr>
+            <a:spLocks noGrp="1" noRot="1" noChangeAspect="1"/>
+          </p:cNvSpPr>
+          <p:nvPr>
+            <p:ph type="sldImg"/>
+          </p:nvPr>
+        </p:nvSpPr>
+        <p:spPr/>
+      </p:sp>
+      <p:sp>
+        <p:nvSpPr>
+          <p:cNvPr id="3" name="備忘稿版面配置區 2">
+            <a:extLst>
+              <a:ext uri="{FF2B5EF4-FFF2-40B4-BE49-F238E27FC236}">
+                <a16:creationId xmlns:a16="http://schemas.microsoft.com/office/drawing/2014/main" id="{31878DC6-D46B-6766-5FE7-7B706569D1E9}"/>
+              </a:ext>
+            </a:extLst>
+          </p:cNvPr>
+          <p:cNvSpPr>
+            <a:spLocks noGrp="1"/>
+          </p:cNvSpPr>
+          <p:nvPr>
+            <p:ph type="body" idx="1"/>
+          </p:nvPr>
+        </p:nvSpPr>
+        <p:spPr/>
+        <p:txBody>
+          <a:bodyPr/>
+          <a:lstStyle/>
+          <a:p>
+            <a:r>
+              <a:rPr lang="en-US" dirty="0" err="1">
+                <a:solidFill>
+                  <a:srgbClr val="0E0E0E"/>
+                </a:solidFill>
+                <a:effectLst/>
+                <a:latin typeface=".AppleSystemUIFont"/>
+              </a:rPr>
+              <a:t>VSCode</a:t>
+            </a:r>
+            <a:r>
+              <a:rPr lang="ja-JP" altLang="en-US">
+                <a:solidFill>
+                  <a:srgbClr val="0E0E0E"/>
+                </a:solidFill>
+                <a:effectLst/>
+                <a:latin typeface=".AppleSystemUIFont"/>
+              </a:rPr>
+              <a:t>で</a:t>
+            </a:r>
+            <a:r>
+              <a:rPr lang="zh-HK" altLang="en-US" dirty="0">
+                <a:solidFill>
+                  <a:srgbClr val="0E0E0E"/>
+                </a:solidFill>
+                <a:effectLst/>
+                <a:latin typeface=".AppleSystemUIFont"/>
+              </a:rPr>
+              <a:t>実行</a:t>
+            </a:r>
+            <a:r>
+              <a:rPr lang="ja-JP" altLang="en-US">
+                <a:solidFill>
+                  <a:srgbClr val="0E0E0E"/>
+                </a:solidFill>
+                <a:effectLst/>
+                <a:latin typeface=".AppleSystemUIFont"/>
+              </a:rPr>
+              <a:t>すると、デフォルトは</a:t>
+            </a:r>
+            <a:r>
+              <a:rPr lang="en-US" altLang="ja-JP" dirty="0">
+                <a:solidFill>
+                  <a:srgbClr val="0E0E0E"/>
+                </a:solidFill>
+                <a:effectLst/>
+                <a:latin typeface=".AppleSystemUIFont"/>
+              </a:rPr>
+              <a:t>1</a:t>
+            </a:r>
+            <a:r>
+              <a:rPr lang="ja-JP" altLang="en-US">
+                <a:solidFill>
+                  <a:srgbClr val="0E0E0E"/>
+                </a:solidFill>
+                <a:effectLst/>
+                <a:latin typeface=".AppleSystemUIFont"/>
+              </a:rPr>
+              <a:t>コアです。</a:t>
+            </a:r>
+            <a:r>
+              <a:rPr lang="en-US" dirty="0">
+                <a:solidFill>
+                  <a:srgbClr val="0E0E0E"/>
+                </a:solidFill>
+                <a:effectLst/>
+                <a:latin typeface=".AppleSystemUIFont"/>
+              </a:rPr>
+              <a:t>GOMAXPROCS</a:t>
+            </a:r>
+            <a:r>
+              <a:rPr lang="ja-JP" altLang="en-US">
+                <a:solidFill>
+                  <a:srgbClr val="0E0E0E"/>
+                </a:solidFill>
+                <a:effectLst/>
+                <a:latin typeface=".AppleSystemUIFont"/>
+              </a:rPr>
+              <a:t>で</a:t>
+            </a:r>
+            <a:r>
+              <a:rPr lang="en-US" altLang="ja-JP" dirty="0">
+                <a:solidFill>
+                  <a:srgbClr val="0E0E0E"/>
+                </a:solidFill>
+                <a:effectLst/>
+                <a:latin typeface=".AppleSystemUIFont"/>
+              </a:rPr>
+              <a:t>4</a:t>
+            </a:r>
+            <a:r>
+              <a:rPr lang="ja-JP" altLang="en-US">
+                <a:solidFill>
+                  <a:srgbClr val="0E0E0E"/>
+                </a:solidFill>
+                <a:effectLst/>
+                <a:latin typeface=".AppleSystemUIFont"/>
+              </a:rPr>
+              <a:t>コアに</a:t>
+            </a:r>
+            <a:r>
+              <a:rPr lang="zh-HK" altLang="en-US" dirty="0">
+                <a:solidFill>
+                  <a:srgbClr val="0E0E0E"/>
+                </a:solidFill>
+                <a:effectLst/>
+                <a:latin typeface=".AppleSystemUIFont"/>
+              </a:rPr>
+              <a:t>設定</a:t>
+            </a:r>
+            <a:r>
+              <a:rPr lang="ja-JP" altLang="en-US">
+                <a:solidFill>
+                  <a:srgbClr val="0E0E0E"/>
+                </a:solidFill>
+                <a:effectLst/>
+                <a:latin typeface=".AppleSystemUIFont"/>
+              </a:rPr>
+              <a:t>し、テストしました。</a:t>
+            </a:r>
+          </a:p>
+        </p:txBody>
+      </p:sp>
+      <p:sp>
+        <p:nvSpPr>
+          <p:cNvPr id="4" name="投影片編號版面配置區 3">
+            <a:extLst>
+              <a:ext uri="{FF2B5EF4-FFF2-40B4-BE49-F238E27FC236}">
+                <a16:creationId xmlns:a16="http://schemas.microsoft.com/office/drawing/2014/main" id="{1352DBC3-3A3E-7940-A84E-ABA34E6BED90}"/>
+              </a:ext>
+            </a:extLst>
+          </p:cNvPr>
+          <p:cNvSpPr>
+            <a:spLocks noGrp="1"/>
+          </p:cNvSpPr>
+          <p:nvPr>
+            <p:ph type="sldNum" sz="quarter" idx="5"/>
+          </p:nvPr>
+        </p:nvSpPr>
+        <p:spPr/>
+        <p:txBody>
+          <a:bodyPr/>
+          <a:lstStyle/>
+          <a:p>
+            <a:fld id="{8102099C-06F5-764E-8D8C-32B506B98079}" type="slidenum">
+              <a:rPr kumimoji="1" lang="zh-HK" altLang="en-US" smtClean="0"/>
               <a:t>5</a:t>
             </a:fld>
             <a:endParaRPr kumimoji="1" lang="zh-HK" altLang="en-US"/>
@@ -9862,7 +10419,7 @@
     </p:spTree>
     <p:extLst>
       <p:ext uri="{BB962C8B-B14F-4D97-AF65-F5344CB8AC3E}">
-        <p14:creationId xmlns:p14="http://schemas.microsoft.com/office/powerpoint/2010/main" val="127845793"/>
+        <p14:creationId xmlns:p14="http://schemas.microsoft.com/office/powerpoint/2010/main" val="1801380329"/>
       </p:ext>
     </p:extLst>
   </p:cSld>
@@ -9934,24 +10491,275 @@
           <a:bodyPr/>
           <a:lstStyle/>
           <a:p>
-            <a:pPr marL="0" marR="0" lvl="0" indent="0" algn="l" defTabSz="914400" rtl="0" eaLnBrk="1" fontAlgn="auto" latinLnBrk="0" hangingPunct="1">
-              <a:lnSpc>
-                <a:spcPct val="100000"/>
-              </a:lnSpc>
-              <a:spcBef>
-                <a:spcPts val="0"/>
-              </a:spcBef>
-              <a:spcAft>
-                <a:spcPts val="0"/>
-              </a:spcAft>
-              <a:buClrTx/>
-              <a:buSzTx/>
-              <a:buFontTx/>
-              <a:buNone/>
-              <a:tabLst/>
-              <a:defRPr/>
-            </a:pPr>
-            <a:endParaRPr lang="zh-TW" altLang="en-US" dirty="0"/>
+            <a:r>
+              <a:rPr lang="en-US" altLang="ja-JP" dirty="0">
+                <a:solidFill>
+                  <a:srgbClr val="0E0E0E"/>
+                </a:solidFill>
+                <a:effectLst/>
+                <a:latin typeface=".AppleSystemUIFont"/>
+              </a:rPr>
+              <a:t>1</a:t>
+            </a:r>
+            <a:r>
+              <a:rPr lang="ja-JP" altLang="en-US">
+                <a:solidFill>
+                  <a:srgbClr val="0E0E0E"/>
+                </a:solidFill>
+                <a:effectLst/>
+                <a:latin typeface=".AppleSystemUIFont"/>
+              </a:rPr>
+              <a:t>コアで</a:t>
+            </a:r>
+            <a:r>
+              <a:rPr lang="zh-HK" altLang="en-US" dirty="0">
+                <a:solidFill>
+                  <a:srgbClr val="0E0E0E"/>
+                </a:solidFill>
+                <a:effectLst/>
+                <a:latin typeface=".AppleSystemUIFont"/>
+              </a:rPr>
+              <a:t>実行</a:t>
+            </a:r>
+            <a:r>
+              <a:rPr lang="ja-JP" altLang="en-US">
+                <a:solidFill>
+                  <a:srgbClr val="0E0E0E"/>
+                </a:solidFill>
+                <a:effectLst/>
+                <a:latin typeface=".AppleSystemUIFont"/>
+              </a:rPr>
+              <a:t>した結果です。</a:t>
+            </a:r>
+            <a:br>
+              <a:rPr lang="en-US" altLang="ja-JP" dirty="0">
+                <a:solidFill>
+                  <a:srgbClr val="0E0E0E"/>
+                </a:solidFill>
+                <a:effectLst/>
+                <a:latin typeface=".AppleSystemUIFont"/>
+              </a:rPr>
+            </a:br>
+            <a:r>
+              <a:rPr lang="zh-HK" altLang="en-US" dirty="0">
+                <a:solidFill>
+                  <a:srgbClr val="0E0E0E"/>
+                </a:solidFill>
+                <a:effectLst/>
+                <a:latin typeface=".AppleSystemUIFont"/>
+              </a:rPr>
+              <a:t>結果</a:t>
+            </a:r>
+            <a:r>
+              <a:rPr lang="zh-HK" altLang="en-JP" dirty="0">
+                <a:solidFill>
+                  <a:srgbClr val="0E0E0E"/>
+                </a:solidFill>
+                <a:effectLst/>
+                <a:latin typeface=".AppleSystemUIFont"/>
+              </a:rPr>
+              <a:t>から</a:t>
+            </a:r>
+            <a:r>
+              <a:rPr lang="zh-HK" altLang="en-US" dirty="0">
+                <a:solidFill>
+                  <a:srgbClr val="0E0E0E"/>
+                </a:solidFill>
+                <a:effectLst/>
+                <a:latin typeface=".AppleSystemUIFont"/>
+              </a:rPr>
+              <a:t>見ると、</a:t>
+            </a:r>
+            <a:r>
+              <a:rPr lang="en-US" altLang="zh-HK" dirty="0">
+                <a:solidFill>
+                  <a:srgbClr val="0E0E0E"/>
+                </a:solidFill>
+                <a:effectLst/>
+                <a:latin typeface=".AppleSystemUIFont"/>
+              </a:rPr>
+              <a:t>1</a:t>
+            </a:r>
+            <a:r>
+              <a:rPr lang="en-US" altLang="ja-JP" dirty="0">
+                <a:solidFill>
+                  <a:srgbClr val="0E0E0E"/>
+                </a:solidFill>
+                <a:effectLst/>
+                <a:latin typeface=".AppleSystemUIFont"/>
+              </a:rPr>
+              <a:t>MB</a:t>
+            </a:r>
+            <a:r>
+              <a:rPr lang="zh-HK" altLang="en-US" dirty="0">
+                <a:solidFill>
+                  <a:srgbClr val="0E0E0E"/>
+                </a:solidFill>
+                <a:effectLst/>
+                <a:latin typeface=".AppleSystemUIFont"/>
+              </a:rPr>
+              <a:t>以下</a:t>
+            </a:r>
+            <a:r>
+              <a:rPr lang="ja-JP" altLang="en-US">
+                <a:solidFill>
+                  <a:srgbClr val="0E0E0E"/>
+                </a:solidFill>
+                <a:effectLst/>
+                <a:latin typeface=".AppleSystemUIFont"/>
+              </a:rPr>
+              <a:t>のファイルでは</a:t>
+            </a:r>
+            <a:r>
+              <a:rPr lang="zh-HK" altLang="en-US" dirty="0">
+                <a:solidFill>
+                  <a:srgbClr val="0E0E0E"/>
+                </a:solidFill>
+                <a:effectLst/>
+                <a:latin typeface=".AppleSystemUIFont"/>
+              </a:rPr>
+              <a:t>処理時間</a:t>
+            </a:r>
+            <a:r>
+              <a:rPr lang="ja-JP" altLang="en-US">
+                <a:solidFill>
+                  <a:srgbClr val="0E0E0E"/>
+                </a:solidFill>
+                <a:effectLst/>
+                <a:latin typeface=".AppleSystemUIFont"/>
+              </a:rPr>
+              <a:t>の</a:t>
+            </a:r>
+            <a:r>
+              <a:rPr lang="zh-HK" altLang="en-US" dirty="0">
+                <a:solidFill>
+                  <a:srgbClr val="0E0E0E"/>
+                </a:solidFill>
+                <a:effectLst/>
+                <a:latin typeface=".AppleSystemUIFont"/>
+              </a:rPr>
+              <a:t>差</a:t>
+            </a:r>
+            <a:r>
+              <a:rPr lang="ja-JP" altLang="en-US">
+                <a:solidFill>
+                  <a:srgbClr val="0E0E0E"/>
+                </a:solidFill>
+                <a:effectLst/>
+                <a:latin typeface=".AppleSystemUIFont"/>
+              </a:rPr>
+              <a:t>は</a:t>
+            </a:r>
+            <a:r>
+              <a:rPr lang="zh-HK" altLang="en-US" dirty="0">
+                <a:solidFill>
+                  <a:srgbClr val="0E0E0E"/>
+                </a:solidFill>
+                <a:effectLst/>
+                <a:latin typeface=".AppleSystemUIFont"/>
+              </a:rPr>
+              <a:t>小</a:t>
+            </a:r>
+            <a:r>
+              <a:rPr lang="ja-JP" altLang="en-US">
+                <a:solidFill>
+                  <a:srgbClr val="0E0E0E"/>
+                </a:solidFill>
+                <a:effectLst/>
+                <a:latin typeface=".AppleSystemUIFont"/>
+              </a:rPr>
+              <a:t>さいですが、</a:t>
+            </a:r>
+            <a:r>
+              <a:rPr lang="en-US" altLang="ja-JP" dirty="0">
+                <a:solidFill>
+                  <a:srgbClr val="0E0E0E"/>
+                </a:solidFill>
+                <a:effectLst/>
+                <a:latin typeface=".AppleSystemUIFont"/>
+              </a:rPr>
+              <a:t>1MB</a:t>
+            </a:r>
+            <a:r>
+              <a:rPr lang="zh-HK" altLang="en-US" dirty="0">
+                <a:solidFill>
+                  <a:srgbClr val="0E0E0E"/>
+                </a:solidFill>
+                <a:effectLst/>
+                <a:latin typeface=".AppleSystemUIFont"/>
+              </a:rPr>
+              <a:t>以上</a:t>
+            </a:r>
+            <a:r>
+              <a:rPr lang="ja-JP" altLang="en-US">
+                <a:solidFill>
+                  <a:srgbClr val="0E0E0E"/>
+                </a:solidFill>
+                <a:effectLst/>
+                <a:latin typeface=".AppleSystemUIFont"/>
+              </a:rPr>
+              <a:t>のファイルでは</a:t>
+            </a:r>
+            <a:r>
+              <a:rPr lang="en-US" altLang="ja-JP" dirty="0">
+                <a:solidFill>
+                  <a:srgbClr val="0E0E0E"/>
+                </a:solidFill>
+                <a:effectLst/>
+                <a:latin typeface=".AppleSystemUIFont"/>
+              </a:rPr>
+              <a:t>30</a:t>
+            </a:r>
+            <a:r>
+              <a:rPr lang="zh-HK" altLang="en-US" dirty="0">
+                <a:solidFill>
+                  <a:srgbClr val="0E0E0E"/>
+                </a:solidFill>
+                <a:effectLst/>
+                <a:latin typeface=".AppleSystemUIFont"/>
+              </a:rPr>
+              <a:t>分</a:t>
+            </a:r>
+            <a:r>
+              <a:rPr lang="ja-JP" altLang="en-US">
+                <a:solidFill>
+                  <a:srgbClr val="0E0E0E"/>
+                </a:solidFill>
+                <a:effectLst/>
+                <a:latin typeface=".AppleSystemUIFont"/>
+              </a:rPr>
+              <a:t>から</a:t>
+            </a:r>
+            <a:r>
+              <a:rPr lang="en-US" altLang="ja-JP" dirty="0">
+                <a:solidFill>
+                  <a:srgbClr val="0E0E0E"/>
+                </a:solidFill>
+                <a:effectLst/>
+                <a:latin typeface=".AppleSystemUIFont"/>
+              </a:rPr>
+              <a:t>1</a:t>
+            </a:r>
+            <a:r>
+              <a:rPr lang="zh-HK" altLang="en-US" dirty="0">
+                <a:solidFill>
+                  <a:srgbClr val="0E0E0E"/>
+                </a:solidFill>
+                <a:effectLst/>
+                <a:latin typeface=".AppleSystemUIFont"/>
+              </a:rPr>
+              <a:t>時間</a:t>
+            </a:r>
+            <a:r>
+              <a:rPr lang="ja-JP" altLang="en-US">
+                <a:solidFill>
+                  <a:srgbClr val="0E0E0E"/>
+                </a:solidFill>
+                <a:effectLst/>
+                <a:latin typeface=".AppleSystemUIFont"/>
+              </a:rPr>
+              <a:t>かかりました。</a:t>
+            </a:r>
           </a:p>
         </p:txBody>
       </p:sp>
@@ -10005,7 +10813,7 @@
         <p:cNvPr id="1" name="">
           <a:extLst>
             <a:ext uri="{FF2B5EF4-FFF2-40B4-BE49-F238E27FC236}">
-              <a16:creationId xmlns:a16="http://schemas.microsoft.com/office/drawing/2014/main" id="{3FA43425-E76C-F6BE-2035-E26B1932869D}"/>
+              <a16:creationId xmlns:a16="http://schemas.microsoft.com/office/drawing/2014/main" id="{A1711AF9-706D-F82E-6D79-607D4A84927F}"/>
             </a:ext>
           </a:extLst>
         </p:cNvPr>
@@ -10025,7 +10833,7 @@
           <p:cNvPr id="2" name="投影片影像版面配置區 1">
             <a:extLst>
               <a:ext uri="{FF2B5EF4-FFF2-40B4-BE49-F238E27FC236}">
-                <a16:creationId xmlns:a16="http://schemas.microsoft.com/office/drawing/2014/main" id="{FDBC5A0A-7241-5FC9-A154-928AD3B1A53A}"/>
+                <a16:creationId xmlns:a16="http://schemas.microsoft.com/office/drawing/2014/main" id="{013E8CC5-D8CF-8C80-3BAA-36994FC7C7EA}"/>
               </a:ext>
             </a:extLst>
           </p:cNvPr>
@@ -10043,7 +10851,7 @@
           <p:cNvPr id="3" name="備忘稿版面配置區 2">
             <a:extLst>
               <a:ext uri="{FF2B5EF4-FFF2-40B4-BE49-F238E27FC236}">
-                <a16:creationId xmlns:a16="http://schemas.microsoft.com/office/drawing/2014/main" id="{E4586822-FA56-20D0-2F35-049965FEB046}"/>
+                <a16:creationId xmlns:a16="http://schemas.microsoft.com/office/drawing/2014/main" id="{37358368-6024-A204-EEA8-85562605DAEA}"/>
               </a:ext>
             </a:extLst>
           </p:cNvPr>
@@ -10076,7 +10884,304 @@
               <a:tabLst/>
               <a:defRPr/>
             </a:pPr>
-            <a:endParaRPr lang="zh-TW" altLang="en-US" dirty="0"/>
+            <a:r>
+              <a:rPr lang="en-US" altLang="ja-JP" b="0" dirty="0">
+                <a:solidFill>
+                  <a:srgbClr val="0E0E0E"/>
+                </a:solidFill>
+                <a:effectLst/>
+                <a:latin typeface=".AppleSystemUIFont"/>
+              </a:rPr>
+              <a:t>4</a:t>
+            </a:r>
+            <a:r>
+              <a:rPr lang="ja-JP" altLang="en-US" b="0">
+                <a:solidFill>
+                  <a:srgbClr val="0E0E0E"/>
+                </a:solidFill>
+                <a:effectLst/>
+                <a:latin typeface=".AppleSystemUIFont"/>
+              </a:rPr>
+              <a:t>コアで</a:t>
+            </a:r>
+            <a:r>
+              <a:rPr lang="zh-HK" altLang="en-US" b="0" dirty="0">
+                <a:solidFill>
+                  <a:srgbClr val="0E0E0E"/>
+                </a:solidFill>
+                <a:effectLst/>
+                <a:latin typeface=".AppleSystemUIFont"/>
+              </a:rPr>
+              <a:t>実行</a:t>
+            </a:r>
+            <a:r>
+              <a:rPr lang="ja-JP" altLang="en-US" b="0">
+                <a:solidFill>
+                  <a:srgbClr val="0E0E0E"/>
+                </a:solidFill>
+                <a:effectLst/>
+                <a:latin typeface=".AppleSystemUIFont"/>
+              </a:rPr>
+              <a:t>した</a:t>
+            </a:r>
+            <a:r>
+              <a:rPr lang="zh-HK" altLang="en-US" b="0" dirty="0">
+                <a:solidFill>
+                  <a:srgbClr val="0E0E0E"/>
+                </a:solidFill>
+                <a:effectLst/>
+                <a:latin typeface=".AppleSystemUIFont"/>
+              </a:rPr>
+              <a:t>結果です</a:t>
+            </a:r>
+            <a:br>
+              <a:rPr lang="en-US" altLang="zh-HK" b="0" dirty="0">
+                <a:solidFill>
+                  <a:srgbClr val="0E0E0E"/>
+                </a:solidFill>
+                <a:effectLst/>
+                <a:latin typeface=".AppleSystemUIFont"/>
+              </a:rPr>
+            </a:br>
+            <a:r>
+              <a:rPr lang="zh-HK" altLang="en-US" b="0" dirty="0">
+                <a:solidFill>
+                  <a:srgbClr val="0E0E0E"/>
+                </a:solidFill>
+                <a:effectLst/>
+                <a:latin typeface=".AppleSystemUIFont"/>
+              </a:rPr>
+              <a:t>結果から見ると、並行処理</a:t>
+            </a:r>
+            <a:r>
+              <a:rPr lang="ja-JP" altLang="en-US" b="0">
+                <a:solidFill>
+                  <a:srgbClr val="0E0E0E"/>
+                </a:solidFill>
+                <a:effectLst/>
+                <a:latin typeface=".AppleSystemUIFont"/>
+              </a:rPr>
+              <a:t>で</a:t>
+            </a:r>
+            <a:r>
+              <a:rPr lang="zh-HK" altLang="en-US" b="0" dirty="0">
+                <a:solidFill>
+                  <a:srgbClr val="0E0E0E"/>
+                </a:solidFill>
+                <a:effectLst/>
+                <a:latin typeface=".AppleSystemUIFont"/>
+              </a:rPr>
+              <a:t>全体</a:t>
+            </a:r>
+            <a:r>
+              <a:rPr lang="ja-JP" altLang="en-US" b="0">
+                <a:solidFill>
+                  <a:srgbClr val="0E0E0E"/>
+                </a:solidFill>
+                <a:effectLst/>
+                <a:latin typeface=".AppleSystemUIFont"/>
+              </a:rPr>
+              <a:t>の</a:t>
+            </a:r>
+            <a:r>
+              <a:rPr lang="zh-HK" altLang="en-US" b="0" dirty="0">
+                <a:solidFill>
+                  <a:srgbClr val="0E0E0E"/>
+                </a:solidFill>
+                <a:effectLst/>
+                <a:latin typeface=".AppleSystemUIFont"/>
+              </a:rPr>
+              <a:t>処理時間</a:t>
+            </a:r>
+            <a:r>
+              <a:rPr lang="ja-JP" altLang="en-US" b="0">
+                <a:solidFill>
+                  <a:srgbClr val="0E0E0E"/>
+                </a:solidFill>
+                <a:effectLst/>
+                <a:latin typeface=".AppleSystemUIFont"/>
+              </a:rPr>
+              <a:t>が</a:t>
+            </a:r>
+            <a:r>
+              <a:rPr lang="zh-HK" altLang="en-US" b="0" dirty="0">
+                <a:solidFill>
+                  <a:srgbClr val="0E0E0E"/>
+                </a:solidFill>
+                <a:effectLst/>
+                <a:latin typeface=".AppleSystemUIFont"/>
+              </a:rPr>
+              <a:t>短縮（たんしゅく）</a:t>
+            </a:r>
+            <a:r>
+              <a:rPr lang="ja-JP" altLang="en-US" b="0">
+                <a:solidFill>
+                  <a:srgbClr val="0E0E0E"/>
+                </a:solidFill>
+                <a:effectLst/>
+                <a:latin typeface=".AppleSystemUIFont"/>
+              </a:rPr>
+              <a:t>されました。</a:t>
+            </a:r>
+            <a:br>
+              <a:rPr lang="en-US" altLang="ja-JP" b="0" dirty="0">
+                <a:solidFill>
+                  <a:srgbClr val="0E0E0E"/>
+                </a:solidFill>
+                <a:effectLst/>
+                <a:latin typeface=".AppleSystemUIFont"/>
+              </a:rPr>
+            </a:br>
+            <a:r>
+              <a:rPr lang="zh-HK" altLang="en-US" b="0" dirty="0">
+                <a:solidFill>
+                  <a:srgbClr val="0E0E0E"/>
+                </a:solidFill>
+                <a:effectLst/>
+                <a:latin typeface=".AppleSystemUIFont"/>
+              </a:rPr>
+              <a:t>特</a:t>
+            </a:r>
+            <a:r>
+              <a:rPr lang="ja-JP" altLang="en-US" b="0">
+                <a:solidFill>
+                  <a:srgbClr val="0E0E0E"/>
+                </a:solidFill>
+                <a:effectLst/>
+                <a:latin typeface=".AppleSystemUIFont"/>
+              </a:rPr>
+              <a:t>に、</a:t>
+            </a:r>
+            <a:r>
+              <a:rPr lang="en-US" altLang="ja-JP" b="0" dirty="0">
+                <a:solidFill>
+                  <a:srgbClr val="0E0E0E"/>
+                </a:solidFill>
+                <a:effectLst/>
+                <a:latin typeface=".AppleSystemUIFont"/>
+              </a:rPr>
+              <a:t>1MB</a:t>
+            </a:r>
+            <a:r>
+              <a:rPr lang="zh-HK" altLang="en-US" b="0" dirty="0">
+                <a:solidFill>
+                  <a:srgbClr val="0E0E0E"/>
+                </a:solidFill>
+                <a:effectLst/>
+                <a:latin typeface=".AppleSystemUIFont"/>
+              </a:rPr>
+              <a:t>以下</a:t>
+            </a:r>
+            <a:r>
+              <a:rPr lang="ja-JP" altLang="en-US" b="0">
+                <a:solidFill>
+                  <a:srgbClr val="0E0E0E"/>
+                </a:solidFill>
+                <a:effectLst/>
+                <a:latin typeface=".AppleSystemUIFont"/>
+              </a:rPr>
+              <a:t>のファイルでは</a:t>
+            </a:r>
+            <a:r>
+              <a:rPr lang="zh-HK" altLang="en-US" b="0" dirty="0">
+                <a:solidFill>
+                  <a:srgbClr val="0E0E0E"/>
+                </a:solidFill>
+                <a:effectLst/>
+                <a:latin typeface=".AppleSystemUIFont"/>
+              </a:rPr>
+              <a:t>処理時間</a:t>
+            </a:r>
+            <a:r>
+              <a:rPr lang="ja-JP" altLang="en-US" b="0">
+                <a:solidFill>
+                  <a:srgbClr val="0E0E0E"/>
+                </a:solidFill>
+                <a:effectLst/>
+                <a:latin typeface=".AppleSystemUIFont"/>
+              </a:rPr>
+              <a:t>の</a:t>
+            </a:r>
+            <a:r>
+              <a:rPr lang="zh-HK" altLang="en-US" b="0" dirty="0">
+                <a:solidFill>
+                  <a:srgbClr val="0E0E0E"/>
+                </a:solidFill>
+                <a:effectLst/>
+                <a:latin typeface=".AppleSystemUIFont"/>
+              </a:rPr>
+              <a:t>差</a:t>
+            </a:r>
+            <a:r>
+              <a:rPr lang="ja-JP" altLang="en-US" b="0">
+                <a:solidFill>
+                  <a:srgbClr val="0E0E0E"/>
+                </a:solidFill>
+                <a:effectLst/>
+                <a:latin typeface=".AppleSystemUIFont"/>
+              </a:rPr>
+              <a:t>が</a:t>
+            </a:r>
+            <a:r>
+              <a:rPr lang="zh-HK" altLang="en-US" b="0" dirty="0">
+                <a:solidFill>
+                  <a:srgbClr val="0E0E0E"/>
+                </a:solidFill>
+                <a:effectLst/>
+                <a:latin typeface=".AppleSystemUIFont"/>
+              </a:rPr>
+              <a:t>小</a:t>
+            </a:r>
+            <a:r>
+              <a:rPr lang="ja-JP" altLang="en-US" b="0">
+                <a:solidFill>
+                  <a:srgbClr val="0E0E0E"/>
+                </a:solidFill>
+                <a:effectLst/>
+                <a:latin typeface=".AppleSystemUIFont"/>
+              </a:rPr>
+              <a:t>さくなり、１コアの結果より</a:t>
+            </a:r>
+            <a:r>
+              <a:rPr lang="zh-HK" altLang="en-US" b="0" dirty="0">
+                <a:solidFill>
+                  <a:srgbClr val="0E0E0E"/>
+                </a:solidFill>
+                <a:effectLst/>
+                <a:latin typeface=".AppleSystemUIFont"/>
+              </a:rPr>
+              <a:t>安定性</a:t>
+            </a:r>
+            <a:r>
+              <a:rPr lang="ja-JP" altLang="en-US" b="0">
+                <a:solidFill>
+                  <a:srgbClr val="0E0E0E"/>
+                </a:solidFill>
+                <a:effectLst/>
+                <a:latin typeface=".AppleSystemUIFont"/>
+              </a:rPr>
+              <a:t>が少し</a:t>
+            </a:r>
+            <a:r>
+              <a:rPr lang="zh-HK" altLang="en-US" b="0" dirty="0">
+                <a:solidFill>
+                  <a:srgbClr val="0E0E0E"/>
+                </a:solidFill>
+                <a:effectLst/>
+                <a:latin typeface=".AppleSystemUIFont"/>
+              </a:rPr>
+              <a:t>向上</a:t>
+            </a:r>
+            <a:r>
+              <a:rPr lang="ja-JP" altLang="en-US" b="0">
+                <a:solidFill>
+                  <a:srgbClr val="0E0E0E"/>
+                </a:solidFill>
+                <a:effectLst/>
+                <a:latin typeface=".AppleSystemUIFont"/>
+              </a:rPr>
+              <a:t>しました。</a:t>
+            </a:r>
           </a:p>
         </p:txBody>
       </p:sp>
@@ -10085,7 +11190,7 @@
           <p:cNvPr id="4" name="投影片編號版面配置區 3">
             <a:extLst>
               <a:ext uri="{FF2B5EF4-FFF2-40B4-BE49-F238E27FC236}">
-                <a16:creationId xmlns:a16="http://schemas.microsoft.com/office/drawing/2014/main" id="{33D2F588-E476-095A-8ABF-C59F2C6B909D}"/>
+                <a16:creationId xmlns:a16="http://schemas.microsoft.com/office/drawing/2014/main" id="{DA0E7E20-82A6-E001-4E0F-4DDEB1A2B46A}"/>
               </a:ext>
             </a:extLst>
           </p:cNvPr>
@@ -10112,7 +11217,7 @@
     </p:spTree>
     <p:extLst>
       <p:ext uri="{BB962C8B-B14F-4D97-AF65-F5344CB8AC3E}">
-        <p14:creationId xmlns:p14="http://schemas.microsoft.com/office/powerpoint/2010/main" val="1643138330"/>
+        <p14:creationId xmlns:p14="http://schemas.microsoft.com/office/powerpoint/2010/main" val="1052875711"/>
       </p:ext>
     </p:extLst>
   </p:cSld>
@@ -10185,36 +11290,15 @@
           <a:lstStyle/>
           <a:p>
             <a:r>
-              <a:rPr kumimoji="1" lang="zh-HK" altLang="en-US" dirty="0"/>
-              <a:t>これからパソコンの</a:t>
-            </a:r>
-            <a:r>
-              <a:rPr lang="ja-JP" altLang="en-US" sz="1200">
-                <a:solidFill>
-                  <a:schemeClr val="tx1">
-                    <a:lumMod val="95000"/>
-                  </a:schemeClr>
+              <a:rPr lang="ja-JP" altLang="en-US">
+                <a:solidFill>
+                  <a:srgbClr val="0E0E0E"/>
                 </a:solidFill>
                 <a:effectLst/>
-                <a:latin typeface="Meiryo UI" panose="020B0604030504040204" pitchFamily="34" charset="-128"/>
-                <a:ea typeface="Meiryo UI" panose="020B0604030504040204" pitchFamily="34" charset="-128"/>
-              </a:rPr>
-              <a:t>パフォーマンスを</a:t>
-            </a:r>
-            <a:r>
-              <a:rPr lang="zh-HK" altLang="en-US" sz="1200" dirty="0">
-                <a:solidFill>
-                  <a:schemeClr val="tx1">
-                    <a:lumMod val="95000"/>
-                  </a:schemeClr>
-                </a:solidFill>
-                <a:effectLst/>
-                <a:latin typeface="Meiryo UI" panose="020B0604030504040204" pitchFamily="34" charset="-128"/>
-                <a:ea typeface="Meiryo UI" panose="020B0604030504040204" pitchFamily="34" charset="-128"/>
-              </a:rPr>
-              <a:t>監視します。</a:t>
-            </a:r>
-            <a:endParaRPr kumimoji="1" lang="zh-HK" altLang="en-US" dirty="0"/>
+                <a:latin typeface=".AppleSystemUIFont"/>
+              </a:rPr>
+              <a:t>ピープロフとトレースを使い、今後パソコンのパフォーマンスを監視します。</a:t>
+            </a:r>
           </a:p>
         </p:txBody>
       </p:sp>
@@ -10664,7 +11748,7 @@
           <a:p>
             <a:fld id="{6488FF91-0940-194F-9C77-DAE915FA224C}" type="datetime1">
               <a:rPr lang="zh-HK" altLang="en-US" smtClean="0"/>
-              <a:t>10/12/24</a:t>
+              <a:t>13/12/24</a:t>
             </a:fld>
             <a:endParaRPr lang="en-US" dirty="0"/>
           </a:p>
@@ -10994,7 +12078,7 @@
           <a:p>
             <a:fld id="{FA0DF90C-D644-6640-B8E0-8DE46E7F0644}" type="datetime1">
               <a:rPr lang="zh-HK" altLang="en-US" smtClean="0"/>
-              <a:t>10/12/24</a:t>
+              <a:t>13/12/24</a:t>
             </a:fld>
             <a:endParaRPr lang="en-US" dirty="0"/>
           </a:p>
@@ -11268,7 +12352,7 @@
           <a:p>
             <a:fld id="{A3E15762-F46E-5946-89D2-6B3C47526378}" type="datetime1">
               <a:rPr lang="zh-HK" altLang="en-US" smtClean="0"/>
-              <a:t>10/12/24</a:t>
+              <a:t>13/12/24</a:t>
             </a:fld>
             <a:endParaRPr lang="en-US" dirty="0"/>
           </a:p>
@@ -11832,7 +12916,7 @@
           <a:p>
             <a:fld id="{B1B66AF3-55CB-4E4C-8497-9B186D03A391}" type="datetime1">
               <a:rPr lang="zh-HK" altLang="en-US" smtClean="0"/>
-              <a:t>10/12/24</a:t>
+              <a:t>13/12/24</a:t>
             </a:fld>
             <a:endParaRPr lang="en-US" dirty="0"/>
           </a:p>
@@ -12106,7 +13190,7 @@
           <a:p>
             <a:fld id="{AD6D1AB9-DE2E-F74E-B26B-51B4C34E11D7}" type="datetime1">
               <a:rPr lang="zh-HK" altLang="en-US" smtClean="0"/>
-              <a:t>10/12/24</a:t>
+              <a:t>13/12/24</a:t>
             </a:fld>
             <a:endParaRPr lang="en-US" dirty="0"/>
           </a:p>
@@ -12664,7 +13748,7 @@
           <a:p>
             <a:fld id="{C604EF20-0F4F-5D4B-981E-76360C562C67}" type="datetime1">
               <a:rPr lang="zh-HK" altLang="en-US" smtClean="0"/>
-              <a:t>10/12/24</a:t>
+              <a:t>13/12/24</a:t>
             </a:fld>
             <a:endParaRPr lang="en-US" dirty="0"/>
           </a:p>
@@ -12987,7 +14071,7 @@
           <a:p>
             <a:fld id="{3CBAF90F-A823-E34C-A78F-4AE4CC7F67D9}" type="datetime1">
               <a:rPr lang="zh-HK" altLang="en-US" smtClean="0"/>
-              <a:t>10/12/24</a:t>
+              <a:t>13/12/24</a:t>
             </a:fld>
             <a:endParaRPr lang="en-US" dirty="0"/>
           </a:p>
@@ -13160,7 +14244,7 @@
           <a:p>
             <a:fld id="{360D99CF-A52E-1943-B2AF-2BB78B1FDB5F}" type="datetime1">
               <a:rPr lang="zh-HK" altLang="en-US" smtClean="0"/>
-              <a:t>10/12/24</a:t>
+              <a:t>13/12/24</a:t>
             </a:fld>
             <a:endParaRPr lang="en-US" dirty="0"/>
           </a:p>
@@ -13394,7 +14478,7 @@
           <a:p>
             <a:fld id="{8F0553CA-2D29-764D-AA8F-1197C6038739}" type="datetime1">
               <a:rPr lang="zh-HK" altLang="en-US" smtClean="0"/>
-              <a:t>10/12/24</a:t>
+              <a:t>13/12/24</a:t>
             </a:fld>
             <a:endParaRPr lang="en-US" dirty="0"/>
           </a:p>
@@ -13590,7 +14674,7 @@
           <a:p>
             <a:fld id="{090483E7-7DB3-3E42-9AA5-4E286FE4D513}" type="datetime1">
               <a:rPr lang="zh-HK" altLang="en-US" smtClean="0"/>
-              <a:t>10/12/24</a:t>
+              <a:t>13/12/24</a:t>
             </a:fld>
             <a:endParaRPr lang="en-US" dirty="0"/>
           </a:p>
@@ -13862,7 +14946,7 @@
           <a:p>
             <a:fld id="{88E40C52-B9B1-6D4B-AD30-EA6291ADE45B}" type="datetime1">
               <a:rPr lang="zh-HK" altLang="en-US" smtClean="0"/>
-              <a:t>10/12/24</a:t>
+              <a:t>13/12/24</a:t>
             </a:fld>
             <a:endParaRPr lang="en-US" dirty="0"/>
           </a:p>
@@ -14124,7 +15208,7 @@
           <a:p>
             <a:fld id="{B60E899F-DB52-CE42-A56D-2D8EF91025F2}" type="datetime1">
               <a:rPr lang="zh-HK" altLang="en-US" smtClean="0"/>
-              <a:t>10/12/24</a:t>
+              <a:t>13/12/24</a:t>
             </a:fld>
             <a:endParaRPr lang="en-US" dirty="0"/>
           </a:p>
@@ -14494,7 +15578,7 @@
           <a:p>
             <a:fld id="{5FEC8C46-8D78-CD47-8A77-31D3D7DDC27C}" type="datetime1">
               <a:rPr lang="zh-HK" altLang="en-US" smtClean="0"/>
-              <a:t>10/12/24</a:t>
+              <a:t>13/12/24</a:t>
             </a:fld>
             <a:endParaRPr lang="en-US" dirty="0"/>
           </a:p>
@@ -14638,7 +15722,7 @@
           <a:p>
             <a:fld id="{FE08F07B-E490-A64D-A8FD-15A7600DEDC6}" type="datetime1">
               <a:rPr lang="zh-HK" altLang="en-US" smtClean="0"/>
-              <a:t>10/12/24</a:t>
+              <a:t>13/12/24</a:t>
             </a:fld>
             <a:endParaRPr lang="en-US" dirty="0"/>
           </a:p>
@@ -14759,7 +15843,7 @@
           <a:p>
             <a:fld id="{0E7C8759-FE0A-E346-957B-D93FCC1699B5}" type="datetime1">
               <a:rPr lang="zh-HK" altLang="en-US" smtClean="0"/>
-              <a:t>10/12/24</a:t>
+              <a:t>13/12/24</a:t>
             </a:fld>
             <a:endParaRPr lang="en-US" dirty="0"/>
           </a:p>
@@ -15040,7 +16124,7 @@
           <a:p>
             <a:fld id="{D9D2399D-36B5-7243-824A-D8DDB2F38D52}" type="datetime1">
               <a:rPr lang="zh-HK" altLang="en-US" smtClean="0"/>
-              <a:t>10/12/24</a:t>
+              <a:t>13/12/24</a:t>
             </a:fld>
             <a:endParaRPr lang="en-US" dirty="0"/>
           </a:p>
@@ -15360,7 +16444,7 @@
           <a:p>
             <a:fld id="{A75A1BCC-89DB-FD42-9808-1E6C9FD979D2}" type="datetime1">
               <a:rPr lang="zh-HK" altLang="en-US" smtClean="0"/>
-              <a:t>10/12/24</a:t>
+              <a:t>13/12/24</a:t>
             </a:fld>
             <a:endParaRPr lang="en-US" dirty="0"/>
           </a:p>
@@ -15570,7 +16654,7 @@
           <a:p>
             <a:fld id="{6D0A750E-E3A6-1740-A438-6E87315FF5E3}" type="datetime1">
               <a:rPr lang="zh-HK" altLang="en-US" smtClean="0"/>
-              <a:t>10/12/24</a:t>
+              <a:t>13/12/24</a:t>
             </a:fld>
             <a:endParaRPr lang="en-US" dirty="0"/>
           </a:p>
@@ -18986,7 +20070,7 @@
             <p:ph idx="1"/>
             <p:extLst>
               <p:ext uri="{D42A27DB-BD31-4B8C-83A1-F6EECF244321}">
-                <p14:modId xmlns:p14="http://schemas.microsoft.com/office/powerpoint/2010/main" val="3009136224"/>
+                <p14:modId xmlns:p14="http://schemas.microsoft.com/office/powerpoint/2010/main" val="1071576377"/>
               </p:ext>
             </p:extLst>
           </p:nvPr>
@@ -19028,55 +20112,6 @@
               <a:t>2</a:t>
             </a:fld>
             <a:endParaRPr lang="en-US" sz="3000" dirty="0"/>
-          </a:p>
-        </p:txBody>
-      </p:sp>
-      <p:sp>
-        <p:nvSpPr>
-          <p:cNvPr id="7" name="文字方塊 6">
-            <a:extLst>
-              <a:ext uri="{FF2B5EF4-FFF2-40B4-BE49-F238E27FC236}">
-                <a16:creationId xmlns:a16="http://schemas.microsoft.com/office/drawing/2014/main" id="{F32316F4-6AD2-4342-7DB5-4D78AB39C221}"/>
-              </a:ext>
-            </a:extLst>
-          </p:cNvPr>
-          <p:cNvSpPr txBox="1"/>
-          <p:nvPr/>
-        </p:nvSpPr>
-        <p:spPr>
-          <a:xfrm>
-            <a:off x="1374773" y="5870575"/>
-            <a:ext cx="2304598" cy="369332"/>
-          </a:xfrm>
-          <a:prstGeom prst="rect">
-            <a:avLst/>
-          </a:prstGeom>
-          <a:noFill/>
-        </p:spPr>
-        <p:txBody>
-          <a:bodyPr wrap="square" rtlCol="0">
-            <a:spAutoFit/>
-          </a:bodyPr>
-          <a:lstStyle/>
-          <a:p>
-            <a:r>
-              <a:rPr kumimoji="1" lang="zh-HK" altLang="en-US" dirty="0">
-                <a:latin typeface="Meiryo UI" panose="020B0604030504040204" pitchFamily="34" charset="-128"/>
-                <a:ea typeface="Meiryo UI" panose="020B0604030504040204" pitchFamily="34" charset="-128"/>
-              </a:rPr>
-              <a:t>＠＝</a:t>
-            </a:r>
-            <a:r>
-              <a:rPr kumimoji="1" lang="zh-HK" altLang="en-US" sz="1800" dirty="0">
-                <a:latin typeface="Meiryo UI" panose="020B0604030504040204" pitchFamily="34" charset="-128"/>
-                <a:ea typeface="Meiryo UI" panose="020B0604030504040204" pitchFamily="34" charset="-128"/>
-              </a:rPr>
-              <a:t>参考文献の番号</a:t>
-            </a:r>
-            <a:endParaRPr kumimoji="1" lang="en-US" altLang="zh-HK" sz="1800" dirty="0">
-              <a:latin typeface="Meiryo UI" panose="020B0604030504040204" pitchFamily="34" charset="-128"/>
-              <a:ea typeface="Meiryo UI" panose="020B0604030504040204" pitchFamily="34" charset="-128"/>
-            </a:endParaRPr>
           </a:p>
         </p:txBody>
       </p:sp>
@@ -19271,22 +20306,6 @@
                 <a:latin typeface="Meiryo UI" panose="020B0604030504040204" pitchFamily="34" charset="-128"/>
                 <a:ea typeface="Meiryo UI" panose="020B0604030504040204" pitchFamily="34" charset="-128"/>
               </a:rPr>
-              <a:t>Blake2s</a:t>
-            </a:r>
-            <a:r>
-              <a:rPr lang="zh-HK" altLang="en-US" sz="2400" dirty="0">
-                <a:effectLst/>
-                <a:latin typeface="Meiryo UI" panose="020B0604030504040204" pitchFamily="34" charset="-128"/>
-                <a:ea typeface="Meiryo UI" panose="020B0604030504040204" pitchFamily="34" charset="-128"/>
-              </a:rPr>
-              <a:t>、</a:t>
-            </a:r>
-            <a:r>
-              <a:rPr lang="en-US" altLang="zh-HK" sz="2400" dirty="0">
-                <a:effectLst/>
-                <a:latin typeface="Meiryo UI" panose="020B0604030504040204" pitchFamily="34" charset="-128"/>
-                <a:ea typeface="Meiryo UI" panose="020B0604030504040204" pitchFamily="34" charset="-128"/>
-              </a:rPr>
               <a:t>RIPEMD-160</a:t>
             </a:r>
             <a:r>
@@ -19641,6 +20660,347 @@
 </file>
 
 <file path=ppt/slides/slide4.xml><?xml version="1.0" encoding="utf-8"?>
+<p:sld xmlns:a="http://schemas.openxmlformats.org/drawingml/2006/main" xmlns:r="http://schemas.openxmlformats.org/officeDocument/2006/relationships" xmlns:p="http://schemas.openxmlformats.org/presentationml/2006/main">
+  <p:cSld>
+    <p:spTree>
+      <p:nvGrpSpPr>
+        <p:cNvPr id="1" name="">
+          <a:extLst>
+            <a:ext uri="{FF2B5EF4-FFF2-40B4-BE49-F238E27FC236}">
+              <a16:creationId xmlns:a16="http://schemas.microsoft.com/office/drawing/2014/main" id="{A561BF8C-4AEF-92EB-F5B6-34C2D808EF47}"/>
+            </a:ext>
+          </a:extLst>
+        </p:cNvPr>
+        <p:cNvGrpSpPr/>
+        <p:nvPr/>
+      </p:nvGrpSpPr>
+      <p:grpSpPr>
+        <a:xfrm>
+          <a:off x="0" y="0"/>
+          <a:ext cx="0" cy="0"/>
+          <a:chOff x="0" y="0"/>
+          <a:chExt cx="0" cy="0"/>
+        </a:xfrm>
+      </p:grpSpPr>
+      <p:sp>
+        <p:nvSpPr>
+          <p:cNvPr id="2" name="標題 1">
+            <a:extLst>
+              <a:ext uri="{FF2B5EF4-FFF2-40B4-BE49-F238E27FC236}">
+                <a16:creationId xmlns:a16="http://schemas.microsoft.com/office/drawing/2014/main" id="{DB418CBC-F736-1DE1-2B33-91031517FBA2}"/>
+              </a:ext>
+            </a:extLst>
+          </p:cNvPr>
+          <p:cNvSpPr>
+            <a:spLocks noGrp="1"/>
+          </p:cNvSpPr>
+          <p:nvPr>
+            <p:ph type="title"/>
+          </p:nvPr>
+        </p:nvSpPr>
+        <p:spPr>
+          <a:xfrm>
+            <a:off x="1030286" y="0"/>
+            <a:ext cx="10131425" cy="1456267"/>
+          </a:xfrm>
+        </p:spPr>
+        <p:txBody>
+          <a:bodyPr/>
+          <a:lstStyle/>
+          <a:p>
+            <a:r>
+              <a:rPr lang="en-US" altLang="zh-HK" dirty="0">
+                <a:latin typeface="Meiryo UI" panose="020B0604030504040204" pitchFamily="34" charset="-128"/>
+                <a:ea typeface="Meiryo UI" panose="020B0604030504040204" pitchFamily="34" charset="-128"/>
+              </a:rPr>
+              <a:t>12</a:t>
+            </a:r>
+            <a:r>
+              <a:rPr lang="zh-HK" altLang="en-US" dirty="0">
+                <a:latin typeface="Meiryo UI" panose="020B0604030504040204" pitchFamily="34" charset="-128"/>
+                <a:ea typeface="Meiryo UI" panose="020B0604030504040204" pitchFamily="34" charset="-128"/>
+              </a:rPr>
+              <a:t>月</a:t>
+            </a:r>
+            <a:r>
+              <a:rPr lang="zh-TW" altLang="en-US" dirty="0">
+                <a:latin typeface="Meiryo UI" panose="020B0604030504040204" pitchFamily="34" charset="-128"/>
+                <a:ea typeface="Meiryo UI" panose="020B0604030504040204" pitchFamily="34" charset="-128"/>
+              </a:rPr>
+              <a:t> </a:t>
+            </a:r>
+            <a:r>
+              <a:rPr lang="en-US" altLang="zh-HK" dirty="0">
+                <a:latin typeface="Meiryo UI" panose="020B0604030504040204" pitchFamily="34" charset="-128"/>
+                <a:ea typeface="Meiryo UI" panose="020B0604030504040204" pitchFamily="34" charset="-128"/>
+              </a:rPr>
+              <a:t>-</a:t>
+            </a:r>
+            <a:r>
+              <a:rPr lang="zh-TW" altLang="en-US" dirty="0">
+                <a:latin typeface="Meiryo UI" panose="020B0604030504040204" pitchFamily="34" charset="-128"/>
+                <a:ea typeface="Meiryo UI" panose="020B0604030504040204" pitchFamily="34" charset="-128"/>
+              </a:rPr>
+              <a:t> </a:t>
+            </a:r>
+            <a:r>
+              <a:rPr lang="zh-HK" altLang="en-US" dirty="0">
+                <a:latin typeface="Meiryo UI" panose="020B0604030504040204" pitchFamily="34" charset="-128"/>
+                <a:ea typeface="Meiryo UI" panose="020B0604030504040204" pitchFamily="34" charset="-128"/>
+              </a:rPr>
+              <a:t>研究内容</a:t>
+            </a:r>
+            <a:endParaRPr kumimoji="1" lang="zh-HK" altLang="en-US" dirty="0">
+              <a:latin typeface="Meiryo UI" panose="020B0604030504040204" pitchFamily="34" charset="-128"/>
+              <a:ea typeface="Meiryo UI" panose="020B0604030504040204" pitchFamily="34" charset="-128"/>
+            </a:endParaRPr>
+          </a:p>
+        </p:txBody>
+      </p:sp>
+      <p:sp>
+        <p:nvSpPr>
+          <p:cNvPr id="4" name="投影片編號版面配置區 3">
+            <a:extLst>
+              <a:ext uri="{FF2B5EF4-FFF2-40B4-BE49-F238E27FC236}">
+                <a16:creationId xmlns:a16="http://schemas.microsoft.com/office/drawing/2014/main" id="{F42FACCC-E47D-CFF3-B5E7-930238E0450C}"/>
+              </a:ext>
+            </a:extLst>
+          </p:cNvPr>
+          <p:cNvSpPr>
+            <a:spLocks noGrp="1"/>
+          </p:cNvSpPr>
+          <p:nvPr>
+            <p:ph type="sldNum" sz="quarter" idx="12"/>
+          </p:nvPr>
+        </p:nvSpPr>
+        <p:spPr/>
+        <p:txBody>
+          <a:bodyPr/>
+          <a:lstStyle/>
+          <a:p>
+            <a:fld id="{D57F1E4F-1CFF-5643-939E-217C01CDF565}" type="slidenum">
+              <a:rPr lang="en-US" sz="3000" smtClean="0"/>
+              <a:pPr/>
+              <a:t>4</a:t>
+            </a:fld>
+            <a:endParaRPr lang="en-US" sz="3000" dirty="0"/>
+          </a:p>
+        </p:txBody>
+      </p:sp>
+      <p:sp>
+        <p:nvSpPr>
+          <p:cNvPr id="5" name="內容版面配置區 4">
+            <a:extLst>
+              <a:ext uri="{FF2B5EF4-FFF2-40B4-BE49-F238E27FC236}">
+                <a16:creationId xmlns:a16="http://schemas.microsoft.com/office/drawing/2014/main" id="{19858AD7-180D-4A81-63CA-A73A3EC8639F}"/>
+              </a:ext>
+            </a:extLst>
+          </p:cNvPr>
+          <p:cNvSpPr>
+            <a:spLocks noGrp="1"/>
+          </p:cNvSpPr>
+          <p:nvPr>
+            <p:ph idx="1"/>
+          </p:nvPr>
+        </p:nvSpPr>
+        <p:spPr>
+          <a:xfrm>
+            <a:off x="923355" y="1226759"/>
+            <a:ext cx="10345285" cy="4404481"/>
+          </a:xfrm>
+        </p:spPr>
+        <p:txBody>
+          <a:bodyPr>
+            <a:normAutofit/>
+          </a:bodyPr>
+          <a:lstStyle/>
+          <a:p>
+            <a:pPr marL="0" indent="0">
+              <a:buNone/>
+            </a:pPr>
+            <a:endParaRPr lang="en-US" altLang="zh-HK" sz="2400" dirty="0">
+              <a:effectLst/>
+              <a:latin typeface="Meiryo UI" panose="020B0604030504040204" pitchFamily="34" charset="-128"/>
+              <a:ea typeface="Meiryo UI" panose="020B0604030504040204" pitchFamily="34" charset="-128"/>
+            </a:endParaRPr>
+          </a:p>
+          <a:p>
+            <a:r>
+              <a:rPr lang="zh-HK" altLang="en-US" sz="2400" dirty="0">
+                <a:latin typeface="Meiryo UI" panose="020B0604030504040204" pitchFamily="34" charset="-128"/>
+                <a:ea typeface="Meiryo UI" panose="020B0604030504040204" pitchFamily="34" charset="-128"/>
+              </a:rPr>
+              <a:t>ハッシュの基準は</a:t>
+            </a:r>
+            <a:r>
+              <a:rPr lang="en-US" altLang="zh-HK" sz="2400" dirty="0">
+                <a:latin typeface="Meiryo UI" panose="020B0604030504040204" pitchFamily="34" charset="-128"/>
+                <a:ea typeface="Meiryo UI" panose="020B0604030504040204" pitchFamily="34" charset="-128"/>
+              </a:rPr>
+              <a:t>256bit</a:t>
+            </a:r>
+            <a:r>
+              <a:rPr lang="zh-HK" altLang="en-US" sz="2400" dirty="0">
+                <a:latin typeface="Meiryo UI" panose="020B0604030504040204" pitchFamily="34" charset="-128"/>
+                <a:ea typeface="Meiryo UI" panose="020B0604030504040204" pitchFamily="34" charset="-128"/>
+              </a:rPr>
+              <a:t>です。</a:t>
+            </a:r>
+            <a:endParaRPr lang="en-US" altLang="zh-HK" sz="2400" dirty="0">
+              <a:latin typeface="Meiryo UI" panose="020B0604030504040204" pitchFamily="34" charset="-128"/>
+              <a:ea typeface="Meiryo UI" panose="020B0604030504040204" pitchFamily="34" charset="-128"/>
+            </a:endParaRPr>
+          </a:p>
+          <a:p>
+            <a:endParaRPr lang="en-US" altLang="zh-HK" sz="2400" dirty="0">
+              <a:effectLst/>
+              <a:latin typeface="Meiryo UI" panose="020B0604030504040204" pitchFamily="34" charset="-128"/>
+              <a:ea typeface="Meiryo UI" panose="020B0604030504040204" pitchFamily="34" charset="-128"/>
+            </a:endParaRPr>
+          </a:p>
+          <a:p>
+            <a:r>
+              <a:rPr lang="en-US" altLang="zh-HK" sz="2400" dirty="0">
+                <a:effectLst/>
+                <a:latin typeface="Meiryo UI" panose="020B0604030504040204" pitchFamily="34" charset="-128"/>
+                <a:ea typeface="Meiryo UI" panose="020B0604030504040204" pitchFamily="34" charset="-128"/>
+              </a:rPr>
+              <a:t>Farm hash</a:t>
+            </a:r>
+            <a:r>
+              <a:rPr lang="zh-HK" altLang="en-US" sz="2400" dirty="0">
+                <a:effectLst/>
+                <a:latin typeface="Meiryo UI" panose="020B0604030504040204" pitchFamily="34" charset="-128"/>
+                <a:ea typeface="Meiryo UI" panose="020B0604030504040204" pitchFamily="34" charset="-128"/>
+              </a:rPr>
+              <a:t>、</a:t>
+            </a:r>
+            <a:r>
+              <a:rPr lang="en-US" altLang="zh-HK" sz="2400" dirty="0">
+                <a:effectLst/>
+                <a:latin typeface="Meiryo UI" panose="020B0604030504040204" pitchFamily="34" charset="-128"/>
+                <a:ea typeface="Meiryo UI" panose="020B0604030504040204" pitchFamily="34" charset="-128"/>
+              </a:rPr>
+              <a:t>murmur 3 hash</a:t>
+            </a:r>
+            <a:r>
+              <a:rPr lang="zh-HK" altLang="en-US" sz="2400" dirty="0">
+                <a:effectLst/>
+                <a:latin typeface="Meiryo UI" panose="020B0604030504040204" pitchFamily="34" charset="-128"/>
+                <a:ea typeface="Meiryo UI" panose="020B0604030504040204" pitchFamily="34" charset="-128"/>
+              </a:rPr>
+              <a:t>、</a:t>
+            </a:r>
+            <a:r>
+              <a:rPr lang="en-US" altLang="zh-HK" sz="2400" dirty="0">
+                <a:effectLst/>
+                <a:latin typeface="Meiryo UI" panose="020B0604030504040204" pitchFamily="34" charset="-128"/>
+                <a:ea typeface="Meiryo UI" panose="020B0604030504040204" pitchFamily="34" charset="-128"/>
+              </a:rPr>
+              <a:t>XX hash </a:t>
+            </a:r>
+            <a:r>
+              <a:rPr lang="ja-JP" altLang="en-US" sz="2400">
+                <a:effectLst/>
+                <a:latin typeface="Meiryo UI" panose="020B0604030504040204" pitchFamily="34" charset="-128"/>
+                <a:ea typeface="Meiryo UI" panose="020B0604030504040204" pitchFamily="34" charset="-128"/>
+              </a:rPr>
+              <a:t>は </a:t>
+            </a:r>
+            <a:r>
+              <a:rPr lang="en-US" altLang="ja-JP" sz="2400" dirty="0">
+                <a:effectLst/>
+                <a:latin typeface="Meiryo UI" panose="020B0604030504040204" pitchFamily="34" charset="-128"/>
+                <a:ea typeface="Meiryo UI" panose="020B0604030504040204" pitchFamily="34" charset="-128"/>
+              </a:rPr>
+              <a:t>256</a:t>
+            </a:r>
+            <a:r>
+              <a:rPr lang="en-US" altLang="zh-HK" sz="2400" dirty="0">
+                <a:effectLst/>
+                <a:latin typeface="Meiryo UI" panose="020B0604030504040204" pitchFamily="34" charset="-128"/>
+                <a:ea typeface="Meiryo UI" panose="020B0604030504040204" pitchFamily="34" charset="-128"/>
+              </a:rPr>
+              <a:t>bit </a:t>
+            </a:r>
+            <a:r>
+              <a:rPr lang="ja-JP" altLang="en-US" sz="2400">
+                <a:effectLst/>
+                <a:latin typeface="Meiryo UI" panose="020B0604030504040204" pitchFamily="34" charset="-128"/>
+                <a:ea typeface="Meiryo UI" panose="020B0604030504040204" pitchFamily="34" charset="-128"/>
+              </a:rPr>
+              <a:t>をサポートしていないため、</a:t>
+            </a:r>
+            <a:r>
+              <a:rPr lang="zh-HK" altLang="en-US" sz="2400" dirty="0">
+                <a:effectLst/>
+                <a:latin typeface="Meiryo UI" panose="020B0604030504040204" pitchFamily="34" charset="-128"/>
+                <a:ea typeface="Meiryo UI" panose="020B0604030504040204" pitchFamily="34" charset="-128"/>
+              </a:rPr>
+              <a:t>手動</a:t>
+            </a:r>
+            <a:r>
+              <a:rPr lang="ja-JP" altLang="en-US" sz="2400">
+                <a:effectLst/>
+                <a:latin typeface="Meiryo UI" panose="020B0604030504040204" pitchFamily="34" charset="-128"/>
+                <a:ea typeface="Meiryo UI" panose="020B0604030504040204" pitchFamily="34" charset="-128"/>
+              </a:rPr>
+              <a:t>でハッシュの</a:t>
+            </a:r>
+            <a:r>
+              <a:rPr lang="zh-HK" altLang="en-US" sz="2400" dirty="0">
+                <a:effectLst/>
+                <a:latin typeface="Meiryo UI" panose="020B0604030504040204" pitchFamily="34" charset="-128"/>
+                <a:ea typeface="Meiryo UI" panose="020B0604030504040204" pitchFamily="34" charset="-128"/>
+              </a:rPr>
+              <a:t>長</a:t>
+            </a:r>
+            <a:r>
+              <a:rPr lang="ja-JP" altLang="en-US" sz="2400">
+                <a:effectLst/>
+                <a:latin typeface="Meiryo UI" panose="020B0604030504040204" pitchFamily="34" charset="-128"/>
+                <a:ea typeface="Meiryo UI" panose="020B0604030504040204" pitchFamily="34" charset="-128"/>
+              </a:rPr>
+              <a:t>さを</a:t>
+            </a:r>
+            <a:r>
+              <a:rPr lang="zh-HK" altLang="en-US" sz="2400" dirty="0">
+                <a:effectLst/>
+                <a:latin typeface="Meiryo UI" panose="020B0604030504040204" pitchFamily="34" charset="-128"/>
+                <a:ea typeface="Meiryo UI" panose="020B0604030504040204" pitchFamily="34" charset="-128"/>
+              </a:rPr>
+              <a:t>倍増</a:t>
+            </a:r>
+            <a:r>
+              <a:rPr lang="ja-JP" altLang="en-US" sz="2400">
+                <a:effectLst/>
+                <a:latin typeface="Meiryo UI" panose="020B0604030504040204" pitchFamily="34" charset="-128"/>
+                <a:ea typeface="Meiryo UI" panose="020B0604030504040204" pitchFamily="34" charset="-128"/>
+              </a:rPr>
+              <a:t>させました。</a:t>
+            </a:r>
+            <a:endParaRPr lang="en-US" altLang="zh-HK" sz="2400" dirty="0">
+              <a:effectLst/>
+              <a:latin typeface="Meiryo UI" panose="020B0604030504040204" pitchFamily="34" charset="-128"/>
+              <a:ea typeface="Meiryo UI" panose="020B0604030504040204" pitchFamily="34" charset="-128"/>
+            </a:endParaRPr>
+          </a:p>
+        </p:txBody>
+      </p:sp>
+    </p:spTree>
+    <p:extLst>
+      <p:ext uri="{BB962C8B-B14F-4D97-AF65-F5344CB8AC3E}">
+        <p14:creationId xmlns:p14="http://schemas.microsoft.com/office/powerpoint/2010/main" val="1294837413"/>
+      </p:ext>
+    </p:extLst>
+  </p:cSld>
+  <p:clrMapOvr>
+    <a:masterClrMapping/>
+  </p:clrMapOvr>
+</p:sld>
+</file>
+
+<file path=ppt/slides/slide5.xml><?xml version="1.0" encoding="utf-8"?>
 <p:sld xmlns:a="http://schemas.openxmlformats.org/drawingml/2006/main" xmlns:r="http://schemas.openxmlformats.org/officeDocument/2006/relationships" xmlns:p="http://schemas.openxmlformats.org/presentationml/2006/main">
   <p:cSld>
     <p:spTree>
@@ -19762,7 +21122,7 @@
             <a:fld id="{D57F1E4F-1CFF-5643-939E-217C01CDF565}" type="slidenum">
               <a:rPr lang="en-US" sz="3000" smtClean="0"/>
               <a:pPr/>
-              <a:t>4</a:t>
+              <a:t>5</a:t>
             </a:fld>
             <a:endParaRPr lang="en-US" sz="3000" dirty="0"/>
           </a:p>
@@ -19800,7 +21160,7 @@
               <a:buNone/>
             </a:pPr>
             <a:r>
-              <a:rPr lang="en-US" altLang="zh-HK" sz="2400" b="1" dirty="0">
+              <a:rPr lang="en-US" altLang="zh-HK" sz="2400" dirty="0">
                 <a:solidFill>
                   <a:schemeClr val="tx1">
                     <a:lumMod val="95000"/>
@@ -19810,7 +21170,20 @@
                 <a:latin typeface="Meiryo UI" panose="020B0604030504040204" pitchFamily="34" charset="-128"/>
                 <a:ea typeface="Meiryo UI" panose="020B0604030504040204" pitchFamily="34" charset="-128"/>
               </a:rPr>
-              <a:t>GOMAXPROCS </a:t>
+              <a:t>GOMAXPROCS</a:t>
+            </a:r>
+            <a:r>
+              <a:rPr lang="en-US" altLang="zh-HK" sz="2400" b="1" dirty="0">
+                <a:solidFill>
+                  <a:schemeClr val="tx1">
+                    <a:lumMod val="95000"/>
+                  </a:schemeClr>
+                </a:solidFill>
+                <a:effectLst/>
+                <a:latin typeface="Meiryo UI" panose="020B0604030504040204" pitchFamily="34" charset="-128"/>
+                <a:ea typeface="Meiryo UI" panose="020B0604030504040204" pitchFamily="34" charset="-128"/>
+              </a:rPr>
+              <a:t> </a:t>
             </a:r>
             <a:r>
               <a:rPr lang="zh-HK" altLang="en-US" sz="2400" dirty="0">
@@ -19980,7 +21353,7 @@
         </p:nvGrpSpPr>
         <p:grpSpPr>
           <a:xfrm>
-            <a:off x="899657" y="2856778"/>
+            <a:off x="899657" y="4546754"/>
             <a:ext cx="10665211" cy="854980"/>
             <a:chOff x="899657" y="3160516"/>
             <a:chExt cx="10665211" cy="854980"/>
@@ -20254,7 +21627,7 @@
         </p:nvGrpSpPr>
         <p:grpSpPr>
           <a:xfrm>
-            <a:off x="899662" y="4257289"/>
+            <a:off x="899657" y="3093286"/>
             <a:ext cx="10665206" cy="854980"/>
             <a:chOff x="899657" y="4273469"/>
             <a:chExt cx="10665206" cy="854980"/>
@@ -20527,321 +21900,6 @@
 </p:sld>
 </file>
 
-<file path=ppt/slides/slide5.xml><?xml version="1.0" encoding="utf-8"?>
-<p:sld xmlns:a="http://schemas.openxmlformats.org/drawingml/2006/main" xmlns:r="http://schemas.openxmlformats.org/officeDocument/2006/relationships" xmlns:p="http://schemas.openxmlformats.org/presentationml/2006/main">
-  <p:cSld>
-    <p:spTree>
-      <p:nvGrpSpPr>
-        <p:cNvPr id="1" name="">
-          <a:extLst>
-            <a:ext uri="{FF2B5EF4-FFF2-40B4-BE49-F238E27FC236}">
-              <a16:creationId xmlns:a16="http://schemas.microsoft.com/office/drawing/2014/main" id="{A561BF8C-4AEF-92EB-F5B6-34C2D808EF47}"/>
-            </a:ext>
-          </a:extLst>
-        </p:cNvPr>
-        <p:cNvGrpSpPr/>
-        <p:nvPr/>
-      </p:nvGrpSpPr>
-      <p:grpSpPr>
-        <a:xfrm>
-          <a:off x="0" y="0"/>
-          <a:ext cx="0" cy="0"/>
-          <a:chOff x="0" y="0"/>
-          <a:chExt cx="0" cy="0"/>
-        </a:xfrm>
-      </p:grpSpPr>
-      <p:sp>
-        <p:nvSpPr>
-          <p:cNvPr id="2" name="標題 1">
-            <a:extLst>
-              <a:ext uri="{FF2B5EF4-FFF2-40B4-BE49-F238E27FC236}">
-                <a16:creationId xmlns:a16="http://schemas.microsoft.com/office/drawing/2014/main" id="{DB418CBC-F736-1DE1-2B33-91031517FBA2}"/>
-              </a:ext>
-            </a:extLst>
-          </p:cNvPr>
-          <p:cNvSpPr>
-            <a:spLocks noGrp="1"/>
-          </p:cNvSpPr>
-          <p:nvPr>
-            <p:ph type="title"/>
-          </p:nvPr>
-        </p:nvSpPr>
-        <p:spPr>
-          <a:xfrm>
-            <a:off x="1030286" y="0"/>
-            <a:ext cx="10131425" cy="1456267"/>
-          </a:xfrm>
-        </p:spPr>
-        <p:txBody>
-          <a:bodyPr/>
-          <a:lstStyle/>
-          <a:p>
-            <a:r>
-              <a:rPr lang="en-US" altLang="zh-HK" dirty="0">
-                <a:latin typeface="Meiryo UI" panose="020B0604030504040204" pitchFamily="34" charset="-128"/>
-                <a:ea typeface="Meiryo UI" panose="020B0604030504040204" pitchFamily="34" charset="-128"/>
-              </a:rPr>
-              <a:t>12</a:t>
-            </a:r>
-            <a:r>
-              <a:rPr lang="zh-HK" altLang="en-US" dirty="0">
-                <a:latin typeface="Meiryo UI" panose="020B0604030504040204" pitchFamily="34" charset="-128"/>
-                <a:ea typeface="Meiryo UI" panose="020B0604030504040204" pitchFamily="34" charset="-128"/>
-              </a:rPr>
-              <a:t>月</a:t>
-            </a:r>
-            <a:r>
-              <a:rPr lang="zh-TW" altLang="en-US" dirty="0">
-                <a:latin typeface="Meiryo UI" panose="020B0604030504040204" pitchFamily="34" charset="-128"/>
-                <a:ea typeface="Meiryo UI" panose="020B0604030504040204" pitchFamily="34" charset="-128"/>
-              </a:rPr>
-              <a:t> </a:t>
-            </a:r>
-            <a:r>
-              <a:rPr lang="en-US" altLang="zh-HK" dirty="0">
-                <a:latin typeface="Meiryo UI" panose="020B0604030504040204" pitchFamily="34" charset="-128"/>
-                <a:ea typeface="Meiryo UI" panose="020B0604030504040204" pitchFamily="34" charset="-128"/>
-              </a:rPr>
-              <a:t>-</a:t>
-            </a:r>
-            <a:r>
-              <a:rPr lang="zh-TW" altLang="en-US" dirty="0">
-                <a:latin typeface="Meiryo UI" panose="020B0604030504040204" pitchFamily="34" charset="-128"/>
-                <a:ea typeface="Meiryo UI" panose="020B0604030504040204" pitchFamily="34" charset="-128"/>
-              </a:rPr>
-              <a:t> </a:t>
-            </a:r>
-            <a:r>
-              <a:rPr lang="zh-HK" altLang="en-US" dirty="0">
-                <a:latin typeface="Meiryo UI" panose="020B0604030504040204" pitchFamily="34" charset="-128"/>
-                <a:ea typeface="Meiryo UI" panose="020B0604030504040204" pitchFamily="34" charset="-128"/>
-              </a:rPr>
-              <a:t>研究内容</a:t>
-            </a:r>
-            <a:endParaRPr kumimoji="1" lang="zh-HK" altLang="en-US" dirty="0">
-              <a:latin typeface="Meiryo UI" panose="020B0604030504040204" pitchFamily="34" charset="-128"/>
-              <a:ea typeface="Meiryo UI" panose="020B0604030504040204" pitchFamily="34" charset="-128"/>
-            </a:endParaRPr>
-          </a:p>
-        </p:txBody>
-      </p:sp>
-      <p:sp>
-        <p:nvSpPr>
-          <p:cNvPr id="4" name="投影片編號版面配置區 3">
-            <a:extLst>
-              <a:ext uri="{FF2B5EF4-FFF2-40B4-BE49-F238E27FC236}">
-                <a16:creationId xmlns:a16="http://schemas.microsoft.com/office/drawing/2014/main" id="{F42FACCC-E47D-CFF3-B5E7-930238E0450C}"/>
-              </a:ext>
-            </a:extLst>
-          </p:cNvPr>
-          <p:cNvSpPr>
-            <a:spLocks noGrp="1"/>
-          </p:cNvSpPr>
-          <p:nvPr>
-            <p:ph type="sldNum" sz="quarter" idx="12"/>
-          </p:nvPr>
-        </p:nvSpPr>
-        <p:spPr/>
-        <p:txBody>
-          <a:bodyPr/>
-          <a:lstStyle/>
-          <a:p>
-            <a:fld id="{D57F1E4F-1CFF-5643-939E-217C01CDF565}" type="slidenum">
-              <a:rPr lang="en-US" sz="3000" smtClean="0"/>
-              <a:pPr/>
-              <a:t>5</a:t>
-            </a:fld>
-            <a:endParaRPr lang="en-US" sz="3000" dirty="0"/>
-          </a:p>
-        </p:txBody>
-      </p:sp>
-      <p:sp>
-        <p:nvSpPr>
-          <p:cNvPr id="5" name="內容版面配置區 4">
-            <a:extLst>
-              <a:ext uri="{FF2B5EF4-FFF2-40B4-BE49-F238E27FC236}">
-                <a16:creationId xmlns:a16="http://schemas.microsoft.com/office/drawing/2014/main" id="{19858AD7-180D-4A81-63CA-A73A3EC8639F}"/>
-              </a:ext>
-            </a:extLst>
-          </p:cNvPr>
-          <p:cNvSpPr>
-            <a:spLocks noGrp="1"/>
-          </p:cNvSpPr>
-          <p:nvPr>
-            <p:ph idx="1"/>
-          </p:nvPr>
-        </p:nvSpPr>
-        <p:spPr>
-          <a:xfrm>
-            <a:off x="923355" y="1226759"/>
-            <a:ext cx="10345285" cy="4404481"/>
-          </a:xfrm>
-        </p:spPr>
-        <p:txBody>
-          <a:bodyPr>
-            <a:normAutofit/>
-          </a:bodyPr>
-          <a:lstStyle/>
-          <a:p>
-            <a:pPr marL="0" indent="0">
-              <a:buNone/>
-            </a:pPr>
-            <a:endParaRPr lang="en-US" altLang="zh-HK" sz="2400" dirty="0">
-              <a:effectLst/>
-              <a:latin typeface="Meiryo UI" panose="020B0604030504040204" pitchFamily="34" charset="-128"/>
-              <a:ea typeface="Meiryo UI" panose="020B0604030504040204" pitchFamily="34" charset="-128"/>
-            </a:endParaRPr>
-          </a:p>
-          <a:p>
-            <a:r>
-              <a:rPr lang="zh-HK" altLang="en-US" sz="2400" dirty="0">
-                <a:latin typeface="Meiryo UI" panose="020B0604030504040204" pitchFamily="34" charset="-128"/>
-                <a:ea typeface="Meiryo UI" panose="020B0604030504040204" pitchFamily="34" charset="-128"/>
-              </a:rPr>
-              <a:t>ブロック作成するハッシュの基準は</a:t>
-            </a:r>
-            <a:r>
-              <a:rPr lang="en-US" altLang="zh-HK" sz="2400" dirty="0">
-                <a:latin typeface="Meiryo UI" panose="020B0604030504040204" pitchFamily="34" charset="-128"/>
-                <a:ea typeface="Meiryo UI" panose="020B0604030504040204" pitchFamily="34" charset="-128"/>
-              </a:rPr>
-              <a:t>256bit</a:t>
-            </a:r>
-            <a:r>
-              <a:rPr lang="zh-HK" altLang="en-US" sz="2400" dirty="0">
-                <a:latin typeface="Meiryo UI" panose="020B0604030504040204" pitchFamily="34" charset="-128"/>
-                <a:ea typeface="Meiryo UI" panose="020B0604030504040204" pitchFamily="34" charset="-128"/>
-              </a:rPr>
-              <a:t>です。</a:t>
-            </a:r>
-            <a:br>
-              <a:rPr lang="en-US" altLang="zh-HK" sz="2400" dirty="0">
-                <a:latin typeface="Meiryo UI" panose="020B0604030504040204" pitchFamily="34" charset="-128"/>
-                <a:ea typeface="Meiryo UI" panose="020B0604030504040204" pitchFamily="34" charset="-128"/>
-              </a:rPr>
-            </a:br>
-            <a:br>
-              <a:rPr lang="en-US" altLang="zh-HK" sz="2400" dirty="0">
-                <a:latin typeface="Meiryo UI" panose="020B0604030504040204" pitchFamily="34" charset="-128"/>
-                <a:ea typeface="Meiryo UI" panose="020B0604030504040204" pitchFamily="34" charset="-128"/>
-              </a:rPr>
-            </a:br>
-            <a:r>
-              <a:rPr lang="en-US" altLang="zh-HK" sz="2400" dirty="0">
-                <a:effectLst/>
-                <a:latin typeface="Meiryo UI" panose="020B0604030504040204" pitchFamily="34" charset="-128"/>
-                <a:ea typeface="Meiryo UI" panose="020B0604030504040204" pitchFamily="34" charset="-128"/>
-              </a:rPr>
-              <a:t>Farm hash, murmur hash, </a:t>
-            </a:r>
-            <a:r>
-              <a:rPr lang="en-US" altLang="zh-HK" sz="2400" dirty="0" err="1">
-                <a:effectLst/>
-                <a:latin typeface="Meiryo UI" panose="020B0604030504040204" pitchFamily="34" charset="-128"/>
-                <a:ea typeface="Meiryo UI" panose="020B0604030504040204" pitchFamily="34" charset="-128"/>
-              </a:rPr>
-              <a:t>XXhash</a:t>
-            </a:r>
-            <a:r>
-              <a:rPr lang="zh-HK" altLang="en-US" sz="2400" dirty="0">
-                <a:effectLst/>
-                <a:latin typeface="Meiryo UI" panose="020B0604030504040204" pitchFamily="34" charset="-128"/>
-                <a:ea typeface="Meiryo UI" panose="020B0604030504040204" pitchFamily="34" charset="-128"/>
-              </a:rPr>
-              <a:t>の設計に</a:t>
-            </a:r>
-            <a:r>
-              <a:rPr lang="en-US" altLang="zh-HK" sz="2400" dirty="0">
-                <a:effectLst/>
-                <a:latin typeface="Meiryo UI" panose="020B0604030504040204" pitchFamily="34" charset="-128"/>
-                <a:ea typeface="Meiryo UI" panose="020B0604030504040204" pitchFamily="34" charset="-128"/>
-              </a:rPr>
-              <a:t>256bit</a:t>
-            </a:r>
-            <a:r>
-              <a:rPr lang="zh-HK" altLang="en-US" sz="2400" dirty="0">
-                <a:effectLst/>
-                <a:latin typeface="Meiryo UI" panose="020B0604030504040204" pitchFamily="34" charset="-128"/>
-                <a:ea typeface="Meiryo UI" panose="020B0604030504040204" pitchFamily="34" charset="-128"/>
-              </a:rPr>
-              <a:t>をサポートしないですので、手動</a:t>
-            </a:r>
-            <a:r>
-              <a:rPr lang="ja-JP" altLang="en-US" sz="2400">
-                <a:effectLst/>
-                <a:latin typeface="Meiryo UI" panose="020B0604030504040204" pitchFamily="34" charset="-128"/>
-                <a:ea typeface="Meiryo UI" panose="020B0604030504040204" pitchFamily="34" charset="-128"/>
-              </a:rPr>
-              <a:t>でハッシュの</a:t>
-            </a:r>
-            <a:r>
-              <a:rPr lang="zh-HK" altLang="en-US" sz="2400" dirty="0">
-                <a:effectLst/>
-                <a:latin typeface="Meiryo UI" panose="020B0604030504040204" pitchFamily="34" charset="-128"/>
-                <a:ea typeface="Meiryo UI" panose="020B0604030504040204" pitchFamily="34" charset="-128"/>
-              </a:rPr>
-              <a:t>長</a:t>
-            </a:r>
-            <a:r>
-              <a:rPr lang="ja-JP" altLang="en-US" sz="2400">
-                <a:effectLst/>
-                <a:latin typeface="Meiryo UI" panose="020B0604030504040204" pitchFamily="34" charset="-128"/>
-                <a:ea typeface="Meiryo UI" panose="020B0604030504040204" pitchFamily="34" charset="-128"/>
-              </a:rPr>
-              <a:t>さを</a:t>
-            </a:r>
-            <a:r>
-              <a:rPr lang="zh-HK" altLang="en-US" sz="2400" dirty="0">
-                <a:effectLst/>
-                <a:latin typeface="Meiryo UI" panose="020B0604030504040204" pitchFamily="34" charset="-128"/>
-                <a:ea typeface="Meiryo UI" panose="020B0604030504040204" pitchFamily="34" charset="-128"/>
-              </a:rPr>
-              <a:t>倍増</a:t>
-            </a:r>
-            <a:r>
-              <a:rPr lang="ja-JP" altLang="en-US" sz="2400">
-                <a:effectLst/>
-                <a:latin typeface="Meiryo UI" panose="020B0604030504040204" pitchFamily="34" charset="-128"/>
-                <a:ea typeface="Meiryo UI" panose="020B0604030504040204" pitchFamily="34" charset="-128"/>
-              </a:rPr>
-              <a:t>する</a:t>
-            </a:r>
-            <a:r>
-              <a:rPr lang="zh-HK" altLang="en-US" sz="2400" dirty="0">
-                <a:effectLst/>
-                <a:latin typeface="Meiryo UI" panose="020B0604030504040204" pitchFamily="34" charset="-128"/>
-                <a:ea typeface="Meiryo UI" panose="020B0604030504040204" pitchFamily="34" charset="-128"/>
-              </a:rPr>
-              <a:t>ことになりました。</a:t>
-            </a:r>
-            <a:endParaRPr lang="ja-JP" altLang="en-US" sz="2400">
-              <a:effectLst/>
-              <a:latin typeface="Meiryo UI" panose="020B0604030504040204" pitchFamily="34" charset="-128"/>
-              <a:ea typeface="Meiryo UI" panose="020B0604030504040204" pitchFamily="34" charset="-128"/>
-            </a:endParaRPr>
-          </a:p>
-          <a:p>
-            <a:endParaRPr lang="en-US" altLang="zh-HK" sz="2400" dirty="0">
-              <a:effectLst/>
-              <a:latin typeface="Meiryo UI" panose="020B0604030504040204" pitchFamily="34" charset="-128"/>
-              <a:ea typeface="Meiryo UI" panose="020B0604030504040204" pitchFamily="34" charset="-128"/>
-            </a:endParaRPr>
-          </a:p>
-        </p:txBody>
-      </p:sp>
-    </p:spTree>
-    <p:extLst>
-      <p:ext uri="{BB962C8B-B14F-4D97-AF65-F5344CB8AC3E}">
-        <p14:creationId xmlns:p14="http://schemas.microsoft.com/office/powerpoint/2010/main" val="1294837413"/>
-      </p:ext>
-    </p:extLst>
-  </p:cSld>
-  <p:clrMapOvr>
-    <a:masterClrMapping/>
-  </p:clrMapOvr>
-</p:sld>
-</file>
-
 <file path=ppt/slides/slide6.xml><?xml version="1.0" encoding="utf-8"?>
 <p:sld xmlns:a="http://schemas.openxmlformats.org/drawingml/2006/main" xmlns:r="http://schemas.openxmlformats.org/officeDocument/2006/relationships" xmlns:p="http://schemas.openxmlformats.org/presentationml/2006/main">
   <p:cSld>
@@ -20865,74 +21923,6 @@
           <a:chExt cx="0" cy="0"/>
         </a:xfrm>
       </p:grpSpPr>
-      <p:sp>
-        <p:nvSpPr>
-          <p:cNvPr id="2" name="標題 1">
-            <a:extLst>
-              <a:ext uri="{FF2B5EF4-FFF2-40B4-BE49-F238E27FC236}">
-                <a16:creationId xmlns:a16="http://schemas.microsoft.com/office/drawing/2014/main" id="{CE40B5A1-3939-49F9-B567-A7B38AA24DDF}"/>
-              </a:ext>
-            </a:extLst>
-          </p:cNvPr>
-          <p:cNvSpPr>
-            <a:spLocks noGrp="1"/>
-          </p:cNvSpPr>
-          <p:nvPr>
-            <p:ph type="title"/>
-          </p:nvPr>
-        </p:nvSpPr>
-        <p:spPr>
-          <a:xfrm>
-            <a:off x="1030286" y="0"/>
-            <a:ext cx="10131425" cy="1456267"/>
-          </a:xfrm>
-        </p:spPr>
-        <p:txBody>
-          <a:bodyPr/>
-          <a:lstStyle/>
-          <a:p>
-            <a:r>
-              <a:rPr lang="en-US" altLang="zh-HK" dirty="0">
-                <a:latin typeface="Meiryo UI" panose="020B0604030504040204" pitchFamily="34" charset="-128"/>
-                <a:ea typeface="Meiryo UI" panose="020B0604030504040204" pitchFamily="34" charset="-128"/>
-              </a:rPr>
-              <a:t>12</a:t>
-            </a:r>
-            <a:r>
-              <a:rPr lang="zh-HK" altLang="en-US" dirty="0">
-                <a:latin typeface="Meiryo UI" panose="020B0604030504040204" pitchFamily="34" charset="-128"/>
-                <a:ea typeface="Meiryo UI" panose="020B0604030504040204" pitchFamily="34" charset="-128"/>
-              </a:rPr>
-              <a:t>月</a:t>
-            </a:r>
-            <a:r>
-              <a:rPr lang="zh-TW" altLang="en-US" dirty="0">
-                <a:latin typeface="Meiryo UI" panose="020B0604030504040204" pitchFamily="34" charset="-128"/>
-                <a:ea typeface="Meiryo UI" panose="020B0604030504040204" pitchFamily="34" charset="-128"/>
-              </a:rPr>
-              <a:t> </a:t>
-            </a:r>
-            <a:r>
-              <a:rPr lang="en-US" altLang="zh-HK" dirty="0">
-                <a:latin typeface="Meiryo UI" panose="020B0604030504040204" pitchFamily="34" charset="-128"/>
-                <a:ea typeface="Meiryo UI" panose="020B0604030504040204" pitchFamily="34" charset="-128"/>
-              </a:rPr>
-              <a:t>-</a:t>
-            </a:r>
-            <a:r>
-              <a:rPr lang="zh-HK" altLang="en-US" dirty="0">
-                <a:latin typeface="Meiryo UI" panose="020B0604030504040204" pitchFamily="34" charset="-128"/>
-                <a:ea typeface="Meiryo UI" panose="020B0604030504040204" pitchFamily="34" charset="-128"/>
-              </a:rPr>
-              <a:t>研究内容</a:t>
-            </a:r>
-            <a:endParaRPr kumimoji="1" lang="zh-HK" altLang="en-US" dirty="0">
-              <a:latin typeface="Meiryo UI" panose="020B0604030504040204" pitchFamily="34" charset="-128"/>
-              <a:ea typeface="Meiryo UI" panose="020B0604030504040204" pitchFamily="34" charset="-128"/>
-            </a:endParaRPr>
-          </a:p>
-        </p:txBody>
-      </p:sp>
       <p:sp>
         <p:nvSpPr>
           <p:cNvPr id="4" name="投影片編號版面配置區 3">
@@ -20979,14 +21969,14 @@
             <p:ph idx="1"/>
             <p:extLst>
               <p:ext uri="{D42A27DB-BD31-4B8C-83A1-F6EECF244321}">
-                <p14:modId xmlns:p14="http://schemas.microsoft.com/office/powerpoint/2010/main" val="1821234171"/>
+                <p14:modId xmlns:p14="http://schemas.microsoft.com/office/powerpoint/2010/main" val="3189745183"/>
               </p:ext>
             </p:extLst>
           </p:nvPr>
         </p:nvGraphicFramePr>
         <p:xfrm>
-          <a:off x="494945" y="1962085"/>
-          <a:ext cx="11428796" cy="3600000"/>
+          <a:off x="204763" y="1875245"/>
+          <a:ext cx="11782467" cy="3207576"/>
         </p:xfrm>
         <a:graphic>
           <a:graphicData uri="http://schemas.openxmlformats.org/drawingml/2006/table">
@@ -20995,70 +21985,70 @@
                 <a:tableStyleId>{5C22544A-7EE6-4342-B048-85BDC9FD1C3A}</a:tableStyleId>
               </a:tblPr>
               <a:tblGrid>
-                <a:gridCol w="1191692">
+                <a:gridCol w="1101523">
                   <a:extLst>
                     <a:ext uri="{9D8B030D-6E8A-4147-A177-3AD203B41FA5}">
                       <a16:colId xmlns:a16="http://schemas.microsoft.com/office/drawing/2014/main" val="3802710178"/>
                     </a:ext>
                   </a:extLst>
                 </a:gridCol>
-                <a:gridCol w="1076400">
+                <a:gridCol w="1184365">
                   <a:extLst>
                     <a:ext uri="{9D8B030D-6E8A-4147-A177-3AD203B41FA5}">
                       <a16:colId xmlns:a16="http://schemas.microsoft.com/office/drawing/2014/main" val="197980226"/>
                     </a:ext>
                   </a:extLst>
                 </a:gridCol>
-                <a:gridCol w="1181146">
+                <a:gridCol w="1332412">
                   <a:extLst>
                     <a:ext uri="{9D8B030D-6E8A-4147-A177-3AD203B41FA5}">
                       <a16:colId xmlns:a16="http://schemas.microsoft.com/office/drawing/2014/main" val="3502698574"/>
                     </a:ext>
                   </a:extLst>
                 </a:gridCol>
-                <a:gridCol w="1170599">
+                <a:gridCol w="1358537">
                   <a:extLst>
                     <a:ext uri="{9D8B030D-6E8A-4147-A177-3AD203B41FA5}">
                       <a16:colId xmlns:a16="http://schemas.microsoft.com/office/drawing/2014/main" val="278007834"/>
                     </a:ext>
                   </a:extLst>
                 </a:gridCol>
-                <a:gridCol w="1497524">
+                <a:gridCol w="1123406">
                   <a:extLst>
                     <a:ext uri="{9D8B030D-6E8A-4147-A177-3AD203B41FA5}">
                       <a16:colId xmlns:a16="http://schemas.microsoft.com/office/drawing/2014/main" val="2671526995"/>
                     </a:ext>
                   </a:extLst>
                 </a:gridCol>
-                <a:gridCol w="959681">
+                <a:gridCol w="1054082">
                   <a:extLst>
                     <a:ext uri="{9D8B030D-6E8A-4147-A177-3AD203B41FA5}">
                       <a16:colId xmlns:a16="http://schemas.microsoft.com/office/drawing/2014/main" val="2792151916"/>
                     </a:ext>
                   </a:extLst>
                 </a:gridCol>
-                <a:gridCol w="928043">
+                <a:gridCol w="971607">
                   <a:extLst>
                     <a:ext uri="{9D8B030D-6E8A-4147-A177-3AD203B41FA5}">
                       <a16:colId xmlns:a16="http://schemas.microsoft.com/office/drawing/2014/main" val="3328095152"/>
                     </a:ext>
                   </a:extLst>
                 </a:gridCol>
-                <a:gridCol w="1044049">
+                <a:gridCol w="1192426">
                   <a:extLst>
                     <a:ext uri="{9D8B030D-6E8A-4147-A177-3AD203B41FA5}">
                       <a16:colId xmlns:a16="http://schemas.microsoft.com/office/drawing/2014/main" val="2701643900"/>
                     </a:ext>
                   </a:extLst>
                 </a:gridCol>
-                <a:gridCol w="864767">
+                <a:gridCol w="940108">
                   <a:extLst>
                     <a:ext uri="{9D8B030D-6E8A-4147-A177-3AD203B41FA5}">
                       <a16:colId xmlns:a16="http://schemas.microsoft.com/office/drawing/2014/main" val="3396234251"/>
                     </a:ext>
                   </a:extLst>
                 </a:gridCol>
-                <a:gridCol w="1514895">
+                <a:gridCol w="1524001">
                   <a:extLst>
                     <a:ext uri="{9D8B030D-6E8A-4147-A177-3AD203B41FA5}">
                       <a16:colId xmlns:a16="http://schemas.microsoft.com/office/drawing/2014/main" val="1847039352"/>
@@ -21066,7 +22056,7 @@
                   </a:extLst>
                 </a:gridCol>
               </a:tblGrid>
-              <a:tr h="720000">
+              <a:tr h="291152">
                 <a:tc>
                   <a:txBody>
                     <a:bodyPr/>
@@ -21074,7 +22064,7 @@
                     <a:p>
                       <a:pPr algn="ctr"/>
                       <a:endParaRPr lang="zh-HK" altLang="en-US" sz="1600" b="0" dirty="0">
-                        <a:latin typeface="+mn-lt"/>
+                        <a:latin typeface="Meiryo UI" panose="020B0604030504040204" pitchFamily="34" charset="-128"/>
                         <a:ea typeface="Meiryo UI" panose="020B0604030504040204" pitchFamily="34" charset="-128"/>
                       </a:endParaRPr>
                     </a:p>
@@ -21088,17 +22078,17 @@
                     <a:p>
                       <a:pPr algn="ctr"/>
                       <a:r>
-                        <a:rPr kumimoji="1" lang="en-US" altLang="zh-HK" sz="1600" dirty="0">
+                        <a:rPr kumimoji="1" lang="en-US" altLang="zh-HK" sz="1400" dirty="0">
                           <a:solidFill>
                             <a:schemeClr val="tx1"/>
                           </a:solidFill>
-                          <a:latin typeface="+mn-lt"/>
+                          <a:latin typeface="Meiryo UI" panose="020B0604030504040204" pitchFamily="34" charset="-128"/>
                           <a:ea typeface="Meiryo UI" panose="020B0604030504040204" pitchFamily="34" charset="-128"/>
                         </a:rPr>
                         <a:t>Sha256</a:t>
                       </a:r>
-                      <a:endParaRPr lang="zh-HK" altLang="en-US" sz="1600" b="0" dirty="0">
-                        <a:latin typeface="+mn-lt"/>
+                      <a:endParaRPr lang="zh-HK" altLang="en-US" sz="1400" b="0" dirty="0">
+                        <a:latin typeface="Meiryo UI" panose="020B0604030504040204" pitchFamily="34" charset="-128"/>
                         <a:ea typeface="Meiryo UI" panose="020B0604030504040204" pitchFamily="34" charset="-128"/>
                       </a:endParaRPr>
                     </a:p>
@@ -21112,14 +22102,14 @@
                     <a:p>
                       <a:pPr algn="ctr"/>
                       <a:r>
-                        <a:rPr lang="en-US" altLang="zh-HK" sz="1600" b="1" dirty="0">
-                          <a:latin typeface="+mn-lt"/>
+                        <a:rPr lang="en-US" altLang="zh-HK" sz="1400" b="1" dirty="0">
+                          <a:latin typeface="Meiryo UI" panose="020B0604030504040204" pitchFamily="34" charset="-128"/>
                           <a:ea typeface="Meiryo UI" panose="020B0604030504040204" pitchFamily="34" charset="-128"/>
                         </a:rPr>
                         <a:t>Blake2b</a:t>
                       </a:r>
-                      <a:endParaRPr lang="zh-HK" altLang="en-US" sz="1600" b="0" dirty="0">
-                        <a:latin typeface="+mn-lt"/>
+                      <a:endParaRPr lang="zh-HK" altLang="en-US" sz="1400" b="0" dirty="0">
+                        <a:latin typeface="Meiryo UI" panose="020B0604030504040204" pitchFamily="34" charset="-128"/>
                         <a:ea typeface="Meiryo UI" panose="020B0604030504040204" pitchFamily="34" charset="-128"/>
                       </a:endParaRPr>
                     </a:p>
@@ -21133,21 +22123,21 @@
                     <a:p>
                       <a:pPr algn="ctr"/>
                       <a:r>
-                        <a:rPr lang="en-US" altLang="zh-HK" sz="1600" b="1" dirty="0">
-                          <a:latin typeface="+mn-lt"/>
+                        <a:rPr lang="en-US" altLang="zh-HK" sz="1400" b="1" dirty="0">
+                          <a:latin typeface="Meiryo UI" panose="020B0604030504040204" pitchFamily="34" charset="-128"/>
                           <a:ea typeface="Meiryo UI" panose="020B0604030504040204" pitchFamily="34" charset="-128"/>
                         </a:rPr>
                         <a:t>Blake</a:t>
                       </a:r>
                       <a:r>
-                        <a:rPr lang="en-US" altLang="zh-TW" sz="1600" b="1" dirty="0">
-                          <a:latin typeface="+mn-lt"/>
+                        <a:rPr lang="en-US" altLang="zh-TW" sz="1400" b="1" dirty="0">
+                          <a:latin typeface="Meiryo UI" panose="020B0604030504040204" pitchFamily="34" charset="-128"/>
                           <a:ea typeface="Meiryo UI" panose="020B0604030504040204" pitchFamily="34" charset="-128"/>
                         </a:rPr>
                         <a:t>3</a:t>
                       </a:r>
-                      <a:endParaRPr lang="zh-HK" altLang="en-US" sz="1600" b="0" dirty="0">
-                        <a:latin typeface="+mn-lt"/>
+                      <a:endParaRPr lang="zh-HK" altLang="en-US" sz="1400" b="0" dirty="0">
+                        <a:latin typeface="Meiryo UI" panose="020B0604030504040204" pitchFamily="34" charset="-128"/>
                         <a:ea typeface="Meiryo UI" panose="020B0604030504040204" pitchFamily="34" charset="-128"/>
                       </a:endParaRPr>
                     </a:p>
@@ -21161,19 +22151,19 @@
                     <a:p>
                       <a:pPr algn="ctr"/>
                       <a:r>
-                        <a:rPr lang="en-US" altLang="zh-HK" sz="1600" b="1" i="0" kern="1200" dirty="0">
+                        <a:rPr lang="en-US" altLang="zh-HK" sz="1400" b="1" i="0" kern="1200">
                           <a:solidFill>
                             <a:schemeClr val="lt1"/>
                           </a:solidFill>
                           <a:effectLst/>
-                          <a:latin typeface="+mn-lt"/>
-                          <a:ea typeface="+mn-ea"/>
+                          <a:latin typeface="Meiryo UI" panose="020B0604030504040204" pitchFamily="34" charset="-128"/>
+                          <a:ea typeface="Meiryo UI" panose="020B0604030504040204" pitchFamily="34" charset="-128"/>
                           <a:cs typeface="+mn-cs"/>
                         </a:rPr>
-                        <a:t>MurmurHash3</a:t>
+                        <a:t>Murmur3</a:t>
                       </a:r>
-                      <a:endParaRPr lang="zh-HK" altLang="en-US" sz="1600" b="1" dirty="0">
-                        <a:latin typeface="+mn-lt"/>
+                      <a:endParaRPr lang="zh-HK" altLang="en-US" sz="1400" b="1" dirty="0">
+                        <a:latin typeface="Meiryo UI" panose="020B0604030504040204" pitchFamily="34" charset="-128"/>
                         <a:ea typeface="Meiryo UI" panose="020B0604030504040204" pitchFamily="34" charset="-128"/>
                       </a:endParaRPr>
                     </a:p>
@@ -21187,14 +22177,14 @@
                     <a:p>
                       <a:pPr algn="ctr"/>
                       <a:r>
-                        <a:rPr lang="en-US" altLang="zh-HK" sz="1600" b="1" dirty="0">
-                          <a:latin typeface="+mn-lt"/>
+                        <a:rPr lang="en-US" altLang="zh-HK" sz="1400" b="1" dirty="0">
+                          <a:latin typeface="Meiryo UI" panose="020B0604030504040204" pitchFamily="34" charset="-128"/>
                           <a:ea typeface="Meiryo UI" panose="020B0604030504040204" pitchFamily="34" charset="-128"/>
                         </a:rPr>
                         <a:t>Keccak</a:t>
                       </a:r>
-                      <a:endParaRPr lang="zh-HK" altLang="en-US" sz="1600" b="0" dirty="0">
-                        <a:latin typeface="+mn-lt"/>
+                      <a:endParaRPr lang="zh-HK" altLang="en-US" sz="1400" b="0" dirty="0">
+                        <a:latin typeface="Meiryo UI" panose="020B0604030504040204" pitchFamily="34" charset="-128"/>
                         <a:ea typeface="Meiryo UI" panose="020B0604030504040204" pitchFamily="34" charset="-128"/>
                       </a:endParaRPr>
                     </a:p>
@@ -21208,14 +22198,14 @@
                     <a:p>
                       <a:pPr algn="ctr"/>
                       <a:r>
-                        <a:rPr lang="en-US" altLang="zh-HK" sz="1600" b="1" dirty="0">
-                          <a:latin typeface="+mn-lt"/>
+                        <a:rPr lang="en-US" altLang="zh-HK" sz="1400" b="1" dirty="0">
+                          <a:latin typeface="Meiryo UI" panose="020B0604030504040204" pitchFamily="34" charset="-128"/>
                           <a:ea typeface="Meiryo UI" panose="020B0604030504040204" pitchFamily="34" charset="-128"/>
                         </a:rPr>
                         <a:t>Skein</a:t>
                       </a:r>
-                      <a:endParaRPr lang="zh-HK" altLang="en-US" sz="1600" b="0" dirty="0">
-                        <a:latin typeface="+mn-lt"/>
+                      <a:endParaRPr lang="zh-HK" altLang="en-US" sz="1400" b="0" dirty="0">
+                        <a:latin typeface="Meiryo UI" panose="020B0604030504040204" pitchFamily="34" charset="-128"/>
                         <a:ea typeface="Meiryo UI" panose="020B0604030504040204" pitchFamily="34" charset="-128"/>
                       </a:endParaRPr>
                     </a:p>
@@ -21245,19 +22235,19 @@
                         <a:defRPr/>
                       </a:pPr>
                       <a:r>
-                        <a:rPr lang="en-US" altLang="zh-HK" sz="1600" b="1" i="0" kern="1200" dirty="0" err="1">
+                        <a:rPr lang="en-US" altLang="zh-HK" sz="1400" b="1" i="0" kern="1200" dirty="0" err="1">
                           <a:solidFill>
                             <a:schemeClr val="lt1"/>
                           </a:solidFill>
                           <a:effectLst/>
-                          <a:latin typeface="+mn-lt"/>
-                          <a:ea typeface="+mn-ea"/>
+                          <a:latin typeface="Meiryo UI" panose="020B0604030504040204" pitchFamily="34" charset="-128"/>
+                          <a:ea typeface="Meiryo UI" panose="020B0604030504040204" pitchFamily="34" charset="-128"/>
                           <a:cs typeface="+mn-cs"/>
                         </a:rPr>
                         <a:t>FarmHash</a:t>
                       </a:r>
-                      <a:endParaRPr lang="zh-HK" altLang="en-US" sz="1600" b="1" dirty="0">
-                        <a:latin typeface="+mn-lt"/>
+                      <a:endParaRPr lang="zh-HK" altLang="en-US" sz="1400" b="1" dirty="0">
+                        <a:latin typeface="Meiryo UI" panose="020B0604030504040204" pitchFamily="34" charset="-128"/>
                         <a:ea typeface="Meiryo UI" panose="020B0604030504040204" pitchFamily="34" charset="-128"/>
                       </a:endParaRPr>
                     </a:p>
@@ -21287,19 +22277,19 @@
                         <a:defRPr/>
                       </a:pPr>
                       <a:r>
-                        <a:rPr lang="en-US" altLang="zh-HK" sz="1600" b="1" i="0" kern="1200" dirty="0" err="1">
+                        <a:rPr lang="en-US" altLang="zh-HK" sz="1400" b="1" i="0" kern="1200" dirty="0" err="1">
                           <a:solidFill>
                             <a:schemeClr val="lt1"/>
                           </a:solidFill>
                           <a:effectLst/>
-                          <a:latin typeface="+mn-lt"/>
-                          <a:ea typeface="+mn-ea"/>
+                          <a:latin typeface="Meiryo UI" panose="020B0604030504040204" pitchFamily="34" charset="-128"/>
+                          <a:ea typeface="Meiryo UI" panose="020B0604030504040204" pitchFamily="34" charset="-128"/>
                           <a:cs typeface="+mn-cs"/>
                         </a:rPr>
                         <a:t>xxHash</a:t>
                       </a:r>
-                      <a:endParaRPr lang="zh-HK" altLang="en-US" sz="1600" b="1" dirty="0">
-                        <a:latin typeface="+mn-lt"/>
+                      <a:endParaRPr lang="zh-HK" altLang="en-US" sz="1400" b="1" dirty="0">
+                        <a:latin typeface="Meiryo UI" panose="020B0604030504040204" pitchFamily="34" charset="-128"/>
                         <a:ea typeface="Meiryo UI" panose="020B0604030504040204" pitchFamily="34" charset="-128"/>
                       </a:endParaRPr>
                     </a:p>
@@ -21329,19 +22319,19 @@
                         <a:defRPr/>
                       </a:pPr>
                       <a:r>
-                        <a:rPr lang="en-US" altLang="zh-HK" sz="1600" b="1" i="0" kern="1200" dirty="0" err="1">
+                        <a:rPr lang="en-US" altLang="zh-HK" sz="1400" b="1" i="0" kern="1200" dirty="0" err="1">
                           <a:solidFill>
                             <a:schemeClr val="lt1"/>
                           </a:solidFill>
                           <a:effectLst/>
-                          <a:latin typeface="+mn-lt"/>
-                          <a:ea typeface="+mn-ea"/>
+                          <a:latin typeface="Meiryo UI" panose="020B0604030504040204" pitchFamily="34" charset="-128"/>
+                          <a:ea typeface="Meiryo UI" panose="020B0604030504040204" pitchFamily="34" charset="-128"/>
                           <a:cs typeface="+mn-cs"/>
                         </a:rPr>
                         <a:t>HighwayHash</a:t>
                       </a:r>
-                      <a:endParaRPr lang="zh-HK" altLang="en-US" sz="1600" b="1" dirty="0">
-                        <a:latin typeface="+mn-lt"/>
+                      <a:endParaRPr lang="zh-HK" altLang="en-US" sz="1400" b="1" dirty="0">
+                        <a:latin typeface="Meiryo UI" panose="020B0604030504040204" pitchFamily="34" charset="-128"/>
                         <a:ea typeface="Meiryo UI" panose="020B0604030504040204" pitchFamily="34" charset="-128"/>
                       </a:endParaRPr>
                     </a:p>
@@ -21362,11 +22352,11 @@
                     <a:p>
                       <a:pPr algn="ctr"/>
                       <a:r>
-                        <a:rPr lang="en-US" altLang="zh-HK" sz="1500" b="1" dirty="0">
+                        <a:rPr lang="en-US" altLang="zh-HK" sz="1400" b="1" dirty="0">
                           <a:solidFill>
                             <a:schemeClr val="tx1"/>
                           </a:solidFill>
-                          <a:latin typeface="+mn-lt"/>
+                          <a:latin typeface="Meiryo UI" panose="020B0604030504040204" pitchFamily="34" charset="-128"/>
                           <a:ea typeface="Meiryo UI" panose="020B0604030504040204" pitchFamily="34" charset="-128"/>
                         </a:rPr>
                         <a:t>PPT</a:t>
@@ -21391,20 +22381,20 @@
                         <a:defRPr/>
                       </a:pPr>
                       <a:r>
-                        <a:rPr lang="en-US" altLang="zh-HK" sz="1500" b="1" dirty="0">
+                        <a:rPr lang="en-US" altLang="zh-HK" sz="1400" b="1" dirty="0">
                           <a:solidFill>
                             <a:schemeClr val="tx1"/>
                           </a:solidFill>
-                          <a:latin typeface="+mn-lt"/>
+                          <a:latin typeface="Meiryo UI" panose="020B0604030504040204" pitchFamily="34" charset="-128"/>
                           <a:ea typeface="Meiryo UI" panose="020B0604030504040204" pitchFamily="34" charset="-128"/>
                         </a:rPr>
                         <a:t>114KB</a:t>
                       </a:r>
-                      <a:endParaRPr lang="zh-HK" altLang="en-US" sz="1500" b="1" dirty="0">
+                      <a:endParaRPr lang="zh-HK" altLang="en-US" sz="1400" b="1" dirty="0">
                         <a:solidFill>
                           <a:schemeClr val="tx1"/>
                         </a:solidFill>
-                        <a:latin typeface="+mn-lt"/>
+                        <a:latin typeface="Meiryo UI" panose="020B0604030504040204" pitchFamily="34" charset="-128"/>
                         <a:ea typeface="Meiryo UI" panose="020B0604030504040204" pitchFamily="34" charset="-128"/>
                       </a:endParaRPr>
                     </a:p>
@@ -21438,20 +22428,20 @@
                         <a:defRPr/>
                       </a:pPr>
                       <a:r>
-                        <a:rPr lang="en-US" altLang="zh-HK" sz="1600" b="0" i="0" dirty="0">
+                        <a:rPr lang="en-US" altLang="zh-HK" sz="1400" b="0" i="0" dirty="0">
                           <a:latin typeface="Meiryo UI" panose="020B0604030504040204" pitchFamily="34" charset="-128"/>
                           <a:ea typeface="Meiryo UI" panose="020B0604030504040204" pitchFamily="34" charset="-128"/>
                         </a:rPr>
                         <a:t>7s~</a:t>
                       </a:r>
                       <a:r>
-                        <a:rPr lang="en-US" altLang="zh-TW" sz="1600" b="0" i="0" dirty="0">
+                        <a:rPr lang="en-US" altLang="zh-TW" sz="1400" b="0" i="0" dirty="0">
                           <a:latin typeface="Meiryo UI" panose="020B0604030504040204" pitchFamily="34" charset="-128"/>
                           <a:ea typeface="Meiryo UI" panose="020B0604030504040204" pitchFamily="34" charset="-128"/>
                         </a:rPr>
                         <a:t>2m</a:t>
                       </a:r>
-                      <a:endParaRPr lang="en-US" altLang="zh-HK" sz="1600" b="0" i="0" dirty="0">
+                      <a:endParaRPr lang="en-US" altLang="zh-HK" sz="1400" b="0" i="0" dirty="0">
                         <a:latin typeface="Meiryo UI" panose="020B0604030504040204" pitchFamily="34" charset="-128"/>
                         <a:ea typeface="Meiryo UI" panose="020B0604030504040204" pitchFamily="34" charset="-128"/>
                       </a:endParaRPr>
@@ -21466,27 +22456,27 @@
                     <a:p>
                       <a:pPr algn="ctr"/>
                       <a:r>
-                        <a:rPr lang="en-US" altLang="zh-HK" sz="1600" b="0" i="0" dirty="0">
+                        <a:rPr lang="en-US" altLang="zh-HK" sz="1400" b="0" i="0" dirty="0">
                           <a:latin typeface="Meiryo UI" panose="020B0604030504040204" pitchFamily="34" charset="-128"/>
                           <a:ea typeface="Meiryo UI" panose="020B0604030504040204" pitchFamily="34" charset="-128"/>
                         </a:rPr>
                         <a:t>30s</a:t>
                       </a:r>
                       <a:r>
-                        <a:rPr lang="en-US" altLang="zh-TW" sz="1600" b="0" i="0" dirty="0">
+                        <a:rPr lang="en-US" altLang="zh-TW" sz="1400" b="0" i="0" dirty="0">
                           <a:latin typeface="Meiryo UI" panose="020B0604030504040204" pitchFamily="34" charset="-128"/>
                           <a:ea typeface="Meiryo UI" panose="020B0604030504040204" pitchFamily="34" charset="-128"/>
                         </a:rPr>
                         <a:t>~</a:t>
                       </a:r>
                       <a:r>
-                        <a:rPr lang="en-US" altLang="zh-HK" sz="1600" b="0" i="0" dirty="0">
+                        <a:rPr lang="en-US" altLang="zh-HK" sz="1400" b="0" i="0" dirty="0">
                           <a:latin typeface="Meiryo UI" panose="020B0604030504040204" pitchFamily="34" charset="-128"/>
                           <a:ea typeface="Meiryo UI" panose="020B0604030504040204" pitchFamily="34" charset="-128"/>
                         </a:rPr>
                         <a:t>4m</a:t>
                       </a:r>
-                      <a:endParaRPr lang="zh-HK" altLang="en-US" sz="1600" b="0" i="0" dirty="0">
+                      <a:endParaRPr lang="zh-HK" altLang="en-US" sz="1400" b="0" i="0" dirty="0">
                         <a:latin typeface="Meiryo UI" panose="020B0604030504040204" pitchFamily="34" charset="-128"/>
                         <a:ea typeface="Meiryo UI" panose="020B0604030504040204" pitchFamily="34" charset="-128"/>
                       </a:endParaRPr>
@@ -21501,26 +22491,13 @@
                     <a:p>
                       <a:pPr algn="ctr"/>
                       <a:r>
-                        <a:rPr lang="en-US" altLang="zh-HK" sz="1600" dirty="0">
+                        <a:rPr lang="en-US" altLang="zh-HK" sz="1400" dirty="0">
                           <a:latin typeface="Meiryo UI" panose="020B0604030504040204" pitchFamily="34" charset="-128"/>
                           <a:ea typeface="Meiryo UI" panose="020B0604030504040204" pitchFamily="34" charset="-128"/>
                         </a:rPr>
-                        <a:t>1m40</a:t>
+                        <a:t>1m40~3m40</a:t>
                       </a:r>
-                      <a:br>
-                        <a:rPr lang="en-US" altLang="zh-HK" sz="1600" dirty="0">
-                          <a:latin typeface="Meiryo UI" panose="020B0604030504040204" pitchFamily="34" charset="-128"/>
-                          <a:ea typeface="Meiryo UI" panose="020B0604030504040204" pitchFamily="34" charset="-128"/>
-                        </a:rPr>
-                      </a:br>
-                      <a:r>
-                        <a:rPr lang="en-US" altLang="zh-HK" sz="1600" dirty="0">
-                          <a:latin typeface="Meiryo UI" panose="020B0604030504040204" pitchFamily="34" charset="-128"/>
-                          <a:ea typeface="Meiryo UI" panose="020B0604030504040204" pitchFamily="34" charset="-128"/>
-                        </a:rPr>
-                        <a:t>~3m40</a:t>
-                      </a:r>
-                      <a:endParaRPr lang="zh-HK" altLang="en-US" sz="1600" dirty="0">
+                      <a:endParaRPr lang="zh-HK" altLang="en-US" sz="1400" dirty="0">
                         <a:latin typeface="Meiryo UI" panose="020B0604030504040204" pitchFamily="34" charset="-128"/>
                         <a:ea typeface="Meiryo UI" panose="020B0604030504040204" pitchFamily="34" charset="-128"/>
                       </a:endParaRPr>
@@ -21535,27 +22512,27 @@
                     <a:p>
                       <a:pPr algn="ctr"/>
                       <a:r>
-                        <a:rPr lang="en-US" altLang="zh-HK" sz="1600" dirty="0">
+                        <a:rPr lang="en-US" altLang="zh-HK" sz="1400" dirty="0">
                           <a:latin typeface="Meiryo UI" panose="020B0604030504040204" pitchFamily="34" charset="-128"/>
                           <a:ea typeface="Meiryo UI" panose="020B0604030504040204" pitchFamily="34" charset="-128"/>
                         </a:rPr>
                         <a:t>1</a:t>
                       </a:r>
                       <a:r>
-                        <a:rPr lang="en-US" altLang="zh-TW" sz="1600" dirty="0">
+                        <a:rPr lang="en-US" altLang="zh-TW" sz="1400" dirty="0">
                           <a:latin typeface="Meiryo UI" panose="020B0604030504040204" pitchFamily="34" charset="-128"/>
                           <a:ea typeface="Meiryo UI" panose="020B0604030504040204" pitchFamily="34" charset="-128"/>
                         </a:rPr>
                         <a:t>0s</a:t>
                       </a:r>
                       <a:r>
-                        <a:rPr lang="en-US" altLang="zh-HK" sz="1600" dirty="0">
+                        <a:rPr lang="en-US" altLang="zh-HK" sz="1400" dirty="0">
                           <a:latin typeface="Meiryo UI" panose="020B0604030504040204" pitchFamily="34" charset="-128"/>
                           <a:ea typeface="Meiryo UI" panose="020B0604030504040204" pitchFamily="34" charset="-128"/>
                         </a:rPr>
-                        <a:t>~</a:t>
+                        <a:t>~44s</a:t>
                       </a:r>
-                      <a:endParaRPr lang="zh-HK" altLang="en-US" sz="1600" dirty="0">
+                      <a:endParaRPr lang="zh-HK" altLang="en-US" sz="1400" dirty="0">
                         <a:latin typeface="Meiryo UI" panose="020B0604030504040204" pitchFamily="34" charset="-128"/>
                         <a:ea typeface="Meiryo UI" panose="020B0604030504040204" pitchFamily="34" charset="-128"/>
                       </a:endParaRPr>
@@ -21570,13 +22547,13 @@
                     <a:p>
                       <a:pPr algn="ctr"/>
                       <a:r>
-                        <a:rPr lang="en-US" altLang="zh-HK" sz="1600" dirty="0">
+                        <a:rPr lang="en-US" altLang="zh-HK" sz="1400" dirty="0">
                           <a:latin typeface="Meiryo UI" panose="020B0604030504040204" pitchFamily="34" charset="-128"/>
                           <a:ea typeface="Meiryo UI" panose="020B0604030504040204" pitchFamily="34" charset="-128"/>
                         </a:rPr>
-                        <a:t>~24s</a:t>
+                        <a:t>4s~24s</a:t>
                       </a:r>
-                      <a:endParaRPr lang="zh-HK" altLang="en-US" sz="1600" dirty="0">
+                      <a:endParaRPr lang="zh-HK" altLang="en-US" sz="1400" dirty="0">
                         <a:latin typeface="Meiryo UI" panose="020B0604030504040204" pitchFamily="34" charset="-128"/>
                         <a:ea typeface="Meiryo UI" panose="020B0604030504040204" pitchFamily="34" charset="-128"/>
                       </a:endParaRPr>
@@ -21591,13 +22568,13 @@
                     <a:p>
                       <a:pPr algn="ctr"/>
                       <a:r>
-                        <a:rPr lang="en-US" altLang="zh-HK" sz="1600" dirty="0">
+                        <a:rPr lang="en-US" altLang="zh-HK" sz="1400" dirty="0">
                           <a:latin typeface="Meiryo UI" panose="020B0604030504040204" pitchFamily="34" charset="-128"/>
                           <a:ea typeface="Meiryo UI" panose="020B0604030504040204" pitchFamily="34" charset="-128"/>
                         </a:rPr>
-                        <a:t>~30s</a:t>
+                        <a:t>30s~1m43</a:t>
                       </a:r>
-                      <a:endParaRPr lang="zh-HK" altLang="en-US" sz="1600" dirty="0">
+                      <a:endParaRPr lang="zh-HK" altLang="en-US" sz="1400" dirty="0">
                         <a:latin typeface="Meiryo UI" panose="020B0604030504040204" pitchFamily="34" charset="-128"/>
                         <a:ea typeface="Meiryo UI" panose="020B0604030504040204" pitchFamily="34" charset="-128"/>
                       </a:endParaRPr>
@@ -21612,13 +22589,13 @@
                     <a:p>
                       <a:pPr algn="ctr"/>
                       <a:r>
-                        <a:rPr lang="en-US" altLang="zh-HK" sz="1600" dirty="0">
+                        <a:rPr lang="en-US" altLang="zh-HK" sz="1400" dirty="0">
                           <a:latin typeface="Meiryo UI" panose="020B0604030504040204" pitchFamily="34" charset="-128"/>
                           <a:ea typeface="Meiryo UI" panose="020B0604030504040204" pitchFamily="34" charset="-128"/>
                         </a:rPr>
-                        <a:t>~20s</a:t>
+                        <a:t>14s~20s</a:t>
                       </a:r>
-                      <a:endParaRPr lang="zh-HK" altLang="en-US" sz="1600" dirty="0">
+                      <a:endParaRPr lang="zh-HK" altLang="en-US" sz="1400" dirty="0">
                         <a:latin typeface="Meiryo UI" panose="020B0604030504040204" pitchFamily="34" charset="-128"/>
                         <a:ea typeface="Meiryo UI" panose="020B0604030504040204" pitchFamily="34" charset="-128"/>
                       </a:endParaRPr>
@@ -21633,13 +22610,13 @@
                     <a:p>
                       <a:pPr algn="ctr"/>
                       <a:r>
-                        <a:rPr lang="en-US" altLang="zh-HK" sz="1600" dirty="0">
+                        <a:rPr lang="en-US" altLang="zh-HK" sz="1400" dirty="0">
                           <a:latin typeface="Meiryo UI" panose="020B0604030504040204" pitchFamily="34" charset="-128"/>
                           <a:ea typeface="Meiryo UI" panose="020B0604030504040204" pitchFamily="34" charset="-128"/>
                         </a:rPr>
-                        <a:t>~10s</a:t>
+                        <a:t>10s</a:t>
                       </a:r>
-                      <a:endParaRPr lang="zh-HK" altLang="en-US" sz="1600" dirty="0">
+                      <a:endParaRPr lang="zh-HK" altLang="en-US" sz="1400" dirty="0">
                         <a:latin typeface="Meiryo UI" panose="020B0604030504040204" pitchFamily="34" charset="-128"/>
                         <a:ea typeface="Meiryo UI" panose="020B0604030504040204" pitchFamily="34" charset="-128"/>
                       </a:endParaRPr>
@@ -21654,13 +22631,13 @@
                     <a:p>
                       <a:pPr algn="ctr"/>
                       <a:r>
-                        <a:rPr lang="en-US" altLang="zh-HK" sz="1600" dirty="0">
+                        <a:rPr lang="en-US" altLang="zh-HK" sz="1400" dirty="0">
                           <a:latin typeface="Meiryo UI" panose="020B0604030504040204" pitchFamily="34" charset="-128"/>
                           <a:ea typeface="Meiryo UI" panose="020B0604030504040204" pitchFamily="34" charset="-128"/>
                         </a:rPr>
-                        <a:t>~20s</a:t>
+                        <a:t>6s~20s</a:t>
                       </a:r>
-                      <a:endParaRPr lang="zh-HK" altLang="en-US" sz="1600" dirty="0">
+                      <a:endParaRPr lang="zh-HK" altLang="en-US" sz="1400" dirty="0">
                         <a:latin typeface="Meiryo UI" panose="020B0604030504040204" pitchFamily="34" charset="-128"/>
                         <a:ea typeface="Meiryo UI" panose="020B0604030504040204" pitchFamily="34" charset="-128"/>
                       </a:endParaRPr>
@@ -21698,30 +22675,30 @@
                         <a:defRPr/>
                       </a:pPr>
                       <a:r>
-                        <a:rPr lang="en-US" altLang="zh-HK" sz="1500" b="1" dirty="0">
+                        <a:rPr lang="en-US" altLang="zh-HK" sz="1400" b="1" dirty="0">
                           <a:solidFill>
                             <a:schemeClr val="tx1"/>
                           </a:solidFill>
-                          <a:latin typeface="+mn-lt"/>
+                          <a:latin typeface="Meiryo UI" panose="020B0604030504040204" pitchFamily="34" charset="-128"/>
                           <a:ea typeface="Meiryo UI" panose="020B0604030504040204" pitchFamily="34" charset="-128"/>
                         </a:rPr>
                         <a:t>ER</a:t>
                       </a:r>
                       <a:r>
-                        <a:rPr lang="zh-HK" altLang="en-US" sz="1500" b="1" dirty="0">
+                        <a:rPr lang="zh-HK" altLang="en-US" sz="1400" b="1" dirty="0">
                           <a:solidFill>
                             <a:schemeClr val="tx1"/>
                           </a:solidFill>
-                          <a:latin typeface="+mn-lt"/>
+                          <a:latin typeface="Meiryo UI" panose="020B0604030504040204" pitchFamily="34" charset="-128"/>
                           <a:ea typeface="Meiryo UI" panose="020B0604030504040204" pitchFamily="34" charset="-128"/>
                         </a:rPr>
                         <a:t>図</a:t>
                       </a:r>
-                      <a:endParaRPr lang="en-US" altLang="zh-HK" sz="1500" b="1" dirty="0">
+                      <a:endParaRPr lang="en-US" altLang="zh-HK" sz="1400" b="1" dirty="0">
                         <a:solidFill>
                           <a:schemeClr val="tx1"/>
                         </a:solidFill>
-                        <a:latin typeface="+mn-lt"/>
+                        <a:latin typeface="Meiryo UI" panose="020B0604030504040204" pitchFamily="34" charset="-128"/>
                         <a:ea typeface="Meiryo UI" panose="020B0604030504040204" pitchFamily="34" charset="-128"/>
                       </a:endParaRPr>
                     </a:p>
@@ -21744,20 +22721,20 @@
                         <a:defRPr/>
                       </a:pPr>
                       <a:r>
-                        <a:rPr lang="en-US" altLang="zh-HK" sz="1500" b="1" dirty="0">
+                        <a:rPr lang="en-US" altLang="zh-HK" sz="1400" b="1" dirty="0">
                           <a:solidFill>
                             <a:schemeClr val="tx1"/>
                           </a:solidFill>
-                          <a:latin typeface="+mn-lt"/>
+                          <a:latin typeface="Meiryo UI" panose="020B0604030504040204" pitchFamily="34" charset="-128"/>
                           <a:ea typeface="Meiryo UI" panose="020B0604030504040204" pitchFamily="34" charset="-128"/>
                         </a:rPr>
                         <a:t>426 KB</a:t>
                       </a:r>
-                      <a:endParaRPr lang="zh-HK" altLang="en-US" sz="1500" b="1" dirty="0">
+                      <a:endParaRPr lang="zh-HK" altLang="en-US" sz="1400" b="1" dirty="0">
                         <a:solidFill>
                           <a:schemeClr val="tx1"/>
                         </a:solidFill>
-                        <a:latin typeface="+mn-lt"/>
+                        <a:latin typeface="Meiryo UI" panose="020B0604030504040204" pitchFamily="34" charset="-128"/>
                         <a:ea typeface="Meiryo UI" panose="020B0604030504040204" pitchFamily="34" charset="-128"/>
                       </a:endParaRPr>
                     </a:p>
@@ -21791,20 +22768,20 @@
                         <a:defRPr/>
                       </a:pPr>
                       <a:r>
-                        <a:rPr lang="en-US" altLang="zh-HK" sz="1600" b="0" i="0" dirty="0">
+                        <a:rPr lang="en-US" altLang="zh-HK" sz="1400" b="0" i="0" dirty="0">
                           <a:latin typeface="Meiryo UI" panose="020B0604030504040204" pitchFamily="34" charset="-128"/>
                           <a:ea typeface="Meiryo UI" panose="020B0604030504040204" pitchFamily="34" charset="-128"/>
                         </a:rPr>
                         <a:t>40s~5</a:t>
                       </a:r>
                       <a:r>
-                        <a:rPr lang="en-US" altLang="zh-TW" sz="1600" b="0" i="0" dirty="0">
+                        <a:rPr lang="en-US" altLang="zh-TW" sz="1400" b="0" i="0" dirty="0">
                           <a:latin typeface="Meiryo UI" panose="020B0604030504040204" pitchFamily="34" charset="-128"/>
                           <a:ea typeface="Meiryo UI" panose="020B0604030504040204" pitchFamily="34" charset="-128"/>
                         </a:rPr>
                         <a:t>0s</a:t>
                       </a:r>
-                      <a:endParaRPr lang="en-US" altLang="zh-HK" sz="1600" b="0" i="0" dirty="0">
+                      <a:endParaRPr lang="en-US" altLang="zh-HK" sz="1400" b="0" i="0" dirty="0">
                         <a:latin typeface="Meiryo UI" panose="020B0604030504040204" pitchFamily="34" charset="-128"/>
                         <a:ea typeface="Meiryo UI" panose="020B0604030504040204" pitchFamily="34" charset="-128"/>
                       </a:endParaRPr>
@@ -21819,40 +22796,27 @@
                     <a:p>
                       <a:pPr algn="ctr"/>
                       <a:r>
-                        <a:rPr lang="en-US" altLang="zh-HK" sz="1600" b="0" i="0" dirty="0">
+                        <a:rPr lang="en-US" altLang="zh-HK" sz="1400" b="0" i="0" dirty="0">
                           <a:latin typeface="Meiryo UI" panose="020B0604030504040204" pitchFamily="34" charset="-128"/>
                           <a:ea typeface="Meiryo UI" panose="020B0604030504040204" pitchFamily="34" charset="-128"/>
                         </a:rPr>
                         <a:t>1m2</a:t>
                       </a:r>
                       <a:r>
-                        <a:rPr lang="en-US" altLang="zh-TW" sz="1600" b="0" i="0" dirty="0">
+                        <a:rPr lang="en-US" altLang="zh-TW" sz="1400" b="0" i="0" dirty="0">
                           <a:latin typeface="Meiryo UI" panose="020B0604030504040204" pitchFamily="34" charset="-128"/>
                           <a:ea typeface="Meiryo UI" panose="020B0604030504040204" pitchFamily="34" charset="-128"/>
                         </a:rPr>
-                        <a:t>5</a:t>
-                      </a:r>
-                      <a:br>
-                        <a:rPr lang="en-US" altLang="zh-TW" sz="1600" b="0" i="0" dirty="0">
-                          <a:latin typeface="Meiryo UI" panose="020B0604030504040204" pitchFamily="34" charset="-128"/>
-                          <a:ea typeface="Meiryo UI" panose="020B0604030504040204" pitchFamily="34" charset="-128"/>
-                        </a:rPr>
-                      </a:br>
-                      <a:r>
-                        <a:rPr lang="en-US" altLang="zh-TW" sz="1600" b="0" i="0" dirty="0">
-                          <a:latin typeface="Meiryo UI" panose="020B0604030504040204" pitchFamily="34" charset="-128"/>
-                          <a:ea typeface="Meiryo UI" panose="020B0604030504040204" pitchFamily="34" charset="-128"/>
-                        </a:rPr>
-                        <a:t>~</a:t>
+                        <a:t>5~</a:t>
                       </a:r>
                       <a:r>
-                        <a:rPr lang="en-US" altLang="zh-HK" sz="1600" b="0" i="0" dirty="0">
+                        <a:rPr lang="en-US" altLang="zh-HK" sz="1400" b="0" i="0" dirty="0">
                           <a:latin typeface="Meiryo UI" panose="020B0604030504040204" pitchFamily="34" charset="-128"/>
                           <a:ea typeface="Meiryo UI" panose="020B0604030504040204" pitchFamily="34" charset="-128"/>
                         </a:rPr>
                         <a:t>4m</a:t>
                       </a:r>
-                      <a:endParaRPr lang="zh-HK" altLang="en-US" sz="1600" b="0" i="0" dirty="0">
+                      <a:endParaRPr lang="zh-HK" altLang="en-US" sz="1400" b="0" i="0" dirty="0">
                         <a:latin typeface="Meiryo UI" panose="020B0604030504040204" pitchFamily="34" charset="-128"/>
                         <a:ea typeface="Meiryo UI" panose="020B0604030504040204" pitchFamily="34" charset="-128"/>
                       </a:endParaRPr>
@@ -21867,13 +22831,13 @@
                     <a:p>
                       <a:pPr algn="ctr"/>
                       <a:r>
-                        <a:rPr lang="en-US" altLang="zh-HK" sz="1600" dirty="0">
+                        <a:rPr lang="en-US" altLang="zh-HK" sz="1400" dirty="0">
                           <a:latin typeface="Meiryo UI" panose="020B0604030504040204" pitchFamily="34" charset="-128"/>
                           <a:ea typeface="Meiryo UI" panose="020B0604030504040204" pitchFamily="34" charset="-128"/>
                         </a:rPr>
-                        <a:t>~1m45</a:t>
+                        <a:t>1m45~5m48</a:t>
                       </a:r>
-                      <a:endParaRPr lang="zh-HK" altLang="en-US" sz="1600" dirty="0">
+                      <a:endParaRPr lang="zh-HK" altLang="en-US" sz="1400" dirty="0">
                         <a:latin typeface="Meiryo UI" panose="020B0604030504040204" pitchFamily="34" charset="-128"/>
                         <a:ea typeface="Meiryo UI" panose="020B0604030504040204" pitchFamily="34" charset="-128"/>
                       </a:endParaRPr>
@@ -21888,11 +22852,11 @@
                     <a:p>
                       <a:pPr algn="ctr"/>
                       <a:r>
-                        <a:rPr lang="en-US" altLang="zh-HK" sz="1600" dirty="0">
+                        <a:rPr lang="en-US" altLang="zh-HK" sz="1400" dirty="0">
                           <a:latin typeface="Meiryo UI" panose="020B0604030504040204" pitchFamily="34" charset="-128"/>
                           <a:ea typeface="Meiryo UI" panose="020B0604030504040204" pitchFamily="34" charset="-128"/>
                         </a:rPr>
-                        <a:t>~2m</a:t>
+                        <a:t>1m26~2m</a:t>
                       </a:r>
                     </a:p>
                   </a:txBody>
@@ -21905,13 +22869,13 @@
                     <a:p>
                       <a:pPr algn="ctr"/>
                       <a:r>
-                        <a:rPr lang="en-US" altLang="zh-HK" sz="1600" dirty="0">
+                        <a:rPr lang="en-US" altLang="zh-HK" sz="1400" dirty="0">
                           <a:latin typeface="Meiryo UI" panose="020B0604030504040204" pitchFamily="34" charset="-128"/>
                           <a:ea typeface="Meiryo UI" panose="020B0604030504040204" pitchFamily="34" charset="-128"/>
                         </a:rPr>
-                        <a:t>~1m45</a:t>
+                        <a:t>1m45~8m47</a:t>
                       </a:r>
-                      <a:endParaRPr lang="zh-HK" altLang="en-US" sz="1600" dirty="0">
+                      <a:endParaRPr lang="zh-HK" altLang="en-US" sz="1400" dirty="0">
                         <a:latin typeface="Meiryo UI" panose="020B0604030504040204" pitchFamily="34" charset="-128"/>
                         <a:ea typeface="Meiryo UI" panose="020B0604030504040204" pitchFamily="34" charset="-128"/>
                       </a:endParaRPr>
@@ -21926,13 +22890,13 @@
                     <a:p>
                       <a:pPr algn="ctr"/>
                       <a:r>
-                        <a:rPr lang="en-US" altLang="zh-HK" sz="1600" dirty="0">
+                        <a:rPr lang="en-US" altLang="zh-HK" sz="1400" dirty="0">
                           <a:latin typeface="Meiryo UI" panose="020B0604030504040204" pitchFamily="34" charset="-128"/>
                           <a:ea typeface="Meiryo UI" panose="020B0604030504040204" pitchFamily="34" charset="-128"/>
                         </a:rPr>
-                        <a:t>~17s</a:t>
+                        <a:t>17s~4m3</a:t>
                       </a:r>
-                      <a:endParaRPr lang="zh-HK" altLang="en-US" sz="1600" dirty="0">
+                      <a:endParaRPr lang="zh-HK" altLang="en-US" sz="1400" dirty="0">
                         <a:latin typeface="Meiryo UI" panose="020B0604030504040204" pitchFamily="34" charset="-128"/>
                         <a:ea typeface="Meiryo UI" panose="020B0604030504040204" pitchFamily="34" charset="-128"/>
                       </a:endParaRPr>
@@ -21947,13 +22911,13 @@
                     <a:p>
                       <a:pPr algn="ctr"/>
                       <a:r>
-                        <a:rPr lang="en-US" altLang="zh-HK" sz="1600" dirty="0">
+                        <a:rPr lang="en-US" altLang="zh-HK" sz="1400" dirty="0">
                           <a:latin typeface="Meiryo UI" panose="020B0604030504040204" pitchFamily="34" charset="-128"/>
                           <a:ea typeface="Meiryo UI" panose="020B0604030504040204" pitchFamily="34" charset="-128"/>
                         </a:rPr>
-                        <a:t>~1m5</a:t>
+                        <a:t>49s~1m5</a:t>
                       </a:r>
-                      <a:endParaRPr lang="zh-HK" altLang="en-US" sz="1600" dirty="0">
+                      <a:endParaRPr lang="zh-HK" altLang="en-US" sz="1400" dirty="0">
                         <a:latin typeface="Meiryo UI" panose="020B0604030504040204" pitchFamily="34" charset="-128"/>
                         <a:ea typeface="Meiryo UI" panose="020B0604030504040204" pitchFamily="34" charset="-128"/>
                       </a:endParaRPr>
@@ -21968,13 +22932,13 @@
                     <a:p>
                       <a:pPr algn="ctr"/>
                       <a:r>
-                        <a:rPr lang="en-US" altLang="zh-HK" sz="1600" dirty="0">
+                        <a:rPr lang="en-US" altLang="zh-HK" sz="1400" dirty="0">
                           <a:latin typeface="Meiryo UI" panose="020B0604030504040204" pitchFamily="34" charset="-128"/>
                           <a:ea typeface="Meiryo UI" panose="020B0604030504040204" pitchFamily="34" charset="-128"/>
                         </a:rPr>
-                        <a:t>~40s</a:t>
+                        <a:t>22s~40s</a:t>
                       </a:r>
-                      <a:endParaRPr lang="zh-HK" altLang="en-US" sz="1600" dirty="0">
+                      <a:endParaRPr lang="zh-HK" altLang="en-US" sz="1400" dirty="0">
                         <a:latin typeface="Meiryo UI" panose="020B0604030504040204" pitchFamily="34" charset="-128"/>
                         <a:ea typeface="Meiryo UI" panose="020B0604030504040204" pitchFamily="34" charset="-128"/>
                       </a:endParaRPr>
@@ -21989,13 +22953,13 @@
                     <a:p>
                       <a:pPr algn="ctr"/>
                       <a:r>
-                        <a:rPr lang="en-US" altLang="zh-HK" sz="1600" dirty="0">
+                        <a:rPr lang="en-US" altLang="zh-HK" sz="1400" dirty="0">
                           <a:latin typeface="Meiryo UI" panose="020B0604030504040204" pitchFamily="34" charset="-128"/>
                           <a:ea typeface="Meiryo UI" panose="020B0604030504040204" pitchFamily="34" charset="-128"/>
                         </a:rPr>
-                        <a:t>~20s</a:t>
+                        <a:t>8s~20s</a:t>
                       </a:r>
-                      <a:endParaRPr lang="zh-HK" altLang="en-US" sz="1600" dirty="0">
+                      <a:endParaRPr lang="zh-HK" altLang="en-US" sz="1400" dirty="0">
                         <a:latin typeface="Meiryo UI" panose="020B0604030504040204" pitchFamily="34" charset="-128"/>
                         <a:ea typeface="Meiryo UI" panose="020B0604030504040204" pitchFamily="34" charset="-128"/>
                       </a:endParaRPr>
@@ -22033,20 +22997,20 @@
                         <a:defRPr/>
                       </a:pPr>
                       <a:r>
-                        <a:rPr lang="zh-HK" altLang="en-US" sz="1500" b="1" dirty="0">
+                        <a:rPr lang="zh-HK" altLang="en-US" sz="1400" b="1" dirty="0">
                           <a:solidFill>
                             <a:schemeClr val="tx1"/>
                           </a:solidFill>
-                          <a:latin typeface="+mn-lt"/>
+                          <a:latin typeface="Meiryo UI" panose="020B0604030504040204" pitchFamily="34" charset="-128"/>
                           <a:ea typeface="Meiryo UI" panose="020B0604030504040204" pitchFamily="34" charset="-128"/>
                         </a:rPr>
                         <a:t>履歴書</a:t>
                       </a:r>
-                      <a:endParaRPr lang="en-US" altLang="zh-HK" sz="1500" b="1" dirty="0">
+                      <a:endParaRPr lang="en-US" altLang="zh-HK" sz="1400" b="1" dirty="0">
                         <a:solidFill>
                           <a:schemeClr val="tx1"/>
                         </a:solidFill>
-                        <a:latin typeface="+mn-lt"/>
+                        <a:latin typeface="Meiryo UI" panose="020B0604030504040204" pitchFamily="34" charset="-128"/>
                         <a:ea typeface="Meiryo UI" panose="020B0604030504040204" pitchFamily="34" charset="-128"/>
                       </a:endParaRPr>
                     </a:p>
@@ -22069,20 +23033,20 @@
                         <a:defRPr/>
                       </a:pPr>
                       <a:r>
-                        <a:rPr lang="en-US" altLang="zh-HK" sz="1500" b="1" dirty="0">
+                        <a:rPr lang="en-US" altLang="zh-HK" sz="1400" b="1" dirty="0">
                           <a:solidFill>
                             <a:schemeClr val="tx1"/>
                           </a:solidFill>
-                          <a:latin typeface="+mn-lt"/>
+                          <a:latin typeface="Meiryo UI" panose="020B0604030504040204" pitchFamily="34" charset="-128"/>
                           <a:ea typeface="Meiryo UI" panose="020B0604030504040204" pitchFamily="34" charset="-128"/>
                         </a:rPr>
                         <a:t>257 KB</a:t>
                       </a:r>
-                      <a:endParaRPr lang="zh-HK" altLang="en-US" sz="1500" b="1" dirty="0">
+                      <a:endParaRPr lang="zh-HK" altLang="en-US" sz="1400" b="1" dirty="0">
                         <a:solidFill>
                           <a:schemeClr val="tx1"/>
                         </a:solidFill>
-                        <a:latin typeface="+mn-lt"/>
+                        <a:latin typeface="Meiryo UI" panose="020B0604030504040204" pitchFamily="34" charset="-128"/>
                         <a:ea typeface="Meiryo UI" panose="020B0604030504040204" pitchFamily="34" charset="-128"/>
                       </a:endParaRPr>
                     </a:p>
@@ -22116,26 +23080,13 @@
                         <a:defRPr/>
                       </a:pPr>
                       <a:r>
-                        <a:rPr lang="en-US" altLang="zh-TW" sz="1600" b="0" i="0" dirty="0">
+                        <a:rPr lang="en-US" altLang="zh-TW" sz="1400" b="0" i="0" dirty="0">
                           <a:latin typeface="Meiryo UI" panose="020B0604030504040204" pitchFamily="34" charset="-128"/>
                           <a:ea typeface="Meiryo UI" panose="020B0604030504040204" pitchFamily="34" charset="-128"/>
                         </a:rPr>
-                        <a:t>18s</a:t>
+                        <a:t>18s~1m30</a:t>
                       </a:r>
-                      <a:br>
-                        <a:rPr lang="en-US" altLang="zh-TW" sz="1600" b="0" i="0" dirty="0">
-                          <a:latin typeface="Meiryo UI" panose="020B0604030504040204" pitchFamily="34" charset="-128"/>
-                          <a:ea typeface="Meiryo UI" panose="020B0604030504040204" pitchFamily="34" charset="-128"/>
-                        </a:rPr>
-                      </a:br>
-                      <a:r>
-                        <a:rPr lang="en-US" altLang="zh-TW" sz="1600" b="0" i="0" dirty="0">
-                          <a:latin typeface="Meiryo UI" panose="020B0604030504040204" pitchFamily="34" charset="-128"/>
-                          <a:ea typeface="Meiryo UI" panose="020B0604030504040204" pitchFamily="34" charset="-128"/>
-                        </a:rPr>
-                        <a:t>~1m30</a:t>
-                      </a:r>
-                      <a:endParaRPr lang="en-US" altLang="zh-HK" sz="1600" b="0" i="0" dirty="0">
+                      <a:endParaRPr lang="en-US" altLang="zh-HK" sz="1400" b="0" i="0" dirty="0">
                         <a:latin typeface="Meiryo UI" panose="020B0604030504040204" pitchFamily="34" charset="-128"/>
                         <a:ea typeface="Meiryo UI" panose="020B0604030504040204" pitchFamily="34" charset="-128"/>
                       </a:endParaRPr>
@@ -22150,26 +23101,50 @@
                     <a:p>
                       <a:pPr algn="ctr"/>
                       <a:r>
-                        <a:rPr lang="en-US" altLang="zh-HK" sz="1600" b="0" i="0" dirty="0">
+                        <a:rPr lang="en-US" altLang="zh-HK" sz="1400" b="0" i="0" dirty="0">
                           <a:latin typeface="Meiryo UI" panose="020B0604030504040204" pitchFamily="34" charset="-128"/>
                           <a:ea typeface="Meiryo UI" panose="020B0604030504040204" pitchFamily="34" charset="-128"/>
                         </a:rPr>
-                        <a:t>1m20</a:t>
+                        <a:t>1m20~2m40</a:t>
                       </a:r>
-                      <a:br>
-                        <a:rPr lang="en-US" altLang="zh-HK" sz="1600" b="0" i="0" dirty="0">
+                      <a:endParaRPr lang="zh-HK" altLang="en-US" sz="1400" b="0" i="0" dirty="0">
+                        <a:latin typeface="Meiryo UI" panose="020B0604030504040204" pitchFamily="34" charset="-128"/>
+                        <a:ea typeface="Meiryo UI" panose="020B0604030504040204" pitchFamily="34" charset="-128"/>
+                      </a:endParaRPr>
+                    </a:p>
+                  </a:txBody>
+                  <a:tcPr marL="83737" marR="83737" marT="41868" marB="41868" anchor="ctr"/>
+                </a:tc>
+                <a:tc>
+                  <a:txBody>
+                    <a:bodyPr/>
+                    <a:lstStyle/>
+                    <a:p>
+                      <a:pPr marL="0" marR="0" lvl="0" indent="0" algn="ctr" defTabSz="457200" rtl="0" eaLnBrk="1" fontAlgn="auto" latinLnBrk="0" hangingPunct="1">
+                        <a:lnSpc>
+                          <a:spcPct val="100000"/>
+                        </a:lnSpc>
+                        <a:spcBef>
+                          <a:spcPts val="0"/>
+                        </a:spcBef>
+                        <a:spcAft>
+                          <a:spcPts val="0"/>
+                        </a:spcAft>
+                        <a:buClrTx/>
+                        <a:buSzTx/>
+                        <a:buFontTx/>
+                        <a:buNone/>
+                        <a:tabLst/>
+                        <a:defRPr/>
+                      </a:pPr>
+                      <a:r>
+                        <a:rPr lang="en-US" altLang="zh-HK" sz="1400" dirty="0">
                           <a:latin typeface="Meiryo UI" panose="020B0604030504040204" pitchFamily="34" charset="-128"/>
                           <a:ea typeface="Meiryo UI" panose="020B0604030504040204" pitchFamily="34" charset="-128"/>
                         </a:rPr>
-                      </a:br>
-                      <a:r>
-                        <a:rPr lang="en-US" altLang="zh-HK" sz="1600" b="0" i="0" dirty="0">
-                          <a:latin typeface="Meiryo UI" panose="020B0604030504040204" pitchFamily="34" charset="-128"/>
-                          <a:ea typeface="Meiryo UI" panose="020B0604030504040204" pitchFamily="34" charset="-128"/>
-                        </a:rPr>
-                        <a:t>~2m40</a:t>
+                        <a:t>2m55~5m50</a:t>
                       </a:r>
-                      <a:endParaRPr lang="zh-HK" altLang="en-US" sz="1600" b="0" i="0" dirty="0">
+                      <a:endParaRPr lang="zh-HK" altLang="en-US" sz="1400" dirty="0">
                         <a:latin typeface="Meiryo UI" panose="020B0604030504040204" pitchFamily="34" charset="-128"/>
                         <a:ea typeface="Meiryo UI" panose="020B0604030504040204" pitchFamily="34" charset="-128"/>
                       </a:endParaRPr>
@@ -22184,13 +23159,13 @@
                     <a:p>
                       <a:pPr algn="ctr"/>
                       <a:r>
-                        <a:rPr lang="en-US" altLang="zh-HK" sz="1600" dirty="0">
+                        <a:rPr lang="en-US" altLang="zh-HK" sz="1400" dirty="0">
                           <a:latin typeface="Meiryo UI" panose="020B0604030504040204" pitchFamily="34" charset="-128"/>
                           <a:ea typeface="Meiryo UI" panose="020B0604030504040204" pitchFamily="34" charset="-128"/>
                         </a:rPr>
-                        <a:t>~2m55</a:t>
+                        <a:t>24s~5m30</a:t>
                       </a:r>
-                      <a:endParaRPr lang="zh-HK" altLang="en-US" sz="1600" dirty="0">
+                      <a:endParaRPr lang="zh-HK" altLang="en-US" sz="1400" dirty="0">
                         <a:latin typeface="Meiryo UI" panose="020B0604030504040204" pitchFamily="34" charset="-128"/>
                         <a:ea typeface="Meiryo UI" panose="020B0604030504040204" pitchFamily="34" charset="-128"/>
                       </a:endParaRPr>
@@ -22205,13 +23180,13 @@
                     <a:p>
                       <a:pPr algn="ctr"/>
                       <a:r>
-                        <a:rPr lang="en-US" altLang="zh-HK" sz="1600" dirty="0">
+                        <a:rPr lang="en-US" altLang="zh-HK" sz="1400" dirty="0">
                           <a:latin typeface="Meiryo UI" panose="020B0604030504040204" pitchFamily="34" charset="-128"/>
                           <a:ea typeface="Meiryo UI" panose="020B0604030504040204" pitchFamily="34" charset="-128"/>
                         </a:rPr>
-                        <a:t>~5m30</a:t>
+                        <a:t>3m55~5m3</a:t>
                       </a:r>
-                      <a:endParaRPr lang="zh-HK" altLang="en-US" sz="1600" dirty="0">
+                      <a:endParaRPr lang="zh-HK" altLang="en-US" sz="1400" dirty="0">
                         <a:latin typeface="Meiryo UI" panose="020B0604030504040204" pitchFamily="34" charset="-128"/>
                         <a:ea typeface="Meiryo UI" panose="020B0604030504040204" pitchFamily="34" charset="-128"/>
                       </a:endParaRPr>
@@ -22226,13 +23201,13 @@
                     <a:p>
                       <a:pPr algn="ctr"/>
                       <a:r>
-                        <a:rPr lang="en-US" altLang="zh-HK" sz="1600" dirty="0">
+                        <a:rPr lang="en-US" altLang="zh-HK" sz="1400" dirty="0">
                           <a:latin typeface="Meiryo UI" panose="020B0604030504040204" pitchFamily="34" charset="-128"/>
                           <a:ea typeface="Meiryo UI" panose="020B0604030504040204" pitchFamily="34" charset="-128"/>
                         </a:rPr>
-                        <a:t>~3m55</a:t>
+                        <a:t>10s~41s</a:t>
                       </a:r>
-                      <a:endParaRPr lang="zh-HK" altLang="en-US" sz="1600" dirty="0">
+                      <a:endParaRPr lang="zh-HK" altLang="en-US" sz="1400" dirty="0">
                         <a:latin typeface="Meiryo UI" panose="020B0604030504040204" pitchFamily="34" charset="-128"/>
                         <a:ea typeface="Meiryo UI" panose="020B0604030504040204" pitchFamily="34" charset="-128"/>
                       </a:endParaRPr>
@@ -22247,13 +23222,13 @@
                     <a:p>
                       <a:pPr algn="ctr"/>
                       <a:r>
-                        <a:rPr lang="en-US" altLang="zh-HK" sz="1600" dirty="0">
+                        <a:rPr lang="en-US" altLang="zh-HK" sz="1400" dirty="0">
                           <a:latin typeface="Meiryo UI" panose="020B0604030504040204" pitchFamily="34" charset="-128"/>
                           <a:ea typeface="Meiryo UI" panose="020B0604030504040204" pitchFamily="34" charset="-128"/>
                         </a:rPr>
-                        <a:t>~10s</a:t>
+                        <a:t>52s~1m15</a:t>
                       </a:r>
-                      <a:endParaRPr lang="zh-HK" altLang="en-US" sz="1600" dirty="0">
+                      <a:endParaRPr lang="zh-HK" altLang="en-US" sz="1400" dirty="0">
                         <a:latin typeface="Meiryo UI" panose="020B0604030504040204" pitchFamily="34" charset="-128"/>
                         <a:ea typeface="Meiryo UI" panose="020B0604030504040204" pitchFamily="34" charset="-128"/>
                       </a:endParaRPr>
@@ -22268,13 +23243,13 @@
                     <a:p>
                       <a:pPr algn="ctr"/>
                       <a:r>
-                        <a:rPr lang="en-US" altLang="zh-HK" sz="1600" dirty="0">
+                        <a:rPr lang="en-US" altLang="zh-HK" sz="1400" dirty="0">
                           <a:latin typeface="Meiryo UI" panose="020B0604030504040204" pitchFamily="34" charset="-128"/>
                           <a:ea typeface="Meiryo UI" panose="020B0604030504040204" pitchFamily="34" charset="-128"/>
                         </a:rPr>
-                        <a:t>~1m15</a:t>
+                        <a:t>10s~14s</a:t>
                       </a:r>
-                      <a:endParaRPr lang="zh-HK" altLang="en-US" sz="1600" dirty="0">
+                      <a:endParaRPr lang="zh-HK" altLang="en-US" sz="1400" dirty="0">
                         <a:latin typeface="Meiryo UI" panose="020B0604030504040204" pitchFamily="34" charset="-128"/>
                         <a:ea typeface="Meiryo UI" panose="020B0604030504040204" pitchFamily="34" charset="-128"/>
                       </a:endParaRPr>
@@ -22289,34 +23264,13 @@
                     <a:p>
                       <a:pPr algn="ctr"/>
                       <a:r>
-                        <a:rPr lang="en-US" altLang="zh-HK" sz="1600" dirty="0">
+                        <a:rPr lang="en-US" altLang="zh-HK" sz="1400" dirty="0">
                           <a:latin typeface="Meiryo UI" panose="020B0604030504040204" pitchFamily="34" charset="-128"/>
                           <a:ea typeface="Meiryo UI" panose="020B0604030504040204" pitchFamily="34" charset="-128"/>
                         </a:rPr>
-                        <a:t>~10s</a:t>
+                        <a:t>30s~1m1</a:t>
                       </a:r>
-                      <a:endParaRPr lang="zh-HK" altLang="en-US" sz="1600" dirty="0">
-                        <a:latin typeface="Meiryo UI" panose="020B0604030504040204" pitchFamily="34" charset="-128"/>
-                        <a:ea typeface="Meiryo UI" panose="020B0604030504040204" pitchFamily="34" charset="-128"/>
-                      </a:endParaRPr>
-                    </a:p>
-                  </a:txBody>
-                  <a:tcPr marL="83737" marR="83737" marT="41868" marB="41868" anchor="ctr"/>
-                </a:tc>
-                <a:tc>
-                  <a:txBody>
-                    <a:bodyPr/>
-                    <a:lstStyle/>
-                    <a:p>
-                      <a:pPr algn="ctr"/>
-                      <a:r>
-                        <a:rPr lang="en-US" altLang="zh-HK" sz="1600" dirty="0">
-                          <a:latin typeface="Meiryo UI" panose="020B0604030504040204" pitchFamily="34" charset="-128"/>
-                          <a:ea typeface="Meiryo UI" panose="020B0604030504040204" pitchFamily="34" charset="-128"/>
-                        </a:rPr>
-                        <a:t>~30s</a:t>
-                      </a:r>
-                      <a:endParaRPr lang="zh-HK" altLang="en-US" sz="1600" dirty="0">
+                      <a:endParaRPr lang="zh-HK" altLang="en-US" sz="1400" dirty="0">
                         <a:latin typeface="Meiryo UI" panose="020B0604030504040204" pitchFamily="34" charset="-128"/>
                         <a:ea typeface="Meiryo UI" panose="020B0604030504040204" pitchFamily="34" charset="-128"/>
                       </a:endParaRPr>
@@ -22354,30 +23308,30 @@
                         <a:defRPr/>
                       </a:pPr>
                       <a:r>
-                        <a:rPr lang="ja-JP" altLang="en-US" sz="1500" b="1">
+                        <a:rPr lang="ja-JP" altLang="en-US" sz="1400" b="1">
                           <a:solidFill>
                             <a:schemeClr val="tx1"/>
                           </a:solidFill>
-                          <a:latin typeface="+mn-lt"/>
+                          <a:latin typeface="Meiryo UI" panose="020B0604030504040204" pitchFamily="34" charset="-128"/>
                           <a:ea typeface="Meiryo UI" panose="020B0604030504040204" pitchFamily="34" charset="-128"/>
                         </a:rPr>
                         <a:t>スキャン</a:t>
                       </a:r>
                       <a:r>
-                        <a:rPr lang="zh-HK" altLang="en-US" sz="1500" b="1" dirty="0">
+                        <a:rPr lang="zh-HK" altLang="en-US" sz="1400" b="1" dirty="0">
                           <a:solidFill>
                             <a:schemeClr val="tx1"/>
                           </a:solidFill>
-                          <a:latin typeface="+mn-lt"/>
+                          <a:latin typeface="Meiryo UI" panose="020B0604030504040204" pitchFamily="34" charset="-128"/>
                           <a:ea typeface="Meiryo UI" panose="020B0604030504040204" pitchFamily="34" charset="-128"/>
                         </a:rPr>
                         <a:t>写真</a:t>
                       </a:r>
-                      <a:endParaRPr lang="en-US" altLang="zh-HK" sz="1500" b="1" dirty="0">
+                      <a:endParaRPr lang="en-US" altLang="zh-HK" sz="1400" b="1" dirty="0">
                         <a:solidFill>
                           <a:schemeClr val="tx1"/>
                         </a:solidFill>
-                        <a:latin typeface="+mn-lt"/>
+                        <a:latin typeface="Meiryo UI" panose="020B0604030504040204" pitchFamily="34" charset="-128"/>
                         <a:ea typeface="Meiryo UI" panose="020B0604030504040204" pitchFamily="34" charset="-128"/>
                       </a:endParaRPr>
                     </a:p>
@@ -22400,20 +23354,20 @@
                         <a:defRPr/>
                       </a:pPr>
                       <a:r>
-                        <a:rPr lang="en-US" altLang="zh-HK" sz="1500" b="1" dirty="0">
+                        <a:rPr lang="en-US" altLang="zh-HK" sz="1400" b="1" dirty="0">
                           <a:solidFill>
                             <a:schemeClr val="tx1"/>
                           </a:solidFill>
-                          <a:latin typeface="+mn-lt"/>
+                          <a:latin typeface="Meiryo UI" panose="020B0604030504040204" pitchFamily="34" charset="-128"/>
                           <a:ea typeface="Meiryo UI" panose="020B0604030504040204" pitchFamily="34" charset="-128"/>
                         </a:rPr>
                         <a:t>10.6 MB</a:t>
                       </a:r>
-                      <a:endParaRPr lang="zh-HK" altLang="en-US" sz="1500" b="1" dirty="0">
+                      <a:endParaRPr lang="zh-HK" altLang="en-US" sz="1400" b="1" dirty="0">
                         <a:solidFill>
                           <a:schemeClr val="tx1"/>
                         </a:solidFill>
-                        <a:latin typeface="+mn-lt"/>
+                        <a:latin typeface="Meiryo UI" panose="020B0604030504040204" pitchFamily="34" charset="-128"/>
                         <a:ea typeface="Meiryo UI" panose="020B0604030504040204" pitchFamily="34" charset="-128"/>
                       </a:endParaRPr>
                     </a:p>
@@ -22447,13 +23401,13 @@
                         <a:defRPr/>
                       </a:pPr>
                       <a:r>
-                        <a:rPr lang="en-US" altLang="zh-TW" sz="1600" b="0" i="0" dirty="0">
+                        <a:rPr lang="en-US" altLang="zh-TW" sz="1400" b="0" i="0" dirty="0">
                           <a:latin typeface="Meiryo UI" panose="020B0604030504040204" pitchFamily="34" charset="-128"/>
                           <a:ea typeface="Meiryo UI" panose="020B0604030504040204" pitchFamily="34" charset="-128"/>
                         </a:rPr>
-                        <a:t>11m57</a:t>
+                        <a:t>~27m45</a:t>
                       </a:r>
-                      <a:endParaRPr lang="en-US" altLang="zh-HK" sz="1600" b="0" i="0" dirty="0">
+                      <a:endParaRPr lang="en-US" altLang="zh-HK" sz="1400" b="0" i="0" dirty="0">
                         <a:latin typeface="Meiryo UI" panose="020B0604030504040204" pitchFamily="34" charset="-128"/>
                         <a:ea typeface="Meiryo UI" panose="020B0604030504040204" pitchFamily="34" charset="-128"/>
                       </a:endParaRPr>
@@ -22468,13 +23422,13 @@
                     <a:p>
                       <a:pPr algn="ctr"/>
                       <a:r>
-                        <a:rPr lang="en-US" altLang="zh-HK" sz="1600" b="0" i="0" dirty="0">
+                        <a:rPr lang="en-US" altLang="zh-HK" sz="1400" b="0" i="0" dirty="0">
                           <a:latin typeface="Meiryo UI" panose="020B0604030504040204" pitchFamily="34" charset="-128"/>
                           <a:ea typeface="Meiryo UI" panose="020B0604030504040204" pitchFamily="34" charset="-128"/>
                         </a:rPr>
                         <a:t>~53m48</a:t>
                       </a:r>
-                      <a:endParaRPr lang="zh-HK" altLang="en-US" sz="1600" b="0" i="0" dirty="0">
+                      <a:endParaRPr lang="zh-HK" altLang="en-US" sz="1400" b="0" i="0" dirty="0">
                         <a:latin typeface="Meiryo UI" panose="020B0604030504040204" pitchFamily="34" charset="-128"/>
                         <a:ea typeface="Meiryo UI" panose="020B0604030504040204" pitchFamily="34" charset="-128"/>
                       </a:endParaRPr>
@@ -22489,27 +23443,13 @@
                     <a:p>
                       <a:pPr algn="ctr"/>
                       <a:r>
-                        <a:rPr lang="en-US" altLang="zh-HK" sz="1600" dirty="0">
+                        <a:rPr lang="en-US" altLang="zh-TW" sz="1400" dirty="0">
                           <a:latin typeface="Meiryo UI" panose="020B0604030504040204" pitchFamily="34" charset="-128"/>
                           <a:ea typeface="Meiryo UI" panose="020B0604030504040204" pitchFamily="34" charset="-128"/>
                         </a:rPr>
-                        <a:t>1m43</a:t>
+                        <a:t>~53m49</a:t>
                       </a:r>
-                      <a:endParaRPr lang="zh-HK" altLang="en-US" sz="1600" dirty="0">
-                        <a:latin typeface="Meiryo UI" panose="020B0604030504040204" pitchFamily="34" charset="-128"/>
-                        <a:ea typeface="Meiryo UI" panose="020B0604030504040204" pitchFamily="34" charset="-128"/>
-                      </a:endParaRPr>
-                    </a:p>
-                  </a:txBody>
-                  <a:tcPr marL="83737" marR="83737" marT="41868" marB="41868" anchor="ctr"/>
-                </a:tc>
-                <a:tc>
-                  <a:txBody>
-                    <a:bodyPr/>
-                    <a:lstStyle/>
-                    <a:p>
-                      <a:pPr algn="ctr"/>
-                      <a:endParaRPr lang="zh-HK" altLang="en-US" sz="1600" dirty="0">
+                      <a:endParaRPr lang="zh-HK" altLang="en-US" sz="1400" dirty="0">
                         <a:latin typeface="Meiryo UI" panose="020B0604030504040204" pitchFamily="34" charset="-128"/>
                         <a:ea typeface="Meiryo UI" panose="020B0604030504040204" pitchFamily="34" charset="-128"/>
                       </a:endParaRPr>
@@ -22524,13 +23464,13 @@
                     <a:p>
                       <a:pPr algn="ctr"/>
                       <a:r>
-                        <a:rPr lang="en-US" altLang="zh-HK" sz="1600" dirty="0">
+                        <a:rPr lang="en-US" altLang="zh-HK" sz="1400" dirty="0">
                           <a:latin typeface="Meiryo UI" panose="020B0604030504040204" pitchFamily="34" charset="-128"/>
                           <a:ea typeface="Meiryo UI" panose="020B0604030504040204" pitchFamily="34" charset="-128"/>
                         </a:rPr>
-                        <a:t>~1h19m2</a:t>
+                        <a:t>~27m33</a:t>
                       </a:r>
-                      <a:endParaRPr lang="zh-HK" altLang="en-US" sz="1600" dirty="0">
+                      <a:endParaRPr lang="zh-HK" altLang="en-US" sz="1400" dirty="0">
                         <a:latin typeface="Meiryo UI" panose="020B0604030504040204" pitchFamily="34" charset="-128"/>
                         <a:ea typeface="Meiryo UI" panose="020B0604030504040204" pitchFamily="34" charset="-128"/>
                       </a:endParaRPr>
@@ -22545,13 +23485,13 @@
                     <a:p>
                       <a:pPr algn="ctr"/>
                       <a:r>
-                        <a:rPr lang="en-US" altLang="zh-HK" sz="1600" dirty="0">
+                        <a:rPr lang="en-US" altLang="zh-HK" sz="1400" dirty="0">
                           <a:latin typeface="Meiryo UI" panose="020B0604030504040204" pitchFamily="34" charset="-128"/>
                           <a:ea typeface="Meiryo UI" panose="020B0604030504040204" pitchFamily="34" charset="-128"/>
                         </a:rPr>
-                        <a:t>26m21</a:t>
+                        <a:t>~1h19m2</a:t>
                       </a:r>
-                      <a:endParaRPr lang="zh-HK" altLang="en-US" sz="1600" dirty="0">
+                      <a:endParaRPr lang="zh-HK" altLang="en-US" sz="1400" dirty="0">
                         <a:latin typeface="Meiryo UI" panose="020B0604030504040204" pitchFamily="34" charset="-128"/>
                         <a:ea typeface="Meiryo UI" panose="020B0604030504040204" pitchFamily="34" charset="-128"/>
                       </a:endParaRPr>
@@ -22566,27 +23506,13 @@
                     <a:p>
                       <a:pPr algn="ctr"/>
                       <a:r>
-                        <a:rPr lang="en-US" altLang="zh-HK" sz="1600" dirty="0">
+                        <a:rPr lang="en-US" altLang="zh-HK" sz="1400" dirty="0">
                           <a:latin typeface="Meiryo UI" panose="020B0604030504040204" pitchFamily="34" charset="-128"/>
                           <a:ea typeface="Meiryo UI" panose="020B0604030504040204" pitchFamily="34" charset="-128"/>
                         </a:rPr>
-                        <a:t>~59m</a:t>
+                        <a:t>~26m21</a:t>
                       </a:r>
-                      <a:endParaRPr lang="zh-HK" altLang="en-US" sz="1600" dirty="0">
-                        <a:latin typeface="Meiryo UI" panose="020B0604030504040204" pitchFamily="34" charset="-128"/>
-                        <a:ea typeface="Meiryo UI" panose="020B0604030504040204" pitchFamily="34" charset="-128"/>
-                      </a:endParaRPr>
-                    </a:p>
-                  </a:txBody>
-                  <a:tcPr marL="83737" marR="83737" marT="41868" marB="41868" anchor="ctr"/>
-                </a:tc>
-                <a:tc>
-                  <a:txBody>
-                    <a:bodyPr/>
-                    <a:lstStyle/>
-                    <a:p>
-                      <a:pPr algn="ctr"/>
-                      <a:endParaRPr lang="zh-HK" altLang="en-US" sz="1600" dirty="0">
+                      <a:endParaRPr lang="zh-HK" altLang="en-US" sz="1400" dirty="0">
                         <a:latin typeface="Meiryo UI" panose="020B0604030504040204" pitchFamily="34" charset="-128"/>
                         <a:ea typeface="Meiryo UI" panose="020B0604030504040204" pitchFamily="34" charset="-128"/>
                       </a:endParaRPr>
@@ -22601,13 +23527,55 @@
                     <a:p>
                       <a:pPr algn="ctr"/>
                       <a:r>
-                        <a:rPr lang="en-US" altLang="zh-HK" sz="1600" dirty="0">
+                        <a:rPr lang="en-US" altLang="zh-HK" sz="1400" dirty="0">
                           <a:latin typeface="Meiryo UI" panose="020B0604030504040204" pitchFamily="34" charset="-128"/>
                           <a:ea typeface="Meiryo UI" panose="020B0604030504040204" pitchFamily="34" charset="-128"/>
                         </a:rPr>
-                        <a:t>9m40</a:t>
+                        <a:t>~59m</a:t>
                       </a:r>
-                      <a:endParaRPr lang="zh-HK" altLang="en-US" sz="1600" dirty="0">
+                      <a:endParaRPr lang="zh-HK" altLang="en-US" sz="1400" dirty="0">
+                        <a:latin typeface="Meiryo UI" panose="020B0604030504040204" pitchFamily="34" charset="-128"/>
+                        <a:ea typeface="Meiryo UI" panose="020B0604030504040204" pitchFamily="34" charset="-128"/>
+                      </a:endParaRPr>
+                    </a:p>
+                  </a:txBody>
+                  <a:tcPr marL="83737" marR="83737" marT="41868" marB="41868" anchor="ctr"/>
+                </a:tc>
+                <a:tc>
+                  <a:txBody>
+                    <a:bodyPr/>
+                    <a:lstStyle/>
+                    <a:p>
+                      <a:pPr algn="ctr"/>
+                      <a:r>
+                        <a:rPr lang="en-US" altLang="zh-TW" sz="1400" dirty="0">
+                          <a:latin typeface="Meiryo UI" panose="020B0604030504040204" pitchFamily="34" charset="-128"/>
+                          <a:ea typeface="Meiryo UI" panose="020B0604030504040204" pitchFamily="34" charset="-128"/>
+                        </a:rPr>
+                        <a:t>5m48~</a:t>
+                      </a:r>
+                      <a:endParaRPr lang="zh-HK" altLang="en-US" sz="1400" dirty="0">
+                        <a:latin typeface="Meiryo UI" panose="020B0604030504040204" pitchFamily="34" charset="-128"/>
+                        <a:ea typeface="Meiryo UI" panose="020B0604030504040204" pitchFamily="34" charset="-128"/>
+                      </a:endParaRPr>
+                    </a:p>
+                  </a:txBody>
+                  <a:tcPr marL="83737" marR="83737" marT="41868" marB="41868" anchor="ctr"/>
+                </a:tc>
+                <a:tc>
+                  <a:txBody>
+                    <a:bodyPr/>
+                    <a:lstStyle/>
+                    <a:p>
+                      <a:pPr algn="ctr"/>
+                      <a:r>
+                        <a:rPr lang="en-US" altLang="zh-HK" sz="1400" dirty="0">
+                          <a:latin typeface="Meiryo UI" panose="020B0604030504040204" pitchFamily="34" charset="-128"/>
+                          <a:ea typeface="Meiryo UI" panose="020B0604030504040204" pitchFamily="34" charset="-128"/>
+                        </a:rPr>
+                        <a:t>9m40~</a:t>
+                      </a:r>
+                      <a:endParaRPr lang="zh-HK" altLang="en-US" sz="1400" dirty="0">
                         <a:latin typeface="Meiryo UI" panose="020B0604030504040204" pitchFamily="34" charset="-128"/>
                         <a:ea typeface="Meiryo UI" panose="020B0604030504040204" pitchFamily="34" charset="-128"/>
                       </a:endParaRPr>
@@ -22639,8 +23607,8 @@
         </p:nvSpPr>
         <p:spPr>
           <a:xfrm>
-            <a:off x="739637" y="5870575"/>
-            <a:ext cx="6452828" cy="369332"/>
+            <a:off x="204763" y="5879068"/>
+            <a:ext cx="3023318" cy="369332"/>
           </a:xfrm>
           <a:prstGeom prst="rect">
             <a:avLst/>
@@ -22702,8 +23670,8 @@
         </p:nvSpPr>
         <p:spPr>
           <a:xfrm>
-            <a:off x="494945" y="1369179"/>
-            <a:ext cx="6452828" cy="461665"/>
+            <a:off x="4657238" y="1225434"/>
+            <a:ext cx="2877515" cy="461665"/>
           </a:xfrm>
           <a:prstGeom prst="rect">
             <a:avLst/>
@@ -22717,19 +23685,199 @@
           <a:lstStyle/>
           <a:p>
             <a:r>
-              <a:rPr kumimoji="1" lang="en-US" altLang="zh-HK" sz="2400" dirty="0">
+              <a:rPr lang="en-US" altLang="ja-JP" sz="2400" dirty="0">
+                <a:effectLst/>
                 <a:latin typeface="Meiryo UI" panose="020B0604030504040204" pitchFamily="34" charset="-128"/>
                 <a:ea typeface="Meiryo UI" panose="020B0604030504040204" pitchFamily="34" charset="-128"/>
               </a:rPr>
-              <a:t>1</a:t>
-            </a:r>
-            <a:r>
-              <a:rPr kumimoji="1" lang="zh-HK" altLang="en-US" sz="2400" dirty="0">
+              <a:t>1 </a:t>
+            </a:r>
+            <a:r>
+              <a:rPr lang="ja-JP" altLang="en-US" sz="2400">
+                <a:effectLst/>
                 <a:latin typeface="Meiryo UI" panose="020B0604030504040204" pitchFamily="34" charset="-128"/>
                 <a:ea typeface="Meiryo UI" panose="020B0604030504040204" pitchFamily="34" charset="-128"/>
               </a:rPr>
-              <a:t>コアの実行した時間</a:t>
-            </a:r>
+              <a:t>コアで</a:t>
+            </a:r>
+            <a:r>
+              <a:rPr lang="zh-HK" altLang="en-US" sz="2400" dirty="0">
+                <a:effectLst/>
+                <a:latin typeface="Meiryo UI" panose="020B0604030504040204" pitchFamily="34" charset="-128"/>
+                <a:ea typeface="Meiryo UI" panose="020B0604030504040204" pitchFamily="34" charset="-128"/>
+              </a:rPr>
+              <a:t>実行</a:t>
+            </a:r>
+            <a:r>
+              <a:rPr lang="ja-JP" altLang="en-US" sz="2400">
+                <a:effectLst/>
+                <a:latin typeface="Meiryo UI" panose="020B0604030504040204" pitchFamily="34" charset="-128"/>
+                <a:ea typeface="Meiryo UI" panose="020B0604030504040204" pitchFamily="34" charset="-128"/>
+              </a:rPr>
+              <a:t>した</a:t>
+            </a:r>
+            <a:r>
+              <a:rPr lang="zh-HK" altLang="en-US" sz="2400" dirty="0">
+                <a:effectLst/>
+                <a:latin typeface="Meiryo UI" panose="020B0604030504040204" pitchFamily="34" charset="-128"/>
+                <a:ea typeface="Meiryo UI" panose="020B0604030504040204" pitchFamily="34" charset="-128"/>
+              </a:rPr>
+              <a:t>時間</a:t>
+            </a:r>
+          </a:p>
+        </p:txBody>
+      </p:sp>
+      <p:sp>
+        <p:nvSpPr>
+          <p:cNvPr id="10" name="標題 1">
+            <a:extLst>
+              <a:ext uri="{FF2B5EF4-FFF2-40B4-BE49-F238E27FC236}">
+                <a16:creationId xmlns:a16="http://schemas.microsoft.com/office/drawing/2014/main" id="{9250D3D9-6831-325F-5025-C93B12BEFBC0}"/>
+              </a:ext>
+            </a:extLst>
+          </p:cNvPr>
+          <p:cNvSpPr txBox="1">
+            <a:spLocks/>
+          </p:cNvSpPr>
+          <p:nvPr/>
+        </p:nvSpPr>
+        <p:spPr>
+          <a:xfrm>
+            <a:off x="1030286" y="0"/>
+            <a:ext cx="10131425" cy="1456267"/>
+          </a:xfrm>
+          <a:prstGeom prst="rect">
+            <a:avLst/>
+          </a:prstGeom>
+          <a:effectLst/>
+        </p:spPr>
+        <p:txBody>
+          <a:bodyPr vert="horz" lIns="91440" tIns="45720" rIns="91440" bIns="45720" rtlCol="0" anchor="ctr">
+            <a:normAutofit/>
+          </a:bodyPr>
+          <a:lstStyle>
+            <a:lvl1pPr algn="l" defTabSz="457200" rtl="0" eaLnBrk="1" latinLnBrk="0" hangingPunct="1">
+              <a:spcBef>
+                <a:spcPct val="0"/>
+              </a:spcBef>
+              <a:buNone/>
+              <a:defRPr sz="3600" kern="1200" cap="all">
+                <a:ln w="3175" cmpd="sng">
+                  <a:noFill/>
+                </a:ln>
+                <a:solidFill>
+                  <a:schemeClr val="tx1"/>
+                </a:solidFill>
+                <a:effectLst/>
+                <a:latin typeface="+mj-lt"/>
+                <a:ea typeface="+mj-ea"/>
+                <a:cs typeface="+mj-cs"/>
+              </a:defRPr>
+            </a:lvl1pPr>
+            <a:lvl2pPr eaLnBrk="1" hangingPunct="1">
+              <a:defRPr>
+                <a:solidFill>
+                  <a:schemeClr val="tx2"/>
+                </a:solidFill>
+              </a:defRPr>
+            </a:lvl2pPr>
+            <a:lvl3pPr eaLnBrk="1" hangingPunct="1">
+              <a:defRPr>
+                <a:solidFill>
+                  <a:schemeClr val="tx2"/>
+                </a:solidFill>
+              </a:defRPr>
+            </a:lvl3pPr>
+            <a:lvl4pPr eaLnBrk="1" hangingPunct="1">
+              <a:defRPr>
+                <a:solidFill>
+                  <a:schemeClr val="tx2"/>
+                </a:solidFill>
+              </a:defRPr>
+            </a:lvl4pPr>
+            <a:lvl5pPr eaLnBrk="1" hangingPunct="1">
+              <a:defRPr>
+                <a:solidFill>
+                  <a:schemeClr val="tx2"/>
+                </a:solidFill>
+              </a:defRPr>
+            </a:lvl5pPr>
+            <a:lvl6pPr eaLnBrk="1" hangingPunct="1">
+              <a:defRPr>
+                <a:solidFill>
+                  <a:schemeClr val="tx2"/>
+                </a:solidFill>
+              </a:defRPr>
+            </a:lvl6pPr>
+            <a:lvl7pPr eaLnBrk="1" hangingPunct="1">
+              <a:defRPr>
+                <a:solidFill>
+                  <a:schemeClr val="tx2"/>
+                </a:solidFill>
+              </a:defRPr>
+            </a:lvl7pPr>
+            <a:lvl8pPr eaLnBrk="1" hangingPunct="1">
+              <a:defRPr>
+                <a:solidFill>
+                  <a:schemeClr val="tx2"/>
+                </a:solidFill>
+              </a:defRPr>
+            </a:lvl8pPr>
+            <a:lvl9pPr eaLnBrk="1" hangingPunct="1">
+              <a:defRPr>
+                <a:solidFill>
+                  <a:schemeClr val="tx2"/>
+                </a:solidFill>
+              </a:defRPr>
+            </a:lvl9pPr>
+          </a:lstStyle>
+          <a:p>
+            <a:r>
+              <a:rPr lang="en-US" altLang="zh-HK">
+                <a:latin typeface="Meiryo UI" panose="020B0604030504040204" pitchFamily="34" charset="-128"/>
+                <a:ea typeface="Meiryo UI" panose="020B0604030504040204" pitchFamily="34" charset="-128"/>
+              </a:rPr>
+              <a:t>12</a:t>
+            </a:r>
+            <a:r>
+              <a:rPr lang="zh-HK" altLang="en-US">
+                <a:latin typeface="Meiryo UI" panose="020B0604030504040204" pitchFamily="34" charset="-128"/>
+                <a:ea typeface="Meiryo UI" panose="020B0604030504040204" pitchFamily="34" charset="-128"/>
+              </a:rPr>
+              <a:t>月</a:t>
+            </a:r>
+            <a:r>
+              <a:rPr lang="zh-TW" altLang="en-US">
+                <a:latin typeface="Meiryo UI" panose="020B0604030504040204" pitchFamily="34" charset="-128"/>
+                <a:ea typeface="Meiryo UI" panose="020B0604030504040204" pitchFamily="34" charset="-128"/>
+              </a:rPr>
+              <a:t> </a:t>
+            </a:r>
+            <a:r>
+              <a:rPr lang="en-US" altLang="zh-HK">
+                <a:latin typeface="Meiryo UI" panose="020B0604030504040204" pitchFamily="34" charset="-128"/>
+                <a:ea typeface="Meiryo UI" panose="020B0604030504040204" pitchFamily="34" charset="-128"/>
+              </a:rPr>
+              <a:t>-</a:t>
+            </a:r>
+            <a:r>
+              <a:rPr lang="zh-TW" altLang="en-US">
+                <a:latin typeface="Meiryo UI" panose="020B0604030504040204" pitchFamily="34" charset="-128"/>
+                <a:ea typeface="Meiryo UI" panose="020B0604030504040204" pitchFamily="34" charset="-128"/>
+              </a:rPr>
+              <a:t> </a:t>
+            </a:r>
+            <a:r>
+              <a:rPr lang="zh-HK" altLang="en-US">
+                <a:latin typeface="Meiryo UI" panose="020B0604030504040204" pitchFamily="34" charset="-128"/>
+                <a:ea typeface="Meiryo UI" panose="020B0604030504040204" pitchFamily="34" charset="-128"/>
+              </a:rPr>
+              <a:t>研究内容</a:t>
+            </a:r>
+            <a:endParaRPr kumimoji="1" lang="zh-HK" altLang="en-US" dirty="0">
+              <a:latin typeface="Meiryo UI" panose="020B0604030504040204" pitchFamily="34" charset="-128"/>
+              <a:ea typeface="Meiryo UI" panose="020B0604030504040204" pitchFamily="34" charset="-128"/>
+            </a:endParaRPr>
           </a:p>
         </p:txBody>
       </p:sp>
@@ -22754,7 +23902,7 @@
         <p:cNvPr id="1" name="">
           <a:extLst>
             <a:ext uri="{FF2B5EF4-FFF2-40B4-BE49-F238E27FC236}">
-              <a16:creationId xmlns:a16="http://schemas.microsoft.com/office/drawing/2014/main" id="{8048DF0E-6213-0F70-1D1C-4A42E9B41656}"/>
+              <a16:creationId xmlns:a16="http://schemas.microsoft.com/office/drawing/2014/main" id="{4197E498-7255-4F97-E6F8-1399671805ED}"/>
             </a:ext>
           </a:extLst>
         </p:cNvPr>
@@ -22774,7 +23922,7 @@
           <p:cNvPr id="2" name="標題 1">
             <a:extLst>
               <a:ext uri="{FF2B5EF4-FFF2-40B4-BE49-F238E27FC236}">
-                <a16:creationId xmlns:a16="http://schemas.microsoft.com/office/drawing/2014/main" id="{011065FA-8343-0C6C-8D9E-BA518FB52311}"/>
+                <a16:creationId xmlns:a16="http://schemas.microsoft.com/office/drawing/2014/main" id="{3C08207B-65F9-79E8-04AF-34A1056AE8EB}"/>
               </a:ext>
             </a:extLst>
           </p:cNvPr>
@@ -22821,7 +23969,7 @@
                 <a:latin typeface="Meiryo UI" panose="020B0604030504040204" pitchFamily="34" charset="-128"/>
                 <a:ea typeface="Meiryo UI" panose="020B0604030504040204" pitchFamily="34" charset="-128"/>
               </a:rPr>
-              <a:t>-</a:t>
+              <a:t>- </a:t>
             </a:r>
             <a:r>
               <a:rPr lang="zh-HK" altLang="en-US" dirty="0">
@@ -22842,7 +23990,7 @@
           <p:cNvPr id="4" name="投影片編號版面配置區 3">
             <a:extLst>
               <a:ext uri="{FF2B5EF4-FFF2-40B4-BE49-F238E27FC236}">
-                <a16:creationId xmlns:a16="http://schemas.microsoft.com/office/drawing/2014/main" id="{7E0F87A1-7C22-DCBD-BBED-E0D59ED64EC9}"/>
+                <a16:creationId xmlns:a16="http://schemas.microsoft.com/office/drawing/2014/main" id="{C02F6496-EB18-919A-F480-7A073E9F5ABD}"/>
               </a:ext>
             </a:extLst>
           </p:cNvPr>
@@ -22872,7 +24020,7 @@
           <p:cNvPr id="6" name="內容版面配置區 5">
             <a:extLst>
               <a:ext uri="{FF2B5EF4-FFF2-40B4-BE49-F238E27FC236}">
-                <a16:creationId xmlns:a16="http://schemas.microsoft.com/office/drawing/2014/main" id="{EB5BAC69-83B7-3838-F564-41842BC38360}"/>
+                <a16:creationId xmlns:a16="http://schemas.microsoft.com/office/drawing/2014/main" id="{D76869E0-749D-C772-75BE-8A936567FBD2}"/>
               </a:ext>
             </a:extLst>
           </p:cNvPr>
@@ -22883,14 +24031,14 @@
             <p:ph idx="1"/>
             <p:extLst>
               <p:ext uri="{D42A27DB-BD31-4B8C-83A1-F6EECF244321}">
-                <p14:modId xmlns:p14="http://schemas.microsoft.com/office/powerpoint/2010/main" val="2840808237"/>
+                <p14:modId xmlns:p14="http://schemas.microsoft.com/office/powerpoint/2010/main" val="2467154846"/>
               </p:ext>
             </p:extLst>
           </p:nvPr>
         </p:nvGraphicFramePr>
         <p:xfrm>
-          <a:off x="497863" y="1946136"/>
-          <a:ext cx="11196270" cy="3470336"/>
+          <a:off x="148043" y="1920937"/>
+          <a:ext cx="11895909" cy="3240000"/>
         </p:xfrm>
         <a:graphic>
           <a:graphicData uri="http://schemas.openxmlformats.org/drawingml/2006/table">
@@ -22899,70 +24047,70 @@
                 <a:tableStyleId>{5C22544A-7EE6-4342-B048-85BDC9FD1C3A}</a:tableStyleId>
               </a:tblPr>
               <a:tblGrid>
-                <a:gridCol w="1287126">
+                <a:gridCol w="1105989">
                   <a:extLst>
                     <a:ext uri="{9D8B030D-6E8A-4147-A177-3AD203B41FA5}">
                       <a16:colId xmlns:a16="http://schemas.microsoft.com/office/drawing/2014/main" val="3802710178"/>
                     </a:ext>
                   </a:extLst>
                 </a:gridCol>
-                <a:gridCol w="1121790">
+                <a:gridCol w="1105989">
                   <a:extLst>
                     <a:ext uri="{9D8B030D-6E8A-4147-A177-3AD203B41FA5}">
                       <a16:colId xmlns:a16="http://schemas.microsoft.com/office/drawing/2014/main" val="197980226"/>
                     </a:ext>
                   </a:extLst>
                 </a:gridCol>
-                <a:gridCol w="1093509">
+                <a:gridCol w="1201782">
                   <a:extLst>
                     <a:ext uri="{9D8B030D-6E8A-4147-A177-3AD203B41FA5}">
                       <a16:colId xmlns:a16="http://schemas.microsoft.com/office/drawing/2014/main" val="3502698574"/>
                     </a:ext>
                   </a:extLst>
                 </a:gridCol>
-                <a:gridCol w="854516">
+                <a:gridCol w="975360">
                   <a:extLst>
                     <a:ext uri="{9D8B030D-6E8A-4147-A177-3AD203B41FA5}">
                       <a16:colId xmlns:a16="http://schemas.microsoft.com/office/drawing/2014/main" val="278007834"/>
                     </a:ext>
                   </a:extLst>
                 </a:gridCol>
-                <a:gridCol w="1461155">
+                <a:gridCol w="1071155">
                   <a:extLst>
                     <a:ext uri="{9D8B030D-6E8A-4147-A177-3AD203B41FA5}">
                       <a16:colId xmlns:a16="http://schemas.microsoft.com/office/drawing/2014/main" val="2671526995"/>
                     </a:ext>
                   </a:extLst>
                 </a:gridCol>
-                <a:gridCol w="970961">
+                <a:gridCol w="1332411">
                   <a:extLst>
                     <a:ext uri="{9D8B030D-6E8A-4147-A177-3AD203B41FA5}">
                       <a16:colId xmlns:a16="http://schemas.microsoft.com/office/drawing/2014/main" val="2792151916"/>
                     </a:ext>
                   </a:extLst>
                 </a:gridCol>
-                <a:gridCol w="952107">
+                <a:gridCol w="1219200">
                   <a:extLst>
                     <a:ext uri="{9D8B030D-6E8A-4147-A177-3AD203B41FA5}">
                       <a16:colId xmlns:a16="http://schemas.microsoft.com/office/drawing/2014/main" val="3328095152"/>
                     </a:ext>
                   </a:extLst>
                 </a:gridCol>
-                <a:gridCol w="1091222">
+                <a:gridCol w="1271452">
                   <a:extLst>
                     <a:ext uri="{9D8B030D-6E8A-4147-A177-3AD203B41FA5}">
                       <a16:colId xmlns:a16="http://schemas.microsoft.com/office/drawing/2014/main" val="2701643900"/>
                     </a:ext>
                   </a:extLst>
                 </a:gridCol>
-                <a:gridCol w="962080">
+                <a:gridCol w="1140822">
                   <a:extLst>
                     <a:ext uri="{9D8B030D-6E8A-4147-A177-3AD203B41FA5}">
                       <a16:colId xmlns:a16="http://schemas.microsoft.com/office/drawing/2014/main" val="3396234251"/>
                     </a:ext>
                   </a:extLst>
                 </a:gridCol>
-                <a:gridCol w="1401804">
+                <a:gridCol w="1471749">
                   <a:extLst>
                     <a:ext uri="{9D8B030D-6E8A-4147-A177-3AD203B41FA5}">
                       <a16:colId xmlns:a16="http://schemas.microsoft.com/office/drawing/2014/main" val="1847039352"/>
@@ -22970,15 +24118,15 @@
                   </a:extLst>
                 </a:gridCol>
               </a:tblGrid>
-              <a:tr h="590336">
+              <a:tr h="360000">
                 <a:tc>
                   <a:txBody>
                     <a:bodyPr/>
                     <a:lstStyle/>
                     <a:p>
                       <a:pPr algn="ctr"/>
-                      <a:endParaRPr lang="zh-HK" altLang="en-US" sz="1600" b="0" dirty="0">
-                        <a:latin typeface="+mn-lt"/>
+                      <a:endParaRPr lang="zh-HK" altLang="en-US" sz="1400" b="0" dirty="0">
+                        <a:latin typeface="Meiryo UI" panose="020B0604030504040204" pitchFamily="34" charset="-128"/>
                         <a:ea typeface="Meiryo UI" panose="020B0604030504040204" pitchFamily="34" charset="-128"/>
                       </a:endParaRPr>
                     </a:p>
@@ -22992,17 +24140,17 @@
                     <a:p>
                       <a:pPr algn="ctr"/>
                       <a:r>
-                        <a:rPr kumimoji="1" lang="en-US" altLang="zh-HK" sz="1600" dirty="0">
+                        <a:rPr kumimoji="1" lang="en-US" altLang="zh-HK" sz="1400" dirty="0">
                           <a:solidFill>
                             <a:schemeClr val="tx1"/>
                           </a:solidFill>
-                          <a:latin typeface="+mn-lt"/>
+                          <a:latin typeface="Meiryo UI" panose="020B0604030504040204" pitchFamily="34" charset="-128"/>
                           <a:ea typeface="Meiryo UI" panose="020B0604030504040204" pitchFamily="34" charset="-128"/>
                         </a:rPr>
                         <a:t>Sha256</a:t>
                       </a:r>
-                      <a:endParaRPr lang="zh-HK" altLang="en-US" sz="1600" b="0" dirty="0">
-                        <a:latin typeface="+mn-lt"/>
+                      <a:endParaRPr lang="zh-HK" altLang="en-US" sz="1400" b="0" dirty="0">
+                        <a:latin typeface="Meiryo UI" panose="020B0604030504040204" pitchFamily="34" charset="-128"/>
                         <a:ea typeface="Meiryo UI" panose="020B0604030504040204" pitchFamily="34" charset="-128"/>
                       </a:endParaRPr>
                     </a:p>
@@ -23016,14 +24164,14 @@
                     <a:p>
                       <a:pPr algn="ctr"/>
                       <a:r>
-                        <a:rPr lang="en-US" altLang="zh-HK" sz="1600" b="1" dirty="0">
-                          <a:latin typeface="+mn-lt"/>
+                        <a:rPr lang="en-US" altLang="zh-HK" sz="1400" b="1" dirty="0">
+                          <a:latin typeface="Meiryo UI" panose="020B0604030504040204" pitchFamily="34" charset="-128"/>
                           <a:ea typeface="Meiryo UI" panose="020B0604030504040204" pitchFamily="34" charset="-128"/>
                         </a:rPr>
                         <a:t>Blake2b</a:t>
                       </a:r>
-                      <a:endParaRPr lang="zh-HK" altLang="en-US" sz="1600" b="0" dirty="0">
-                        <a:latin typeface="+mn-lt"/>
+                      <a:endParaRPr lang="zh-HK" altLang="en-US" sz="1400" b="0" dirty="0">
+                        <a:latin typeface="Meiryo UI" panose="020B0604030504040204" pitchFamily="34" charset="-128"/>
                         <a:ea typeface="Meiryo UI" panose="020B0604030504040204" pitchFamily="34" charset="-128"/>
                       </a:endParaRPr>
                     </a:p>
@@ -23037,21 +24185,21 @@
                     <a:p>
                       <a:pPr algn="ctr"/>
                       <a:r>
-                        <a:rPr lang="en-US" altLang="zh-HK" sz="1600" b="1" dirty="0">
-                          <a:latin typeface="+mn-lt"/>
+                        <a:rPr lang="en-US" altLang="zh-HK" sz="1400" b="1" dirty="0">
+                          <a:latin typeface="Meiryo UI" panose="020B0604030504040204" pitchFamily="34" charset="-128"/>
                           <a:ea typeface="Meiryo UI" panose="020B0604030504040204" pitchFamily="34" charset="-128"/>
                         </a:rPr>
                         <a:t>Blake</a:t>
                       </a:r>
                       <a:r>
-                        <a:rPr lang="en-US" altLang="zh-TW" sz="1600" b="1" dirty="0">
-                          <a:latin typeface="+mn-lt"/>
+                        <a:rPr lang="en-US" altLang="zh-TW" sz="1400" b="1" dirty="0">
+                          <a:latin typeface="Meiryo UI" panose="020B0604030504040204" pitchFamily="34" charset="-128"/>
                           <a:ea typeface="Meiryo UI" panose="020B0604030504040204" pitchFamily="34" charset="-128"/>
                         </a:rPr>
                         <a:t>3</a:t>
                       </a:r>
-                      <a:endParaRPr lang="zh-HK" altLang="en-US" sz="1600" b="0" dirty="0">
-                        <a:latin typeface="+mn-lt"/>
+                      <a:endParaRPr lang="zh-HK" altLang="en-US" sz="1400" b="0" dirty="0">
+                        <a:latin typeface="Meiryo UI" panose="020B0604030504040204" pitchFamily="34" charset="-128"/>
                         <a:ea typeface="Meiryo UI" panose="020B0604030504040204" pitchFamily="34" charset="-128"/>
                       </a:endParaRPr>
                     </a:p>
@@ -23065,19 +24213,19 @@
                     <a:p>
                       <a:pPr algn="ctr"/>
                       <a:r>
-                        <a:rPr lang="en-US" altLang="zh-HK" sz="1600" b="1" i="0" kern="1200" dirty="0">
+                        <a:rPr lang="en-US" altLang="zh-HK" sz="1400" b="1" i="0" kern="1200" dirty="0">
                           <a:solidFill>
                             <a:schemeClr val="lt1"/>
                           </a:solidFill>
                           <a:effectLst/>
-                          <a:latin typeface="+mn-lt"/>
-                          <a:ea typeface="+mn-ea"/>
+                          <a:latin typeface="Meiryo UI" panose="020B0604030504040204" pitchFamily="34" charset="-128"/>
+                          <a:ea typeface="Meiryo UI" panose="020B0604030504040204" pitchFamily="34" charset="-128"/>
                           <a:cs typeface="+mn-cs"/>
                         </a:rPr>
-                        <a:t>MurmurHash3</a:t>
+                        <a:t>Murmur3</a:t>
                       </a:r>
-                      <a:endParaRPr lang="zh-HK" altLang="en-US" sz="1600" b="1" dirty="0">
-                        <a:latin typeface="+mn-lt"/>
+                      <a:endParaRPr lang="zh-HK" altLang="en-US" sz="1400" b="1" dirty="0">
+                        <a:latin typeface="Meiryo UI" panose="020B0604030504040204" pitchFamily="34" charset="-128"/>
                         <a:ea typeface="Meiryo UI" panose="020B0604030504040204" pitchFamily="34" charset="-128"/>
                       </a:endParaRPr>
                     </a:p>
@@ -23091,14 +24239,14 @@
                     <a:p>
                       <a:pPr algn="ctr"/>
                       <a:r>
-                        <a:rPr lang="en-US" altLang="zh-HK" sz="1600" b="1" dirty="0">
-                          <a:latin typeface="+mn-lt"/>
+                        <a:rPr lang="en-US" altLang="zh-HK" sz="1400" b="1" dirty="0">
+                          <a:latin typeface="Meiryo UI" panose="020B0604030504040204" pitchFamily="34" charset="-128"/>
                           <a:ea typeface="Meiryo UI" panose="020B0604030504040204" pitchFamily="34" charset="-128"/>
                         </a:rPr>
                         <a:t>Keccak</a:t>
                       </a:r>
-                      <a:endParaRPr lang="zh-HK" altLang="en-US" sz="1600" b="0" dirty="0">
-                        <a:latin typeface="+mn-lt"/>
+                      <a:endParaRPr lang="zh-HK" altLang="en-US" sz="1400" b="0" dirty="0">
+                        <a:latin typeface="Meiryo UI" panose="020B0604030504040204" pitchFamily="34" charset="-128"/>
                         <a:ea typeface="Meiryo UI" panose="020B0604030504040204" pitchFamily="34" charset="-128"/>
                       </a:endParaRPr>
                     </a:p>
@@ -23112,14 +24260,14 @@
                     <a:p>
                       <a:pPr algn="ctr"/>
                       <a:r>
-                        <a:rPr lang="en-US" altLang="zh-HK" sz="1600" b="1" dirty="0">
-                          <a:latin typeface="+mn-lt"/>
+                        <a:rPr lang="en-US" altLang="zh-HK" sz="1400" b="1" dirty="0">
+                          <a:latin typeface="Meiryo UI" panose="020B0604030504040204" pitchFamily="34" charset="-128"/>
                           <a:ea typeface="Meiryo UI" panose="020B0604030504040204" pitchFamily="34" charset="-128"/>
                         </a:rPr>
                         <a:t>Skein</a:t>
                       </a:r>
-                      <a:endParaRPr lang="zh-HK" altLang="en-US" sz="1600" b="0" dirty="0">
-                        <a:latin typeface="+mn-lt"/>
+                      <a:endParaRPr lang="zh-HK" altLang="en-US" sz="1400" b="0" dirty="0">
+                        <a:latin typeface="Meiryo UI" panose="020B0604030504040204" pitchFamily="34" charset="-128"/>
                         <a:ea typeface="Meiryo UI" panose="020B0604030504040204" pitchFamily="34" charset="-128"/>
                       </a:endParaRPr>
                     </a:p>
@@ -23149,19 +24297,19 @@
                         <a:defRPr/>
                       </a:pPr>
                       <a:r>
-                        <a:rPr lang="en-US" altLang="zh-HK" sz="1600" b="1" i="0" kern="1200" dirty="0" err="1">
+                        <a:rPr lang="en-US" altLang="zh-HK" sz="1400" b="1" i="0" kern="1200" dirty="0" err="1">
                           <a:solidFill>
                             <a:schemeClr val="lt1"/>
                           </a:solidFill>
                           <a:effectLst/>
-                          <a:latin typeface="+mn-lt"/>
-                          <a:ea typeface="+mn-ea"/>
+                          <a:latin typeface="Meiryo UI" panose="020B0604030504040204" pitchFamily="34" charset="-128"/>
+                          <a:ea typeface="Meiryo UI" panose="020B0604030504040204" pitchFamily="34" charset="-128"/>
                           <a:cs typeface="+mn-cs"/>
                         </a:rPr>
                         <a:t>FarmHash</a:t>
                       </a:r>
-                      <a:endParaRPr lang="zh-HK" altLang="en-US" sz="1600" b="1" dirty="0">
-                        <a:latin typeface="+mn-lt"/>
+                      <a:endParaRPr lang="zh-HK" altLang="en-US" sz="1400" b="1" dirty="0">
+                        <a:latin typeface="Meiryo UI" panose="020B0604030504040204" pitchFamily="34" charset="-128"/>
                         <a:ea typeface="Meiryo UI" panose="020B0604030504040204" pitchFamily="34" charset="-128"/>
                       </a:endParaRPr>
                     </a:p>
@@ -23191,19 +24339,19 @@
                         <a:defRPr/>
                       </a:pPr>
                       <a:r>
-                        <a:rPr lang="en-US" altLang="zh-HK" sz="1600" b="1" i="0" kern="1200" dirty="0" err="1">
+                        <a:rPr lang="en-US" altLang="zh-HK" sz="1400" b="1" i="0" kern="1200" dirty="0" err="1">
                           <a:solidFill>
                             <a:schemeClr val="lt1"/>
                           </a:solidFill>
                           <a:effectLst/>
-                          <a:latin typeface="+mn-lt"/>
-                          <a:ea typeface="+mn-ea"/>
+                          <a:latin typeface="Meiryo UI" panose="020B0604030504040204" pitchFamily="34" charset="-128"/>
+                          <a:ea typeface="Meiryo UI" panose="020B0604030504040204" pitchFamily="34" charset="-128"/>
                           <a:cs typeface="+mn-cs"/>
                         </a:rPr>
                         <a:t>xxHash</a:t>
                       </a:r>
-                      <a:endParaRPr lang="zh-HK" altLang="en-US" sz="1600" b="1" dirty="0">
-                        <a:latin typeface="+mn-lt"/>
+                      <a:endParaRPr lang="zh-HK" altLang="en-US" sz="1400" b="1" dirty="0">
+                        <a:latin typeface="Meiryo UI" panose="020B0604030504040204" pitchFamily="34" charset="-128"/>
                         <a:ea typeface="Meiryo UI" panose="020B0604030504040204" pitchFamily="34" charset="-128"/>
                       </a:endParaRPr>
                     </a:p>
@@ -23233,19 +24381,19 @@
                         <a:defRPr/>
                       </a:pPr>
                       <a:r>
-                        <a:rPr lang="en-US" altLang="zh-HK" sz="1600" b="1" i="0" kern="1200" dirty="0" err="1">
+                        <a:rPr lang="en-US" altLang="zh-HK" sz="1400" b="1" i="0" kern="1200" dirty="0" err="1">
                           <a:solidFill>
                             <a:schemeClr val="lt1"/>
                           </a:solidFill>
                           <a:effectLst/>
-                          <a:latin typeface="+mn-lt"/>
-                          <a:ea typeface="+mn-ea"/>
+                          <a:latin typeface="Meiryo UI" panose="020B0604030504040204" pitchFamily="34" charset="-128"/>
+                          <a:ea typeface="Meiryo UI" panose="020B0604030504040204" pitchFamily="34" charset="-128"/>
                           <a:cs typeface="+mn-cs"/>
                         </a:rPr>
                         <a:t>HighwayHash</a:t>
                       </a:r>
-                      <a:endParaRPr lang="zh-HK" altLang="en-US" sz="1600" b="1" dirty="0">
-                        <a:latin typeface="+mn-lt"/>
+                      <a:endParaRPr lang="zh-HK" altLang="en-US" sz="1400" b="1" dirty="0">
+                        <a:latin typeface="Meiryo UI" panose="020B0604030504040204" pitchFamily="34" charset="-128"/>
                         <a:ea typeface="Meiryo UI" panose="020B0604030504040204" pitchFamily="34" charset="-128"/>
                       </a:endParaRPr>
                     </a:p>
@@ -23266,11 +24414,11 @@
                     <a:p>
                       <a:pPr algn="ctr"/>
                       <a:r>
-                        <a:rPr lang="en-US" altLang="zh-HK" sz="1500" b="1" dirty="0">
+                        <a:rPr lang="en-US" altLang="zh-HK" sz="1400" b="1" dirty="0">
                           <a:solidFill>
                             <a:schemeClr val="tx1"/>
                           </a:solidFill>
-                          <a:latin typeface="+mn-lt"/>
+                          <a:latin typeface="Meiryo UI" panose="020B0604030504040204" pitchFamily="34" charset="-128"/>
                           <a:ea typeface="Meiryo UI" panose="020B0604030504040204" pitchFamily="34" charset="-128"/>
                         </a:rPr>
                         <a:t>PPT</a:t>
@@ -23295,20 +24443,20 @@
                         <a:defRPr/>
                       </a:pPr>
                       <a:r>
-                        <a:rPr lang="en-US" altLang="zh-HK" sz="1500" b="1" dirty="0">
+                        <a:rPr lang="en-US" altLang="zh-HK" sz="1400" b="1" dirty="0">
                           <a:solidFill>
                             <a:schemeClr val="tx1"/>
                           </a:solidFill>
-                          <a:latin typeface="+mn-lt"/>
+                          <a:latin typeface="Meiryo UI" panose="020B0604030504040204" pitchFamily="34" charset="-128"/>
                           <a:ea typeface="Meiryo UI" panose="020B0604030504040204" pitchFamily="34" charset="-128"/>
                         </a:rPr>
                         <a:t>114KB</a:t>
                       </a:r>
-                      <a:endParaRPr lang="zh-HK" altLang="en-US" sz="1500" b="1" dirty="0">
+                      <a:endParaRPr lang="zh-HK" altLang="en-US" sz="1400" b="1" dirty="0">
                         <a:solidFill>
                           <a:schemeClr val="tx1"/>
                         </a:solidFill>
-                        <a:latin typeface="+mn-lt"/>
+                        <a:latin typeface="Meiryo UI" panose="020B0604030504040204" pitchFamily="34" charset="-128"/>
                         <a:ea typeface="Meiryo UI" panose="020B0604030504040204" pitchFamily="34" charset="-128"/>
                       </a:endParaRPr>
                     </a:p>
@@ -23342,11 +24490,11 @@
                         <a:defRPr/>
                       </a:pPr>
                       <a:r>
-                        <a:rPr lang="en-US" altLang="zh-HK" sz="1600" b="0" i="0" dirty="0">
+                        <a:rPr lang="en-US" altLang="zh-HK" sz="1400" b="0" i="0" dirty="0">
                           <a:latin typeface="Meiryo UI" panose="020B0604030504040204" pitchFamily="34" charset="-128"/>
                           <a:ea typeface="Meiryo UI" panose="020B0604030504040204" pitchFamily="34" charset="-128"/>
                         </a:rPr>
-                        <a:t>12s</a:t>
+                        <a:t>4s~12s</a:t>
                       </a:r>
                     </a:p>
                   </a:txBody>
@@ -23359,13 +24507,13 @@
                     <a:p>
                       <a:pPr algn="ctr"/>
                       <a:r>
-                        <a:rPr lang="en-US" altLang="zh-HK" sz="1600" b="0" i="0" dirty="0">
+                        <a:rPr lang="en-US" altLang="zh-HK" sz="1400" b="0" i="0" dirty="0">
                           <a:latin typeface="Meiryo UI" panose="020B0604030504040204" pitchFamily="34" charset="-128"/>
                           <a:ea typeface="Meiryo UI" panose="020B0604030504040204" pitchFamily="34" charset="-128"/>
                         </a:rPr>
-                        <a:t>18s</a:t>
+                        <a:t>18s~23s</a:t>
                       </a:r>
-                      <a:endParaRPr lang="zh-HK" altLang="en-US" sz="1600" b="0" i="0" dirty="0">
+                      <a:endParaRPr lang="zh-HK" altLang="en-US" sz="1400" b="0" i="0" dirty="0">
                         <a:latin typeface="Meiryo UI" panose="020B0604030504040204" pitchFamily="34" charset="-128"/>
                         <a:ea typeface="Meiryo UI" panose="020B0604030504040204" pitchFamily="34" charset="-128"/>
                       </a:endParaRPr>
@@ -23380,13 +24528,13 @@
                     <a:p>
                       <a:pPr algn="ctr"/>
                       <a:r>
-                        <a:rPr lang="en-US" altLang="zh-HK" sz="1600" dirty="0">
+                        <a:rPr lang="en-US" altLang="zh-HK" sz="1400" dirty="0">
                           <a:latin typeface="Meiryo UI" panose="020B0604030504040204" pitchFamily="34" charset="-128"/>
                           <a:ea typeface="Meiryo UI" panose="020B0604030504040204" pitchFamily="34" charset="-128"/>
                         </a:rPr>
-                        <a:t>18s</a:t>
+                        <a:t>17s~18s</a:t>
                       </a:r>
-                      <a:endParaRPr lang="zh-HK" altLang="en-US" sz="1600" dirty="0">
+                      <a:endParaRPr lang="zh-HK" altLang="en-US" sz="1400" dirty="0">
                         <a:latin typeface="Meiryo UI" panose="020B0604030504040204" pitchFamily="34" charset="-128"/>
                         <a:ea typeface="Meiryo UI" panose="020B0604030504040204" pitchFamily="34" charset="-128"/>
                       </a:endParaRPr>
@@ -23401,13 +24549,13 @@
                     <a:p>
                       <a:pPr algn="ctr"/>
                       <a:r>
-                        <a:rPr lang="en-US" altLang="zh-HK" sz="1600" dirty="0">
+                        <a:rPr lang="en-US" altLang="zh-HK" sz="1400" dirty="0">
                           <a:latin typeface="Meiryo UI" panose="020B0604030504040204" pitchFamily="34" charset="-128"/>
                           <a:ea typeface="Meiryo UI" panose="020B0604030504040204" pitchFamily="34" charset="-128"/>
                         </a:rPr>
-                        <a:t>8s</a:t>
+                        <a:t>4s~8s</a:t>
                       </a:r>
-                      <a:endParaRPr lang="zh-HK" altLang="en-US" sz="1600" dirty="0">
+                      <a:endParaRPr lang="zh-HK" altLang="en-US" sz="1400" dirty="0">
                         <a:latin typeface="Meiryo UI" panose="020B0604030504040204" pitchFamily="34" charset="-128"/>
                         <a:ea typeface="Meiryo UI" panose="020B0604030504040204" pitchFamily="34" charset="-128"/>
                       </a:endParaRPr>
@@ -23422,13 +24570,13 @@
                     <a:p>
                       <a:pPr algn="ctr"/>
                       <a:r>
-                        <a:rPr lang="en-US" altLang="zh-HK" sz="1600" dirty="0">
+                        <a:rPr lang="en-US" altLang="zh-HK" sz="1400" dirty="0">
                           <a:latin typeface="Meiryo UI" panose="020B0604030504040204" pitchFamily="34" charset="-128"/>
                           <a:ea typeface="Meiryo UI" panose="020B0604030504040204" pitchFamily="34" charset="-128"/>
                         </a:rPr>
-                        <a:t>21s</a:t>
+                        <a:t>10s~21s</a:t>
                       </a:r>
-                      <a:endParaRPr lang="zh-HK" altLang="en-US" sz="1600" dirty="0">
+                      <a:endParaRPr lang="zh-HK" altLang="en-US" sz="1400" dirty="0">
                         <a:latin typeface="Meiryo UI" panose="020B0604030504040204" pitchFamily="34" charset="-128"/>
                         <a:ea typeface="Meiryo UI" panose="020B0604030504040204" pitchFamily="34" charset="-128"/>
                       </a:endParaRPr>
@@ -23443,13 +24591,13 @@
                     <a:p>
                       <a:pPr algn="ctr"/>
                       <a:r>
-                        <a:rPr lang="en-US" altLang="zh-HK" sz="1600" dirty="0">
+                        <a:rPr lang="en-US" altLang="zh-HK" sz="1400" dirty="0">
                           <a:latin typeface="Meiryo UI" panose="020B0604030504040204" pitchFamily="34" charset="-128"/>
                           <a:ea typeface="Meiryo UI" panose="020B0604030504040204" pitchFamily="34" charset="-128"/>
                         </a:rPr>
-                        <a:t>55s</a:t>
+                        <a:t>16s~55s</a:t>
                       </a:r>
-                      <a:endParaRPr lang="zh-HK" altLang="en-US" sz="1600" dirty="0">
+                      <a:endParaRPr lang="zh-HK" altLang="en-US" sz="1400" dirty="0">
                         <a:latin typeface="Meiryo UI" panose="020B0604030504040204" pitchFamily="34" charset="-128"/>
                         <a:ea typeface="Meiryo UI" panose="020B0604030504040204" pitchFamily="34" charset="-128"/>
                       </a:endParaRPr>
@@ -23464,13 +24612,13 @@
                     <a:p>
                       <a:pPr algn="ctr"/>
                       <a:r>
-                        <a:rPr lang="en-US" altLang="zh-HK" sz="1600" dirty="0">
+                        <a:rPr lang="en-US" altLang="zh-HK" sz="1400" dirty="0">
                           <a:latin typeface="Meiryo UI" panose="020B0604030504040204" pitchFamily="34" charset="-128"/>
                           <a:ea typeface="Meiryo UI" panose="020B0604030504040204" pitchFamily="34" charset="-128"/>
                         </a:rPr>
-                        <a:t>10s</a:t>
+                        <a:t>10s~23s</a:t>
                       </a:r>
-                      <a:endParaRPr lang="zh-HK" altLang="en-US" sz="1600" dirty="0">
+                      <a:endParaRPr lang="zh-HK" altLang="en-US" sz="1400" dirty="0">
                         <a:latin typeface="Meiryo UI" panose="020B0604030504040204" pitchFamily="34" charset="-128"/>
                         <a:ea typeface="Meiryo UI" panose="020B0604030504040204" pitchFamily="34" charset="-128"/>
                       </a:endParaRPr>
@@ -23485,13 +24633,13 @@
                     <a:p>
                       <a:pPr algn="ctr"/>
                       <a:r>
-                        <a:rPr lang="en-US" altLang="zh-HK" sz="1600" dirty="0">
+                        <a:rPr lang="en-US" altLang="zh-HK" sz="1400" dirty="0">
                           <a:latin typeface="Meiryo UI" panose="020B0604030504040204" pitchFamily="34" charset="-128"/>
                           <a:ea typeface="Meiryo UI" panose="020B0604030504040204" pitchFamily="34" charset="-128"/>
                         </a:rPr>
-                        <a:t>3s</a:t>
+                        <a:t>3s~6s</a:t>
                       </a:r>
-                      <a:endParaRPr lang="zh-HK" altLang="en-US" sz="1600" dirty="0">
+                      <a:endParaRPr lang="zh-HK" altLang="en-US" sz="1400" dirty="0">
                         <a:latin typeface="Meiryo UI" panose="020B0604030504040204" pitchFamily="34" charset="-128"/>
                         <a:ea typeface="Meiryo UI" panose="020B0604030504040204" pitchFamily="34" charset="-128"/>
                       </a:endParaRPr>
@@ -23506,13 +24654,13 @@
                     <a:p>
                       <a:pPr algn="ctr"/>
                       <a:r>
-                        <a:rPr lang="en-US" altLang="zh-HK" sz="1600" dirty="0">
+                        <a:rPr lang="en-US" altLang="zh-HK" sz="1400" dirty="0">
                           <a:latin typeface="Meiryo UI" panose="020B0604030504040204" pitchFamily="34" charset="-128"/>
                           <a:ea typeface="Meiryo UI" panose="020B0604030504040204" pitchFamily="34" charset="-128"/>
                         </a:rPr>
-                        <a:t>5s</a:t>
+                        <a:t>3s~5s</a:t>
                       </a:r>
-                      <a:endParaRPr lang="zh-HK" altLang="en-US" sz="1600" dirty="0">
+                      <a:endParaRPr lang="zh-HK" altLang="en-US" sz="1400" dirty="0">
                         <a:latin typeface="Meiryo UI" panose="020B0604030504040204" pitchFamily="34" charset="-128"/>
                         <a:ea typeface="Meiryo UI" panose="020B0604030504040204" pitchFamily="34" charset="-128"/>
                       </a:endParaRPr>
@@ -23550,30 +24698,30 @@
                         <a:defRPr/>
                       </a:pPr>
                       <a:r>
-                        <a:rPr lang="en-US" altLang="zh-HK" sz="1500" b="1" dirty="0">
+                        <a:rPr lang="en-US" altLang="zh-HK" sz="1400" b="1" dirty="0">
                           <a:solidFill>
                             <a:schemeClr val="tx1"/>
                           </a:solidFill>
-                          <a:latin typeface="+mn-lt"/>
+                          <a:latin typeface="Meiryo UI" panose="020B0604030504040204" pitchFamily="34" charset="-128"/>
                           <a:ea typeface="Meiryo UI" panose="020B0604030504040204" pitchFamily="34" charset="-128"/>
                         </a:rPr>
                         <a:t>ER</a:t>
                       </a:r>
                       <a:r>
-                        <a:rPr lang="zh-HK" altLang="en-US" sz="1500" b="1" dirty="0">
+                        <a:rPr lang="zh-HK" altLang="en-US" sz="1400" b="1" dirty="0">
                           <a:solidFill>
                             <a:schemeClr val="tx1"/>
                           </a:solidFill>
-                          <a:latin typeface="+mn-lt"/>
+                          <a:latin typeface="Meiryo UI" panose="020B0604030504040204" pitchFamily="34" charset="-128"/>
                           <a:ea typeface="Meiryo UI" panose="020B0604030504040204" pitchFamily="34" charset="-128"/>
                         </a:rPr>
                         <a:t>図</a:t>
                       </a:r>
-                      <a:endParaRPr lang="en-US" altLang="zh-HK" sz="1500" b="1" dirty="0">
+                      <a:endParaRPr lang="en-US" altLang="zh-HK" sz="1400" b="1" dirty="0">
                         <a:solidFill>
                           <a:schemeClr val="tx1"/>
                         </a:solidFill>
-                        <a:latin typeface="+mn-lt"/>
+                        <a:latin typeface="Meiryo UI" panose="020B0604030504040204" pitchFamily="34" charset="-128"/>
                         <a:ea typeface="Meiryo UI" panose="020B0604030504040204" pitchFamily="34" charset="-128"/>
                       </a:endParaRPr>
                     </a:p>
@@ -23596,20 +24744,20 @@
                         <a:defRPr/>
                       </a:pPr>
                       <a:r>
-                        <a:rPr lang="en-US" altLang="zh-HK" sz="1500" b="1" dirty="0">
+                        <a:rPr lang="en-US" altLang="zh-HK" sz="1400" b="1" dirty="0">
                           <a:solidFill>
                             <a:schemeClr val="tx1"/>
                           </a:solidFill>
-                          <a:latin typeface="+mn-lt"/>
+                          <a:latin typeface="Meiryo UI" panose="020B0604030504040204" pitchFamily="34" charset="-128"/>
                           <a:ea typeface="Meiryo UI" panose="020B0604030504040204" pitchFamily="34" charset="-128"/>
                         </a:rPr>
                         <a:t>426 KB</a:t>
                       </a:r>
-                      <a:endParaRPr lang="zh-HK" altLang="en-US" sz="1500" b="1" dirty="0">
+                      <a:endParaRPr lang="zh-HK" altLang="en-US" sz="1400" b="1" dirty="0">
                         <a:solidFill>
                           <a:schemeClr val="tx1"/>
                         </a:solidFill>
-                        <a:latin typeface="+mn-lt"/>
+                        <a:latin typeface="Meiryo UI" panose="020B0604030504040204" pitchFamily="34" charset="-128"/>
                         <a:ea typeface="Meiryo UI" panose="020B0604030504040204" pitchFamily="34" charset="-128"/>
                       </a:endParaRPr>
                     </a:p>
@@ -23643,11 +24791,11 @@
                         <a:defRPr/>
                       </a:pPr>
                       <a:r>
-                        <a:rPr lang="en-US" altLang="zh-HK" sz="1600" b="0" i="0" dirty="0">
+                        <a:rPr lang="en-US" altLang="zh-HK" sz="1400" b="0" i="0" dirty="0">
                           <a:latin typeface="Meiryo UI" panose="020B0604030504040204" pitchFamily="34" charset="-128"/>
                           <a:ea typeface="Meiryo UI" panose="020B0604030504040204" pitchFamily="34" charset="-128"/>
                         </a:rPr>
-                        <a:t>7s</a:t>
+                        <a:t>7s~14s</a:t>
                       </a:r>
                     </a:p>
                   </a:txBody>
@@ -23660,13 +24808,13 @@
                     <a:p>
                       <a:pPr algn="ctr"/>
                       <a:r>
-                        <a:rPr lang="en-US" altLang="zh-HK" sz="1600" b="0" i="0" dirty="0">
+                        <a:rPr lang="en-US" altLang="zh-HK" sz="1400" b="0" i="0" dirty="0">
                           <a:latin typeface="Meiryo UI" panose="020B0604030504040204" pitchFamily="34" charset="-128"/>
                           <a:ea typeface="Meiryo UI" panose="020B0604030504040204" pitchFamily="34" charset="-128"/>
                         </a:rPr>
-                        <a:t>42s</a:t>
+                        <a:t>42s~49s</a:t>
                       </a:r>
-                      <a:endParaRPr lang="zh-HK" altLang="en-US" sz="1600" b="0" i="0" dirty="0">
+                      <a:endParaRPr lang="zh-HK" altLang="en-US" sz="1400" b="0" i="0" dirty="0">
                         <a:latin typeface="Meiryo UI" panose="020B0604030504040204" pitchFamily="34" charset="-128"/>
                         <a:ea typeface="Meiryo UI" panose="020B0604030504040204" pitchFamily="34" charset="-128"/>
                       </a:endParaRPr>
@@ -23681,13 +24829,13 @@
                     <a:p>
                       <a:pPr algn="ctr"/>
                       <a:r>
-                        <a:rPr lang="en-US" altLang="zh-HK" sz="1600" dirty="0">
+                        <a:rPr lang="en-US" altLang="zh-HK" sz="1400" dirty="0">
                           <a:latin typeface="Meiryo UI" panose="020B0604030504040204" pitchFamily="34" charset="-128"/>
                           <a:ea typeface="Meiryo UI" panose="020B0604030504040204" pitchFamily="34" charset="-128"/>
                         </a:rPr>
-                        <a:t>46s</a:t>
+                        <a:t>5s~46s</a:t>
                       </a:r>
-                      <a:endParaRPr lang="zh-HK" altLang="en-US" sz="1600" dirty="0">
+                      <a:endParaRPr lang="zh-HK" altLang="en-US" sz="1400" dirty="0">
                         <a:latin typeface="Meiryo UI" panose="020B0604030504040204" pitchFamily="34" charset="-128"/>
                         <a:ea typeface="Meiryo UI" panose="020B0604030504040204" pitchFamily="34" charset="-128"/>
                       </a:endParaRPr>
@@ -23702,11 +24850,11 @@
                     <a:p>
                       <a:pPr algn="ctr"/>
                       <a:r>
-                        <a:rPr lang="en-US" altLang="zh-HK" sz="1600" dirty="0">
+                        <a:rPr lang="en-US" altLang="zh-HK" sz="1400" dirty="0">
                           <a:latin typeface="Meiryo UI" panose="020B0604030504040204" pitchFamily="34" charset="-128"/>
                           <a:ea typeface="Meiryo UI" panose="020B0604030504040204" pitchFamily="34" charset="-128"/>
                         </a:rPr>
-                        <a:t>9s</a:t>
+                        <a:t>9s~10s</a:t>
                       </a:r>
                     </a:p>
                   </a:txBody>
@@ -23719,13 +24867,13 @@
                     <a:p>
                       <a:pPr algn="ctr"/>
                       <a:r>
-                        <a:rPr lang="en-US" altLang="zh-HK" sz="1600" dirty="0">
+                        <a:rPr lang="en-US" altLang="zh-HK" sz="1400" dirty="0">
                           <a:latin typeface="Meiryo UI" panose="020B0604030504040204" pitchFamily="34" charset="-128"/>
                           <a:ea typeface="Meiryo UI" panose="020B0604030504040204" pitchFamily="34" charset="-128"/>
                         </a:rPr>
-                        <a:t>1m24</a:t>
+                        <a:t>4s~1m24</a:t>
                       </a:r>
-                      <a:endParaRPr lang="zh-HK" altLang="en-US" sz="1600" dirty="0">
+                      <a:endParaRPr lang="zh-HK" altLang="en-US" sz="1400" dirty="0">
                         <a:latin typeface="Meiryo UI" panose="020B0604030504040204" pitchFamily="34" charset="-128"/>
                         <a:ea typeface="Meiryo UI" panose="020B0604030504040204" pitchFamily="34" charset="-128"/>
                       </a:endParaRPr>
@@ -23740,13 +24888,13 @@
                     <a:p>
                       <a:pPr algn="ctr"/>
                       <a:r>
-                        <a:rPr lang="en-US" altLang="zh-HK" sz="1600" dirty="0">
+                        <a:rPr lang="en-US" altLang="zh-HK" sz="1400" dirty="0">
                           <a:latin typeface="Meiryo UI" panose="020B0604030504040204" pitchFamily="34" charset="-128"/>
                           <a:ea typeface="Meiryo UI" panose="020B0604030504040204" pitchFamily="34" charset="-128"/>
                         </a:rPr>
-                        <a:t>1m46</a:t>
+                        <a:t>19s~1m46</a:t>
                       </a:r>
-                      <a:endParaRPr lang="zh-HK" altLang="en-US" sz="1600" dirty="0">
+                      <a:endParaRPr lang="zh-HK" altLang="en-US" sz="1400" dirty="0">
                         <a:latin typeface="Meiryo UI" panose="020B0604030504040204" pitchFamily="34" charset="-128"/>
                         <a:ea typeface="Meiryo UI" panose="020B0604030504040204" pitchFamily="34" charset="-128"/>
                       </a:endParaRPr>
@@ -23761,13 +24909,13 @@
                     <a:p>
                       <a:pPr algn="ctr"/>
                       <a:r>
-                        <a:rPr lang="en-US" altLang="zh-HK" sz="1600" dirty="0">
+                        <a:rPr lang="en-US" altLang="zh-HK" sz="1400" dirty="0">
                           <a:latin typeface="Meiryo UI" panose="020B0604030504040204" pitchFamily="34" charset="-128"/>
                           <a:ea typeface="Meiryo UI" panose="020B0604030504040204" pitchFamily="34" charset="-128"/>
                         </a:rPr>
-                        <a:t>11s</a:t>
+                        <a:t>11s~23s</a:t>
                       </a:r>
-                      <a:endParaRPr lang="zh-HK" altLang="en-US" sz="1600" dirty="0">
+                      <a:endParaRPr lang="zh-HK" altLang="en-US" sz="1400" dirty="0">
                         <a:latin typeface="Meiryo UI" panose="020B0604030504040204" pitchFamily="34" charset="-128"/>
                         <a:ea typeface="Meiryo UI" panose="020B0604030504040204" pitchFamily="34" charset="-128"/>
                       </a:endParaRPr>
@@ -23782,13 +24930,13 @@
                     <a:p>
                       <a:pPr algn="ctr"/>
                       <a:r>
-                        <a:rPr lang="en-US" altLang="zh-HK" sz="1600" dirty="0">
+                        <a:rPr lang="en-US" altLang="zh-HK" sz="1400" dirty="0">
                           <a:latin typeface="Meiryo UI" panose="020B0604030504040204" pitchFamily="34" charset="-128"/>
                           <a:ea typeface="Meiryo UI" panose="020B0604030504040204" pitchFamily="34" charset="-128"/>
                         </a:rPr>
-                        <a:t>7s</a:t>
+                        <a:t>5s~7s</a:t>
                       </a:r>
-                      <a:endParaRPr lang="zh-HK" altLang="en-US" sz="1600" dirty="0">
+                      <a:endParaRPr lang="zh-HK" altLang="en-US" sz="1400" dirty="0">
                         <a:latin typeface="Meiryo UI" panose="020B0604030504040204" pitchFamily="34" charset="-128"/>
                         <a:ea typeface="Meiryo UI" panose="020B0604030504040204" pitchFamily="34" charset="-128"/>
                       </a:endParaRPr>
@@ -23803,13 +24951,13 @@
                     <a:p>
                       <a:pPr algn="ctr"/>
                       <a:r>
-                        <a:rPr lang="en-US" altLang="zh-HK" sz="1600" dirty="0">
+                        <a:rPr lang="en-US" altLang="zh-HK" sz="1400" dirty="0">
                           <a:latin typeface="Meiryo UI" panose="020B0604030504040204" pitchFamily="34" charset="-128"/>
                           <a:ea typeface="Meiryo UI" panose="020B0604030504040204" pitchFamily="34" charset="-128"/>
                         </a:rPr>
-                        <a:t>4s</a:t>
+                        <a:t>4s~5s</a:t>
                       </a:r>
-                      <a:endParaRPr lang="zh-HK" altLang="en-US" sz="1600" dirty="0">
+                      <a:endParaRPr lang="zh-HK" altLang="en-US" sz="1400" dirty="0">
                         <a:latin typeface="Meiryo UI" panose="020B0604030504040204" pitchFamily="34" charset="-128"/>
                         <a:ea typeface="Meiryo UI" panose="020B0604030504040204" pitchFamily="34" charset="-128"/>
                       </a:endParaRPr>
@@ -23847,20 +24995,20 @@
                         <a:defRPr/>
                       </a:pPr>
                       <a:r>
-                        <a:rPr lang="zh-HK" altLang="en-US" sz="1500" b="1" dirty="0">
+                        <a:rPr lang="zh-HK" altLang="en-US" sz="1400" b="1" dirty="0">
                           <a:solidFill>
                             <a:schemeClr val="tx1"/>
                           </a:solidFill>
-                          <a:latin typeface="+mn-lt"/>
+                          <a:latin typeface="Meiryo UI" panose="020B0604030504040204" pitchFamily="34" charset="-128"/>
                           <a:ea typeface="Meiryo UI" panose="020B0604030504040204" pitchFamily="34" charset="-128"/>
                         </a:rPr>
                         <a:t>履歴書</a:t>
                       </a:r>
-                      <a:endParaRPr lang="en-US" altLang="zh-HK" sz="1500" b="1" dirty="0">
+                      <a:endParaRPr lang="en-US" altLang="zh-HK" sz="1400" b="1" dirty="0">
                         <a:solidFill>
                           <a:schemeClr val="tx1"/>
                         </a:solidFill>
-                        <a:latin typeface="+mn-lt"/>
+                        <a:latin typeface="Meiryo UI" panose="020B0604030504040204" pitchFamily="34" charset="-128"/>
                         <a:ea typeface="Meiryo UI" panose="020B0604030504040204" pitchFamily="34" charset="-128"/>
                       </a:endParaRPr>
                     </a:p>
@@ -23883,20 +25031,20 @@
                         <a:defRPr/>
                       </a:pPr>
                       <a:r>
-                        <a:rPr lang="en-US" altLang="zh-HK" sz="1500" b="1" dirty="0">
+                        <a:rPr lang="en-US" altLang="zh-HK" sz="1400" b="1" dirty="0">
                           <a:solidFill>
                             <a:schemeClr val="tx1"/>
                           </a:solidFill>
-                          <a:latin typeface="+mn-lt"/>
+                          <a:latin typeface="Meiryo UI" panose="020B0604030504040204" pitchFamily="34" charset="-128"/>
                           <a:ea typeface="Meiryo UI" panose="020B0604030504040204" pitchFamily="34" charset="-128"/>
                         </a:rPr>
                         <a:t>257 KB</a:t>
                       </a:r>
-                      <a:endParaRPr lang="zh-HK" altLang="en-US" sz="1500" b="1" dirty="0">
+                      <a:endParaRPr lang="zh-HK" altLang="en-US" sz="1400" b="1" dirty="0">
                         <a:solidFill>
                           <a:schemeClr val="tx1"/>
                         </a:solidFill>
-                        <a:latin typeface="+mn-lt"/>
+                        <a:latin typeface="Meiryo UI" panose="020B0604030504040204" pitchFamily="34" charset="-128"/>
                         <a:ea typeface="Meiryo UI" panose="020B0604030504040204" pitchFamily="34" charset="-128"/>
                       </a:endParaRPr>
                     </a:p>
@@ -23930,11 +25078,11 @@
                         <a:defRPr/>
                       </a:pPr>
                       <a:r>
-                        <a:rPr lang="en-US" altLang="zh-HK" sz="1600" b="0" i="0" dirty="0">
+                        <a:rPr lang="en-US" altLang="zh-HK" sz="1400" b="0" i="0" dirty="0">
                           <a:latin typeface="Meiryo UI" panose="020B0604030504040204" pitchFamily="34" charset="-128"/>
                           <a:ea typeface="Meiryo UI" panose="020B0604030504040204" pitchFamily="34" charset="-128"/>
                         </a:rPr>
-                        <a:t>11s</a:t>
+                        <a:t>11s~17s</a:t>
                       </a:r>
                     </a:p>
                   </a:txBody>
@@ -23947,13 +25095,13 @@
                     <a:p>
                       <a:pPr algn="ctr"/>
                       <a:r>
-                        <a:rPr lang="en-US" altLang="zh-HK" sz="1600" b="0" i="0" dirty="0">
+                        <a:rPr lang="en-US" altLang="zh-HK" sz="1400" b="0" i="0" dirty="0">
                           <a:latin typeface="Meiryo UI" panose="020B0604030504040204" pitchFamily="34" charset="-128"/>
                           <a:ea typeface="Meiryo UI" panose="020B0604030504040204" pitchFamily="34" charset="-128"/>
                         </a:rPr>
-                        <a:t>1m34</a:t>
+                        <a:t>16s~1m34</a:t>
                       </a:r>
-                      <a:endParaRPr lang="zh-HK" altLang="en-US" sz="1600" b="0" i="0" dirty="0">
+                      <a:endParaRPr lang="zh-HK" altLang="en-US" sz="1400" b="0" i="0" dirty="0">
                         <a:latin typeface="Meiryo UI" panose="020B0604030504040204" pitchFamily="34" charset="-128"/>
                         <a:ea typeface="Meiryo UI" panose="020B0604030504040204" pitchFamily="34" charset="-128"/>
                       </a:endParaRPr>
@@ -23968,13 +25116,13 @@
                     <a:p>
                       <a:pPr algn="ctr"/>
                       <a:r>
-                        <a:rPr lang="en-US" altLang="zh-HK" sz="1600" dirty="0">
+                        <a:rPr lang="en-US" altLang="zh-HK" sz="1400" dirty="0">
                           <a:latin typeface="Meiryo UI" panose="020B0604030504040204" pitchFamily="34" charset="-128"/>
                           <a:ea typeface="Meiryo UI" panose="020B0604030504040204" pitchFamily="34" charset="-128"/>
                         </a:rPr>
-                        <a:t>9s</a:t>
+                        <a:t>9s~55s</a:t>
                       </a:r>
-                      <a:endParaRPr lang="zh-HK" altLang="en-US" sz="1600" dirty="0">
+                      <a:endParaRPr lang="zh-HK" altLang="en-US" sz="1400" dirty="0">
                         <a:latin typeface="Meiryo UI" panose="020B0604030504040204" pitchFamily="34" charset="-128"/>
                         <a:ea typeface="Meiryo UI" panose="020B0604030504040204" pitchFamily="34" charset="-128"/>
                       </a:endParaRPr>
@@ -23989,13 +25137,13 @@
                     <a:p>
                       <a:pPr algn="ctr"/>
                       <a:r>
-                        <a:rPr lang="en-US" altLang="zh-HK" sz="1600" dirty="0">
+                        <a:rPr lang="en-US" altLang="zh-HK" sz="1400" dirty="0">
                           <a:latin typeface="Meiryo UI" panose="020B0604030504040204" pitchFamily="34" charset="-128"/>
                           <a:ea typeface="Meiryo UI" panose="020B0604030504040204" pitchFamily="34" charset="-128"/>
                         </a:rPr>
-                        <a:t>9s</a:t>
+                        <a:t>9s~13s</a:t>
                       </a:r>
-                      <a:endParaRPr lang="zh-HK" altLang="en-US" sz="1600" dirty="0">
+                      <a:endParaRPr lang="zh-HK" altLang="en-US" sz="1400" dirty="0">
                         <a:latin typeface="Meiryo UI" panose="020B0604030504040204" pitchFamily="34" charset="-128"/>
                         <a:ea typeface="Meiryo UI" panose="020B0604030504040204" pitchFamily="34" charset="-128"/>
                       </a:endParaRPr>
@@ -24010,13 +25158,13 @@
                     <a:p>
                       <a:pPr algn="ctr"/>
                       <a:r>
-                        <a:rPr lang="en-US" altLang="zh-HK" sz="1600" dirty="0">
+                        <a:rPr lang="en-US" altLang="zh-HK" sz="1400" dirty="0">
                           <a:latin typeface="Meiryo UI" panose="020B0604030504040204" pitchFamily="34" charset="-128"/>
                           <a:ea typeface="Meiryo UI" panose="020B0604030504040204" pitchFamily="34" charset="-128"/>
                         </a:rPr>
-                        <a:t>4m55</a:t>
+                        <a:t>2m13~4m55</a:t>
                       </a:r>
-                      <a:endParaRPr lang="zh-HK" altLang="en-US" sz="1600" dirty="0">
+                      <a:endParaRPr lang="zh-HK" altLang="en-US" sz="1400" dirty="0">
                         <a:latin typeface="Meiryo UI" panose="020B0604030504040204" pitchFamily="34" charset="-128"/>
                         <a:ea typeface="Meiryo UI" panose="020B0604030504040204" pitchFamily="34" charset="-128"/>
                       </a:endParaRPr>
@@ -24031,13 +25179,13 @@
                     <a:p>
                       <a:pPr algn="ctr"/>
                       <a:r>
-                        <a:rPr lang="en-US" altLang="zh-HK" sz="1600" dirty="0">
+                        <a:rPr lang="en-US" altLang="zh-HK" sz="1400" dirty="0">
                           <a:latin typeface="Meiryo UI" panose="020B0604030504040204" pitchFamily="34" charset="-128"/>
                           <a:ea typeface="Meiryo UI" panose="020B0604030504040204" pitchFamily="34" charset="-128"/>
                         </a:rPr>
-                        <a:t>1m6</a:t>
+                        <a:t>1m6~2m59</a:t>
                       </a:r>
-                      <a:endParaRPr lang="zh-HK" altLang="en-US" sz="1600" dirty="0">
+                      <a:endParaRPr lang="zh-HK" altLang="en-US" sz="1400" dirty="0">
                         <a:latin typeface="Meiryo UI" panose="020B0604030504040204" pitchFamily="34" charset="-128"/>
                         <a:ea typeface="Meiryo UI" panose="020B0604030504040204" pitchFamily="34" charset="-128"/>
                       </a:endParaRPr>
@@ -24052,13 +25200,13 @@
                     <a:p>
                       <a:pPr algn="ctr"/>
                       <a:r>
-                        <a:rPr lang="en-US" altLang="zh-HK" sz="1600" dirty="0">
+                        <a:rPr lang="en-US" altLang="zh-HK" sz="1400" dirty="0">
                           <a:latin typeface="Meiryo UI" panose="020B0604030504040204" pitchFamily="34" charset="-128"/>
                           <a:ea typeface="Meiryo UI" panose="020B0604030504040204" pitchFamily="34" charset="-128"/>
                         </a:rPr>
-                        <a:t>5s</a:t>
+                        <a:t>5s~13</a:t>
                       </a:r>
-                      <a:endParaRPr lang="zh-HK" altLang="en-US" sz="1600" dirty="0">
+                      <a:endParaRPr lang="zh-HK" altLang="en-US" sz="1400" dirty="0">
                         <a:latin typeface="Meiryo UI" panose="020B0604030504040204" pitchFamily="34" charset="-128"/>
                         <a:ea typeface="Meiryo UI" panose="020B0604030504040204" pitchFamily="34" charset="-128"/>
                       </a:endParaRPr>
@@ -24073,13 +25221,13 @@
                     <a:p>
                       <a:pPr algn="ctr"/>
                       <a:r>
-                        <a:rPr lang="en-US" altLang="zh-HK" sz="1600" dirty="0">
+                        <a:rPr lang="en-US" altLang="zh-HK" sz="1400" dirty="0">
                           <a:latin typeface="Meiryo UI" panose="020B0604030504040204" pitchFamily="34" charset="-128"/>
                           <a:ea typeface="Meiryo UI" panose="020B0604030504040204" pitchFamily="34" charset="-128"/>
                         </a:rPr>
                         <a:t>5s</a:t>
                       </a:r>
-                      <a:endParaRPr lang="zh-HK" altLang="en-US" sz="1600" dirty="0">
+                      <a:endParaRPr lang="zh-HK" altLang="en-US" sz="1400" dirty="0">
                         <a:latin typeface="Meiryo UI" panose="020B0604030504040204" pitchFamily="34" charset="-128"/>
                         <a:ea typeface="Meiryo UI" panose="020B0604030504040204" pitchFamily="34" charset="-128"/>
                       </a:endParaRPr>
@@ -24094,13 +25242,13 @@
                     <a:p>
                       <a:pPr algn="ctr"/>
                       <a:r>
-                        <a:rPr lang="en-US" altLang="zh-HK" sz="1600" dirty="0">
+                        <a:rPr lang="en-US" altLang="zh-HK" sz="1400" dirty="0">
                           <a:latin typeface="Meiryo UI" panose="020B0604030504040204" pitchFamily="34" charset="-128"/>
                           <a:ea typeface="Meiryo UI" panose="020B0604030504040204" pitchFamily="34" charset="-128"/>
                         </a:rPr>
-                        <a:t>5s</a:t>
+                        <a:t>5s~7s</a:t>
                       </a:r>
-                      <a:endParaRPr lang="zh-HK" altLang="en-US" sz="1600" dirty="0">
+                      <a:endParaRPr lang="zh-HK" altLang="en-US" sz="1400" dirty="0">
                         <a:latin typeface="Meiryo UI" panose="020B0604030504040204" pitchFamily="34" charset="-128"/>
                         <a:ea typeface="Meiryo UI" panose="020B0604030504040204" pitchFamily="34" charset="-128"/>
                       </a:endParaRPr>
@@ -24138,30 +25286,30 @@
                         <a:defRPr/>
                       </a:pPr>
                       <a:r>
-                        <a:rPr lang="ja-JP" altLang="en-US" sz="1500" b="1">
+                        <a:rPr lang="ja-JP" altLang="en-US" sz="1400" b="1">
                           <a:solidFill>
                             <a:schemeClr val="tx1"/>
                           </a:solidFill>
-                          <a:latin typeface="+mn-lt"/>
+                          <a:latin typeface="Meiryo UI" panose="020B0604030504040204" pitchFamily="34" charset="-128"/>
                           <a:ea typeface="Meiryo UI" panose="020B0604030504040204" pitchFamily="34" charset="-128"/>
                         </a:rPr>
                         <a:t>スキャン</a:t>
                       </a:r>
                       <a:r>
-                        <a:rPr lang="zh-HK" altLang="en-US" sz="1500" b="1" dirty="0">
+                        <a:rPr lang="zh-HK" altLang="en-US" sz="1400" b="1" dirty="0">
                           <a:solidFill>
                             <a:schemeClr val="tx1"/>
                           </a:solidFill>
-                          <a:latin typeface="+mn-lt"/>
+                          <a:latin typeface="Meiryo UI" panose="020B0604030504040204" pitchFamily="34" charset="-128"/>
                           <a:ea typeface="Meiryo UI" panose="020B0604030504040204" pitchFamily="34" charset="-128"/>
                         </a:rPr>
                         <a:t>写真</a:t>
                       </a:r>
-                      <a:endParaRPr lang="en-US" altLang="zh-HK" sz="1500" b="1" dirty="0">
+                      <a:endParaRPr lang="en-US" altLang="zh-HK" sz="1400" b="1" dirty="0">
                         <a:solidFill>
                           <a:schemeClr val="tx1"/>
                         </a:solidFill>
-                        <a:latin typeface="+mn-lt"/>
+                        <a:latin typeface="Meiryo UI" panose="020B0604030504040204" pitchFamily="34" charset="-128"/>
                         <a:ea typeface="Meiryo UI" panose="020B0604030504040204" pitchFamily="34" charset="-128"/>
                       </a:endParaRPr>
                     </a:p>
@@ -24184,20 +25332,20 @@
                         <a:defRPr/>
                       </a:pPr>
                       <a:r>
-                        <a:rPr lang="en-US" altLang="zh-HK" sz="1500" b="1" dirty="0">
+                        <a:rPr lang="en-US" altLang="zh-HK" sz="1400" b="1" dirty="0">
                           <a:solidFill>
                             <a:schemeClr val="tx1"/>
                           </a:solidFill>
-                          <a:latin typeface="+mn-lt"/>
+                          <a:latin typeface="Meiryo UI" panose="020B0604030504040204" pitchFamily="34" charset="-128"/>
                           <a:ea typeface="Meiryo UI" panose="020B0604030504040204" pitchFamily="34" charset="-128"/>
                         </a:rPr>
                         <a:t>10.6 MB</a:t>
                       </a:r>
-                      <a:endParaRPr lang="zh-HK" altLang="en-US" sz="1500" b="1" dirty="0">
+                      <a:endParaRPr lang="zh-HK" altLang="en-US" sz="1400" b="1" dirty="0">
                         <a:solidFill>
                           <a:schemeClr val="tx1"/>
                         </a:solidFill>
-                        <a:latin typeface="+mn-lt"/>
+                        <a:latin typeface="Meiryo UI" panose="020B0604030504040204" pitchFamily="34" charset="-128"/>
                         <a:ea typeface="Meiryo UI" panose="020B0604030504040204" pitchFamily="34" charset="-128"/>
                       </a:endParaRPr>
                     </a:p>
@@ -24231,20 +25379,14 @@
                         <a:defRPr/>
                       </a:pPr>
                       <a:r>
-                        <a:rPr lang="en-US" altLang="zh-TW" sz="1600" b="0" i="0" dirty="0">
+                        <a:rPr lang="en-US" altLang="zh-TW" sz="1400" b="0" i="0" dirty="0">
                           <a:latin typeface="Meiryo UI" panose="020B0604030504040204" pitchFamily="34" charset="-128"/>
                           <a:ea typeface="Meiryo UI" panose="020B0604030504040204" pitchFamily="34" charset="-128"/>
                         </a:rPr>
                         <a:t>3m</a:t>
                       </a:r>
-                      <a:br>
-                        <a:rPr lang="en-US" altLang="zh-TW" sz="1600" b="0" i="0" dirty="0">
-                          <a:latin typeface="Meiryo UI" panose="020B0604030504040204" pitchFamily="34" charset="-128"/>
-                          <a:ea typeface="Meiryo UI" panose="020B0604030504040204" pitchFamily="34" charset="-128"/>
-                        </a:rPr>
-                      </a:br>
                       <a:r>
-                        <a:rPr lang="en-US" altLang="zh-HK" sz="1600" b="0" i="0" dirty="0">
+                        <a:rPr lang="en-US" altLang="zh-HK" sz="1400" b="0" i="0" dirty="0">
                           <a:latin typeface="Meiryo UI" panose="020B0604030504040204" pitchFamily="34" charset="-128"/>
                           <a:ea typeface="Meiryo UI" panose="020B0604030504040204" pitchFamily="34" charset="-128"/>
                         </a:rPr>
@@ -24261,13 +25403,13 @@
                     <a:p>
                       <a:pPr algn="ctr"/>
                       <a:r>
-                        <a:rPr lang="en-US" altLang="zh-HK" sz="1600" b="0" i="0" dirty="0">
+                        <a:rPr lang="en-US" altLang="zh-HK" sz="1400" b="0" i="0" dirty="0">
                           <a:latin typeface="Meiryo UI" panose="020B0604030504040204" pitchFamily="34" charset="-128"/>
                           <a:ea typeface="Meiryo UI" panose="020B0604030504040204" pitchFamily="34" charset="-128"/>
                         </a:rPr>
                         <a:t>~1h6m30</a:t>
                       </a:r>
-                      <a:endParaRPr lang="zh-HK" altLang="en-US" sz="1600" b="0" i="0" dirty="0">
+                      <a:endParaRPr lang="zh-HK" altLang="en-US" sz="1400" b="0" i="0" dirty="0">
                         <a:latin typeface="Meiryo UI" panose="020B0604030504040204" pitchFamily="34" charset="-128"/>
                         <a:ea typeface="Meiryo UI" panose="020B0604030504040204" pitchFamily="34" charset="-128"/>
                       </a:endParaRPr>
@@ -24282,13 +25424,13 @@
                     <a:p>
                       <a:pPr algn="ctr"/>
                       <a:r>
-                        <a:rPr lang="en-US" altLang="zh-HK" sz="1600" dirty="0">
+                        <a:rPr lang="en-US" altLang="zh-HK" sz="1400" dirty="0">
                           <a:latin typeface="Meiryo UI" panose="020B0604030504040204" pitchFamily="34" charset="-128"/>
                           <a:ea typeface="Meiryo UI" panose="020B0604030504040204" pitchFamily="34" charset="-128"/>
                         </a:rPr>
                         <a:t>~19m</a:t>
                       </a:r>
-                      <a:endParaRPr lang="zh-HK" altLang="en-US" sz="1600" dirty="0">
+                      <a:endParaRPr lang="zh-HK" altLang="en-US" sz="1400" dirty="0">
                         <a:latin typeface="Meiryo UI" panose="020B0604030504040204" pitchFamily="34" charset="-128"/>
                         <a:ea typeface="Meiryo UI" panose="020B0604030504040204" pitchFamily="34" charset="-128"/>
                       </a:endParaRPr>
@@ -24303,20 +25445,20 @@
                     <a:p>
                       <a:pPr algn="ctr"/>
                       <a:r>
-                        <a:rPr lang="en-US" altLang="zh-HK" sz="1600" dirty="0">
+                        <a:rPr lang="en-US" altLang="zh-HK" sz="1400" dirty="0">
                           <a:latin typeface="Meiryo UI" panose="020B0604030504040204" pitchFamily="34" charset="-128"/>
                           <a:ea typeface="Meiryo UI" panose="020B0604030504040204" pitchFamily="34" charset="-128"/>
                         </a:rPr>
                         <a:t>~11m2</a:t>
                       </a:r>
                       <a:r>
-                        <a:rPr lang="en-US" altLang="zh-TW" sz="1600" dirty="0">
+                        <a:rPr lang="en-US" altLang="zh-TW" sz="1400" dirty="0">
                           <a:latin typeface="Meiryo UI" panose="020B0604030504040204" pitchFamily="34" charset="-128"/>
                           <a:ea typeface="Meiryo UI" panose="020B0604030504040204" pitchFamily="34" charset="-128"/>
                         </a:rPr>
                         <a:t>0</a:t>
                       </a:r>
-                      <a:endParaRPr lang="zh-HK" altLang="en-US" sz="1600" dirty="0">
+                      <a:endParaRPr lang="zh-HK" altLang="en-US" sz="1400" dirty="0">
                         <a:latin typeface="Meiryo UI" panose="020B0604030504040204" pitchFamily="34" charset="-128"/>
                         <a:ea typeface="Meiryo UI" panose="020B0604030504040204" pitchFamily="34" charset="-128"/>
                       </a:endParaRPr>
@@ -24331,13 +25473,13 @@
                     <a:p>
                       <a:pPr algn="ctr"/>
                       <a:r>
-                        <a:rPr lang="en-US" altLang="zh-HK" sz="1600" dirty="0">
+                        <a:rPr lang="en-US" altLang="zh-HK" sz="1400" dirty="0">
                           <a:latin typeface="Meiryo UI" panose="020B0604030504040204" pitchFamily="34" charset="-128"/>
                           <a:ea typeface="Meiryo UI" panose="020B0604030504040204" pitchFamily="34" charset="-128"/>
                         </a:rPr>
                         <a:t>~14m25</a:t>
                       </a:r>
-                      <a:endParaRPr lang="zh-HK" altLang="en-US" sz="1600" dirty="0">
+                      <a:endParaRPr lang="zh-HK" altLang="en-US" sz="1400" dirty="0">
                         <a:latin typeface="Meiryo UI" panose="020B0604030504040204" pitchFamily="34" charset="-128"/>
                         <a:ea typeface="Meiryo UI" panose="020B0604030504040204" pitchFamily="34" charset="-128"/>
                       </a:endParaRPr>
@@ -24352,13 +25494,13 @@
                     <a:p>
                       <a:pPr algn="ctr"/>
                       <a:r>
-                        <a:rPr lang="en-US" altLang="zh-HK" sz="1600" dirty="0">
+                        <a:rPr lang="en-US" altLang="zh-HK" sz="1400" dirty="0">
                           <a:latin typeface="Meiryo UI" panose="020B0604030504040204" pitchFamily="34" charset="-128"/>
                           <a:ea typeface="Meiryo UI" panose="020B0604030504040204" pitchFamily="34" charset="-128"/>
                         </a:rPr>
                         <a:t>~12m25</a:t>
                       </a:r>
-                      <a:endParaRPr lang="zh-HK" altLang="en-US" sz="1600" dirty="0">
+                      <a:endParaRPr lang="zh-HK" altLang="en-US" sz="1400" dirty="0">
                         <a:latin typeface="Meiryo UI" panose="020B0604030504040204" pitchFamily="34" charset="-128"/>
                         <a:ea typeface="Meiryo UI" panose="020B0604030504040204" pitchFamily="34" charset="-128"/>
                       </a:endParaRPr>
@@ -24373,47 +25515,34 @@
                     <a:p>
                       <a:pPr algn="ctr"/>
                       <a:r>
-                        <a:rPr lang="en-US" altLang="zh-HK" sz="1600" dirty="0">
+                        <a:rPr lang="en-US" altLang="zh-HK" sz="1400" dirty="0">
                           <a:latin typeface="Meiryo UI" panose="020B0604030504040204" pitchFamily="34" charset="-128"/>
                           <a:ea typeface="Meiryo UI" panose="020B0604030504040204" pitchFamily="34" charset="-128"/>
                         </a:rPr>
-                        <a:t>30s</a:t>
-                      </a:r>
-                      <a:br>
-                        <a:rPr lang="en-US" altLang="zh-HK" sz="1600" dirty="0">
-                          <a:latin typeface="Meiryo UI" panose="020B0604030504040204" pitchFamily="34" charset="-128"/>
-                          <a:ea typeface="Meiryo UI" panose="020B0604030504040204" pitchFamily="34" charset="-128"/>
-                        </a:rPr>
-                      </a:br>
-                      <a:r>
-                        <a:rPr lang="en-US" altLang="zh-HK" sz="1600" dirty="0">
-                          <a:latin typeface="Meiryo UI" panose="020B0604030504040204" pitchFamily="34" charset="-128"/>
-                          <a:ea typeface="Meiryo UI" panose="020B0604030504040204" pitchFamily="34" charset="-128"/>
-                        </a:rPr>
-                        <a:t>~</a:t>
+                        <a:t>30s~</a:t>
                       </a:r>
                       <a:r>
-                        <a:rPr lang="en-US" altLang="zh-TW" sz="1600" dirty="0">
+                        <a:rPr lang="en-US" altLang="zh-TW" sz="1400" dirty="0">
                           <a:latin typeface="Meiryo UI" panose="020B0604030504040204" pitchFamily="34" charset="-128"/>
                           <a:ea typeface="Meiryo UI" panose="020B0604030504040204" pitchFamily="34" charset="-128"/>
                         </a:rPr>
                         <a:t>23</a:t>
                       </a:r>
                       <a:r>
-                        <a:rPr lang="en-US" altLang="zh-HK" sz="1600" dirty="0">
+                        <a:rPr lang="en-US" altLang="zh-HK" sz="1400" dirty="0">
                           <a:latin typeface="Meiryo UI" panose="020B0604030504040204" pitchFamily="34" charset="-128"/>
                           <a:ea typeface="Meiryo UI" panose="020B0604030504040204" pitchFamily="34" charset="-128"/>
                         </a:rPr>
                         <a:t>m</a:t>
                       </a:r>
                       <a:r>
-                        <a:rPr lang="en-US" altLang="zh-TW" sz="1600" dirty="0">
+                        <a:rPr lang="en-US" altLang="zh-TW" sz="1400" dirty="0">
                           <a:latin typeface="Meiryo UI" panose="020B0604030504040204" pitchFamily="34" charset="-128"/>
                           <a:ea typeface="Meiryo UI" panose="020B0604030504040204" pitchFamily="34" charset="-128"/>
                         </a:rPr>
                         <a:t>50</a:t>
                       </a:r>
-                      <a:endParaRPr lang="zh-HK" altLang="en-US" sz="1600" dirty="0">
+                      <a:endParaRPr lang="zh-HK" altLang="en-US" sz="1400" dirty="0">
                         <a:latin typeface="Meiryo UI" panose="020B0604030504040204" pitchFamily="34" charset="-128"/>
                         <a:ea typeface="Meiryo UI" panose="020B0604030504040204" pitchFamily="34" charset="-128"/>
                       </a:endParaRPr>
@@ -24428,26 +25557,13 @@
                     <a:p>
                       <a:pPr algn="ctr"/>
                       <a:r>
-                        <a:rPr lang="en-US" altLang="zh-HK" sz="1600" dirty="0">
+                        <a:rPr lang="en-US" altLang="zh-HK" sz="1400" dirty="0">
                           <a:latin typeface="Meiryo UI" panose="020B0604030504040204" pitchFamily="34" charset="-128"/>
                           <a:ea typeface="Meiryo UI" panose="020B0604030504040204" pitchFamily="34" charset="-128"/>
                         </a:rPr>
-                        <a:t>35s</a:t>
+                        <a:t>35s~1m20</a:t>
                       </a:r>
-                      <a:br>
-                        <a:rPr lang="en-US" altLang="zh-HK" sz="1600" dirty="0">
-                          <a:latin typeface="Meiryo UI" panose="020B0604030504040204" pitchFamily="34" charset="-128"/>
-                          <a:ea typeface="Meiryo UI" panose="020B0604030504040204" pitchFamily="34" charset="-128"/>
-                        </a:rPr>
-                      </a:br>
-                      <a:r>
-                        <a:rPr lang="en-US" altLang="zh-HK" sz="1600" dirty="0">
-                          <a:latin typeface="Meiryo UI" panose="020B0604030504040204" pitchFamily="34" charset="-128"/>
-                          <a:ea typeface="Meiryo UI" panose="020B0604030504040204" pitchFamily="34" charset="-128"/>
-                        </a:rPr>
-                        <a:t>~1m20</a:t>
-                      </a:r>
-                      <a:endParaRPr lang="zh-HK" altLang="en-US" sz="1600" dirty="0">
+                      <a:endParaRPr lang="zh-HK" altLang="en-US" sz="1400" dirty="0">
                         <a:latin typeface="Meiryo UI" panose="020B0604030504040204" pitchFamily="34" charset="-128"/>
                         <a:ea typeface="Meiryo UI" panose="020B0604030504040204" pitchFamily="34" charset="-128"/>
                       </a:endParaRPr>
@@ -24462,13 +25578,13 @@
                     <a:p>
                       <a:pPr algn="ctr"/>
                       <a:r>
-                        <a:rPr lang="en-US" altLang="zh-HK" sz="1600" dirty="0">
+                        <a:rPr lang="en-US" altLang="zh-HK" sz="1400" dirty="0">
                           <a:latin typeface="Meiryo UI" panose="020B0604030504040204" pitchFamily="34" charset="-128"/>
                           <a:ea typeface="Meiryo UI" panose="020B0604030504040204" pitchFamily="34" charset="-128"/>
                         </a:rPr>
                         <a:t>1m35</a:t>
                       </a:r>
-                      <a:endParaRPr lang="zh-HK" altLang="en-US" sz="1600" dirty="0">
+                      <a:endParaRPr lang="zh-HK" altLang="en-US" sz="1400" dirty="0">
                         <a:latin typeface="Meiryo UI" panose="020B0604030504040204" pitchFamily="34" charset="-128"/>
                         <a:ea typeface="Meiryo UI" panose="020B0604030504040204" pitchFamily="34" charset="-128"/>
                       </a:endParaRPr>
@@ -24491,7 +25607,7 @@
           <p:cNvPr id="9" name="文字方塊 8">
             <a:extLst>
               <a:ext uri="{FF2B5EF4-FFF2-40B4-BE49-F238E27FC236}">
-                <a16:creationId xmlns:a16="http://schemas.microsoft.com/office/drawing/2014/main" id="{26D321A4-85C3-2D36-6B5F-140D690F7705}"/>
+                <a16:creationId xmlns:a16="http://schemas.microsoft.com/office/drawing/2014/main" id="{022CCC58-6B51-D792-E732-D1DE1B46006B}"/>
               </a:ext>
             </a:extLst>
           </p:cNvPr>
@@ -24500,8 +25616,8 @@
         </p:nvSpPr>
         <p:spPr>
           <a:xfrm>
-            <a:off x="739637" y="5870575"/>
-            <a:ext cx="6452828" cy="369332"/>
+            <a:off x="148043" y="5870575"/>
+            <a:ext cx="2961506" cy="369332"/>
           </a:xfrm>
           <a:prstGeom prst="rect">
             <a:avLst/>
@@ -24554,7 +25670,7 @@
           <p:cNvPr id="7" name="文字方塊 6">
             <a:extLst>
               <a:ext uri="{FF2B5EF4-FFF2-40B4-BE49-F238E27FC236}">
-                <a16:creationId xmlns:a16="http://schemas.microsoft.com/office/drawing/2014/main" id="{CC45D68A-8145-E230-353A-314E152B1A93}"/>
+                <a16:creationId xmlns:a16="http://schemas.microsoft.com/office/drawing/2014/main" id="{ABB3DE97-095F-5E08-C340-C5AF1B9F2034}"/>
               </a:ext>
             </a:extLst>
           </p:cNvPr>
@@ -24563,8 +25679,8 @@
         </p:nvSpPr>
         <p:spPr>
           <a:xfrm>
-            <a:off x="497863" y="1369578"/>
-            <a:ext cx="6452828" cy="461665"/>
+            <a:off x="3937822" y="1235398"/>
+            <a:ext cx="4316350" cy="461665"/>
           </a:xfrm>
           <a:prstGeom prst="rect">
             <a:avLst/>
@@ -24589,7 +25705,28 @@
                 <a:latin typeface="Meiryo UI" panose="020B0604030504040204" pitchFamily="34" charset="-128"/>
                 <a:ea typeface="Meiryo UI" panose="020B0604030504040204" pitchFamily="34" charset="-128"/>
               </a:rPr>
-              <a:t>コアの実行した時間。</a:t>
+              <a:t>コアで実行した時間</a:t>
+            </a:r>
+            <a:r>
+              <a:rPr kumimoji="1" lang="en-US" altLang="zh-HK" sz="2400" dirty="0">
+                <a:latin typeface="Meiryo UI" panose="020B0604030504040204" pitchFamily="34" charset="-128"/>
+                <a:ea typeface="Meiryo UI" panose="020B0604030504040204" pitchFamily="34" charset="-128"/>
+              </a:rPr>
+              <a:t> (</a:t>
+            </a:r>
+            <a:r>
+              <a:rPr lang="zh-HK" altLang="en-US" sz="2400" dirty="0">
+                <a:latin typeface="Meiryo UI" panose="020B0604030504040204" pitchFamily="34" charset="-128"/>
+                <a:ea typeface="Meiryo UI" panose="020B0604030504040204" pitchFamily="34" charset="-128"/>
+              </a:rPr>
+              <a:t>並行処理</a:t>
+            </a:r>
+            <a:r>
+              <a:rPr kumimoji="1" lang="en-US" altLang="zh-HK" sz="2400" dirty="0">
+                <a:latin typeface="Meiryo UI" panose="020B0604030504040204" pitchFamily="34" charset="-128"/>
+                <a:ea typeface="Meiryo UI" panose="020B0604030504040204" pitchFamily="34" charset="-128"/>
+              </a:rPr>
+              <a:t>)</a:t>
             </a:r>
           </a:p>
         </p:txBody>
@@ -24597,7 +25734,7 @@
     </p:spTree>
     <p:extLst>
       <p:ext uri="{BB962C8B-B14F-4D97-AF65-F5344CB8AC3E}">
-        <p14:creationId xmlns:p14="http://schemas.microsoft.com/office/powerpoint/2010/main" val="3838926316"/>
+        <p14:creationId xmlns:p14="http://schemas.microsoft.com/office/powerpoint/2010/main" val="3639090515"/>
       </p:ext>
     </p:extLst>
   </p:cSld>
@@ -24726,7 +25863,7 @@
           </a:bodyPr>
           <a:lstStyle/>
           <a:p>
-            <a:pPr marL="0" indent="0">
+            <a:pPr marL="0" indent="0" algn="ctr">
               <a:buNone/>
             </a:pPr>
             <a:r>
@@ -24743,7 +25880,7 @@
               <a:t>Pprof</a:t>
             </a:r>
             <a:r>
-              <a:rPr lang="zh-HK" altLang="en-US" sz="2800" b="1" dirty="0">
+              <a:rPr lang="ja-JP" altLang="en-US" sz="2800" b="1">
                 <a:solidFill>
                   <a:schemeClr val="tx1">
                     <a:lumMod val="95000"/>
@@ -24753,22 +25890,23 @@
                 <a:latin typeface="Meiryo UI" panose="020B0604030504040204" pitchFamily="34" charset="-128"/>
                 <a:ea typeface="Meiryo UI" panose="020B0604030504040204" pitchFamily="34" charset="-128"/>
               </a:rPr>
-              <a:t>と</a:t>
-            </a:r>
-            <a:r>
-              <a:rPr lang="en-US" altLang="zh-HK" sz="2800" b="1" dirty="0">
+              <a:t>　</a:t>
+            </a:r>
+            <a:r>
+              <a:rPr lang="zh-HK" altLang="en-US" sz="2800" b="1" dirty="0">
                 <a:solidFill>
                   <a:schemeClr val="tx1">
                     <a:lumMod val="95000"/>
                   </a:schemeClr>
                 </a:solidFill>
+                <a:effectLst/>
                 <a:latin typeface="Meiryo UI" panose="020B0604030504040204" pitchFamily="34" charset="-128"/>
                 <a:ea typeface="Meiryo UI" panose="020B0604030504040204" pitchFamily="34" charset="-128"/>
               </a:rPr>
-              <a:t>T</a:t>
-            </a:r>
-            <a:r>
-              <a:rPr lang="en-US" altLang="zh-HK" sz="2800" b="1" dirty="0">
+              <a:t>と</a:t>
+            </a:r>
+            <a:r>
+              <a:rPr lang="ja-JP" altLang="en-US" sz="2800" b="1">
                 <a:solidFill>
                   <a:schemeClr val="tx1">
                     <a:lumMod val="95000"/>
@@ -24778,23 +25916,35 @@
                 <a:latin typeface="Meiryo UI" panose="020B0604030504040204" pitchFamily="34" charset="-128"/>
                 <a:ea typeface="Meiryo UI" panose="020B0604030504040204" pitchFamily="34" charset="-128"/>
               </a:rPr>
-              <a:t>race</a:t>
-            </a:r>
-            <a:r>
-              <a:rPr lang="en-US" altLang="zh-HK" sz="2800" dirty="0">
+              <a:t>　</a:t>
+            </a:r>
+            <a:r>
+              <a:rPr lang="en-US" altLang="zh-HK" sz="2800" b="1" dirty="0">
                 <a:solidFill>
                   <a:schemeClr val="tx1">
                     <a:lumMod val="95000"/>
                   </a:schemeClr>
                 </a:solidFill>
+                <a:latin typeface="Meiryo UI" panose="020B0604030504040204" pitchFamily="34" charset="-128"/>
+                <a:ea typeface="Meiryo UI" panose="020B0604030504040204" pitchFamily="34" charset="-128"/>
+              </a:rPr>
+              <a:t>T</a:t>
+            </a:r>
+            <a:r>
+              <a:rPr lang="en-US" altLang="zh-HK" sz="2800" b="1" dirty="0">
+                <a:solidFill>
+                  <a:schemeClr val="tx1">
+                    <a:lumMod val="95000"/>
+                  </a:schemeClr>
+                </a:solidFill>
                 <a:effectLst/>
                 <a:latin typeface="Meiryo UI" panose="020B0604030504040204" pitchFamily="34" charset="-128"/>
                 <a:ea typeface="Meiryo UI" panose="020B0604030504040204" pitchFamily="34" charset="-128"/>
               </a:rPr>
-              <a:t> </a:t>
-            </a:r>
-            <a:r>
-              <a:rPr lang="zh-HK" altLang="en-US" sz="2800" dirty="0">
+              <a:t>race</a:t>
+            </a:r>
+            <a:r>
+              <a:rPr lang="en-US" altLang="zh-HK" sz="2800" dirty="0">
                 <a:solidFill>
                   <a:schemeClr val="tx1">
                     <a:lumMod val="95000"/>
@@ -24804,10 +25954,10 @@
                 <a:latin typeface="Meiryo UI" panose="020B0604030504040204" pitchFamily="34" charset="-128"/>
                 <a:ea typeface="Meiryo UI" panose="020B0604030504040204" pitchFamily="34" charset="-128"/>
               </a:rPr>
-              <a:t>ブロック作成する際の</a:t>
-            </a:r>
-            <a:r>
-              <a:rPr lang="ja-JP" altLang="en-US" sz="2800">
+              <a:t> </a:t>
+            </a:r>
+            <a:r>
+              <a:rPr lang="zh-HK" altLang="en-US" sz="2800" dirty="0">
                 <a:solidFill>
                   <a:schemeClr val="tx1">
                     <a:lumMod val="95000"/>
@@ -24817,10 +25967,10 @@
                 <a:latin typeface="Meiryo UI" panose="020B0604030504040204" pitchFamily="34" charset="-128"/>
                 <a:ea typeface="Meiryo UI" panose="020B0604030504040204" pitchFamily="34" charset="-128"/>
               </a:rPr>
-              <a:t>パフォーマンスを</a:t>
-            </a:r>
-            <a:r>
-              <a:rPr lang="zh-HK" altLang="en-US" sz="2800" dirty="0">
+              <a:t>ブロック作成する</a:t>
+            </a:r>
+            <a:r>
+              <a:rPr lang="ja-JP" altLang="en-US" sz="2800">
                 <a:solidFill>
                   <a:schemeClr val="tx1">
                     <a:lumMod val="95000"/>
@@ -24830,7 +25980,20 @@
                 <a:latin typeface="Meiryo UI" panose="020B0604030504040204" pitchFamily="34" charset="-128"/>
                 <a:ea typeface="Meiryo UI" panose="020B0604030504040204" pitchFamily="34" charset="-128"/>
               </a:rPr>
-              <a:t>監視する予定</a:t>
+              <a:t>パフォーマンスを</a:t>
+            </a:r>
+            <a:r>
+              <a:rPr lang="zh-HK" altLang="en-US" sz="2800" dirty="0">
+                <a:solidFill>
+                  <a:schemeClr val="tx1">
+                    <a:lumMod val="95000"/>
+                  </a:schemeClr>
+                </a:solidFill>
+                <a:effectLst/>
+                <a:latin typeface="Meiryo UI" panose="020B0604030504040204" pitchFamily="34" charset="-128"/>
+                <a:ea typeface="Meiryo UI" panose="020B0604030504040204" pitchFamily="34" charset="-128"/>
+              </a:rPr>
+              <a:t>監視</a:t>
             </a:r>
             <a:endParaRPr lang="ja-JP" altLang="en-US" sz="2800">
               <a:solidFill>
